--- a/Datatables_and_Dataframes_to_SQL_Procs/User-defined Table Types.pptx
+++ b/Datatables_and_Dataframes_to_SQL_Procs/User-defined Table Types.pptx
@@ -9867,7 +9867,7 @@
         <p:spPr>
           <a:xfrm>
             <a:off x="1510146" y="5437227"/>
-            <a:ext cx="4904509" cy="400110"/>
+            <a:ext cx="6802581" cy="400110"/>
           </a:xfrm>
           <a:prstGeom prst="rect">
             <a:avLst/>
@@ -9881,12 +9881,16 @@
           <a:lstStyle/>
           <a:p>
             <a:r>
-              <a:rPr lang="en-US" sz="2000" dirty="0">
+              <a:rPr lang="en-US" sz="2000">
                 <a:latin typeface="Verdana" panose="020B0604030504040204" pitchFamily="34" charset="0"/>
                 <a:ea typeface="Verdana" panose="020B0604030504040204" pitchFamily="34" charset="0"/>
               </a:rPr>
-              <a:t>https://github.com/jbfoushee</a:t>
-            </a:r>
+              <a:t>https://github.com/jbfoushee/MyPresentations/</a:t>
+            </a:r>
+            <a:endParaRPr lang="en-US" sz="2000" dirty="0">
+              <a:latin typeface="Verdana" panose="020B0604030504040204" pitchFamily="34" charset="0"/>
+              <a:ea typeface="Verdana" panose="020B0604030504040204" pitchFamily="34" charset="0"/>
+            </a:endParaRPr>
           </a:p>
         </p:txBody>
       </p:sp>

--- a/Datatables_and_Dataframes_to_SQL_Procs/User-defined Table Types.pptx
+++ b/Datatables_and_Dataframes_to_SQL_Procs/User-defined Table Types.pptx
@@ -3,59 +3,60 @@
 <p:presentation xmlns:a="http://schemas.openxmlformats.org/drawingml/2006/main" xmlns:r="http://schemas.openxmlformats.org/officeDocument/2006/relationships" xmlns:p="http://schemas.openxmlformats.org/presentationml/2006/main" saveSubsetFonts="1">
   <p:sldMasterIdLst>
     <p:sldMasterId id="2147483677" r:id="rId1"/>
+    <p:sldMasterId id="2147483689" r:id="rId2"/>
   </p:sldMasterIdLst>
   <p:notesMasterIdLst>
-    <p:notesMasterId r:id="rId50"/>
+    <p:notesMasterId r:id="rId51"/>
   </p:notesMasterIdLst>
   <p:sldIdLst>
-    <p:sldId id="256" r:id="rId2"/>
-    <p:sldId id="314" r:id="rId3"/>
+    <p:sldId id="256" r:id="rId3"/>
     <p:sldId id="257" r:id="rId4"/>
     <p:sldId id="291" r:id="rId5"/>
-    <p:sldId id="302" r:id="rId6"/>
-    <p:sldId id="258" r:id="rId7"/>
-    <p:sldId id="259" r:id="rId8"/>
-    <p:sldId id="260" r:id="rId9"/>
-    <p:sldId id="261" r:id="rId10"/>
-    <p:sldId id="262" r:id="rId11"/>
-    <p:sldId id="283" r:id="rId12"/>
-    <p:sldId id="304" r:id="rId13"/>
+    <p:sldId id="314" r:id="rId6"/>
+    <p:sldId id="302" r:id="rId7"/>
+    <p:sldId id="258" r:id="rId8"/>
+    <p:sldId id="259" r:id="rId9"/>
+    <p:sldId id="260" r:id="rId10"/>
+    <p:sldId id="261" r:id="rId11"/>
+    <p:sldId id="262" r:id="rId12"/>
+    <p:sldId id="283" r:id="rId13"/>
     <p:sldId id="263" r:id="rId14"/>
     <p:sldId id="266" r:id="rId15"/>
-    <p:sldId id="267" r:id="rId16"/>
-    <p:sldId id="268" r:id="rId17"/>
-    <p:sldId id="270" r:id="rId18"/>
-    <p:sldId id="269" r:id="rId19"/>
-    <p:sldId id="287" r:id="rId20"/>
-    <p:sldId id="303" r:id="rId21"/>
-    <p:sldId id="264" r:id="rId22"/>
-    <p:sldId id="271" r:id="rId23"/>
-    <p:sldId id="281" r:id="rId24"/>
-    <p:sldId id="279" r:id="rId25"/>
-    <p:sldId id="272" r:id="rId26"/>
-    <p:sldId id="273" r:id="rId27"/>
-    <p:sldId id="274" r:id="rId28"/>
-    <p:sldId id="299" r:id="rId29"/>
-    <p:sldId id="282" r:id="rId30"/>
-    <p:sldId id="276" r:id="rId31"/>
-    <p:sldId id="280" r:id="rId32"/>
-    <p:sldId id="286" r:id="rId33"/>
-    <p:sldId id="288" r:id="rId34"/>
-    <p:sldId id="289" r:id="rId35"/>
-    <p:sldId id="284" r:id="rId36"/>
-    <p:sldId id="307" r:id="rId37"/>
-    <p:sldId id="308" r:id="rId38"/>
-    <p:sldId id="309" r:id="rId39"/>
-    <p:sldId id="310" r:id="rId40"/>
-    <p:sldId id="311" r:id="rId41"/>
-    <p:sldId id="312" r:id="rId42"/>
-    <p:sldId id="313" r:id="rId43"/>
-    <p:sldId id="290" r:id="rId44"/>
-    <p:sldId id="294" r:id="rId45"/>
-    <p:sldId id="295" r:id="rId46"/>
-    <p:sldId id="296" r:id="rId47"/>
-    <p:sldId id="300" r:id="rId48"/>
-    <p:sldId id="305" r:id="rId49"/>
+    <p:sldId id="315" r:id="rId16"/>
+    <p:sldId id="267" r:id="rId17"/>
+    <p:sldId id="268" r:id="rId18"/>
+    <p:sldId id="270" r:id="rId19"/>
+    <p:sldId id="269" r:id="rId20"/>
+    <p:sldId id="287" r:id="rId21"/>
+    <p:sldId id="303" r:id="rId22"/>
+    <p:sldId id="264" r:id="rId23"/>
+    <p:sldId id="271" r:id="rId24"/>
+    <p:sldId id="281" r:id="rId25"/>
+    <p:sldId id="279" r:id="rId26"/>
+    <p:sldId id="272" r:id="rId27"/>
+    <p:sldId id="273" r:id="rId28"/>
+    <p:sldId id="274" r:id="rId29"/>
+    <p:sldId id="299" r:id="rId30"/>
+    <p:sldId id="282" r:id="rId31"/>
+    <p:sldId id="276" r:id="rId32"/>
+    <p:sldId id="280" r:id="rId33"/>
+    <p:sldId id="286" r:id="rId34"/>
+    <p:sldId id="288" r:id="rId35"/>
+    <p:sldId id="289" r:id="rId36"/>
+    <p:sldId id="284" r:id="rId37"/>
+    <p:sldId id="307" r:id="rId38"/>
+    <p:sldId id="308" r:id="rId39"/>
+    <p:sldId id="309" r:id="rId40"/>
+    <p:sldId id="310" r:id="rId41"/>
+    <p:sldId id="311" r:id="rId42"/>
+    <p:sldId id="312" r:id="rId43"/>
+    <p:sldId id="313" r:id="rId44"/>
+    <p:sldId id="290" r:id="rId45"/>
+    <p:sldId id="294" r:id="rId46"/>
+    <p:sldId id="295" r:id="rId47"/>
+    <p:sldId id="296" r:id="rId48"/>
+    <p:sldId id="300" r:id="rId49"/>
+    <p:sldId id="305" r:id="rId50"/>
   </p:sldIdLst>
   <p:sldSz cx="12192000" cy="6858000"/>
   <p:notesSz cx="6858000" cy="9144000"/>
@@ -244,7 +245,7 @@
           <a:p>
             <a:fld id="{3E17F473-D930-40CF-A164-F39E2E601F13}" type="datetimeFigureOut">
               <a:rPr lang="en-US" smtClean="0"/>
-              <a:t>8/8/2023</a:t>
+              <a:t>8/14/2023</a:t>
             </a:fld>
             <a:endParaRPr lang="en-US"/>
           </a:p>
@@ -767,7 +768,7 @@
           <a:p>
             <a:fld id="{2CD9D0CF-7A5F-42A2-8CCA-4A796DEC5511}" type="slidenum">
               <a:rPr lang="en-US" smtClean="0"/>
-              <a:t>13</a:t>
+              <a:t>12</a:t>
             </a:fld>
             <a:endParaRPr lang="en-US"/>
           </a:p>
@@ -857,7 +858,7 @@
           <a:p>
             <a:fld id="{2CD9D0CF-7A5F-42A2-8CCA-4A796DEC5511}" type="slidenum">
               <a:rPr lang="en-US" smtClean="0"/>
-              <a:t>14</a:t>
+              <a:t>13</a:t>
             </a:fld>
             <a:endParaRPr lang="en-US"/>
           </a:p>
@@ -922,8 +923,11 @@
           <a:p>
             <a:r>
               <a:rPr lang="en-US" dirty="0"/>
-              <a:t>That stored proc that depends on the UDTT ? Yeah, you have to drop that proc before you can drop the UDTT.</a:t>
-            </a:r>
+              <a:t>Keep in mind, you would have the same issue with staging tables, so this may not be an issue to you.</a:t>
+            </a:r>
+          </a:p>
+          <a:p>
+            <a:endParaRPr lang="en-US" dirty="0"/>
           </a:p>
         </p:txBody>
       </p:sp>
@@ -944,7 +948,7 @@
           <a:p>
             <a:fld id="{2CD9D0CF-7A5F-42A2-8CCA-4A796DEC5511}" type="slidenum">
               <a:rPr lang="en-US" smtClean="0"/>
-              <a:t>16</a:t>
+              <a:t>14</a:t>
             </a:fld>
             <a:endParaRPr lang="en-US"/>
           </a:p>
@@ -953,7 +957,7 @@
     </p:spTree>
     <p:extLst>
       <p:ext uri="{BB962C8B-B14F-4D97-AF65-F5344CB8AC3E}">
-        <p14:creationId xmlns:p14="http://schemas.microsoft.com/office/powerpoint/2010/main" val="163851640"/>
+        <p14:creationId xmlns:p14="http://schemas.microsoft.com/office/powerpoint/2010/main" val="4114311828"/>
       </p:ext>
     </p:extLst>
   </p:cSld>
@@ -1009,22 +1013,7 @@
           <a:p>
             <a:r>
               <a:rPr lang="en-US" dirty="0"/>
-              <a:t>Make sure you PAY ATTENTION when you have two windows up with two definitions that you just dropped.</a:t>
-            </a:r>
-          </a:p>
-          <a:p>
-            <a:r>
-              <a:rPr lang="en-US" dirty="0"/>
-              <a:t>Don’t let anyone distract you where you accidentally close windows, or you’ll have to restore a proc/UDTT from backup! (Shameful)</a:t>
-            </a:r>
-          </a:p>
-          <a:p>
-            <a:endParaRPr lang="en-US" dirty="0"/>
-          </a:p>
-          <a:p>
-            <a:r>
-              <a:rPr lang="en-US" dirty="0"/>
-              <a:t>This is why you grant objects to roles, not to individuals</a:t>
+              <a:t>As we saw in SSMS, there is no alternative to the TSQL GRANT EXECUTE statement</a:t>
             </a:r>
           </a:p>
         </p:txBody>
@@ -1046,7 +1035,7 @@
           <a:p>
             <a:fld id="{2CD9D0CF-7A5F-42A2-8CCA-4A796DEC5511}" type="slidenum">
               <a:rPr lang="en-US" smtClean="0"/>
-              <a:t>17</a:t>
+              <a:t>15</a:t>
             </a:fld>
             <a:endParaRPr lang="en-US"/>
           </a:p>
@@ -1055,7 +1044,7 @@
     </p:spTree>
     <p:extLst>
       <p:ext uri="{BB962C8B-B14F-4D97-AF65-F5344CB8AC3E}">
-        <p14:creationId xmlns:p14="http://schemas.microsoft.com/office/powerpoint/2010/main" val="2843928296"/>
+        <p14:creationId xmlns:p14="http://schemas.microsoft.com/office/powerpoint/2010/main" val="3671208482"/>
       </p:ext>
     </p:extLst>
   </p:cSld>
@@ -1111,22 +1100,7 @@
           <a:p>
             <a:r>
               <a:rPr lang="en-US" dirty="0"/>
-              <a:t>There is no ETL behind the scenes to map columns based on names or signatures. Position matters.</a:t>
-            </a:r>
-          </a:p>
-          <a:p>
-            <a:r>
-              <a:rPr lang="en-US" dirty="0"/>
-              <a:t>You will pull your hair out from a “datatype clash” error when it really is a column-ordering issue.</a:t>
-            </a:r>
-          </a:p>
-          <a:p>
-            <a:endParaRPr lang="en-US" dirty="0"/>
-          </a:p>
-          <a:p>
-            <a:r>
-              <a:rPr lang="en-US" dirty="0"/>
-              <a:t>(Transfer column definition to Excel and sort alphabetically if you haven’t done so at this point)</a:t>
+              <a:t>That stored proc that depends on the UDTT ? Yeah, you have to drop that proc before you can drop the UDTT.</a:t>
             </a:r>
           </a:p>
         </p:txBody>
@@ -1148,7 +1122,7 @@
           <a:p>
             <a:fld id="{2CD9D0CF-7A5F-42A2-8CCA-4A796DEC5511}" type="slidenum">
               <a:rPr lang="en-US" smtClean="0"/>
-              <a:t>18</a:t>
+              <a:t>16</a:t>
             </a:fld>
             <a:endParaRPr lang="en-US"/>
           </a:p>
@@ -1157,7 +1131,7 @@
     </p:spTree>
     <p:extLst>
       <p:ext uri="{BB962C8B-B14F-4D97-AF65-F5344CB8AC3E}">
-        <p14:creationId xmlns:p14="http://schemas.microsoft.com/office/powerpoint/2010/main" val="2495015756"/>
+        <p14:creationId xmlns:p14="http://schemas.microsoft.com/office/powerpoint/2010/main" val="163851640"/>
       </p:ext>
     </p:extLst>
   </p:cSld>
@@ -1213,7 +1187,13 @@
           <a:p>
             <a:r>
               <a:rPr lang="en-US" dirty="0"/>
-              <a:t>Don’t send columns or data you don’t need.</a:t>
+              <a:t>Make sure you PAY ATTENTION when you have two windows up with two definitions that you just dropped.</a:t>
+            </a:r>
+          </a:p>
+          <a:p>
+            <a:r>
+              <a:rPr lang="en-US" dirty="0"/>
+              <a:t>Don’t let anyone distract you where you accidentally close windows, or you’ll have to restore a proc/UDTT from backup! (Shameful)</a:t>
             </a:r>
           </a:p>
           <a:p>
@@ -1222,15 +1202,7 @@
           <a:p>
             <a:r>
               <a:rPr lang="en-US" dirty="0"/>
-              <a:t>Your mileage will vary on the resources given to </a:t>
-            </a:r>
-            <a:r>
-              <a:rPr lang="en-US" dirty="0" err="1"/>
-              <a:t>tempdb</a:t>
-            </a:r>
-            <a:r>
-              <a:rPr lang="en-US" dirty="0"/>
-              <a:t>.</a:t>
+              <a:t>This is why you grant objects to roles, not to individuals</a:t>
             </a:r>
           </a:p>
         </p:txBody>
@@ -1252,7 +1224,7 @@
           <a:p>
             <a:fld id="{2CD9D0CF-7A5F-42A2-8CCA-4A796DEC5511}" type="slidenum">
               <a:rPr lang="en-US" smtClean="0"/>
-              <a:t>19</a:t>
+              <a:t>17</a:t>
             </a:fld>
             <a:endParaRPr lang="en-US"/>
           </a:p>
@@ -1261,7 +1233,7 @@
     </p:spTree>
     <p:extLst>
       <p:ext uri="{BB962C8B-B14F-4D97-AF65-F5344CB8AC3E}">
-        <p14:creationId xmlns:p14="http://schemas.microsoft.com/office/powerpoint/2010/main" val="2920941150"/>
+        <p14:creationId xmlns:p14="http://schemas.microsoft.com/office/powerpoint/2010/main" val="2843928296"/>
       </p:ext>
     </p:extLst>
   </p:cSld>
@@ -1315,7 +1287,25 @@
           <a:bodyPr/>
           <a:lstStyle/>
           <a:p>
+            <a:r>
+              <a:rPr lang="en-US" dirty="0"/>
+              <a:t>There is no ETL behind the scenes to map columns based on names or signatures. Position matters.</a:t>
+            </a:r>
+          </a:p>
+          <a:p>
+            <a:r>
+              <a:rPr lang="en-US" dirty="0"/>
+              <a:t>You will pull your hair out from a “datatype clash” error when it really is a column-ordering issue.</a:t>
+            </a:r>
+          </a:p>
+          <a:p>
             <a:endParaRPr lang="en-US" dirty="0"/>
+          </a:p>
+          <a:p>
+            <a:r>
+              <a:rPr lang="en-US" dirty="0"/>
+              <a:t>(Transfer column definition to Excel and sort alphabetically if you haven’t done so at this point)</a:t>
+            </a:r>
           </a:p>
         </p:txBody>
       </p:sp>
@@ -1336,7 +1326,7 @@
           <a:p>
             <a:fld id="{2CD9D0CF-7A5F-42A2-8CCA-4A796DEC5511}" type="slidenum">
               <a:rPr lang="en-US" smtClean="0"/>
-              <a:t>20</a:t>
+              <a:t>18</a:t>
             </a:fld>
             <a:endParaRPr lang="en-US"/>
           </a:p>
@@ -1345,7 +1335,7 @@
     </p:spTree>
     <p:extLst>
       <p:ext uri="{BB962C8B-B14F-4D97-AF65-F5344CB8AC3E}">
-        <p14:creationId xmlns:p14="http://schemas.microsoft.com/office/powerpoint/2010/main" val="3311247509"/>
+        <p14:creationId xmlns:p14="http://schemas.microsoft.com/office/powerpoint/2010/main" val="2495015756"/>
       </p:ext>
     </p:extLst>
   </p:cSld>
@@ -1400,12 +1390,25 @@
           <a:lstStyle/>
           <a:p>
             <a:r>
+              <a:rPr lang="en-US" dirty="0"/>
+              <a:t>Don’t send columns or data you don’t need.</a:t>
+            </a:r>
+          </a:p>
+          <a:p>
+            <a:endParaRPr lang="en-US" dirty="0"/>
+          </a:p>
+          <a:p>
+            <a:r>
+              <a:rPr lang="en-US" dirty="0"/>
+              <a:t>Your mileage will vary on the resources given to </a:t>
+            </a:r>
+            <a:r>
               <a:rPr lang="en-US" dirty="0" err="1"/>
-              <a:t>pytds</a:t>
+              <a:t>tempdb</a:t>
             </a:r>
             <a:r>
               <a:rPr lang="en-US" dirty="0"/>
-              <a:t> gives you the option to strongly-type the columns before it transfers to SQL Server.</a:t>
+              <a:t>.</a:t>
             </a:r>
           </a:p>
         </p:txBody>
@@ -1427,7 +1430,7 @@
           <a:p>
             <a:fld id="{2CD9D0CF-7A5F-42A2-8CCA-4A796DEC5511}" type="slidenum">
               <a:rPr lang="en-US" smtClean="0"/>
-              <a:t>24</a:t>
+              <a:t>19</a:t>
             </a:fld>
             <a:endParaRPr lang="en-US"/>
           </a:p>
@@ -1436,7 +1439,7 @@
     </p:spTree>
     <p:extLst>
       <p:ext uri="{BB962C8B-B14F-4D97-AF65-F5344CB8AC3E}">
-        <p14:creationId xmlns:p14="http://schemas.microsoft.com/office/powerpoint/2010/main" val="1828828073"/>
+        <p14:creationId xmlns:p14="http://schemas.microsoft.com/office/powerpoint/2010/main" val="2920941150"/>
       </p:ext>
     </p:extLst>
   </p:cSld>
@@ -1490,43 +1493,7 @@
           <a:bodyPr/>
           <a:lstStyle/>
           <a:p>
-            <a:r>
-              <a:rPr lang="en-US" dirty="0"/>
-              <a:t>We can use </a:t>
-            </a:r>
-            <a:r>
-              <a:rPr lang="en-US" dirty="0" err="1"/>
-              <a:t>System.Reflection</a:t>
-            </a:r>
-            <a:r>
-              <a:rPr lang="en-US" dirty="0"/>
-              <a:t> to convert a collection of some class into a </a:t>
-            </a:r>
-            <a:r>
-              <a:rPr lang="en-US" dirty="0" err="1"/>
-              <a:t>DataTable</a:t>
-            </a:r>
-            <a:r>
-              <a:rPr lang="en-US" dirty="0"/>
-              <a:t>.</a:t>
-            </a:r>
-          </a:p>
-          <a:p>
             <a:endParaRPr lang="en-US" dirty="0"/>
-          </a:p>
-          <a:p>
-            <a:r>
-              <a:rPr lang="en-US" dirty="0"/>
-              <a:t>But which properties are revealed? This is decided by the </a:t>
-            </a:r>
-            <a:r>
-              <a:rPr lang="en-US" dirty="0" err="1"/>
-              <a:t>BindingFlags</a:t>
-            </a:r>
-            <a:r>
-              <a:rPr lang="en-US" dirty="0"/>
-              <a:t> </a:t>
-            </a:r>
           </a:p>
         </p:txBody>
       </p:sp>
@@ -1547,7 +1514,7 @@
           <a:p>
             <a:fld id="{2CD9D0CF-7A5F-42A2-8CCA-4A796DEC5511}" type="slidenum">
               <a:rPr lang="en-US" smtClean="0"/>
-              <a:t>26</a:t>
+              <a:t>20</a:t>
             </a:fld>
             <a:endParaRPr lang="en-US"/>
           </a:p>
@@ -1556,7 +1523,7 @@
     </p:spTree>
     <p:extLst>
       <p:ext uri="{BB962C8B-B14F-4D97-AF65-F5344CB8AC3E}">
-        <p14:creationId xmlns:p14="http://schemas.microsoft.com/office/powerpoint/2010/main" val="1251259963"/>
+        <p14:creationId xmlns:p14="http://schemas.microsoft.com/office/powerpoint/2010/main" val="3311247509"/>
       </p:ext>
     </p:extLst>
   </p:cSld>
@@ -1652,7 +1619,7 @@
           <a:p>
             <a:fld id="{2CD9D0CF-7A5F-42A2-8CCA-4A796DEC5511}" type="slidenum">
               <a:rPr lang="en-US" smtClean="0"/>
-              <a:t>3</a:t>
+              <a:t>2</a:t>
             </a:fld>
             <a:endParaRPr lang="en-US"/>
           </a:p>
@@ -1715,7 +1682,14 @@
           <a:bodyPr/>
           <a:lstStyle/>
           <a:p>
-            <a:endParaRPr lang="en-US" dirty="0"/>
+            <a:r>
+              <a:rPr lang="en-US" dirty="0" err="1"/>
+              <a:t>pytds</a:t>
+            </a:r>
+            <a:r>
+              <a:rPr lang="en-US" dirty="0"/>
+              <a:t> gives you the option to strongly-type the columns before it transfers to SQL Server.</a:t>
+            </a:r>
           </a:p>
         </p:txBody>
       </p:sp>
@@ -1736,7 +1710,7 @@
           <a:p>
             <a:fld id="{2CD9D0CF-7A5F-42A2-8CCA-4A796DEC5511}" type="slidenum">
               <a:rPr lang="en-US" smtClean="0"/>
-              <a:t>34</a:t>
+              <a:t>24</a:t>
             </a:fld>
             <a:endParaRPr lang="en-US"/>
           </a:p>
@@ -1745,7 +1719,7 @@
     </p:spTree>
     <p:extLst>
       <p:ext uri="{BB962C8B-B14F-4D97-AF65-F5344CB8AC3E}">
-        <p14:creationId xmlns:p14="http://schemas.microsoft.com/office/powerpoint/2010/main" val="694626397"/>
+        <p14:creationId xmlns:p14="http://schemas.microsoft.com/office/powerpoint/2010/main" val="1828828073"/>
       </p:ext>
     </p:extLst>
   </p:cSld>
@@ -1801,13 +1775,40 @@
           <a:p>
             <a:r>
               <a:rPr lang="en-US" dirty="0"/>
-              <a:t>Should I be concerned with how much cost the inserts took?</a:t>
-            </a:r>
-          </a:p>
-          <a:p>
+              <a:t>We can use </a:t>
+            </a:r>
+            <a:r>
+              <a:rPr lang="en-US" dirty="0" err="1"/>
+              <a:t>System.Reflection</a:t>
+            </a:r>
             <a:r>
               <a:rPr lang="en-US" dirty="0"/>
-              <a:t>Probably not, since these are a fixed cost. I cannot tune inserts into a table type.</a:t>
+              <a:t> to convert a collection of some class into a </a:t>
+            </a:r>
+            <a:r>
+              <a:rPr lang="en-US" dirty="0" err="1"/>
+              <a:t>DataTable</a:t>
+            </a:r>
+            <a:r>
+              <a:rPr lang="en-US" dirty="0"/>
+              <a:t>.</a:t>
+            </a:r>
+          </a:p>
+          <a:p>
+            <a:endParaRPr lang="en-US" dirty="0"/>
+          </a:p>
+          <a:p>
+            <a:r>
+              <a:rPr lang="en-US" dirty="0"/>
+              <a:t>But which properties are revealed? This is decided by the </a:t>
+            </a:r>
+            <a:r>
+              <a:rPr lang="en-US" dirty="0" err="1"/>
+              <a:t>BindingFlags</a:t>
+            </a:r>
+            <a:r>
+              <a:rPr lang="en-US" dirty="0"/>
+              <a:t> </a:t>
             </a:r>
           </a:p>
         </p:txBody>
@@ -1829,7 +1830,7 @@
           <a:p>
             <a:fld id="{2CD9D0CF-7A5F-42A2-8CCA-4A796DEC5511}" type="slidenum">
               <a:rPr lang="en-US" smtClean="0"/>
-              <a:t>43</a:t>
+              <a:t>26</a:t>
             </a:fld>
             <a:endParaRPr lang="en-US"/>
           </a:p>
@@ -1838,7 +1839,7 @@
     </p:spTree>
     <p:extLst>
       <p:ext uri="{BB962C8B-B14F-4D97-AF65-F5344CB8AC3E}">
-        <p14:creationId xmlns:p14="http://schemas.microsoft.com/office/powerpoint/2010/main" val="2161513194"/>
+        <p14:creationId xmlns:p14="http://schemas.microsoft.com/office/powerpoint/2010/main" val="1251259963"/>
       </p:ext>
     </p:extLst>
   </p:cSld>
@@ -1913,7 +1914,7 @@
           <a:p>
             <a:fld id="{2CD9D0CF-7A5F-42A2-8CCA-4A796DEC5511}" type="slidenum">
               <a:rPr lang="en-US" smtClean="0"/>
-              <a:t>44</a:t>
+              <a:t>34</a:t>
             </a:fld>
             <a:endParaRPr lang="en-US"/>
           </a:p>
@@ -1922,7 +1923,7 @@
     </p:spTree>
     <p:extLst>
       <p:ext uri="{BB962C8B-B14F-4D97-AF65-F5344CB8AC3E}">
-        <p14:creationId xmlns:p14="http://schemas.microsoft.com/office/powerpoint/2010/main" val="103978345"/>
+        <p14:creationId xmlns:p14="http://schemas.microsoft.com/office/powerpoint/2010/main" val="694626397"/>
       </p:ext>
     </p:extLst>
   </p:cSld>
@@ -1976,7 +1977,16 @@
           <a:bodyPr/>
           <a:lstStyle/>
           <a:p>
-            <a:endParaRPr lang="en-US" dirty="0"/>
+            <a:r>
+              <a:rPr lang="en-US" dirty="0"/>
+              <a:t>Should I be concerned with how much cost the inserts took?</a:t>
+            </a:r>
+          </a:p>
+          <a:p>
+            <a:r>
+              <a:rPr lang="en-US" dirty="0"/>
+              <a:t>Probably not, since these are a fixed cost. I cannot tune inserts into a table type.</a:t>
+            </a:r>
           </a:p>
         </p:txBody>
       </p:sp>
@@ -1997,6 +2007,174 @@
           <a:p>
             <a:fld id="{2CD9D0CF-7A5F-42A2-8CCA-4A796DEC5511}" type="slidenum">
               <a:rPr lang="en-US" smtClean="0"/>
+              <a:t>43</a:t>
+            </a:fld>
+            <a:endParaRPr lang="en-US"/>
+          </a:p>
+        </p:txBody>
+      </p:sp>
+    </p:spTree>
+    <p:extLst>
+      <p:ext uri="{BB962C8B-B14F-4D97-AF65-F5344CB8AC3E}">
+        <p14:creationId xmlns:p14="http://schemas.microsoft.com/office/powerpoint/2010/main" val="2161513194"/>
+      </p:ext>
+    </p:extLst>
+  </p:cSld>
+  <p:clrMapOvr>
+    <a:masterClrMapping/>
+  </p:clrMapOvr>
+</p:notes>
+</file>
+
+<file path=ppt/notesSlides/notesSlide24.xml><?xml version="1.0" encoding="utf-8"?>
+<p:notes xmlns:a="http://schemas.openxmlformats.org/drawingml/2006/main" xmlns:r="http://schemas.openxmlformats.org/officeDocument/2006/relationships" xmlns:p="http://schemas.openxmlformats.org/presentationml/2006/main">
+  <p:cSld>
+    <p:spTree>
+      <p:nvGrpSpPr>
+        <p:cNvPr id="1" name=""/>
+        <p:cNvGrpSpPr/>
+        <p:nvPr/>
+      </p:nvGrpSpPr>
+      <p:grpSpPr>
+        <a:xfrm>
+          <a:off x="0" y="0"/>
+          <a:ext cx="0" cy="0"/>
+          <a:chOff x="0" y="0"/>
+          <a:chExt cx="0" cy="0"/>
+        </a:xfrm>
+      </p:grpSpPr>
+      <p:sp>
+        <p:nvSpPr>
+          <p:cNvPr id="2" name="Slide Image Placeholder 1"/>
+          <p:cNvSpPr>
+            <a:spLocks noGrp="1" noRot="1" noChangeAspect="1"/>
+          </p:cNvSpPr>
+          <p:nvPr>
+            <p:ph type="sldImg"/>
+          </p:nvPr>
+        </p:nvSpPr>
+        <p:spPr/>
+      </p:sp>
+      <p:sp>
+        <p:nvSpPr>
+          <p:cNvPr id="3" name="Notes Placeholder 2"/>
+          <p:cNvSpPr>
+            <a:spLocks noGrp="1"/>
+          </p:cNvSpPr>
+          <p:nvPr>
+            <p:ph type="body" idx="1"/>
+          </p:nvPr>
+        </p:nvSpPr>
+        <p:spPr/>
+        <p:txBody>
+          <a:bodyPr/>
+          <a:lstStyle/>
+          <a:p>
+            <a:endParaRPr lang="en-US" dirty="0"/>
+          </a:p>
+        </p:txBody>
+      </p:sp>
+      <p:sp>
+        <p:nvSpPr>
+          <p:cNvPr id="4" name="Slide Number Placeholder 3"/>
+          <p:cNvSpPr>
+            <a:spLocks noGrp="1"/>
+          </p:cNvSpPr>
+          <p:nvPr>
+            <p:ph type="sldNum" sz="quarter" idx="5"/>
+          </p:nvPr>
+        </p:nvSpPr>
+        <p:spPr/>
+        <p:txBody>
+          <a:bodyPr/>
+          <a:lstStyle/>
+          <a:p>
+            <a:fld id="{2CD9D0CF-7A5F-42A2-8CCA-4A796DEC5511}" type="slidenum">
+              <a:rPr lang="en-US" smtClean="0"/>
+              <a:t>44</a:t>
+            </a:fld>
+            <a:endParaRPr lang="en-US"/>
+          </a:p>
+        </p:txBody>
+      </p:sp>
+    </p:spTree>
+    <p:extLst>
+      <p:ext uri="{BB962C8B-B14F-4D97-AF65-F5344CB8AC3E}">
+        <p14:creationId xmlns:p14="http://schemas.microsoft.com/office/powerpoint/2010/main" val="103978345"/>
+      </p:ext>
+    </p:extLst>
+  </p:cSld>
+  <p:clrMapOvr>
+    <a:masterClrMapping/>
+  </p:clrMapOvr>
+</p:notes>
+</file>
+
+<file path=ppt/notesSlides/notesSlide25.xml><?xml version="1.0" encoding="utf-8"?>
+<p:notes xmlns:a="http://schemas.openxmlformats.org/drawingml/2006/main" xmlns:r="http://schemas.openxmlformats.org/officeDocument/2006/relationships" xmlns:p="http://schemas.openxmlformats.org/presentationml/2006/main">
+  <p:cSld>
+    <p:spTree>
+      <p:nvGrpSpPr>
+        <p:cNvPr id="1" name=""/>
+        <p:cNvGrpSpPr/>
+        <p:nvPr/>
+      </p:nvGrpSpPr>
+      <p:grpSpPr>
+        <a:xfrm>
+          <a:off x="0" y="0"/>
+          <a:ext cx="0" cy="0"/>
+          <a:chOff x="0" y="0"/>
+          <a:chExt cx="0" cy="0"/>
+        </a:xfrm>
+      </p:grpSpPr>
+      <p:sp>
+        <p:nvSpPr>
+          <p:cNvPr id="2" name="Slide Image Placeholder 1"/>
+          <p:cNvSpPr>
+            <a:spLocks noGrp="1" noRot="1" noChangeAspect="1"/>
+          </p:cNvSpPr>
+          <p:nvPr>
+            <p:ph type="sldImg"/>
+          </p:nvPr>
+        </p:nvSpPr>
+        <p:spPr/>
+      </p:sp>
+      <p:sp>
+        <p:nvSpPr>
+          <p:cNvPr id="3" name="Notes Placeholder 2"/>
+          <p:cNvSpPr>
+            <a:spLocks noGrp="1"/>
+          </p:cNvSpPr>
+          <p:nvPr>
+            <p:ph type="body" idx="1"/>
+          </p:nvPr>
+        </p:nvSpPr>
+        <p:spPr/>
+        <p:txBody>
+          <a:bodyPr/>
+          <a:lstStyle/>
+          <a:p>
+            <a:endParaRPr lang="en-US" dirty="0"/>
+          </a:p>
+        </p:txBody>
+      </p:sp>
+      <p:sp>
+        <p:nvSpPr>
+          <p:cNvPr id="4" name="Slide Number Placeholder 3"/>
+          <p:cNvSpPr>
+            <a:spLocks noGrp="1"/>
+          </p:cNvSpPr>
+          <p:nvPr>
+            <p:ph type="sldNum" sz="quarter" idx="5"/>
+          </p:nvPr>
+        </p:nvSpPr>
+        <p:spPr/>
+        <p:txBody>
+          <a:bodyPr/>
+          <a:lstStyle/>
+          <a:p>
+            <a:fld id="{2CD9D0CF-7A5F-42A2-8CCA-4A796DEC5511}" type="slidenum">
+              <a:rPr lang="en-US" smtClean="0"/>
               <a:t>45</a:t>
             </a:fld>
             <a:endParaRPr lang="en-US"/>
@@ -2016,7 +2194,7 @@
 </p:notes>
 </file>
 
-<file path=ppt/notesSlides/notesSlide24.xml><?xml version="1.0" encoding="utf-8"?>
+<file path=ppt/notesSlides/notesSlide26.xml><?xml version="1.0" encoding="utf-8"?>
 <p:notes xmlns:a="http://schemas.openxmlformats.org/drawingml/2006/main" xmlns:r="http://schemas.openxmlformats.org/officeDocument/2006/relationships" xmlns:p="http://schemas.openxmlformats.org/presentationml/2006/main">
   <p:cSld>
     <p:spTree>
@@ -2168,7 +2346,7 @@
           <a:p>
             <a:fld id="{2CD9D0CF-7A5F-42A2-8CCA-4A796DEC5511}" type="slidenum">
               <a:rPr lang="en-US" smtClean="0"/>
-              <a:t>4</a:t>
+              <a:t>3</a:t>
             </a:fld>
             <a:endParaRPr lang="en-US"/>
           </a:p>
@@ -3511,7 +3689,7 @@
           <a:p>
             <a:fld id="{FAFDAFBD-AA74-4F39-B34D-B8A0CE5CD8B0}" type="datetimeFigureOut">
               <a:rPr lang="en-US" smtClean="0"/>
-              <a:t>8/8/2023</a:t>
+              <a:t>8/14/2023</a:t>
             </a:fld>
             <a:endParaRPr lang="en-US"/>
           </a:p>
@@ -3709,7 +3887,7 @@
           <a:p>
             <a:fld id="{FAFDAFBD-AA74-4F39-B34D-B8A0CE5CD8B0}" type="datetimeFigureOut">
               <a:rPr lang="en-US" smtClean="0"/>
-              <a:t>8/8/2023</a:t>
+              <a:t>8/14/2023</a:t>
             </a:fld>
             <a:endParaRPr lang="en-US"/>
           </a:p>
@@ -3917,7 +4095,7 @@
           <a:p>
             <a:fld id="{FAFDAFBD-AA74-4F39-B34D-B8A0CE5CD8B0}" type="datetimeFigureOut">
               <a:rPr lang="en-US" smtClean="0"/>
-              <a:t>8/8/2023</a:t>
+              <a:t>8/14/2023</a:t>
             </a:fld>
             <a:endParaRPr lang="en-US"/>
           </a:p>
@@ -3981,6 +4159,2291 @@
     <p:extLst>
       <p:ext uri="{BB962C8B-B14F-4D97-AF65-F5344CB8AC3E}">
         <p14:creationId xmlns:p14="http://schemas.microsoft.com/office/powerpoint/2010/main" val="4113345134"/>
+      </p:ext>
+    </p:extLst>
+  </p:cSld>
+  <p:clrMapOvr>
+    <a:masterClrMapping/>
+  </p:clrMapOvr>
+</p:sldLayout>
+</file>
+
+<file path=ppt/slideLayouts/slideLayout12.xml><?xml version="1.0" encoding="utf-8"?>
+<p:sldLayout xmlns:a="http://schemas.openxmlformats.org/drawingml/2006/main" xmlns:r="http://schemas.openxmlformats.org/officeDocument/2006/relationships" xmlns:p="http://schemas.openxmlformats.org/presentationml/2006/main" showMasterSp="0" type="title" preserve="1">
+  <p:cSld name="Title Slide">
+    <p:spTree>
+      <p:nvGrpSpPr>
+        <p:cNvPr id="1" name=""/>
+        <p:cNvGrpSpPr/>
+        <p:nvPr/>
+      </p:nvGrpSpPr>
+      <p:grpSpPr>
+        <a:xfrm>
+          <a:off x="0" y="0"/>
+          <a:ext cx="0" cy="0"/>
+          <a:chOff x="0" y="0"/>
+          <a:chExt cx="0" cy="0"/>
+        </a:xfrm>
+      </p:grpSpPr>
+      <p:grpSp>
+        <p:nvGrpSpPr>
+          <p:cNvPr id="7" name="Group 6"/>
+          <p:cNvGrpSpPr/>
+          <p:nvPr/>
+        </p:nvGrpSpPr>
+        <p:grpSpPr>
+          <a:xfrm>
+            <a:off x="0" y="-8467"/>
+            <a:ext cx="12192000" cy="6866467"/>
+            <a:chOff x="0" y="-8467"/>
+            <a:chExt cx="12192000" cy="6866467"/>
+          </a:xfrm>
+        </p:grpSpPr>
+        <p:cxnSp>
+          <p:nvCxnSpPr>
+            <p:cNvPr id="32" name="Straight Connector 31"/>
+            <p:cNvCxnSpPr/>
+            <p:nvPr/>
+          </p:nvCxnSpPr>
+          <p:spPr>
+            <a:xfrm>
+              <a:off x="9371012" y="0"/>
+              <a:ext cx="1219200" cy="6858000"/>
+            </a:xfrm>
+            <a:prstGeom prst="line">
+              <a:avLst/>
+            </a:prstGeom>
+            <a:ln w="9525">
+              <a:solidFill>
+                <a:schemeClr val="bg1">
+                  <a:lumMod val="75000"/>
+                </a:schemeClr>
+              </a:solidFill>
+            </a:ln>
+          </p:spPr>
+          <p:style>
+            <a:lnRef idx="2">
+              <a:schemeClr val="accent1"/>
+            </a:lnRef>
+            <a:fillRef idx="0">
+              <a:schemeClr val="accent1"/>
+            </a:fillRef>
+            <a:effectRef idx="1">
+              <a:schemeClr val="accent1"/>
+            </a:effectRef>
+            <a:fontRef idx="minor">
+              <a:schemeClr val="tx1"/>
+            </a:fontRef>
+          </p:style>
+        </p:cxnSp>
+        <p:cxnSp>
+          <p:nvCxnSpPr>
+            <p:cNvPr id="21" name="Straight Connector 20"/>
+            <p:cNvCxnSpPr/>
+            <p:nvPr/>
+          </p:nvCxnSpPr>
+          <p:spPr>
+            <a:xfrm flipH="1">
+              <a:off x="7425267" y="3681413"/>
+              <a:ext cx="4763558" cy="3176587"/>
+            </a:xfrm>
+            <a:prstGeom prst="line">
+              <a:avLst/>
+            </a:prstGeom>
+            <a:ln w="9525">
+              <a:solidFill>
+                <a:schemeClr val="bg1">
+                  <a:lumMod val="85000"/>
+                </a:schemeClr>
+              </a:solidFill>
+            </a:ln>
+          </p:spPr>
+          <p:style>
+            <a:lnRef idx="2">
+              <a:schemeClr val="accent1"/>
+            </a:lnRef>
+            <a:fillRef idx="0">
+              <a:schemeClr val="accent1"/>
+            </a:fillRef>
+            <a:effectRef idx="1">
+              <a:schemeClr val="accent1"/>
+            </a:effectRef>
+            <a:fontRef idx="minor">
+              <a:schemeClr val="tx1"/>
+            </a:fontRef>
+          </p:style>
+        </p:cxnSp>
+        <p:sp>
+          <p:nvSpPr>
+            <p:cNvPr id="24" name="Rectangle 23"/>
+            <p:cNvSpPr/>
+            <p:nvPr/>
+          </p:nvSpPr>
+          <p:spPr>
+            <a:xfrm>
+              <a:off x="9181476" y="-8467"/>
+              <a:ext cx="3007349" cy="6866467"/>
+            </a:xfrm>
+            <a:custGeom>
+              <a:avLst/>
+              <a:gdLst/>
+              <a:ahLst/>
+              <a:cxnLst/>
+              <a:rect l="l" t="t" r="r" b="b"/>
+              <a:pathLst>
+                <a:path w="3007349" h="6866467">
+                  <a:moveTo>
+                    <a:pt x="2045532" y="0"/>
+                  </a:moveTo>
+                  <a:lnTo>
+                    <a:pt x="3007349" y="0"/>
+                  </a:lnTo>
+                  <a:lnTo>
+                    <a:pt x="3007349" y="6866467"/>
+                  </a:lnTo>
+                  <a:lnTo>
+                    <a:pt x="0" y="6866467"/>
+                  </a:lnTo>
+                  <a:lnTo>
+                    <a:pt x="2045532" y="0"/>
+                  </a:lnTo>
+                  <a:close/>
+                </a:path>
+              </a:pathLst>
+            </a:custGeom>
+            <a:solidFill>
+              <a:schemeClr val="accent1">
+                <a:alpha val="30000"/>
+              </a:schemeClr>
+            </a:solidFill>
+            <a:ln>
+              <a:noFill/>
+            </a:ln>
+            <a:effectLst/>
+          </p:spPr>
+          <p:style>
+            <a:lnRef idx="1">
+              <a:schemeClr val="accent1"/>
+            </a:lnRef>
+            <a:fillRef idx="3">
+              <a:schemeClr val="accent1"/>
+            </a:fillRef>
+            <a:effectRef idx="2">
+              <a:schemeClr val="accent1"/>
+            </a:effectRef>
+            <a:fontRef idx="minor">
+              <a:schemeClr val="lt1"/>
+            </a:fontRef>
+          </p:style>
+        </p:sp>
+        <p:sp>
+          <p:nvSpPr>
+            <p:cNvPr id="26" name="Rectangle 25"/>
+            <p:cNvSpPr/>
+            <p:nvPr/>
+          </p:nvSpPr>
+          <p:spPr>
+            <a:xfrm>
+              <a:off x="9603442" y="-8467"/>
+              <a:ext cx="2588558" cy="6866467"/>
+            </a:xfrm>
+            <a:custGeom>
+              <a:avLst/>
+              <a:gdLst/>
+              <a:ahLst/>
+              <a:cxnLst/>
+              <a:rect l="l" t="t" r="r" b="b"/>
+              <a:pathLst>
+                <a:path w="2573311" h="6866467">
+                  <a:moveTo>
+                    <a:pt x="0" y="0"/>
+                  </a:moveTo>
+                  <a:lnTo>
+                    <a:pt x="2573311" y="0"/>
+                  </a:lnTo>
+                  <a:lnTo>
+                    <a:pt x="2573311" y="6866467"/>
+                  </a:lnTo>
+                  <a:lnTo>
+                    <a:pt x="1202336" y="6866467"/>
+                  </a:lnTo>
+                  <a:lnTo>
+                    <a:pt x="0" y="0"/>
+                  </a:lnTo>
+                  <a:close/>
+                </a:path>
+              </a:pathLst>
+            </a:custGeom>
+            <a:solidFill>
+              <a:schemeClr val="accent1">
+                <a:alpha val="20000"/>
+              </a:schemeClr>
+            </a:solidFill>
+            <a:ln>
+              <a:noFill/>
+            </a:ln>
+            <a:effectLst/>
+          </p:spPr>
+          <p:style>
+            <a:lnRef idx="1">
+              <a:schemeClr val="accent1"/>
+            </a:lnRef>
+            <a:fillRef idx="3">
+              <a:schemeClr val="accent1"/>
+            </a:fillRef>
+            <a:effectRef idx="2">
+              <a:schemeClr val="accent1"/>
+            </a:effectRef>
+            <a:fontRef idx="minor">
+              <a:schemeClr val="lt1"/>
+            </a:fontRef>
+          </p:style>
+        </p:sp>
+        <p:sp>
+          <p:nvSpPr>
+            <p:cNvPr id="27" name="Isosceles Triangle 26"/>
+            <p:cNvSpPr/>
+            <p:nvPr/>
+          </p:nvSpPr>
+          <p:spPr>
+            <a:xfrm>
+              <a:off x="8932333" y="3048000"/>
+              <a:ext cx="3259667" cy="3810000"/>
+            </a:xfrm>
+            <a:prstGeom prst="triangle">
+              <a:avLst>
+                <a:gd name="adj" fmla="val 100000"/>
+              </a:avLst>
+            </a:prstGeom>
+            <a:solidFill>
+              <a:schemeClr val="accent2">
+                <a:alpha val="72000"/>
+              </a:schemeClr>
+            </a:solidFill>
+            <a:ln>
+              <a:noFill/>
+            </a:ln>
+            <a:effectLst/>
+          </p:spPr>
+          <p:style>
+            <a:lnRef idx="1">
+              <a:schemeClr val="accent1"/>
+            </a:lnRef>
+            <a:fillRef idx="3">
+              <a:schemeClr val="accent1"/>
+            </a:fillRef>
+            <a:effectRef idx="2">
+              <a:schemeClr val="accent1"/>
+            </a:effectRef>
+            <a:fontRef idx="minor">
+              <a:schemeClr val="lt1"/>
+            </a:fontRef>
+          </p:style>
+        </p:sp>
+        <p:sp>
+          <p:nvSpPr>
+            <p:cNvPr id="28" name="Rectangle 27"/>
+            <p:cNvSpPr/>
+            <p:nvPr/>
+          </p:nvSpPr>
+          <p:spPr>
+            <a:xfrm>
+              <a:off x="9334500" y="-8467"/>
+              <a:ext cx="2854326" cy="6866467"/>
+            </a:xfrm>
+            <a:custGeom>
+              <a:avLst/>
+              <a:gdLst/>
+              <a:ahLst/>
+              <a:cxnLst/>
+              <a:rect l="l" t="t" r="r" b="b"/>
+              <a:pathLst>
+                <a:path w="2858013" h="6866467">
+                  <a:moveTo>
+                    <a:pt x="0" y="0"/>
+                  </a:moveTo>
+                  <a:lnTo>
+                    <a:pt x="2858013" y="0"/>
+                  </a:lnTo>
+                  <a:lnTo>
+                    <a:pt x="2858013" y="6866467"/>
+                  </a:lnTo>
+                  <a:lnTo>
+                    <a:pt x="2473942" y="6866467"/>
+                  </a:lnTo>
+                  <a:lnTo>
+                    <a:pt x="0" y="0"/>
+                  </a:lnTo>
+                  <a:close/>
+                </a:path>
+              </a:pathLst>
+            </a:custGeom>
+            <a:solidFill>
+              <a:schemeClr val="accent2">
+                <a:lumMod val="75000"/>
+                <a:alpha val="70000"/>
+              </a:schemeClr>
+            </a:solidFill>
+            <a:ln>
+              <a:noFill/>
+            </a:ln>
+            <a:effectLst/>
+          </p:spPr>
+          <p:style>
+            <a:lnRef idx="1">
+              <a:schemeClr val="accent1"/>
+            </a:lnRef>
+            <a:fillRef idx="3">
+              <a:schemeClr val="accent1"/>
+            </a:fillRef>
+            <a:effectRef idx="2">
+              <a:schemeClr val="accent1"/>
+            </a:effectRef>
+            <a:fontRef idx="minor">
+              <a:schemeClr val="lt1"/>
+            </a:fontRef>
+          </p:style>
+        </p:sp>
+        <p:sp>
+          <p:nvSpPr>
+            <p:cNvPr id="29" name="Rectangle 28"/>
+            <p:cNvSpPr/>
+            <p:nvPr/>
+          </p:nvSpPr>
+          <p:spPr>
+            <a:xfrm>
+              <a:off x="10898730" y="-8467"/>
+              <a:ext cx="1290094" cy="6866467"/>
+            </a:xfrm>
+            <a:custGeom>
+              <a:avLst/>
+              <a:gdLst/>
+              <a:ahLst/>
+              <a:cxnLst/>
+              <a:rect l="l" t="t" r="r" b="b"/>
+              <a:pathLst>
+                <a:path w="1290094" h="6858000">
+                  <a:moveTo>
+                    <a:pt x="1019735" y="0"/>
+                  </a:moveTo>
+                  <a:lnTo>
+                    <a:pt x="1290094" y="0"/>
+                  </a:lnTo>
+                  <a:lnTo>
+                    <a:pt x="1290094" y="6858000"/>
+                  </a:lnTo>
+                  <a:lnTo>
+                    <a:pt x="0" y="6858000"/>
+                  </a:lnTo>
+                  <a:lnTo>
+                    <a:pt x="1019735" y="0"/>
+                  </a:lnTo>
+                  <a:close/>
+                </a:path>
+              </a:pathLst>
+            </a:custGeom>
+            <a:solidFill>
+              <a:schemeClr val="accent1">
+                <a:lumMod val="60000"/>
+                <a:lumOff val="40000"/>
+                <a:alpha val="70000"/>
+              </a:schemeClr>
+            </a:solidFill>
+            <a:ln>
+              <a:noFill/>
+            </a:ln>
+            <a:effectLst/>
+          </p:spPr>
+          <p:style>
+            <a:lnRef idx="1">
+              <a:schemeClr val="accent1"/>
+            </a:lnRef>
+            <a:fillRef idx="3">
+              <a:schemeClr val="accent1"/>
+            </a:fillRef>
+            <a:effectRef idx="2">
+              <a:schemeClr val="accent1"/>
+            </a:effectRef>
+            <a:fontRef idx="minor">
+              <a:schemeClr val="lt1"/>
+            </a:fontRef>
+          </p:style>
+        </p:sp>
+        <p:sp>
+          <p:nvSpPr>
+            <p:cNvPr id="30" name="Rectangle 29"/>
+            <p:cNvSpPr/>
+            <p:nvPr/>
+          </p:nvSpPr>
+          <p:spPr>
+            <a:xfrm>
+              <a:off x="10938999" y="-8467"/>
+              <a:ext cx="1249825" cy="6866467"/>
+            </a:xfrm>
+            <a:custGeom>
+              <a:avLst/>
+              <a:gdLst/>
+              <a:ahLst/>
+              <a:cxnLst/>
+              <a:rect l="l" t="t" r="r" b="b"/>
+              <a:pathLst>
+                <a:path w="1249825" h="6858000">
+                  <a:moveTo>
+                    <a:pt x="0" y="0"/>
+                  </a:moveTo>
+                  <a:lnTo>
+                    <a:pt x="1249825" y="0"/>
+                  </a:lnTo>
+                  <a:lnTo>
+                    <a:pt x="1249825" y="6858000"/>
+                  </a:lnTo>
+                  <a:lnTo>
+                    <a:pt x="1109382" y="6858000"/>
+                  </a:lnTo>
+                  <a:lnTo>
+                    <a:pt x="0" y="0"/>
+                  </a:lnTo>
+                  <a:close/>
+                </a:path>
+              </a:pathLst>
+            </a:custGeom>
+            <a:solidFill>
+              <a:schemeClr val="accent1">
+                <a:alpha val="65000"/>
+              </a:schemeClr>
+            </a:solidFill>
+            <a:ln>
+              <a:noFill/>
+            </a:ln>
+            <a:effectLst/>
+          </p:spPr>
+          <p:style>
+            <a:lnRef idx="1">
+              <a:schemeClr val="accent1"/>
+            </a:lnRef>
+            <a:fillRef idx="3">
+              <a:schemeClr val="accent1"/>
+            </a:fillRef>
+            <a:effectRef idx="2">
+              <a:schemeClr val="accent1"/>
+            </a:effectRef>
+            <a:fontRef idx="minor">
+              <a:schemeClr val="lt1"/>
+            </a:fontRef>
+          </p:style>
+        </p:sp>
+        <p:sp>
+          <p:nvSpPr>
+            <p:cNvPr id="31" name="Isosceles Triangle 30"/>
+            <p:cNvSpPr/>
+            <p:nvPr/>
+          </p:nvSpPr>
+          <p:spPr>
+            <a:xfrm>
+              <a:off x="10371666" y="3589867"/>
+              <a:ext cx="1817159" cy="3268133"/>
+            </a:xfrm>
+            <a:prstGeom prst="triangle">
+              <a:avLst>
+                <a:gd name="adj" fmla="val 100000"/>
+              </a:avLst>
+            </a:prstGeom>
+            <a:solidFill>
+              <a:schemeClr val="accent1">
+                <a:alpha val="80000"/>
+              </a:schemeClr>
+            </a:solidFill>
+            <a:ln>
+              <a:noFill/>
+            </a:ln>
+            <a:effectLst/>
+          </p:spPr>
+          <p:style>
+            <a:lnRef idx="1">
+              <a:schemeClr val="accent1"/>
+            </a:lnRef>
+            <a:fillRef idx="3">
+              <a:schemeClr val="accent1"/>
+            </a:fillRef>
+            <a:effectRef idx="2">
+              <a:schemeClr val="accent1"/>
+            </a:effectRef>
+            <a:fontRef idx="minor">
+              <a:schemeClr val="lt1"/>
+            </a:fontRef>
+          </p:style>
+        </p:sp>
+        <p:sp>
+          <p:nvSpPr>
+            <p:cNvPr id="19" name="Isosceles Triangle 18"/>
+            <p:cNvSpPr/>
+            <p:nvPr/>
+          </p:nvSpPr>
+          <p:spPr>
+            <a:xfrm rot="10800000">
+              <a:off x="0" y="0"/>
+              <a:ext cx="842596" cy="5666154"/>
+            </a:xfrm>
+            <a:prstGeom prst="triangle">
+              <a:avLst>
+                <a:gd name="adj" fmla="val 100000"/>
+              </a:avLst>
+            </a:prstGeom>
+            <a:solidFill>
+              <a:schemeClr val="accent1">
+                <a:alpha val="85000"/>
+              </a:schemeClr>
+            </a:solidFill>
+            <a:ln>
+              <a:noFill/>
+            </a:ln>
+            <a:effectLst/>
+          </p:spPr>
+          <p:style>
+            <a:lnRef idx="1">
+              <a:schemeClr val="accent1"/>
+            </a:lnRef>
+            <a:fillRef idx="3">
+              <a:schemeClr val="accent1"/>
+            </a:fillRef>
+            <a:effectRef idx="2">
+              <a:schemeClr val="accent1"/>
+            </a:effectRef>
+            <a:fontRef idx="minor">
+              <a:schemeClr val="lt1"/>
+            </a:fontRef>
+          </p:style>
+        </p:sp>
+      </p:grpSp>
+      <p:sp>
+        <p:nvSpPr>
+          <p:cNvPr id="2" name="Title 1"/>
+          <p:cNvSpPr>
+            <a:spLocks noGrp="1"/>
+          </p:cNvSpPr>
+          <p:nvPr>
+            <p:ph type="ctrTitle"/>
+          </p:nvPr>
+        </p:nvSpPr>
+        <p:spPr>
+          <a:xfrm>
+            <a:off x="1507067" y="2404534"/>
+            <a:ext cx="7766936" cy="1646302"/>
+          </a:xfrm>
+        </p:spPr>
+        <p:txBody>
+          <a:bodyPr anchor="b">
+            <a:noAutofit/>
+          </a:bodyPr>
+          <a:lstStyle>
+            <a:lvl1pPr algn="r">
+              <a:defRPr sz="5400">
+                <a:solidFill>
+                  <a:schemeClr val="accent1"/>
+                </a:solidFill>
+              </a:defRPr>
+            </a:lvl1pPr>
+          </a:lstStyle>
+          <a:p>
+            <a:r>
+              <a:rPr lang="en-US"/>
+              <a:t>Click to edit Master title style</a:t>
+            </a:r>
+            <a:endParaRPr lang="en-US" dirty="0"/>
+          </a:p>
+        </p:txBody>
+      </p:sp>
+      <p:sp>
+        <p:nvSpPr>
+          <p:cNvPr id="3" name="Subtitle 2"/>
+          <p:cNvSpPr>
+            <a:spLocks noGrp="1"/>
+          </p:cNvSpPr>
+          <p:nvPr>
+            <p:ph type="subTitle" idx="1"/>
+          </p:nvPr>
+        </p:nvSpPr>
+        <p:spPr>
+          <a:xfrm>
+            <a:off x="1507067" y="4050833"/>
+            <a:ext cx="7766936" cy="1096899"/>
+          </a:xfrm>
+        </p:spPr>
+        <p:txBody>
+          <a:bodyPr anchor="t"/>
+          <a:lstStyle>
+            <a:lvl1pPr marL="0" indent="0" algn="r">
+              <a:buNone/>
+              <a:defRPr>
+                <a:solidFill>
+                  <a:schemeClr val="tx1">
+                    <a:lumMod val="50000"/>
+                    <a:lumOff val="50000"/>
+                  </a:schemeClr>
+                </a:solidFill>
+              </a:defRPr>
+            </a:lvl1pPr>
+            <a:lvl2pPr marL="457200" indent="0" algn="ctr">
+              <a:buNone/>
+              <a:defRPr>
+                <a:solidFill>
+                  <a:schemeClr val="tx1">
+                    <a:tint val="75000"/>
+                  </a:schemeClr>
+                </a:solidFill>
+              </a:defRPr>
+            </a:lvl2pPr>
+            <a:lvl3pPr marL="914400" indent="0" algn="ctr">
+              <a:buNone/>
+              <a:defRPr>
+                <a:solidFill>
+                  <a:schemeClr val="tx1">
+                    <a:tint val="75000"/>
+                  </a:schemeClr>
+                </a:solidFill>
+              </a:defRPr>
+            </a:lvl3pPr>
+            <a:lvl4pPr marL="1371600" indent="0" algn="ctr">
+              <a:buNone/>
+              <a:defRPr>
+                <a:solidFill>
+                  <a:schemeClr val="tx1">
+                    <a:tint val="75000"/>
+                  </a:schemeClr>
+                </a:solidFill>
+              </a:defRPr>
+            </a:lvl4pPr>
+            <a:lvl5pPr marL="1828800" indent="0" algn="ctr">
+              <a:buNone/>
+              <a:defRPr>
+                <a:solidFill>
+                  <a:schemeClr val="tx1">
+                    <a:tint val="75000"/>
+                  </a:schemeClr>
+                </a:solidFill>
+              </a:defRPr>
+            </a:lvl5pPr>
+            <a:lvl6pPr marL="2286000" indent="0" algn="ctr">
+              <a:buNone/>
+              <a:defRPr>
+                <a:solidFill>
+                  <a:schemeClr val="tx1">
+                    <a:tint val="75000"/>
+                  </a:schemeClr>
+                </a:solidFill>
+              </a:defRPr>
+            </a:lvl6pPr>
+            <a:lvl7pPr marL="2743200" indent="0" algn="ctr">
+              <a:buNone/>
+              <a:defRPr>
+                <a:solidFill>
+                  <a:schemeClr val="tx1">
+                    <a:tint val="75000"/>
+                  </a:schemeClr>
+                </a:solidFill>
+              </a:defRPr>
+            </a:lvl7pPr>
+            <a:lvl8pPr marL="3200400" indent="0" algn="ctr">
+              <a:buNone/>
+              <a:defRPr>
+                <a:solidFill>
+                  <a:schemeClr val="tx1">
+                    <a:tint val="75000"/>
+                  </a:schemeClr>
+                </a:solidFill>
+              </a:defRPr>
+            </a:lvl8pPr>
+            <a:lvl9pPr marL="3657600" indent="0" algn="ctr">
+              <a:buNone/>
+              <a:defRPr>
+                <a:solidFill>
+                  <a:schemeClr val="tx1">
+                    <a:tint val="75000"/>
+                  </a:schemeClr>
+                </a:solidFill>
+              </a:defRPr>
+            </a:lvl9pPr>
+          </a:lstStyle>
+          <a:p>
+            <a:r>
+              <a:rPr lang="en-US"/>
+              <a:t>Click to edit Master subtitle style</a:t>
+            </a:r>
+            <a:endParaRPr lang="en-US" dirty="0"/>
+          </a:p>
+        </p:txBody>
+      </p:sp>
+      <p:sp>
+        <p:nvSpPr>
+          <p:cNvPr id="4" name="Date Placeholder 3"/>
+          <p:cNvSpPr>
+            <a:spLocks noGrp="1"/>
+          </p:cNvSpPr>
+          <p:nvPr>
+            <p:ph type="dt" sz="half" idx="10"/>
+          </p:nvPr>
+        </p:nvSpPr>
+        <p:spPr/>
+        <p:txBody>
+          <a:bodyPr/>
+          <a:lstStyle/>
+          <a:p>
+            <a:fld id="{FAFDAFBD-AA74-4F39-B34D-B8A0CE5CD8B0}" type="datetimeFigureOut">
+              <a:rPr lang="en-US" smtClean="0"/>
+              <a:t>8/14/2023</a:t>
+            </a:fld>
+            <a:endParaRPr lang="en-US"/>
+          </a:p>
+        </p:txBody>
+      </p:sp>
+      <p:sp>
+        <p:nvSpPr>
+          <p:cNvPr id="5" name="Footer Placeholder 4"/>
+          <p:cNvSpPr>
+            <a:spLocks noGrp="1"/>
+          </p:cNvSpPr>
+          <p:nvPr>
+            <p:ph type="ftr" sz="quarter" idx="11"/>
+          </p:nvPr>
+        </p:nvSpPr>
+        <p:spPr/>
+        <p:txBody>
+          <a:bodyPr/>
+          <a:lstStyle/>
+          <a:p>
+            <a:endParaRPr lang="en-US"/>
+          </a:p>
+        </p:txBody>
+      </p:sp>
+      <p:sp>
+        <p:nvSpPr>
+          <p:cNvPr id="6" name="Slide Number Placeholder 5"/>
+          <p:cNvSpPr>
+            <a:spLocks noGrp="1"/>
+          </p:cNvSpPr>
+          <p:nvPr>
+            <p:ph type="sldNum" sz="quarter" idx="12"/>
+          </p:nvPr>
+        </p:nvSpPr>
+        <p:spPr/>
+        <p:txBody>
+          <a:bodyPr/>
+          <a:lstStyle/>
+          <a:p>
+            <a:fld id="{B1DBEE3E-F04A-4C6C-9A1F-85BCCA1C6BB6}" type="slidenum">
+              <a:rPr lang="en-US" smtClean="0"/>
+              <a:t>‹#›</a:t>
+            </a:fld>
+            <a:endParaRPr lang="en-US"/>
+          </a:p>
+        </p:txBody>
+      </p:sp>
+    </p:spTree>
+    <p:extLst>
+      <p:ext uri="{BB962C8B-B14F-4D97-AF65-F5344CB8AC3E}">
+        <p14:creationId xmlns:p14="http://schemas.microsoft.com/office/powerpoint/2010/main" val="3859072303"/>
+      </p:ext>
+    </p:extLst>
+  </p:cSld>
+  <p:clrMapOvr>
+    <a:masterClrMapping/>
+  </p:clrMapOvr>
+</p:sldLayout>
+</file>
+
+<file path=ppt/slideLayouts/slideLayout13.xml><?xml version="1.0" encoding="utf-8"?>
+<p:sldLayout xmlns:a="http://schemas.openxmlformats.org/drawingml/2006/main" xmlns:r="http://schemas.openxmlformats.org/officeDocument/2006/relationships" xmlns:p="http://schemas.openxmlformats.org/presentationml/2006/main" type="obj" preserve="1">
+  <p:cSld name="Title and Content">
+    <p:spTree>
+      <p:nvGrpSpPr>
+        <p:cNvPr id="1" name=""/>
+        <p:cNvGrpSpPr/>
+        <p:nvPr/>
+      </p:nvGrpSpPr>
+      <p:grpSpPr>
+        <a:xfrm>
+          <a:off x="0" y="0"/>
+          <a:ext cx="0" cy="0"/>
+          <a:chOff x="0" y="0"/>
+          <a:chExt cx="0" cy="0"/>
+        </a:xfrm>
+      </p:grpSpPr>
+      <p:sp>
+        <p:nvSpPr>
+          <p:cNvPr id="2" name="Title 1"/>
+          <p:cNvSpPr>
+            <a:spLocks noGrp="1"/>
+          </p:cNvSpPr>
+          <p:nvPr>
+            <p:ph type="title"/>
+          </p:nvPr>
+        </p:nvSpPr>
+        <p:spPr/>
+        <p:txBody>
+          <a:bodyPr>
+            <a:normAutofit/>
+          </a:bodyPr>
+          <a:lstStyle>
+            <a:lvl1pPr>
+              <a:defRPr sz="3600"/>
+            </a:lvl1pPr>
+          </a:lstStyle>
+          <a:p>
+            <a:r>
+              <a:rPr lang="en-US"/>
+              <a:t>Click to edit Master title style</a:t>
+            </a:r>
+            <a:endParaRPr lang="en-US" dirty="0"/>
+          </a:p>
+        </p:txBody>
+      </p:sp>
+      <p:sp>
+        <p:nvSpPr>
+          <p:cNvPr id="3" name="Content Placeholder 2"/>
+          <p:cNvSpPr>
+            <a:spLocks noGrp="1"/>
+          </p:cNvSpPr>
+          <p:nvPr>
+            <p:ph idx="1"/>
+          </p:nvPr>
+        </p:nvSpPr>
+        <p:spPr/>
+        <p:txBody>
+          <a:bodyPr/>
+          <a:lstStyle/>
+          <a:p>
+            <a:pPr lvl="0"/>
+            <a:r>
+              <a:rPr lang="en-US"/>
+              <a:t>Click to edit Master text styles</a:t>
+            </a:r>
+          </a:p>
+          <a:p>
+            <a:pPr lvl="1"/>
+            <a:r>
+              <a:rPr lang="en-US"/>
+              <a:t>Second level</a:t>
+            </a:r>
+          </a:p>
+          <a:p>
+            <a:pPr lvl="2"/>
+            <a:r>
+              <a:rPr lang="en-US"/>
+              <a:t>Third level</a:t>
+            </a:r>
+          </a:p>
+          <a:p>
+            <a:pPr lvl="3"/>
+            <a:r>
+              <a:rPr lang="en-US"/>
+              <a:t>Fourth level</a:t>
+            </a:r>
+          </a:p>
+          <a:p>
+            <a:pPr lvl="4"/>
+            <a:r>
+              <a:rPr lang="en-US"/>
+              <a:t>Fifth level</a:t>
+            </a:r>
+            <a:endParaRPr lang="en-US" dirty="0"/>
+          </a:p>
+        </p:txBody>
+      </p:sp>
+      <p:sp>
+        <p:nvSpPr>
+          <p:cNvPr id="4" name="Date Placeholder 3"/>
+          <p:cNvSpPr>
+            <a:spLocks noGrp="1"/>
+          </p:cNvSpPr>
+          <p:nvPr>
+            <p:ph type="dt" sz="half" idx="10"/>
+          </p:nvPr>
+        </p:nvSpPr>
+        <p:spPr/>
+        <p:txBody>
+          <a:bodyPr/>
+          <a:lstStyle/>
+          <a:p>
+            <a:fld id="{FAFDAFBD-AA74-4F39-B34D-B8A0CE5CD8B0}" type="datetimeFigureOut">
+              <a:rPr lang="en-US" smtClean="0"/>
+              <a:t>8/14/2023</a:t>
+            </a:fld>
+            <a:endParaRPr lang="en-US"/>
+          </a:p>
+        </p:txBody>
+      </p:sp>
+      <p:sp>
+        <p:nvSpPr>
+          <p:cNvPr id="5" name="Footer Placeholder 4"/>
+          <p:cNvSpPr>
+            <a:spLocks noGrp="1"/>
+          </p:cNvSpPr>
+          <p:nvPr>
+            <p:ph type="ftr" sz="quarter" idx="11"/>
+          </p:nvPr>
+        </p:nvSpPr>
+        <p:spPr/>
+        <p:txBody>
+          <a:bodyPr/>
+          <a:lstStyle/>
+          <a:p>
+            <a:endParaRPr lang="en-US"/>
+          </a:p>
+        </p:txBody>
+      </p:sp>
+      <p:sp>
+        <p:nvSpPr>
+          <p:cNvPr id="6" name="Slide Number Placeholder 5"/>
+          <p:cNvSpPr>
+            <a:spLocks noGrp="1"/>
+          </p:cNvSpPr>
+          <p:nvPr>
+            <p:ph type="sldNum" sz="quarter" idx="12"/>
+          </p:nvPr>
+        </p:nvSpPr>
+        <p:spPr/>
+        <p:txBody>
+          <a:bodyPr/>
+          <a:lstStyle/>
+          <a:p>
+            <a:fld id="{B1DBEE3E-F04A-4C6C-9A1F-85BCCA1C6BB6}" type="slidenum">
+              <a:rPr lang="en-US" smtClean="0"/>
+              <a:t>‹#›</a:t>
+            </a:fld>
+            <a:endParaRPr lang="en-US"/>
+          </a:p>
+        </p:txBody>
+      </p:sp>
+    </p:spTree>
+    <p:extLst>
+      <p:ext uri="{BB962C8B-B14F-4D97-AF65-F5344CB8AC3E}">
+        <p14:creationId xmlns:p14="http://schemas.microsoft.com/office/powerpoint/2010/main" val="549838784"/>
+      </p:ext>
+    </p:extLst>
+  </p:cSld>
+  <p:clrMapOvr>
+    <a:masterClrMapping/>
+  </p:clrMapOvr>
+</p:sldLayout>
+</file>
+
+<file path=ppt/slideLayouts/slideLayout14.xml><?xml version="1.0" encoding="utf-8"?>
+<p:sldLayout xmlns:a="http://schemas.openxmlformats.org/drawingml/2006/main" xmlns:r="http://schemas.openxmlformats.org/officeDocument/2006/relationships" xmlns:p="http://schemas.openxmlformats.org/presentationml/2006/main" type="secHead" preserve="1">
+  <p:cSld name="Section Header">
+    <p:spTree>
+      <p:nvGrpSpPr>
+        <p:cNvPr id="1" name=""/>
+        <p:cNvGrpSpPr/>
+        <p:nvPr/>
+      </p:nvGrpSpPr>
+      <p:grpSpPr>
+        <a:xfrm>
+          <a:off x="0" y="0"/>
+          <a:ext cx="0" cy="0"/>
+          <a:chOff x="0" y="0"/>
+          <a:chExt cx="0" cy="0"/>
+        </a:xfrm>
+      </p:grpSpPr>
+      <p:sp>
+        <p:nvSpPr>
+          <p:cNvPr id="2" name="Title 1"/>
+          <p:cNvSpPr>
+            <a:spLocks noGrp="1"/>
+          </p:cNvSpPr>
+          <p:nvPr>
+            <p:ph type="title"/>
+          </p:nvPr>
+        </p:nvSpPr>
+        <p:spPr>
+          <a:xfrm>
+            <a:off x="677335" y="2700867"/>
+            <a:ext cx="8596668" cy="1826581"/>
+          </a:xfrm>
+        </p:spPr>
+        <p:txBody>
+          <a:bodyPr anchor="b"/>
+          <a:lstStyle>
+            <a:lvl1pPr algn="l">
+              <a:defRPr sz="4000" b="0" cap="none"/>
+            </a:lvl1pPr>
+          </a:lstStyle>
+          <a:p>
+            <a:r>
+              <a:rPr lang="en-US"/>
+              <a:t>Click to edit Master title style</a:t>
+            </a:r>
+            <a:endParaRPr lang="en-US" dirty="0"/>
+          </a:p>
+        </p:txBody>
+      </p:sp>
+      <p:sp>
+        <p:nvSpPr>
+          <p:cNvPr id="3" name="Text Placeholder 2"/>
+          <p:cNvSpPr>
+            <a:spLocks noGrp="1"/>
+          </p:cNvSpPr>
+          <p:nvPr>
+            <p:ph type="body" idx="1"/>
+          </p:nvPr>
+        </p:nvSpPr>
+        <p:spPr>
+          <a:xfrm>
+            <a:off x="677335" y="4527448"/>
+            <a:ext cx="8596668" cy="860400"/>
+          </a:xfrm>
+        </p:spPr>
+        <p:txBody>
+          <a:bodyPr anchor="t"/>
+          <a:lstStyle>
+            <a:lvl1pPr marL="0" indent="0" algn="l">
+              <a:buNone/>
+              <a:defRPr sz="2000">
+                <a:solidFill>
+                  <a:schemeClr val="tx1">
+                    <a:lumMod val="50000"/>
+                    <a:lumOff val="50000"/>
+                  </a:schemeClr>
+                </a:solidFill>
+              </a:defRPr>
+            </a:lvl1pPr>
+            <a:lvl2pPr marL="457200" indent="0">
+              <a:buNone/>
+              <a:defRPr sz="1800">
+                <a:solidFill>
+                  <a:schemeClr val="tx1">
+                    <a:tint val="75000"/>
+                  </a:schemeClr>
+                </a:solidFill>
+              </a:defRPr>
+            </a:lvl2pPr>
+            <a:lvl3pPr marL="914400" indent="0">
+              <a:buNone/>
+              <a:defRPr sz="1600">
+                <a:solidFill>
+                  <a:schemeClr val="tx1">
+                    <a:tint val="75000"/>
+                  </a:schemeClr>
+                </a:solidFill>
+              </a:defRPr>
+            </a:lvl3pPr>
+            <a:lvl4pPr marL="1371600" indent="0">
+              <a:buNone/>
+              <a:defRPr sz="1400">
+                <a:solidFill>
+                  <a:schemeClr val="tx1">
+                    <a:tint val="75000"/>
+                  </a:schemeClr>
+                </a:solidFill>
+              </a:defRPr>
+            </a:lvl4pPr>
+            <a:lvl5pPr marL="1828800" indent="0">
+              <a:buNone/>
+              <a:defRPr sz="1400">
+                <a:solidFill>
+                  <a:schemeClr val="tx1">
+                    <a:tint val="75000"/>
+                  </a:schemeClr>
+                </a:solidFill>
+              </a:defRPr>
+            </a:lvl5pPr>
+            <a:lvl6pPr marL="2286000" indent="0">
+              <a:buNone/>
+              <a:defRPr sz="1400">
+                <a:solidFill>
+                  <a:schemeClr val="tx1">
+                    <a:tint val="75000"/>
+                  </a:schemeClr>
+                </a:solidFill>
+              </a:defRPr>
+            </a:lvl6pPr>
+            <a:lvl7pPr marL="2743200" indent="0">
+              <a:buNone/>
+              <a:defRPr sz="1400">
+                <a:solidFill>
+                  <a:schemeClr val="tx1">
+                    <a:tint val="75000"/>
+                  </a:schemeClr>
+                </a:solidFill>
+              </a:defRPr>
+            </a:lvl7pPr>
+            <a:lvl8pPr marL="3200400" indent="0">
+              <a:buNone/>
+              <a:defRPr sz="1400">
+                <a:solidFill>
+                  <a:schemeClr val="tx1">
+                    <a:tint val="75000"/>
+                  </a:schemeClr>
+                </a:solidFill>
+              </a:defRPr>
+            </a:lvl8pPr>
+            <a:lvl9pPr marL="3657600" indent="0">
+              <a:buNone/>
+              <a:defRPr sz="1400">
+                <a:solidFill>
+                  <a:schemeClr val="tx1">
+                    <a:tint val="75000"/>
+                  </a:schemeClr>
+                </a:solidFill>
+              </a:defRPr>
+            </a:lvl9pPr>
+          </a:lstStyle>
+          <a:p>
+            <a:pPr lvl="0"/>
+            <a:r>
+              <a:rPr lang="en-US"/>
+              <a:t>Click to edit Master text styles</a:t>
+            </a:r>
+          </a:p>
+        </p:txBody>
+      </p:sp>
+      <p:sp>
+        <p:nvSpPr>
+          <p:cNvPr id="4" name="Date Placeholder 3"/>
+          <p:cNvSpPr>
+            <a:spLocks noGrp="1"/>
+          </p:cNvSpPr>
+          <p:nvPr>
+            <p:ph type="dt" sz="half" idx="10"/>
+          </p:nvPr>
+        </p:nvSpPr>
+        <p:spPr/>
+        <p:txBody>
+          <a:bodyPr/>
+          <a:lstStyle/>
+          <a:p>
+            <a:fld id="{FAFDAFBD-AA74-4F39-B34D-B8A0CE5CD8B0}" type="datetimeFigureOut">
+              <a:rPr lang="en-US" smtClean="0"/>
+              <a:t>8/14/2023</a:t>
+            </a:fld>
+            <a:endParaRPr lang="en-US"/>
+          </a:p>
+        </p:txBody>
+      </p:sp>
+      <p:sp>
+        <p:nvSpPr>
+          <p:cNvPr id="5" name="Footer Placeholder 4"/>
+          <p:cNvSpPr>
+            <a:spLocks noGrp="1"/>
+          </p:cNvSpPr>
+          <p:nvPr>
+            <p:ph type="ftr" sz="quarter" idx="11"/>
+          </p:nvPr>
+        </p:nvSpPr>
+        <p:spPr/>
+        <p:txBody>
+          <a:bodyPr/>
+          <a:lstStyle/>
+          <a:p>
+            <a:endParaRPr lang="en-US"/>
+          </a:p>
+        </p:txBody>
+      </p:sp>
+      <p:sp>
+        <p:nvSpPr>
+          <p:cNvPr id="6" name="Slide Number Placeholder 5"/>
+          <p:cNvSpPr>
+            <a:spLocks noGrp="1"/>
+          </p:cNvSpPr>
+          <p:nvPr>
+            <p:ph type="sldNum" sz="quarter" idx="12"/>
+          </p:nvPr>
+        </p:nvSpPr>
+        <p:spPr/>
+        <p:txBody>
+          <a:bodyPr/>
+          <a:lstStyle/>
+          <a:p>
+            <a:fld id="{B1DBEE3E-F04A-4C6C-9A1F-85BCCA1C6BB6}" type="slidenum">
+              <a:rPr lang="en-US" smtClean="0"/>
+              <a:t>‹#›</a:t>
+            </a:fld>
+            <a:endParaRPr lang="en-US"/>
+          </a:p>
+        </p:txBody>
+      </p:sp>
+    </p:spTree>
+    <p:extLst>
+      <p:ext uri="{BB962C8B-B14F-4D97-AF65-F5344CB8AC3E}">
+        <p14:creationId xmlns:p14="http://schemas.microsoft.com/office/powerpoint/2010/main" val="130691151"/>
+      </p:ext>
+    </p:extLst>
+  </p:cSld>
+  <p:clrMapOvr>
+    <a:masterClrMapping/>
+  </p:clrMapOvr>
+</p:sldLayout>
+</file>
+
+<file path=ppt/slideLayouts/slideLayout15.xml><?xml version="1.0" encoding="utf-8"?>
+<p:sldLayout xmlns:a="http://schemas.openxmlformats.org/drawingml/2006/main" xmlns:r="http://schemas.openxmlformats.org/officeDocument/2006/relationships" xmlns:p="http://schemas.openxmlformats.org/presentationml/2006/main" type="twoObj" preserve="1">
+  <p:cSld name="Two Content">
+    <p:spTree>
+      <p:nvGrpSpPr>
+        <p:cNvPr id="1" name=""/>
+        <p:cNvGrpSpPr/>
+        <p:nvPr/>
+      </p:nvGrpSpPr>
+      <p:grpSpPr>
+        <a:xfrm>
+          <a:off x="0" y="0"/>
+          <a:ext cx="0" cy="0"/>
+          <a:chOff x="0" y="0"/>
+          <a:chExt cx="0" cy="0"/>
+        </a:xfrm>
+      </p:grpSpPr>
+      <p:sp>
+        <p:nvSpPr>
+          <p:cNvPr id="2" name="Title 1"/>
+          <p:cNvSpPr>
+            <a:spLocks noGrp="1"/>
+          </p:cNvSpPr>
+          <p:nvPr>
+            <p:ph type="title"/>
+          </p:nvPr>
+        </p:nvSpPr>
+        <p:spPr/>
+        <p:txBody>
+          <a:bodyPr/>
+          <a:lstStyle/>
+          <a:p>
+            <a:r>
+              <a:rPr lang="en-US"/>
+              <a:t>Click to edit Master title style</a:t>
+            </a:r>
+            <a:endParaRPr lang="en-US" dirty="0"/>
+          </a:p>
+        </p:txBody>
+      </p:sp>
+      <p:sp>
+        <p:nvSpPr>
+          <p:cNvPr id="3" name="Content Placeholder 2"/>
+          <p:cNvSpPr>
+            <a:spLocks noGrp="1"/>
+          </p:cNvSpPr>
+          <p:nvPr>
+            <p:ph sz="half" idx="1"/>
+          </p:nvPr>
+        </p:nvSpPr>
+        <p:spPr>
+          <a:xfrm>
+            <a:off x="677334" y="2160589"/>
+            <a:ext cx="4184035" cy="3880772"/>
+          </a:xfrm>
+        </p:spPr>
+        <p:txBody>
+          <a:bodyPr/>
+          <a:lstStyle/>
+          <a:p>
+            <a:pPr lvl="0"/>
+            <a:r>
+              <a:rPr lang="en-US"/>
+              <a:t>Click to edit Master text styles</a:t>
+            </a:r>
+          </a:p>
+          <a:p>
+            <a:pPr lvl="1"/>
+            <a:r>
+              <a:rPr lang="en-US"/>
+              <a:t>Second level</a:t>
+            </a:r>
+          </a:p>
+          <a:p>
+            <a:pPr lvl="2"/>
+            <a:r>
+              <a:rPr lang="en-US"/>
+              <a:t>Third level</a:t>
+            </a:r>
+          </a:p>
+          <a:p>
+            <a:pPr lvl="3"/>
+            <a:r>
+              <a:rPr lang="en-US"/>
+              <a:t>Fourth level</a:t>
+            </a:r>
+          </a:p>
+          <a:p>
+            <a:pPr lvl="4"/>
+            <a:r>
+              <a:rPr lang="en-US"/>
+              <a:t>Fifth level</a:t>
+            </a:r>
+            <a:endParaRPr lang="en-US" dirty="0"/>
+          </a:p>
+        </p:txBody>
+      </p:sp>
+      <p:sp>
+        <p:nvSpPr>
+          <p:cNvPr id="4" name="Content Placeholder 3"/>
+          <p:cNvSpPr>
+            <a:spLocks noGrp="1"/>
+          </p:cNvSpPr>
+          <p:nvPr>
+            <p:ph sz="half" idx="2"/>
+          </p:nvPr>
+        </p:nvSpPr>
+        <p:spPr>
+          <a:xfrm>
+            <a:off x="5089970" y="2160589"/>
+            <a:ext cx="4184034" cy="3880773"/>
+          </a:xfrm>
+        </p:spPr>
+        <p:txBody>
+          <a:bodyPr/>
+          <a:lstStyle/>
+          <a:p>
+            <a:pPr lvl="0"/>
+            <a:r>
+              <a:rPr lang="en-US"/>
+              <a:t>Click to edit Master text styles</a:t>
+            </a:r>
+          </a:p>
+          <a:p>
+            <a:pPr lvl="1"/>
+            <a:r>
+              <a:rPr lang="en-US"/>
+              <a:t>Second level</a:t>
+            </a:r>
+          </a:p>
+          <a:p>
+            <a:pPr lvl="2"/>
+            <a:r>
+              <a:rPr lang="en-US"/>
+              <a:t>Third level</a:t>
+            </a:r>
+          </a:p>
+          <a:p>
+            <a:pPr lvl="3"/>
+            <a:r>
+              <a:rPr lang="en-US"/>
+              <a:t>Fourth level</a:t>
+            </a:r>
+          </a:p>
+          <a:p>
+            <a:pPr lvl="4"/>
+            <a:r>
+              <a:rPr lang="en-US"/>
+              <a:t>Fifth level</a:t>
+            </a:r>
+            <a:endParaRPr lang="en-US" dirty="0"/>
+          </a:p>
+        </p:txBody>
+      </p:sp>
+      <p:sp>
+        <p:nvSpPr>
+          <p:cNvPr id="5" name="Date Placeholder 4"/>
+          <p:cNvSpPr>
+            <a:spLocks noGrp="1"/>
+          </p:cNvSpPr>
+          <p:nvPr>
+            <p:ph type="dt" sz="half" idx="10"/>
+          </p:nvPr>
+        </p:nvSpPr>
+        <p:spPr/>
+        <p:txBody>
+          <a:bodyPr/>
+          <a:lstStyle/>
+          <a:p>
+            <a:fld id="{FAFDAFBD-AA74-4F39-B34D-B8A0CE5CD8B0}" type="datetimeFigureOut">
+              <a:rPr lang="en-US" smtClean="0"/>
+              <a:t>8/14/2023</a:t>
+            </a:fld>
+            <a:endParaRPr lang="en-US"/>
+          </a:p>
+        </p:txBody>
+      </p:sp>
+      <p:sp>
+        <p:nvSpPr>
+          <p:cNvPr id="6" name="Footer Placeholder 5"/>
+          <p:cNvSpPr>
+            <a:spLocks noGrp="1"/>
+          </p:cNvSpPr>
+          <p:nvPr>
+            <p:ph type="ftr" sz="quarter" idx="11"/>
+          </p:nvPr>
+        </p:nvSpPr>
+        <p:spPr/>
+        <p:txBody>
+          <a:bodyPr/>
+          <a:lstStyle/>
+          <a:p>
+            <a:endParaRPr lang="en-US"/>
+          </a:p>
+        </p:txBody>
+      </p:sp>
+      <p:sp>
+        <p:nvSpPr>
+          <p:cNvPr id="7" name="Slide Number Placeholder 6"/>
+          <p:cNvSpPr>
+            <a:spLocks noGrp="1"/>
+          </p:cNvSpPr>
+          <p:nvPr>
+            <p:ph type="sldNum" sz="quarter" idx="12"/>
+          </p:nvPr>
+        </p:nvSpPr>
+        <p:spPr/>
+        <p:txBody>
+          <a:bodyPr/>
+          <a:lstStyle/>
+          <a:p>
+            <a:fld id="{B1DBEE3E-F04A-4C6C-9A1F-85BCCA1C6BB6}" type="slidenum">
+              <a:rPr lang="en-US" smtClean="0"/>
+              <a:t>‹#›</a:t>
+            </a:fld>
+            <a:endParaRPr lang="en-US"/>
+          </a:p>
+        </p:txBody>
+      </p:sp>
+    </p:spTree>
+    <p:extLst>
+      <p:ext uri="{BB962C8B-B14F-4D97-AF65-F5344CB8AC3E}">
+        <p14:creationId xmlns:p14="http://schemas.microsoft.com/office/powerpoint/2010/main" val="3245437938"/>
+      </p:ext>
+    </p:extLst>
+  </p:cSld>
+  <p:clrMapOvr>
+    <a:masterClrMapping/>
+  </p:clrMapOvr>
+</p:sldLayout>
+</file>
+
+<file path=ppt/slideLayouts/slideLayout16.xml><?xml version="1.0" encoding="utf-8"?>
+<p:sldLayout xmlns:a="http://schemas.openxmlformats.org/drawingml/2006/main" xmlns:r="http://schemas.openxmlformats.org/officeDocument/2006/relationships" xmlns:p="http://schemas.openxmlformats.org/presentationml/2006/main" type="twoTxTwoObj" preserve="1">
+  <p:cSld name="Comparison">
+    <p:spTree>
+      <p:nvGrpSpPr>
+        <p:cNvPr id="1" name=""/>
+        <p:cNvGrpSpPr/>
+        <p:nvPr/>
+      </p:nvGrpSpPr>
+      <p:grpSpPr>
+        <a:xfrm>
+          <a:off x="0" y="0"/>
+          <a:ext cx="0" cy="0"/>
+          <a:chOff x="0" y="0"/>
+          <a:chExt cx="0" cy="0"/>
+        </a:xfrm>
+      </p:grpSpPr>
+      <p:sp>
+        <p:nvSpPr>
+          <p:cNvPr id="2" name="Title 1"/>
+          <p:cNvSpPr>
+            <a:spLocks noGrp="1"/>
+          </p:cNvSpPr>
+          <p:nvPr>
+            <p:ph type="title"/>
+          </p:nvPr>
+        </p:nvSpPr>
+        <p:spPr/>
+        <p:txBody>
+          <a:bodyPr/>
+          <a:lstStyle>
+            <a:lvl1pPr>
+              <a:defRPr/>
+            </a:lvl1pPr>
+          </a:lstStyle>
+          <a:p>
+            <a:r>
+              <a:rPr lang="en-US"/>
+              <a:t>Click to edit Master title style</a:t>
+            </a:r>
+            <a:endParaRPr lang="en-US" dirty="0"/>
+          </a:p>
+        </p:txBody>
+      </p:sp>
+      <p:sp>
+        <p:nvSpPr>
+          <p:cNvPr id="3" name="Text Placeholder 2"/>
+          <p:cNvSpPr>
+            <a:spLocks noGrp="1"/>
+          </p:cNvSpPr>
+          <p:nvPr>
+            <p:ph type="body" idx="1"/>
+          </p:nvPr>
+        </p:nvSpPr>
+        <p:spPr>
+          <a:xfrm>
+            <a:off x="675745" y="2160983"/>
+            <a:ext cx="4185623" cy="576262"/>
+          </a:xfrm>
+        </p:spPr>
+        <p:txBody>
+          <a:bodyPr anchor="b">
+            <a:noAutofit/>
+          </a:bodyPr>
+          <a:lstStyle>
+            <a:lvl1pPr marL="0" indent="0">
+              <a:buNone/>
+              <a:defRPr sz="2400" b="0"/>
+            </a:lvl1pPr>
+            <a:lvl2pPr marL="457200" indent="0">
+              <a:buNone/>
+              <a:defRPr sz="2000" b="1"/>
+            </a:lvl2pPr>
+            <a:lvl3pPr marL="914400" indent="0">
+              <a:buNone/>
+              <a:defRPr sz="1800" b="1"/>
+            </a:lvl3pPr>
+            <a:lvl4pPr marL="1371600" indent="0">
+              <a:buNone/>
+              <a:defRPr sz="1600" b="1"/>
+            </a:lvl4pPr>
+            <a:lvl5pPr marL="1828800" indent="0">
+              <a:buNone/>
+              <a:defRPr sz="1600" b="1"/>
+            </a:lvl5pPr>
+            <a:lvl6pPr marL="2286000" indent="0">
+              <a:buNone/>
+              <a:defRPr sz="1600" b="1"/>
+            </a:lvl6pPr>
+            <a:lvl7pPr marL="2743200" indent="0">
+              <a:buNone/>
+              <a:defRPr sz="1600" b="1"/>
+            </a:lvl7pPr>
+            <a:lvl8pPr marL="3200400" indent="0">
+              <a:buNone/>
+              <a:defRPr sz="1600" b="1"/>
+            </a:lvl8pPr>
+            <a:lvl9pPr marL="3657600" indent="0">
+              <a:buNone/>
+              <a:defRPr sz="1600" b="1"/>
+            </a:lvl9pPr>
+          </a:lstStyle>
+          <a:p>
+            <a:pPr lvl="0"/>
+            <a:r>
+              <a:rPr lang="en-US"/>
+              <a:t>Click to edit Master text styles</a:t>
+            </a:r>
+          </a:p>
+        </p:txBody>
+      </p:sp>
+      <p:sp>
+        <p:nvSpPr>
+          <p:cNvPr id="4" name="Content Placeholder 3"/>
+          <p:cNvSpPr>
+            <a:spLocks noGrp="1"/>
+          </p:cNvSpPr>
+          <p:nvPr>
+            <p:ph sz="half" idx="2"/>
+          </p:nvPr>
+        </p:nvSpPr>
+        <p:spPr>
+          <a:xfrm>
+            <a:off x="675745" y="2737245"/>
+            <a:ext cx="4185623" cy="3304117"/>
+          </a:xfrm>
+        </p:spPr>
+        <p:txBody>
+          <a:bodyPr>
+            <a:normAutofit/>
+          </a:bodyPr>
+          <a:lstStyle/>
+          <a:p>
+            <a:pPr lvl="0"/>
+            <a:r>
+              <a:rPr lang="en-US"/>
+              <a:t>Click to edit Master text styles</a:t>
+            </a:r>
+          </a:p>
+          <a:p>
+            <a:pPr lvl="1"/>
+            <a:r>
+              <a:rPr lang="en-US"/>
+              <a:t>Second level</a:t>
+            </a:r>
+          </a:p>
+          <a:p>
+            <a:pPr lvl="2"/>
+            <a:r>
+              <a:rPr lang="en-US"/>
+              <a:t>Third level</a:t>
+            </a:r>
+          </a:p>
+          <a:p>
+            <a:pPr lvl="3"/>
+            <a:r>
+              <a:rPr lang="en-US"/>
+              <a:t>Fourth level</a:t>
+            </a:r>
+          </a:p>
+          <a:p>
+            <a:pPr lvl="4"/>
+            <a:r>
+              <a:rPr lang="en-US"/>
+              <a:t>Fifth level</a:t>
+            </a:r>
+            <a:endParaRPr lang="en-US" dirty="0"/>
+          </a:p>
+        </p:txBody>
+      </p:sp>
+      <p:sp>
+        <p:nvSpPr>
+          <p:cNvPr id="5" name="Text Placeholder 4"/>
+          <p:cNvSpPr>
+            <a:spLocks noGrp="1"/>
+          </p:cNvSpPr>
+          <p:nvPr>
+            <p:ph type="body" sz="quarter" idx="3"/>
+          </p:nvPr>
+        </p:nvSpPr>
+        <p:spPr>
+          <a:xfrm>
+            <a:off x="5088383" y="2160983"/>
+            <a:ext cx="4185618" cy="576262"/>
+          </a:xfrm>
+        </p:spPr>
+        <p:txBody>
+          <a:bodyPr anchor="b">
+            <a:noAutofit/>
+          </a:bodyPr>
+          <a:lstStyle>
+            <a:lvl1pPr marL="0" indent="0">
+              <a:buNone/>
+              <a:defRPr sz="2400" b="0"/>
+            </a:lvl1pPr>
+            <a:lvl2pPr marL="457200" indent="0">
+              <a:buNone/>
+              <a:defRPr sz="2000" b="1"/>
+            </a:lvl2pPr>
+            <a:lvl3pPr marL="914400" indent="0">
+              <a:buNone/>
+              <a:defRPr sz="1800" b="1"/>
+            </a:lvl3pPr>
+            <a:lvl4pPr marL="1371600" indent="0">
+              <a:buNone/>
+              <a:defRPr sz="1600" b="1"/>
+            </a:lvl4pPr>
+            <a:lvl5pPr marL="1828800" indent="0">
+              <a:buNone/>
+              <a:defRPr sz="1600" b="1"/>
+            </a:lvl5pPr>
+            <a:lvl6pPr marL="2286000" indent="0">
+              <a:buNone/>
+              <a:defRPr sz="1600" b="1"/>
+            </a:lvl6pPr>
+            <a:lvl7pPr marL="2743200" indent="0">
+              <a:buNone/>
+              <a:defRPr sz="1600" b="1"/>
+            </a:lvl7pPr>
+            <a:lvl8pPr marL="3200400" indent="0">
+              <a:buNone/>
+              <a:defRPr sz="1600" b="1"/>
+            </a:lvl8pPr>
+            <a:lvl9pPr marL="3657600" indent="0">
+              <a:buNone/>
+              <a:defRPr sz="1600" b="1"/>
+            </a:lvl9pPr>
+          </a:lstStyle>
+          <a:p>
+            <a:pPr lvl="0"/>
+            <a:r>
+              <a:rPr lang="en-US"/>
+              <a:t>Click to edit Master text styles</a:t>
+            </a:r>
+          </a:p>
+        </p:txBody>
+      </p:sp>
+      <p:sp>
+        <p:nvSpPr>
+          <p:cNvPr id="6" name="Content Placeholder 5"/>
+          <p:cNvSpPr>
+            <a:spLocks noGrp="1"/>
+          </p:cNvSpPr>
+          <p:nvPr>
+            <p:ph sz="quarter" idx="4"/>
+          </p:nvPr>
+        </p:nvSpPr>
+        <p:spPr>
+          <a:xfrm>
+            <a:off x="5088384" y="2737245"/>
+            <a:ext cx="4185617" cy="3304117"/>
+          </a:xfrm>
+        </p:spPr>
+        <p:txBody>
+          <a:bodyPr>
+            <a:normAutofit/>
+          </a:bodyPr>
+          <a:lstStyle/>
+          <a:p>
+            <a:pPr lvl="0"/>
+            <a:r>
+              <a:rPr lang="en-US"/>
+              <a:t>Click to edit Master text styles</a:t>
+            </a:r>
+          </a:p>
+          <a:p>
+            <a:pPr lvl="1"/>
+            <a:r>
+              <a:rPr lang="en-US"/>
+              <a:t>Second level</a:t>
+            </a:r>
+          </a:p>
+          <a:p>
+            <a:pPr lvl="2"/>
+            <a:r>
+              <a:rPr lang="en-US"/>
+              <a:t>Third level</a:t>
+            </a:r>
+          </a:p>
+          <a:p>
+            <a:pPr lvl="3"/>
+            <a:r>
+              <a:rPr lang="en-US"/>
+              <a:t>Fourth level</a:t>
+            </a:r>
+          </a:p>
+          <a:p>
+            <a:pPr lvl="4"/>
+            <a:r>
+              <a:rPr lang="en-US"/>
+              <a:t>Fifth level</a:t>
+            </a:r>
+            <a:endParaRPr lang="en-US" dirty="0"/>
+          </a:p>
+        </p:txBody>
+      </p:sp>
+      <p:sp>
+        <p:nvSpPr>
+          <p:cNvPr id="7" name="Date Placeholder 6"/>
+          <p:cNvSpPr>
+            <a:spLocks noGrp="1"/>
+          </p:cNvSpPr>
+          <p:nvPr>
+            <p:ph type="dt" sz="half" idx="10"/>
+          </p:nvPr>
+        </p:nvSpPr>
+        <p:spPr/>
+        <p:txBody>
+          <a:bodyPr/>
+          <a:lstStyle/>
+          <a:p>
+            <a:fld id="{FAFDAFBD-AA74-4F39-B34D-B8A0CE5CD8B0}" type="datetimeFigureOut">
+              <a:rPr lang="en-US" smtClean="0"/>
+              <a:t>8/14/2023</a:t>
+            </a:fld>
+            <a:endParaRPr lang="en-US"/>
+          </a:p>
+        </p:txBody>
+      </p:sp>
+      <p:sp>
+        <p:nvSpPr>
+          <p:cNvPr id="8" name="Footer Placeholder 7"/>
+          <p:cNvSpPr>
+            <a:spLocks noGrp="1"/>
+          </p:cNvSpPr>
+          <p:nvPr>
+            <p:ph type="ftr" sz="quarter" idx="11"/>
+          </p:nvPr>
+        </p:nvSpPr>
+        <p:spPr/>
+        <p:txBody>
+          <a:bodyPr/>
+          <a:lstStyle/>
+          <a:p>
+            <a:endParaRPr lang="en-US"/>
+          </a:p>
+        </p:txBody>
+      </p:sp>
+      <p:sp>
+        <p:nvSpPr>
+          <p:cNvPr id="9" name="Slide Number Placeholder 8"/>
+          <p:cNvSpPr>
+            <a:spLocks noGrp="1"/>
+          </p:cNvSpPr>
+          <p:nvPr>
+            <p:ph type="sldNum" sz="quarter" idx="12"/>
+          </p:nvPr>
+        </p:nvSpPr>
+        <p:spPr/>
+        <p:txBody>
+          <a:bodyPr/>
+          <a:lstStyle/>
+          <a:p>
+            <a:fld id="{B1DBEE3E-F04A-4C6C-9A1F-85BCCA1C6BB6}" type="slidenum">
+              <a:rPr lang="en-US" smtClean="0"/>
+              <a:t>‹#›</a:t>
+            </a:fld>
+            <a:endParaRPr lang="en-US"/>
+          </a:p>
+        </p:txBody>
+      </p:sp>
+    </p:spTree>
+    <p:extLst>
+      <p:ext uri="{BB962C8B-B14F-4D97-AF65-F5344CB8AC3E}">
+        <p14:creationId xmlns:p14="http://schemas.microsoft.com/office/powerpoint/2010/main" val="2670401921"/>
+      </p:ext>
+    </p:extLst>
+  </p:cSld>
+  <p:clrMapOvr>
+    <a:masterClrMapping/>
+  </p:clrMapOvr>
+</p:sldLayout>
+</file>
+
+<file path=ppt/slideLayouts/slideLayout17.xml><?xml version="1.0" encoding="utf-8"?>
+<p:sldLayout xmlns:a="http://schemas.openxmlformats.org/drawingml/2006/main" xmlns:r="http://schemas.openxmlformats.org/officeDocument/2006/relationships" xmlns:p="http://schemas.openxmlformats.org/presentationml/2006/main" type="titleOnly" preserve="1">
+  <p:cSld name="Title Only">
+    <p:spTree>
+      <p:nvGrpSpPr>
+        <p:cNvPr id="1" name=""/>
+        <p:cNvGrpSpPr/>
+        <p:nvPr/>
+      </p:nvGrpSpPr>
+      <p:grpSpPr>
+        <a:xfrm>
+          <a:off x="0" y="0"/>
+          <a:ext cx="0" cy="0"/>
+          <a:chOff x="0" y="0"/>
+          <a:chExt cx="0" cy="0"/>
+        </a:xfrm>
+      </p:grpSpPr>
+      <p:sp>
+        <p:nvSpPr>
+          <p:cNvPr id="2" name="Title 1"/>
+          <p:cNvSpPr>
+            <a:spLocks noGrp="1"/>
+          </p:cNvSpPr>
+          <p:nvPr>
+            <p:ph type="title"/>
+          </p:nvPr>
+        </p:nvSpPr>
+        <p:spPr>
+          <a:xfrm>
+            <a:off x="677334" y="609600"/>
+            <a:ext cx="8596668" cy="1320800"/>
+          </a:xfrm>
+        </p:spPr>
+        <p:txBody>
+          <a:bodyPr/>
+          <a:lstStyle/>
+          <a:p>
+            <a:r>
+              <a:rPr lang="en-US"/>
+              <a:t>Click to edit Master title style</a:t>
+            </a:r>
+            <a:endParaRPr lang="en-US" dirty="0"/>
+          </a:p>
+        </p:txBody>
+      </p:sp>
+      <p:sp>
+        <p:nvSpPr>
+          <p:cNvPr id="3" name="Date Placeholder 2"/>
+          <p:cNvSpPr>
+            <a:spLocks noGrp="1"/>
+          </p:cNvSpPr>
+          <p:nvPr>
+            <p:ph type="dt" sz="half" idx="10"/>
+          </p:nvPr>
+        </p:nvSpPr>
+        <p:spPr/>
+        <p:txBody>
+          <a:bodyPr/>
+          <a:lstStyle/>
+          <a:p>
+            <a:fld id="{FAFDAFBD-AA74-4F39-B34D-B8A0CE5CD8B0}" type="datetimeFigureOut">
+              <a:rPr lang="en-US" smtClean="0"/>
+              <a:t>8/14/2023</a:t>
+            </a:fld>
+            <a:endParaRPr lang="en-US"/>
+          </a:p>
+        </p:txBody>
+      </p:sp>
+      <p:sp>
+        <p:nvSpPr>
+          <p:cNvPr id="4" name="Footer Placeholder 3"/>
+          <p:cNvSpPr>
+            <a:spLocks noGrp="1"/>
+          </p:cNvSpPr>
+          <p:nvPr>
+            <p:ph type="ftr" sz="quarter" idx="11"/>
+          </p:nvPr>
+        </p:nvSpPr>
+        <p:spPr/>
+        <p:txBody>
+          <a:bodyPr/>
+          <a:lstStyle/>
+          <a:p>
+            <a:endParaRPr lang="en-US"/>
+          </a:p>
+        </p:txBody>
+      </p:sp>
+      <p:sp>
+        <p:nvSpPr>
+          <p:cNvPr id="5" name="Slide Number Placeholder 4"/>
+          <p:cNvSpPr>
+            <a:spLocks noGrp="1"/>
+          </p:cNvSpPr>
+          <p:nvPr>
+            <p:ph type="sldNum" sz="quarter" idx="12"/>
+          </p:nvPr>
+        </p:nvSpPr>
+        <p:spPr/>
+        <p:txBody>
+          <a:bodyPr/>
+          <a:lstStyle/>
+          <a:p>
+            <a:fld id="{B1DBEE3E-F04A-4C6C-9A1F-85BCCA1C6BB6}" type="slidenum">
+              <a:rPr lang="en-US" smtClean="0"/>
+              <a:t>‹#›</a:t>
+            </a:fld>
+            <a:endParaRPr lang="en-US"/>
+          </a:p>
+        </p:txBody>
+      </p:sp>
+    </p:spTree>
+    <p:extLst>
+      <p:ext uri="{BB962C8B-B14F-4D97-AF65-F5344CB8AC3E}">
+        <p14:creationId xmlns:p14="http://schemas.microsoft.com/office/powerpoint/2010/main" val="2716900560"/>
+      </p:ext>
+    </p:extLst>
+  </p:cSld>
+  <p:clrMapOvr>
+    <a:masterClrMapping/>
+  </p:clrMapOvr>
+</p:sldLayout>
+</file>
+
+<file path=ppt/slideLayouts/slideLayout18.xml><?xml version="1.0" encoding="utf-8"?>
+<p:sldLayout xmlns:a="http://schemas.openxmlformats.org/drawingml/2006/main" xmlns:r="http://schemas.openxmlformats.org/officeDocument/2006/relationships" xmlns:p="http://schemas.openxmlformats.org/presentationml/2006/main" type="blank" preserve="1">
+  <p:cSld name="Blank">
+    <p:spTree>
+      <p:nvGrpSpPr>
+        <p:cNvPr id="1" name=""/>
+        <p:cNvGrpSpPr/>
+        <p:nvPr/>
+      </p:nvGrpSpPr>
+      <p:grpSpPr>
+        <a:xfrm>
+          <a:off x="0" y="0"/>
+          <a:ext cx="0" cy="0"/>
+          <a:chOff x="0" y="0"/>
+          <a:chExt cx="0" cy="0"/>
+        </a:xfrm>
+      </p:grpSpPr>
+      <p:sp>
+        <p:nvSpPr>
+          <p:cNvPr id="2" name="Date Placeholder 1"/>
+          <p:cNvSpPr>
+            <a:spLocks noGrp="1"/>
+          </p:cNvSpPr>
+          <p:nvPr>
+            <p:ph type="dt" sz="half" idx="10"/>
+          </p:nvPr>
+        </p:nvSpPr>
+        <p:spPr/>
+        <p:txBody>
+          <a:bodyPr/>
+          <a:lstStyle/>
+          <a:p>
+            <a:fld id="{FAFDAFBD-AA74-4F39-B34D-B8A0CE5CD8B0}" type="datetimeFigureOut">
+              <a:rPr lang="en-US" smtClean="0"/>
+              <a:t>8/14/2023</a:t>
+            </a:fld>
+            <a:endParaRPr lang="en-US"/>
+          </a:p>
+        </p:txBody>
+      </p:sp>
+      <p:sp>
+        <p:nvSpPr>
+          <p:cNvPr id="3" name="Footer Placeholder 2"/>
+          <p:cNvSpPr>
+            <a:spLocks noGrp="1"/>
+          </p:cNvSpPr>
+          <p:nvPr>
+            <p:ph type="ftr" sz="quarter" idx="11"/>
+          </p:nvPr>
+        </p:nvSpPr>
+        <p:spPr/>
+        <p:txBody>
+          <a:bodyPr/>
+          <a:lstStyle/>
+          <a:p>
+            <a:endParaRPr lang="en-US"/>
+          </a:p>
+        </p:txBody>
+      </p:sp>
+      <p:sp>
+        <p:nvSpPr>
+          <p:cNvPr id="4" name="Slide Number Placeholder 3"/>
+          <p:cNvSpPr>
+            <a:spLocks noGrp="1"/>
+          </p:cNvSpPr>
+          <p:nvPr>
+            <p:ph type="sldNum" sz="quarter" idx="12"/>
+          </p:nvPr>
+        </p:nvSpPr>
+        <p:spPr/>
+        <p:txBody>
+          <a:bodyPr/>
+          <a:lstStyle/>
+          <a:p>
+            <a:fld id="{B1DBEE3E-F04A-4C6C-9A1F-85BCCA1C6BB6}" type="slidenum">
+              <a:rPr lang="en-US" smtClean="0"/>
+              <a:t>‹#›</a:t>
+            </a:fld>
+            <a:endParaRPr lang="en-US"/>
+          </a:p>
+        </p:txBody>
+      </p:sp>
+    </p:spTree>
+    <p:extLst>
+      <p:ext uri="{BB962C8B-B14F-4D97-AF65-F5344CB8AC3E}">
+        <p14:creationId xmlns:p14="http://schemas.microsoft.com/office/powerpoint/2010/main" val="1883920912"/>
+      </p:ext>
+    </p:extLst>
+  </p:cSld>
+  <p:clrMapOvr>
+    <a:masterClrMapping/>
+  </p:clrMapOvr>
+</p:sldLayout>
+</file>
+
+<file path=ppt/slideLayouts/slideLayout19.xml><?xml version="1.0" encoding="utf-8"?>
+<p:sldLayout xmlns:a="http://schemas.openxmlformats.org/drawingml/2006/main" xmlns:r="http://schemas.openxmlformats.org/officeDocument/2006/relationships" xmlns:p="http://schemas.openxmlformats.org/presentationml/2006/main" type="objTx" preserve="1">
+  <p:cSld name="Content with Caption">
+    <p:spTree>
+      <p:nvGrpSpPr>
+        <p:cNvPr id="1" name=""/>
+        <p:cNvGrpSpPr/>
+        <p:nvPr/>
+      </p:nvGrpSpPr>
+      <p:grpSpPr>
+        <a:xfrm>
+          <a:off x="0" y="0"/>
+          <a:ext cx="0" cy="0"/>
+          <a:chOff x="0" y="0"/>
+          <a:chExt cx="0" cy="0"/>
+        </a:xfrm>
+      </p:grpSpPr>
+      <p:sp>
+        <p:nvSpPr>
+          <p:cNvPr id="2" name="Title 1"/>
+          <p:cNvSpPr>
+            <a:spLocks noGrp="1"/>
+          </p:cNvSpPr>
+          <p:nvPr>
+            <p:ph type="title"/>
+          </p:nvPr>
+        </p:nvSpPr>
+        <p:spPr>
+          <a:xfrm>
+            <a:off x="677334" y="1498604"/>
+            <a:ext cx="3854528" cy="1278466"/>
+          </a:xfrm>
+        </p:spPr>
+        <p:txBody>
+          <a:bodyPr anchor="b">
+            <a:normAutofit/>
+          </a:bodyPr>
+          <a:lstStyle>
+            <a:lvl1pPr>
+              <a:defRPr sz="2000"/>
+            </a:lvl1pPr>
+          </a:lstStyle>
+          <a:p>
+            <a:r>
+              <a:rPr lang="en-US"/>
+              <a:t>Click to edit Master title style</a:t>
+            </a:r>
+            <a:endParaRPr lang="en-US" dirty="0"/>
+          </a:p>
+        </p:txBody>
+      </p:sp>
+      <p:sp>
+        <p:nvSpPr>
+          <p:cNvPr id="3" name="Content Placeholder 2"/>
+          <p:cNvSpPr>
+            <a:spLocks noGrp="1"/>
+          </p:cNvSpPr>
+          <p:nvPr>
+            <p:ph idx="1"/>
+          </p:nvPr>
+        </p:nvSpPr>
+        <p:spPr>
+          <a:xfrm>
+            <a:off x="4760461" y="514924"/>
+            <a:ext cx="4513541" cy="5526437"/>
+          </a:xfrm>
+        </p:spPr>
+        <p:txBody>
+          <a:bodyPr>
+            <a:normAutofit/>
+          </a:bodyPr>
+          <a:lstStyle/>
+          <a:p>
+            <a:pPr lvl="0"/>
+            <a:r>
+              <a:rPr lang="en-US"/>
+              <a:t>Click to edit Master text styles</a:t>
+            </a:r>
+          </a:p>
+          <a:p>
+            <a:pPr lvl="1"/>
+            <a:r>
+              <a:rPr lang="en-US"/>
+              <a:t>Second level</a:t>
+            </a:r>
+          </a:p>
+          <a:p>
+            <a:pPr lvl="2"/>
+            <a:r>
+              <a:rPr lang="en-US"/>
+              <a:t>Third level</a:t>
+            </a:r>
+          </a:p>
+          <a:p>
+            <a:pPr lvl="3"/>
+            <a:r>
+              <a:rPr lang="en-US"/>
+              <a:t>Fourth level</a:t>
+            </a:r>
+          </a:p>
+          <a:p>
+            <a:pPr lvl="4"/>
+            <a:r>
+              <a:rPr lang="en-US"/>
+              <a:t>Fifth level</a:t>
+            </a:r>
+            <a:endParaRPr lang="en-US" dirty="0"/>
+          </a:p>
+        </p:txBody>
+      </p:sp>
+      <p:sp>
+        <p:nvSpPr>
+          <p:cNvPr id="4" name="Text Placeholder 3"/>
+          <p:cNvSpPr>
+            <a:spLocks noGrp="1"/>
+          </p:cNvSpPr>
+          <p:nvPr>
+            <p:ph type="body" sz="half" idx="2"/>
+          </p:nvPr>
+        </p:nvSpPr>
+        <p:spPr>
+          <a:xfrm>
+            <a:off x="677334" y="2777069"/>
+            <a:ext cx="3854528" cy="2584449"/>
+          </a:xfrm>
+        </p:spPr>
+        <p:txBody>
+          <a:bodyPr>
+            <a:normAutofit/>
+          </a:bodyPr>
+          <a:lstStyle>
+            <a:lvl1pPr marL="0" indent="0">
+              <a:buNone/>
+              <a:defRPr sz="1400"/>
+            </a:lvl1pPr>
+            <a:lvl2pPr marL="457063" indent="0">
+              <a:buNone/>
+              <a:defRPr sz="1400"/>
+            </a:lvl2pPr>
+            <a:lvl3pPr marL="914126" indent="0">
+              <a:buNone/>
+              <a:defRPr sz="1200"/>
+            </a:lvl3pPr>
+            <a:lvl4pPr marL="1371189" indent="0">
+              <a:buNone/>
+              <a:defRPr sz="1000"/>
+            </a:lvl4pPr>
+            <a:lvl5pPr marL="1828251" indent="0">
+              <a:buNone/>
+              <a:defRPr sz="1000"/>
+            </a:lvl5pPr>
+            <a:lvl6pPr marL="2285314" indent="0">
+              <a:buNone/>
+              <a:defRPr sz="1000"/>
+            </a:lvl6pPr>
+            <a:lvl7pPr marL="2742377" indent="0">
+              <a:buNone/>
+              <a:defRPr sz="1000"/>
+            </a:lvl7pPr>
+            <a:lvl8pPr marL="3199440" indent="0">
+              <a:buNone/>
+              <a:defRPr sz="1000"/>
+            </a:lvl8pPr>
+            <a:lvl9pPr marL="3656503" indent="0">
+              <a:buNone/>
+              <a:defRPr sz="1000"/>
+            </a:lvl9pPr>
+          </a:lstStyle>
+          <a:p>
+            <a:pPr lvl="0"/>
+            <a:r>
+              <a:rPr lang="en-US"/>
+              <a:t>Click to edit Master text styles</a:t>
+            </a:r>
+          </a:p>
+        </p:txBody>
+      </p:sp>
+      <p:sp>
+        <p:nvSpPr>
+          <p:cNvPr id="5" name="Date Placeholder 4"/>
+          <p:cNvSpPr>
+            <a:spLocks noGrp="1"/>
+          </p:cNvSpPr>
+          <p:nvPr>
+            <p:ph type="dt" sz="half" idx="10"/>
+          </p:nvPr>
+        </p:nvSpPr>
+        <p:spPr/>
+        <p:txBody>
+          <a:bodyPr/>
+          <a:lstStyle/>
+          <a:p>
+            <a:fld id="{FAFDAFBD-AA74-4F39-B34D-B8A0CE5CD8B0}" type="datetimeFigureOut">
+              <a:rPr lang="en-US" smtClean="0"/>
+              <a:t>8/14/2023</a:t>
+            </a:fld>
+            <a:endParaRPr lang="en-US"/>
+          </a:p>
+        </p:txBody>
+      </p:sp>
+      <p:sp>
+        <p:nvSpPr>
+          <p:cNvPr id="6" name="Footer Placeholder 5"/>
+          <p:cNvSpPr>
+            <a:spLocks noGrp="1"/>
+          </p:cNvSpPr>
+          <p:nvPr>
+            <p:ph type="ftr" sz="quarter" idx="11"/>
+          </p:nvPr>
+        </p:nvSpPr>
+        <p:spPr/>
+        <p:txBody>
+          <a:bodyPr/>
+          <a:lstStyle/>
+          <a:p>
+            <a:endParaRPr lang="en-US"/>
+          </a:p>
+        </p:txBody>
+      </p:sp>
+      <p:sp>
+        <p:nvSpPr>
+          <p:cNvPr id="7" name="Slide Number Placeholder 6"/>
+          <p:cNvSpPr>
+            <a:spLocks noGrp="1"/>
+          </p:cNvSpPr>
+          <p:nvPr>
+            <p:ph type="sldNum" sz="quarter" idx="12"/>
+          </p:nvPr>
+        </p:nvSpPr>
+        <p:spPr/>
+        <p:txBody>
+          <a:bodyPr/>
+          <a:lstStyle/>
+          <a:p>
+            <a:fld id="{B1DBEE3E-F04A-4C6C-9A1F-85BCCA1C6BB6}" type="slidenum">
+              <a:rPr lang="en-US" smtClean="0"/>
+              <a:t>‹#›</a:t>
+            </a:fld>
+            <a:endParaRPr lang="en-US"/>
+          </a:p>
+        </p:txBody>
+      </p:sp>
+    </p:spTree>
+    <p:extLst>
+      <p:ext uri="{BB962C8B-B14F-4D97-AF65-F5344CB8AC3E}">
+        <p14:creationId xmlns:p14="http://schemas.microsoft.com/office/powerpoint/2010/main" val="3400289499"/>
       </p:ext>
     </p:extLst>
   </p:cSld>
@@ -4115,7 +6578,7 @@
           <a:p>
             <a:fld id="{FAFDAFBD-AA74-4F39-B34D-B8A0CE5CD8B0}" type="datetimeFigureOut">
               <a:rPr lang="en-US" smtClean="0"/>
-              <a:t>8/8/2023</a:t>
+              <a:t>8/14/2023</a:t>
             </a:fld>
             <a:endParaRPr lang="en-US"/>
           </a:p>
@@ -4179,6 +6642,2232 @@
     <p:extLst>
       <p:ext uri="{BB962C8B-B14F-4D97-AF65-F5344CB8AC3E}">
         <p14:creationId xmlns:p14="http://schemas.microsoft.com/office/powerpoint/2010/main" val="1740391496"/>
+      </p:ext>
+    </p:extLst>
+  </p:cSld>
+  <p:clrMapOvr>
+    <a:masterClrMapping/>
+  </p:clrMapOvr>
+</p:sldLayout>
+</file>
+
+<file path=ppt/slideLayouts/slideLayout20.xml><?xml version="1.0" encoding="utf-8"?>
+<p:sldLayout xmlns:a="http://schemas.openxmlformats.org/drawingml/2006/main" xmlns:r="http://schemas.openxmlformats.org/officeDocument/2006/relationships" xmlns:p="http://schemas.openxmlformats.org/presentationml/2006/main" type="picTx" preserve="1">
+  <p:cSld name="Picture with Caption">
+    <p:spTree>
+      <p:nvGrpSpPr>
+        <p:cNvPr id="1" name=""/>
+        <p:cNvGrpSpPr/>
+        <p:nvPr/>
+      </p:nvGrpSpPr>
+      <p:grpSpPr>
+        <a:xfrm>
+          <a:off x="0" y="0"/>
+          <a:ext cx="0" cy="0"/>
+          <a:chOff x="0" y="0"/>
+          <a:chExt cx="0" cy="0"/>
+        </a:xfrm>
+      </p:grpSpPr>
+      <p:sp>
+        <p:nvSpPr>
+          <p:cNvPr id="2" name="Title 1"/>
+          <p:cNvSpPr>
+            <a:spLocks noGrp="1"/>
+          </p:cNvSpPr>
+          <p:nvPr>
+            <p:ph type="title"/>
+          </p:nvPr>
+        </p:nvSpPr>
+        <p:spPr>
+          <a:xfrm>
+            <a:off x="677334" y="4800600"/>
+            <a:ext cx="8596667" cy="566738"/>
+          </a:xfrm>
+        </p:spPr>
+        <p:txBody>
+          <a:bodyPr anchor="b">
+            <a:normAutofit/>
+          </a:bodyPr>
+          <a:lstStyle>
+            <a:lvl1pPr algn="l">
+              <a:defRPr sz="2400" b="0"/>
+            </a:lvl1pPr>
+          </a:lstStyle>
+          <a:p>
+            <a:r>
+              <a:rPr lang="en-US"/>
+              <a:t>Click to edit Master title style</a:t>
+            </a:r>
+            <a:endParaRPr lang="en-US" dirty="0"/>
+          </a:p>
+        </p:txBody>
+      </p:sp>
+      <p:sp>
+        <p:nvSpPr>
+          <p:cNvPr id="3" name="Picture Placeholder 2"/>
+          <p:cNvSpPr>
+            <a:spLocks noGrp="1" noChangeAspect="1"/>
+          </p:cNvSpPr>
+          <p:nvPr>
+            <p:ph type="pic" idx="1"/>
+          </p:nvPr>
+        </p:nvSpPr>
+        <p:spPr>
+          <a:xfrm>
+            <a:off x="677334" y="609600"/>
+            <a:ext cx="8596668" cy="3845718"/>
+          </a:xfrm>
+        </p:spPr>
+        <p:txBody>
+          <a:bodyPr anchor="t">
+            <a:normAutofit/>
+          </a:bodyPr>
+          <a:lstStyle>
+            <a:lvl1pPr marL="0" indent="0" algn="ctr">
+              <a:buNone/>
+              <a:defRPr sz="1600"/>
+            </a:lvl1pPr>
+            <a:lvl2pPr marL="457200" indent="0">
+              <a:buNone/>
+              <a:defRPr sz="1600"/>
+            </a:lvl2pPr>
+            <a:lvl3pPr marL="914400" indent="0">
+              <a:buNone/>
+              <a:defRPr sz="1600"/>
+            </a:lvl3pPr>
+            <a:lvl4pPr marL="1371600" indent="0">
+              <a:buNone/>
+              <a:defRPr sz="1600"/>
+            </a:lvl4pPr>
+            <a:lvl5pPr marL="1828800" indent="0">
+              <a:buNone/>
+              <a:defRPr sz="1600"/>
+            </a:lvl5pPr>
+            <a:lvl6pPr marL="2286000" indent="0">
+              <a:buNone/>
+              <a:defRPr sz="1600"/>
+            </a:lvl6pPr>
+            <a:lvl7pPr marL="2743200" indent="0">
+              <a:buNone/>
+              <a:defRPr sz="1600"/>
+            </a:lvl7pPr>
+            <a:lvl8pPr marL="3200400" indent="0">
+              <a:buNone/>
+              <a:defRPr sz="1600"/>
+            </a:lvl8pPr>
+            <a:lvl9pPr marL="3657600" indent="0">
+              <a:buNone/>
+              <a:defRPr sz="1600"/>
+            </a:lvl9pPr>
+          </a:lstStyle>
+          <a:p>
+            <a:r>
+              <a:rPr lang="en-US"/>
+              <a:t>Click icon to add picture</a:t>
+            </a:r>
+            <a:endParaRPr lang="en-US" dirty="0"/>
+          </a:p>
+        </p:txBody>
+      </p:sp>
+      <p:sp>
+        <p:nvSpPr>
+          <p:cNvPr id="4" name="Text Placeholder 3"/>
+          <p:cNvSpPr>
+            <a:spLocks noGrp="1"/>
+          </p:cNvSpPr>
+          <p:nvPr>
+            <p:ph type="body" sz="half" idx="2"/>
+          </p:nvPr>
+        </p:nvSpPr>
+        <p:spPr>
+          <a:xfrm>
+            <a:off x="677334" y="5367338"/>
+            <a:ext cx="8596667" cy="674024"/>
+          </a:xfrm>
+        </p:spPr>
+        <p:txBody>
+          <a:bodyPr>
+            <a:normAutofit/>
+          </a:bodyPr>
+          <a:lstStyle>
+            <a:lvl1pPr marL="0" indent="0">
+              <a:buNone/>
+              <a:defRPr sz="1200"/>
+            </a:lvl1pPr>
+            <a:lvl2pPr marL="457200" indent="0">
+              <a:buNone/>
+              <a:defRPr sz="1200"/>
+            </a:lvl2pPr>
+            <a:lvl3pPr marL="914400" indent="0">
+              <a:buNone/>
+              <a:defRPr sz="1000"/>
+            </a:lvl3pPr>
+            <a:lvl4pPr marL="1371600" indent="0">
+              <a:buNone/>
+              <a:defRPr sz="900"/>
+            </a:lvl4pPr>
+            <a:lvl5pPr marL="1828800" indent="0">
+              <a:buNone/>
+              <a:defRPr sz="900"/>
+            </a:lvl5pPr>
+            <a:lvl6pPr marL="2286000" indent="0">
+              <a:buNone/>
+              <a:defRPr sz="900"/>
+            </a:lvl6pPr>
+            <a:lvl7pPr marL="2743200" indent="0">
+              <a:buNone/>
+              <a:defRPr sz="900"/>
+            </a:lvl7pPr>
+            <a:lvl8pPr marL="3200400" indent="0">
+              <a:buNone/>
+              <a:defRPr sz="900"/>
+            </a:lvl8pPr>
+            <a:lvl9pPr marL="3657600" indent="0">
+              <a:buNone/>
+              <a:defRPr sz="900"/>
+            </a:lvl9pPr>
+          </a:lstStyle>
+          <a:p>
+            <a:pPr lvl="0"/>
+            <a:r>
+              <a:rPr lang="en-US"/>
+              <a:t>Click to edit Master text styles</a:t>
+            </a:r>
+          </a:p>
+        </p:txBody>
+      </p:sp>
+      <p:sp>
+        <p:nvSpPr>
+          <p:cNvPr id="5" name="Date Placeholder 4"/>
+          <p:cNvSpPr>
+            <a:spLocks noGrp="1"/>
+          </p:cNvSpPr>
+          <p:nvPr>
+            <p:ph type="dt" sz="half" idx="10"/>
+          </p:nvPr>
+        </p:nvSpPr>
+        <p:spPr/>
+        <p:txBody>
+          <a:bodyPr/>
+          <a:lstStyle/>
+          <a:p>
+            <a:fld id="{FAFDAFBD-AA74-4F39-B34D-B8A0CE5CD8B0}" type="datetimeFigureOut">
+              <a:rPr lang="en-US" smtClean="0"/>
+              <a:t>8/14/2023</a:t>
+            </a:fld>
+            <a:endParaRPr lang="en-US"/>
+          </a:p>
+        </p:txBody>
+      </p:sp>
+      <p:sp>
+        <p:nvSpPr>
+          <p:cNvPr id="6" name="Footer Placeholder 5"/>
+          <p:cNvSpPr>
+            <a:spLocks noGrp="1"/>
+          </p:cNvSpPr>
+          <p:nvPr>
+            <p:ph type="ftr" sz="quarter" idx="11"/>
+          </p:nvPr>
+        </p:nvSpPr>
+        <p:spPr/>
+        <p:txBody>
+          <a:bodyPr/>
+          <a:lstStyle/>
+          <a:p>
+            <a:endParaRPr lang="en-US"/>
+          </a:p>
+        </p:txBody>
+      </p:sp>
+      <p:sp>
+        <p:nvSpPr>
+          <p:cNvPr id="7" name="Slide Number Placeholder 6"/>
+          <p:cNvSpPr>
+            <a:spLocks noGrp="1"/>
+          </p:cNvSpPr>
+          <p:nvPr>
+            <p:ph type="sldNum" sz="quarter" idx="12"/>
+          </p:nvPr>
+        </p:nvSpPr>
+        <p:spPr/>
+        <p:txBody>
+          <a:bodyPr/>
+          <a:lstStyle/>
+          <a:p>
+            <a:fld id="{B1DBEE3E-F04A-4C6C-9A1F-85BCCA1C6BB6}" type="slidenum">
+              <a:rPr lang="en-US" smtClean="0"/>
+              <a:t>‹#›</a:t>
+            </a:fld>
+            <a:endParaRPr lang="en-US"/>
+          </a:p>
+        </p:txBody>
+      </p:sp>
+    </p:spTree>
+    <p:extLst>
+      <p:ext uri="{BB962C8B-B14F-4D97-AF65-F5344CB8AC3E}">
+        <p14:creationId xmlns:p14="http://schemas.microsoft.com/office/powerpoint/2010/main" val="3878779868"/>
+      </p:ext>
+    </p:extLst>
+  </p:cSld>
+  <p:clrMapOvr>
+    <a:masterClrMapping/>
+  </p:clrMapOvr>
+</p:sldLayout>
+</file>
+
+<file path=ppt/slideLayouts/slideLayout21.xml><?xml version="1.0" encoding="utf-8"?>
+<p:sldLayout xmlns:a="http://schemas.openxmlformats.org/drawingml/2006/main" xmlns:r="http://schemas.openxmlformats.org/officeDocument/2006/relationships" xmlns:p="http://schemas.openxmlformats.org/presentationml/2006/main" preserve="1">
+  <p:cSld name="Title and Caption">
+    <p:spTree>
+      <p:nvGrpSpPr>
+        <p:cNvPr id="1" name=""/>
+        <p:cNvGrpSpPr/>
+        <p:nvPr/>
+      </p:nvGrpSpPr>
+      <p:grpSpPr>
+        <a:xfrm>
+          <a:off x="0" y="0"/>
+          <a:ext cx="0" cy="0"/>
+          <a:chOff x="0" y="0"/>
+          <a:chExt cx="0" cy="0"/>
+        </a:xfrm>
+      </p:grpSpPr>
+      <p:sp>
+        <p:nvSpPr>
+          <p:cNvPr id="2" name="Title 1"/>
+          <p:cNvSpPr>
+            <a:spLocks noGrp="1"/>
+          </p:cNvSpPr>
+          <p:nvPr>
+            <p:ph type="title"/>
+          </p:nvPr>
+        </p:nvSpPr>
+        <p:spPr>
+          <a:xfrm>
+            <a:off x="677335" y="609600"/>
+            <a:ext cx="8596668" cy="3403600"/>
+          </a:xfrm>
+        </p:spPr>
+        <p:txBody>
+          <a:bodyPr anchor="ctr">
+            <a:normAutofit/>
+          </a:bodyPr>
+          <a:lstStyle>
+            <a:lvl1pPr algn="l">
+              <a:defRPr sz="4400" b="0" cap="none"/>
+            </a:lvl1pPr>
+          </a:lstStyle>
+          <a:p>
+            <a:r>
+              <a:rPr lang="en-US"/>
+              <a:t>Click to edit Master title style</a:t>
+            </a:r>
+            <a:endParaRPr lang="en-US" dirty="0"/>
+          </a:p>
+        </p:txBody>
+      </p:sp>
+      <p:sp>
+        <p:nvSpPr>
+          <p:cNvPr id="3" name="Text Placeholder 2"/>
+          <p:cNvSpPr>
+            <a:spLocks noGrp="1"/>
+          </p:cNvSpPr>
+          <p:nvPr>
+            <p:ph type="body" idx="1"/>
+          </p:nvPr>
+        </p:nvSpPr>
+        <p:spPr>
+          <a:xfrm>
+            <a:off x="677335" y="4470400"/>
+            <a:ext cx="8596668" cy="1570962"/>
+          </a:xfrm>
+        </p:spPr>
+        <p:txBody>
+          <a:bodyPr anchor="ctr">
+            <a:normAutofit/>
+          </a:bodyPr>
+          <a:lstStyle>
+            <a:lvl1pPr marL="0" indent="0" algn="l">
+              <a:buNone/>
+              <a:defRPr sz="1800">
+                <a:solidFill>
+                  <a:schemeClr val="tx1">
+                    <a:lumMod val="75000"/>
+                    <a:lumOff val="25000"/>
+                  </a:schemeClr>
+                </a:solidFill>
+              </a:defRPr>
+            </a:lvl1pPr>
+            <a:lvl2pPr marL="457200" indent="0">
+              <a:buNone/>
+              <a:defRPr sz="1800">
+                <a:solidFill>
+                  <a:schemeClr val="tx1">
+                    <a:tint val="75000"/>
+                  </a:schemeClr>
+                </a:solidFill>
+              </a:defRPr>
+            </a:lvl2pPr>
+            <a:lvl3pPr marL="914400" indent="0">
+              <a:buNone/>
+              <a:defRPr sz="1600">
+                <a:solidFill>
+                  <a:schemeClr val="tx1">
+                    <a:tint val="75000"/>
+                  </a:schemeClr>
+                </a:solidFill>
+              </a:defRPr>
+            </a:lvl3pPr>
+            <a:lvl4pPr marL="1371600" indent="0">
+              <a:buNone/>
+              <a:defRPr sz="1400">
+                <a:solidFill>
+                  <a:schemeClr val="tx1">
+                    <a:tint val="75000"/>
+                  </a:schemeClr>
+                </a:solidFill>
+              </a:defRPr>
+            </a:lvl4pPr>
+            <a:lvl5pPr marL="1828800" indent="0">
+              <a:buNone/>
+              <a:defRPr sz="1400">
+                <a:solidFill>
+                  <a:schemeClr val="tx1">
+                    <a:tint val="75000"/>
+                  </a:schemeClr>
+                </a:solidFill>
+              </a:defRPr>
+            </a:lvl5pPr>
+            <a:lvl6pPr marL="2286000" indent="0">
+              <a:buNone/>
+              <a:defRPr sz="1400">
+                <a:solidFill>
+                  <a:schemeClr val="tx1">
+                    <a:tint val="75000"/>
+                  </a:schemeClr>
+                </a:solidFill>
+              </a:defRPr>
+            </a:lvl6pPr>
+            <a:lvl7pPr marL="2743200" indent="0">
+              <a:buNone/>
+              <a:defRPr sz="1400">
+                <a:solidFill>
+                  <a:schemeClr val="tx1">
+                    <a:tint val="75000"/>
+                  </a:schemeClr>
+                </a:solidFill>
+              </a:defRPr>
+            </a:lvl7pPr>
+            <a:lvl8pPr marL="3200400" indent="0">
+              <a:buNone/>
+              <a:defRPr sz="1400">
+                <a:solidFill>
+                  <a:schemeClr val="tx1">
+                    <a:tint val="75000"/>
+                  </a:schemeClr>
+                </a:solidFill>
+              </a:defRPr>
+            </a:lvl8pPr>
+            <a:lvl9pPr marL="3657600" indent="0">
+              <a:buNone/>
+              <a:defRPr sz="1400">
+                <a:solidFill>
+                  <a:schemeClr val="tx1">
+                    <a:tint val="75000"/>
+                  </a:schemeClr>
+                </a:solidFill>
+              </a:defRPr>
+            </a:lvl9pPr>
+          </a:lstStyle>
+          <a:p>
+            <a:pPr lvl="0"/>
+            <a:r>
+              <a:rPr lang="en-US"/>
+              <a:t>Click to edit Master text styles</a:t>
+            </a:r>
+          </a:p>
+        </p:txBody>
+      </p:sp>
+      <p:sp>
+        <p:nvSpPr>
+          <p:cNvPr id="4" name="Date Placeholder 3"/>
+          <p:cNvSpPr>
+            <a:spLocks noGrp="1"/>
+          </p:cNvSpPr>
+          <p:nvPr>
+            <p:ph type="dt" sz="half" idx="10"/>
+          </p:nvPr>
+        </p:nvSpPr>
+        <p:spPr/>
+        <p:txBody>
+          <a:bodyPr/>
+          <a:lstStyle/>
+          <a:p>
+            <a:fld id="{FAFDAFBD-AA74-4F39-B34D-B8A0CE5CD8B0}" type="datetimeFigureOut">
+              <a:rPr lang="en-US" smtClean="0"/>
+              <a:t>8/14/2023</a:t>
+            </a:fld>
+            <a:endParaRPr lang="en-US"/>
+          </a:p>
+        </p:txBody>
+      </p:sp>
+      <p:sp>
+        <p:nvSpPr>
+          <p:cNvPr id="5" name="Footer Placeholder 4"/>
+          <p:cNvSpPr>
+            <a:spLocks noGrp="1"/>
+          </p:cNvSpPr>
+          <p:nvPr>
+            <p:ph type="ftr" sz="quarter" idx="11"/>
+          </p:nvPr>
+        </p:nvSpPr>
+        <p:spPr/>
+        <p:txBody>
+          <a:bodyPr/>
+          <a:lstStyle/>
+          <a:p>
+            <a:endParaRPr lang="en-US"/>
+          </a:p>
+        </p:txBody>
+      </p:sp>
+      <p:sp>
+        <p:nvSpPr>
+          <p:cNvPr id="6" name="Slide Number Placeholder 5"/>
+          <p:cNvSpPr>
+            <a:spLocks noGrp="1"/>
+          </p:cNvSpPr>
+          <p:nvPr>
+            <p:ph type="sldNum" sz="quarter" idx="12"/>
+          </p:nvPr>
+        </p:nvSpPr>
+        <p:spPr/>
+        <p:txBody>
+          <a:bodyPr/>
+          <a:lstStyle/>
+          <a:p>
+            <a:fld id="{B1DBEE3E-F04A-4C6C-9A1F-85BCCA1C6BB6}" type="slidenum">
+              <a:rPr lang="en-US" smtClean="0"/>
+              <a:t>‹#›</a:t>
+            </a:fld>
+            <a:endParaRPr lang="en-US"/>
+          </a:p>
+        </p:txBody>
+      </p:sp>
+    </p:spTree>
+    <p:extLst>
+      <p:ext uri="{BB962C8B-B14F-4D97-AF65-F5344CB8AC3E}">
+        <p14:creationId xmlns:p14="http://schemas.microsoft.com/office/powerpoint/2010/main" val="2090999193"/>
+      </p:ext>
+    </p:extLst>
+  </p:cSld>
+  <p:clrMapOvr>
+    <a:masterClrMapping/>
+  </p:clrMapOvr>
+</p:sldLayout>
+</file>
+
+<file path=ppt/slideLayouts/slideLayout22.xml><?xml version="1.0" encoding="utf-8"?>
+<p:sldLayout xmlns:a="http://schemas.openxmlformats.org/drawingml/2006/main" xmlns:r="http://schemas.openxmlformats.org/officeDocument/2006/relationships" xmlns:p="http://schemas.openxmlformats.org/presentationml/2006/main" preserve="1">
+  <p:cSld name="Quote with Caption">
+    <p:spTree>
+      <p:nvGrpSpPr>
+        <p:cNvPr id="1" name=""/>
+        <p:cNvGrpSpPr/>
+        <p:nvPr/>
+      </p:nvGrpSpPr>
+      <p:grpSpPr>
+        <a:xfrm>
+          <a:off x="0" y="0"/>
+          <a:ext cx="0" cy="0"/>
+          <a:chOff x="0" y="0"/>
+          <a:chExt cx="0" cy="0"/>
+        </a:xfrm>
+      </p:grpSpPr>
+      <p:sp>
+        <p:nvSpPr>
+          <p:cNvPr id="2" name="Title 1"/>
+          <p:cNvSpPr>
+            <a:spLocks noGrp="1"/>
+          </p:cNvSpPr>
+          <p:nvPr>
+            <p:ph type="title"/>
+          </p:nvPr>
+        </p:nvSpPr>
+        <p:spPr>
+          <a:xfrm>
+            <a:off x="931334" y="609600"/>
+            <a:ext cx="8094134" cy="3022600"/>
+          </a:xfrm>
+        </p:spPr>
+        <p:txBody>
+          <a:bodyPr anchor="ctr">
+            <a:normAutofit/>
+          </a:bodyPr>
+          <a:lstStyle>
+            <a:lvl1pPr algn="l">
+              <a:defRPr sz="4400" b="0" cap="none"/>
+            </a:lvl1pPr>
+          </a:lstStyle>
+          <a:p>
+            <a:r>
+              <a:rPr lang="en-US"/>
+              <a:t>Click to edit Master title style</a:t>
+            </a:r>
+            <a:endParaRPr lang="en-US" dirty="0"/>
+          </a:p>
+        </p:txBody>
+      </p:sp>
+      <p:sp>
+        <p:nvSpPr>
+          <p:cNvPr id="23" name="Text Placeholder 9"/>
+          <p:cNvSpPr>
+            <a:spLocks noGrp="1"/>
+          </p:cNvSpPr>
+          <p:nvPr>
+            <p:ph type="body" sz="quarter" idx="13"/>
+          </p:nvPr>
+        </p:nvSpPr>
+        <p:spPr>
+          <a:xfrm>
+            <a:off x="1366139" y="3632200"/>
+            <a:ext cx="7224524" cy="381000"/>
+          </a:xfrm>
+        </p:spPr>
+        <p:txBody>
+          <a:bodyPr anchor="ctr">
+            <a:noAutofit/>
+          </a:bodyPr>
+          <a:lstStyle>
+            <a:lvl1pPr marL="0" indent="0">
+              <a:buFontTx/>
+              <a:buNone/>
+              <a:defRPr sz="1600">
+                <a:solidFill>
+                  <a:schemeClr val="tx1">
+                    <a:lumMod val="50000"/>
+                    <a:lumOff val="50000"/>
+                  </a:schemeClr>
+                </a:solidFill>
+              </a:defRPr>
+            </a:lvl1pPr>
+            <a:lvl2pPr marL="457200" indent="0">
+              <a:buFontTx/>
+              <a:buNone/>
+              <a:defRPr/>
+            </a:lvl2pPr>
+            <a:lvl3pPr marL="914400" indent="0">
+              <a:buFontTx/>
+              <a:buNone/>
+              <a:defRPr/>
+            </a:lvl3pPr>
+            <a:lvl4pPr marL="1371600" indent="0">
+              <a:buFontTx/>
+              <a:buNone/>
+              <a:defRPr/>
+            </a:lvl4pPr>
+            <a:lvl5pPr marL="1828800" indent="0">
+              <a:buFontTx/>
+              <a:buNone/>
+              <a:defRPr/>
+            </a:lvl5pPr>
+          </a:lstStyle>
+          <a:p>
+            <a:pPr lvl="0"/>
+            <a:r>
+              <a:rPr lang="en-US"/>
+              <a:t>Click to edit Master text styles</a:t>
+            </a:r>
+          </a:p>
+        </p:txBody>
+      </p:sp>
+      <p:sp>
+        <p:nvSpPr>
+          <p:cNvPr id="3" name="Text Placeholder 2"/>
+          <p:cNvSpPr>
+            <a:spLocks noGrp="1"/>
+          </p:cNvSpPr>
+          <p:nvPr>
+            <p:ph type="body" idx="1"/>
+          </p:nvPr>
+        </p:nvSpPr>
+        <p:spPr>
+          <a:xfrm>
+            <a:off x="677335" y="4470400"/>
+            <a:ext cx="8596668" cy="1570962"/>
+          </a:xfrm>
+        </p:spPr>
+        <p:txBody>
+          <a:bodyPr anchor="ctr">
+            <a:normAutofit/>
+          </a:bodyPr>
+          <a:lstStyle>
+            <a:lvl1pPr marL="0" indent="0" algn="l">
+              <a:buNone/>
+              <a:defRPr sz="1800">
+                <a:solidFill>
+                  <a:schemeClr val="tx1">
+                    <a:lumMod val="75000"/>
+                    <a:lumOff val="25000"/>
+                  </a:schemeClr>
+                </a:solidFill>
+              </a:defRPr>
+            </a:lvl1pPr>
+            <a:lvl2pPr marL="457200" indent="0">
+              <a:buNone/>
+              <a:defRPr sz="1800">
+                <a:solidFill>
+                  <a:schemeClr val="tx1">
+                    <a:tint val="75000"/>
+                  </a:schemeClr>
+                </a:solidFill>
+              </a:defRPr>
+            </a:lvl2pPr>
+            <a:lvl3pPr marL="914400" indent="0">
+              <a:buNone/>
+              <a:defRPr sz="1600">
+                <a:solidFill>
+                  <a:schemeClr val="tx1">
+                    <a:tint val="75000"/>
+                  </a:schemeClr>
+                </a:solidFill>
+              </a:defRPr>
+            </a:lvl3pPr>
+            <a:lvl4pPr marL="1371600" indent="0">
+              <a:buNone/>
+              <a:defRPr sz="1400">
+                <a:solidFill>
+                  <a:schemeClr val="tx1">
+                    <a:tint val="75000"/>
+                  </a:schemeClr>
+                </a:solidFill>
+              </a:defRPr>
+            </a:lvl4pPr>
+            <a:lvl5pPr marL="1828800" indent="0">
+              <a:buNone/>
+              <a:defRPr sz="1400">
+                <a:solidFill>
+                  <a:schemeClr val="tx1">
+                    <a:tint val="75000"/>
+                  </a:schemeClr>
+                </a:solidFill>
+              </a:defRPr>
+            </a:lvl5pPr>
+            <a:lvl6pPr marL="2286000" indent="0">
+              <a:buNone/>
+              <a:defRPr sz="1400">
+                <a:solidFill>
+                  <a:schemeClr val="tx1">
+                    <a:tint val="75000"/>
+                  </a:schemeClr>
+                </a:solidFill>
+              </a:defRPr>
+            </a:lvl6pPr>
+            <a:lvl7pPr marL="2743200" indent="0">
+              <a:buNone/>
+              <a:defRPr sz="1400">
+                <a:solidFill>
+                  <a:schemeClr val="tx1">
+                    <a:tint val="75000"/>
+                  </a:schemeClr>
+                </a:solidFill>
+              </a:defRPr>
+            </a:lvl7pPr>
+            <a:lvl8pPr marL="3200400" indent="0">
+              <a:buNone/>
+              <a:defRPr sz="1400">
+                <a:solidFill>
+                  <a:schemeClr val="tx1">
+                    <a:tint val="75000"/>
+                  </a:schemeClr>
+                </a:solidFill>
+              </a:defRPr>
+            </a:lvl8pPr>
+            <a:lvl9pPr marL="3657600" indent="0">
+              <a:buNone/>
+              <a:defRPr sz="1400">
+                <a:solidFill>
+                  <a:schemeClr val="tx1">
+                    <a:tint val="75000"/>
+                  </a:schemeClr>
+                </a:solidFill>
+              </a:defRPr>
+            </a:lvl9pPr>
+          </a:lstStyle>
+          <a:p>
+            <a:pPr lvl="0"/>
+            <a:r>
+              <a:rPr lang="en-US"/>
+              <a:t>Click to edit Master text styles</a:t>
+            </a:r>
+          </a:p>
+        </p:txBody>
+      </p:sp>
+      <p:sp>
+        <p:nvSpPr>
+          <p:cNvPr id="4" name="Date Placeholder 3"/>
+          <p:cNvSpPr>
+            <a:spLocks noGrp="1"/>
+          </p:cNvSpPr>
+          <p:nvPr>
+            <p:ph type="dt" sz="half" idx="10"/>
+          </p:nvPr>
+        </p:nvSpPr>
+        <p:spPr/>
+        <p:txBody>
+          <a:bodyPr/>
+          <a:lstStyle/>
+          <a:p>
+            <a:fld id="{FAFDAFBD-AA74-4F39-B34D-B8A0CE5CD8B0}" type="datetimeFigureOut">
+              <a:rPr lang="en-US" smtClean="0"/>
+              <a:t>8/14/2023</a:t>
+            </a:fld>
+            <a:endParaRPr lang="en-US"/>
+          </a:p>
+        </p:txBody>
+      </p:sp>
+      <p:sp>
+        <p:nvSpPr>
+          <p:cNvPr id="5" name="Footer Placeholder 4"/>
+          <p:cNvSpPr>
+            <a:spLocks noGrp="1"/>
+          </p:cNvSpPr>
+          <p:nvPr>
+            <p:ph type="ftr" sz="quarter" idx="11"/>
+          </p:nvPr>
+        </p:nvSpPr>
+        <p:spPr/>
+        <p:txBody>
+          <a:bodyPr/>
+          <a:lstStyle/>
+          <a:p>
+            <a:endParaRPr lang="en-US"/>
+          </a:p>
+        </p:txBody>
+      </p:sp>
+      <p:sp>
+        <p:nvSpPr>
+          <p:cNvPr id="6" name="Slide Number Placeholder 5"/>
+          <p:cNvSpPr>
+            <a:spLocks noGrp="1"/>
+          </p:cNvSpPr>
+          <p:nvPr>
+            <p:ph type="sldNum" sz="quarter" idx="12"/>
+          </p:nvPr>
+        </p:nvSpPr>
+        <p:spPr/>
+        <p:txBody>
+          <a:bodyPr/>
+          <a:lstStyle/>
+          <a:p>
+            <a:fld id="{B1DBEE3E-F04A-4C6C-9A1F-85BCCA1C6BB6}" type="slidenum">
+              <a:rPr lang="en-US" smtClean="0"/>
+              <a:t>‹#›</a:t>
+            </a:fld>
+            <a:endParaRPr lang="en-US"/>
+          </a:p>
+        </p:txBody>
+      </p:sp>
+      <p:sp>
+        <p:nvSpPr>
+          <p:cNvPr id="20" name="TextBox 19"/>
+          <p:cNvSpPr txBox="1"/>
+          <p:nvPr/>
+        </p:nvSpPr>
+        <p:spPr>
+          <a:xfrm>
+            <a:off x="541870" y="790378"/>
+            <a:ext cx="609600" cy="584776"/>
+          </a:xfrm>
+          <a:prstGeom prst="rect">
+            <a:avLst/>
+          </a:prstGeom>
+        </p:spPr>
+        <p:txBody>
+          <a:bodyPr vert="horz" lIns="91440" tIns="45720" rIns="91440" bIns="45720" rtlCol="0" anchor="ctr">
+            <a:noAutofit/>
+          </a:bodyPr>
+          <a:lstStyle/>
+          <a:p>
+            <a:pPr lvl="0"/>
+            <a:r>
+              <a:rPr lang="en-US" sz="8000" baseline="0" dirty="0">
+                <a:ln w="3175" cmpd="sng">
+                  <a:noFill/>
+                </a:ln>
+                <a:solidFill>
+                  <a:schemeClr val="accent1">
+                    <a:lumMod val="60000"/>
+                    <a:lumOff val="40000"/>
+                  </a:schemeClr>
+                </a:solidFill>
+                <a:effectLst/>
+                <a:latin typeface="Arial"/>
+              </a:rPr>
+              <a:t>“</a:t>
+            </a:r>
+          </a:p>
+        </p:txBody>
+      </p:sp>
+      <p:sp>
+        <p:nvSpPr>
+          <p:cNvPr id="22" name="TextBox 21"/>
+          <p:cNvSpPr txBox="1"/>
+          <p:nvPr/>
+        </p:nvSpPr>
+        <p:spPr>
+          <a:xfrm>
+            <a:off x="8893011" y="2886556"/>
+            <a:ext cx="609600" cy="584776"/>
+          </a:xfrm>
+          <a:prstGeom prst="rect">
+            <a:avLst/>
+          </a:prstGeom>
+        </p:spPr>
+        <p:txBody>
+          <a:bodyPr vert="horz" lIns="91440" tIns="45720" rIns="91440" bIns="45720" rtlCol="0" anchor="ctr">
+            <a:noAutofit/>
+          </a:bodyPr>
+          <a:lstStyle/>
+          <a:p>
+            <a:pPr lvl="0"/>
+            <a:r>
+              <a:rPr lang="en-US" sz="8000" baseline="0" dirty="0">
+                <a:ln w="3175" cmpd="sng">
+                  <a:noFill/>
+                </a:ln>
+                <a:solidFill>
+                  <a:schemeClr val="accent1">
+                    <a:lumMod val="60000"/>
+                    <a:lumOff val="40000"/>
+                  </a:schemeClr>
+                </a:solidFill>
+                <a:latin typeface="Arial"/>
+              </a:rPr>
+              <a:t>”</a:t>
+            </a:r>
+            <a:endParaRPr lang="en-US" dirty="0">
+              <a:solidFill>
+                <a:schemeClr val="accent1">
+                  <a:lumMod val="60000"/>
+                  <a:lumOff val="40000"/>
+                </a:schemeClr>
+              </a:solidFill>
+              <a:latin typeface="Arial"/>
+            </a:endParaRPr>
+          </a:p>
+        </p:txBody>
+      </p:sp>
+    </p:spTree>
+    <p:extLst>
+      <p:ext uri="{BB962C8B-B14F-4D97-AF65-F5344CB8AC3E}">
+        <p14:creationId xmlns:p14="http://schemas.microsoft.com/office/powerpoint/2010/main" val="1636517957"/>
+      </p:ext>
+    </p:extLst>
+  </p:cSld>
+  <p:clrMapOvr>
+    <a:masterClrMapping/>
+  </p:clrMapOvr>
+</p:sldLayout>
+</file>
+
+<file path=ppt/slideLayouts/slideLayout23.xml><?xml version="1.0" encoding="utf-8"?>
+<p:sldLayout xmlns:a="http://schemas.openxmlformats.org/drawingml/2006/main" xmlns:r="http://schemas.openxmlformats.org/officeDocument/2006/relationships" xmlns:p="http://schemas.openxmlformats.org/presentationml/2006/main" preserve="1">
+  <p:cSld name="Name Card">
+    <p:spTree>
+      <p:nvGrpSpPr>
+        <p:cNvPr id="1" name=""/>
+        <p:cNvGrpSpPr/>
+        <p:nvPr/>
+      </p:nvGrpSpPr>
+      <p:grpSpPr>
+        <a:xfrm>
+          <a:off x="0" y="0"/>
+          <a:ext cx="0" cy="0"/>
+          <a:chOff x="0" y="0"/>
+          <a:chExt cx="0" cy="0"/>
+        </a:xfrm>
+      </p:grpSpPr>
+      <p:sp>
+        <p:nvSpPr>
+          <p:cNvPr id="2" name="Title 1"/>
+          <p:cNvSpPr>
+            <a:spLocks noGrp="1"/>
+          </p:cNvSpPr>
+          <p:nvPr>
+            <p:ph type="title"/>
+          </p:nvPr>
+        </p:nvSpPr>
+        <p:spPr>
+          <a:xfrm>
+            <a:off x="677335" y="1931988"/>
+            <a:ext cx="8596668" cy="2595460"/>
+          </a:xfrm>
+        </p:spPr>
+        <p:txBody>
+          <a:bodyPr anchor="b">
+            <a:normAutofit/>
+          </a:bodyPr>
+          <a:lstStyle>
+            <a:lvl1pPr algn="l">
+              <a:defRPr sz="4400" b="0" cap="none"/>
+            </a:lvl1pPr>
+          </a:lstStyle>
+          <a:p>
+            <a:r>
+              <a:rPr lang="en-US"/>
+              <a:t>Click to edit Master title style</a:t>
+            </a:r>
+            <a:endParaRPr lang="en-US" dirty="0"/>
+          </a:p>
+        </p:txBody>
+      </p:sp>
+      <p:sp>
+        <p:nvSpPr>
+          <p:cNvPr id="3" name="Text Placeholder 2"/>
+          <p:cNvSpPr>
+            <a:spLocks noGrp="1"/>
+          </p:cNvSpPr>
+          <p:nvPr>
+            <p:ph type="body" idx="1"/>
+          </p:nvPr>
+        </p:nvSpPr>
+        <p:spPr>
+          <a:xfrm>
+            <a:off x="677335" y="4527448"/>
+            <a:ext cx="8596668" cy="1513914"/>
+          </a:xfrm>
+        </p:spPr>
+        <p:txBody>
+          <a:bodyPr anchor="t">
+            <a:normAutofit/>
+          </a:bodyPr>
+          <a:lstStyle>
+            <a:lvl1pPr marL="0" indent="0" algn="l">
+              <a:buNone/>
+              <a:defRPr sz="1800">
+                <a:solidFill>
+                  <a:schemeClr val="tx1">
+                    <a:lumMod val="75000"/>
+                    <a:lumOff val="25000"/>
+                  </a:schemeClr>
+                </a:solidFill>
+              </a:defRPr>
+            </a:lvl1pPr>
+            <a:lvl2pPr marL="457200" indent="0">
+              <a:buNone/>
+              <a:defRPr sz="1800">
+                <a:solidFill>
+                  <a:schemeClr val="tx1">
+                    <a:tint val="75000"/>
+                  </a:schemeClr>
+                </a:solidFill>
+              </a:defRPr>
+            </a:lvl2pPr>
+            <a:lvl3pPr marL="914400" indent="0">
+              <a:buNone/>
+              <a:defRPr sz="1600">
+                <a:solidFill>
+                  <a:schemeClr val="tx1">
+                    <a:tint val="75000"/>
+                  </a:schemeClr>
+                </a:solidFill>
+              </a:defRPr>
+            </a:lvl3pPr>
+            <a:lvl4pPr marL="1371600" indent="0">
+              <a:buNone/>
+              <a:defRPr sz="1400">
+                <a:solidFill>
+                  <a:schemeClr val="tx1">
+                    <a:tint val="75000"/>
+                  </a:schemeClr>
+                </a:solidFill>
+              </a:defRPr>
+            </a:lvl4pPr>
+            <a:lvl5pPr marL="1828800" indent="0">
+              <a:buNone/>
+              <a:defRPr sz="1400">
+                <a:solidFill>
+                  <a:schemeClr val="tx1">
+                    <a:tint val="75000"/>
+                  </a:schemeClr>
+                </a:solidFill>
+              </a:defRPr>
+            </a:lvl5pPr>
+            <a:lvl6pPr marL="2286000" indent="0">
+              <a:buNone/>
+              <a:defRPr sz="1400">
+                <a:solidFill>
+                  <a:schemeClr val="tx1">
+                    <a:tint val="75000"/>
+                  </a:schemeClr>
+                </a:solidFill>
+              </a:defRPr>
+            </a:lvl6pPr>
+            <a:lvl7pPr marL="2743200" indent="0">
+              <a:buNone/>
+              <a:defRPr sz="1400">
+                <a:solidFill>
+                  <a:schemeClr val="tx1">
+                    <a:tint val="75000"/>
+                  </a:schemeClr>
+                </a:solidFill>
+              </a:defRPr>
+            </a:lvl7pPr>
+            <a:lvl8pPr marL="3200400" indent="0">
+              <a:buNone/>
+              <a:defRPr sz="1400">
+                <a:solidFill>
+                  <a:schemeClr val="tx1">
+                    <a:tint val="75000"/>
+                  </a:schemeClr>
+                </a:solidFill>
+              </a:defRPr>
+            </a:lvl8pPr>
+            <a:lvl9pPr marL="3657600" indent="0">
+              <a:buNone/>
+              <a:defRPr sz="1400">
+                <a:solidFill>
+                  <a:schemeClr val="tx1">
+                    <a:tint val="75000"/>
+                  </a:schemeClr>
+                </a:solidFill>
+              </a:defRPr>
+            </a:lvl9pPr>
+          </a:lstStyle>
+          <a:p>
+            <a:pPr lvl="0"/>
+            <a:r>
+              <a:rPr lang="en-US"/>
+              <a:t>Click to edit Master text styles</a:t>
+            </a:r>
+          </a:p>
+        </p:txBody>
+      </p:sp>
+      <p:sp>
+        <p:nvSpPr>
+          <p:cNvPr id="4" name="Date Placeholder 3"/>
+          <p:cNvSpPr>
+            <a:spLocks noGrp="1"/>
+          </p:cNvSpPr>
+          <p:nvPr>
+            <p:ph type="dt" sz="half" idx="10"/>
+          </p:nvPr>
+        </p:nvSpPr>
+        <p:spPr/>
+        <p:txBody>
+          <a:bodyPr/>
+          <a:lstStyle/>
+          <a:p>
+            <a:fld id="{FAFDAFBD-AA74-4F39-B34D-B8A0CE5CD8B0}" type="datetimeFigureOut">
+              <a:rPr lang="en-US" smtClean="0"/>
+              <a:t>8/14/2023</a:t>
+            </a:fld>
+            <a:endParaRPr lang="en-US"/>
+          </a:p>
+        </p:txBody>
+      </p:sp>
+      <p:sp>
+        <p:nvSpPr>
+          <p:cNvPr id="5" name="Footer Placeholder 4"/>
+          <p:cNvSpPr>
+            <a:spLocks noGrp="1"/>
+          </p:cNvSpPr>
+          <p:nvPr>
+            <p:ph type="ftr" sz="quarter" idx="11"/>
+          </p:nvPr>
+        </p:nvSpPr>
+        <p:spPr/>
+        <p:txBody>
+          <a:bodyPr/>
+          <a:lstStyle/>
+          <a:p>
+            <a:endParaRPr lang="en-US"/>
+          </a:p>
+        </p:txBody>
+      </p:sp>
+      <p:sp>
+        <p:nvSpPr>
+          <p:cNvPr id="6" name="Slide Number Placeholder 5"/>
+          <p:cNvSpPr>
+            <a:spLocks noGrp="1"/>
+          </p:cNvSpPr>
+          <p:nvPr>
+            <p:ph type="sldNum" sz="quarter" idx="12"/>
+          </p:nvPr>
+        </p:nvSpPr>
+        <p:spPr/>
+        <p:txBody>
+          <a:bodyPr/>
+          <a:lstStyle/>
+          <a:p>
+            <a:fld id="{B1DBEE3E-F04A-4C6C-9A1F-85BCCA1C6BB6}" type="slidenum">
+              <a:rPr lang="en-US" smtClean="0"/>
+              <a:t>‹#›</a:t>
+            </a:fld>
+            <a:endParaRPr lang="en-US"/>
+          </a:p>
+        </p:txBody>
+      </p:sp>
+    </p:spTree>
+    <p:extLst>
+      <p:ext uri="{BB962C8B-B14F-4D97-AF65-F5344CB8AC3E}">
+        <p14:creationId xmlns:p14="http://schemas.microsoft.com/office/powerpoint/2010/main" val="4156070896"/>
+      </p:ext>
+    </p:extLst>
+  </p:cSld>
+  <p:clrMapOvr>
+    <a:masterClrMapping/>
+  </p:clrMapOvr>
+</p:sldLayout>
+</file>
+
+<file path=ppt/slideLayouts/slideLayout24.xml><?xml version="1.0" encoding="utf-8"?>
+<p:sldLayout xmlns:a="http://schemas.openxmlformats.org/drawingml/2006/main" xmlns:r="http://schemas.openxmlformats.org/officeDocument/2006/relationships" xmlns:p="http://schemas.openxmlformats.org/presentationml/2006/main" preserve="1">
+  <p:cSld name="Quote Name Card">
+    <p:spTree>
+      <p:nvGrpSpPr>
+        <p:cNvPr id="1" name=""/>
+        <p:cNvGrpSpPr/>
+        <p:nvPr/>
+      </p:nvGrpSpPr>
+      <p:grpSpPr>
+        <a:xfrm>
+          <a:off x="0" y="0"/>
+          <a:ext cx="0" cy="0"/>
+          <a:chOff x="0" y="0"/>
+          <a:chExt cx="0" cy="0"/>
+        </a:xfrm>
+      </p:grpSpPr>
+      <p:sp>
+        <p:nvSpPr>
+          <p:cNvPr id="2" name="Title 1"/>
+          <p:cNvSpPr>
+            <a:spLocks noGrp="1"/>
+          </p:cNvSpPr>
+          <p:nvPr>
+            <p:ph type="title"/>
+          </p:nvPr>
+        </p:nvSpPr>
+        <p:spPr>
+          <a:xfrm>
+            <a:off x="931334" y="609600"/>
+            <a:ext cx="8094134" cy="3022600"/>
+          </a:xfrm>
+        </p:spPr>
+        <p:txBody>
+          <a:bodyPr anchor="ctr">
+            <a:normAutofit/>
+          </a:bodyPr>
+          <a:lstStyle>
+            <a:lvl1pPr algn="l">
+              <a:defRPr sz="4400" b="0" cap="none"/>
+            </a:lvl1pPr>
+          </a:lstStyle>
+          <a:p>
+            <a:r>
+              <a:rPr lang="en-US"/>
+              <a:t>Click to edit Master title style</a:t>
+            </a:r>
+            <a:endParaRPr lang="en-US" dirty="0"/>
+          </a:p>
+        </p:txBody>
+      </p:sp>
+      <p:sp>
+        <p:nvSpPr>
+          <p:cNvPr id="23" name="Text Placeholder 9"/>
+          <p:cNvSpPr>
+            <a:spLocks noGrp="1"/>
+          </p:cNvSpPr>
+          <p:nvPr>
+            <p:ph type="body" sz="quarter" idx="13"/>
+          </p:nvPr>
+        </p:nvSpPr>
+        <p:spPr>
+          <a:xfrm>
+            <a:off x="677332" y="4013200"/>
+            <a:ext cx="8596669" cy="514248"/>
+          </a:xfrm>
+        </p:spPr>
+        <p:txBody>
+          <a:bodyPr anchor="b">
+            <a:noAutofit/>
+          </a:bodyPr>
+          <a:lstStyle>
+            <a:lvl1pPr marL="0" indent="0">
+              <a:buFontTx/>
+              <a:buNone/>
+              <a:defRPr sz="2400">
+                <a:solidFill>
+                  <a:schemeClr val="tx1">
+                    <a:lumMod val="75000"/>
+                    <a:lumOff val="25000"/>
+                  </a:schemeClr>
+                </a:solidFill>
+              </a:defRPr>
+            </a:lvl1pPr>
+            <a:lvl2pPr marL="457200" indent="0">
+              <a:buFontTx/>
+              <a:buNone/>
+              <a:defRPr/>
+            </a:lvl2pPr>
+            <a:lvl3pPr marL="914400" indent="0">
+              <a:buFontTx/>
+              <a:buNone/>
+              <a:defRPr/>
+            </a:lvl3pPr>
+            <a:lvl4pPr marL="1371600" indent="0">
+              <a:buFontTx/>
+              <a:buNone/>
+              <a:defRPr/>
+            </a:lvl4pPr>
+            <a:lvl5pPr marL="1828800" indent="0">
+              <a:buFontTx/>
+              <a:buNone/>
+              <a:defRPr/>
+            </a:lvl5pPr>
+          </a:lstStyle>
+          <a:p>
+            <a:pPr lvl="0"/>
+            <a:r>
+              <a:rPr lang="en-US"/>
+              <a:t>Click to edit Master text styles</a:t>
+            </a:r>
+          </a:p>
+        </p:txBody>
+      </p:sp>
+      <p:sp>
+        <p:nvSpPr>
+          <p:cNvPr id="3" name="Text Placeholder 2"/>
+          <p:cNvSpPr>
+            <a:spLocks noGrp="1"/>
+          </p:cNvSpPr>
+          <p:nvPr>
+            <p:ph type="body" idx="1"/>
+          </p:nvPr>
+        </p:nvSpPr>
+        <p:spPr>
+          <a:xfrm>
+            <a:off x="677335" y="4527448"/>
+            <a:ext cx="8596668" cy="1513914"/>
+          </a:xfrm>
+        </p:spPr>
+        <p:txBody>
+          <a:bodyPr anchor="t">
+            <a:normAutofit/>
+          </a:bodyPr>
+          <a:lstStyle>
+            <a:lvl1pPr marL="0" indent="0" algn="l">
+              <a:buNone/>
+              <a:defRPr sz="1800">
+                <a:solidFill>
+                  <a:schemeClr val="tx1">
+                    <a:lumMod val="50000"/>
+                    <a:lumOff val="50000"/>
+                  </a:schemeClr>
+                </a:solidFill>
+              </a:defRPr>
+            </a:lvl1pPr>
+            <a:lvl2pPr marL="457200" indent="0">
+              <a:buNone/>
+              <a:defRPr sz="1800">
+                <a:solidFill>
+                  <a:schemeClr val="tx1">
+                    <a:tint val="75000"/>
+                  </a:schemeClr>
+                </a:solidFill>
+              </a:defRPr>
+            </a:lvl2pPr>
+            <a:lvl3pPr marL="914400" indent="0">
+              <a:buNone/>
+              <a:defRPr sz="1600">
+                <a:solidFill>
+                  <a:schemeClr val="tx1">
+                    <a:tint val="75000"/>
+                  </a:schemeClr>
+                </a:solidFill>
+              </a:defRPr>
+            </a:lvl3pPr>
+            <a:lvl4pPr marL="1371600" indent="0">
+              <a:buNone/>
+              <a:defRPr sz="1400">
+                <a:solidFill>
+                  <a:schemeClr val="tx1">
+                    <a:tint val="75000"/>
+                  </a:schemeClr>
+                </a:solidFill>
+              </a:defRPr>
+            </a:lvl4pPr>
+            <a:lvl5pPr marL="1828800" indent="0">
+              <a:buNone/>
+              <a:defRPr sz="1400">
+                <a:solidFill>
+                  <a:schemeClr val="tx1">
+                    <a:tint val="75000"/>
+                  </a:schemeClr>
+                </a:solidFill>
+              </a:defRPr>
+            </a:lvl5pPr>
+            <a:lvl6pPr marL="2286000" indent="0">
+              <a:buNone/>
+              <a:defRPr sz="1400">
+                <a:solidFill>
+                  <a:schemeClr val="tx1">
+                    <a:tint val="75000"/>
+                  </a:schemeClr>
+                </a:solidFill>
+              </a:defRPr>
+            </a:lvl6pPr>
+            <a:lvl7pPr marL="2743200" indent="0">
+              <a:buNone/>
+              <a:defRPr sz="1400">
+                <a:solidFill>
+                  <a:schemeClr val="tx1">
+                    <a:tint val="75000"/>
+                  </a:schemeClr>
+                </a:solidFill>
+              </a:defRPr>
+            </a:lvl7pPr>
+            <a:lvl8pPr marL="3200400" indent="0">
+              <a:buNone/>
+              <a:defRPr sz="1400">
+                <a:solidFill>
+                  <a:schemeClr val="tx1">
+                    <a:tint val="75000"/>
+                  </a:schemeClr>
+                </a:solidFill>
+              </a:defRPr>
+            </a:lvl8pPr>
+            <a:lvl9pPr marL="3657600" indent="0">
+              <a:buNone/>
+              <a:defRPr sz="1400">
+                <a:solidFill>
+                  <a:schemeClr val="tx1">
+                    <a:tint val="75000"/>
+                  </a:schemeClr>
+                </a:solidFill>
+              </a:defRPr>
+            </a:lvl9pPr>
+          </a:lstStyle>
+          <a:p>
+            <a:pPr lvl="0"/>
+            <a:r>
+              <a:rPr lang="en-US"/>
+              <a:t>Click to edit Master text styles</a:t>
+            </a:r>
+          </a:p>
+        </p:txBody>
+      </p:sp>
+      <p:sp>
+        <p:nvSpPr>
+          <p:cNvPr id="4" name="Date Placeholder 3"/>
+          <p:cNvSpPr>
+            <a:spLocks noGrp="1"/>
+          </p:cNvSpPr>
+          <p:nvPr>
+            <p:ph type="dt" sz="half" idx="10"/>
+          </p:nvPr>
+        </p:nvSpPr>
+        <p:spPr/>
+        <p:txBody>
+          <a:bodyPr/>
+          <a:lstStyle/>
+          <a:p>
+            <a:fld id="{FAFDAFBD-AA74-4F39-B34D-B8A0CE5CD8B0}" type="datetimeFigureOut">
+              <a:rPr lang="en-US" smtClean="0"/>
+              <a:t>8/14/2023</a:t>
+            </a:fld>
+            <a:endParaRPr lang="en-US"/>
+          </a:p>
+        </p:txBody>
+      </p:sp>
+      <p:sp>
+        <p:nvSpPr>
+          <p:cNvPr id="5" name="Footer Placeholder 4"/>
+          <p:cNvSpPr>
+            <a:spLocks noGrp="1"/>
+          </p:cNvSpPr>
+          <p:nvPr>
+            <p:ph type="ftr" sz="quarter" idx="11"/>
+          </p:nvPr>
+        </p:nvSpPr>
+        <p:spPr/>
+        <p:txBody>
+          <a:bodyPr/>
+          <a:lstStyle/>
+          <a:p>
+            <a:endParaRPr lang="en-US"/>
+          </a:p>
+        </p:txBody>
+      </p:sp>
+      <p:sp>
+        <p:nvSpPr>
+          <p:cNvPr id="6" name="Slide Number Placeholder 5"/>
+          <p:cNvSpPr>
+            <a:spLocks noGrp="1"/>
+          </p:cNvSpPr>
+          <p:nvPr>
+            <p:ph type="sldNum" sz="quarter" idx="12"/>
+          </p:nvPr>
+        </p:nvSpPr>
+        <p:spPr/>
+        <p:txBody>
+          <a:bodyPr/>
+          <a:lstStyle/>
+          <a:p>
+            <a:fld id="{B1DBEE3E-F04A-4C6C-9A1F-85BCCA1C6BB6}" type="slidenum">
+              <a:rPr lang="en-US" smtClean="0"/>
+              <a:t>‹#›</a:t>
+            </a:fld>
+            <a:endParaRPr lang="en-US"/>
+          </a:p>
+        </p:txBody>
+      </p:sp>
+      <p:sp>
+        <p:nvSpPr>
+          <p:cNvPr id="24" name="TextBox 23"/>
+          <p:cNvSpPr txBox="1"/>
+          <p:nvPr/>
+        </p:nvSpPr>
+        <p:spPr>
+          <a:xfrm>
+            <a:off x="541870" y="790378"/>
+            <a:ext cx="609600" cy="584776"/>
+          </a:xfrm>
+          <a:prstGeom prst="rect">
+            <a:avLst/>
+          </a:prstGeom>
+        </p:spPr>
+        <p:txBody>
+          <a:bodyPr vert="horz" lIns="91440" tIns="45720" rIns="91440" bIns="45720" rtlCol="0" anchor="ctr">
+            <a:noAutofit/>
+          </a:bodyPr>
+          <a:lstStyle/>
+          <a:p>
+            <a:pPr lvl="0"/>
+            <a:r>
+              <a:rPr lang="en-US" sz="8000" baseline="0" dirty="0">
+                <a:ln w="3175" cmpd="sng">
+                  <a:noFill/>
+                </a:ln>
+                <a:solidFill>
+                  <a:schemeClr val="accent1">
+                    <a:lumMod val="60000"/>
+                    <a:lumOff val="40000"/>
+                  </a:schemeClr>
+                </a:solidFill>
+                <a:effectLst/>
+                <a:latin typeface="Arial"/>
+              </a:rPr>
+              <a:t>“</a:t>
+            </a:r>
+          </a:p>
+        </p:txBody>
+      </p:sp>
+      <p:sp>
+        <p:nvSpPr>
+          <p:cNvPr id="25" name="TextBox 24"/>
+          <p:cNvSpPr txBox="1"/>
+          <p:nvPr/>
+        </p:nvSpPr>
+        <p:spPr>
+          <a:xfrm>
+            <a:off x="8893011" y="2886556"/>
+            <a:ext cx="609600" cy="584776"/>
+          </a:xfrm>
+          <a:prstGeom prst="rect">
+            <a:avLst/>
+          </a:prstGeom>
+        </p:spPr>
+        <p:txBody>
+          <a:bodyPr vert="horz" lIns="91440" tIns="45720" rIns="91440" bIns="45720" rtlCol="0" anchor="ctr">
+            <a:noAutofit/>
+          </a:bodyPr>
+          <a:lstStyle/>
+          <a:p>
+            <a:pPr lvl="0"/>
+            <a:r>
+              <a:rPr lang="en-US" sz="8000" baseline="0" dirty="0">
+                <a:ln w="3175" cmpd="sng">
+                  <a:noFill/>
+                </a:ln>
+                <a:solidFill>
+                  <a:schemeClr val="accent1">
+                    <a:lumMod val="60000"/>
+                    <a:lumOff val="40000"/>
+                  </a:schemeClr>
+                </a:solidFill>
+                <a:effectLst/>
+                <a:latin typeface="Arial"/>
+              </a:rPr>
+              <a:t>”</a:t>
+            </a:r>
+          </a:p>
+        </p:txBody>
+      </p:sp>
+    </p:spTree>
+    <p:extLst>
+      <p:ext uri="{BB962C8B-B14F-4D97-AF65-F5344CB8AC3E}">
+        <p14:creationId xmlns:p14="http://schemas.microsoft.com/office/powerpoint/2010/main" val="1504414104"/>
+      </p:ext>
+    </p:extLst>
+  </p:cSld>
+  <p:clrMapOvr>
+    <a:masterClrMapping/>
+  </p:clrMapOvr>
+</p:sldLayout>
+</file>
+
+<file path=ppt/slideLayouts/slideLayout25.xml><?xml version="1.0" encoding="utf-8"?>
+<p:sldLayout xmlns:a="http://schemas.openxmlformats.org/drawingml/2006/main" xmlns:r="http://schemas.openxmlformats.org/officeDocument/2006/relationships" xmlns:p="http://schemas.openxmlformats.org/presentationml/2006/main" preserve="1">
+  <p:cSld name="True or False">
+    <p:spTree>
+      <p:nvGrpSpPr>
+        <p:cNvPr id="1" name=""/>
+        <p:cNvGrpSpPr/>
+        <p:nvPr/>
+      </p:nvGrpSpPr>
+      <p:grpSpPr>
+        <a:xfrm>
+          <a:off x="0" y="0"/>
+          <a:ext cx="0" cy="0"/>
+          <a:chOff x="0" y="0"/>
+          <a:chExt cx="0" cy="0"/>
+        </a:xfrm>
+      </p:grpSpPr>
+      <p:sp>
+        <p:nvSpPr>
+          <p:cNvPr id="2" name="Title 1"/>
+          <p:cNvSpPr>
+            <a:spLocks noGrp="1"/>
+          </p:cNvSpPr>
+          <p:nvPr>
+            <p:ph type="title"/>
+          </p:nvPr>
+        </p:nvSpPr>
+        <p:spPr>
+          <a:xfrm>
+            <a:off x="685799" y="609600"/>
+            <a:ext cx="8588203" cy="3022600"/>
+          </a:xfrm>
+        </p:spPr>
+        <p:txBody>
+          <a:bodyPr anchor="ctr">
+            <a:normAutofit/>
+          </a:bodyPr>
+          <a:lstStyle>
+            <a:lvl1pPr algn="l">
+              <a:defRPr sz="4400" b="0" cap="none"/>
+            </a:lvl1pPr>
+          </a:lstStyle>
+          <a:p>
+            <a:r>
+              <a:rPr lang="en-US"/>
+              <a:t>Click to edit Master title style</a:t>
+            </a:r>
+            <a:endParaRPr lang="en-US" dirty="0"/>
+          </a:p>
+        </p:txBody>
+      </p:sp>
+      <p:sp>
+        <p:nvSpPr>
+          <p:cNvPr id="23" name="Text Placeholder 9"/>
+          <p:cNvSpPr>
+            <a:spLocks noGrp="1"/>
+          </p:cNvSpPr>
+          <p:nvPr>
+            <p:ph type="body" sz="quarter" idx="13"/>
+          </p:nvPr>
+        </p:nvSpPr>
+        <p:spPr>
+          <a:xfrm>
+            <a:off x="677332" y="4013200"/>
+            <a:ext cx="8596669" cy="514248"/>
+          </a:xfrm>
+        </p:spPr>
+        <p:txBody>
+          <a:bodyPr anchor="b">
+            <a:noAutofit/>
+          </a:bodyPr>
+          <a:lstStyle>
+            <a:lvl1pPr marL="0" indent="0">
+              <a:buFontTx/>
+              <a:buNone/>
+              <a:defRPr sz="2400">
+                <a:solidFill>
+                  <a:schemeClr val="accent1"/>
+                </a:solidFill>
+              </a:defRPr>
+            </a:lvl1pPr>
+            <a:lvl2pPr marL="457200" indent="0">
+              <a:buFontTx/>
+              <a:buNone/>
+              <a:defRPr/>
+            </a:lvl2pPr>
+            <a:lvl3pPr marL="914400" indent="0">
+              <a:buFontTx/>
+              <a:buNone/>
+              <a:defRPr/>
+            </a:lvl3pPr>
+            <a:lvl4pPr marL="1371600" indent="0">
+              <a:buFontTx/>
+              <a:buNone/>
+              <a:defRPr/>
+            </a:lvl4pPr>
+            <a:lvl5pPr marL="1828800" indent="0">
+              <a:buFontTx/>
+              <a:buNone/>
+              <a:defRPr/>
+            </a:lvl5pPr>
+          </a:lstStyle>
+          <a:p>
+            <a:pPr lvl="0"/>
+            <a:r>
+              <a:rPr lang="en-US"/>
+              <a:t>Click to edit Master text styles</a:t>
+            </a:r>
+          </a:p>
+        </p:txBody>
+      </p:sp>
+      <p:sp>
+        <p:nvSpPr>
+          <p:cNvPr id="3" name="Text Placeholder 2"/>
+          <p:cNvSpPr>
+            <a:spLocks noGrp="1"/>
+          </p:cNvSpPr>
+          <p:nvPr>
+            <p:ph type="body" idx="1"/>
+          </p:nvPr>
+        </p:nvSpPr>
+        <p:spPr>
+          <a:xfrm>
+            <a:off x="677335" y="4527448"/>
+            <a:ext cx="8596668" cy="1513914"/>
+          </a:xfrm>
+        </p:spPr>
+        <p:txBody>
+          <a:bodyPr anchor="t">
+            <a:normAutofit/>
+          </a:bodyPr>
+          <a:lstStyle>
+            <a:lvl1pPr marL="0" indent="0" algn="l">
+              <a:buNone/>
+              <a:defRPr sz="1800">
+                <a:solidFill>
+                  <a:schemeClr val="tx1">
+                    <a:lumMod val="50000"/>
+                    <a:lumOff val="50000"/>
+                  </a:schemeClr>
+                </a:solidFill>
+              </a:defRPr>
+            </a:lvl1pPr>
+            <a:lvl2pPr marL="457200" indent="0">
+              <a:buNone/>
+              <a:defRPr sz="1800">
+                <a:solidFill>
+                  <a:schemeClr val="tx1">
+                    <a:tint val="75000"/>
+                  </a:schemeClr>
+                </a:solidFill>
+              </a:defRPr>
+            </a:lvl2pPr>
+            <a:lvl3pPr marL="914400" indent="0">
+              <a:buNone/>
+              <a:defRPr sz="1600">
+                <a:solidFill>
+                  <a:schemeClr val="tx1">
+                    <a:tint val="75000"/>
+                  </a:schemeClr>
+                </a:solidFill>
+              </a:defRPr>
+            </a:lvl3pPr>
+            <a:lvl4pPr marL="1371600" indent="0">
+              <a:buNone/>
+              <a:defRPr sz="1400">
+                <a:solidFill>
+                  <a:schemeClr val="tx1">
+                    <a:tint val="75000"/>
+                  </a:schemeClr>
+                </a:solidFill>
+              </a:defRPr>
+            </a:lvl4pPr>
+            <a:lvl5pPr marL="1828800" indent="0">
+              <a:buNone/>
+              <a:defRPr sz="1400">
+                <a:solidFill>
+                  <a:schemeClr val="tx1">
+                    <a:tint val="75000"/>
+                  </a:schemeClr>
+                </a:solidFill>
+              </a:defRPr>
+            </a:lvl5pPr>
+            <a:lvl6pPr marL="2286000" indent="0">
+              <a:buNone/>
+              <a:defRPr sz="1400">
+                <a:solidFill>
+                  <a:schemeClr val="tx1">
+                    <a:tint val="75000"/>
+                  </a:schemeClr>
+                </a:solidFill>
+              </a:defRPr>
+            </a:lvl6pPr>
+            <a:lvl7pPr marL="2743200" indent="0">
+              <a:buNone/>
+              <a:defRPr sz="1400">
+                <a:solidFill>
+                  <a:schemeClr val="tx1">
+                    <a:tint val="75000"/>
+                  </a:schemeClr>
+                </a:solidFill>
+              </a:defRPr>
+            </a:lvl7pPr>
+            <a:lvl8pPr marL="3200400" indent="0">
+              <a:buNone/>
+              <a:defRPr sz="1400">
+                <a:solidFill>
+                  <a:schemeClr val="tx1">
+                    <a:tint val="75000"/>
+                  </a:schemeClr>
+                </a:solidFill>
+              </a:defRPr>
+            </a:lvl8pPr>
+            <a:lvl9pPr marL="3657600" indent="0">
+              <a:buNone/>
+              <a:defRPr sz="1400">
+                <a:solidFill>
+                  <a:schemeClr val="tx1">
+                    <a:tint val="75000"/>
+                  </a:schemeClr>
+                </a:solidFill>
+              </a:defRPr>
+            </a:lvl9pPr>
+          </a:lstStyle>
+          <a:p>
+            <a:pPr lvl="0"/>
+            <a:r>
+              <a:rPr lang="en-US"/>
+              <a:t>Click to edit Master text styles</a:t>
+            </a:r>
+          </a:p>
+        </p:txBody>
+      </p:sp>
+      <p:sp>
+        <p:nvSpPr>
+          <p:cNvPr id="4" name="Date Placeholder 3"/>
+          <p:cNvSpPr>
+            <a:spLocks noGrp="1"/>
+          </p:cNvSpPr>
+          <p:nvPr>
+            <p:ph type="dt" sz="half" idx="10"/>
+          </p:nvPr>
+        </p:nvSpPr>
+        <p:spPr/>
+        <p:txBody>
+          <a:bodyPr/>
+          <a:lstStyle/>
+          <a:p>
+            <a:fld id="{FAFDAFBD-AA74-4F39-B34D-B8A0CE5CD8B0}" type="datetimeFigureOut">
+              <a:rPr lang="en-US" smtClean="0"/>
+              <a:t>8/14/2023</a:t>
+            </a:fld>
+            <a:endParaRPr lang="en-US"/>
+          </a:p>
+        </p:txBody>
+      </p:sp>
+      <p:sp>
+        <p:nvSpPr>
+          <p:cNvPr id="5" name="Footer Placeholder 4"/>
+          <p:cNvSpPr>
+            <a:spLocks noGrp="1"/>
+          </p:cNvSpPr>
+          <p:nvPr>
+            <p:ph type="ftr" sz="quarter" idx="11"/>
+          </p:nvPr>
+        </p:nvSpPr>
+        <p:spPr/>
+        <p:txBody>
+          <a:bodyPr/>
+          <a:lstStyle/>
+          <a:p>
+            <a:endParaRPr lang="en-US"/>
+          </a:p>
+        </p:txBody>
+      </p:sp>
+      <p:sp>
+        <p:nvSpPr>
+          <p:cNvPr id="6" name="Slide Number Placeholder 5"/>
+          <p:cNvSpPr>
+            <a:spLocks noGrp="1"/>
+          </p:cNvSpPr>
+          <p:nvPr>
+            <p:ph type="sldNum" sz="quarter" idx="12"/>
+          </p:nvPr>
+        </p:nvSpPr>
+        <p:spPr/>
+        <p:txBody>
+          <a:bodyPr/>
+          <a:lstStyle/>
+          <a:p>
+            <a:fld id="{B1DBEE3E-F04A-4C6C-9A1F-85BCCA1C6BB6}" type="slidenum">
+              <a:rPr lang="en-US" smtClean="0"/>
+              <a:t>‹#›</a:t>
+            </a:fld>
+            <a:endParaRPr lang="en-US"/>
+          </a:p>
+        </p:txBody>
+      </p:sp>
+    </p:spTree>
+    <p:extLst>
+      <p:ext uri="{BB962C8B-B14F-4D97-AF65-F5344CB8AC3E}">
+        <p14:creationId xmlns:p14="http://schemas.microsoft.com/office/powerpoint/2010/main" val="3873471870"/>
+      </p:ext>
+    </p:extLst>
+  </p:cSld>
+  <p:clrMapOvr>
+    <a:masterClrMapping/>
+  </p:clrMapOvr>
+</p:sldLayout>
+</file>
+
+<file path=ppt/slideLayouts/slideLayout26.xml><?xml version="1.0" encoding="utf-8"?>
+<p:sldLayout xmlns:a="http://schemas.openxmlformats.org/drawingml/2006/main" xmlns:r="http://schemas.openxmlformats.org/officeDocument/2006/relationships" xmlns:p="http://schemas.openxmlformats.org/presentationml/2006/main" type="vertTx" preserve="1">
+  <p:cSld name="Title and Vertical Text">
+    <p:spTree>
+      <p:nvGrpSpPr>
+        <p:cNvPr id="1" name=""/>
+        <p:cNvGrpSpPr/>
+        <p:nvPr/>
+      </p:nvGrpSpPr>
+      <p:grpSpPr>
+        <a:xfrm>
+          <a:off x="0" y="0"/>
+          <a:ext cx="0" cy="0"/>
+          <a:chOff x="0" y="0"/>
+          <a:chExt cx="0" cy="0"/>
+        </a:xfrm>
+      </p:grpSpPr>
+      <p:sp>
+        <p:nvSpPr>
+          <p:cNvPr id="2" name="Title 1"/>
+          <p:cNvSpPr>
+            <a:spLocks noGrp="1"/>
+          </p:cNvSpPr>
+          <p:nvPr>
+            <p:ph type="title"/>
+          </p:nvPr>
+        </p:nvSpPr>
+        <p:spPr/>
+        <p:txBody>
+          <a:bodyPr/>
+          <a:lstStyle/>
+          <a:p>
+            <a:r>
+              <a:rPr lang="en-US"/>
+              <a:t>Click to edit Master title style</a:t>
+            </a:r>
+            <a:endParaRPr lang="en-US" dirty="0"/>
+          </a:p>
+        </p:txBody>
+      </p:sp>
+      <p:sp>
+        <p:nvSpPr>
+          <p:cNvPr id="3" name="Vertical Text Placeholder 2"/>
+          <p:cNvSpPr>
+            <a:spLocks noGrp="1"/>
+          </p:cNvSpPr>
+          <p:nvPr>
+            <p:ph type="body" orient="vert" idx="1"/>
+          </p:nvPr>
+        </p:nvSpPr>
+        <p:spPr/>
+        <p:txBody>
+          <a:bodyPr vert="eaVert"/>
+          <a:lstStyle/>
+          <a:p>
+            <a:pPr lvl="0"/>
+            <a:r>
+              <a:rPr lang="en-US"/>
+              <a:t>Click to edit Master text styles</a:t>
+            </a:r>
+          </a:p>
+          <a:p>
+            <a:pPr lvl="1"/>
+            <a:r>
+              <a:rPr lang="en-US"/>
+              <a:t>Second level</a:t>
+            </a:r>
+          </a:p>
+          <a:p>
+            <a:pPr lvl="2"/>
+            <a:r>
+              <a:rPr lang="en-US"/>
+              <a:t>Third level</a:t>
+            </a:r>
+          </a:p>
+          <a:p>
+            <a:pPr lvl="3"/>
+            <a:r>
+              <a:rPr lang="en-US"/>
+              <a:t>Fourth level</a:t>
+            </a:r>
+          </a:p>
+          <a:p>
+            <a:pPr lvl="4"/>
+            <a:r>
+              <a:rPr lang="en-US"/>
+              <a:t>Fifth level</a:t>
+            </a:r>
+            <a:endParaRPr lang="en-US" dirty="0"/>
+          </a:p>
+        </p:txBody>
+      </p:sp>
+      <p:sp>
+        <p:nvSpPr>
+          <p:cNvPr id="4" name="Date Placeholder 3"/>
+          <p:cNvSpPr>
+            <a:spLocks noGrp="1"/>
+          </p:cNvSpPr>
+          <p:nvPr>
+            <p:ph type="dt" sz="half" idx="10"/>
+          </p:nvPr>
+        </p:nvSpPr>
+        <p:spPr/>
+        <p:txBody>
+          <a:bodyPr/>
+          <a:lstStyle/>
+          <a:p>
+            <a:fld id="{FAFDAFBD-AA74-4F39-B34D-B8A0CE5CD8B0}" type="datetimeFigureOut">
+              <a:rPr lang="en-US" smtClean="0"/>
+              <a:t>8/14/2023</a:t>
+            </a:fld>
+            <a:endParaRPr lang="en-US"/>
+          </a:p>
+        </p:txBody>
+      </p:sp>
+      <p:sp>
+        <p:nvSpPr>
+          <p:cNvPr id="5" name="Footer Placeholder 4"/>
+          <p:cNvSpPr>
+            <a:spLocks noGrp="1"/>
+          </p:cNvSpPr>
+          <p:nvPr>
+            <p:ph type="ftr" sz="quarter" idx="11"/>
+          </p:nvPr>
+        </p:nvSpPr>
+        <p:spPr/>
+        <p:txBody>
+          <a:bodyPr/>
+          <a:lstStyle/>
+          <a:p>
+            <a:endParaRPr lang="en-US"/>
+          </a:p>
+        </p:txBody>
+      </p:sp>
+      <p:sp>
+        <p:nvSpPr>
+          <p:cNvPr id="6" name="Slide Number Placeholder 5"/>
+          <p:cNvSpPr>
+            <a:spLocks noGrp="1"/>
+          </p:cNvSpPr>
+          <p:nvPr>
+            <p:ph type="sldNum" sz="quarter" idx="12"/>
+          </p:nvPr>
+        </p:nvSpPr>
+        <p:spPr/>
+        <p:txBody>
+          <a:bodyPr/>
+          <a:lstStyle/>
+          <a:p>
+            <a:fld id="{B1DBEE3E-F04A-4C6C-9A1F-85BCCA1C6BB6}" type="slidenum">
+              <a:rPr lang="en-US" smtClean="0"/>
+              <a:t>‹#›</a:t>
+            </a:fld>
+            <a:endParaRPr lang="en-US"/>
+          </a:p>
+        </p:txBody>
+      </p:sp>
+    </p:spTree>
+    <p:extLst>
+      <p:ext uri="{BB962C8B-B14F-4D97-AF65-F5344CB8AC3E}">
+        <p14:creationId xmlns:p14="http://schemas.microsoft.com/office/powerpoint/2010/main" val="178836076"/>
+      </p:ext>
+    </p:extLst>
+  </p:cSld>
+  <p:clrMapOvr>
+    <a:masterClrMapping/>
+  </p:clrMapOvr>
+</p:sldLayout>
+</file>
+
+<file path=ppt/slideLayouts/slideLayout27.xml><?xml version="1.0" encoding="utf-8"?>
+<p:sldLayout xmlns:a="http://schemas.openxmlformats.org/drawingml/2006/main" xmlns:r="http://schemas.openxmlformats.org/officeDocument/2006/relationships" xmlns:p="http://schemas.openxmlformats.org/presentationml/2006/main" type="vertTitleAndTx" preserve="1">
+  <p:cSld name="Vertical Title and Text">
+    <p:spTree>
+      <p:nvGrpSpPr>
+        <p:cNvPr id="1" name=""/>
+        <p:cNvGrpSpPr/>
+        <p:nvPr/>
+      </p:nvGrpSpPr>
+      <p:grpSpPr>
+        <a:xfrm>
+          <a:off x="0" y="0"/>
+          <a:ext cx="0" cy="0"/>
+          <a:chOff x="0" y="0"/>
+          <a:chExt cx="0" cy="0"/>
+        </a:xfrm>
+      </p:grpSpPr>
+      <p:sp>
+        <p:nvSpPr>
+          <p:cNvPr id="2" name="Vertical Title 1"/>
+          <p:cNvSpPr>
+            <a:spLocks noGrp="1"/>
+          </p:cNvSpPr>
+          <p:nvPr>
+            <p:ph type="title" orient="vert"/>
+          </p:nvPr>
+        </p:nvSpPr>
+        <p:spPr>
+          <a:xfrm>
+            <a:off x="7967673" y="609599"/>
+            <a:ext cx="1304743" cy="5251451"/>
+          </a:xfrm>
+        </p:spPr>
+        <p:txBody>
+          <a:bodyPr vert="eaVert" anchor="ctr"/>
+          <a:lstStyle/>
+          <a:p>
+            <a:r>
+              <a:rPr lang="en-US"/>
+              <a:t>Click to edit Master title style</a:t>
+            </a:r>
+            <a:endParaRPr lang="en-US" dirty="0"/>
+          </a:p>
+        </p:txBody>
+      </p:sp>
+      <p:sp>
+        <p:nvSpPr>
+          <p:cNvPr id="3" name="Vertical Text Placeholder 2"/>
+          <p:cNvSpPr>
+            <a:spLocks noGrp="1"/>
+          </p:cNvSpPr>
+          <p:nvPr>
+            <p:ph type="body" orient="vert" idx="1"/>
+          </p:nvPr>
+        </p:nvSpPr>
+        <p:spPr>
+          <a:xfrm>
+            <a:off x="677335" y="609600"/>
+            <a:ext cx="7060150" cy="5251450"/>
+          </a:xfrm>
+        </p:spPr>
+        <p:txBody>
+          <a:bodyPr vert="eaVert"/>
+          <a:lstStyle/>
+          <a:p>
+            <a:pPr lvl="0"/>
+            <a:r>
+              <a:rPr lang="en-US"/>
+              <a:t>Click to edit Master text styles</a:t>
+            </a:r>
+          </a:p>
+          <a:p>
+            <a:pPr lvl="1"/>
+            <a:r>
+              <a:rPr lang="en-US"/>
+              <a:t>Second level</a:t>
+            </a:r>
+          </a:p>
+          <a:p>
+            <a:pPr lvl="2"/>
+            <a:r>
+              <a:rPr lang="en-US"/>
+              <a:t>Third level</a:t>
+            </a:r>
+          </a:p>
+          <a:p>
+            <a:pPr lvl="3"/>
+            <a:r>
+              <a:rPr lang="en-US"/>
+              <a:t>Fourth level</a:t>
+            </a:r>
+          </a:p>
+          <a:p>
+            <a:pPr lvl="4"/>
+            <a:r>
+              <a:rPr lang="en-US"/>
+              <a:t>Fifth level</a:t>
+            </a:r>
+            <a:endParaRPr lang="en-US" dirty="0"/>
+          </a:p>
+        </p:txBody>
+      </p:sp>
+      <p:sp>
+        <p:nvSpPr>
+          <p:cNvPr id="4" name="Date Placeholder 3"/>
+          <p:cNvSpPr>
+            <a:spLocks noGrp="1"/>
+          </p:cNvSpPr>
+          <p:nvPr>
+            <p:ph type="dt" sz="half" idx="10"/>
+          </p:nvPr>
+        </p:nvSpPr>
+        <p:spPr/>
+        <p:txBody>
+          <a:bodyPr/>
+          <a:lstStyle/>
+          <a:p>
+            <a:fld id="{FAFDAFBD-AA74-4F39-B34D-B8A0CE5CD8B0}" type="datetimeFigureOut">
+              <a:rPr lang="en-US" smtClean="0"/>
+              <a:t>8/14/2023</a:t>
+            </a:fld>
+            <a:endParaRPr lang="en-US"/>
+          </a:p>
+        </p:txBody>
+      </p:sp>
+      <p:sp>
+        <p:nvSpPr>
+          <p:cNvPr id="5" name="Footer Placeholder 4"/>
+          <p:cNvSpPr>
+            <a:spLocks noGrp="1"/>
+          </p:cNvSpPr>
+          <p:nvPr>
+            <p:ph type="ftr" sz="quarter" idx="11"/>
+          </p:nvPr>
+        </p:nvSpPr>
+        <p:spPr/>
+        <p:txBody>
+          <a:bodyPr/>
+          <a:lstStyle/>
+          <a:p>
+            <a:endParaRPr lang="en-US"/>
+          </a:p>
+        </p:txBody>
+      </p:sp>
+      <p:sp>
+        <p:nvSpPr>
+          <p:cNvPr id="6" name="Slide Number Placeholder 5"/>
+          <p:cNvSpPr>
+            <a:spLocks noGrp="1"/>
+          </p:cNvSpPr>
+          <p:nvPr>
+            <p:ph type="sldNum" sz="quarter" idx="12"/>
+          </p:nvPr>
+        </p:nvSpPr>
+        <p:spPr/>
+        <p:txBody>
+          <a:bodyPr/>
+          <a:lstStyle/>
+          <a:p>
+            <a:fld id="{B1DBEE3E-F04A-4C6C-9A1F-85BCCA1C6BB6}" type="slidenum">
+              <a:rPr lang="en-US" smtClean="0"/>
+              <a:t>‹#›</a:t>
+            </a:fld>
+            <a:endParaRPr lang="en-US"/>
+          </a:p>
+        </p:txBody>
+      </p:sp>
+    </p:spTree>
+    <p:extLst>
+      <p:ext uri="{BB962C8B-B14F-4D97-AF65-F5344CB8AC3E}">
+        <p14:creationId xmlns:p14="http://schemas.microsoft.com/office/powerpoint/2010/main" val="2727989608"/>
       </p:ext>
     </p:extLst>
   </p:cSld>
@@ -4390,7 +9079,7 @@
           <a:p>
             <a:fld id="{FAFDAFBD-AA74-4F39-B34D-B8A0CE5CD8B0}" type="datetimeFigureOut">
               <a:rPr lang="en-US" smtClean="0"/>
-              <a:t>8/8/2023</a:t>
+              <a:t>8/14/2023</a:t>
             </a:fld>
             <a:endParaRPr lang="en-US"/>
           </a:p>
@@ -4655,7 +9344,7 @@
           <a:p>
             <a:fld id="{FAFDAFBD-AA74-4F39-B34D-B8A0CE5CD8B0}" type="datetimeFigureOut">
               <a:rPr lang="en-US" smtClean="0"/>
-              <a:t>8/8/2023</a:t>
+              <a:t>8/14/2023</a:t>
             </a:fld>
             <a:endParaRPr lang="en-US"/>
           </a:p>
@@ -5067,7 +9756,7 @@
           <a:p>
             <a:fld id="{FAFDAFBD-AA74-4F39-B34D-B8A0CE5CD8B0}" type="datetimeFigureOut">
               <a:rPr lang="en-US" smtClean="0"/>
-              <a:t>8/8/2023</a:t>
+              <a:t>8/14/2023</a:t>
             </a:fld>
             <a:endParaRPr lang="en-US"/>
           </a:p>
@@ -5208,7 +9897,7 @@
           <a:p>
             <a:fld id="{FAFDAFBD-AA74-4F39-B34D-B8A0CE5CD8B0}" type="datetimeFigureOut">
               <a:rPr lang="en-US" smtClean="0"/>
-              <a:t>8/8/2023</a:t>
+              <a:t>8/14/2023</a:t>
             </a:fld>
             <a:endParaRPr lang="en-US"/>
           </a:p>
@@ -5321,7 +10010,7 @@
           <a:p>
             <a:fld id="{FAFDAFBD-AA74-4F39-B34D-B8A0CE5CD8B0}" type="datetimeFigureOut">
               <a:rPr lang="en-US" smtClean="0"/>
-              <a:t>8/8/2023</a:t>
+              <a:t>8/14/2023</a:t>
             </a:fld>
             <a:endParaRPr lang="en-US"/>
           </a:p>
@@ -5632,7 +10321,7 @@
           <a:p>
             <a:fld id="{FAFDAFBD-AA74-4F39-B34D-B8A0CE5CD8B0}" type="datetimeFigureOut">
               <a:rPr lang="en-US" smtClean="0"/>
-              <a:t>8/8/2023</a:t>
+              <a:t>8/14/2023</a:t>
             </a:fld>
             <a:endParaRPr lang="en-US"/>
           </a:p>
@@ -5920,7 +10609,7 @@
           <a:p>
             <a:fld id="{FAFDAFBD-AA74-4F39-B34D-B8A0CE5CD8B0}" type="datetimeFigureOut">
               <a:rPr lang="en-US" smtClean="0"/>
-              <a:t>8/8/2023</a:t>
+              <a:t>8/14/2023</a:t>
             </a:fld>
             <a:endParaRPr lang="en-US"/>
           </a:p>
@@ -6161,7 +10850,7 @@
           <a:p>
             <a:fld id="{FAFDAFBD-AA74-4F39-B34D-B8A0CE5CD8B0}" type="datetimeFigureOut">
               <a:rPr lang="en-US" smtClean="0"/>
-              <a:t>8/8/2023</a:t>
+              <a:t>8/14/2023</a:t>
             </a:fld>
             <a:endParaRPr lang="en-US"/>
           </a:p>
@@ -6561,6 +11250,1195 @@
 </p:sldMaster>
 </file>
 
+<file path=ppt/slideMasters/slideMaster2.xml><?xml version="1.0" encoding="utf-8"?>
+<p:sldMaster xmlns:a="http://schemas.openxmlformats.org/drawingml/2006/main" xmlns:r="http://schemas.openxmlformats.org/officeDocument/2006/relationships" xmlns:p="http://schemas.openxmlformats.org/presentationml/2006/main">
+  <p:cSld>
+    <p:bg>
+      <p:bgRef idx="1001">
+        <a:schemeClr val="bg1"/>
+      </p:bgRef>
+    </p:bg>
+    <p:spTree>
+      <p:nvGrpSpPr>
+        <p:cNvPr id="1" name=""/>
+        <p:cNvGrpSpPr/>
+        <p:nvPr/>
+      </p:nvGrpSpPr>
+      <p:grpSpPr>
+        <a:xfrm>
+          <a:off x="0" y="0"/>
+          <a:ext cx="0" cy="0"/>
+          <a:chOff x="0" y="0"/>
+          <a:chExt cx="0" cy="0"/>
+        </a:xfrm>
+      </p:grpSpPr>
+      <p:grpSp>
+        <p:nvGrpSpPr>
+          <p:cNvPr id="7" name="Group 6"/>
+          <p:cNvGrpSpPr/>
+          <p:nvPr/>
+        </p:nvGrpSpPr>
+        <p:grpSpPr>
+          <a:xfrm>
+            <a:off x="0" y="-8467"/>
+            <a:ext cx="12192000" cy="6866467"/>
+            <a:chOff x="0" y="-8467"/>
+            <a:chExt cx="12192000" cy="6866467"/>
+          </a:xfrm>
+        </p:grpSpPr>
+        <p:cxnSp>
+          <p:nvCxnSpPr>
+            <p:cNvPr id="20" name="Straight Connector 19"/>
+            <p:cNvCxnSpPr/>
+            <p:nvPr/>
+          </p:nvCxnSpPr>
+          <p:spPr>
+            <a:xfrm>
+              <a:off x="9371012" y="0"/>
+              <a:ext cx="1219200" cy="6858000"/>
+            </a:xfrm>
+            <a:prstGeom prst="line">
+              <a:avLst/>
+            </a:prstGeom>
+            <a:ln w="9525">
+              <a:solidFill>
+                <a:schemeClr val="bg1">
+                  <a:lumMod val="75000"/>
+                </a:schemeClr>
+              </a:solidFill>
+            </a:ln>
+          </p:spPr>
+          <p:style>
+            <a:lnRef idx="2">
+              <a:schemeClr val="accent1"/>
+            </a:lnRef>
+            <a:fillRef idx="0">
+              <a:schemeClr val="accent1"/>
+            </a:fillRef>
+            <a:effectRef idx="1">
+              <a:schemeClr val="accent1"/>
+            </a:effectRef>
+            <a:fontRef idx="minor">
+              <a:schemeClr val="tx1"/>
+            </a:fontRef>
+          </p:style>
+        </p:cxnSp>
+        <p:cxnSp>
+          <p:nvCxnSpPr>
+            <p:cNvPr id="21" name="Straight Connector 20"/>
+            <p:cNvCxnSpPr/>
+            <p:nvPr/>
+          </p:nvCxnSpPr>
+          <p:spPr>
+            <a:xfrm flipH="1">
+              <a:off x="7425267" y="3681413"/>
+              <a:ext cx="4763558" cy="3176587"/>
+            </a:xfrm>
+            <a:prstGeom prst="line">
+              <a:avLst/>
+            </a:prstGeom>
+            <a:ln w="9525">
+              <a:solidFill>
+                <a:schemeClr val="bg1">
+                  <a:lumMod val="85000"/>
+                </a:schemeClr>
+              </a:solidFill>
+            </a:ln>
+          </p:spPr>
+          <p:style>
+            <a:lnRef idx="2">
+              <a:schemeClr val="accent1"/>
+            </a:lnRef>
+            <a:fillRef idx="0">
+              <a:schemeClr val="accent1"/>
+            </a:fillRef>
+            <a:effectRef idx="1">
+              <a:schemeClr val="accent1"/>
+            </a:effectRef>
+            <a:fontRef idx="minor">
+              <a:schemeClr val="tx1"/>
+            </a:fontRef>
+          </p:style>
+        </p:cxnSp>
+        <p:sp>
+          <p:nvSpPr>
+            <p:cNvPr id="22" name="Rectangle 23"/>
+            <p:cNvSpPr/>
+            <p:nvPr/>
+          </p:nvSpPr>
+          <p:spPr>
+            <a:xfrm>
+              <a:off x="9181476" y="-8467"/>
+              <a:ext cx="3007349" cy="6866467"/>
+            </a:xfrm>
+            <a:custGeom>
+              <a:avLst/>
+              <a:gdLst/>
+              <a:ahLst/>
+              <a:cxnLst/>
+              <a:rect l="l" t="t" r="r" b="b"/>
+              <a:pathLst>
+                <a:path w="3007349" h="6866467">
+                  <a:moveTo>
+                    <a:pt x="2045532" y="0"/>
+                  </a:moveTo>
+                  <a:lnTo>
+                    <a:pt x="3007349" y="0"/>
+                  </a:lnTo>
+                  <a:lnTo>
+                    <a:pt x="3007349" y="6866467"/>
+                  </a:lnTo>
+                  <a:lnTo>
+                    <a:pt x="0" y="6866467"/>
+                  </a:lnTo>
+                  <a:lnTo>
+                    <a:pt x="2045532" y="0"/>
+                  </a:lnTo>
+                  <a:close/>
+                </a:path>
+              </a:pathLst>
+            </a:custGeom>
+            <a:solidFill>
+              <a:schemeClr val="accent1">
+                <a:alpha val="30000"/>
+              </a:schemeClr>
+            </a:solidFill>
+            <a:ln>
+              <a:noFill/>
+            </a:ln>
+            <a:effectLst/>
+          </p:spPr>
+          <p:style>
+            <a:lnRef idx="1">
+              <a:schemeClr val="accent1"/>
+            </a:lnRef>
+            <a:fillRef idx="3">
+              <a:schemeClr val="accent1"/>
+            </a:fillRef>
+            <a:effectRef idx="2">
+              <a:schemeClr val="accent1"/>
+            </a:effectRef>
+            <a:fontRef idx="minor">
+              <a:schemeClr val="lt1"/>
+            </a:fontRef>
+          </p:style>
+        </p:sp>
+        <p:sp>
+          <p:nvSpPr>
+            <p:cNvPr id="23" name="Rectangle 25"/>
+            <p:cNvSpPr/>
+            <p:nvPr/>
+          </p:nvSpPr>
+          <p:spPr>
+            <a:xfrm>
+              <a:off x="9603442" y="-8467"/>
+              <a:ext cx="2588558" cy="6866467"/>
+            </a:xfrm>
+            <a:custGeom>
+              <a:avLst/>
+              <a:gdLst/>
+              <a:ahLst/>
+              <a:cxnLst/>
+              <a:rect l="l" t="t" r="r" b="b"/>
+              <a:pathLst>
+                <a:path w="2573311" h="6866467">
+                  <a:moveTo>
+                    <a:pt x="0" y="0"/>
+                  </a:moveTo>
+                  <a:lnTo>
+                    <a:pt x="2573311" y="0"/>
+                  </a:lnTo>
+                  <a:lnTo>
+                    <a:pt x="2573311" y="6866467"/>
+                  </a:lnTo>
+                  <a:lnTo>
+                    <a:pt x="1202336" y="6866467"/>
+                  </a:lnTo>
+                  <a:lnTo>
+                    <a:pt x="0" y="0"/>
+                  </a:lnTo>
+                  <a:close/>
+                </a:path>
+              </a:pathLst>
+            </a:custGeom>
+            <a:solidFill>
+              <a:schemeClr val="accent1">
+                <a:alpha val="20000"/>
+              </a:schemeClr>
+            </a:solidFill>
+            <a:ln>
+              <a:noFill/>
+            </a:ln>
+            <a:effectLst/>
+          </p:spPr>
+          <p:style>
+            <a:lnRef idx="1">
+              <a:schemeClr val="accent1"/>
+            </a:lnRef>
+            <a:fillRef idx="3">
+              <a:schemeClr val="accent1"/>
+            </a:fillRef>
+            <a:effectRef idx="2">
+              <a:schemeClr val="accent1"/>
+            </a:effectRef>
+            <a:fontRef idx="minor">
+              <a:schemeClr val="lt1"/>
+            </a:fontRef>
+          </p:style>
+        </p:sp>
+        <p:sp>
+          <p:nvSpPr>
+            <p:cNvPr id="24" name="Isosceles Triangle 23"/>
+            <p:cNvSpPr/>
+            <p:nvPr/>
+          </p:nvSpPr>
+          <p:spPr>
+            <a:xfrm>
+              <a:off x="8932333" y="3048000"/>
+              <a:ext cx="3259667" cy="3810000"/>
+            </a:xfrm>
+            <a:prstGeom prst="triangle">
+              <a:avLst>
+                <a:gd name="adj" fmla="val 100000"/>
+              </a:avLst>
+            </a:prstGeom>
+            <a:solidFill>
+              <a:schemeClr val="accent2">
+                <a:alpha val="72000"/>
+              </a:schemeClr>
+            </a:solidFill>
+            <a:ln>
+              <a:noFill/>
+            </a:ln>
+            <a:effectLst/>
+          </p:spPr>
+          <p:style>
+            <a:lnRef idx="1">
+              <a:schemeClr val="accent1"/>
+            </a:lnRef>
+            <a:fillRef idx="3">
+              <a:schemeClr val="accent1"/>
+            </a:fillRef>
+            <a:effectRef idx="2">
+              <a:schemeClr val="accent1"/>
+            </a:effectRef>
+            <a:fontRef idx="minor">
+              <a:schemeClr val="lt1"/>
+            </a:fontRef>
+          </p:style>
+        </p:sp>
+        <p:sp>
+          <p:nvSpPr>
+            <p:cNvPr id="25" name="Rectangle 27"/>
+            <p:cNvSpPr/>
+            <p:nvPr/>
+          </p:nvSpPr>
+          <p:spPr>
+            <a:xfrm>
+              <a:off x="9334500" y="-8467"/>
+              <a:ext cx="2854326" cy="6866467"/>
+            </a:xfrm>
+            <a:custGeom>
+              <a:avLst/>
+              <a:gdLst/>
+              <a:ahLst/>
+              <a:cxnLst/>
+              <a:rect l="l" t="t" r="r" b="b"/>
+              <a:pathLst>
+                <a:path w="2858013" h="6866467">
+                  <a:moveTo>
+                    <a:pt x="0" y="0"/>
+                  </a:moveTo>
+                  <a:lnTo>
+                    <a:pt x="2858013" y="0"/>
+                  </a:lnTo>
+                  <a:lnTo>
+                    <a:pt x="2858013" y="6866467"/>
+                  </a:lnTo>
+                  <a:lnTo>
+                    <a:pt x="2473942" y="6866467"/>
+                  </a:lnTo>
+                  <a:lnTo>
+                    <a:pt x="0" y="0"/>
+                  </a:lnTo>
+                  <a:close/>
+                </a:path>
+              </a:pathLst>
+            </a:custGeom>
+            <a:solidFill>
+              <a:schemeClr val="accent2">
+                <a:lumMod val="75000"/>
+                <a:alpha val="70000"/>
+              </a:schemeClr>
+            </a:solidFill>
+            <a:ln>
+              <a:noFill/>
+            </a:ln>
+            <a:effectLst/>
+          </p:spPr>
+          <p:style>
+            <a:lnRef idx="1">
+              <a:schemeClr val="accent1"/>
+            </a:lnRef>
+            <a:fillRef idx="3">
+              <a:schemeClr val="accent1"/>
+            </a:fillRef>
+            <a:effectRef idx="2">
+              <a:schemeClr val="accent1"/>
+            </a:effectRef>
+            <a:fontRef idx="minor">
+              <a:schemeClr val="lt1"/>
+            </a:fontRef>
+          </p:style>
+        </p:sp>
+        <p:sp>
+          <p:nvSpPr>
+            <p:cNvPr id="26" name="Rectangle 28"/>
+            <p:cNvSpPr/>
+            <p:nvPr/>
+          </p:nvSpPr>
+          <p:spPr>
+            <a:xfrm>
+              <a:off x="10898730" y="-8467"/>
+              <a:ext cx="1290094" cy="6866467"/>
+            </a:xfrm>
+            <a:custGeom>
+              <a:avLst/>
+              <a:gdLst/>
+              <a:ahLst/>
+              <a:cxnLst/>
+              <a:rect l="l" t="t" r="r" b="b"/>
+              <a:pathLst>
+                <a:path w="1290094" h="6858000">
+                  <a:moveTo>
+                    <a:pt x="1019735" y="0"/>
+                  </a:moveTo>
+                  <a:lnTo>
+                    <a:pt x="1290094" y="0"/>
+                  </a:lnTo>
+                  <a:lnTo>
+                    <a:pt x="1290094" y="6858000"/>
+                  </a:lnTo>
+                  <a:lnTo>
+                    <a:pt x="0" y="6858000"/>
+                  </a:lnTo>
+                  <a:lnTo>
+                    <a:pt x="1019735" y="0"/>
+                  </a:lnTo>
+                  <a:close/>
+                </a:path>
+              </a:pathLst>
+            </a:custGeom>
+            <a:solidFill>
+              <a:schemeClr val="accent1">
+                <a:lumMod val="60000"/>
+                <a:lumOff val="40000"/>
+                <a:alpha val="70000"/>
+              </a:schemeClr>
+            </a:solidFill>
+            <a:ln>
+              <a:noFill/>
+            </a:ln>
+            <a:effectLst/>
+          </p:spPr>
+          <p:style>
+            <a:lnRef idx="1">
+              <a:schemeClr val="accent1"/>
+            </a:lnRef>
+            <a:fillRef idx="3">
+              <a:schemeClr val="accent1"/>
+            </a:fillRef>
+            <a:effectRef idx="2">
+              <a:schemeClr val="accent1"/>
+            </a:effectRef>
+            <a:fontRef idx="minor">
+              <a:schemeClr val="lt1"/>
+            </a:fontRef>
+          </p:style>
+        </p:sp>
+        <p:sp>
+          <p:nvSpPr>
+            <p:cNvPr id="27" name="Rectangle 29"/>
+            <p:cNvSpPr/>
+            <p:nvPr/>
+          </p:nvSpPr>
+          <p:spPr>
+            <a:xfrm>
+              <a:off x="10938999" y="-8467"/>
+              <a:ext cx="1249825" cy="6866467"/>
+            </a:xfrm>
+            <a:custGeom>
+              <a:avLst/>
+              <a:gdLst/>
+              <a:ahLst/>
+              <a:cxnLst/>
+              <a:rect l="l" t="t" r="r" b="b"/>
+              <a:pathLst>
+                <a:path w="1249825" h="6858000">
+                  <a:moveTo>
+                    <a:pt x="0" y="0"/>
+                  </a:moveTo>
+                  <a:lnTo>
+                    <a:pt x="1249825" y="0"/>
+                  </a:lnTo>
+                  <a:lnTo>
+                    <a:pt x="1249825" y="6858000"/>
+                  </a:lnTo>
+                  <a:lnTo>
+                    <a:pt x="1109382" y="6858000"/>
+                  </a:lnTo>
+                  <a:lnTo>
+                    <a:pt x="0" y="0"/>
+                  </a:lnTo>
+                  <a:close/>
+                </a:path>
+              </a:pathLst>
+            </a:custGeom>
+            <a:solidFill>
+              <a:schemeClr val="accent1">
+                <a:alpha val="65000"/>
+              </a:schemeClr>
+            </a:solidFill>
+            <a:ln>
+              <a:noFill/>
+            </a:ln>
+            <a:effectLst/>
+          </p:spPr>
+          <p:style>
+            <a:lnRef idx="1">
+              <a:schemeClr val="accent1"/>
+            </a:lnRef>
+            <a:fillRef idx="3">
+              <a:schemeClr val="accent1"/>
+            </a:fillRef>
+            <a:effectRef idx="2">
+              <a:schemeClr val="accent1"/>
+            </a:effectRef>
+            <a:fontRef idx="minor">
+              <a:schemeClr val="lt1"/>
+            </a:fontRef>
+          </p:style>
+        </p:sp>
+        <p:sp>
+          <p:nvSpPr>
+            <p:cNvPr id="28" name="Isosceles Triangle 27"/>
+            <p:cNvSpPr/>
+            <p:nvPr/>
+          </p:nvSpPr>
+          <p:spPr>
+            <a:xfrm>
+              <a:off x="10371666" y="3589867"/>
+              <a:ext cx="1817159" cy="3268133"/>
+            </a:xfrm>
+            <a:prstGeom prst="triangle">
+              <a:avLst>
+                <a:gd name="adj" fmla="val 100000"/>
+              </a:avLst>
+            </a:prstGeom>
+            <a:solidFill>
+              <a:schemeClr val="accent1">
+                <a:alpha val="80000"/>
+              </a:schemeClr>
+            </a:solidFill>
+            <a:ln>
+              <a:noFill/>
+            </a:ln>
+            <a:effectLst/>
+          </p:spPr>
+          <p:style>
+            <a:lnRef idx="1">
+              <a:schemeClr val="accent1"/>
+            </a:lnRef>
+            <a:fillRef idx="3">
+              <a:schemeClr val="accent1"/>
+            </a:fillRef>
+            <a:effectRef idx="2">
+              <a:schemeClr val="accent1"/>
+            </a:effectRef>
+            <a:fontRef idx="minor">
+              <a:schemeClr val="lt1"/>
+            </a:fontRef>
+          </p:style>
+        </p:sp>
+        <p:sp>
+          <p:nvSpPr>
+            <p:cNvPr id="29" name="Isosceles Triangle 28"/>
+            <p:cNvSpPr/>
+            <p:nvPr/>
+          </p:nvSpPr>
+          <p:spPr>
+            <a:xfrm>
+              <a:off x="0" y="4013200"/>
+              <a:ext cx="448733" cy="2844800"/>
+            </a:xfrm>
+            <a:prstGeom prst="triangle">
+              <a:avLst>
+                <a:gd name="adj" fmla="val 0"/>
+              </a:avLst>
+            </a:prstGeom>
+            <a:solidFill>
+              <a:schemeClr val="accent1">
+                <a:alpha val="85000"/>
+              </a:schemeClr>
+            </a:solidFill>
+            <a:ln>
+              <a:noFill/>
+            </a:ln>
+            <a:effectLst/>
+          </p:spPr>
+          <p:style>
+            <a:lnRef idx="1">
+              <a:schemeClr val="accent1"/>
+            </a:lnRef>
+            <a:fillRef idx="3">
+              <a:schemeClr val="accent1"/>
+            </a:fillRef>
+            <a:effectRef idx="2">
+              <a:schemeClr val="accent1"/>
+            </a:effectRef>
+            <a:fontRef idx="minor">
+              <a:schemeClr val="lt1"/>
+            </a:fontRef>
+          </p:style>
+        </p:sp>
+      </p:grpSp>
+      <p:sp>
+        <p:nvSpPr>
+          <p:cNvPr id="2" name="Title Placeholder 1"/>
+          <p:cNvSpPr>
+            <a:spLocks noGrp="1"/>
+          </p:cNvSpPr>
+          <p:nvPr>
+            <p:ph type="title"/>
+          </p:nvPr>
+        </p:nvSpPr>
+        <p:spPr>
+          <a:xfrm>
+            <a:off x="677334" y="609600"/>
+            <a:ext cx="8596668" cy="1320800"/>
+          </a:xfrm>
+          <a:prstGeom prst="rect">
+            <a:avLst/>
+          </a:prstGeom>
+        </p:spPr>
+        <p:txBody>
+          <a:bodyPr vert="horz" lIns="91440" tIns="45720" rIns="91440" bIns="45720" rtlCol="0" anchor="t">
+            <a:normAutofit/>
+          </a:bodyPr>
+          <a:lstStyle/>
+          <a:p>
+            <a:r>
+              <a:rPr lang="en-US"/>
+              <a:t>Click to edit Master title style</a:t>
+            </a:r>
+            <a:endParaRPr lang="en-US" dirty="0"/>
+          </a:p>
+        </p:txBody>
+      </p:sp>
+      <p:sp>
+        <p:nvSpPr>
+          <p:cNvPr id="3" name="Text Placeholder 2"/>
+          <p:cNvSpPr>
+            <a:spLocks noGrp="1"/>
+          </p:cNvSpPr>
+          <p:nvPr>
+            <p:ph type="body" idx="1"/>
+          </p:nvPr>
+        </p:nvSpPr>
+        <p:spPr>
+          <a:xfrm>
+            <a:off x="677334" y="2160589"/>
+            <a:ext cx="8596668" cy="3880773"/>
+          </a:xfrm>
+          <a:prstGeom prst="rect">
+            <a:avLst/>
+          </a:prstGeom>
+        </p:spPr>
+        <p:txBody>
+          <a:bodyPr vert="horz" lIns="91440" tIns="45720" rIns="91440" bIns="45720" rtlCol="0">
+            <a:normAutofit/>
+          </a:bodyPr>
+          <a:lstStyle/>
+          <a:p>
+            <a:pPr lvl="0"/>
+            <a:r>
+              <a:rPr lang="en-US"/>
+              <a:t>Click to edit Master text styles</a:t>
+            </a:r>
+          </a:p>
+          <a:p>
+            <a:pPr lvl="1"/>
+            <a:r>
+              <a:rPr lang="en-US"/>
+              <a:t>Second level</a:t>
+            </a:r>
+          </a:p>
+          <a:p>
+            <a:pPr lvl="2"/>
+            <a:r>
+              <a:rPr lang="en-US"/>
+              <a:t>Third level</a:t>
+            </a:r>
+          </a:p>
+          <a:p>
+            <a:pPr lvl="3"/>
+            <a:r>
+              <a:rPr lang="en-US"/>
+              <a:t>Fourth level</a:t>
+            </a:r>
+          </a:p>
+          <a:p>
+            <a:pPr lvl="4"/>
+            <a:r>
+              <a:rPr lang="en-US"/>
+              <a:t>Fifth level</a:t>
+            </a:r>
+            <a:endParaRPr lang="en-US" dirty="0"/>
+          </a:p>
+        </p:txBody>
+      </p:sp>
+      <p:sp>
+        <p:nvSpPr>
+          <p:cNvPr id="4" name="Date Placeholder 3"/>
+          <p:cNvSpPr>
+            <a:spLocks noGrp="1"/>
+          </p:cNvSpPr>
+          <p:nvPr>
+            <p:ph type="dt" sz="half" idx="2"/>
+          </p:nvPr>
+        </p:nvSpPr>
+        <p:spPr>
+          <a:xfrm>
+            <a:off x="7205133" y="6041362"/>
+            <a:ext cx="911939" cy="365125"/>
+          </a:xfrm>
+          <a:prstGeom prst="rect">
+            <a:avLst/>
+          </a:prstGeom>
+        </p:spPr>
+        <p:txBody>
+          <a:bodyPr vert="horz" lIns="91440" tIns="45720" rIns="91440" bIns="45720" rtlCol="0" anchor="ctr"/>
+          <a:lstStyle>
+            <a:lvl1pPr algn="r">
+              <a:defRPr sz="900">
+                <a:solidFill>
+                  <a:schemeClr val="tx1">
+                    <a:tint val="75000"/>
+                  </a:schemeClr>
+                </a:solidFill>
+              </a:defRPr>
+            </a:lvl1pPr>
+          </a:lstStyle>
+          <a:p>
+            <a:fld id="{FAFDAFBD-AA74-4F39-B34D-B8A0CE5CD8B0}" type="datetimeFigureOut">
+              <a:rPr lang="en-US" smtClean="0"/>
+              <a:t>8/14/2023</a:t>
+            </a:fld>
+            <a:endParaRPr lang="en-US"/>
+          </a:p>
+        </p:txBody>
+      </p:sp>
+      <p:sp>
+        <p:nvSpPr>
+          <p:cNvPr id="5" name="Footer Placeholder 4"/>
+          <p:cNvSpPr>
+            <a:spLocks noGrp="1"/>
+          </p:cNvSpPr>
+          <p:nvPr>
+            <p:ph type="ftr" sz="quarter" idx="3"/>
+          </p:nvPr>
+        </p:nvSpPr>
+        <p:spPr>
+          <a:xfrm>
+            <a:off x="677334" y="6041362"/>
+            <a:ext cx="6297612" cy="365125"/>
+          </a:xfrm>
+          <a:prstGeom prst="rect">
+            <a:avLst/>
+          </a:prstGeom>
+        </p:spPr>
+        <p:txBody>
+          <a:bodyPr vert="horz" lIns="91440" tIns="45720" rIns="91440" bIns="45720" rtlCol="0" anchor="ctr"/>
+          <a:lstStyle>
+            <a:lvl1pPr algn="l">
+              <a:defRPr sz="900">
+                <a:solidFill>
+                  <a:schemeClr val="tx1">
+                    <a:tint val="75000"/>
+                  </a:schemeClr>
+                </a:solidFill>
+              </a:defRPr>
+            </a:lvl1pPr>
+          </a:lstStyle>
+          <a:p>
+            <a:endParaRPr lang="en-US"/>
+          </a:p>
+        </p:txBody>
+      </p:sp>
+      <p:sp>
+        <p:nvSpPr>
+          <p:cNvPr id="6" name="Slide Number Placeholder 5"/>
+          <p:cNvSpPr>
+            <a:spLocks noGrp="1"/>
+          </p:cNvSpPr>
+          <p:nvPr>
+            <p:ph type="sldNum" sz="quarter" idx="4"/>
+          </p:nvPr>
+        </p:nvSpPr>
+        <p:spPr>
+          <a:xfrm>
+            <a:off x="8590663" y="6041362"/>
+            <a:ext cx="683339" cy="365125"/>
+          </a:xfrm>
+          <a:prstGeom prst="rect">
+            <a:avLst/>
+          </a:prstGeom>
+        </p:spPr>
+        <p:txBody>
+          <a:bodyPr vert="horz" lIns="91440" tIns="45720" rIns="91440" bIns="45720" rtlCol="0" anchor="ctr"/>
+          <a:lstStyle>
+            <a:lvl1pPr algn="r">
+              <a:defRPr sz="900">
+                <a:solidFill>
+                  <a:schemeClr val="accent1"/>
+                </a:solidFill>
+              </a:defRPr>
+            </a:lvl1pPr>
+          </a:lstStyle>
+          <a:p>
+            <a:fld id="{B1DBEE3E-F04A-4C6C-9A1F-85BCCA1C6BB6}" type="slidenum">
+              <a:rPr lang="en-US" smtClean="0"/>
+              <a:t>‹#›</a:t>
+            </a:fld>
+            <a:endParaRPr lang="en-US"/>
+          </a:p>
+        </p:txBody>
+      </p:sp>
+    </p:spTree>
+    <p:extLst>
+      <p:ext uri="{BB962C8B-B14F-4D97-AF65-F5344CB8AC3E}">
+        <p14:creationId xmlns:p14="http://schemas.microsoft.com/office/powerpoint/2010/main" val="539618682"/>
+      </p:ext>
+    </p:extLst>
+  </p:cSld>
+  <p:clrMap bg1="lt1" tx1="dk1" bg2="lt2" tx2="dk2" accent1="accent1" accent2="accent2" accent3="accent3" accent4="accent4" accent5="accent5" accent6="accent6" hlink="hlink" folHlink="folHlink"/>
+  <p:sldLayoutIdLst>
+    <p:sldLayoutId id="2147483690" r:id="rId1"/>
+    <p:sldLayoutId id="2147483691" r:id="rId2"/>
+    <p:sldLayoutId id="2147483692" r:id="rId3"/>
+    <p:sldLayoutId id="2147483693" r:id="rId4"/>
+    <p:sldLayoutId id="2147483694" r:id="rId5"/>
+    <p:sldLayoutId id="2147483695" r:id="rId6"/>
+    <p:sldLayoutId id="2147483696" r:id="rId7"/>
+    <p:sldLayoutId id="2147483697" r:id="rId8"/>
+    <p:sldLayoutId id="2147483698" r:id="rId9"/>
+    <p:sldLayoutId id="2147483699" r:id="rId10"/>
+    <p:sldLayoutId id="2147483700" r:id="rId11"/>
+    <p:sldLayoutId id="2147483701" r:id="rId12"/>
+    <p:sldLayoutId id="2147483702" r:id="rId13"/>
+    <p:sldLayoutId id="2147483703" r:id="rId14"/>
+    <p:sldLayoutId id="2147483704" r:id="rId15"/>
+    <p:sldLayoutId id="2147483705" r:id="rId16"/>
+  </p:sldLayoutIdLst>
+  <p:txStyles>
+    <p:titleStyle>
+      <a:lvl1pPr algn="l" defTabSz="457200" rtl="0" eaLnBrk="1" latinLnBrk="0" hangingPunct="1">
+        <a:spcBef>
+          <a:spcPct val="0"/>
+        </a:spcBef>
+        <a:buNone/>
+        <a:defRPr sz="3600" kern="1200">
+          <a:solidFill>
+            <a:schemeClr val="accent1"/>
+          </a:solidFill>
+          <a:latin typeface="+mj-lt"/>
+          <a:ea typeface="+mj-ea"/>
+          <a:cs typeface="+mj-cs"/>
+        </a:defRPr>
+      </a:lvl1pPr>
+      <a:lvl2pPr eaLnBrk="1" hangingPunct="1">
+        <a:defRPr>
+          <a:solidFill>
+            <a:schemeClr val="tx2"/>
+          </a:solidFill>
+        </a:defRPr>
+      </a:lvl2pPr>
+      <a:lvl3pPr eaLnBrk="1" hangingPunct="1">
+        <a:defRPr>
+          <a:solidFill>
+            <a:schemeClr val="tx2"/>
+          </a:solidFill>
+        </a:defRPr>
+      </a:lvl3pPr>
+      <a:lvl4pPr eaLnBrk="1" hangingPunct="1">
+        <a:defRPr>
+          <a:solidFill>
+            <a:schemeClr val="tx2"/>
+          </a:solidFill>
+        </a:defRPr>
+      </a:lvl4pPr>
+      <a:lvl5pPr eaLnBrk="1" hangingPunct="1">
+        <a:defRPr>
+          <a:solidFill>
+            <a:schemeClr val="tx2"/>
+          </a:solidFill>
+        </a:defRPr>
+      </a:lvl5pPr>
+      <a:lvl6pPr eaLnBrk="1" hangingPunct="1">
+        <a:defRPr>
+          <a:solidFill>
+            <a:schemeClr val="tx2"/>
+          </a:solidFill>
+        </a:defRPr>
+      </a:lvl6pPr>
+      <a:lvl7pPr eaLnBrk="1" hangingPunct="1">
+        <a:defRPr>
+          <a:solidFill>
+            <a:schemeClr val="tx2"/>
+          </a:solidFill>
+        </a:defRPr>
+      </a:lvl7pPr>
+      <a:lvl8pPr eaLnBrk="1" hangingPunct="1">
+        <a:defRPr>
+          <a:solidFill>
+            <a:schemeClr val="tx2"/>
+          </a:solidFill>
+        </a:defRPr>
+      </a:lvl8pPr>
+      <a:lvl9pPr eaLnBrk="1" hangingPunct="1">
+        <a:defRPr>
+          <a:solidFill>
+            <a:schemeClr val="tx2"/>
+          </a:solidFill>
+        </a:defRPr>
+      </a:lvl9pPr>
+    </p:titleStyle>
+    <p:bodyStyle>
+      <a:lvl1pPr marL="342900" indent="-342900" algn="l" defTabSz="457200" rtl="0" eaLnBrk="1" latinLnBrk="0" hangingPunct="1">
+        <a:spcBef>
+          <a:spcPts val="1000"/>
+        </a:spcBef>
+        <a:spcAft>
+          <a:spcPts val="0"/>
+        </a:spcAft>
+        <a:buClr>
+          <a:schemeClr val="accent1"/>
+        </a:buClr>
+        <a:buSzPct val="80000"/>
+        <a:buFont typeface="Wingdings 3" charset="2"/>
+        <a:buChar char=""/>
+        <a:defRPr sz="1800" kern="1200">
+          <a:solidFill>
+            <a:schemeClr val="tx1">
+              <a:lumMod val="75000"/>
+              <a:lumOff val="25000"/>
+            </a:schemeClr>
+          </a:solidFill>
+          <a:latin typeface="+mn-lt"/>
+          <a:ea typeface="+mn-ea"/>
+          <a:cs typeface="+mn-cs"/>
+        </a:defRPr>
+      </a:lvl1pPr>
+      <a:lvl2pPr marL="742950" indent="-285750" algn="l" defTabSz="457200" rtl="0" eaLnBrk="1" latinLnBrk="0" hangingPunct="1">
+        <a:spcBef>
+          <a:spcPts val="1000"/>
+        </a:spcBef>
+        <a:spcAft>
+          <a:spcPts val="0"/>
+        </a:spcAft>
+        <a:buClr>
+          <a:schemeClr val="accent1"/>
+        </a:buClr>
+        <a:buSzPct val="80000"/>
+        <a:buFont typeface="Wingdings 3" charset="2"/>
+        <a:buChar char=""/>
+        <a:defRPr sz="1600" kern="1200">
+          <a:solidFill>
+            <a:schemeClr val="tx1">
+              <a:lumMod val="75000"/>
+              <a:lumOff val="25000"/>
+            </a:schemeClr>
+          </a:solidFill>
+          <a:latin typeface="+mn-lt"/>
+          <a:ea typeface="+mn-ea"/>
+          <a:cs typeface="+mn-cs"/>
+        </a:defRPr>
+      </a:lvl2pPr>
+      <a:lvl3pPr marL="1143000" indent="-228600" algn="l" defTabSz="457200" rtl="0" eaLnBrk="1" latinLnBrk="0" hangingPunct="1">
+        <a:spcBef>
+          <a:spcPts val="1000"/>
+        </a:spcBef>
+        <a:spcAft>
+          <a:spcPts val="0"/>
+        </a:spcAft>
+        <a:buClr>
+          <a:schemeClr val="accent1"/>
+        </a:buClr>
+        <a:buSzPct val="80000"/>
+        <a:buFont typeface="Wingdings 3" charset="2"/>
+        <a:buChar char=""/>
+        <a:defRPr sz="1400" kern="1200">
+          <a:solidFill>
+            <a:schemeClr val="tx1">
+              <a:lumMod val="75000"/>
+              <a:lumOff val="25000"/>
+            </a:schemeClr>
+          </a:solidFill>
+          <a:latin typeface="+mn-lt"/>
+          <a:ea typeface="+mn-ea"/>
+          <a:cs typeface="+mn-cs"/>
+        </a:defRPr>
+      </a:lvl3pPr>
+      <a:lvl4pPr marL="1600200" indent="-228600" algn="l" defTabSz="457200" rtl="0" eaLnBrk="1" latinLnBrk="0" hangingPunct="1">
+        <a:spcBef>
+          <a:spcPts val="1000"/>
+        </a:spcBef>
+        <a:spcAft>
+          <a:spcPts val="0"/>
+        </a:spcAft>
+        <a:buClr>
+          <a:schemeClr val="accent1"/>
+        </a:buClr>
+        <a:buSzPct val="80000"/>
+        <a:buFont typeface="Wingdings 3" charset="2"/>
+        <a:buChar char=""/>
+        <a:defRPr sz="1200" kern="1200">
+          <a:solidFill>
+            <a:schemeClr val="tx1">
+              <a:lumMod val="75000"/>
+              <a:lumOff val="25000"/>
+            </a:schemeClr>
+          </a:solidFill>
+          <a:latin typeface="+mn-lt"/>
+          <a:ea typeface="+mn-ea"/>
+          <a:cs typeface="+mn-cs"/>
+        </a:defRPr>
+      </a:lvl4pPr>
+      <a:lvl5pPr marL="2057400" indent="-228600" algn="l" defTabSz="457200" rtl="0" eaLnBrk="1" latinLnBrk="0" hangingPunct="1">
+        <a:spcBef>
+          <a:spcPts val="1000"/>
+        </a:spcBef>
+        <a:spcAft>
+          <a:spcPts val="0"/>
+        </a:spcAft>
+        <a:buClr>
+          <a:schemeClr val="accent1"/>
+        </a:buClr>
+        <a:buSzPct val="80000"/>
+        <a:buFont typeface="Wingdings 3" charset="2"/>
+        <a:buChar char=""/>
+        <a:defRPr sz="1200" kern="1200">
+          <a:solidFill>
+            <a:schemeClr val="tx1">
+              <a:lumMod val="75000"/>
+              <a:lumOff val="25000"/>
+            </a:schemeClr>
+          </a:solidFill>
+          <a:latin typeface="+mn-lt"/>
+          <a:ea typeface="+mn-ea"/>
+          <a:cs typeface="+mn-cs"/>
+        </a:defRPr>
+      </a:lvl5pPr>
+      <a:lvl6pPr marL="2514600" indent="-228600" algn="l" defTabSz="457200" rtl="0" eaLnBrk="1" latinLnBrk="0" hangingPunct="1">
+        <a:spcBef>
+          <a:spcPts val="1000"/>
+        </a:spcBef>
+        <a:spcAft>
+          <a:spcPts val="0"/>
+        </a:spcAft>
+        <a:buClr>
+          <a:schemeClr val="accent1"/>
+        </a:buClr>
+        <a:buSzPct val="80000"/>
+        <a:buFont typeface="Wingdings 3" charset="2"/>
+        <a:buChar char=""/>
+        <a:defRPr sz="1200" kern="1200">
+          <a:solidFill>
+            <a:schemeClr val="tx1">
+              <a:lumMod val="75000"/>
+              <a:lumOff val="25000"/>
+            </a:schemeClr>
+          </a:solidFill>
+          <a:latin typeface="+mn-lt"/>
+          <a:ea typeface="+mn-ea"/>
+          <a:cs typeface="+mn-cs"/>
+        </a:defRPr>
+      </a:lvl6pPr>
+      <a:lvl7pPr marL="2971800" indent="-228600" algn="l" defTabSz="457200" rtl="0" eaLnBrk="1" latinLnBrk="0" hangingPunct="1">
+        <a:spcBef>
+          <a:spcPts val="1000"/>
+        </a:spcBef>
+        <a:spcAft>
+          <a:spcPts val="0"/>
+        </a:spcAft>
+        <a:buClr>
+          <a:schemeClr val="accent1"/>
+        </a:buClr>
+        <a:buSzPct val="80000"/>
+        <a:buFont typeface="Wingdings 3" charset="2"/>
+        <a:buChar char=""/>
+        <a:defRPr sz="1200" kern="1200">
+          <a:solidFill>
+            <a:schemeClr val="tx1">
+              <a:lumMod val="75000"/>
+              <a:lumOff val="25000"/>
+            </a:schemeClr>
+          </a:solidFill>
+          <a:latin typeface="+mn-lt"/>
+          <a:ea typeface="+mn-ea"/>
+          <a:cs typeface="+mn-cs"/>
+        </a:defRPr>
+      </a:lvl7pPr>
+      <a:lvl8pPr marL="3429000" indent="-228600" algn="l" defTabSz="457200" rtl="0" eaLnBrk="1" latinLnBrk="0" hangingPunct="1">
+        <a:spcBef>
+          <a:spcPts val="1000"/>
+        </a:spcBef>
+        <a:spcAft>
+          <a:spcPts val="0"/>
+        </a:spcAft>
+        <a:buClr>
+          <a:schemeClr val="accent1"/>
+        </a:buClr>
+        <a:buSzPct val="80000"/>
+        <a:buFont typeface="Wingdings 3" charset="2"/>
+        <a:buChar char=""/>
+        <a:defRPr sz="1200" kern="1200">
+          <a:solidFill>
+            <a:schemeClr val="tx1">
+              <a:lumMod val="75000"/>
+              <a:lumOff val="25000"/>
+            </a:schemeClr>
+          </a:solidFill>
+          <a:latin typeface="+mn-lt"/>
+          <a:ea typeface="+mn-ea"/>
+          <a:cs typeface="+mn-cs"/>
+        </a:defRPr>
+      </a:lvl8pPr>
+      <a:lvl9pPr marL="3886200" indent="-228600" algn="l" defTabSz="457200" rtl="0" eaLnBrk="1" latinLnBrk="0" hangingPunct="1">
+        <a:spcBef>
+          <a:spcPts val="1000"/>
+        </a:spcBef>
+        <a:spcAft>
+          <a:spcPts val="0"/>
+        </a:spcAft>
+        <a:buClr>
+          <a:schemeClr val="accent1"/>
+        </a:buClr>
+        <a:buSzPct val="80000"/>
+        <a:buFont typeface="Wingdings 3" charset="2"/>
+        <a:buChar char=""/>
+        <a:defRPr sz="1200" kern="1200">
+          <a:solidFill>
+            <a:schemeClr val="tx1">
+              <a:lumMod val="75000"/>
+              <a:lumOff val="25000"/>
+            </a:schemeClr>
+          </a:solidFill>
+          <a:latin typeface="+mn-lt"/>
+          <a:ea typeface="+mn-ea"/>
+          <a:cs typeface="+mn-cs"/>
+        </a:defRPr>
+      </a:lvl9pPr>
+    </p:bodyStyle>
+    <p:otherStyle>
+      <a:defPPr>
+        <a:defRPr lang="en-US"/>
+      </a:defPPr>
+      <a:lvl1pPr marL="0" algn="l" defTabSz="457200" rtl="0" eaLnBrk="1" latinLnBrk="0" hangingPunct="1">
+        <a:defRPr sz="1800" kern="1200">
+          <a:solidFill>
+            <a:schemeClr val="tx1"/>
+          </a:solidFill>
+          <a:latin typeface="+mn-lt"/>
+          <a:ea typeface="+mn-ea"/>
+          <a:cs typeface="+mn-cs"/>
+        </a:defRPr>
+      </a:lvl1pPr>
+      <a:lvl2pPr marL="457200" algn="l" defTabSz="457200" rtl="0" eaLnBrk="1" latinLnBrk="0" hangingPunct="1">
+        <a:defRPr sz="1800" kern="1200">
+          <a:solidFill>
+            <a:schemeClr val="tx1"/>
+          </a:solidFill>
+          <a:latin typeface="+mn-lt"/>
+          <a:ea typeface="+mn-ea"/>
+          <a:cs typeface="+mn-cs"/>
+        </a:defRPr>
+      </a:lvl2pPr>
+      <a:lvl3pPr marL="914400" algn="l" defTabSz="457200" rtl="0" eaLnBrk="1" latinLnBrk="0" hangingPunct="1">
+        <a:defRPr sz="1800" kern="1200">
+          <a:solidFill>
+            <a:schemeClr val="tx1"/>
+          </a:solidFill>
+          <a:latin typeface="+mn-lt"/>
+          <a:ea typeface="+mn-ea"/>
+          <a:cs typeface="+mn-cs"/>
+        </a:defRPr>
+      </a:lvl3pPr>
+      <a:lvl4pPr marL="1371600" algn="l" defTabSz="457200" rtl="0" eaLnBrk="1" latinLnBrk="0" hangingPunct="1">
+        <a:defRPr sz="1800" kern="1200">
+          <a:solidFill>
+            <a:schemeClr val="tx1"/>
+          </a:solidFill>
+          <a:latin typeface="+mn-lt"/>
+          <a:ea typeface="+mn-ea"/>
+          <a:cs typeface="+mn-cs"/>
+        </a:defRPr>
+      </a:lvl4pPr>
+      <a:lvl5pPr marL="1828800" algn="l" defTabSz="457200" rtl="0" eaLnBrk="1" latinLnBrk="0" hangingPunct="1">
+        <a:defRPr sz="1800" kern="1200">
+          <a:solidFill>
+            <a:schemeClr val="tx1"/>
+          </a:solidFill>
+          <a:latin typeface="+mn-lt"/>
+          <a:ea typeface="+mn-ea"/>
+          <a:cs typeface="+mn-cs"/>
+        </a:defRPr>
+      </a:lvl5pPr>
+      <a:lvl6pPr marL="2286000" algn="l" defTabSz="457200" rtl="0" eaLnBrk="1" latinLnBrk="0" hangingPunct="1">
+        <a:defRPr sz="1800" kern="1200">
+          <a:solidFill>
+            <a:schemeClr val="tx1"/>
+          </a:solidFill>
+          <a:latin typeface="+mn-lt"/>
+          <a:ea typeface="+mn-ea"/>
+          <a:cs typeface="+mn-cs"/>
+        </a:defRPr>
+      </a:lvl6pPr>
+      <a:lvl7pPr marL="2743200" algn="l" defTabSz="457200" rtl="0" eaLnBrk="1" latinLnBrk="0" hangingPunct="1">
+        <a:defRPr sz="1800" kern="1200">
+          <a:solidFill>
+            <a:schemeClr val="tx1"/>
+          </a:solidFill>
+          <a:latin typeface="+mn-lt"/>
+          <a:ea typeface="+mn-ea"/>
+          <a:cs typeface="+mn-cs"/>
+        </a:defRPr>
+      </a:lvl7pPr>
+      <a:lvl8pPr marL="3200400" algn="l" defTabSz="457200" rtl="0" eaLnBrk="1" latinLnBrk="0" hangingPunct="1">
+        <a:defRPr sz="1800" kern="1200">
+          <a:solidFill>
+            <a:schemeClr val="tx1"/>
+          </a:solidFill>
+          <a:latin typeface="+mn-lt"/>
+          <a:ea typeface="+mn-ea"/>
+          <a:cs typeface="+mn-cs"/>
+        </a:defRPr>
+      </a:lvl8pPr>
+      <a:lvl9pPr marL="3657600" algn="l" defTabSz="457200" rtl="0" eaLnBrk="1" latinLnBrk="0" hangingPunct="1">
+        <a:defRPr sz="1800" kern="1200">
+          <a:solidFill>
+            <a:schemeClr val="tx1"/>
+          </a:solidFill>
+          <a:latin typeface="+mn-lt"/>
+          <a:ea typeface="+mn-ea"/>
+          <a:cs typeface="+mn-cs"/>
+        </a:defRPr>
+      </a:lvl9pPr>
+    </p:otherStyle>
+  </p:txStyles>
+</p:sldMaster>
+</file>
+
 <file path=ppt/slides/slide1.xml><?xml version="1.0" encoding="utf-8"?>
 <p:sld xmlns:a="http://schemas.openxmlformats.org/drawingml/2006/main" xmlns:r="http://schemas.openxmlformats.org/officeDocument/2006/relationships" xmlns:p="http://schemas.openxmlformats.org/presentationml/2006/main">
   <p:cSld>
@@ -7415,8 +13293,8 @@
         </p:nvSpPr>
         <p:spPr>
           <a:xfrm>
-            <a:off x="5195454" y="3429000"/>
-            <a:ext cx="1801091" cy="369332"/>
+            <a:off x="4849091" y="3429000"/>
+            <a:ext cx="2189019" cy="369332"/>
           </a:xfrm>
           <a:prstGeom prst="rect">
             <a:avLst/>
@@ -7450,428 +13328,6 @@
 </file>
 
 <file path=ppt/slides/slide12.xml><?xml version="1.0" encoding="utf-8"?>
-<p:sld xmlns:a="http://schemas.openxmlformats.org/drawingml/2006/main" xmlns:r="http://schemas.openxmlformats.org/officeDocument/2006/relationships" xmlns:p="http://schemas.openxmlformats.org/presentationml/2006/main">
-  <p:cSld>
-    <p:spTree>
-      <p:nvGrpSpPr>
-        <p:cNvPr id="1" name=""/>
-        <p:cNvGrpSpPr/>
-        <p:nvPr/>
-      </p:nvGrpSpPr>
-      <p:grpSpPr>
-        <a:xfrm>
-          <a:off x="0" y="0"/>
-          <a:ext cx="0" cy="0"/>
-          <a:chOff x="0" y="0"/>
-          <a:chExt cx="0" cy="0"/>
-        </a:xfrm>
-      </p:grpSpPr>
-      <p:sp>
-        <p:nvSpPr>
-          <p:cNvPr id="13" name="TextBox 12">
-            <a:extLst>
-              <a:ext uri="{FF2B5EF4-FFF2-40B4-BE49-F238E27FC236}">
-                <a16:creationId xmlns:a16="http://schemas.microsoft.com/office/drawing/2014/main" id="{9304E73F-D5C7-5509-7810-F0E6B050C813}"/>
-              </a:ext>
-            </a:extLst>
-          </p:cNvPr>
-          <p:cNvSpPr txBox="1"/>
-          <p:nvPr/>
-        </p:nvSpPr>
-        <p:spPr>
-          <a:xfrm>
-            <a:off x="1081475" y="910265"/>
-            <a:ext cx="3843773" cy="369332"/>
-          </a:xfrm>
-          <a:prstGeom prst="rect">
-            <a:avLst/>
-          </a:prstGeom>
-          <a:noFill/>
-        </p:spPr>
-        <p:txBody>
-          <a:bodyPr wrap="square" rtlCol="0">
-            <a:spAutoFit/>
-          </a:bodyPr>
-          <a:lstStyle/>
-          <a:p>
-            <a:r>
-              <a:rPr lang="en-US" dirty="0"/>
-              <a:t>Incoming dataset (sent to stored proc)</a:t>
-            </a:r>
-          </a:p>
-        </p:txBody>
-      </p:sp>
-      <p:sp>
-        <p:nvSpPr>
-          <p:cNvPr id="14" name="TextBox 13">
-            <a:extLst>
-              <a:ext uri="{FF2B5EF4-FFF2-40B4-BE49-F238E27FC236}">
-                <a16:creationId xmlns:a16="http://schemas.microsoft.com/office/drawing/2014/main" id="{94640D55-E6A7-07F6-011A-A0E12482BA5F}"/>
-              </a:ext>
-            </a:extLst>
-          </p:cNvPr>
-          <p:cNvSpPr txBox="1"/>
-          <p:nvPr/>
-        </p:nvSpPr>
-        <p:spPr>
-          <a:xfrm>
-            <a:off x="7079598" y="897298"/>
-            <a:ext cx="4613638" cy="369332"/>
-          </a:xfrm>
-          <a:prstGeom prst="rect">
-            <a:avLst/>
-          </a:prstGeom>
-          <a:noFill/>
-        </p:spPr>
-        <p:txBody>
-          <a:bodyPr wrap="square" rtlCol="0">
-            <a:spAutoFit/>
-          </a:bodyPr>
-          <a:lstStyle/>
-          <a:p>
-            <a:r>
-              <a:rPr lang="en-US" dirty="0"/>
-              <a:t>Existing dataset (already in database)</a:t>
-            </a:r>
-          </a:p>
-        </p:txBody>
-      </p:sp>
-      <p:sp>
-        <p:nvSpPr>
-          <p:cNvPr id="16" name="TextBox 15">
-            <a:extLst>
-              <a:ext uri="{FF2B5EF4-FFF2-40B4-BE49-F238E27FC236}">
-                <a16:creationId xmlns:a16="http://schemas.microsoft.com/office/drawing/2014/main" id="{B39C8E80-DE95-267A-3047-3EE99BFD2892}"/>
-              </a:ext>
-            </a:extLst>
-          </p:cNvPr>
-          <p:cNvSpPr txBox="1"/>
-          <p:nvPr/>
-        </p:nvSpPr>
-        <p:spPr>
-          <a:xfrm>
-            <a:off x="7780045" y="4590637"/>
-            <a:ext cx="2860246" cy="1446550"/>
-          </a:xfrm>
-          <a:prstGeom prst="rect">
-            <a:avLst/>
-          </a:prstGeom>
-          <a:noFill/>
-        </p:spPr>
-        <p:txBody>
-          <a:bodyPr wrap="square" rtlCol="0">
-            <a:spAutoFit/>
-          </a:bodyPr>
-          <a:lstStyle/>
-          <a:p>
-            <a:r>
-              <a:rPr lang="en-US" sz="2200" dirty="0"/>
-              <a:t>(Update)</a:t>
-            </a:r>
-          </a:p>
-          <a:p>
-            <a:r>
-              <a:rPr lang="en-US" sz="2200" dirty="0"/>
-              <a:t>(Delete)</a:t>
-            </a:r>
-          </a:p>
-          <a:p>
-            <a:r>
-              <a:rPr lang="en-US" sz="2200" dirty="0"/>
-              <a:t>(Insert)</a:t>
-            </a:r>
-          </a:p>
-          <a:p>
-            <a:r>
-              <a:rPr lang="en-US" sz="2200" dirty="0"/>
-              <a:t>(Reaffirm/No Change)</a:t>
-            </a:r>
-          </a:p>
-        </p:txBody>
-      </p:sp>
-      <p:grpSp>
-        <p:nvGrpSpPr>
-          <p:cNvPr id="25" name="Group 24">
-            <a:extLst>
-              <a:ext uri="{FF2B5EF4-FFF2-40B4-BE49-F238E27FC236}">
-                <a16:creationId xmlns:a16="http://schemas.microsoft.com/office/drawing/2014/main" id="{85910B2F-E011-B6E4-ABE1-4E93C282D875}"/>
-              </a:ext>
-            </a:extLst>
-          </p:cNvPr>
-          <p:cNvGrpSpPr/>
-          <p:nvPr/>
-        </p:nvGrpSpPr>
-        <p:grpSpPr>
-          <a:xfrm>
-            <a:off x="1081475" y="3523796"/>
-            <a:ext cx="6721893" cy="2488041"/>
-            <a:chOff x="1081475" y="3523796"/>
-            <a:chExt cx="6721893" cy="2488041"/>
-          </a:xfrm>
-        </p:grpSpPr>
-        <p:sp>
-          <p:nvSpPr>
-            <p:cNvPr id="15" name="TextBox 14">
-              <a:extLst>
-                <a:ext uri="{FF2B5EF4-FFF2-40B4-BE49-F238E27FC236}">
-                  <a16:creationId xmlns:a16="http://schemas.microsoft.com/office/drawing/2014/main" id="{3B103F3F-05BB-87EB-ACD1-A7FA0A0DFBB1}"/>
-                </a:ext>
-              </a:extLst>
-            </p:cNvPr>
-            <p:cNvSpPr txBox="1"/>
-            <p:nvPr/>
-          </p:nvSpPr>
-          <p:spPr>
-            <a:xfrm>
-              <a:off x="1081475" y="3523796"/>
-              <a:ext cx="4490988" cy="369332"/>
-            </a:xfrm>
-            <a:prstGeom prst="rect">
-              <a:avLst/>
-            </a:prstGeom>
-            <a:noFill/>
-          </p:spPr>
-          <p:txBody>
-            <a:bodyPr wrap="square" rtlCol="0">
-              <a:spAutoFit/>
-            </a:bodyPr>
-            <a:lstStyle/>
-            <a:p>
-              <a:r>
-                <a:rPr lang="en-US" dirty="0"/>
-                <a:t>Temporary structure built inside stored proc</a:t>
-              </a:r>
-            </a:p>
-          </p:txBody>
-        </p:sp>
-        <p:pic>
-          <p:nvPicPr>
-            <p:cNvPr id="18" name="Picture 17">
-              <a:extLst>
-                <a:ext uri="{FF2B5EF4-FFF2-40B4-BE49-F238E27FC236}">
-                  <a16:creationId xmlns:a16="http://schemas.microsoft.com/office/drawing/2014/main" id="{616EFA44-4568-7AD8-496B-BBFC08048CFD}"/>
-                </a:ext>
-              </a:extLst>
-            </p:cNvPr>
-            <p:cNvPicPr>
-              <a:picLocks noChangeAspect="1"/>
-            </p:cNvPicPr>
-            <p:nvPr/>
-          </p:nvPicPr>
-          <p:blipFill>
-            <a:blip r:embed="rId2"/>
-            <a:stretch>
-              <a:fillRect/>
-            </a:stretch>
-          </p:blipFill>
-          <p:spPr>
-            <a:xfrm>
-              <a:off x="2665081" y="3893128"/>
-              <a:ext cx="5138287" cy="2118709"/>
-            </a:xfrm>
-            <a:prstGeom prst="rect">
-              <a:avLst/>
-            </a:prstGeom>
-          </p:spPr>
-        </p:pic>
-      </p:grpSp>
-      <p:pic>
-        <p:nvPicPr>
-          <p:cNvPr id="20" name="Picture 19">
-            <a:extLst>
-              <a:ext uri="{FF2B5EF4-FFF2-40B4-BE49-F238E27FC236}">
-                <a16:creationId xmlns:a16="http://schemas.microsoft.com/office/drawing/2014/main" id="{B05C33D1-B68B-42EB-F6CF-4B13C03343EA}"/>
-              </a:ext>
-            </a:extLst>
-          </p:cNvPr>
-          <p:cNvPicPr>
-            <a:picLocks noChangeAspect="1"/>
-          </p:cNvPicPr>
-          <p:nvPr/>
-        </p:nvPicPr>
-        <p:blipFill>
-          <a:blip r:embed="rId3"/>
-          <a:stretch>
-            <a:fillRect/>
-          </a:stretch>
-        </p:blipFill>
-        <p:spPr>
-          <a:xfrm>
-            <a:off x="1411727" y="1365972"/>
-            <a:ext cx="2995732" cy="1533959"/>
-          </a:xfrm>
-          <a:prstGeom prst="rect">
-            <a:avLst/>
-          </a:prstGeom>
-        </p:spPr>
-      </p:pic>
-      <p:pic>
-        <p:nvPicPr>
-          <p:cNvPr id="24" name="Picture 23">
-            <a:extLst>
-              <a:ext uri="{FF2B5EF4-FFF2-40B4-BE49-F238E27FC236}">
-                <a16:creationId xmlns:a16="http://schemas.microsoft.com/office/drawing/2014/main" id="{DA0D426E-DFDA-0124-AEB2-30D4D31854A0}"/>
-              </a:ext>
-            </a:extLst>
-          </p:cNvPr>
-          <p:cNvPicPr>
-            <a:picLocks noChangeAspect="1"/>
-          </p:cNvPicPr>
-          <p:nvPr/>
-        </p:nvPicPr>
-        <p:blipFill>
-          <a:blip r:embed="rId4"/>
-          <a:stretch>
-            <a:fillRect/>
-          </a:stretch>
-        </p:blipFill>
-        <p:spPr>
-          <a:xfrm>
-            <a:off x="6622757" y="1365971"/>
-            <a:ext cx="4437524" cy="1533959"/>
-          </a:xfrm>
-          <a:prstGeom prst="rect">
-            <a:avLst/>
-          </a:prstGeom>
-        </p:spPr>
-      </p:pic>
-    </p:spTree>
-    <p:extLst>
-      <p:ext uri="{BB962C8B-B14F-4D97-AF65-F5344CB8AC3E}">
-        <p14:creationId xmlns:p14="http://schemas.microsoft.com/office/powerpoint/2010/main" val="811119029"/>
-      </p:ext>
-    </p:extLst>
-  </p:cSld>
-  <p:clrMapOvr>
-    <a:masterClrMapping/>
-  </p:clrMapOvr>
-  <p:timing>
-    <p:tnLst>
-      <p:par>
-        <p:cTn id="1" dur="indefinite" restart="never" nodeType="tmRoot">
-          <p:childTnLst>
-            <p:seq concurrent="1" nextAc="seek">
-              <p:cTn id="2" dur="indefinite" nodeType="mainSeq">
-                <p:childTnLst>
-                  <p:par>
-                    <p:cTn id="3" fill="hold">
-                      <p:stCondLst>
-                        <p:cond delay="indefinite"/>
-                      </p:stCondLst>
-                      <p:childTnLst>
-                        <p:par>
-                          <p:cTn id="4" fill="hold">
-                            <p:stCondLst>
-                              <p:cond delay="0"/>
-                            </p:stCondLst>
-                            <p:childTnLst>
-                              <p:par>
-                                <p:cTn id="5" presetID="1" presetClass="entr" presetSubtype="0" fill="hold" nodeType="clickEffect">
-                                  <p:stCondLst>
-                                    <p:cond delay="0"/>
-                                  </p:stCondLst>
-                                  <p:childTnLst>
-                                    <p:set>
-                                      <p:cBhvr>
-                                        <p:cTn id="6" dur="1" fill="hold">
-                                          <p:stCondLst>
-                                            <p:cond delay="0"/>
-                                          </p:stCondLst>
-                                        </p:cTn>
-                                        <p:tgtEl>
-                                          <p:spTgt spid="25"/>
-                                        </p:tgtEl>
-                                        <p:attrNameLst>
-                                          <p:attrName>style.visibility</p:attrName>
-                                        </p:attrNameLst>
-                                      </p:cBhvr>
-                                      <p:to>
-                                        <p:strVal val="visible"/>
-                                      </p:to>
-                                    </p:set>
-                                  </p:childTnLst>
-                                </p:cTn>
-                              </p:par>
-                            </p:childTnLst>
-                          </p:cTn>
-                        </p:par>
-                      </p:childTnLst>
-                    </p:cTn>
-                  </p:par>
-                  <p:par>
-                    <p:cTn id="7" fill="hold">
-                      <p:stCondLst>
-                        <p:cond delay="indefinite"/>
-                      </p:stCondLst>
-                      <p:childTnLst>
-                        <p:par>
-                          <p:cTn id="8" fill="hold">
-                            <p:stCondLst>
-                              <p:cond delay="0"/>
-                            </p:stCondLst>
-                            <p:childTnLst>
-                              <p:par>
-                                <p:cTn id="9" presetID="1" presetClass="entr" presetSubtype="0" fill="hold" grpId="0" nodeType="clickEffect">
-                                  <p:stCondLst>
-                                    <p:cond delay="0"/>
-                                  </p:stCondLst>
-                                  <p:childTnLst>
-                                    <p:set>
-                                      <p:cBhvr>
-                                        <p:cTn id="10" dur="1" fill="hold">
-                                          <p:stCondLst>
-                                            <p:cond delay="0"/>
-                                          </p:stCondLst>
-                                        </p:cTn>
-                                        <p:tgtEl>
-                                          <p:spTgt spid="16"/>
-                                        </p:tgtEl>
-                                        <p:attrNameLst>
-                                          <p:attrName>style.visibility</p:attrName>
-                                        </p:attrNameLst>
-                                      </p:cBhvr>
-                                      <p:to>
-                                        <p:strVal val="visible"/>
-                                      </p:to>
-                                    </p:set>
-                                  </p:childTnLst>
-                                </p:cTn>
-                              </p:par>
-                            </p:childTnLst>
-                          </p:cTn>
-                        </p:par>
-                      </p:childTnLst>
-                    </p:cTn>
-                  </p:par>
-                </p:childTnLst>
-              </p:cTn>
-              <p:prevCondLst>
-                <p:cond evt="onPrev" delay="0">
-                  <p:tgtEl>
-                    <p:sldTgt/>
-                  </p:tgtEl>
-                </p:cond>
-              </p:prevCondLst>
-              <p:nextCondLst>
-                <p:cond evt="onNext" delay="0">
-                  <p:tgtEl>
-                    <p:sldTgt/>
-                  </p:tgtEl>
-                </p:cond>
-              </p:nextCondLst>
-            </p:seq>
-          </p:childTnLst>
-        </p:cTn>
-      </p:par>
-    </p:tnLst>
-    <p:bldLst>
-      <p:bldP spid="16" grpId="0"/>
-    </p:bldLst>
-  </p:timing>
-</p:sld>
-</file>
-
-<file path=ppt/slides/slide13.xml><?xml version="1.0" encoding="utf-8"?>
 <p:sld xmlns:a="http://schemas.openxmlformats.org/drawingml/2006/main" xmlns:r="http://schemas.openxmlformats.org/officeDocument/2006/relationships" xmlns:p="http://schemas.openxmlformats.org/presentationml/2006/main">
   <p:cSld>
     <p:spTree>
@@ -8745,6 +14201,168 @@
 </p:sld>
 </file>
 
+<file path=ppt/slides/slide13.xml><?xml version="1.0" encoding="utf-8"?>
+<p:sld xmlns:a="http://schemas.openxmlformats.org/drawingml/2006/main" xmlns:r="http://schemas.openxmlformats.org/officeDocument/2006/relationships" xmlns:p="http://schemas.openxmlformats.org/presentationml/2006/main">
+  <p:cSld>
+    <p:spTree>
+      <p:nvGrpSpPr>
+        <p:cNvPr id="1" name=""/>
+        <p:cNvGrpSpPr/>
+        <p:nvPr/>
+      </p:nvGrpSpPr>
+      <p:grpSpPr>
+        <a:xfrm>
+          <a:off x="0" y="0"/>
+          <a:ext cx="0" cy="0"/>
+          <a:chOff x="0" y="0"/>
+          <a:chExt cx="0" cy="0"/>
+        </a:xfrm>
+      </p:grpSpPr>
+      <p:sp>
+        <p:nvSpPr>
+          <p:cNvPr id="2" name="Title 1">
+            <a:extLst>
+              <a:ext uri="{FF2B5EF4-FFF2-40B4-BE49-F238E27FC236}">
+                <a16:creationId xmlns:a16="http://schemas.microsoft.com/office/drawing/2014/main" id="{8444BD1A-8421-B6AE-21FE-A802BFF20141}"/>
+              </a:ext>
+            </a:extLst>
+          </p:cNvPr>
+          <p:cNvSpPr>
+            <a:spLocks noGrp="1"/>
+          </p:cNvSpPr>
+          <p:nvPr>
+            <p:ph type="title"/>
+          </p:nvPr>
+        </p:nvSpPr>
+        <p:spPr/>
+        <p:txBody>
+          <a:bodyPr/>
+          <a:lstStyle/>
+          <a:p>
+            <a:r>
+              <a:rPr lang="en-US" dirty="0"/>
+              <a:t>Already some concerns? (1/6)</a:t>
+            </a:r>
+          </a:p>
+        </p:txBody>
+      </p:sp>
+      <p:sp>
+        <p:nvSpPr>
+          <p:cNvPr id="3" name="Content Placeholder 2">
+            <a:extLst>
+              <a:ext uri="{FF2B5EF4-FFF2-40B4-BE49-F238E27FC236}">
+                <a16:creationId xmlns:a16="http://schemas.microsoft.com/office/drawing/2014/main" id="{87656817-8202-DD24-1E99-89FE6FFC9F94}"/>
+              </a:ext>
+            </a:extLst>
+          </p:cNvPr>
+          <p:cNvSpPr>
+            <a:spLocks noGrp="1"/>
+          </p:cNvSpPr>
+          <p:nvPr>
+            <p:ph idx="1"/>
+          </p:nvPr>
+        </p:nvSpPr>
+        <p:spPr>
+          <a:xfrm>
+            <a:off x="838200" y="1783080"/>
+            <a:ext cx="10515600" cy="4393883"/>
+          </a:xfrm>
+        </p:spPr>
+        <p:txBody>
+          <a:bodyPr>
+            <a:normAutofit/>
+          </a:bodyPr>
+          <a:lstStyle/>
+          <a:p>
+            <a:r>
+              <a:rPr lang="en-US" sz="2800" dirty="0"/>
+              <a:t>May have to involve the DBA</a:t>
+            </a:r>
+          </a:p>
+          <a:p>
+            <a:endParaRPr lang="en-US" sz="2800" dirty="0"/>
+          </a:p>
+          <a:p>
+            <a:pPr lvl="1"/>
+            <a:r>
+              <a:rPr lang="en-US" sz="2400" dirty="0" err="1">
+                <a:latin typeface="Consolas" panose="020B0609020204030204" pitchFamily="49" charset="0"/>
+              </a:rPr>
+              <a:t>db_owner</a:t>
+            </a:r>
+            <a:r>
+              <a:rPr lang="en-US" sz="2400" dirty="0">
+                <a:latin typeface="Consolas" panose="020B0609020204030204" pitchFamily="49" charset="0"/>
+              </a:rPr>
+              <a:t> / </a:t>
+            </a:r>
+            <a:r>
+              <a:rPr lang="en-US" sz="2400" dirty="0" err="1">
+                <a:latin typeface="Consolas" panose="020B0609020204030204" pitchFamily="49" charset="0"/>
+              </a:rPr>
+              <a:t>db_ddladmin</a:t>
+            </a:r>
+            <a:r>
+              <a:rPr lang="en-US" sz="2400" dirty="0">
+                <a:latin typeface="Consolas" panose="020B0609020204030204" pitchFamily="49" charset="0"/>
+              </a:rPr>
+              <a:t> </a:t>
+            </a:r>
+            <a:r>
+              <a:rPr lang="en-US" sz="2400" dirty="0"/>
+              <a:t>to create the proc/UDTT</a:t>
+            </a:r>
+          </a:p>
+          <a:p>
+            <a:pPr lvl="1"/>
+            <a:endParaRPr lang="en-US" sz="2400" dirty="0"/>
+          </a:p>
+          <a:p>
+            <a:pPr lvl="1"/>
+            <a:r>
+              <a:rPr lang="en-US" sz="2400" dirty="0" err="1">
+                <a:latin typeface="Consolas" panose="020B0609020204030204" pitchFamily="49" charset="0"/>
+              </a:rPr>
+              <a:t>db_owner</a:t>
+            </a:r>
+            <a:r>
+              <a:rPr lang="en-US" sz="2400" dirty="0">
+                <a:latin typeface="Consolas" panose="020B0609020204030204" pitchFamily="49" charset="0"/>
+              </a:rPr>
+              <a:t> / </a:t>
+            </a:r>
+            <a:r>
+              <a:rPr lang="en-US" sz="2400" dirty="0" err="1">
+                <a:latin typeface="Consolas" panose="020B0609020204030204" pitchFamily="49" charset="0"/>
+              </a:rPr>
+              <a:t>db_securityadmin</a:t>
+            </a:r>
+            <a:r>
+              <a:rPr lang="en-US" sz="2400" dirty="0">
+                <a:latin typeface="Consolas" panose="020B0609020204030204" pitchFamily="49" charset="0"/>
+              </a:rPr>
+              <a:t> </a:t>
+            </a:r>
+            <a:r>
+              <a:rPr lang="en-US" sz="2400" dirty="0"/>
+              <a:t>to manage the role</a:t>
+            </a:r>
+          </a:p>
+        </p:txBody>
+      </p:sp>
+    </p:spTree>
+    <p:extLst>
+      <p:ext uri="{BB962C8B-B14F-4D97-AF65-F5344CB8AC3E}">
+        <p14:creationId xmlns:p14="http://schemas.microsoft.com/office/powerpoint/2010/main" val="2481261417"/>
+      </p:ext>
+    </p:extLst>
+  </p:cSld>
+  <p:clrMapOvr>
+    <a:masterClrMapping/>
+  </p:clrMapOvr>
+</p:sld>
+</file>
+
 <file path=ppt/slides/slide14.xml><?xml version="1.0" encoding="utf-8"?>
 <p:sld xmlns:a="http://schemas.openxmlformats.org/drawingml/2006/main" xmlns:r="http://schemas.openxmlformats.org/officeDocument/2006/relationships" xmlns:p="http://schemas.openxmlformats.org/presentationml/2006/main">
   <p:cSld>
@@ -8785,7 +14403,7 @@
           <a:p>
             <a:r>
               <a:rPr lang="en-US" dirty="0"/>
-              <a:t>Already some concerns? (1/5)</a:t>
+              <a:t>Already some concerns? (2/6)</a:t>
             </a:r>
           </a:p>
         </p:txBody>
@@ -8813,16 +14431,18 @@
           </a:xfrm>
         </p:spPr>
         <p:txBody>
-          <a:bodyPr/>
+          <a:bodyPr>
+            <a:normAutofit/>
+          </a:bodyPr>
           <a:lstStyle/>
           <a:p>
             <a:r>
-              <a:rPr lang="en-US" dirty="0"/>
+              <a:rPr lang="en-US" sz="2400" dirty="0"/>
               <a:t>Synchronization/drift of column signatures (datatypes, lengths)</a:t>
             </a:r>
           </a:p>
           <a:p>
-            <a:endParaRPr lang="en-US" dirty="0"/>
+            <a:endParaRPr lang="en-US" sz="2400" dirty="0"/>
           </a:p>
         </p:txBody>
       </p:sp>
@@ -8985,7 +14605,7 @@
     </p:spTree>
     <p:extLst>
       <p:ext uri="{BB962C8B-B14F-4D97-AF65-F5344CB8AC3E}">
-        <p14:creationId xmlns:p14="http://schemas.microsoft.com/office/powerpoint/2010/main" val="2481261417"/>
+        <p14:creationId xmlns:p14="http://schemas.microsoft.com/office/powerpoint/2010/main" val="395844632"/>
       </p:ext>
     </p:extLst>
   </p:cSld>
@@ -9035,7 +14655,7 @@
           <a:p>
             <a:r>
               <a:rPr lang="en-US" dirty="0"/>
-              <a:t>Already some concerns? (2/5)</a:t>
+              <a:t>Already some concerns? (3/6)</a:t>
             </a:r>
           </a:p>
         </p:txBody>
@@ -9056,25 +14676,32 @@
             <p:ph idx="1"/>
           </p:nvPr>
         </p:nvSpPr>
-        <p:spPr/>
+        <p:spPr>
+          <a:xfrm>
+            <a:off x="677333" y="2160589"/>
+            <a:ext cx="9852122" cy="3880773"/>
+          </a:xfrm>
+        </p:spPr>
         <p:txBody>
-          <a:bodyPr/>
+          <a:bodyPr>
+            <a:normAutofit/>
+          </a:bodyPr>
           <a:lstStyle/>
           <a:p>
             <a:r>
-              <a:rPr lang="en-US" dirty="0"/>
+              <a:rPr lang="en-US" sz="2400" dirty="0"/>
               <a:t>A UDTT cannot be altered. It can only be dropped/recreated</a:t>
             </a:r>
           </a:p>
           <a:p>
             <a:r>
-              <a:rPr lang="en-US" dirty="0"/>
+              <a:rPr lang="en-US" sz="2400" dirty="0"/>
               <a:t>When a UDTT is dropped, its permissions are dropped as well</a:t>
             </a:r>
           </a:p>
           <a:p>
             <a:r>
-              <a:rPr lang="en-US" dirty="0"/>
+              <a:rPr lang="en-US" sz="2400" dirty="0"/>
               <a:t>The only known way to GRANT on a UDTT is by T-SQL at this time</a:t>
             </a:r>
           </a:p>
@@ -9235,7 +14862,7 @@
           </a:p>
           <a:p>
             <a:pPr lvl="1"/>
-            <a:endParaRPr lang="en-US" dirty="0"/>
+            <a:endParaRPr lang="en-US" sz="2400" dirty="0"/>
           </a:p>
         </p:txBody>
       </p:sp>
@@ -9292,7 +14919,7 @@
           <a:p>
             <a:r>
               <a:rPr lang="en-US" dirty="0"/>
-              <a:t>Already some concerns? (3/5)</a:t>
+              <a:t>Already some concerns? (4/6)</a:t>
             </a:r>
           </a:p>
         </p:txBody>
@@ -9320,11 +14947,13 @@
           </a:xfrm>
         </p:spPr>
         <p:txBody>
-          <a:bodyPr/>
+          <a:bodyPr>
+            <a:normAutofit/>
+          </a:bodyPr>
           <a:lstStyle/>
           <a:p>
             <a:r>
-              <a:rPr lang="en-US" dirty="0"/>
+              <a:rPr lang="en-US" sz="2400" dirty="0"/>
               <a:t>No objects can rely on UDTT before UDTT can be dropped</a:t>
             </a:r>
           </a:p>
@@ -9392,34 +15021,6 @@
       </p:grpSpPr>
       <p:sp>
         <p:nvSpPr>
-          <p:cNvPr id="2" name="Title 1">
-            <a:extLst>
-              <a:ext uri="{FF2B5EF4-FFF2-40B4-BE49-F238E27FC236}">
-                <a16:creationId xmlns:a16="http://schemas.microsoft.com/office/drawing/2014/main" id="{D77C9ADA-9F97-61E6-C19C-73423CEE1E2D}"/>
-              </a:ext>
-            </a:extLst>
-          </p:cNvPr>
-          <p:cNvSpPr>
-            <a:spLocks noGrp="1"/>
-          </p:cNvSpPr>
-          <p:nvPr>
-            <p:ph type="title"/>
-          </p:nvPr>
-        </p:nvSpPr>
-        <p:spPr/>
-        <p:txBody>
-          <a:bodyPr/>
-          <a:lstStyle/>
-          <a:p>
-            <a:r>
-              <a:rPr lang="en-US" dirty="0"/>
-              <a:t>Already some concerns? (3/5)</a:t>
-            </a:r>
-          </a:p>
-        </p:txBody>
-      </p:sp>
-      <p:sp>
-        <p:nvSpPr>
           <p:cNvPr id="3" name="Content Placeholder 2">
             <a:extLst>
               <a:ext uri="{FF2B5EF4-FFF2-40B4-BE49-F238E27FC236}">
@@ -9436,7 +15037,7 @@
         </p:nvSpPr>
         <p:spPr>
           <a:xfrm>
-            <a:off x="838200" y="1825625"/>
+            <a:off x="1026444" y="5387831"/>
             <a:ext cx="10515600" cy="668193"/>
           </a:xfrm>
         </p:spPr>
@@ -9476,7 +15077,7 @@
         </p:blipFill>
         <p:spPr>
           <a:xfrm>
-            <a:off x="838200" y="2493818"/>
+            <a:off x="893618" y="1136072"/>
             <a:ext cx="10648426" cy="3657600"/>
           </a:xfrm>
           <a:prstGeom prst="rect">
@@ -9494,6 +15095,88 @@
   <p:clrMapOvr>
     <a:masterClrMapping/>
   </p:clrMapOvr>
+  <p:timing>
+    <p:tnLst>
+      <p:par>
+        <p:cTn id="1" dur="indefinite" restart="never" nodeType="tmRoot">
+          <p:childTnLst>
+            <p:seq concurrent="1" nextAc="seek">
+              <p:cTn id="2" dur="indefinite" nodeType="mainSeq">
+                <p:childTnLst>
+                  <p:par>
+                    <p:cTn id="3" fill="hold">
+                      <p:stCondLst>
+                        <p:cond delay="indefinite"/>
+                      </p:stCondLst>
+                      <p:childTnLst>
+                        <p:par>
+                          <p:cTn id="4" fill="hold">
+                            <p:stCondLst>
+                              <p:cond delay="0"/>
+                            </p:stCondLst>
+                            <p:childTnLst>
+                              <p:par>
+                                <p:cTn id="5" presetID="1" presetClass="entr" presetSubtype="0" fill="hold" grpId="0" nodeType="clickEffect">
+                                  <p:stCondLst>
+                                    <p:cond delay="0"/>
+                                  </p:stCondLst>
+                                  <p:childTnLst>
+                                    <p:set>
+                                      <p:cBhvr>
+                                        <p:cTn id="6" dur="1" fill="hold">
+                                          <p:stCondLst>
+                                            <p:cond delay="0"/>
+                                          </p:stCondLst>
+                                        </p:cTn>
+                                        <p:tgtEl>
+                                          <p:spTgt spid="3">
+                                            <p:txEl>
+                                              <p:pRg st="0" end="0"/>
+                                            </p:txEl>
+                                          </p:spTgt>
+                                        </p:tgtEl>
+                                        <p:attrNameLst>
+                                          <p:attrName>style.visibility</p:attrName>
+                                        </p:attrNameLst>
+                                      </p:cBhvr>
+                                      <p:to>
+                                        <p:strVal val="visible"/>
+                                      </p:to>
+                                    </p:set>
+                                  </p:childTnLst>
+                                </p:cTn>
+                              </p:par>
+                            </p:childTnLst>
+                          </p:cTn>
+                        </p:par>
+                      </p:childTnLst>
+                    </p:cTn>
+                  </p:par>
+                </p:childTnLst>
+              </p:cTn>
+              <p:prevCondLst>
+                <p:cond evt="onPrev" delay="0">
+                  <p:tgtEl>
+                    <p:sldTgt/>
+                  </p:tgtEl>
+                </p:cond>
+              </p:prevCondLst>
+              <p:nextCondLst>
+                <p:cond evt="onNext" delay="0">
+                  <p:tgtEl>
+                    <p:sldTgt/>
+                  </p:tgtEl>
+                </p:cond>
+              </p:nextCondLst>
+            </p:seq>
+          </p:childTnLst>
+        </p:cTn>
+      </p:par>
+    </p:tnLst>
+    <p:bldLst>
+      <p:bldP spid="3" grpId="0" build="p"/>
+    </p:bldLst>
+  </p:timing>
 </p:sld>
 </file>
 
@@ -9537,7 +15220,7 @@
           <a:p>
             <a:r>
               <a:rPr lang="en-US" dirty="0"/>
-              <a:t>Already some concerns? (4/5)</a:t>
+              <a:t>Already some concerns? (5/6)</a:t>
             </a:r>
           </a:p>
         </p:txBody>
@@ -9560,16 +15243,18 @@
         </p:nvSpPr>
         <p:spPr/>
         <p:txBody>
-          <a:bodyPr/>
+          <a:bodyPr>
+            <a:normAutofit/>
+          </a:bodyPr>
           <a:lstStyle/>
           <a:p>
             <a:r>
-              <a:rPr lang="en-US" dirty="0"/>
+              <a:rPr lang="en-US" sz="2400" dirty="0"/>
               <a:t>Ordering of the columns is crucial.</a:t>
             </a:r>
           </a:p>
           <a:p>
-            <a:endParaRPr lang="en-US" dirty="0"/>
+            <a:endParaRPr lang="en-US" sz="2400" dirty="0"/>
           </a:p>
         </p:txBody>
       </p:sp>
@@ -9778,7 +15463,7 @@
           <a:p>
             <a:r>
               <a:rPr lang="en-US" dirty="0"/>
-              <a:t>Already some concerns? (5/5)</a:t>
+              <a:t>Already some concerns? (6/6)</a:t>
             </a:r>
           </a:p>
         </p:txBody>
@@ -9801,22 +15486,24 @@
         </p:nvSpPr>
         <p:spPr/>
         <p:txBody>
-          <a:bodyPr/>
+          <a:bodyPr>
+            <a:normAutofit/>
+          </a:bodyPr>
           <a:lstStyle/>
           <a:p>
             <a:r>
-              <a:rPr lang="en-US" dirty="0"/>
+              <a:rPr lang="en-US" sz="2400" dirty="0"/>
               <a:t>All that data is stored in </a:t>
             </a:r>
             <a:r>
-              <a:rPr lang="en-US" dirty="0" err="1"/>
+              <a:rPr lang="en-US" sz="2400" dirty="0" err="1"/>
               <a:t>tempdb</a:t>
             </a:r>
-            <a:endParaRPr lang="en-US" dirty="0"/>
-          </a:p>
-          <a:p>
-            <a:r>
-              <a:rPr lang="en-US" dirty="0"/>
+            <a:endParaRPr lang="en-US" sz="2400" dirty="0"/>
+          </a:p>
+          <a:p>
+            <a:r>
+              <a:rPr lang="en-US" sz="2400" dirty="0"/>
               <a:t>Test, test, test!</a:t>
             </a:r>
           </a:p>
@@ -9857,7 +15544,7 @@
           <p:cNvPr id="3" name="TextBox 2">
             <a:extLst>
               <a:ext uri="{FF2B5EF4-FFF2-40B4-BE49-F238E27FC236}">
-                <a16:creationId xmlns:a16="http://schemas.microsoft.com/office/drawing/2014/main" id="{0460B561-9B3E-A968-2B4E-7319150C79C4}"/>
+                <a16:creationId xmlns:a16="http://schemas.microsoft.com/office/drawing/2014/main" id="{763E30AF-39C1-E1F3-69DA-4FC52FEAFD0A}"/>
               </a:ext>
             </a:extLst>
           </p:cNvPr>
@@ -9866,218 +15553,8 @@
         </p:nvSpPr>
         <p:spPr>
           <a:xfrm>
-            <a:off x="1510146" y="5437227"/>
-            <a:ext cx="6802581" cy="400110"/>
-          </a:xfrm>
-          <a:prstGeom prst="rect">
-            <a:avLst/>
-          </a:prstGeom>
-          <a:noFill/>
-        </p:spPr>
-        <p:txBody>
-          <a:bodyPr wrap="square">
-            <a:spAutoFit/>
-          </a:bodyPr>
-          <a:lstStyle/>
-          <a:p>
-            <a:r>
-              <a:rPr lang="en-US" sz="2000">
-                <a:latin typeface="Verdana" panose="020B0604030504040204" pitchFamily="34" charset="0"/>
-                <a:ea typeface="Verdana" panose="020B0604030504040204" pitchFamily="34" charset="0"/>
-              </a:rPr>
-              <a:t>https://github.com/jbfoushee/MyPresentations/</a:t>
-            </a:r>
-            <a:endParaRPr lang="en-US" sz="2000" dirty="0">
-              <a:latin typeface="Verdana" panose="020B0604030504040204" pitchFamily="34" charset="0"/>
-              <a:ea typeface="Verdana" panose="020B0604030504040204" pitchFamily="34" charset="0"/>
-            </a:endParaRPr>
-          </a:p>
-        </p:txBody>
-      </p:sp>
-      <p:sp>
-        <p:nvSpPr>
-          <p:cNvPr id="5" name="TextBox 4">
-            <a:extLst>
-              <a:ext uri="{FF2B5EF4-FFF2-40B4-BE49-F238E27FC236}">
-                <a16:creationId xmlns:a16="http://schemas.microsoft.com/office/drawing/2014/main" id="{ABF7E1BF-9545-970E-5C17-B09523F51437}"/>
-              </a:ext>
-            </a:extLst>
-          </p:cNvPr>
-          <p:cNvSpPr txBox="1"/>
-          <p:nvPr/>
-        </p:nvSpPr>
-        <p:spPr>
-          <a:xfrm>
-            <a:off x="1510146" y="4895212"/>
-            <a:ext cx="7439890" cy="400110"/>
-          </a:xfrm>
-          <a:prstGeom prst="rect">
-            <a:avLst/>
-          </a:prstGeom>
-          <a:noFill/>
-        </p:spPr>
-        <p:txBody>
-          <a:bodyPr wrap="square">
-            <a:spAutoFit/>
-          </a:bodyPr>
-          <a:lstStyle/>
-          <a:p>
-            <a:r>
-              <a:rPr lang="en-US" sz="2000" dirty="0">
-                <a:latin typeface="Verdana" panose="020B0604030504040204" pitchFamily="34" charset="0"/>
-                <a:ea typeface="Verdana" panose="020B0604030504040204" pitchFamily="34" charset="0"/>
-              </a:rPr>
-              <a:t>https://www.linkedin.com/in/jeff-foushee-13b80a100/</a:t>
-            </a:r>
-          </a:p>
-        </p:txBody>
-      </p:sp>
-      <p:pic>
-        <p:nvPicPr>
-          <p:cNvPr id="1026" name="Picture 2" descr="Linkedin-logo | myCloudDoor - Expertise for Cloud Transition">
-            <a:extLst>
-              <a:ext uri="{FF2B5EF4-FFF2-40B4-BE49-F238E27FC236}">
-                <a16:creationId xmlns:a16="http://schemas.microsoft.com/office/drawing/2014/main" id="{7541C2E9-3409-6A8C-14FE-E2F786407B3E}"/>
-              </a:ext>
-            </a:extLst>
-          </p:cNvPr>
-          <p:cNvPicPr>
-            <a:picLocks noChangeAspect="1" noChangeArrowheads="1"/>
-          </p:cNvPicPr>
-          <p:nvPr/>
-        </p:nvPicPr>
-        <p:blipFill>
-          <a:blip r:embed="rId2">
-            <a:extLst>
-              <a:ext uri="{28A0092B-C50C-407E-A947-70E740481C1C}">
-                <a14:useLocalDpi xmlns:a14="http://schemas.microsoft.com/office/drawing/2010/main" val="0"/>
-              </a:ext>
-            </a:extLst>
-          </a:blip>
-          <a:srcRect/>
-          <a:stretch>
-            <a:fillRect/>
-          </a:stretch>
-        </p:blipFill>
-        <p:spPr bwMode="auto">
-          <a:xfrm>
-            <a:off x="831273" y="4897215"/>
-            <a:ext cx="678873" cy="381866"/>
-          </a:xfrm>
-          <a:prstGeom prst="rect">
-            <a:avLst/>
-          </a:prstGeom>
-          <a:noFill/>
-          <a:extLst>
-            <a:ext uri="{909E8E84-426E-40DD-AFC4-6F175D3DCCD1}">
-              <a14:hiddenFill xmlns:a14="http://schemas.microsoft.com/office/drawing/2010/main">
-                <a:solidFill>
-                  <a:srgbClr val="FFFFFF"/>
-                </a:solidFill>
-              </a14:hiddenFill>
-            </a:ext>
-          </a:extLst>
-        </p:spPr>
-      </p:pic>
-      <p:pic>
-        <p:nvPicPr>
-          <p:cNvPr id="1028" name="Picture 4" descr="GitHub Logo, symbol, meaning, history, PNG, brand">
-            <a:extLst>
-              <a:ext uri="{FF2B5EF4-FFF2-40B4-BE49-F238E27FC236}">
-                <a16:creationId xmlns:a16="http://schemas.microsoft.com/office/drawing/2014/main" id="{4A4A3218-5674-2C67-8D76-BCC0445E30D3}"/>
-              </a:ext>
-            </a:extLst>
-          </p:cNvPr>
-          <p:cNvPicPr>
-            <a:picLocks noChangeAspect="1" noChangeArrowheads="1"/>
-          </p:cNvPicPr>
-          <p:nvPr/>
-        </p:nvPicPr>
-        <p:blipFill>
-          <a:blip r:embed="rId3">
-            <a:extLst>
-              <a:ext uri="{28A0092B-C50C-407E-A947-70E740481C1C}">
-                <a14:useLocalDpi xmlns:a14="http://schemas.microsoft.com/office/drawing/2010/main" val="0"/>
-              </a:ext>
-            </a:extLst>
-          </a:blip>
-          <a:srcRect/>
-          <a:stretch>
-            <a:fillRect/>
-          </a:stretch>
-        </p:blipFill>
-        <p:spPr bwMode="auto">
-          <a:xfrm>
-            <a:off x="831272" y="5451764"/>
-            <a:ext cx="678874" cy="381867"/>
-          </a:xfrm>
-          <a:prstGeom prst="rect">
-            <a:avLst/>
-          </a:prstGeom>
-          <a:noFill/>
-          <a:extLst>
-            <a:ext uri="{909E8E84-426E-40DD-AFC4-6F175D3DCCD1}">
-              <a14:hiddenFill xmlns:a14="http://schemas.microsoft.com/office/drawing/2010/main">
-                <a:solidFill>
-                  <a:srgbClr val="FFFFFF"/>
-                </a:solidFill>
-              </a14:hiddenFill>
-            </a:ext>
-          </a:extLst>
-        </p:spPr>
-      </p:pic>
-      <p:pic>
-        <p:nvPicPr>
-          <p:cNvPr id="7" name="Picture 6">
-            <a:extLst>
-              <a:ext uri="{FF2B5EF4-FFF2-40B4-BE49-F238E27FC236}">
-                <a16:creationId xmlns:a16="http://schemas.microsoft.com/office/drawing/2014/main" id="{4EF63783-B000-A4BC-CCBD-ECC8D1236DD3}"/>
-              </a:ext>
-            </a:extLst>
-          </p:cNvPr>
-          <p:cNvPicPr>
-            <a:picLocks noChangeAspect="1"/>
-          </p:cNvPicPr>
-          <p:nvPr/>
-        </p:nvPicPr>
-        <p:blipFill>
-          <a:blip r:embed="rId4">
-            <a:extLst>
-              <a:ext uri="{28A0092B-C50C-407E-A947-70E740481C1C}">
-                <a14:useLocalDpi xmlns:a14="http://schemas.microsoft.com/office/drawing/2010/main" val="0"/>
-              </a:ext>
-            </a:extLst>
-          </a:blip>
-          <a:stretch>
-            <a:fillRect/>
-          </a:stretch>
-        </p:blipFill>
-        <p:spPr>
-          <a:xfrm>
-            <a:off x="1039090" y="1578919"/>
-            <a:ext cx="2228212" cy="2228212"/>
-          </a:xfrm>
-          <a:prstGeom prst="rect">
-            <a:avLst/>
-          </a:prstGeom>
-        </p:spPr>
-      </p:pic>
-      <p:sp>
-        <p:nvSpPr>
-          <p:cNvPr id="8" name="TextBox 7">
-            <a:extLst>
-              <a:ext uri="{FF2B5EF4-FFF2-40B4-BE49-F238E27FC236}">
-                <a16:creationId xmlns:a16="http://schemas.microsoft.com/office/drawing/2014/main" id="{98A32F5C-E514-95A5-9E67-696F9A1524ED}"/>
-              </a:ext>
-            </a:extLst>
-          </p:cNvPr>
-          <p:cNvSpPr txBox="1"/>
-          <p:nvPr/>
-        </p:nvSpPr>
-        <p:spPr>
-          <a:xfrm>
-            <a:off x="4225637" y="1020663"/>
-            <a:ext cx="6442363" cy="3231654"/>
+            <a:off x="6011585" y="6308209"/>
+            <a:ext cx="5680364" cy="369332"/>
           </a:xfrm>
           <a:prstGeom prst="rect">
             <a:avLst/>
@@ -10091,90 +15568,46 @@
           <a:lstStyle/>
           <a:p>
             <a:r>
-              <a:rPr lang="en-US" sz="3600" dirty="0">
-                <a:latin typeface="Verdana" panose="020B0604030504040204" pitchFamily="34" charset="0"/>
-                <a:ea typeface="Verdana" panose="020B0604030504040204" pitchFamily="34" charset="0"/>
-              </a:rPr>
-              <a:t>Jeff Foushee</a:t>
-            </a:r>
-          </a:p>
-          <a:p>
-            <a:endParaRPr lang="en-US" sz="2400" dirty="0">
-              <a:latin typeface="Verdana" panose="020B0604030504040204" pitchFamily="34" charset="0"/>
-              <a:ea typeface="Verdana" panose="020B0604030504040204" pitchFamily="34" charset="0"/>
-            </a:endParaRPr>
-          </a:p>
-          <a:p>
-            <a:pPr marL="285750" indent="-285750">
-              <a:buFont typeface="Arial" panose="020B0604020202020204" pitchFamily="34" charset="0"/>
-              <a:buChar char="•"/>
-            </a:pPr>
-            <a:r>
-              <a:rPr lang="en-US" sz="2400" dirty="0">
-                <a:latin typeface="Verdana" panose="020B0604030504040204" pitchFamily="34" charset="0"/>
-                <a:ea typeface="Verdana" panose="020B0604030504040204" pitchFamily="34" charset="0"/>
-              </a:rPr>
-              <a:t>SQL Server Database Admin</a:t>
-            </a:r>
-          </a:p>
-          <a:p>
-            <a:pPr marL="285750" indent="-285750">
-              <a:buFont typeface="Arial" panose="020B0604020202020204" pitchFamily="34" charset="0"/>
-              <a:buChar char="•"/>
-            </a:pPr>
-            <a:endParaRPr lang="en-US" sz="2400" dirty="0">
-              <a:latin typeface="Verdana" panose="020B0604030504040204" pitchFamily="34" charset="0"/>
-              <a:ea typeface="Verdana" panose="020B0604030504040204" pitchFamily="34" charset="0"/>
-            </a:endParaRPr>
-          </a:p>
-          <a:p>
-            <a:pPr marL="285750" indent="-285750">
-              <a:buFont typeface="Arial" panose="020B0604020202020204" pitchFamily="34" charset="0"/>
-              <a:buChar char="•"/>
-            </a:pPr>
-            <a:r>
-              <a:rPr lang="en-US" sz="2400" dirty="0">
-                <a:latin typeface="Verdana" panose="020B0604030504040204" pitchFamily="34" charset="0"/>
-                <a:ea typeface="Verdana" panose="020B0604030504040204" pitchFamily="34" charset="0"/>
-              </a:rPr>
-              <a:t>Programmer</a:t>
-            </a:r>
-          </a:p>
-          <a:p>
-            <a:pPr marL="285750" indent="-285750">
-              <a:buFont typeface="Arial" panose="020B0604020202020204" pitchFamily="34" charset="0"/>
-              <a:buChar char="•"/>
-            </a:pPr>
-            <a:endParaRPr lang="en-US" sz="2400" dirty="0">
-              <a:latin typeface="Verdana" panose="020B0604030504040204" pitchFamily="34" charset="0"/>
-              <a:ea typeface="Verdana" panose="020B0604030504040204" pitchFamily="34" charset="0"/>
-            </a:endParaRPr>
-          </a:p>
-          <a:p>
-            <a:pPr marL="285750" indent="-285750">
-              <a:buFont typeface="Arial" panose="020B0604020202020204" pitchFamily="34" charset="0"/>
-              <a:buChar char="•"/>
-            </a:pPr>
-            <a:r>
-              <a:rPr lang="en-US" sz="2400" dirty="0">
-                <a:latin typeface="Verdana" panose="020B0604030504040204" pitchFamily="34" charset="0"/>
-                <a:ea typeface="Verdana" panose="020B0604030504040204" pitchFamily="34" charset="0"/>
-              </a:rPr>
-              <a:t>Blackjack dealer</a:t>
-            </a:r>
-          </a:p>
-          <a:p>
-            <a:endParaRPr lang="en-US" sz="2400" dirty="0">
-              <a:latin typeface="Verdana" panose="020B0604030504040204" pitchFamily="34" charset="0"/>
-              <a:ea typeface="Verdana" panose="020B0604030504040204" pitchFamily="34" charset="0"/>
-            </a:endParaRPr>
+              <a:rPr lang="en-US" dirty="0"/>
+              <a:t>With permission from Tim Klein, www.puzzlemontage.com</a:t>
+            </a:r>
           </a:p>
         </p:txBody>
       </p:sp>
+      <p:pic>
+        <p:nvPicPr>
+          <p:cNvPr id="5" name="Picture 4">
+            <a:extLst>
+              <a:ext uri="{FF2B5EF4-FFF2-40B4-BE49-F238E27FC236}">
+                <a16:creationId xmlns:a16="http://schemas.microsoft.com/office/drawing/2014/main" id="{216D5FC3-1FB3-6E95-C20F-D54A179B8066}"/>
+              </a:ext>
+            </a:extLst>
+          </p:cNvPr>
+          <p:cNvPicPr>
+            <a:picLocks noChangeAspect="1"/>
+          </p:cNvPicPr>
+          <p:nvPr/>
+        </p:nvPicPr>
+        <p:blipFill>
+          <a:blip r:embed="rId3"/>
+          <a:stretch>
+            <a:fillRect/>
+          </a:stretch>
+        </p:blipFill>
+        <p:spPr>
+          <a:xfrm>
+            <a:off x="2463517" y="850264"/>
+            <a:ext cx="7096136" cy="5157471"/>
+          </a:xfrm>
+          <a:prstGeom prst="rect">
+            <a:avLst/>
+          </a:prstGeom>
+        </p:spPr>
+      </p:pic>
     </p:spTree>
     <p:extLst>
       <p:ext uri="{BB962C8B-B14F-4D97-AF65-F5344CB8AC3E}">
-        <p14:creationId xmlns:p14="http://schemas.microsoft.com/office/powerpoint/2010/main" val="918283133"/>
+        <p14:creationId xmlns:p14="http://schemas.microsoft.com/office/powerpoint/2010/main" val="2244771265"/>
       </p:ext>
     </p:extLst>
   </p:cSld>
@@ -19990,7 +25423,7 @@
           <p:cNvPr id="2" name="Title 1">
             <a:extLst>
               <a:ext uri="{FF2B5EF4-FFF2-40B4-BE49-F238E27FC236}">
-                <a16:creationId xmlns:a16="http://schemas.microsoft.com/office/drawing/2014/main" id="{A25C760E-EAB1-6B97-C816-82DCB166A0DB}"/>
+                <a16:creationId xmlns:a16="http://schemas.microsoft.com/office/drawing/2014/main" id="{F861E724-3454-0ED9-7B71-61CD1E2B901F}"/>
               </a:ext>
             </a:extLst>
           </p:cNvPr>
@@ -20001,12 +25434,7 @@
             <p:ph type="title"/>
           </p:nvPr>
         </p:nvSpPr>
-        <p:spPr>
-          <a:xfrm>
-            <a:off x="838200" y="365125"/>
-            <a:ext cx="10515600" cy="900261"/>
-          </a:xfrm>
-        </p:spPr>
+        <p:spPr/>
         <p:txBody>
           <a:bodyPr/>
           <a:lstStyle/>
@@ -20020,73 +25448,107 @@
       </p:sp>
       <p:sp>
         <p:nvSpPr>
-          <p:cNvPr id="3" name="TextBox 2">
+          <p:cNvPr id="3" name="Content Placeholder 2">
             <a:extLst>
               <a:ext uri="{FF2B5EF4-FFF2-40B4-BE49-F238E27FC236}">
-                <a16:creationId xmlns:a16="http://schemas.microsoft.com/office/drawing/2014/main" id="{763E30AF-39C1-E1F3-69DA-4FC52FEAFD0A}"/>
+                <a16:creationId xmlns:a16="http://schemas.microsoft.com/office/drawing/2014/main" id="{FAEBB5E7-E3F3-A560-76C6-AE2BB967F322}"/>
               </a:ext>
             </a:extLst>
           </p:cNvPr>
-          <p:cNvSpPr txBox="1"/>
-          <p:nvPr/>
+          <p:cNvSpPr>
+            <a:spLocks noGrp="1"/>
+          </p:cNvSpPr>
+          <p:nvPr>
+            <p:ph idx="1"/>
+          </p:nvPr>
         </p:nvSpPr>
-        <p:spPr>
-          <a:xfrm>
-            <a:off x="6011585" y="6308209"/>
-            <a:ext cx="5680364" cy="369332"/>
-          </a:xfrm>
-          <a:prstGeom prst="rect">
-            <a:avLst/>
-          </a:prstGeom>
-          <a:noFill/>
-        </p:spPr>
+        <p:spPr/>
         <p:txBody>
-          <a:bodyPr wrap="square" rtlCol="0">
-            <a:spAutoFit/>
-          </a:bodyPr>
+          <a:bodyPr/>
           <a:lstStyle/>
           <a:p>
+            <a:pPr marL="171450" indent="-171450">
+              <a:buFontTx/>
+              <a:buChar char="-"/>
+            </a:pPr>
             <a:r>
               <a:rPr lang="en-US" dirty="0"/>
-              <a:t>With permission from Tim Klein, www.puzzlemontage.com</a:t>
-            </a:r>
+              <a:t>All the data is related. Either all of it updates as a unit or none of it does.</a:t>
+            </a:r>
+          </a:p>
+          <a:p>
+            <a:pPr marL="171450" indent="-171450">
+              <a:buFontTx/>
+              <a:buChar char="-"/>
+            </a:pPr>
+            <a:r>
+              <a:rPr lang="en-US" dirty="0"/>
+              <a:t>Keep the lifetime of the transaction to a minimum</a:t>
+            </a:r>
+          </a:p>
+          <a:p>
+            <a:pPr marL="171450" indent="-171450">
+              <a:buFontTx/>
+              <a:buChar char="-"/>
+            </a:pPr>
+            <a:r>
+              <a:rPr lang="en-US" dirty="0"/>
+              <a:t>Avoid staging-table management</a:t>
+            </a:r>
+          </a:p>
+          <a:p>
+            <a:pPr marL="628650" lvl="1" indent="-171450">
+              <a:buFontTx/>
+              <a:buChar char="-"/>
+            </a:pPr>
+            <a:r>
+              <a:rPr lang="en-US" dirty="0"/>
+              <a:t>procs to pre-clean the staging tables </a:t>
+            </a:r>
+          </a:p>
+          <a:p>
+            <a:pPr marL="628650" lvl="1" indent="-171450">
+              <a:buFontTx/>
+              <a:buChar char="-"/>
+            </a:pPr>
+            <a:r>
+              <a:rPr lang="en-US" dirty="0"/>
+              <a:t>procs to swap the data afterwards</a:t>
+            </a:r>
+          </a:p>
+          <a:p>
+            <a:pPr marL="171450" indent="-171450">
+              <a:buFontTx/>
+              <a:buChar char="-"/>
+            </a:pPr>
+            <a:r>
+              <a:rPr lang="en-US" dirty="0"/>
+              <a:t>Avoid session management</a:t>
+            </a:r>
+          </a:p>
+          <a:p>
+            <a:pPr marL="628650" lvl="1" indent="-171450">
+              <a:buFontTx/>
+              <a:buChar char="-"/>
+            </a:pPr>
+            <a:r>
+              <a:rPr lang="en-US" dirty="0"/>
+              <a:t>Even worse if everyone uses the same common application login</a:t>
+            </a:r>
+          </a:p>
+          <a:p>
+            <a:pPr marL="628650" lvl="1" indent="-171450">
+              <a:buFontTx/>
+              <a:buChar char="-"/>
+            </a:pPr>
+            <a:endParaRPr lang="en-US" dirty="0"/>
           </a:p>
         </p:txBody>
       </p:sp>
-      <p:pic>
-        <p:nvPicPr>
-          <p:cNvPr id="5" name="Picture 4">
-            <a:extLst>
-              <a:ext uri="{FF2B5EF4-FFF2-40B4-BE49-F238E27FC236}">
-                <a16:creationId xmlns:a16="http://schemas.microsoft.com/office/drawing/2014/main" id="{216D5FC3-1FB3-6E95-C20F-D54A179B8066}"/>
-              </a:ext>
-            </a:extLst>
-          </p:cNvPr>
-          <p:cNvPicPr>
-            <a:picLocks noChangeAspect="1"/>
-          </p:cNvPicPr>
-          <p:nvPr/>
-        </p:nvPicPr>
-        <p:blipFill>
-          <a:blip r:embed="rId3"/>
-          <a:stretch>
-            <a:fillRect/>
-          </a:stretch>
-        </p:blipFill>
-        <p:spPr>
-          <a:xfrm>
-            <a:off x="2547932" y="1065316"/>
-            <a:ext cx="7096136" cy="5157471"/>
-          </a:xfrm>
-          <a:prstGeom prst="rect">
-            <a:avLst/>
-          </a:prstGeom>
-        </p:spPr>
-      </p:pic>
     </p:spTree>
     <p:extLst>
       <p:ext uri="{BB962C8B-B14F-4D97-AF65-F5344CB8AC3E}">
-        <p14:creationId xmlns:p14="http://schemas.microsoft.com/office/powerpoint/2010/main" val="2244771265"/>
+        <p14:creationId xmlns:p14="http://schemas.microsoft.com/office/powerpoint/2010/main" val="1677124138"/>
       </p:ext>
     </p:extLst>
   </p:cSld>
@@ -24261,135 +29723,340 @@
       </p:grpSpPr>
       <p:sp>
         <p:nvSpPr>
-          <p:cNvPr id="2" name="Title 1">
+          <p:cNvPr id="3" name="TextBox 2">
             <a:extLst>
               <a:ext uri="{FF2B5EF4-FFF2-40B4-BE49-F238E27FC236}">
-                <a16:creationId xmlns:a16="http://schemas.microsoft.com/office/drawing/2014/main" id="{F861E724-3454-0ED9-7B71-61CD1E2B901F}"/>
+                <a16:creationId xmlns:a16="http://schemas.microsoft.com/office/drawing/2014/main" id="{0460B561-9B3E-A968-2B4E-7319150C79C4}"/>
               </a:ext>
             </a:extLst>
           </p:cNvPr>
-          <p:cNvSpPr>
-            <a:spLocks noGrp="1"/>
-          </p:cNvSpPr>
-          <p:nvPr>
-            <p:ph type="title"/>
-          </p:nvPr>
+          <p:cNvSpPr txBox="1"/>
+          <p:nvPr/>
         </p:nvSpPr>
-        <p:spPr/>
+        <p:spPr>
+          <a:xfrm>
+            <a:off x="1510146" y="5437227"/>
+            <a:ext cx="6802581" cy="400110"/>
+          </a:xfrm>
+          <a:prstGeom prst="rect">
+            <a:avLst/>
+          </a:prstGeom>
+          <a:noFill/>
+        </p:spPr>
         <p:txBody>
-          <a:bodyPr/>
+          <a:bodyPr wrap="square">
+            <a:spAutoFit/>
+          </a:bodyPr>
           <a:lstStyle/>
           <a:p>
             <a:r>
-              <a:rPr lang="en-US" dirty="0"/>
-              <a:t>What we want to solve by sending all the data</a:t>
-            </a:r>
+              <a:rPr lang="en-US" sz="2000">
+                <a:latin typeface="Verdana" panose="020B0604030504040204" pitchFamily="34" charset="0"/>
+                <a:ea typeface="Verdana" panose="020B0604030504040204" pitchFamily="34" charset="0"/>
+              </a:rPr>
+              <a:t>https://github.com/jbfoushee/MyPresentations/</a:t>
+            </a:r>
+            <a:endParaRPr lang="en-US" sz="2000" dirty="0">
+              <a:latin typeface="Verdana" panose="020B0604030504040204" pitchFamily="34" charset="0"/>
+              <a:ea typeface="Verdana" panose="020B0604030504040204" pitchFamily="34" charset="0"/>
+            </a:endParaRPr>
           </a:p>
         </p:txBody>
       </p:sp>
       <p:sp>
         <p:nvSpPr>
-          <p:cNvPr id="3" name="Content Placeholder 2">
+          <p:cNvPr id="5" name="TextBox 4">
             <a:extLst>
               <a:ext uri="{FF2B5EF4-FFF2-40B4-BE49-F238E27FC236}">
-                <a16:creationId xmlns:a16="http://schemas.microsoft.com/office/drawing/2014/main" id="{FAEBB5E7-E3F3-A560-76C6-AE2BB967F322}"/>
+                <a16:creationId xmlns:a16="http://schemas.microsoft.com/office/drawing/2014/main" id="{ABF7E1BF-9545-970E-5C17-B09523F51437}"/>
               </a:ext>
             </a:extLst>
           </p:cNvPr>
-          <p:cNvSpPr>
-            <a:spLocks noGrp="1"/>
-          </p:cNvSpPr>
-          <p:nvPr>
-            <p:ph idx="1"/>
-          </p:nvPr>
+          <p:cNvSpPr txBox="1"/>
+          <p:nvPr/>
         </p:nvSpPr>
-        <p:spPr/>
+        <p:spPr>
+          <a:xfrm>
+            <a:off x="1510146" y="4895212"/>
+            <a:ext cx="7439890" cy="400110"/>
+          </a:xfrm>
+          <a:prstGeom prst="rect">
+            <a:avLst/>
+          </a:prstGeom>
+          <a:noFill/>
+        </p:spPr>
         <p:txBody>
-          <a:bodyPr/>
+          <a:bodyPr wrap="square">
+            <a:spAutoFit/>
+          </a:bodyPr>
           <a:lstStyle/>
           <a:p>
-            <a:pPr marL="171450" indent="-171450">
-              <a:buFontTx/>
-              <a:buChar char="-"/>
+            <a:r>
+              <a:rPr lang="en-US" sz="2000" dirty="0">
+                <a:latin typeface="Verdana" panose="020B0604030504040204" pitchFamily="34" charset="0"/>
+                <a:ea typeface="Verdana" panose="020B0604030504040204" pitchFamily="34" charset="0"/>
+              </a:rPr>
+              <a:t>https://www.linkedin.com/in/jeff-foushee-13b80a100/</a:t>
+            </a:r>
+          </a:p>
+        </p:txBody>
+      </p:sp>
+      <p:pic>
+        <p:nvPicPr>
+          <p:cNvPr id="1026" name="Picture 2" descr="Linkedin-logo | myCloudDoor - Expertise for Cloud Transition">
+            <a:extLst>
+              <a:ext uri="{FF2B5EF4-FFF2-40B4-BE49-F238E27FC236}">
+                <a16:creationId xmlns:a16="http://schemas.microsoft.com/office/drawing/2014/main" id="{7541C2E9-3409-6A8C-14FE-E2F786407B3E}"/>
+              </a:ext>
+            </a:extLst>
+          </p:cNvPr>
+          <p:cNvPicPr>
+            <a:picLocks noChangeAspect="1" noChangeArrowheads="1"/>
+          </p:cNvPicPr>
+          <p:nvPr/>
+        </p:nvPicPr>
+        <p:blipFill>
+          <a:blip r:embed="rId2">
+            <a:extLst>
+              <a:ext uri="{28A0092B-C50C-407E-A947-70E740481C1C}">
+                <a14:useLocalDpi xmlns:a14="http://schemas.microsoft.com/office/drawing/2010/main" val="0"/>
+              </a:ext>
+            </a:extLst>
+          </a:blip>
+          <a:srcRect/>
+          <a:stretch>
+            <a:fillRect/>
+          </a:stretch>
+        </p:blipFill>
+        <p:spPr bwMode="auto">
+          <a:xfrm>
+            <a:off x="831273" y="4897215"/>
+            <a:ext cx="678873" cy="381866"/>
+          </a:xfrm>
+          <a:prstGeom prst="rect">
+            <a:avLst/>
+          </a:prstGeom>
+          <a:noFill/>
+          <a:extLst>
+            <a:ext uri="{909E8E84-426E-40DD-AFC4-6F175D3DCCD1}">
+              <a14:hiddenFill xmlns:a14="http://schemas.microsoft.com/office/drawing/2010/main">
+                <a:solidFill>
+                  <a:srgbClr val="FFFFFF"/>
+                </a:solidFill>
+              </a14:hiddenFill>
+            </a:ext>
+          </a:extLst>
+        </p:spPr>
+      </p:pic>
+      <p:pic>
+        <p:nvPicPr>
+          <p:cNvPr id="1028" name="Picture 4" descr="GitHub Logo, symbol, meaning, history, PNG, brand">
+            <a:extLst>
+              <a:ext uri="{FF2B5EF4-FFF2-40B4-BE49-F238E27FC236}">
+                <a16:creationId xmlns:a16="http://schemas.microsoft.com/office/drawing/2014/main" id="{4A4A3218-5674-2C67-8D76-BCC0445E30D3}"/>
+              </a:ext>
+            </a:extLst>
+          </p:cNvPr>
+          <p:cNvPicPr>
+            <a:picLocks noChangeAspect="1" noChangeArrowheads="1"/>
+          </p:cNvPicPr>
+          <p:nvPr/>
+        </p:nvPicPr>
+        <p:blipFill>
+          <a:blip r:embed="rId3">
+            <a:extLst>
+              <a:ext uri="{28A0092B-C50C-407E-A947-70E740481C1C}">
+                <a14:useLocalDpi xmlns:a14="http://schemas.microsoft.com/office/drawing/2010/main" val="0"/>
+              </a:ext>
+            </a:extLst>
+          </a:blip>
+          <a:srcRect/>
+          <a:stretch>
+            <a:fillRect/>
+          </a:stretch>
+        </p:blipFill>
+        <p:spPr bwMode="auto">
+          <a:xfrm>
+            <a:off x="831272" y="5451764"/>
+            <a:ext cx="678874" cy="381867"/>
+          </a:xfrm>
+          <a:prstGeom prst="rect">
+            <a:avLst/>
+          </a:prstGeom>
+          <a:noFill/>
+          <a:extLst>
+            <a:ext uri="{909E8E84-426E-40DD-AFC4-6F175D3DCCD1}">
+              <a14:hiddenFill xmlns:a14="http://schemas.microsoft.com/office/drawing/2010/main">
+                <a:solidFill>
+                  <a:srgbClr val="FFFFFF"/>
+                </a:solidFill>
+              </a14:hiddenFill>
+            </a:ext>
+          </a:extLst>
+        </p:spPr>
+      </p:pic>
+      <p:pic>
+        <p:nvPicPr>
+          <p:cNvPr id="7" name="Picture 6">
+            <a:extLst>
+              <a:ext uri="{FF2B5EF4-FFF2-40B4-BE49-F238E27FC236}">
+                <a16:creationId xmlns:a16="http://schemas.microsoft.com/office/drawing/2014/main" id="{4EF63783-B000-A4BC-CCBD-ECC8D1236DD3}"/>
+              </a:ext>
+            </a:extLst>
+          </p:cNvPr>
+          <p:cNvPicPr>
+            <a:picLocks noChangeAspect="1"/>
+          </p:cNvPicPr>
+          <p:nvPr/>
+        </p:nvPicPr>
+        <p:blipFill>
+          <a:blip r:embed="rId4">
+            <a:extLst>
+              <a:ext uri="{28A0092B-C50C-407E-A947-70E740481C1C}">
+                <a14:useLocalDpi xmlns:a14="http://schemas.microsoft.com/office/drawing/2010/main" val="0"/>
+              </a:ext>
+            </a:extLst>
+          </a:blip>
+          <a:stretch>
+            <a:fillRect/>
+          </a:stretch>
+        </p:blipFill>
+        <p:spPr>
+          <a:xfrm>
+            <a:off x="1039090" y="1578919"/>
+            <a:ext cx="2228212" cy="2228212"/>
+          </a:xfrm>
+          <a:prstGeom prst="rect">
+            <a:avLst/>
+          </a:prstGeom>
+        </p:spPr>
+      </p:pic>
+      <p:sp>
+        <p:nvSpPr>
+          <p:cNvPr id="8" name="TextBox 7">
+            <a:extLst>
+              <a:ext uri="{FF2B5EF4-FFF2-40B4-BE49-F238E27FC236}">
+                <a16:creationId xmlns:a16="http://schemas.microsoft.com/office/drawing/2014/main" id="{98A32F5C-E514-95A5-9E67-696F9A1524ED}"/>
+              </a:ext>
+            </a:extLst>
+          </p:cNvPr>
+          <p:cNvSpPr txBox="1"/>
+          <p:nvPr/>
+        </p:nvSpPr>
+        <p:spPr>
+          <a:xfrm>
+            <a:off x="4225637" y="1020663"/>
+            <a:ext cx="6442363" cy="2985433"/>
+          </a:xfrm>
+          <a:prstGeom prst="rect">
+            <a:avLst/>
+          </a:prstGeom>
+          <a:noFill/>
+        </p:spPr>
+        <p:txBody>
+          <a:bodyPr wrap="square" rtlCol="0">
+            <a:spAutoFit/>
+          </a:bodyPr>
+          <a:lstStyle/>
+          <a:p>
+            <a:r>
+              <a:rPr lang="en-US" sz="3600" dirty="0">
+                <a:latin typeface="Verdana" panose="020B0604030504040204" pitchFamily="34" charset="0"/>
+                <a:ea typeface="Verdana" panose="020B0604030504040204" pitchFamily="34" charset="0"/>
+              </a:rPr>
+              <a:t>Jeff Foushee</a:t>
+            </a:r>
+          </a:p>
+          <a:p>
+            <a:endParaRPr lang="en-US" sz="2400" dirty="0">
+              <a:latin typeface="Verdana" panose="020B0604030504040204" pitchFamily="34" charset="0"/>
+              <a:ea typeface="Verdana" panose="020B0604030504040204" pitchFamily="34" charset="0"/>
+            </a:endParaRPr>
+          </a:p>
+          <a:p>
+            <a:pPr marL="285750" indent="-285750">
+              <a:buFont typeface="Arial" panose="020B0604020202020204" pitchFamily="34" charset="0"/>
+              <a:buChar char="•"/>
             </a:pPr>
             <a:r>
-              <a:rPr lang="en-US" dirty="0"/>
-              <a:t>All the data is related. Either all of it updates as a unit or none of it does.</a:t>
-            </a:r>
-          </a:p>
-          <a:p>
-            <a:pPr marL="171450" indent="-171450">
-              <a:buFontTx/>
-              <a:buChar char="-"/>
+              <a:rPr lang="en-US" sz="2400" dirty="0">
+                <a:latin typeface="Verdana" panose="020B0604030504040204" pitchFamily="34" charset="0"/>
+                <a:ea typeface="Verdana" panose="020B0604030504040204" pitchFamily="34" charset="0"/>
+              </a:rPr>
+              <a:t>SQL Server Database Admin</a:t>
+            </a:r>
+          </a:p>
+          <a:p>
+            <a:pPr marL="285750" indent="-285750">
+              <a:buFont typeface="Arial" panose="020B0604020202020204" pitchFamily="34" charset="0"/>
+              <a:buChar char="•"/>
             </a:pPr>
-            <a:r>
-              <a:rPr lang="en-US" dirty="0"/>
-              <a:t>Keep the lifetime of the transaction to a minimum</a:t>
-            </a:r>
-          </a:p>
-          <a:p>
-            <a:pPr marL="171450" indent="-171450">
-              <a:buFontTx/>
-              <a:buChar char="-"/>
+            <a:endParaRPr lang="en-US" sz="1000" dirty="0">
+              <a:latin typeface="Verdana" panose="020B0604030504040204" pitchFamily="34" charset="0"/>
+              <a:ea typeface="Verdana" panose="020B0604030504040204" pitchFamily="34" charset="0"/>
+            </a:endParaRPr>
+          </a:p>
+          <a:p>
+            <a:pPr marL="285750" indent="-285750">
+              <a:buFont typeface="Arial" panose="020B0604020202020204" pitchFamily="34" charset="0"/>
+              <a:buChar char="•"/>
             </a:pPr>
             <a:r>
-              <a:rPr lang="en-US" dirty="0"/>
-              <a:t>Avoid staging-table management</a:t>
-            </a:r>
-          </a:p>
-          <a:p>
-            <a:pPr marL="628650" lvl="1" indent="-171450">
-              <a:buFontTx/>
-              <a:buChar char="-"/>
+              <a:rPr lang="en-US" sz="2400" dirty="0">
+                <a:latin typeface="Verdana" panose="020B0604030504040204" pitchFamily="34" charset="0"/>
+                <a:ea typeface="Verdana" panose="020B0604030504040204" pitchFamily="34" charset="0"/>
+              </a:rPr>
+              <a:t>Programmer</a:t>
+            </a:r>
+          </a:p>
+          <a:p>
+            <a:endParaRPr lang="en-US" sz="1000" dirty="0">
+              <a:latin typeface="Verdana" panose="020B0604030504040204" pitchFamily="34" charset="0"/>
+              <a:ea typeface="Verdana" panose="020B0604030504040204" pitchFamily="34" charset="0"/>
+            </a:endParaRPr>
+          </a:p>
+          <a:p>
+            <a:pPr marL="285750" indent="-285750">
+              <a:buFont typeface="Arial" panose="020B0604020202020204" pitchFamily="34" charset="0"/>
+              <a:buChar char="•"/>
             </a:pPr>
             <a:r>
-              <a:rPr lang="en-US" dirty="0"/>
-              <a:t>procs to pre-clean the staging tables </a:t>
-            </a:r>
-          </a:p>
-          <a:p>
-            <a:pPr marL="628650" lvl="1" indent="-171450">
-              <a:buFontTx/>
-              <a:buChar char="-"/>
+              <a:rPr lang="en-US" sz="2400" dirty="0">
+                <a:latin typeface="Verdana" panose="020B0604030504040204" pitchFamily="34" charset="0"/>
+                <a:ea typeface="Verdana" panose="020B0604030504040204" pitchFamily="34" charset="0"/>
+              </a:rPr>
+              <a:t>SQL Saturday speaker</a:t>
+            </a:r>
+          </a:p>
+          <a:p>
+            <a:pPr marL="285750" indent="-285750">
+              <a:buFont typeface="Arial" panose="020B0604020202020204" pitchFamily="34" charset="0"/>
+              <a:buChar char="•"/>
             </a:pPr>
-            <a:r>
-              <a:rPr lang="en-US" dirty="0"/>
-              <a:t>procs to swap the data afterwards</a:t>
-            </a:r>
-          </a:p>
-          <a:p>
-            <a:pPr marL="171450" indent="-171450">
-              <a:buFontTx/>
-              <a:buChar char="-"/>
+            <a:endParaRPr lang="en-US" sz="1200" dirty="0">
+              <a:latin typeface="Verdana" panose="020B0604030504040204" pitchFamily="34" charset="0"/>
+              <a:ea typeface="Verdana" panose="020B0604030504040204" pitchFamily="34" charset="0"/>
+            </a:endParaRPr>
+          </a:p>
+          <a:p>
+            <a:pPr marL="285750" indent="-285750">
+              <a:buFont typeface="Arial" panose="020B0604020202020204" pitchFamily="34" charset="0"/>
+              <a:buChar char="•"/>
             </a:pPr>
             <a:r>
-              <a:rPr lang="en-US" dirty="0"/>
-              <a:t>Avoid session management</a:t>
-            </a:r>
-          </a:p>
-          <a:p>
-            <a:pPr marL="628650" lvl="1" indent="-171450">
-              <a:buFontTx/>
-              <a:buChar char="-"/>
-            </a:pPr>
-            <a:r>
-              <a:rPr lang="en-US" dirty="0"/>
-              <a:t>Even worse if everyone uses the same common application login</a:t>
-            </a:r>
-          </a:p>
-          <a:p>
-            <a:pPr marL="628650" lvl="1" indent="-171450">
-              <a:buFontTx/>
-              <a:buChar char="-"/>
-            </a:pPr>
-            <a:endParaRPr lang="en-US" dirty="0"/>
+              <a:rPr lang="en-US" sz="2400" dirty="0">
+                <a:latin typeface="Verdana" panose="020B0604030504040204" pitchFamily="34" charset="0"/>
+                <a:ea typeface="Verdana" panose="020B0604030504040204" pitchFamily="34" charset="0"/>
+              </a:rPr>
+              <a:t>Blackjack dealer</a:t>
+            </a:r>
           </a:p>
         </p:txBody>
       </p:sp>
     </p:spTree>
     <p:extLst>
       <p:ext uri="{BB962C8B-B14F-4D97-AF65-F5344CB8AC3E}">
-        <p14:creationId xmlns:p14="http://schemas.microsoft.com/office/powerpoint/2010/main" val="1677124138"/>
+        <p14:creationId xmlns:p14="http://schemas.microsoft.com/office/powerpoint/2010/main" val="918283133"/>
       </p:ext>
     </p:extLst>
   </p:cSld>
@@ -27397,31 +33064,33 @@
         </p:nvSpPr>
         <p:spPr/>
         <p:txBody>
-          <a:bodyPr/>
+          <a:bodyPr>
+            <a:normAutofit/>
+          </a:bodyPr>
           <a:lstStyle/>
           <a:p>
             <a:r>
-              <a:rPr lang="en-US" dirty="0"/>
+              <a:rPr lang="en-US" sz="2400" dirty="0"/>
               <a:t>This is great, and I can’t wait to implement it back home!</a:t>
             </a:r>
           </a:p>
           <a:p>
             <a:r>
-              <a:rPr lang="en-US" dirty="0"/>
+              <a:rPr lang="en-US" sz="2400" dirty="0"/>
               <a:t>I learned a lot about UDDTs, but I will continue to do things the way I currently insert data</a:t>
             </a:r>
           </a:p>
           <a:p>
             <a:r>
-              <a:rPr lang="en-US" dirty="0"/>
+              <a:rPr lang="en-US" sz="2400" dirty="0"/>
               <a:t>This is great because now I can effectively argue against this solution</a:t>
             </a:r>
           </a:p>
           <a:p>
-            <a:endParaRPr lang="en-US" dirty="0"/>
-          </a:p>
-          <a:p>
-            <a:endParaRPr lang="en-US" dirty="0"/>
+            <a:endParaRPr lang="en-US" sz="2400" dirty="0"/>
+          </a:p>
+          <a:p>
+            <a:endParaRPr lang="en-US" sz="2400" dirty="0"/>
           </a:p>
         </p:txBody>
       </p:sp>
@@ -30768,6 +36437,263 @@
 </file>
 
 <file path=ppt/theme/theme2.xml><?xml version="1.0" encoding="utf-8"?>
+<a:theme xmlns:a="http://schemas.openxmlformats.org/drawingml/2006/main" name="Facet">
+  <a:themeElements>
+    <a:clrScheme name="Facet">
+      <a:dk1>
+        <a:sysClr val="windowText" lastClr="000000"/>
+      </a:dk1>
+      <a:lt1>
+        <a:sysClr val="window" lastClr="FFFFFF"/>
+      </a:lt1>
+      <a:dk2>
+        <a:srgbClr val="2C3C43"/>
+      </a:dk2>
+      <a:lt2>
+        <a:srgbClr val="EBEBEB"/>
+      </a:lt2>
+      <a:accent1>
+        <a:srgbClr val="90C226"/>
+      </a:accent1>
+      <a:accent2>
+        <a:srgbClr val="54A021"/>
+      </a:accent2>
+      <a:accent3>
+        <a:srgbClr val="E6B91E"/>
+      </a:accent3>
+      <a:accent4>
+        <a:srgbClr val="E76618"/>
+      </a:accent4>
+      <a:accent5>
+        <a:srgbClr val="C42F1A"/>
+      </a:accent5>
+      <a:accent6>
+        <a:srgbClr val="918655"/>
+      </a:accent6>
+      <a:hlink>
+        <a:srgbClr val="99CA3C"/>
+      </a:hlink>
+      <a:folHlink>
+        <a:srgbClr val="B9D181"/>
+      </a:folHlink>
+    </a:clrScheme>
+    <a:fontScheme name="Facet">
+      <a:majorFont>
+        <a:latin typeface="Trebuchet MS" panose="020B0603020202020204"/>
+        <a:ea typeface=""/>
+        <a:cs typeface=""/>
+        <a:font script="Jpan" typeface="メイリオ"/>
+        <a:font script="Hang" typeface="맑은 고딕"/>
+        <a:font script="Hans" typeface="方正姚体"/>
+        <a:font script="Hant" typeface="微軟正黑體"/>
+        <a:font script="Arab" typeface="Tahoma"/>
+        <a:font script="Hebr" typeface="Arial"/>
+        <a:font script="Thai" typeface="Cordia New"/>
+        <a:font script="Ethi" typeface="Nyala"/>
+        <a:font script="Beng" typeface="Vrinda"/>
+        <a:font script="Gujr" typeface="Shruti"/>
+        <a:font script="Khmr" typeface="DaunPenh"/>
+        <a:font script="Knda" typeface="Tunga"/>
+        <a:font script="Guru" typeface="Raavi"/>
+        <a:font script="Cans" typeface="Euphemia"/>
+        <a:font script="Cher" typeface="Plantagenet Cherokee"/>
+        <a:font script="Yiii" typeface="Microsoft Yi Baiti"/>
+        <a:font script="Tibt" typeface="Microsoft Himalaya"/>
+        <a:font script="Thaa" typeface="MV Boli"/>
+        <a:font script="Deva" typeface="Mangal"/>
+        <a:font script="Telu" typeface="Gautami"/>
+        <a:font script="Taml" typeface="Latha"/>
+        <a:font script="Syrc" typeface="Estrangelo Edessa"/>
+        <a:font script="Orya" typeface="Kalinga"/>
+        <a:font script="Mlym" typeface="Kartika"/>
+        <a:font script="Laoo" typeface="DokChampa"/>
+        <a:font script="Sinh" typeface="Iskoola Pota"/>
+        <a:font script="Mong" typeface="Mongolian Baiti"/>
+        <a:font script="Viet" typeface="Tahoma"/>
+        <a:font script="Uigh" typeface="Microsoft Uighur"/>
+        <a:font script="Geor" typeface="Sylfaen"/>
+      </a:majorFont>
+      <a:minorFont>
+        <a:latin typeface="Trebuchet MS" panose="020B0603020202020204"/>
+        <a:ea typeface=""/>
+        <a:cs typeface=""/>
+        <a:font script="Jpan" typeface="メイリオ"/>
+        <a:font script="Hang" typeface="HY그래픽M"/>
+        <a:font script="Hans" typeface="华文新魏"/>
+        <a:font script="Hant" typeface="微軟正黑體"/>
+        <a:font script="Arab" typeface="Tahoma"/>
+        <a:font script="Hebr" typeface="Gisha"/>
+        <a:font script="Thai" typeface="IrisUPC"/>
+        <a:font script="Ethi" typeface="Nyala"/>
+        <a:font script="Beng" typeface="Vrinda"/>
+        <a:font script="Gujr" typeface="Shruti"/>
+        <a:font script="Khmr" typeface="DaunPenh"/>
+        <a:font script="Knda" typeface="Tunga"/>
+        <a:font script="Guru" typeface="Raavi"/>
+        <a:font script="Cans" typeface="Euphemia"/>
+        <a:font script="Cher" typeface="Plantagenet Cherokee"/>
+        <a:font script="Yiii" typeface="Microsoft Yi Baiti"/>
+        <a:font script="Tibt" typeface="Microsoft Himalaya"/>
+        <a:font script="Thaa" typeface="MV Boli"/>
+        <a:font script="Deva" typeface="Mangal"/>
+        <a:font script="Telu" typeface="Gautami"/>
+        <a:font script="Taml" typeface="Latha"/>
+        <a:font script="Syrc" typeface="Estrangelo Edessa"/>
+        <a:font script="Orya" typeface="Kalinga"/>
+        <a:font script="Mlym" typeface="Kartika"/>
+        <a:font script="Laoo" typeface="DokChampa"/>
+        <a:font script="Sinh" typeface="Iskoola Pota"/>
+        <a:font script="Mong" typeface="Mongolian Baiti"/>
+        <a:font script="Viet" typeface="Arial"/>
+        <a:font script="Uigh" typeface="Microsoft Uighur"/>
+        <a:font script="Geor" typeface="Sylfaen"/>
+      </a:minorFont>
+    </a:fontScheme>
+    <a:fmtScheme name="Facet">
+      <a:fillStyleLst>
+        <a:solidFill>
+          <a:schemeClr val="phClr"/>
+        </a:solidFill>
+        <a:gradFill rotWithShape="1">
+          <a:gsLst>
+            <a:gs pos="0">
+              <a:schemeClr val="phClr">
+                <a:tint val="65000"/>
+                <a:lumMod val="110000"/>
+              </a:schemeClr>
+            </a:gs>
+            <a:gs pos="88000">
+              <a:schemeClr val="phClr">
+                <a:tint val="90000"/>
+              </a:schemeClr>
+            </a:gs>
+          </a:gsLst>
+          <a:lin ang="5400000" scaled="0"/>
+        </a:gradFill>
+        <a:gradFill rotWithShape="1">
+          <a:gsLst>
+            <a:gs pos="0">
+              <a:schemeClr val="phClr">
+                <a:tint val="96000"/>
+                <a:lumMod val="100000"/>
+              </a:schemeClr>
+            </a:gs>
+            <a:gs pos="78000">
+              <a:schemeClr val="phClr">
+                <a:shade val="94000"/>
+                <a:lumMod val="94000"/>
+              </a:schemeClr>
+            </a:gs>
+          </a:gsLst>
+          <a:lin ang="5400000" scaled="0"/>
+        </a:gradFill>
+      </a:fillStyleLst>
+      <a:lnStyleLst>
+        <a:ln w="12700" cap="rnd" cmpd="sng" algn="ctr">
+          <a:solidFill>
+            <a:schemeClr val="phClr"/>
+          </a:solidFill>
+          <a:prstDash val="solid"/>
+        </a:ln>
+        <a:ln w="19050" cap="rnd" cmpd="sng" algn="ctr">
+          <a:solidFill>
+            <a:schemeClr val="phClr"/>
+          </a:solidFill>
+          <a:prstDash val="solid"/>
+        </a:ln>
+        <a:ln w="25400" cap="rnd" cmpd="sng" algn="ctr">
+          <a:solidFill>
+            <a:schemeClr val="phClr"/>
+          </a:solidFill>
+          <a:prstDash val="solid"/>
+        </a:ln>
+      </a:lnStyleLst>
+      <a:effectStyleLst>
+        <a:effectStyle>
+          <a:effectLst/>
+        </a:effectStyle>
+        <a:effectStyle>
+          <a:effectLst>
+            <a:outerShdw blurRad="38100" dist="25400" dir="5400000" rotWithShape="0">
+              <a:srgbClr val="000000">
+                <a:alpha val="35000"/>
+              </a:srgbClr>
+            </a:outerShdw>
+          </a:effectLst>
+        </a:effectStyle>
+        <a:effectStyle>
+          <a:effectLst>
+            <a:outerShdw blurRad="50800" dist="38100" dir="5400000" rotWithShape="0">
+              <a:srgbClr val="000000">
+                <a:alpha val="35000"/>
+              </a:srgbClr>
+            </a:outerShdw>
+          </a:effectLst>
+          <a:scene3d>
+            <a:camera prst="orthographicFront">
+              <a:rot lat="0" lon="0" rev="0"/>
+            </a:camera>
+            <a:lightRig rig="threePt" dir="tl"/>
+          </a:scene3d>
+          <a:sp3d prstMaterial="plastic">
+            <a:bevelT w="0" h="0"/>
+          </a:sp3d>
+        </a:effectStyle>
+      </a:effectStyleLst>
+      <a:bgFillStyleLst>
+        <a:solidFill>
+          <a:schemeClr val="phClr"/>
+        </a:solidFill>
+        <a:gradFill rotWithShape="1">
+          <a:gsLst>
+            <a:gs pos="0">
+              <a:schemeClr val="phClr">
+                <a:tint val="90000"/>
+                <a:lumMod val="104000"/>
+              </a:schemeClr>
+            </a:gs>
+            <a:gs pos="94000">
+              <a:schemeClr val="phClr">
+                <a:shade val="96000"/>
+                <a:lumMod val="82000"/>
+              </a:schemeClr>
+            </a:gs>
+          </a:gsLst>
+          <a:lin ang="5400000" scaled="0"/>
+        </a:gradFill>
+        <a:gradFill rotWithShape="1">
+          <a:gsLst>
+            <a:gs pos="0">
+              <a:schemeClr val="phClr">
+                <a:tint val="90000"/>
+                <a:lumMod val="110000"/>
+              </a:schemeClr>
+            </a:gs>
+            <a:gs pos="100000">
+              <a:schemeClr val="phClr">
+                <a:shade val="94000"/>
+                <a:lumMod val="96000"/>
+              </a:schemeClr>
+            </a:gs>
+          </a:gsLst>
+          <a:path path="circle">
+            <a:fillToRect l="50000" t="50000" r="100000" b="100000"/>
+          </a:path>
+        </a:gradFill>
+      </a:bgFillStyleLst>
+    </a:fmtScheme>
+  </a:themeElements>
+  <a:objectDefaults/>
+  <a:extraClrSchemeLst/>
+  <a:extLst>
+    <a:ext uri="{05A4C25C-085E-4340-85A3-A5531E510DB2}">
+      <thm15:themeFamily xmlns:thm15="http://schemas.microsoft.com/office/thememl/2012/main" name="Facet" id="{C0C680CD-088A-49FC-A102-D699147F32B2}" vid="{CFBC31BA-B70F-4F30-BCAA-4F3011E16C4D}"/>
+    </a:ext>
+  </a:extLst>
+</a:theme>
+</file>
+
+<file path=ppt/theme/theme3.xml><?xml version="1.0" encoding="utf-8"?>
 <a:theme xmlns:a="http://schemas.openxmlformats.org/drawingml/2006/main" name="Office Theme">
   <a:themeElements>
     <a:clrScheme name="Office">

--- a/Datatables_and_Dataframes_to_SQL_Procs/User-defined Table Types.pptx
+++ b/Datatables_and_Dataframes_to_SQL_Procs/User-defined Table Types.pptx
@@ -245,7 +245,7 @@
           <a:p>
             <a:fld id="{3E17F473-D930-40CF-A164-F39E2E601F13}" type="datetimeFigureOut">
               <a:rPr lang="en-US" smtClean="0"/>
-              <a:t>8/14/2023</a:t>
+              <a:t>8/17/2023</a:t>
             </a:fld>
             <a:endParaRPr lang="en-US"/>
           </a:p>
@@ -3689,7 +3689,7 @@
           <a:p>
             <a:fld id="{FAFDAFBD-AA74-4F39-B34D-B8A0CE5CD8B0}" type="datetimeFigureOut">
               <a:rPr lang="en-US" smtClean="0"/>
-              <a:t>8/14/2023</a:t>
+              <a:t>8/17/2023</a:t>
             </a:fld>
             <a:endParaRPr lang="en-US"/>
           </a:p>
@@ -3887,7 +3887,7 @@
           <a:p>
             <a:fld id="{FAFDAFBD-AA74-4F39-B34D-B8A0CE5CD8B0}" type="datetimeFigureOut">
               <a:rPr lang="en-US" smtClean="0"/>
-              <a:t>8/14/2023</a:t>
+              <a:t>8/17/2023</a:t>
             </a:fld>
             <a:endParaRPr lang="en-US"/>
           </a:p>
@@ -4095,7 +4095,7 @@
           <a:p>
             <a:fld id="{FAFDAFBD-AA74-4F39-B34D-B8A0CE5CD8B0}" type="datetimeFigureOut">
               <a:rPr lang="en-US" smtClean="0"/>
-              <a:t>8/14/2023</a:t>
+              <a:t>8/17/2023</a:t>
             </a:fld>
             <a:endParaRPr lang="en-US"/>
           </a:p>
@@ -4890,7 +4890,7 @@
           <a:p>
             <a:fld id="{FAFDAFBD-AA74-4F39-B34D-B8A0CE5CD8B0}" type="datetimeFigureOut">
               <a:rPr lang="en-US" smtClean="0"/>
-              <a:t>8/14/2023</a:t>
+              <a:t>8/17/2023</a:t>
             </a:fld>
             <a:endParaRPr lang="en-US"/>
           </a:p>
@@ -5066,7 +5066,7 @@
           <a:p>
             <a:fld id="{FAFDAFBD-AA74-4F39-B34D-B8A0CE5CD8B0}" type="datetimeFigureOut">
               <a:rPr lang="en-US" smtClean="0"/>
-              <a:t>8/14/2023</a:t>
+              <a:t>8/17/2023</a:t>
             </a:fld>
             <a:endParaRPr lang="en-US"/>
           </a:p>
@@ -5313,7 +5313,7 @@
           <a:p>
             <a:fld id="{FAFDAFBD-AA74-4F39-B34D-B8A0CE5CD8B0}" type="datetimeFigureOut">
               <a:rPr lang="en-US" smtClean="0"/>
-              <a:t>8/14/2023</a:t>
+              <a:t>8/17/2023</a:t>
             </a:fld>
             <a:endParaRPr lang="en-US"/>
           </a:p>
@@ -5545,7 +5545,7 @@
           <a:p>
             <a:fld id="{FAFDAFBD-AA74-4F39-B34D-B8A0CE5CD8B0}" type="datetimeFigureOut">
               <a:rPr lang="en-US" smtClean="0"/>
-              <a:t>8/14/2023</a:t>
+              <a:t>8/17/2023</a:t>
             </a:fld>
             <a:endParaRPr lang="en-US"/>
           </a:p>
@@ -5919,7 +5919,7 @@
           <a:p>
             <a:fld id="{FAFDAFBD-AA74-4F39-B34D-B8A0CE5CD8B0}" type="datetimeFigureOut">
               <a:rPr lang="en-US" smtClean="0"/>
-              <a:t>8/14/2023</a:t>
+              <a:t>8/17/2023</a:t>
             </a:fld>
             <a:endParaRPr lang="en-US"/>
           </a:p>
@@ -6042,7 +6042,7 @@
           <a:p>
             <a:fld id="{FAFDAFBD-AA74-4F39-B34D-B8A0CE5CD8B0}" type="datetimeFigureOut">
               <a:rPr lang="en-US" smtClean="0"/>
-              <a:t>8/14/2023</a:t>
+              <a:t>8/17/2023</a:t>
             </a:fld>
             <a:endParaRPr lang="en-US"/>
           </a:p>
@@ -6137,7 +6137,7 @@
           <a:p>
             <a:fld id="{FAFDAFBD-AA74-4F39-B34D-B8A0CE5CD8B0}" type="datetimeFigureOut">
               <a:rPr lang="en-US" smtClean="0"/>
-              <a:t>8/14/2023</a:t>
+              <a:t>8/17/2023</a:t>
             </a:fld>
             <a:endParaRPr lang="en-US"/>
           </a:p>
@@ -6392,7 +6392,7 @@
           <a:p>
             <a:fld id="{FAFDAFBD-AA74-4F39-B34D-B8A0CE5CD8B0}" type="datetimeFigureOut">
               <a:rPr lang="en-US" smtClean="0"/>
-              <a:t>8/14/2023</a:t>
+              <a:t>8/17/2023</a:t>
             </a:fld>
             <a:endParaRPr lang="en-US"/>
           </a:p>
@@ -6578,7 +6578,7 @@
           <a:p>
             <a:fld id="{FAFDAFBD-AA74-4F39-B34D-B8A0CE5CD8B0}" type="datetimeFigureOut">
               <a:rPr lang="en-US" smtClean="0"/>
-              <a:t>8/14/2023</a:t>
+              <a:t>8/17/2023</a:t>
             </a:fld>
             <a:endParaRPr lang="en-US"/>
           </a:p>
@@ -6853,7 +6853,7 @@
           <a:p>
             <a:fld id="{FAFDAFBD-AA74-4F39-B34D-B8A0CE5CD8B0}" type="datetimeFigureOut">
               <a:rPr lang="en-US" smtClean="0"/>
-              <a:t>8/14/2023</a:t>
+              <a:t>8/17/2023</a:t>
             </a:fld>
             <a:endParaRPr lang="en-US"/>
           </a:p>
@@ -7104,7 +7104,7 @@
           <a:p>
             <a:fld id="{FAFDAFBD-AA74-4F39-B34D-B8A0CE5CD8B0}" type="datetimeFigureOut">
               <a:rPr lang="en-US" smtClean="0"/>
-              <a:t>8/14/2023</a:t>
+              <a:t>8/17/2023</a:t>
             </a:fld>
             <a:endParaRPr lang="en-US"/>
           </a:p>
@@ -7418,7 +7418,7 @@
           <a:p>
             <a:fld id="{FAFDAFBD-AA74-4F39-B34D-B8A0CE5CD8B0}" type="datetimeFigureOut">
               <a:rPr lang="en-US" smtClean="0"/>
-              <a:t>8/14/2023</a:t>
+              <a:t>8/17/2023</a:t>
             </a:fld>
             <a:endParaRPr lang="en-US"/>
           </a:p>
@@ -7759,7 +7759,7 @@
           <a:p>
             <a:fld id="{FAFDAFBD-AA74-4F39-B34D-B8A0CE5CD8B0}" type="datetimeFigureOut">
               <a:rPr lang="en-US" smtClean="0"/>
-              <a:t>8/14/2023</a:t>
+              <a:t>8/17/2023</a:t>
             </a:fld>
             <a:endParaRPr lang="en-US"/>
           </a:p>
@@ -8073,7 +8073,7 @@
           <a:p>
             <a:fld id="{FAFDAFBD-AA74-4F39-B34D-B8A0CE5CD8B0}" type="datetimeFigureOut">
               <a:rPr lang="en-US" smtClean="0"/>
-              <a:t>8/14/2023</a:t>
+              <a:t>8/17/2023</a:t>
             </a:fld>
             <a:endParaRPr lang="en-US"/>
           </a:p>
@@ -8466,7 +8466,7 @@
           <a:p>
             <a:fld id="{FAFDAFBD-AA74-4F39-B34D-B8A0CE5CD8B0}" type="datetimeFigureOut">
               <a:rPr lang="en-US" smtClean="0"/>
-              <a:t>8/14/2023</a:t>
+              <a:t>8/17/2023</a:t>
             </a:fld>
             <a:endParaRPr lang="en-US"/>
           </a:p>
@@ -8636,7 +8636,7 @@
           <a:p>
             <a:fld id="{FAFDAFBD-AA74-4F39-B34D-B8A0CE5CD8B0}" type="datetimeFigureOut">
               <a:rPr lang="en-US" smtClean="0"/>
-              <a:t>8/14/2023</a:t>
+              <a:t>8/17/2023</a:t>
             </a:fld>
             <a:endParaRPr lang="en-US"/>
           </a:p>
@@ -8816,7 +8816,7 @@
           <a:p>
             <a:fld id="{FAFDAFBD-AA74-4F39-B34D-B8A0CE5CD8B0}" type="datetimeFigureOut">
               <a:rPr lang="en-US" smtClean="0"/>
-              <a:t>8/14/2023</a:t>
+              <a:t>8/17/2023</a:t>
             </a:fld>
             <a:endParaRPr lang="en-US"/>
           </a:p>
@@ -9079,7 +9079,7 @@
           <a:p>
             <a:fld id="{FAFDAFBD-AA74-4F39-B34D-B8A0CE5CD8B0}" type="datetimeFigureOut">
               <a:rPr lang="en-US" smtClean="0"/>
-              <a:t>8/14/2023</a:t>
+              <a:t>8/17/2023</a:t>
             </a:fld>
             <a:endParaRPr lang="en-US"/>
           </a:p>
@@ -9344,7 +9344,7 @@
           <a:p>
             <a:fld id="{FAFDAFBD-AA74-4F39-B34D-B8A0CE5CD8B0}" type="datetimeFigureOut">
               <a:rPr lang="en-US" smtClean="0"/>
-              <a:t>8/14/2023</a:t>
+              <a:t>8/17/2023</a:t>
             </a:fld>
             <a:endParaRPr lang="en-US"/>
           </a:p>
@@ -9756,7 +9756,7 @@
           <a:p>
             <a:fld id="{FAFDAFBD-AA74-4F39-B34D-B8A0CE5CD8B0}" type="datetimeFigureOut">
               <a:rPr lang="en-US" smtClean="0"/>
-              <a:t>8/14/2023</a:t>
+              <a:t>8/17/2023</a:t>
             </a:fld>
             <a:endParaRPr lang="en-US"/>
           </a:p>
@@ -9897,7 +9897,7 @@
           <a:p>
             <a:fld id="{FAFDAFBD-AA74-4F39-B34D-B8A0CE5CD8B0}" type="datetimeFigureOut">
               <a:rPr lang="en-US" smtClean="0"/>
-              <a:t>8/14/2023</a:t>
+              <a:t>8/17/2023</a:t>
             </a:fld>
             <a:endParaRPr lang="en-US"/>
           </a:p>
@@ -10010,7 +10010,7 @@
           <a:p>
             <a:fld id="{FAFDAFBD-AA74-4F39-B34D-B8A0CE5CD8B0}" type="datetimeFigureOut">
               <a:rPr lang="en-US" smtClean="0"/>
-              <a:t>8/14/2023</a:t>
+              <a:t>8/17/2023</a:t>
             </a:fld>
             <a:endParaRPr lang="en-US"/>
           </a:p>
@@ -10321,7 +10321,7 @@
           <a:p>
             <a:fld id="{FAFDAFBD-AA74-4F39-B34D-B8A0CE5CD8B0}" type="datetimeFigureOut">
               <a:rPr lang="en-US" smtClean="0"/>
-              <a:t>8/14/2023</a:t>
+              <a:t>8/17/2023</a:t>
             </a:fld>
             <a:endParaRPr lang="en-US"/>
           </a:p>
@@ -10609,7 +10609,7 @@
           <a:p>
             <a:fld id="{FAFDAFBD-AA74-4F39-B34D-B8A0CE5CD8B0}" type="datetimeFigureOut">
               <a:rPr lang="en-US" smtClean="0"/>
-              <a:t>8/14/2023</a:t>
+              <a:t>8/17/2023</a:t>
             </a:fld>
             <a:endParaRPr lang="en-US"/>
           </a:p>
@@ -10850,7 +10850,7 @@
           <a:p>
             <a:fld id="{FAFDAFBD-AA74-4F39-B34D-B8A0CE5CD8B0}" type="datetimeFigureOut">
               <a:rPr lang="en-US" smtClean="0"/>
-              <a:t>8/14/2023</a:t>
+              <a:t>8/17/2023</a:t>
             </a:fld>
             <a:endParaRPr lang="en-US"/>
           </a:p>
@@ -11932,7 +11932,7 @@
           <a:p>
             <a:fld id="{FAFDAFBD-AA74-4F39-B34D-B8A0CE5CD8B0}" type="datetimeFigureOut">
               <a:rPr lang="en-US" smtClean="0"/>
-              <a:t>8/14/2023</a:t>
+              <a:t>8/17/2023</a:t>
             </a:fld>
             <a:endParaRPr lang="en-US"/>
           </a:p>
@@ -13090,7 +13090,7 @@
                 </a:solidFill>
                 <a:latin typeface="Consolas" panose="020B0609020204030204" pitchFamily="49" charset="0"/>
               </a:rPr>
-              <a:t>...(Won’t fit on a screen. Let’s see it in SSMS)</a:t>
+              <a:t>...(T-SQL MERGE statement. Let’s see it in demo)</a:t>
             </a:r>
           </a:p>
           <a:p>
@@ -34749,10 +34749,10 @@
       </p:sp>
       <p:grpSp>
         <p:nvGrpSpPr>
-          <p:cNvPr id="2" name="Group 1">
+          <p:cNvPr id="4" name="Group 3">
             <a:extLst>
               <a:ext uri="{FF2B5EF4-FFF2-40B4-BE49-F238E27FC236}">
-                <a16:creationId xmlns:a16="http://schemas.microsoft.com/office/drawing/2014/main" id="{802352A1-B98A-1F5E-C54F-A5BDA0897808}"/>
+                <a16:creationId xmlns:a16="http://schemas.microsoft.com/office/drawing/2014/main" id="{177EF875-F0BC-16E9-35DD-F92EDF28776A}"/>
               </a:ext>
             </a:extLst>
           </p:cNvPr>
@@ -35230,10 +35230,10 @@
         </p:sp>
         <p:pic>
           <p:nvPicPr>
-            <p:cNvPr id="26" name="Picture 2" descr="Download Python 32 / 64-bit (Terbaru 2022)">
+            <p:cNvPr id="3" name="Picture 2" descr="Powershell Icon #48576 - Free Icons Library">
               <a:extLst>
                 <a:ext uri="{FF2B5EF4-FFF2-40B4-BE49-F238E27FC236}">
-                  <a16:creationId xmlns:a16="http://schemas.microsoft.com/office/drawing/2014/main" id="{48DEA83B-8A5B-C615-228C-0B23E84D6CBD}"/>
+                  <a16:creationId xmlns:a16="http://schemas.microsoft.com/office/drawing/2014/main" id="{E8BD3459-5F91-0198-1A33-ABBC92FCF208}"/>
                 </a:ext>
               </a:extLst>
             </p:cNvPr>
@@ -35243,7 +35243,7 @@
             <p:nvPr/>
           </p:nvPicPr>
           <p:blipFill>
-            <a:blip r:embed="rId5">
+            <a:blip r:embed="rId7">
               <a:extLst>
                 <a:ext uri="{28A0092B-C50C-407E-A947-70E740481C1C}">
                   <a14:useLocalDpi xmlns:a14="http://schemas.microsoft.com/office/drawing/2010/main" val="0"/>
@@ -35257,8 +35257,8 @@
           </p:blipFill>
           <p:spPr bwMode="auto">
             <a:xfrm>
-              <a:off x="3018901" y="4619249"/>
-              <a:ext cx="455818" cy="455818"/>
+              <a:off x="3018900" y="4619249"/>
+              <a:ext cx="538085" cy="538085"/>
             </a:xfrm>
             <a:prstGeom prst="rect">
               <a:avLst/>
@@ -35320,7 +35320,7 @@
                                           </p:stCondLst>
                                         </p:cTn>
                                         <p:tgtEl>
-                                          <p:spTgt spid="2"/>
+                                          <p:spTgt spid="4"/>
                                         </p:tgtEl>
                                         <p:attrNameLst>
                                           <p:attrName>style.visibility</p:attrName>

--- a/Datatables_and_Dataframes_to_SQL_Procs/User-defined Table Types.pptx
+++ b/Datatables_and_Dataframes_to_SQL_Procs/User-defined Table Types.pptx
@@ -245,7 +245,7 @@
           <a:p>
             <a:fld id="{3E17F473-D930-40CF-A164-F39E2E601F13}" type="datetimeFigureOut">
               <a:rPr lang="en-US" smtClean="0"/>
-              <a:t>8/17/2023</a:t>
+              <a:t>8/18/2023</a:t>
             </a:fld>
             <a:endParaRPr lang="en-US"/>
           </a:p>
@@ -3689,7 +3689,7 @@
           <a:p>
             <a:fld id="{FAFDAFBD-AA74-4F39-B34D-B8A0CE5CD8B0}" type="datetimeFigureOut">
               <a:rPr lang="en-US" smtClean="0"/>
-              <a:t>8/17/2023</a:t>
+              <a:t>8/18/2023</a:t>
             </a:fld>
             <a:endParaRPr lang="en-US"/>
           </a:p>
@@ -3887,7 +3887,7 @@
           <a:p>
             <a:fld id="{FAFDAFBD-AA74-4F39-B34D-B8A0CE5CD8B0}" type="datetimeFigureOut">
               <a:rPr lang="en-US" smtClean="0"/>
-              <a:t>8/17/2023</a:t>
+              <a:t>8/18/2023</a:t>
             </a:fld>
             <a:endParaRPr lang="en-US"/>
           </a:p>
@@ -4095,7 +4095,7 @@
           <a:p>
             <a:fld id="{FAFDAFBD-AA74-4F39-B34D-B8A0CE5CD8B0}" type="datetimeFigureOut">
               <a:rPr lang="en-US" smtClean="0"/>
-              <a:t>8/17/2023</a:t>
+              <a:t>8/18/2023</a:t>
             </a:fld>
             <a:endParaRPr lang="en-US"/>
           </a:p>
@@ -4890,7 +4890,7 @@
           <a:p>
             <a:fld id="{FAFDAFBD-AA74-4F39-B34D-B8A0CE5CD8B0}" type="datetimeFigureOut">
               <a:rPr lang="en-US" smtClean="0"/>
-              <a:t>8/17/2023</a:t>
+              <a:t>8/18/2023</a:t>
             </a:fld>
             <a:endParaRPr lang="en-US"/>
           </a:p>
@@ -5066,7 +5066,7 @@
           <a:p>
             <a:fld id="{FAFDAFBD-AA74-4F39-B34D-B8A0CE5CD8B0}" type="datetimeFigureOut">
               <a:rPr lang="en-US" smtClean="0"/>
-              <a:t>8/17/2023</a:t>
+              <a:t>8/18/2023</a:t>
             </a:fld>
             <a:endParaRPr lang="en-US"/>
           </a:p>
@@ -5313,7 +5313,7 @@
           <a:p>
             <a:fld id="{FAFDAFBD-AA74-4F39-B34D-B8A0CE5CD8B0}" type="datetimeFigureOut">
               <a:rPr lang="en-US" smtClean="0"/>
-              <a:t>8/17/2023</a:t>
+              <a:t>8/18/2023</a:t>
             </a:fld>
             <a:endParaRPr lang="en-US"/>
           </a:p>
@@ -5545,7 +5545,7 @@
           <a:p>
             <a:fld id="{FAFDAFBD-AA74-4F39-B34D-B8A0CE5CD8B0}" type="datetimeFigureOut">
               <a:rPr lang="en-US" smtClean="0"/>
-              <a:t>8/17/2023</a:t>
+              <a:t>8/18/2023</a:t>
             </a:fld>
             <a:endParaRPr lang="en-US"/>
           </a:p>
@@ -5919,7 +5919,7 @@
           <a:p>
             <a:fld id="{FAFDAFBD-AA74-4F39-B34D-B8A0CE5CD8B0}" type="datetimeFigureOut">
               <a:rPr lang="en-US" smtClean="0"/>
-              <a:t>8/17/2023</a:t>
+              <a:t>8/18/2023</a:t>
             </a:fld>
             <a:endParaRPr lang="en-US"/>
           </a:p>
@@ -6042,7 +6042,7 @@
           <a:p>
             <a:fld id="{FAFDAFBD-AA74-4F39-B34D-B8A0CE5CD8B0}" type="datetimeFigureOut">
               <a:rPr lang="en-US" smtClean="0"/>
-              <a:t>8/17/2023</a:t>
+              <a:t>8/18/2023</a:t>
             </a:fld>
             <a:endParaRPr lang="en-US"/>
           </a:p>
@@ -6137,7 +6137,7 @@
           <a:p>
             <a:fld id="{FAFDAFBD-AA74-4F39-B34D-B8A0CE5CD8B0}" type="datetimeFigureOut">
               <a:rPr lang="en-US" smtClean="0"/>
-              <a:t>8/17/2023</a:t>
+              <a:t>8/18/2023</a:t>
             </a:fld>
             <a:endParaRPr lang="en-US"/>
           </a:p>
@@ -6392,7 +6392,7 @@
           <a:p>
             <a:fld id="{FAFDAFBD-AA74-4F39-B34D-B8A0CE5CD8B0}" type="datetimeFigureOut">
               <a:rPr lang="en-US" smtClean="0"/>
-              <a:t>8/17/2023</a:t>
+              <a:t>8/18/2023</a:t>
             </a:fld>
             <a:endParaRPr lang="en-US"/>
           </a:p>
@@ -6578,7 +6578,7 @@
           <a:p>
             <a:fld id="{FAFDAFBD-AA74-4F39-B34D-B8A0CE5CD8B0}" type="datetimeFigureOut">
               <a:rPr lang="en-US" smtClean="0"/>
-              <a:t>8/17/2023</a:t>
+              <a:t>8/18/2023</a:t>
             </a:fld>
             <a:endParaRPr lang="en-US"/>
           </a:p>
@@ -6853,7 +6853,7 @@
           <a:p>
             <a:fld id="{FAFDAFBD-AA74-4F39-B34D-B8A0CE5CD8B0}" type="datetimeFigureOut">
               <a:rPr lang="en-US" smtClean="0"/>
-              <a:t>8/17/2023</a:t>
+              <a:t>8/18/2023</a:t>
             </a:fld>
             <a:endParaRPr lang="en-US"/>
           </a:p>
@@ -7104,7 +7104,7 @@
           <a:p>
             <a:fld id="{FAFDAFBD-AA74-4F39-B34D-B8A0CE5CD8B0}" type="datetimeFigureOut">
               <a:rPr lang="en-US" smtClean="0"/>
-              <a:t>8/17/2023</a:t>
+              <a:t>8/18/2023</a:t>
             </a:fld>
             <a:endParaRPr lang="en-US"/>
           </a:p>
@@ -7418,7 +7418,7 @@
           <a:p>
             <a:fld id="{FAFDAFBD-AA74-4F39-B34D-B8A0CE5CD8B0}" type="datetimeFigureOut">
               <a:rPr lang="en-US" smtClean="0"/>
-              <a:t>8/17/2023</a:t>
+              <a:t>8/18/2023</a:t>
             </a:fld>
             <a:endParaRPr lang="en-US"/>
           </a:p>
@@ -7759,7 +7759,7 @@
           <a:p>
             <a:fld id="{FAFDAFBD-AA74-4F39-B34D-B8A0CE5CD8B0}" type="datetimeFigureOut">
               <a:rPr lang="en-US" smtClean="0"/>
-              <a:t>8/17/2023</a:t>
+              <a:t>8/18/2023</a:t>
             </a:fld>
             <a:endParaRPr lang="en-US"/>
           </a:p>
@@ -8073,7 +8073,7 @@
           <a:p>
             <a:fld id="{FAFDAFBD-AA74-4F39-B34D-B8A0CE5CD8B0}" type="datetimeFigureOut">
               <a:rPr lang="en-US" smtClean="0"/>
-              <a:t>8/17/2023</a:t>
+              <a:t>8/18/2023</a:t>
             </a:fld>
             <a:endParaRPr lang="en-US"/>
           </a:p>
@@ -8466,7 +8466,7 @@
           <a:p>
             <a:fld id="{FAFDAFBD-AA74-4F39-B34D-B8A0CE5CD8B0}" type="datetimeFigureOut">
               <a:rPr lang="en-US" smtClean="0"/>
-              <a:t>8/17/2023</a:t>
+              <a:t>8/18/2023</a:t>
             </a:fld>
             <a:endParaRPr lang="en-US"/>
           </a:p>
@@ -8636,7 +8636,7 @@
           <a:p>
             <a:fld id="{FAFDAFBD-AA74-4F39-B34D-B8A0CE5CD8B0}" type="datetimeFigureOut">
               <a:rPr lang="en-US" smtClean="0"/>
-              <a:t>8/17/2023</a:t>
+              <a:t>8/18/2023</a:t>
             </a:fld>
             <a:endParaRPr lang="en-US"/>
           </a:p>
@@ -8816,7 +8816,7 @@
           <a:p>
             <a:fld id="{FAFDAFBD-AA74-4F39-B34D-B8A0CE5CD8B0}" type="datetimeFigureOut">
               <a:rPr lang="en-US" smtClean="0"/>
-              <a:t>8/17/2023</a:t>
+              <a:t>8/18/2023</a:t>
             </a:fld>
             <a:endParaRPr lang="en-US"/>
           </a:p>
@@ -9079,7 +9079,7 @@
           <a:p>
             <a:fld id="{FAFDAFBD-AA74-4F39-B34D-B8A0CE5CD8B0}" type="datetimeFigureOut">
               <a:rPr lang="en-US" smtClean="0"/>
-              <a:t>8/17/2023</a:t>
+              <a:t>8/18/2023</a:t>
             </a:fld>
             <a:endParaRPr lang="en-US"/>
           </a:p>
@@ -9344,7 +9344,7 @@
           <a:p>
             <a:fld id="{FAFDAFBD-AA74-4F39-B34D-B8A0CE5CD8B0}" type="datetimeFigureOut">
               <a:rPr lang="en-US" smtClean="0"/>
-              <a:t>8/17/2023</a:t>
+              <a:t>8/18/2023</a:t>
             </a:fld>
             <a:endParaRPr lang="en-US"/>
           </a:p>
@@ -9756,7 +9756,7 @@
           <a:p>
             <a:fld id="{FAFDAFBD-AA74-4F39-B34D-B8A0CE5CD8B0}" type="datetimeFigureOut">
               <a:rPr lang="en-US" smtClean="0"/>
-              <a:t>8/17/2023</a:t>
+              <a:t>8/18/2023</a:t>
             </a:fld>
             <a:endParaRPr lang="en-US"/>
           </a:p>
@@ -9897,7 +9897,7 @@
           <a:p>
             <a:fld id="{FAFDAFBD-AA74-4F39-B34D-B8A0CE5CD8B0}" type="datetimeFigureOut">
               <a:rPr lang="en-US" smtClean="0"/>
-              <a:t>8/17/2023</a:t>
+              <a:t>8/18/2023</a:t>
             </a:fld>
             <a:endParaRPr lang="en-US"/>
           </a:p>
@@ -10010,7 +10010,7 @@
           <a:p>
             <a:fld id="{FAFDAFBD-AA74-4F39-B34D-B8A0CE5CD8B0}" type="datetimeFigureOut">
               <a:rPr lang="en-US" smtClean="0"/>
-              <a:t>8/17/2023</a:t>
+              <a:t>8/18/2023</a:t>
             </a:fld>
             <a:endParaRPr lang="en-US"/>
           </a:p>
@@ -10321,7 +10321,7 @@
           <a:p>
             <a:fld id="{FAFDAFBD-AA74-4F39-B34D-B8A0CE5CD8B0}" type="datetimeFigureOut">
               <a:rPr lang="en-US" smtClean="0"/>
-              <a:t>8/17/2023</a:t>
+              <a:t>8/18/2023</a:t>
             </a:fld>
             <a:endParaRPr lang="en-US"/>
           </a:p>
@@ -10609,7 +10609,7 @@
           <a:p>
             <a:fld id="{FAFDAFBD-AA74-4F39-B34D-B8A0CE5CD8B0}" type="datetimeFigureOut">
               <a:rPr lang="en-US" smtClean="0"/>
-              <a:t>8/17/2023</a:t>
+              <a:t>8/18/2023</a:t>
             </a:fld>
             <a:endParaRPr lang="en-US"/>
           </a:p>
@@ -10850,7 +10850,7 @@
           <a:p>
             <a:fld id="{FAFDAFBD-AA74-4F39-B34D-B8A0CE5CD8B0}" type="datetimeFigureOut">
               <a:rPr lang="en-US" smtClean="0"/>
-              <a:t>8/17/2023</a:t>
+              <a:t>8/18/2023</a:t>
             </a:fld>
             <a:endParaRPr lang="en-US"/>
           </a:p>
@@ -11932,7 +11932,7 @@
           <a:p>
             <a:fld id="{FAFDAFBD-AA74-4F39-B34D-B8A0CE5CD8B0}" type="datetimeFigureOut">
               <a:rPr lang="en-US" smtClean="0"/>
-              <a:t>8/17/2023</a:t>
+              <a:t>8/18/2023</a:t>
             </a:fld>
             <a:endParaRPr lang="en-US"/>
           </a:p>
@@ -15657,7 +15657,7 @@
           <a:p>
             <a:r>
               <a:rPr lang="en-US" dirty="0"/>
-              <a:t>Life with UDDTs</a:t>
+              <a:t>Life with UDTTs</a:t>
             </a:r>
           </a:p>
         </p:txBody>
@@ -26696,7 +26696,7 @@
           <a:p>
             <a:r>
               <a:rPr lang="en-US" dirty="0"/>
-              <a:t>Performance-tuning a UDDT</a:t>
+              <a:t>Performance-tuning a UDTT</a:t>
             </a:r>
           </a:p>
         </p:txBody>
@@ -27102,7 +27102,7 @@
           <a:p>
             <a:r>
               <a:rPr lang="en-US" dirty="0"/>
-              <a:t>Performance-tuning a UDDT (steps)</a:t>
+              <a:t>Performance-tuning a UDTT (steps)</a:t>
             </a:r>
           </a:p>
         </p:txBody>
@@ -27903,7 +27903,7 @@
           <a:p>
             <a:r>
               <a:rPr lang="en-US" dirty="0"/>
-              <a:t>Performance-tuning a UDDT (steps)</a:t>
+              <a:t>Performance-tuning a UDTT (steps)</a:t>
             </a:r>
           </a:p>
         </p:txBody>
@@ -28589,7 +28589,7 @@
           <a:p>
             <a:r>
               <a:rPr lang="en-US" dirty="0"/>
-              <a:t>Performance-tuning a UDDT (steps)</a:t>
+              <a:t>Performance-tuning a UDTT (steps)</a:t>
             </a:r>
           </a:p>
         </p:txBody>
@@ -29387,7 +29387,7 @@
           <a:p>
             <a:r>
               <a:rPr lang="en-US" dirty="0"/>
-              <a:t>Performance-tuning a UDDT (steps)</a:t>
+              <a:t>Performance-tuning a UDTT (steps)</a:t>
             </a:r>
           </a:p>
         </p:txBody>
@@ -30106,7 +30106,7 @@
           <a:p>
             <a:r>
               <a:rPr lang="en-US" dirty="0"/>
-              <a:t>Performance-tuning a UDDT (steps)</a:t>
+              <a:t>Performance-tuning a UDTT (steps)</a:t>
             </a:r>
           </a:p>
         </p:txBody>
@@ -30555,7 +30555,7 @@
           <a:p>
             <a:r>
               <a:rPr lang="en-US" dirty="0"/>
-              <a:t>Performance-tuning a UDDT (steps)</a:t>
+              <a:t>Performance-tuning a UDTT (steps)</a:t>
             </a:r>
           </a:p>
         </p:txBody>
@@ -30947,7 +30947,7 @@
           <a:p>
             <a:r>
               <a:rPr lang="en-US" dirty="0"/>
-              <a:t>Performance-tuning a UDDT (steps)</a:t>
+              <a:t>Performance-tuning a UDTT (steps)</a:t>
             </a:r>
           </a:p>
         </p:txBody>
@@ -31623,7 +31623,7 @@
           <a:p>
             <a:r>
               <a:rPr lang="en-US" dirty="0"/>
-              <a:t>Performance-tuning a UDDT</a:t>
+              <a:t>Performance-tuning a UDTT</a:t>
             </a:r>
           </a:p>
         </p:txBody>
@@ -33077,7 +33077,15 @@
           <a:p>
             <a:r>
               <a:rPr lang="en-US" sz="2400" dirty="0"/>
-              <a:t>I learned a lot about UDDTs, but I will continue to do things the way I currently insert data</a:t>
+              <a:t>I learned a lot </a:t>
+            </a:r>
+            <a:r>
+              <a:rPr lang="en-US" sz="2400"/>
+              <a:t>about UDTTs</a:t>
+            </a:r>
+            <a:r>
+              <a:rPr lang="en-US" sz="2400" dirty="0"/>
+              <a:t>, but I will continue to do things the way I currently insert data</a:t>
             </a:r>
           </a:p>
           <a:p>
@@ -33224,7 +33232,7 @@
           <a:p>
             <a:r>
               <a:rPr lang="en-US" dirty="0"/>
-              <a:t>Life without UDDTs – Row-by-Agonizing-Row</a:t>
+              <a:t>Life without UDTTs – Row-by-Agonizing-Row</a:t>
             </a:r>
           </a:p>
         </p:txBody>

--- a/Datatables_and_Dataframes_to_SQL_Procs/User-defined Table Types.pptx
+++ b/Datatables_and_Dataframes_to_SQL_Procs/User-defined Table Types.pptx
@@ -249,7 +249,7 @@
           <a:p>
             <a:fld id="{3E17F473-D930-40CF-A164-F39E2E601F13}" type="datetimeFigureOut">
               <a:rPr lang="en-US" smtClean="0"/>
-              <a:t>8/22/2023</a:t>
+              <a:t>10/9/2023</a:t>
             </a:fld>
             <a:endParaRPr lang="en-US"/>
           </a:p>
@@ -1683,15 +1683,709 @@
           <a:lstStyle/>
           <a:p>
             <a:r>
-              <a:rPr lang="en-US" dirty="0"/>
-              <a:t>Should I be concerned with how much cost the inserts took?</a:t>
-            </a:r>
-          </a:p>
-          <a:p>
-            <a:r>
-              <a:rPr lang="en-US" dirty="0"/>
-              <a:t>Probably not, since these are a fixed cost. I cannot tune inserts into a table type.</a:t>
-            </a:r>
+              <a:rPr lang="en-US" sz="1200" dirty="0">
+                <a:solidFill>
+                  <a:srgbClr val="0000FF"/>
+                </a:solidFill>
+                <a:latin typeface="Consolas" panose="020B0609020204030204" pitchFamily="49" charset="0"/>
+              </a:rPr>
+              <a:t>declare</a:t>
+            </a:r>
+            <a:r>
+              <a:rPr lang="en-US" sz="1200" dirty="0">
+                <a:solidFill>
+                  <a:srgbClr val="000000"/>
+                </a:solidFill>
+                <a:latin typeface="Consolas" panose="020B0609020204030204" pitchFamily="49" charset="0"/>
+              </a:rPr>
+              <a:t> @p2 </a:t>
+            </a:r>
+            <a:r>
+              <a:rPr lang="en-US" sz="1200" dirty="0" err="1">
+                <a:solidFill>
+                  <a:srgbClr val="000000"/>
+                </a:solidFill>
+                <a:latin typeface="Consolas" panose="020B0609020204030204" pitchFamily="49" charset="0"/>
+              </a:rPr>
+              <a:t>dbo</a:t>
+            </a:r>
+            <a:r>
+              <a:rPr lang="en-US" sz="1200" dirty="0" err="1">
+                <a:solidFill>
+                  <a:srgbClr val="808080"/>
+                </a:solidFill>
+                <a:latin typeface="Consolas" panose="020B0609020204030204" pitchFamily="49" charset="0"/>
+              </a:rPr>
+              <a:t>.</a:t>
+            </a:r>
+            <a:r>
+              <a:rPr lang="en-US" sz="1200" dirty="0" err="1">
+                <a:solidFill>
+                  <a:srgbClr val="000000"/>
+                </a:solidFill>
+                <a:latin typeface="Consolas" panose="020B0609020204030204" pitchFamily="49" charset="0"/>
+              </a:rPr>
+              <a:t>Type_Measurements</a:t>
+            </a:r>
+            <a:endParaRPr lang="en-US" sz="1200" dirty="0">
+              <a:solidFill>
+                <a:srgbClr val="000000"/>
+              </a:solidFill>
+              <a:latin typeface="Consolas" panose="020B0609020204030204" pitchFamily="49" charset="0"/>
+            </a:endParaRPr>
+          </a:p>
+          <a:p>
+            <a:r>
+              <a:rPr lang="en-US" sz="1200" dirty="0">
+                <a:solidFill>
+                  <a:srgbClr val="0000FF"/>
+                </a:solidFill>
+                <a:latin typeface="Consolas" panose="020B0609020204030204" pitchFamily="49" charset="0"/>
+              </a:rPr>
+              <a:t>insert</a:t>
+            </a:r>
+            <a:r>
+              <a:rPr lang="en-US" sz="1200" dirty="0">
+                <a:solidFill>
+                  <a:srgbClr val="000000"/>
+                </a:solidFill>
+                <a:latin typeface="Consolas" panose="020B0609020204030204" pitchFamily="49" charset="0"/>
+              </a:rPr>
+              <a:t> </a:t>
+            </a:r>
+            <a:r>
+              <a:rPr lang="en-US" sz="1200" dirty="0">
+                <a:solidFill>
+                  <a:srgbClr val="0000FF"/>
+                </a:solidFill>
+                <a:latin typeface="Consolas" panose="020B0609020204030204" pitchFamily="49" charset="0"/>
+              </a:rPr>
+              <a:t>into</a:t>
+            </a:r>
+            <a:r>
+              <a:rPr lang="en-US" sz="1200" dirty="0">
+                <a:solidFill>
+                  <a:srgbClr val="000000"/>
+                </a:solidFill>
+                <a:latin typeface="Consolas" panose="020B0609020204030204" pitchFamily="49" charset="0"/>
+              </a:rPr>
+              <a:t> @p2 </a:t>
+            </a:r>
+            <a:r>
+              <a:rPr lang="en-US" sz="1200" dirty="0">
+                <a:solidFill>
+                  <a:srgbClr val="0000FF"/>
+                </a:solidFill>
+                <a:latin typeface="Consolas" panose="020B0609020204030204" pitchFamily="49" charset="0"/>
+              </a:rPr>
+              <a:t>values</a:t>
+            </a:r>
+            <a:r>
+              <a:rPr lang="en-US" sz="1200" dirty="0">
+                <a:solidFill>
+                  <a:srgbClr val="808080"/>
+                </a:solidFill>
+                <a:latin typeface="Consolas" panose="020B0609020204030204" pitchFamily="49" charset="0"/>
+              </a:rPr>
+              <a:t>(</a:t>
+            </a:r>
+            <a:r>
+              <a:rPr lang="en-US" sz="1200" dirty="0">
+                <a:solidFill>
+                  <a:srgbClr val="FF0000"/>
+                </a:solidFill>
+                <a:latin typeface="Consolas" panose="020B0609020204030204" pitchFamily="49" charset="0"/>
+              </a:rPr>
+              <a:t>N'K'</a:t>
+            </a:r>
+            <a:r>
+              <a:rPr lang="en-US" sz="1200" dirty="0">
+                <a:solidFill>
+                  <a:srgbClr val="808080"/>
+                </a:solidFill>
+                <a:latin typeface="Consolas" panose="020B0609020204030204" pitchFamily="49" charset="0"/>
+              </a:rPr>
+              <a:t>,</a:t>
+            </a:r>
+            <a:r>
+              <a:rPr lang="en-US" sz="1200" dirty="0">
+                <a:solidFill>
+                  <a:srgbClr val="000000"/>
+                </a:solidFill>
+                <a:latin typeface="Consolas" panose="020B0609020204030204" pitchFamily="49" charset="0"/>
+              </a:rPr>
+              <a:t>11</a:t>
+            </a:r>
+            <a:r>
+              <a:rPr lang="en-US" sz="1200" dirty="0">
+                <a:solidFill>
+                  <a:srgbClr val="808080"/>
+                </a:solidFill>
+                <a:latin typeface="Consolas" panose="020B0609020204030204" pitchFamily="49" charset="0"/>
+              </a:rPr>
+              <a:t>)</a:t>
+            </a:r>
+            <a:endParaRPr lang="en-US" sz="1200" dirty="0">
+              <a:solidFill>
+                <a:srgbClr val="000000"/>
+              </a:solidFill>
+              <a:latin typeface="Consolas" panose="020B0609020204030204" pitchFamily="49" charset="0"/>
+            </a:endParaRPr>
+          </a:p>
+          <a:p>
+            <a:r>
+              <a:rPr lang="en-US" sz="1200" dirty="0">
+                <a:solidFill>
+                  <a:srgbClr val="0000FF"/>
+                </a:solidFill>
+                <a:latin typeface="Consolas" panose="020B0609020204030204" pitchFamily="49" charset="0"/>
+              </a:rPr>
+              <a:t>insert</a:t>
+            </a:r>
+            <a:r>
+              <a:rPr lang="en-US" sz="1200" dirty="0">
+                <a:solidFill>
+                  <a:srgbClr val="000000"/>
+                </a:solidFill>
+                <a:latin typeface="Consolas" panose="020B0609020204030204" pitchFamily="49" charset="0"/>
+              </a:rPr>
+              <a:t> </a:t>
+            </a:r>
+            <a:r>
+              <a:rPr lang="en-US" sz="1200" dirty="0">
+                <a:solidFill>
+                  <a:srgbClr val="0000FF"/>
+                </a:solidFill>
+                <a:latin typeface="Consolas" panose="020B0609020204030204" pitchFamily="49" charset="0"/>
+              </a:rPr>
+              <a:t>into</a:t>
+            </a:r>
+            <a:r>
+              <a:rPr lang="en-US" sz="1200" dirty="0">
+                <a:solidFill>
+                  <a:srgbClr val="000000"/>
+                </a:solidFill>
+                <a:latin typeface="Consolas" panose="020B0609020204030204" pitchFamily="49" charset="0"/>
+              </a:rPr>
+              <a:t> @p2 </a:t>
+            </a:r>
+            <a:r>
+              <a:rPr lang="en-US" sz="1200" dirty="0">
+                <a:solidFill>
+                  <a:srgbClr val="0000FF"/>
+                </a:solidFill>
+                <a:latin typeface="Consolas" panose="020B0609020204030204" pitchFamily="49" charset="0"/>
+              </a:rPr>
+              <a:t>values</a:t>
+            </a:r>
+            <a:r>
+              <a:rPr lang="en-US" sz="1200" dirty="0">
+                <a:solidFill>
+                  <a:srgbClr val="808080"/>
+                </a:solidFill>
+                <a:latin typeface="Consolas" panose="020B0609020204030204" pitchFamily="49" charset="0"/>
+              </a:rPr>
+              <a:t>(</a:t>
+            </a:r>
+            <a:r>
+              <a:rPr lang="en-US" sz="1200" dirty="0">
+                <a:solidFill>
+                  <a:srgbClr val="FF0000"/>
+                </a:solidFill>
+                <a:latin typeface="Consolas" panose="020B0609020204030204" pitchFamily="49" charset="0"/>
+              </a:rPr>
+              <a:t>N'L'</a:t>
+            </a:r>
+            <a:r>
+              <a:rPr lang="en-US" sz="1200" dirty="0">
+                <a:solidFill>
+                  <a:srgbClr val="808080"/>
+                </a:solidFill>
+                <a:latin typeface="Consolas" panose="020B0609020204030204" pitchFamily="49" charset="0"/>
+              </a:rPr>
+              <a:t>,</a:t>
+            </a:r>
+            <a:r>
+              <a:rPr lang="en-US" sz="1200" dirty="0">
+                <a:solidFill>
+                  <a:srgbClr val="000000"/>
+                </a:solidFill>
+                <a:latin typeface="Consolas" panose="020B0609020204030204" pitchFamily="49" charset="0"/>
+              </a:rPr>
+              <a:t>12</a:t>
+            </a:r>
+            <a:r>
+              <a:rPr lang="en-US" sz="1200" dirty="0">
+                <a:solidFill>
+                  <a:srgbClr val="808080"/>
+                </a:solidFill>
+                <a:latin typeface="Consolas" panose="020B0609020204030204" pitchFamily="49" charset="0"/>
+              </a:rPr>
+              <a:t>)</a:t>
+            </a:r>
+            <a:endParaRPr lang="en-US" sz="1200" dirty="0">
+              <a:solidFill>
+                <a:srgbClr val="000000"/>
+              </a:solidFill>
+              <a:latin typeface="Consolas" panose="020B0609020204030204" pitchFamily="49" charset="0"/>
+            </a:endParaRPr>
+          </a:p>
+          <a:p>
+            <a:r>
+              <a:rPr lang="en-US" sz="1200" dirty="0">
+                <a:solidFill>
+                  <a:srgbClr val="0000FF"/>
+                </a:solidFill>
+                <a:latin typeface="Consolas" panose="020B0609020204030204" pitchFamily="49" charset="0"/>
+              </a:rPr>
+              <a:t>insert</a:t>
+            </a:r>
+            <a:r>
+              <a:rPr lang="en-US" sz="1200" dirty="0">
+                <a:solidFill>
+                  <a:srgbClr val="000000"/>
+                </a:solidFill>
+                <a:latin typeface="Consolas" panose="020B0609020204030204" pitchFamily="49" charset="0"/>
+              </a:rPr>
+              <a:t> </a:t>
+            </a:r>
+            <a:r>
+              <a:rPr lang="en-US" sz="1200" dirty="0">
+                <a:solidFill>
+                  <a:srgbClr val="0000FF"/>
+                </a:solidFill>
+                <a:latin typeface="Consolas" panose="020B0609020204030204" pitchFamily="49" charset="0"/>
+              </a:rPr>
+              <a:t>into</a:t>
+            </a:r>
+            <a:r>
+              <a:rPr lang="en-US" sz="1200" dirty="0">
+                <a:solidFill>
+                  <a:srgbClr val="000000"/>
+                </a:solidFill>
+                <a:latin typeface="Consolas" panose="020B0609020204030204" pitchFamily="49" charset="0"/>
+              </a:rPr>
+              <a:t> @p2 </a:t>
+            </a:r>
+            <a:r>
+              <a:rPr lang="en-US" sz="1200" dirty="0">
+                <a:solidFill>
+                  <a:srgbClr val="0000FF"/>
+                </a:solidFill>
+                <a:latin typeface="Consolas" panose="020B0609020204030204" pitchFamily="49" charset="0"/>
+              </a:rPr>
+              <a:t>values</a:t>
+            </a:r>
+            <a:r>
+              <a:rPr lang="en-US" sz="1200" dirty="0">
+                <a:solidFill>
+                  <a:srgbClr val="808080"/>
+                </a:solidFill>
+                <a:latin typeface="Consolas" panose="020B0609020204030204" pitchFamily="49" charset="0"/>
+              </a:rPr>
+              <a:t>(</a:t>
+            </a:r>
+            <a:r>
+              <a:rPr lang="en-US" sz="1200" dirty="0">
+                <a:solidFill>
+                  <a:srgbClr val="FF0000"/>
+                </a:solidFill>
+                <a:latin typeface="Consolas" panose="020B0609020204030204" pitchFamily="49" charset="0"/>
+              </a:rPr>
+              <a:t>N'M'</a:t>
+            </a:r>
+            <a:r>
+              <a:rPr lang="en-US" sz="1200" dirty="0">
+                <a:solidFill>
+                  <a:srgbClr val="808080"/>
+                </a:solidFill>
+                <a:latin typeface="Consolas" panose="020B0609020204030204" pitchFamily="49" charset="0"/>
+              </a:rPr>
+              <a:t>,</a:t>
+            </a:r>
+            <a:r>
+              <a:rPr lang="en-US" sz="1200" dirty="0">
+                <a:solidFill>
+                  <a:srgbClr val="000000"/>
+                </a:solidFill>
+                <a:latin typeface="Consolas" panose="020B0609020204030204" pitchFamily="49" charset="0"/>
+              </a:rPr>
+              <a:t>13</a:t>
+            </a:r>
+            <a:r>
+              <a:rPr lang="en-US" sz="1200" dirty="0">
+                <a:solidFill>
+                  <a:srgbClr val="808080"/>
+                </a:solidFill>
+                <a:latin typeface="Consolas" panose="020B0609020204030204" pitchFamily="49" charset="0"/>
+              </a:rPr>
+              <a:t>)</a:t>
+            </a:r>
+            <a:endParaRPr lang="en-US" sz="1200" dirty="0">
+              <a:solidFill>
+                <a:srgbClr val="000000"/>
+              </a:solidFill>
+              <a:latin typeface="Consolas" panose="020B0609020204030204" pitchFamily="49" charset="0"/>
+            </a:endParaRPr>
+          </a:p>
+          <a:p>
+            <a:r>
+              <a:rPr lang="en-US" sz="1200" dirty="0">
+                <a:solidFill>
+                  <a:srgbClr val="0000FF"/>
+                </a:solidFill>
+                <a:latin typeface="Consolas" panose="020B0609020204030204" pitchFamily="49" charset="0"/>
+              </a:rPr>
+              <a:t>insert</a:t>
+            </a:r>
+            <a:r>
+              <a:rPr lang="en-US" sz="1200" dirty="0">
+                <a:solidFill>
+                  <a:srgbClr val="000000"/>
+                </a:solidFill>
+                <a:latin typeface="Consolas" panose="020B0609020204030204" pitchFamily="49" charset="0"/>
+              </a:rPr>
+              <a:t> </a:t>
+            </a:r>
+            <a:r>
+              <a:rPr lang="en-US" sz="1200" dirty="0">
+                <a:solidFill>
+                  <a:srgbClr val="0000FF"/>
+                </a:solidFill>
+                <a:latin typeface="Consolas" panose="020B0609020204030204" pitchFamily="49" charset="0"/>
+              </a:rPr>
+              <a:t>into</a:t>
+            </a:r>
+            <a:r>
+              <a:rPr lang="en-US" sz="1200" dirty="0">
+                <a:solidFill>
+                  <a:srgbClr val="000000"/>
+                </a:solidFill>
+                <a:latin typeface="Consolas" panose="020B0609020204030204" pitchFamily="49" charset="0"/>
+              </a:rPr>
+              <a:t> @p2 </a:t>
+            </a:r>
+            <a:r>
+              <a:rPr lang="en-US" sz="1200" dirty="0">
+                <a:solidFill>
+                  <a:srgbClr val="0000FF"/>
+                </a:solidFill>
+                <a:latin typeface="Consolas" panose="020B0609020204030204" pitchFamily="49" charset="0"/>
+              </a:rPr>
+              <a:t>values</a:t>
+            </a:r>
+            <a:r>
+              <a:rPr lang="en-US" sz="1200" dirty="0">
+                <a:solidFill>
+                  <a:srgbClr val="808080"/>
+                </a:solidFill>
+                <a:latin typeface="Consolas" panose="020B0609020204030204" pitchFamily="49" charset="0"/>
+              </a:rPr>
+              <a:t>(</a:t>
+            </a:r>
+            <a:r>
+              <a:rPr lang="en-US" sz="1200" dirty="0">
+                <a:solidFill>
+                  <a:srgbClr val="FF0000"/>
+                </a:solidFill>
+                <a:latin typeface="Consolas" panose="020B0609020204030204" pitchFamily="49" charset="0"/>
+              </a:rPr>
+              <a:t>N'N'</a:t>
+            </a:r>
+            <a:r>
+              <a:rPr lang="en-US" sz="1200" dirty="0">
+                <a:solidFill>
+                  <a:srgbClr val="808080"/>
+                </a:solidFill>
+                <a:latin typeface="Consolas" panose="020B0609020204030204" pitchFamily="49" charset="0"/>
+              </a:rPr>
+              <a:t>,</a:t>
+            </a:r>
+            <a:r>
+              <a:rPr lang="en-US" sz="1200" dirty="0">
+                <a:solidFill>
+                  <a:srgbClr val="000000"/>
+                </a:solidFill>
+                <a:latin typeface="Consolas" panose="020B0609020204030204" pitchFamily="49" charset="0"/>
+              </a:rPr>
+              <a:t>14</a:t>
+            </a:r>
+            <a:r>
+              <a:rPr lang="en-US" sz="1200" dirty="0">
+                <a:solidFill>
+                  <a:srgbClr val="808080"/>
+                </a:solidFill>
+                <a:latin typeface="Consolas" panose="020B0609020204030204" pitchFamily="49" charset="0"/>
+              </a:rPr>
+              <a:t>)</a:t>
+            </a:r>
+            <a:endParaRPr lang="en-US" sz="1200" dirty="0">
+              <a:solidFill>
+                <a:srgbClr val="000000"/>
+              </a:solidFill>
+              <a:latin typeface="Consolas" panose="020B0609020204030204" pitchFamily="49" charset="0"/>
+            </a:endParaRPr>
+          </a:p>
+          <a:p>
+            <a:r>
+              <a:rPr lang="en-US" sz="1200" dirty="0">
+                <a:solidFill>
+                  <a:srgbClr val="0000FF"/>
+                </a:solidFill>
+                <a:latin typeface="Consolas" panose="020B0609020204030204" pitchFamily="49" charset="0"/>
+              </a:rPr>
+              <a:t>insert</a:t>
+            </a:r>
+            <a:r>
+              <a:rPr lang="en-US" sz="1200" dirty="0">
+                <a:solidFill>
+                  <a:srgbClr val="000000"/>
+                </a:solidFill>
+                <a:latin typeface="Consolas" panose="020B0609020204030204" pitchFamily="49" charset="0"/>
+              </a:rPr>
+              <a:t> </a:t>
+            </a:r>
+            <a:r>
+              <a:rPr lang="en-US" sz="1200" dirty="0">
+                <a:solidFill>
+                  <a:srgbClr val="0000FF"/>
+                </a:solidFill>
+                <a:latin typeface="Consolas" panose="020B0609020204030204" pitchFamily="49" charset="0"/>
+              </a:rPr>
+              <a:t>into</a:t>
+            </a:r>
+            <a:r>
+              <a:rPr lang="en-US" sz="1200" dirty="0">
+                <a:solidFill>
+                  <a:srgbClr val="000000"/>
+                </a:solidFill>
+                <a:latin typeface="Consolas" panose="020B0609020204030204" pitchFamily="49" charset="0"/>
+              </a:rPr>
+              <a:t> @p2 </a:t>
+            </a:r>
+            <a:r>
+              <a:rPr lang="en-US" sz="1200" dirty="0">
+                <a:solidFill>
+                  <a:srgbClr val="0000FF"/>
+                </a:solidFill>
+                <a:latin typeface="Consolas" panose="020B0609020204030204" pitchFamily="49" charset="0"/>
+              </a:rPr>
+              <a:t>values</a:t>
+            </a:r>
+            <a:r>
+              <a:rPr lang="en-US" sz="1200" dirty="0">
+                <a:solidFill>
+                  <a:srgbClr val="808080"/>
+                </a:solidFill>
+                <a:latin typeface="Consolas" panose="020B0609020204030204" pitchFamily="49" charset="0"/>
+              </a:rPr>
+              <a:t>(</a:t>
+            </a:r>
+            <a:r>
+              <a:rPr lang="en-US" sz="1200" dirty="0">
+                <a:solidFill>
+                  <a:srgbClr val="FF0000"/>
+                </a:solidFill>
+                <a:latin typeface="Consolas" panose="020B0609020204030204" pitchFamily="49" charset="0"/>
+              </a:rPr>
+              <a:t>N'O'</a:t>
+            </a:r>
+            <a:r>
+              <a:rPr lang="en-US" sz="1200" dirty="0">
+                <a:solidFill>
+                  <a:srgbClr val="808080"/>
+                </a:solidFill>
+                <a:latin typeface="Consolas" panose="020B0609020204030204" pitchFamily="49" charset="0"/>
+              </a:rPr>
+              <a:t>,</a:t>
+            </a:r>
+            <a:r>
+              <a:rPr lang="en-US" sz="1200" dirty="0">
+                <a:solidFill>
+                  <a:srgbClr val="000000"/>
+                </a:solidFill>
+                <a:latin typeface="Consolas" panose="020B0609020204030204" pitchFamily="49" charset="0"/>
+              </a:rPr>
+              <a:t>15</a:t>
+            </a:r>
+            <a:r>
+              <a:rPr lang="en-US" sz="1200" dirty="0">
+                <a:solidFill>
+                  <a:srgbClr val="808080"/>
+                </a:solidFill>
+                <a:latin typeface="Consolas" panose="020B0609020204030204" pitchFamily="49" charset="0"/>
+              </a:rPr>
+              <a:t>)</a:t>
+            </a:r>
+            <a:endParaRPr lang="en-US" sz="1200" dirty="0">
+              <a:solidFill>
+                <a:srgbClr val="000000"/>
+              </a:solidFill>
+              <a:latin typeface="Consolas" panose="020B0609020204030204" pitchFamily="49" charset="0"/>
+            </a:endParaRPr>
+          </a:p>
+          <a:p>
+            <a:endParaRPr lang="en-US" sz="1200" dirty="0">
+              <a:solidFill>
+                <a:srgbClr val="000000"/>
+              </a:solidFill>
+              <a:latin typeface="Consolas" panose="020B0609020204030204" pitchFamily="49" charset="0"/>
+            </a:endParaRPr>
+          </a:p>
+          <a:p>
+            <a:r>
+              <a:rPr lang="en-US" sz="1200" dirty="0">
+                <a:solidFill>
+                  <a:srgbClr val="0000FF"/>
+                </a:solidFill>
+                <a:latin typeface="Consolas" panose="020B0609020204030204" pitchFamily="49" charset="0"/>
+              </a:rPr>
+              <a:t>exec</a:t>
+            </a:r>
+            <a:r>
+              <a:rPr lang="en-US" sz="1200" dirty="0">
+                <a:solidFill>
+                  <a:srgbClr val="000000"/>
+                </a:solidFill>
+                <a:latin typeface="Consolas" panose="020B0609020204030204" pitchFamily="49" charset="0"/>
+              </a:rPr>
+              <a:t> [</a:t>
+            </a:r>
+            <a:r>
+              <a:rPr lang="en-US" sz="1200" dirty="0" err="1">
+                <a:solidFill>
+                  <a:srgbClr val="000000"/>
+                </a:solidFill>
+                <a:latin typeface="Consolas" panose="020B0609020204030204" pitchFamily="49" charset="0"/>
+              </a:rPr>
+              <a:t>dbo</a:t>
+            </a:r>
+            <a:r>
+              <a:rPr lang="en-US" sz="1200" dirty="0">
+                <a:solidFill>
+                  <a:srgbClr val="000000"/>
+                </a:solidFill>
+                <a:latin typeface="Consolas" panose="020B0609020204030204" pitchFamily="49" charset="0"/>
+              </a:rPr>
+              <a:t>]</a:t>
+            </a:r>
+            <a:r>
+              <a:rPr lang="en-US" sz="1200" dirty="0">
+                <a:solidFill>
+                  <a:srgbClr val="808080"/>
+                </a:solidFill>
+                <a:latin typeface="Consolas" panose="020B0609020204030204" pitchFamily="49" charset="0"/>
+              </a:rPr>
+              <a:t>.</a:t>
+            </a:r>
+            <a:r>
+              <a:rPr lang="en-US" sz="1200" dirty="0">
+                <a:solidFill>
+                  <a:srgbClr val="000000"/>
+                </a:solidFill>
+                <a:latin typeface="Consolas" panose="020B0609020204030204" pitchFamily="49" charset="0"/>
+              </a:rPr>
+              <a:t>[</a:t>
+            </a:r>
+            <a:r>
+              <a:rPr lang="en-US" sz="1200" dirty="0" err="1">
+                <a:solidFill>
+                  <a:srgbClr val="000000"/>
+                </a:solidFill>
+                <a:latin typeface="Consolas" panose="020B0609020204030204" pitchFamily="49" charset="0"/>
+              </a:rPr>
+              <a:t>usp_Measurements_Upsert</a:t>
+            </a:r>
+            <a:r>
+              <a:rPr lang="en-US" sz="1200" dirty="0">
+                <a:solidFill>
+                  <a:srgbClr val="000000"/>
+                </a:solidFill>
+                <a:latin typeface="Consolas" panose="020B0609020204030204" pitchFamily="49" charset="0"/>
+              </a:rPr>
+              <a:t>]</a:t>
+            </a:r>
+            <a:r>
+              <a:rPr lang="en-US" sz="1200" dirty="0">
+                <a:solidFill>
+                  <a:srgbClr val="0000FF"/>
+                </a:solidFill>
+                <a:latin typeface="Consolas" panose="020B0609020204030204" pitchFamily="49" charset="0"/>
+              </a:rPr>
+              <a:t> </a:t>
+            </a:r>
+            <a:r>
+              <a:rPr lang="en-US" sz="1200" dirty="0">
+                <a:solidFill>
+                  <a:srgbClr val="000000"/>
+                </a:solidFill>
+                <a:latin typeface="Consolas" panose="020B0609020204030204" pitchFamily="49" charset="0"/>
+              </a:rPr>
+              <a:t>@LocationCode</a:t>
+            </a:r>
+            <a:r>
+              <a:rPr lang="en-US" sz="1200" dirty="0">
+                <a:solidFill>
+                  <a:srgbClr val="808080"/>
+                </a:solidFill>
+                <a:latin typeface="Consolas" panose="020B0609020204030204" pitchFamily="49" charset="0"/>
+              </a:rPr>
+              <a:t>=</a:t>
+            </a:r>
+            <a:r>
+              <a:rPr lang="en-US" sz="1200" dirty="0">
+                <a:solidFill>
+                  <a:srgbClr val="000000"/>
+                </a:solidFill>
+                <a:latin typeface="Consolas" panose="020B0609020204030204" pitchFamily="49" charset="0"/>
+              </a:rPr>
+              <a:t>2</a:t>
+            </a:r>
+            <a:r>
+              <a:rPr lang="en-US" sz="1200" dirty="0">
+                <a:solidFill>
+                  <a:srgbClr val="808080"/>
+                </a:solidFill>
+                <a:latin typeface="Consolas" panose="020B0609020204030204" pitchFamily="49" charset="0"/>
+              </a:rPr>
+              <a:t>,</a:t>
+            </a:r>
+            <a:r>
+              <a:rPr lang="en-US" sz="1200" dirty="0">
+                <a:solidFill>
+                  <a:srgbClr val="000000"/>
+                </a:solidFill>
+                <a:latin typeface="Consolas" panose="020B0609020204030204" pitchFamily="49" charset="0"/>
+              </a:rPr>
+              <a:t>@dt_Measurements</a:t>
+            </a:r>
+            <a:r>
+              <a:rPr lang="en-US" sz="1200" dirty="0">
+                <a:solidFill>
+                  <a:srgbClr val="808080"/>
+                </a:solidFill>
+                <a:latin typeface="Consolas" panose="020B0609020204030204" pitchFamily="49" charset="0"/>
+              </a:rPr>
+              <a:t>=</a:t>
+            </a:r>
+            <a:r>
+              <a:rPr lang="en-US" sz="1200" dirty="0">
+                <a:solidFill>
+                  <a:srgbClr val="000000"/>
+                </a:solidFill>
+                <a:latin typeface="Consolas" panose="020B0609020204030204" pitchFamily="49" charset="0"/>
+              </a:rPr>
+              <a:t>@p2</a:t>
+            </a:r>
+            <a:endParaRPr lang="en-US" dirty="0">
+              <a:solidFill>
+                <a:srgbClr val="000000"/>
+              </a:solidFill>
+              <a:latin typeface="Consolas" panose="020B0609020204030204" pitchFamily="49" charset="0"/>
+            </a:endParaRPr>
+          </a:p>
+          <a:p>
+            <a:endParaRPr lang="en-US" dirty="0"/>
           </a:p>
         </p:txBody>
       </p:sp>
@@ -1712,7 +2406,7 @@
           <a:p>
             <a:fld id="{2CD9D0CF-7A5F-42A2-8CCA-4A796DEC5511}" type="slidenum">
               <a:rPr lang="en-US" smtClean="0"/>
-              <a:t>35</a:t>
+              <a:t>27</a:t>
             </a:fld>
             <a:endParaRPr lang="en-US"/>
           </a:p>
@@ -1721,7 +2415,7 @@
     </p:spTree>
     <p:extLst>
       <p:ext uri="{BB962C8B-B14F-4D97-AF65-F5344CB8AC3E}">
-        <p14:creationId xmlns:p14="http://schemas.microsoft.com/office/powerpoint/2010/main" val="2161513194"/>
+        <p14:creationId xmlns:p14="http://schemas.microsoft.com/office/powerpoint/2010/main" val="79803773"/>
       </p:ext>
     </p:extLst>
   </p:cSld>
@@ -1775,7 +2469,16 @@
           <a:bodyPr/>
           <a:lstStyle/>
           <a:p>
-            <a:endParaRPr lang="en-US" dirty="0"/>
+            <a:r>
+              <a:rPr lang="en-US" dirty="0"/>
+              <a:t>Should I be concerned with how much cost the inserts took?</a:t>
+            </a:r>
+          </a:p>
+          <a:p>
+            <a:r>
+              <a:rPr lang="en-US" dirty="0"/>
+              <a:t>Probably not, since these are a fixed cost. I cannot tune inserts into a table type.</a:t>
+            </a:r>
           </a:p>
         </p:txBody>
       </p:sp>
@@ -1796,7 +2499,7 @@
           <a:p>
             <a:fld id="{2CD9D0CF-7A5F-42A2-8CCA-4A796DEC5511}" type="slidenum">
               <a:rPr lang="en-US" smtClean="0"/>
-              <a:t>36</a:t>
+              <a:t>35</a:t>
             </a:fld>
             <a:endParaRPr lang="en-US"/>
           </a:p>
@@ -1805,7 +2508,7 @@
     </p:spTree>
     <p:extLst>
       <p:ext uri="{BB962C8B-B14F-4D97-AF65-F5344CB8AC3E}">
-        <p14:creationId xmlns:p14="http://schemas.microsoft.com/office/powerpoint/2010/main" val="103978345"/>
+        <p14:creationId xmlns:p14="http://schemas.microsoft.com/office/powerpoint/2010/main" val="2161513194"/>
       </p:ext>
     </p:extLst>
   </p:cSld>
@@ -1880,6 +2583,90 @@
           <a:p>
             <a:fld id="{2CD9D0CF-7A5F-42A2-8CCA-4A796DEC5511}" type="slidenum">
               <a:rPr lang="en-US" smtClean="0"/>
+              <a:t>36</a:t>
+            </a:fld>
+            <a:endParaRPr lang="en-US"/>
+          </a:p>
+        </p:txBody>
+      </p:sp>
+    </p:spTree>
+    <p:extLst>
+      <p:ext uri="{BB962C8B-B14F-4D97-AF65-F5344CB8AC3E}">
+        <p14:creationId xmlns:p14="http://schemas.microsoft.com/office/powerpoint/2010/main" val="103978345"/>
+      </p:ext>
+    </p:extLst>
+  </p:cSld>
+  <p:clrMapOvr>
+    <a:masterClrMapping/>
+  </p:clrMapOvr>
+</p:notes>
+</file>
+
+<file path=ppt/notesSlides/notesSlide23.xml><?xml version="1.0" encoding="utf-8"?>
+<p:notes xmlns:a="http://schemas.openxmlformats.org/drawingml/2006/main" xmlns:r="http://schemas.openxmlformats.org/officeDocument/2006/relationships" xmlns:p="http://schemas.openxmlformats.org/presentationml/2006/main">
+  <p:cSld>
+    <p:spTree>
+      <p:nvGrpSpPr>
+        <p:cNvPr id="1" name=""/>
+        <p:cNvGrpSpPr/>
+        <p:nvPr/>
+      </p:nvGrpSpPr>
+      <p:grpSpPr>
+        <a:xfrm>
+          <a:off x="0" y="0"/>
+          <a:ext cx="0" cy="0"/>
+          <a:chOff x="0" y="0"/>
+          <a:chExt cx="0" cy="0"/>
+        </a:xfrm>
+      </p:grpSpPr>
+      <p:sp>
+        <p:nvSpPr>
+          <p:cNvPr id="2" name="Slide Image Placeholder 1"/>
+          <p:cNvSpPr>
+            <a:spLocks noGrp="1" noRot="1" noChangeAspect="1"/>
+          </p:cNvSpPr>
+          <p:nvPr>
+            <p:ph type="sldImg"/>
+          </p:nvPr>
+        </p:nvSpPr>
+        <p:spPr/>
+      </p:sp>
+      <p:sp>
+        <p:nvSpPr>
+          <p:cNvPr id="3" name="Notes Placeholder 2"/>
+          <p:cNvSpPr>
+            <a:spLocks noGrp="1"/>
+          </p:cNvSpPr>
+          <p:nvPr>
+            <p:ph type="body" idx="1"/>
+          </p:nvPr>
+        </p:nvSpPr>
+        <p:spPr/>
+        <p:txBody>
+          <a:bodyPr/>
+          <a:lstStyle/>
+          <a:p>
+            <a:endParaRPr lang="en-US" dirty="0"/>
+          </a:p>
+        </p:txBody>
+      </p:sp>
+      <p:sp>
+        <p:nvSpPr>
+          <p:cNvPr id="4" name="Slide Number Placeholder 3"/>
+          <p:cNvSpPr>
+            <a:spLocks noGrp="1"/>
+          </p:cNvSpPr>
+          <p:nvPr>
+            <p:ph type="sldNum" sz="quarter" idx="5"/>
+          </p:nvPr>
+        </p:nvSpPr>
+        <p:spPr/>
+        <p:txBody>
+          <a:bodyPr/>
+          <a:lstStyle/>
+          <a:p>
+            <a:fld id="{2CD9D0CF-7A5F-42A2-8CCA-4A796DEC5511}" type="slidenum">
+              <a:rPr lang="en-US" smtClean="0"/>
               <a:t>37</a:t>
             </a:fld>
             <a:endParaRPr lang="en-US"/>
@@ -1899,7 +2686,7 @@
 </p:notes>
 </file>
 
-<file path=ppt/notesSlides/notesSlide23.xml><?xml version="1.0" encoding="utf-8"?>
+<file path=ppt/notesSlides/notesSlide24.xml><?xml version="1.0" encoding="utf-8"?>
 <p:notes xmlns:a="http://schemas.openxmlformats.org/drawingml/2006/main" xmlns:r="http://schemas.openxmlformats.org/officeDocument/2006/relationships" xmlns:p="http://schemas.openxmlformats.org/presentationml/2006/main">
   <p:cSld>
     <p:spTree>
@@ -2697,516 +3484,6 @@
           <a:bodyPr/>
           <a:lstStyle/>
           <a:p>
-            <a:r>
-              <a:rPr lang="en-US" dirty="0"/>
-              <a:t>The T-SQL MERGE statement will not work for this scenario.</a:t>
-            </a:r>
-          </a:p>
-          <a:p>
-            <a:endParaRPr lang="en-US" dirty="0"/>
-          </a:p>
-          <a:p>
-            <a:r>
-              <a:rPr lang="en-US" sz="1800" dirty="0">
-                <a:solidFill>
-                  <a:srgbClr val="0000FF"/>
-                </a:solidFill>
-                <a:latin typeface="Consolas" panose="020B0609020204030204" pitchFamily="49" charset="0"/>
-              </a:rPr>
-              <a:t>MERGE</a:t>
-            </a:r>
-            <a:r>
-              <a:rPr lang="en-US" sz="1800" dirty="0">
-                <a:solidFill>
-                  <a:srgbClr val="000000"/>
-                </a:solidFill>
-                <a:latin typeface="Consolas" panose="020B0609020204030204" pitchFamily="49" charset="0"/>
-              </a:rPr>
-              <a:t> </a:t>
-            </a:r>
-            <a:r>
-              <a:rPr lang="en-US" sz="1800" dirty="0" err="1">
-                <a:solidFill>
-                  <a:srgbClr val="000000"/>
-                </a:solidFill>
-                <a:latin typeface="Consolas" panose="020B0609020204030204" pitchFamily="49" charset="0"/>
-              </a:rPr>
-              <a:t>dbo</a:t>
-            </a:r>
-            <a:r>
-              <a:rPr lang="en-US" sz="1800" dirty="0" err="1">
-                <a:solidFill>
-                  <a:srgbClr val="808080"/>
-                </a:solidFill>
-                <a:latin typeface="Consolas" panose="020B0609020204030204" pitchFamily="49" charset="0"/>
-              </a:rPr>
-              <a:t>.</a:t>
-            </a:r>
-            <a:r>
-              <a:rPr lang="en-US" sz="1800" dirty="0" err="1">
-                <a:solidFill>
-                  <a:srgbClr val="000000"/>
-                </a:solidFill>
-                <a:latin typeface="Consolas" panose="020B0609020204030204" pitchFamily="49" charset="0"/>
-              </a:rPr>
-              <a:t>Measurements</a:t>
-            </a:r>
-            <a:r>
-              <a:rPr lang="en-US" sz="1800" dirty="0">
-                <a:solidFill>
-                  <a:srgbClr val="000000"/>
-                </a:solidFill>
-                <a:latin typeface="Consolas" panose="020B0609020204030204" pitchFamily="49" charset="0"/>
-              </a:rPr>
-              <a:t> </a:t>
-            </a:r>
-            <a:r>
-              <a:rPr lang="en-US" sz="1800" dirty="0">
-                <a:solidFill>
-                  <a:srgbClr val="0000FF"/>
-                </a:solidFill>
-                <a:latin typeface="Consolas" panose="020B0609020204030204" pitchFamily="49" charset="0"/>
-              </a:rPr>
-              <a:t>AS</a:t>
-            </a:r>
-            <a:r>
-              <a:rPr lang="en-US" sz="1800" dirty="0">
-                <a:solidFill>
-                  <a:srgbClr val="000000"/>
-                </a:solidFill>
-                <a:latin typeface="Consolas" panose="020B0609020204030204" pitchFamily="49" charset="0"/>
-              </a:rPr>
-              <a:t> </a:t>
-            </a:r>
-            <a:r>
-              <a:rPr lang="en-US" sz="1800" dirty="0" err="1">
-                <a:solidFill>
-                  <a:srgbClr val="000000"/>
-                </a:solidFill>
-                <a:latin typeface="Consolas" panose="020B0609020204030204" pitchFamily="49" charset="0"/>
-              </a:rPr>
-              <a:t>tgt</a:t>
-            </a:r>
-            <a:endParaRPr lang="en-US" sz="1800" dirty="0">
-              <a:solidFill>
-                <a:srgbClr val="000000"/>
-              </a:solidFill>
-              <a:latin typeface="Consolas" panose="020B0609020204030204" pitchFamily="49" charset="0"/>
-            </a:endParaRPr>
-          </a:p>
-          <a:p>
-            <a:r>
-              <a:rPr lang="en-US" sz="1800" dirty="0">
-                <a:solidFill>
-                  <a:srgbClr val="0000FF"/>
-                </a:solidFill>
-                <a:latin typeface="Consolas" panose="020B0609020204030204" pitchFamily="49" charset="0"/>
-              </a:rPr>
-              <a:t>USING</a:t>
-            </a:r>
-            <a:r>
-              <a:rPr lang="en-US" sz="1800" dirty="0">
-                <a:solidFill>
-                  <a:srgbClr val="000000"/>
-                </a:solidFill>
-                <a:latin typeface="Consolas" panose="020B0609020204030204" pitchFamily="49" charset="0"/>
-              </a:rPr>
-              <a:t> @dt_Measurements </a:t>
-            </a:r>
-            <a:r>
-              <a:rPr lang="en-US" sz="1800" dirty="0">
-                <a:solidFill>
-                  <a:srgbClr val="0000FF"/>
-                </a:solidFill>
-                <a:latin typeface="Consolas" panose="020B0609020204030204" pitchFamily="49" charset="0"/>
-              </a:rPr>
-              <a:t>AS</a:t>
-            </a:r>
-            <a:r>
-              <a:rPr lang="en-US" sz="1800" dirty="0">
-                <a:solidFill>
-                  <a:srgbClr val="000000"/>
-                </a:solidFill>
-                <a:latin typeface="Consolas" panose="020B0609020204030204" pitchFamily="49" charset="0"/>
-              </a:rPr>
-              <a:t> </a:t>
-            </a:r>
-            <a:r>
-              <a:rPr lang="en-US" sz="1800" dirty="0" err="1">
-                <a:solidFill>
-                  <a:srgbClr val="000000"/>
-                </a:solidFill>
-                <a:latin typeface="Consolas" panose="020B0609020204030204" pitchFamily="49" charset="0"/>
-              </a:rPr>
-              <a:t>src</a:t>
-            </a:r>
-            <a:endParaRPr lang="en-US" sz="1800" dirty="0">
-              <a:solidFill>
-                <a:srgbClr val="000000"/>
-              </a:solidFill>
-              <a:latin typeface="Consolas" panose="020B0609020204030204" pitchFamily="49" charset="0"/>
-            </a:endParaRPr>
-          </a:p>
-          <a:p>
-            <a:r>
-              <a:rPr lang="en-US" sz="1800" dirty="0">
-                <a:solidFill>
-                  <a:srgbClr val="0000FF"/>
-                </a:solidFill>
-                <a:latin typeface="Consolas" panose="020B0609020204030204" pitchFamily="49" charset="0"/>
-              </a:rPr>
-              <a:t>ON </a:t>
-            </a:r>
-            <a:r>
-              <a:rPr lang="en-US" sz="1800" dirty="0">
-                <a:solidFill>
-                  <a:srgbClr val="808080"/>
-                </a:solidFill>
-                <a:latin typeface="Consolas" panose="020B0609020204030204" pitchFamily="49" charset="0"/>
-              </a:rPr>
-              <a:t>(</a:t>
-            </a:r>
-            <a:r>
-              <a:rPr lang="en-US" sz="1800" dirty="0" err="1">
-                <a:solidFill>
-                  <a:srgbClr val="000000"/>
-                </a:solidFill>
-                <a:latin typeface="Consolas" panose="020B0609020204030204" pitchFamily="49" charset="0"/>
-              </a:rPr>
-              <a:t>tgt</a:t>
-            </a:r>
-            <a:r>
-              <a:rPr lang="en-US" sz="1800" dirty="0" err="1">
-                <a:solidFill>
-                  <a:srgbClr val="808080"/>
-                </a:solidFill>
-                <a:latin typeface="Consolas" panose="020B0609020204030204" pitchFamily="49" charset="0"/>
-              </a:rPr>
-              <a:t>.</a:t>
-            </a:r>
-            <a:r>
-              <a:rPr lang="en-US" sz="1800" dirty="0" err="1">
-                <a:solidFill>
-                  <a:srgbClr val="000000"/>
-                </a:solidFill>
-                <a:latin typeface="Consolas" panose="020B0609020204030204" pitchFamily="49" charset="0"/>
-              </a:rPr>
-              <a:t>LocationCode</a:t>
-            </a:r>
-            <a:r>
-              <a:rPr lang="en-US" sz="1800" dirty="0">
-                <a:solidFill>
-                  <a:srgbClr val="000000"/>
-                </a:solidFill>
-                <a:latin typeface="Consolas" panose="020B0609020204030204" pitchFamily="49" charset="0"/>
-              </a:rPr>
-              <a:t> </a:t>
-            </a:r>
-            <a:r>
-              <a:rPr lang="en-US" sz="1800" dirty="0">
-                <a:solidFill>
-                  <a:srgbClr val="808080"/>
-                </a:solidFill>
-                <a:latin typeface="Consolas" panose="020B0609020204030204" pitchFamily="49" charset="0"/>
-              </a:rPr>
-              <a:t>=</a:t>
-            </a:r>
-            <a:r>
-              <a:rPr lang="en-US" sz="1800" dirty="0">
-                <a:solidFill>
-                  <a:srgbClr val="000000"/>
-                </a:solidFill>
-                <a:latin typeface="Consolas" panose="020B0609020204030204" pitchFamily="49" charset="0"/>
-              </a:rPr>
-              <a:t> @LocationCode</a:t>
-            </a:r>
-          </a:p>
-          <a:p>
-            <a:r>
-              <a:rPr lang="en-US" sz="1800" dirty="0">
-                <a:solidFill>
-                  <a:srgbClr val="000000"/>
-                </a:solidFill>
-                <a:latin typeface="Consolas" panose="020B0609020204030204" pitchFamily="49" charset="0"/>
-              </a:rPr>
-              <a:t>    </a:t>
-            </a:r>
-            <a:r>
-              <a:rPr lang="en-US" sz="1800" dirty="0">
-                <a:solidFill>
-                  <a:srgbClr val="808080"/>
-                </a:solidFill>
-                <a:latin typeface="Consolas" panose="020B0609020204030204" pitchFamily="49" charset="0"/>
-              </a:rPr>
-              <a:t>AND</a:t>
-            </a:r>
-            <a:r>
-              <a:rPr lang="en-US" sz="1800" dirty="0">
-                <a:solidFill>
-                  <a:srgbClr val="000000"/>
-                </a:solidFill>
-                <a:latin typeface="Consolas" panose="020B0609020204030204" pitchFamily="49" charset="0"/>
-              </a:rPr>
-              <a:t> </a:t>
-            </a:r>
-            <a:r>
-              <a:rPr lang="en-US" sz="1800" dirty="0" err="1">
-                <a:solidFill>
-                  <a:srgbClr val="000000"/>
-                </a:solidFill>
-                <a:latin typeface="Consolas" panose="020B0609020204030204" pitchFamily="49" charset="0"/>
-              </a:rPr>
-              <a:t>tgt</a:t>
-            </a:r>
-            <a:r>
-              <a:rPr lang="en-US" sz="1800" dirty="0" err="1">
-                <a:solidFill>
-                  <a:srgbClr val="808080"/>
-                </a:solidFill>
-                <a:latin typeface="Consolas" panose="020B0609020204030204" pitchFamily="49" charset="0"/>
-              </a:rPr>
-              <a:t>.</a:t>
-            </a:r>
-            <a:r>
-              <a:rPr lang="en-US" sz="1800" dirty="0" err="1">
-                <a:solidFill>
-                  <a:srgbClr val="000000"/>
-                </a:solidFill>
-                <a:latin typeface="Consolas" panose="020B0609020204030204" pitchFamily="49" charset="0"/>
-              </a:rPr>
-              <a:t>Measurement</a:t>
-            </a:r>
-            <a:r>
-              <a:rPr lang="en-US" sz="1800" dirty="0">
-                <a:solidFill>
-                  <a:srgbClr val="000000"/>
-                </a:solidFill>
-                <a:latin typeface="Consolas" panose="020B0609020204030204" pitchFamily="49" charset="0"/>
-              </a:rPr>
-              <a:t> </a:t>
-            </a:r>
-            <a:r>
-              <a:rPr lang="en-US" sz="1800" dirty="0">
-                <a:solidFill>
-                  <a:srgbClr val="808080"/>
-                </a:solidFill>
-                <a:latin typeface="Consolas" panose="020B0609020204030204" pitchFamily="49" charset="0"/>
-              </a:rPr>
-              <a:t>=</a:t>
-            </a:r>
-            <a:r>
-              <a:rPr lang="en-US" sz="1800" dirty="0">
-                <a:solidFill>
-                  <a:srgbClr val="000000"/>
-                </a:solidFill>
-                <a:latin typeface="Consolas" panose="020B0609020204030204" pitchFamily="49" charset="0"/>
-              </a:rPr>
-              <a:t> </a:t>
-            </a:r>
-            <a:r>
-              <a:rPr lang="en-US" sz="1800" dirty="0" err="1">
-                <a:solidFill>
-                  <a:srgbClr val="000000"/>
-                </a:solidFill>
-                <a:latin typeface="Consolas" panose="020B0609020204030204" pitchFamily="49" charset="0"/>
-              </a:rPr>
-              <a:t>src</a:t>
-            </a:r>
-            <a:r>
-              <a:rPr lang="en-US" sz="1800" dirty="0" err="1">
-                <a:solidFill>
-                  <a:srgbClr val="808080"/>
-                </a:solidFill>
-                <a:latin typeface="Consolas" panose="020B0609020204030204" pitchFamily="49" charset="0"/>
-              </a:rPr>
-              <a:t>.</a:t>
-            </a:r>
-            <a:r>
-              <a:rPr lang="en-US" sz="1800" dirty="0" err="1">
-                <a:solidFill>
-                  <a:srgbClr val="000000"/>
-                </a:solidFill>
-                <a:latin typeface="Consolas" panose="020B0609020204030204" pitchFamily="49" charset="0"/>
-              </a:rPr>
-              <a:t>Measurement</a:t>
-            </a:r>
-            <a:r>
-              <a:rPr lang="en-US" sz="1800" dirty="0">
-                <a:solidFill>
-                  <a:srgbClr val="808080"/>
-                </a:solidFill>
-                <a:latin typeface="Consolas" panose="020B0609020204030204" pitchFamily="49" charset="0"/>
-              </a:rPr>
-              <a:t>)</a:t>
-            </a:r>
-          </a:p>
-          <a:p>
-            <a:endParaRPr lang="en-US" sz="1800" dirty="0">
-              <a:solidFill>
-                <a:srgbClr val="808080"/>
-              </a:solidFill>
-              <a:latin typeface="Consolas" panose="020B0609020204030204" pitchFamily="49" charset="0"/>
-            </a:endParaRPr>
-          </a:p>
-          <a:p>
-            <a:r>
-              <a:rPr lang="en-US" dirty="0"/>
-              <a:t>The entire table is the target, not a subset of the table.</a:t>
-            </a:r>
-          </a:p>
-          <a:p>
-            <a:r>
-              <a:rPr lang="en-US" dirty="0"/>
-              <a:t>So on the </a:t>
-            </a:r>
-          </a:p>
-          <a:p>
-            <a:r>
-              <a:rPr lang="en-US" sz="1800" dirty="0">
-                <a:solidFill>
-                  <a:srgbClr val="0000FF"/>
-                </a:solidFill>
-                <a:latin typeface="Consolas" panose="020B0609020204030204" pitchFamily="49" charset="0"/>
-              </a:rPr>
-              <a:t>WHEN</a:t>
-            </a:r>
-            <a:r>
-              <a:rPr lang="en-US" sz="1800" dirty="0">
-                <a:solidFill>
-                  <a:srgbClr val="000000"/>
-                </a:solidFill>
-                <a:latin typeface="Consolas" panose="020B0609020204030204" pitchFamily="49" charset="0"/>
-              </a:rPr>
-              <a:t> </a:t>
-            </a:r>
-            <a:r>
-              <a:rPr lang="en-US" sz="1800" dirty="0">
-                <a:solidFill>
-                  <a:srgbClr val="808080"/>
-                </a:solidFill>
-                <a:latin typeface="Consolas" panose="020B0609020204030204" pitchFamily="49" charset="0"/>
-              </a:rPr>
-              <a:t>NOT</a:t>
-            </a:r>
-            <a:r>
-              <a:rPr lang="en-US" sz="1800" dirty="0">
-                <a:solidFill>
-                  <a:srgbClr val="000000"/>
-                </a:solidFill>
-                <a:latin typeface="Consolas" panose="020B0609020204030204" pitchFamily="49" charset="0"/>
-              </a:rPr>
-              <a:t> </a:t>
-            </a:r>
-            <a:r>
-              <a:rPr lang="en-US" sz="1800" dirty="0">
-                <a:solidFill>
-                  <a:srgbClr val="808080"/>
-                </a:solidFill>
-                <a:latin typeface="Consolas" panose="020B0609020204030204" pitchFamily="49" charset="0"/>
-              </a:rPr>
-              <a:t>MATCHED</a:t>
-            </a:r>
-            <a:r>
-              <a:rPr lang="en-US" sz="1800" dirty="0">
-                <a:solidFill>
-                  <a:srgbClr val="000000"/>
-                </a:solidFill>
-                <a:latin typeface="Consolas" panose="020B0609020204030204" pitchFamily="49" charset="0"/>
-              </a:rPr>
-              <a:t> </a:t>
-            </a:r>
-            <a:r>
-              <a:rPr lang="en-US" sz="1800" dirty="0">
-                <a:solidFill>
-                  <a:srgbClr val="0000FF"/>
-                </a:solidFill>
-                <a:latin typeface="Consolas" panose="020B0609020204030204" pitchFamily="49" charset="0"/>
-              </a:rPr>
-              <a:t>BY</a:t>
-            </a:r>
-            <a:r>
-              <a:rPr lang="en-US" sz="1800" dirty="0">
-                <a:solidFill>
-                  <a:srgbClr val="000000"/>
-                </a:solidFill>
-                <a:latin typeface="Consolas" panose="020B0609020204030204" pitchFamily="49" charset="0"/>
-              </a:rPr>
-              <a:t> </a:t>
-            </a:r>
-            <a:r>
-              <a:rPr lang="en-US" sz="1800" dirty="0">
-                <a:solidFill>
-                  <a:srgbClr val="808080"/>
-                </a:solidFill>
-                <a:latin typeface="Consolas" panose="020B0609020204030204" pitchFamily="49" charset="0"/>
-              </a:rPr>
-              <a:t>SOURCE</a:t>
-            </a:r>
-            <a:r>
-              <a:rPr lang="en-US" sz="1800" dirty="0">
-                <a:solidFill>
-                  <a:srgbClr val="000000"/>
-                </a:solidFill>
-                <a:latin typeface="Consolas" panose="020B0609020204030204" pitchFamily="49" charset="0"/>
-              </a:rPr>
-              <a:t> </a:t>
-            </a:r>
-            <a:r>
-              <a:rPr lang="en-US" sz="1800" dirty="0">
-                <a:solidFill>
-                  <a:srgbClr val="0000FF"/>
-                </a:solidFill>
-                <a:latin typeface="Consolas" panose="020B0609020204030204" pitchFamily="49" charset="0"/>
-              </a:rPr>
-              <a:t>THEN</a:t>
-            </a:r>
-            <a:r>
-              <a:rPr lang="en-US" sz="1800" dirty="0">
-                <a:solidFill>
-                  <a:srgbClr val="000000"/>
-                </a:solidFill>
-                <a:latin typeface="Consolas" panose="020B0609020204030204" pitchFamily="49" charset="0"/>
-              </a:rPr>
-              <a:t> </a:t>
-            </a:r>
-            <a:r>
-              <a:rPr lang="en-US" sz="1800" dirty="0">
-                <a:solidFill>
-                  <a:srgbClr val="0000FF"/>
-                </a:solidFill>
-                <a:latin typeface="Consolas" panose="020B0609020204030204" pitchFamily="49" charset="0"/>
-              </a:rPr>
-              <a:t>DELETE </a:t>
-            </a:r>
-          </a:p>
-          <a:p>
-            <a:r>
-              <a:rPr lang="en-US" sz="1800" dirty="0">
-                <a:solidFill>
-                  <a:srgbClr val="0000FF"/>
-                </a:solidFill>
-                <a:latin typeface="Consolas" panose="020B0609020204030204" pitchFamily="49" charset="0"/>
-              </a:rPr>
-              <a:t>clause, all the locations not ‘</a:t>
-            </a:r>
-            <a:r>
-              <a:rPr lang="en-US" sz="1800" dirty="0" err="1">
-                <a:solidFill>
-                  <a:srgbClr val="0000FF"/>
-                </a:solidFill>
-                <a:latin typeface="Consolas" panose="020B0609020204030204" pitchFamily="49" charset="0"/>
-              </a:rPr>
-              <a:t>upserted</a:t>
-            </a:r>
-            <a:r>
-              <a:rPr lang="en-US" sz="1800" dirty="0">
-                <a:solidFill>
-                  <a:srgbClr val="0000FF"/>
-                </a:solidFill>
-                <a:latin typeface="Consolas" panose="020B0609020204030204" pitchFamily="49" charset="0"/>
-              </a:rPr>
-              <a:t>’ by the MERGE statement are deleted.</a:t>
-            </a:r>
             <a:endParaRPr lang="en-US" dirty="0"/>
           </a:p>
         </p:txBody>
@@ -3394,7 +3671,7 @@
           <a:p>
             <a:fld id="{FAFDAFBD-AA74-4F39-B34D-B8A0CE5CD8B0}" type="datetimeFigureOut">
               <a:rPr lang="en-US" smtClean="0"/>
-              <a:t>8/22/2023</a:t>
+              <a:t>10/9/2023</a:t>
             </a:fld>
             <a:endParaRPr lang="en-US"/>
           </a:p>
@@ -3592,7 +3869,7 @@
           <a:p>
             <a:fld id="{FAFDAFBD-AA74-4F39-B34D-B8A0CE5CD8B0}" type="datetimeFigureOut">
               <a:rPr lang="en-US" smtClean="0"/>
-              <a:t>8/22/2023</a:t>
+              <a:t>10/9/2023</a:t>
             </a:fld>
             <a:endParaRPr lang="en-US"/>
           </a:p>
@@ -3800,7 +4077,7 @@
           <a:p>
             <a:fld id="{FAFDAFBD-AA74-4F39-B34D-B8A0CE5CD8B0}" type="datetimeFigureOut">
               <a:rPr lang="en-US" smtClean="0"/>
-              <a:t>8/22/2023</a:t>
+              <a:t>10/9/2023</a:t>
             </a:fld>
             <a:endParaRPr lang="en-US"/>
           </a:p>
@@ -4595,7 +4872,7 @@
           <a:p>
             <a:fld id="{FAFDAFBD-AA74-4F39-B34D-B8A0CE5CD8B0}" type="datetimeFigureOut">
               <a:rPr lang="en-US" smtClean="0"/>
-              <a:t>8/22/2023</a:t>
+              <a:t>10/9/2023</a:t>
             </a:fld>
             <a:endParaRPr lang="en-US"/>
           </a:p>
@@ -4771,7 +5048,7 @@
           <a:p>
             <a:fld id="{FAFDAFBD-AA74-4F39-B34D-B8A0CE5CD8B0}" type="datetimeFigureOut">
               <a:rPr lang="en-US" smtClean="0"/>
-              <a:t>8/22/2023</a:t>
+              <a:t>10/9/2023</a:t>
             </a:fld>
             <a:endParaRPr lang="en-US"/>
           </a:p>
@@ -5018,7 +5295,7 @@
           <a:p>
             <a:fld id="{FAFDAFBD-AA74-4F39-B34D-B8A0CE5CD8B0}" type="datetimeFigureOut">
               <a:rPr lang="en-US" smtClean="0"/>
-              <a:t>8/22/2023</a:t>
+              <a:t>10/9/2023</a:t>
             </a:fld>
             <a:endParaRPr lang="en-US"/>
           </a:p>
@@ -5250,7 +5527,7 @@
           <a:p>
             <a:fld id="{FAFDAFBD-AA74-4F39-B34D-B8A0CE5CD8B0}" type="datetimeFigureOut">
               <a:rPr lang="en-US" smtClean="0"/>
-              <a:t>8/22/2023</a:t>
+              <a:t>10/9/2023</a:t>
             </a:fld>
             <a:endParaRPr lang="en-US"/>
           </a:p>
@@ -5624,7 +5901,7 @@
           <a:p>
             <a:fld id="{FAFDAFBD-AA74-4F39-B34D-B8A0CE5CD8B0}" type="datetimeFigureOut">
               <a:rPr lang="en-US" smtClean="0"/>
-              <a:t>8/22/2023</a:t>
+              <a:t>10/9/2023</a:t>
             </a:fld>
             <a:endParaRPr lang="en-US"/>
           </a:p>
@@ -5747,7 +6024,7 @@
           <a:p>
             <a:fld id="{FAFDAFBD-AA74-4F39-B34D-B8A0CE5CD8B0}" type="datetimeFigureOut">
               <a:rPr lang="en-US" smtClean="0"/>
-              <a:t>8/22/2023</a:t>
+              <a:t>10/9/2023</a:t>
             </a:fld>
             <a:endParaRPr lang="en-US"/>
           </a:p>
@@ -5842,7 +6119,7 @@
           <a:p>
             <a:fld id="{FAFDAFBD-AA74-4F39-B34D-B8A0CE5CD8B0}" type="datetimeFigureOut">
               <a:rPr lang="en-US" smtClean="0"/>
-              <a:t>8/22/2023</a:t>
+              <a:t>10/9/2023</a:t>
             </a:fld>
             <a:endParaRPr lang="en-US"/>
           </a:p>
@@ -6097,7 +6374,7 @@
           <a:p>
             <a:fld id="{FAFDAFBD-AA74-4F39-B34D-B8A0CE5CD8B0}" type="datetimeFigureOut">
               <a:rPr lang="en-US" smtClean="0"/>
-              <a:t>8/22/2023</a:t>
+              <a:t>10/9/2023</a:t>
             </a:fld>
             <a:endParaRPr lang="en-US"/>
           </a:p>
@@ -6283,7 +6560,7 @@
           <a:p>
             <a:fld id="{FAFDAFBD-AA74-4F39-B34D-B8A0CE5CD8B0}" type="datetimeFigureOut">
               <a:rPr lang="en-US" smtClean="0"/>
-              <a:t>8/22/2023</a:t>
+              <a:t>10/9/2023</a:t>
             </a:fld>
             <a:endParaRPr lang="en-US"/>
           </a:p>
@@ -6558,7 +6835,7 @@
           <a:p>
             <a:fld id="{FAFDAFBD-AA74-4F39-B34D-B8A0CE5CD8B0}" type="datetimeFigureOut">
               <a:rPr lang="en-US" smtClean="0"/>
-              <a:t>8/22/2023</a:t>
+              <a:t>10/9/2023</a:t>
             </a:fld>
             <a:endParaRPr lang="en-US"/>
           </a:p>
@@ -6809,7 +7086,7 @@
           <a:p>
             <a:fld id="{FAFDAFBD-AA74-4F39-B34D-B8A0CE5CD8B0}" type="datetimeFigureOut">
               <a:rPr lang="en-US" smtClean="0"/>
-              <a:t>8/22/2023</a:t>
+              <a:t>10/9/2023</a:t>
             </a:fld>
             <a:endParaRPr lang="en-US"/>
           </a:p>
@@ -7123,7 +7400,7 @@
           <a:p>
             <a:fld id="{FAFDAFBD-AA74-4F39-B34D-B8A0CE5CD8B0}" type="datetimeFigureOut">
               <a:rPr lang="en-US" smtClean="0"/>
-              <a:t>8/22/2023</a:t>
+              <a:t>10/9/2023</a:t>
             </a:fld>
             <a:endParaRPr lang="en-US"/>
           </a:p>
@@ -7464,7 +7741,7 @@
           <a:p>
             <a:fld id="{FAFDAFBD-AA74-4F39-B34D-B8A0CE5CD8B0}" type="datetimeFigureOut">
               <a:rPr lang="en-US" smtClean="0"/>
-              <a:t>8/22/2023</a:t>
+              <a:t>10/9/2023</a:t>
             </a:fld>
             <a:endParaRPr lang="en-US"/>
           </a:p>
@@ -7778,7 +8055,7 @@
           <a:p>
             <a:fld id="{FAFDAFBD-AA74-4F39-B34D-B8A0CE5CD8B0}" type="datetimeFigureOut">
               <a:rPr lang="en-US" smtClean="0"/>
-              <a:t>8/22/2023</a:t>
+              <a:t>10/9/2023</a:t>
             </a:fld>
             <a:endParaRPr lang="en-US"/>
           </a:p>
@@ -8171,7 +8448,7 @@
           <a:p>
             <a:fld id="{FAFDAFBD-AA74-4F39-B34D-B8A0CE5CD8B0}" type="datetimeFigureOut">
               <a:rPr lang="en-US" smtClean="0"/>
-              <a:t>8/22/2023</a:t>
+              <a:t>10/9/2023</a:t>
             </a:fld>
             <a:endParaRPr lang="en-US"/>
           </a:p>
@@ -8341,7 +8618,7 @@
           <a:p>
             <a:fld id="{FAFDAFBD-AA74-4F39-B34D-B8A0CE5CD8B0}" type="datetimeFigureOut">
               <a:rPr lang="en-US" smtClean="0"/>
-              <a:t>8/22/2023</a:t>
+              <a:t>10/9/2023</a:t>
             </a:fld>
             <a:endParaRPr lang="en-US"/>
           </a:p>
@@ -8521,7 +8798,7 @@
           <a:p>
             <a:fld id="{FAFDAFBD-AA74-4F39-B34D-B8A0CE5CD8B0}" type="datetimeFigureOut">
               <a:rPr lang="en-US" smtClean="0"/>
-              <a:t>8/22/2023</a:t>
+              <a:t>10/9/2023</a:t>
             </a:fld>
             <a:endParaRPr lang="en-US"/>
           </a:p>
@@ -8784,7 +9061,7 @@
           <a:p>
             <a:fld id="{FAFDAFBD-AA74-4F39-B34D-B8A0CE5CD8B0}" type="datetimeFigureOut">
               <a:rPr lang="en-US" smtClean="0"/>
-              <a:t>8/22/2023</a:t>
+              <a:t>10/9/2023</a:t>
             </a:fld>
             <a:endParaRPr lang="en-US"/>
           </a:p>
@@ -9049,7 +9326,7 @@
           <a:p>
             <a:fld id="{FAFDAFBD-AA74-4F39-B34D-B8A0CE5CD8B0}" type="datetimeFigureOut">
               <a:rPr lang="en-US" smtClean="0"/>
-              <a:t>8/22/2023</a:t>
+              <a:t>10/9/2023</a:t>
             </a:fld>
             <a:endParaRPr lang="en-US"/>
           </a:p>
@@ -9461,7 +9738,7 @@
           <a:p>
             <a:fld id="{FAFDAFBD-AA74-4F39-B34D-B8A0CE5CD8B0}" type="datetimeFigureOut">
               <a:rPr lang="en-US" smtClean="0"/>
-              <a:t>8/22/2023</a:t>
+              <a:t>10/9/2023</a:t>
             </a:fld>
             <a:endParaRPr lang="en-US"/>
           </a:p>
@@ -9602,7 +9879,7 @@
           <a:p>
             <a:fld id="{FAFDAFBD-AA74-4F39-B34D-B8A0CE5CD8B0}" type="datetimeFigureOut">
               <a:rPr lang="en-US" smtClean="0"/>
-              <a:t>8/22/2023</a:t>
+              <a:t>10/9/2023</a:t>
             </a:fld>
             <a:endParaRPr lang="en-US"/>
           </a:p>
@@ -9715,7 +9992,7 @@
           <a:p>
             <a:fld id="{FAFDAFBD-AA74-4F39-B34D-B8A0CE5CD8B0}" type="datetimeFigureOut">
               <a:rPr lang="en-US" smtClean="0"/>
-              <a:t>8/22/2023</a:t>
+              <a:t>10/9/2023</a:t>
             </a:fld>
             <a:endParaRPr lang="en-US"/>
           </a:p>
@@ -10026,7 +10303,7 @@
           <a:p>
             <a:fld id="{FAFDAFBD-AA74-4F39-B34D-B8A0CE5CD8B0}" type="datetimeFigureOut">
               <a:rPr lang="en-US" smtClean="0"/>
-              <a:t>8/22/2023</a:t>
+              <a:t>10/9/2023</a:t>
             </a:fld>
             <a:endParaRPr lang="en-US"/>
           </a:p>
@@ -10314,7 +10591,7 @@
           <a:p>
             <a:fld id="{FAFDAFBD-AA74-4F39-B34D-B8A0CE5CD8B0}" type="datetimeFigureOut">
               <a:rPr lang="en-US" smtClean="0"/>
-              <a:t>8/22/2023</a:t>
+              <a:t>10/9/2023</a:t>
             </a:fld>
             <a:endParaRPr lang="en-US"/>
           </a:p>
@@ -10555,7 +10832,7 @@
           <a:p>
             <a:fld id="{FAFDAFBD-AA74-4F39-B34D-B8A0CE5CD8B0}" type="datetimeFigureOut">
               <a:rPr lang="en-US" smtClean="0"/>
-              <a:t>8/22/2023</a:t>
+              <a:t>10/9/2023</a:t>
             </a:fld>
             <a:endParaRPr lang="en-US"/>
           </a:p>
@@ -11637,7 +11914,7 @@
           <a:p>
             <a:fld id="{FAFDAFBD-AA74-4F39-B34D-B8A0CE5CD8B0}" type="datetimeFigureOut">
               <a:rPr lang="en-US" smtClean="0"/>
-              <a:t>8/22/2023</a:t>
+              <a:t>10/9/2023</a:t>
             </a:fld>
             <a:endParaRPr lang="en-US"/>
           </a:p>
@@ -14198,7 +14475,11 @@
               <a:t>SQL UDTT to code (</a:t>
             </a:r>
             <a:r>
-              <a:rPr lang="en-US" sz="2000" dirty="0" err="1"/>
+              <a:rPr lang="en-US" sz="2000" dirty="0" err="1">
+                <a:solidFill>
+                  <a:srgbClr val="FF0000"/>
+                </a:solidFill>
+              </a:rPr>
               <a:t>positionals</a:t>
             </a:r>
             <a:r>
@@ -16613,7 +16894,7 @@
           <p:nvPr/>
         </p:nvPicPr>
         <p:blipFill>
-          <a:blip r:embed="rId2"/>
+          <a:blip r:embed="rId3"/>
           <a:stretch>
             <a:fillRect/>
           </a:stretch>
@@ -16931,7 +17212,7 @@
           <p:nvPr/>
         </p:nvPicPr>
         <p:blipFill>
-          <a:blip r:embed="rId3"/>
+          <a:blip r:embed="rId4"/>
           <a:stretch>
             <a:fillRect/>
           </a:stretch>

--- a/Datatables_and_Dataframes_to_SQL_Procs/User-defined Table Types.pptx
+++ b/Datatables_and_Dataframes_to_SQL_Procs/User-defined Table Types.pptx
@@ -27,13 +27,13 @@
     <p:sldId id="268" r:id="rId18"/>
     <p:sldId id="270" r:id="rId19"/>
     <p:sldId id="287" r:id="rId20"/>
-    <p:sldId id="303" r:id="rId21"/>
-    <p:sldId id="264" r:id="rId22"/>
-    <p:sldId id="281" r:id="rId23"/>
-    <p:sldId id="272" r:id="rId24"/>
-    <p:sldId id="282" r:id="rId25"/>
-    <p:sldId id="286" r:id="rId26"/>
-    <p:sldId id="288" r:id="rId27"/>
+    <p:sldId id="317" r:id="rId21"/>
+    <p:sldId id="303" r:id="rId22"/>
+    <p:sldId id="264" r:id="rId23"/>
+    <p:sldId id="281" r:id="rId24"/>
+    <p:sldId id="272" r:id="rId25"/>
+    <p:sldId id="282" r:id="rId26"/>
+    <p:sldId id="286" r:id="rId27"/>
     <p:sldId id="289" r:id="rId28"/>
     <p:sldId id="284" r:id="rId29"/>
     <p:sldId id="307" r:id="rId30"/>
@@ -249,7 +249,7 @@
           <a:p>
             <a:fld id="{3E17F473-D930-40CF-A164-F39E2E601F13}" type="datetimeFigureOut">
               <a:rPr lang="en-US" smtClean="0"/>
-              <a:t>10/9/2023</a:t>
+              <a:t>10/13/2023</a:t>
             </a:fld>
             <a:endParaRPr lang="en-US"/>
           </a:p>
@@ -1409,7 +1409,27 @@
           <a:bodyPr/>
           <a:lstStyle/>
           <a:p>
+            <a:r>
+              <a:rPr lang="en-US" dirty="0"/>
+              <a:t>Don’t send columns or data you don’t need.</a:t>
+            </a:r>
+          </a:p>
+          <a:p>
             <a:endParaRPr lang="en-US" dirty="0"/>
+          </a:p>
+          <a:p>
+            <a:r>
+              <a:rPr lang="en-US" dirty="0"/>
+              <a:t>Your mileage will vary on the resources given to </a:t>
+            </a:r>
+            <a:r>
+              <a:rPr lang="en-US" dirty="0" err="1"/>
+              <a:t>tempdb</a:t>
+            </a:r>
+            <a:r>
+              <a:rPr lang="en-US" dirty="0"/>
+              <a:t>.</a:t>
+            </a:r>
           </a:p>
         </p:txBody>
       </p:sp>
@@ -1439,7 +1459,7 @@
     </p:spTree>
     <p:extLst>
       <p:ext uri="{BB962C8B-B14F-4D97-AF65-F5344CB8AC3E}">
-        <p14:creationId xmlns:p14="http://schemas.microsoft.com/office/powerpoint/2010/main" val="3311247509"/>
+        <p14:creationId xmlns:p14="http://schemas.microsoft.com/office/powerpoint/2010/main" val="2431268957"/>
       </p:ext>
     </p:extLst>
   </p:cSld>
@@ -1514,7 +1534,7 @@
           <a:p>
             <a:fld id="{2CD9D0CF-7A5F-42A2-8CCA-4A796DEC5511}" type="slidenum">
               <a:rPr lang="en-US" smtClean="0"/>
-              <a:t>26</a:t>
+              <a:t>20</a:t>
             </a:fld>
             <a:endParaRPr lang="en-US"/>
           </a:p>
@@ -1523,7 +1543,7 @@
     </p:spTree>
     <p:extLst>
       <p:ext uri="{BB962C8B-B14F-4D97-AF65-F5344CB8AC3E}">
-        <p14:creationId xmlns:p14="http://schemas.microsoft.com/office/powerpoint/2010/main" val="694626397"/>
+        <p14:creationId xmlns:p14="http://schemas.microsoft.com/office/powerpoint/2010/main" val="3311247509"/>
       </p:ext>
     </p:extLst>
   </p:cSld>
@@ -1682,709 +1702,6 @@
           <a:bodyPr/>
           <a:lstStyle/>
           <a:p>
-            <a:r>
-              <a:rPr lang="en-US" sz="1200" dirty="0">
-                <a:solidFill>
-                  <a:srgbClr val="0000FF"/>
-                </a:solidFill>
-                <a:latin typeface="Consolas" panose="020B0609020204030204" pitchFamily="49" charset="0"/>
-              </a:rPr>
-              <a:t>declare</a:t>
-            </a:r>
-            <a:r>
-              <a:rPr lang="en-US" sz="1200" dirty="0">
-                <a:solidFill>
-                  <a:srgbClr val="000000"/>
-                </a:solidFill>
-                <a:latin typeface="Consolas" panose="020B0609020204030204" pitchFamily="49" charset="0"/>
-              </a:rPr>
-              <a:t> @p2 </a:t>
-            </a:r>
-            <a:r>
-              <a:rPr lang="en-US" sz="1200" dirty="0" err="1">
-                <a:solidFill>
-                  <a:srgbClr val="000000"/>
-                </a:solidFill>
-                <a:latin typeface="Consolas" panose="020B0609020204030204" pitchFamily="49" charset="0"/>
-              </a:rPr>
-              <a:t>dbo</a:t>
-            </a:r>
-            <a:r>
-              <a:rPr lang="en-US" sz="1200" dirty="0" err="1">
-                <a:solidFill>
-                  <a:srgbClr val="808080"/>
-                </a:solidFill>
-                <a:latin typeface="Consolas" panose="020B0609020204030204" pitchFamily="49" charset="0"/>
-              </a:rPr>
-              <a:t>.</a:t>
-            </a:r>
-            <a:r>
-              <a:rPr lang="en-US" sz="1200" dirty="0" err="1">
-                <a:solidFill>
-                  <a:srgbClr val="000000"/>
-                </a:solidFill>
-                <a:latin typeface="Consolas" panose="020B0609020204030204" pitchFamily="49" charset="0"/>
-              </a:rPr>
-              <a:t>Type_Measurements</a:t>
-            </a:r>
-            <a:endParaRPr lang="en-US" sz="1200" dirty="0">
-              <a:solidFill>
-                <a:srgbClr val="000000"/>
-              </a:solidFill>
-              <a:latin typeface="Consolas" panose="020B0609020204030204" pitchFamily="49" charset="0"/>
-            </a:endParaRPr>
-          </a:p>
-          <a:p>
-            <a:r>
-              <a:rPr lang="en-US" sz="1200" dirty="0">
-                <a:solidFill>
-                  <a:srgbClr val="0000FF"/>
-                </a:solidFill>
-                <a:latin typeface="Consolas" panose="020B0609020204030204" pitchFamily="49" charset="0"/>
-              </a:rPr>
-              <a:t>insert</a:t>
-            </a:r>
-            <a:r>
-              <a:rPr lang="en-US" sz="1200" dirty="0">
-                <a:solidFill>
-                  <a:srgbClr val="000000"/>
-                </a:solidFill>
-                <a:latin typeface="Consolas" panose="020B0609020204030204" pitchFamily="49" charset="0"/>
-              </a:rPr>
-              <a:t> </a:t>
-            </a:r>
-            <a:r>
-              <a:rPr lang="en-US" sz="1200" dirty="0">
-                <a:solidFill>
-                  <a:srgbClr val="0000FF"/>
-                </a:solidFill>
-                <a:latin typeface="Consolas" panose="020B0609020204030204" pitchFamily="49" charset="0"/>
-              </a:rPr>
-              <a:t>into</a:t>
-            </a:r>
-            <a:r>
-              <a:rPr lang="en-US" sz="1200" dirty="0">
-                <a:solidFill>
-                  <a:srgbClr val="000000"/>
-                </a:solidFill>
-                <a:latin typeface="Consolas" panose="020B0609020204030204" pitchFamily="49" charset="0"/>
-              </a:rPr>
-              <a:t> @p2 </a:t>
-            </a:r>
-            <a:r>
-              <a:rPr lang="en-US" sz="1200" dirty="0">
-                <a:solidFill>
-                  <a:srgbClr val="0000FF"/>
-                </a:solidFill>
-                <a:latin typeface="Consolas" panose="020B0609020204030204" pitchFamily="49" charset="0"/>
-              </a:rPr>
-              <a:t>values</a:t>
-            </a:r>
-            <a:r>
-              <a:rPr lang="en-US" sz="1200" dirty="0">
-                <a:solidFill>
-                  <a:srgbClr val="808080"/>
-                </a:solidFill>
-                <a:latin typeface="Consolas" panose="020B0609020204030204" pitchFamily="49" charset="0"/>
-              </a:rPr>
-              <a:t>(</a:t>
-            </a:r>
-            <a:r>
-              <a:rPr lang="en-US" sz="1200" dirty="0">
-                <a:solidFill>
-                  <a:srgbClr val="FF0000"/>
-                </a:solidFill>
-                <a:latin typeface="Consolas" panose="020B0609020204030204" pitchFamily="49" charset="0"/>
-              </a:rPr>
-              <a:t>N'K'</a:t>
-            </a:r>
-            <a:r>
-              <a:rPr lang="en-US" sz="1200" dirty="0">
-                <a:solidFill>
-                  <a:srgbClr val="808080"/>
-                </a:solidFill>
-                <a:latin typeface="Consolas" panose="020B0609020204030204" pitchFamily="49" charset="0"/>
-              </a:rPr>
-              <a:t>,</a:t>
-            </a:r>
-            <a:r>
-              <a:rPr lang="en-US" sz="1200" dirty="0">
-                <a:solidFill>
-                  <a:srgbClr val="000000"/>
-                </a:solidFill>
-                <a:latin typeface="Consolas" panose="020B0609020204030204" pitchFamily="49" charset="0"/>
-              </a:rPr>
-              <a:t>11</a:t>
-            </a:r>
-            <a:r>
-              <a:rPr lang="en-US" sz="1200" dirty="0">
-                <a:solidFill>
-                  <a:srgbClr val="808080"/>
-                </a:solidFill>
-                <a:latin typeface="Consolas" panose="020B0609020204030204" pitchFamily="49" charset="0"/>
-              </a:rPr>
-              <a:t>)</a:t>
-            </a:r>
-            <a:endParaRPr lang="en-US" sz="1200" dirty="0">
-              <a:solidFill>
-                <a:srgbClr val="000000"/>
-              </a:solidFill>
-              <a:latin typeface="Consolas" panose="020B0609020204030204" pitchFamily="49" charset="0"/>
-            </a:endParaRPr>
-          </a:p>
-          <a:p>
-            <a:r>
-              <a:rPr lang="en-US" sz="1200" dirty="0">
-                <a:solidFill>
-                  <a:srgbClr val="0000FF"/>
-                </a:solidFill>
-                <a:latin typeface="Consolas" panose="020B0609020204030204" pitchFamily="49" charset="0"/>
-              </a:rPr>
-              <a:t>insert</a:t>
-            </a:r>
-            <a:r>
-              <a:rPr lang="en-US" sz="1200" dirty="0">
-                <a:solidFill>
-                  <a:srgbClr val="000000"/>
-                </a:solidFill>
-                <a:latin typeface="Consolas" panose="020B0609020204030204" pitchFamily="49" charset="0"/>
-              </a:rPr>
-              <a:t> </a:t>
-            </a:r>
-            <a:r>
-              <a:rPr lang="en-US" sz="1200" dirty="0">
-                <a:solidFill>
-                  <a:srgbClr val="0000FF"/>
-                </a:solidFill>
-                <a:latin typeface="Consolas" panose="020B0609020204030204" pitchFamily="49" charset="0"/>
-              </a:rPr>
-              <a:t>into</a:t>
-            </a:r>
-            <a:r>
-              <a:rPr lang="en-US" sz="1200" dirty="0">
-                <a:solidFill>
-                  <a:srgbClr val="000000"/>
-                </a:solidFill>
-                <a:latin typeface="Consolas" panose="020B0609020204030204" pitchFamily="49" charset="0"/>
-              </a:rPr>
-              <a:t> @p2 </a:t>
-            </a:r>
-            <a:r>
-              <a:rPr lang="en-US" sz="1200" dirty="0">
-                <a:solidFill>
-                  <a:srgbClr val="0000FF"/>
-                </a:solidFill>
-                <a:latin typeface="Consolas" panose="020B0609020204030204" pitchFamily="49" charset="0"/>
-              </a:rPr>
-              <a:t>values</a:t>
-            </a:r>
-            <a:r>
-              <a:rPr lang="en-US" sz="1200" dirty="0">
-                <a:solidFill>
-                  <a:srgbClr val="808080"/>
-                </a:solidFill>
-                <a:latin typeface="Consolas" panose="020B0609020204030204" pitchFamily="49" charset="0"/>
-              </a:rPr>
-              <a:t>(</a:t>
-            </a:r>
-            <a:r>
-              <a:rPr lang="en-US" sz="1200" dirty="0">
-                <a:solidFill>
-                  <a:srgbClr val="FF0000"/>
-                </a:solidFill>
-                <a:latin typeface="Consolas" panose="020B0609020204030204" pitchFamily="49" charset="0"/>
-              </a:rPr>
-              <a:t>N'L'</a:t>
-            </a:r>
-            <a:r>
-              <a:rPr lang="en-US" sz="1200" dirty="0">
-                <a:solidFill>
-                  <a:srgbClr val="808080"/>
-                </a:solidFill>
-                <a:latin typeface="Consolas" panose="020B0609020204030204" pitchFamily="49" charset="0"/>
-              </a:rPr>
-              <a:t>,</a:t>
-            </a:r>
-            <a:r>
-              <a:rPr lang="en-US" sz="1200" dirty="0">
-                <a:solidFill>
-                  <a:srgbClr val="000000"/>
-                </a:solidFill>
-                <a:latin typeface="Consolas" panose="020B0609020204030204" pitchFamily="49" charset="0"/>
-              </a:rPr>
-              <a:t>12</a:t>
-            </a:r>
-            <a:r>
-              <a:rPr lang="en-US" sz="1200" dirty="0">
-                <a:solidFill>
-                  <a:srgbClr val="808080"/>
-                </a:solidFill>
-                <a:latin typeface="Consolas" panose="020B0609020204030204" pitchFamily="49" charset="0"/>
-              </a:rPr>
-              <a:t>)</a:t>
-            </a:r>
-            <a:endParaRPr lang="en-US" sz="1200" dirty="0">
-              <a:solidFill>
-                <a:srgbClr val="000000"/>
-              </a:solidFill>
-              <a:latin typeface="Consolas" panose="020B0609020204030204" pitchFamily="49" charset="0"/>
-            </a:endParaRPr>
-          </a:p>
-          <a:p>
-            <a:r>
-              <a:rPr lang="en-US" sz="1200" dirty="0">
-                <a:solidFill>
-                  <a:srgbClr val="0000FF"/>
-                </a:solidFill>
-                <a:latin typeface="Consolas" panose="020B0609020204030204" pitchFamily="49" charset="0"/>
-              </a:rPr>
-              <a:t>insert</a:t>
-            </a:r>
-            <a:r>
-              <a:rPr lang="en-US" sz="1200" dirty="0">
-                <a:solidFill>
-                  <a:srgbClr val="000000"/>
-                </a:solidFill>
-                <a:latin typeface="Consolas" panose="020B0609020204030204" pitchFamily="49" charset="0"/>
-              </a:rPr>
-              <a:t> </a:t>
-            </a:r>
-            <a:r>
-              <a:rPr lang="en-US" sz="1200" dirty="0">
-                <a:solidFill>
-                  <a:srgbClr val="0000FF"/>
-                </a:solidFill>
-                <a:latin typeface="Consolas" panose="020B0609020204030204" pitchFamily="49" charset="0"/>
-              </a:rPr>
-              <a:t>into</a:t>
-            </a:r>
-            <a:r>
-              <a:rPr lang="en-US" sz="1200" dirty="0">
-                <a:solidFill>
-                  <a:srgbClr val="000000"/>
-                </a:solidFill>
-                <a:latin typeface="Consolas" panose="020B0609020204030204" pitchFamily="49" charset="0"/>
-              </a:rPr>
-              <a:t> @p2 </a:t>
-            </a:r>
-            <a:r>
-              <a:rPr lang="en-US" sz="1200" dirty="0">
-                <a:solidFill>
-                  <a:srgbClr val="0000FF"/>
-                </a:solidFill>
-                <a:latin typeface="Consolas" panose="020B0609020204030204" pitchFamily="49" charset="0"/>
-              </a:rPr>
-              <a:t>values</a:t>
-            </a:r>
-            <a:r>
-              <a:rPr lang="en-US" sz="1200" dirty="0">
-                <a:solidFill>
-                  <a:srgbClr val="808080"/>
-                </a:solidFill>
-                <a:latin typeface="Consolas" panose="020B0609020204030204" pitchFamily="49" charset="0"/>
-              </a:rPr>
-              <a:t>(</a:t>
-            </a:r>
-            <a:r>
-              <a:rPr lang="en-US" sz="1200" dirty="0">
-                <a:solidFill>
-                  <a:srgbClr val="FF0000"/>
-                </a:solidFill>
-                <a:latin typeface="Consolas" panose="020B0609020204030204" pitchFamily="49" charset="0"/>
-              </a:rPr>
-              <a:t>N'M'</a:t>
-            </a:r>
-            <a:r>
-              <a:rPr lang="en-US" sz="1200" dirty="0">
-                <a:solidFill>
-                  <a:srgbClr val="808080"/>
-                </a:solidFill>
-                <a:latin typeface="Consolas" panose="020B0609020204030204" pitchFamily="49" charset="0"/>
-              </a:rPr>
-              <a:t>,</a:t>
-            </a:r>
-            <a:r>
-              <a:rPr lang="en-US" sz="1200" dirty="0">
-                <a:solidFill>
-                  <a:srgbClr val="000000"/>
-                </a:solidFill>
-                <a:latin typeface="Consolas" panose="020B0609020204030204" pitchFamily="49" charset="0"/>
-              </a:rPr>
-              <a:t>13</a:t>
-            </a:r>
-            <a:r>
-              <a:rPr lang="en-US" sz="1200" dirty="0">
-                <a:solidFill>
-                  <a:srgbClr val="808080"/>
-                </a:solidFill>
-                <a:latin typeface="Consolas" panose="020B0609020204030204" pitchFamily="49" charset="0"/>
-              </a:rPr>
-              <a:t>)</a:t>
-            </a:r>
-            <a:endParaRPr lang="en-US" sz="1200" dirty="0">
-              <a:solidFill>
-                <a:srgbClr val="000000"/>
-              </a:solidFill>
-              <a:latin typeface="Consolas" panose="020B0609020204030204" pitchFamily="49" charset="0"/>
-            </a:endParaRPr>
-          </a:p>
-          <a:p>
-            <a:r>
-              <a:rPr lang="en-US" sz="1200" dirty="0">
-                <a:solidFill>
-                  <a:srgbClr val="0000FF"/>
-                </a:solidFill>
-                <a:latin typeface="Consolas" panose="020B0609020204030204" pitchFamily="49" charset="0"/>
-              </a:rPr>
-              <a:t>insert</a:t>
-            </a:r>
-            <a:r>
-              <a:rPr lang="en-US" sz="1200" dirty="0">
-                <a:solidFill>
-                  <a:srgbClr val="000000"/>
-                </a:solidFill>
-                <a:latin typeface="Consolas" panose="020B0609020204030204" pitchFamily="49" charset="0"/>
-              </a:rPr>
-              <a:t> </a:t>
-            </a:r>
-            <a:r>
-              <a:rPr lang="en-US" sz="1200" dirty="0">
-                <a:solidFill>
-                  <a:srgbClr val="0000FF"/>
-                </a:solidFill>
-                <a:latin typeface="Consolas" panose="020B0609020204030204" pitchFamily="49" charset="0"/>
-              </a:rPr>
-              <a:t>into</a:t>
-            </a:r>
-            <a:r>
-              <a:rPr lang="en-US" sz="1200" dirty="0">
-                <a:solidFill>
-                  <a:srgbClr val="000000"/>
-                </a:solidFill>
-                <a:latin typeface="Consolas" panose="020B0609020204030204" pitchFamily="49" charset="0"/>
-              </a:rPr>
-              <a:t> @p2 </a:t>
-            </a:r>
-            <a:r>
-              <a:rPr lang="en-US" sz="1200" dirty="0">
-                <a:solidFill>
-                  <a:srgbClr val="0000FF"/>
-                </a:solidFill>
-                <a:latin typeface="Consolas" panose="020B0609020204030204" pitchFamily="49" charset="0"/>
-              </a:rPr>
-              <a:t>values</a:t>
-            </a:r>
-            <a:r>
-              <a:rPr lang="en-US" sz="1200" dirty="0">
-                <a:solidFill>
-                  <a:srgbClr val="808080"/>
-                </a:solidFill>
-                <a:latin typeface="Consolas" panose="020B0609020204030204" pitchFamily="49" charset="0"/>
-              </a:rPr>
-              <a:t>(</a:t>
-            </a:r>
-            <a:r>
-              <a:rPr lang="en-US" sz="1200" dirty="0">
-                <a:solidFill>
-                  <a:srgbClr val="FF0000"/>
-                </a:solidFill>
-                <a:latin typeface="Consolas" panose="020B0609020204030204" pitchFamily="49" charset="0"/>
-              </a:rPr>
-              <a:t>N'N'</a:t>
-            </a:r>
-            <a:r>
-              <a:rPr lang="en-US" sz="1200" dirty="0">
-                <a:solidFill>
-                  <a:srgbClr val="808080"/>
-                </a:solidFill>
-                <a:latin typeface="Consolas" panose="020B0609020204030204" pitchFamily="49" charset="0"/>
-              </a:rPr>
-              <a:t>,</a:t>
-            </a:r>
-            <a:r>
-              <a:rPr lang="en-US" sz="1200" dirty="0">
-                <a:solidFill>
-                  <a:srgbClr val="000000"/>
-                </a:solidFill>
-                <a:latin typeface="Consolas" panose="020B0609020204030204" pitchFamily="49" charset="0"/>
-              </a:rPr>
-              <a:t>14</a:t>
-            </a:r>
-            <a:r>
-              <a:rPr lang="en-US" sz="1200" dirty="0">
-                <a:solidFill>
-                  <a:srgbClr val="808080"/>
-                </a:solidFill>
-                <a:latin typeface="Consolas" panose="020B0609020204030204" pitchFamily="49" charset="0"/>
-              </a:rPr>
-              <a:t>)</a:t>
-            </a:r>
-            <a:endParaRPr lang="en-US" sz="1200" dirty="0">
-              <a:solidFill>
-                <a:srgbClr val="000000"/>
-              </a:solidFill>
-              <a:latin typeface="Consolas" panose="020B0609020204030204" pitchFamily="49" charset="0"/>
-            </a:endParaRPr>
-          </a:p>
-          <a:p>
-            <a:r>
-              <a:rPr lang="en-US" sz="1200" dirty="0">
-                <a:solidFill>
-                  <a:srgbClr val="0000FF"/>
-                </a:solidFill>
-                <a:latin typeface="Consolas" panose="020B0609020204030204" pitchFamily="49" charset="0"/>
-              </a:rPr>
-              <a:t>insert</a:t>
-            </a:r>
-            <a:r>
-              <a:rPr lang="en-US" sz="1200" dirty="0">
-                <a:solidFill>
-                  <a:srgbClr val="000000"/>
-                </a:solidFill>
-                <a:latin typeface="Consolas" panose="020B0609020204030204" pitchFamily="49" charset="0"/>
-              </a:rPr>
-              <a:t> </a:t>
-            </a:r>
-            <a:r>
-              <a:rPr lang="en-US" sz="1200" dirty="0">
-                <a:solidFill>
-                  <a:srgbClr val="0000FF"/>
-                </a:solidFill>
-                <a:latin typeface="Consolas" panose="020B0609020204030204" pitchFamily="49" charset="0"/>
-              </a:rPr>
-              <a:t>into</a:t>
-            </a:r>
-            <a:r>
-              <a:rPr lang="en-US" sz="1200" dirty="0">
-                <a:solidFill>
-                  <a:srgbClr val="000000"/>
-                </a:solidFill>
-                <a:latin typeface="Consolas" panose="020B0609020204030204" pitchFamily="49" charset="0"/>
-              </a:rPr>
-              <a:t> @p2 </a:t>
-            </a:r>
-            <a:r>
-              <a:rPr lang="en-US" sz="1200" dirty="0">
-                <a:solidFill>
-                  <a:srgbClr val="0000FF"/>
-                </a:solidFill>
-                <a:latin typeface="Consolas" panose="020B0609020204030204" pitchFamily="49" charset="0"/>
-              </a:rPr>
-              <a:t>values</a:t>
-            </a:r>
-            <a:r>
-              <a:rPr lang="en-US" sz="1200" dirty="0">
-                <a:solidFill>
-                  <a:srgbClr val="808080"/>
-                </a:solidFill>
-                <a:latin typeface="Consolas" panose="020B0609020204030204" pitchFamily="49" charset="0"/>
-              </a:rPr>
-              <a:t>(</a:t>
-            </a:r>
-            <a:r>
-              <a:rPr lang="en-US" sz="1200" dirty="0">
-                <a:solidFill>
-                  <a:srgbClr val="FF0000"/>
-                </a:solidFill>
-                <a:latin typeface="Consolas" panose="020B0609020204030204" pitchFamily="49" charset="0"/>
-              </a:rPr>
-              <a:t>N'O'</a:t>
-            </a:r>
-            <a:r>
-              <a:rPr lang="en-US" sz="1200" dirty="0">
-                <a:solidFill>
-                  <a:srgbClr val="808080"/>
-                </a:solidFill>
-                <a:latin typeface="Consolas" panose="020B0609020204030204" pitchFamily="49" charset="0"/>
-              </a:rPr>
-              <a:t>,</a:t>
-            </a:r>
-            <a:r>
-              <a:rPr lang="en-US" sz="1200" dirty="0">
-                <a:solidFill>
-                  <a:srgbClr val="000000"/>
-                </a:solidFill>
-                <a:latin typeface="Consolas" panose="020B0609020204030204" pitchFamily="49" charset="0"/>
-              </a:rPr>
-              <a:t>15</a:t>
-            </a:r>
-            <a:r>
-              <a:rPr lang="en-US" sz="1200" dirty="0">
-                <a:solidFill>
-                  <a:srgbClr val="808080"/>
-                </a:solidFill>
-                <a:latin typeface="Consolas" panose="020B0609020204030204" pitchFamily="49" charset="0"/>
-              </a:rPr>
-              <a:t>)</a:t>
-            </a:r>
-            <a:endParaRPr lang="en-US" sz="1200" dirty="0">
-              <a:solidFill>
-                <a:srgbClr val="000000"/>
-              </a:solidFill>
-              <a:latin typeface="Consolas" panose="020B0609020204030204" pitchFamily="49" charset="0"/>
-            </a:endParaRPr>
-          </a:p>
-          <a:p>
-            <a:endParaRPr lang="en-US" sz="1200" dirty="0">
-              <a:solidFill>
-                <a:srgbClr val="000000"/>
-              </a:solidFill>
-              <a:latin typeface="Consolas" panose="020B0609020204030204" pitchFamily="49" charset="0"/>
-            </a:endParaRPr>
-          </a:p>
-          <a:p>
-            <a:r>
-              <a:rPr lang="en-US" sz="1200" dirty="0">
-                <a:solidFill>
-                  <a:srgbClr val="0000FF"/>
-                </a:solidFill>
-                <a:latin typeface="Consolas" panose="020B0609020204030204" pitchFamily="49" charset="0"/>
-              </a:rPr>
-              <a:t>exec</a:t>
-            </a:r>
-            <a:r>
-              <a:rPr lang="en-US" sz="1200" dirty="0">
-                <a:solidFill>
-                  <a:srgbClr val="000000"/>
-                </a:solidFill>
-                <a:latin typeface="Consolas" panose="020B0609020204030204" pitchFamily="49" charset="0"/>
-              </a:rPr>
-              <a:t> [</a:t>
-            </a:r>
-            <a:r>
-              <a:rPr lang="en-US" sz="1200" dirty="0" err="1">
-                <a:solidFill>
-                  <a:srgbClr val="000000"/>
-                </a:solidFill>
-                <a:latin typeface="Consolas" panose="020B0609020204030204" pitchFamily="49" charset="0"/>
-              </a:rPr>
-              <a:t>dbo</a:t>
-            </a:r>
-            <a:r>
-              <a:rPr lang="en-US" sz="1200" dirty="0">
-                <a:solidFill>
-                  <a:srgbClr val="000000"/>
-                </a:solidFill>
-                <a:latin typeface="Consolas" panose="020B0609020204030204" pitchFamily="49" charset="0"/>
-              </a:rPr>
-              <a:t>]</a:t>
-            </a:r>
-            <a:r>
-              <a:rPr lang="en-US" sz="1200" dirty="0">
-                <a:solidFill>
-                  <a:srgbClr val="808080"/>
-                </a:solidFill>
-                <a:latin typeface="Consolas" panose="020B0609020204030204" pitchFamily="49" charset="0"/>
-              </a:rPr>
-              <a:t>.</a:t>
-            </a:r>
-            <a:r>
-              <a:rPr lang="en-US" sz="1200" dirty="0">
-                <a:solidFill>
-                  <a:srgbClr val="000000"/>
-                </a:solidFill>
-                <a:latin typeface="Consolas" panose="020B0609020204030204" pitchFamily="49" charset="0"/>
-              </a:rPr>
-              <a:t>[</a:t>
-            </a:r>
-            <a:r>
-              <a:rPr lang="en-US" sz="1200" dirty="0" err="1">
-                <a:solidFill>
-                  <a:srgbClr val="000000"/>
-                </a:solidFill>
-                <a:latin typeface="Consolas" panose="020B0609020204030204" pitchFamily="49" charset="0"/>
-              </a:rPr>
-              <a:t>usp_Measurements_Upsert</a:t>
-            </a:r>
-            <a:r>
-              <a:rPr lang="en-US" sz="1200" dirty="0">
-                <a:solidFill>
-                  <a:srgbClr val="000000"/>
-                </a:solidFill>
-                <a:latin typeface="Consolas" panose="020B0609020204030204" pitchFamily="49" charset="0"/>
-              </a:rPr>
-              <a:t>]</a:t>
-            </a:r>
-            <a:r>
-              <a:rPr lang="en-US" sz="1200" dirty="0">
-                <a:solidFill>
-                  <a:srgbClr val="0000FF"/>
-                </a:solidFill>
-                <a:latin typeface="Consolas" panose="020B0609020204030204" pitchFamily="49" charset="0"/>
-              </a:rPr>
-              <a:t> </a:t>
-            </a:r>
-            <a:r>
-              <a:rPr lang="en-US" sz="1200" dirty="0">
-                <a:solidFill>
-                  <a:srgbClr val="000000"/>
-                </a:solidFill>
-                <a:latin typeface="Consolas" panose="020B0609020204030204" pitchFamily="49" charset="0"/>
-              </a:rPr>
-              <a:t>@LocationCode</a:t>
-            </a:r>
-            <a:r>
-              <a:rPr lang="en-US" sz="1200" dirty="0">
-                <a:solidFill>
-                  <a:srgbClr val="808080"/>
-                </a:solidFill>
-                <a:latin typeface="Consolas" panose="020B0609020204030204" pitchFamily="49" charset="0"/>
-              </a:rPr>
-              <a:t>=</a:t>
-            </a:r>
-            <a:r>
-              <a:rPr lang="en-US" sz="1200" dirty="0">
-                <a:solidFill>
-                  <a:srgbClr val="000000"/>
-                </a:solidFill>
-                <a:latin typeface="Consolas" panose="020B0609020204030204" pitchFamily="49" charset="0"/>
-              </a:rPr>
-              <a:t>2</a:t>
-            </a:r>
-            <a:r>
-              <a:rPr lang="en-US" sz="1200" dirty="0">
-                <a:solidFill>
-                  <a:srgbClr val="808080"/>
-                </a:solidFill>
-                <a:latin typeface="Consolas" panose="020B0609020204030204" pitchFamily="49" charset="0"/>
-              </a:rPr>
-              <a:t>,</a:t>
-            </a:r>
-            <a:r>
-              <a:rPr lang="en-US" sz="1200" dirty="0">
-                <a:solidFill>
-                  <a:srgbClr val="000000"/>
-                </a:solidFill>
-                <a:latin typeface="Consolas" panose="020B0609020204030204" pitchFamily="49" charset="0"/>
-              </a:rPr>
-              <a:t>@dt_Measurements</a:t>
-            </a:r>
-            <a:r>
-              <a:rPr lang="en-US" sz="1200" dirty="0">
-                <a:solidFill>
-                  <a:srgbClr val="808080"/>
-                </a:solidFill>
-                <a:latin typeface="Consolas" panose="020B0609020204030204" pitchFamily="49" charset="0"/>
-              </a:rPr>
-              <a:t>=</a:t>
-            </a:r>
-            <a:r>
-              <a:rPr lang="en-US" sz="1200" dirty="0">
-                <a:solidFill>
-                  <a:srgbClr val="000000"/>
-                </a:solidFill>
-                <a:latin typeface="Consolas" panose="020B0609020204030204" pitchFamily="49" charset="0"/>
-              </a:rPr>
-              <a:t>@p2</a:t>
-            </a:r>
-            <a:endParaRPr lang="en-US" dirty="0">
-              <a:solidFill>
-                <a:srgbClr val="000000"/>
-              </a:solidFill>
-              <a:latin typeface="Consolas" panose="020B0609020204030204" pitchFamily="49" charset="0"/>
-            </a:endParaRPr>
-          </a:p>
-          <a:p>
             <a:endParaRPr lang="en-US" dirty="0"/>
           </a:p>
         </p:txBody>
@@ -2406,7 +1723,7 @@
           <a:p>
             <a:fld id="{2CD9D0CF-7A5F-42A2-8CCA-4A796DEC5511}" type="slidenum">
               <a:rPr lang="en-US" smtClean="0"/>
-              <a:t>27</a:t>
+              <a:t>26</a:t>
             </a:fld>
             <a:endParaRPr lang="en-US"/>
           </a:p>
@@ -2415,7 +1732,7 @@
     </p:spTree>
     <p:extLst>
       <p:ext uri="{BB962C8B-B14F-4D97-AF65-F5344CB8AC3E}">
-        <p14:creationId xmlns:p14="http://schemas.microsoft.com/office/powerpoint/2010/main" val="79803773"/>
+        <p14:creationId xmlns:p14="http://schemas.microsoft.com/office/powerpoint/2010/main" val="694626397"/>
       </p:ext>
     </p:extLst>
   </p:cSld>
@@ -2470,15 +1787,709 @@
           <a:lstStyle/>
           <a:p>
             <a:r>
-              <a:rPr lang="en-US" dirty="0"/>
-              <a:t>Should I be concerned with how much cost the inserts took?</a:t>
-            </a:r>
-          </a:p>
-          <a:p>
-            <a:r>
-              <a:rPr lang="en-US" dirty="0"/>
-              <a:t>Probably not, since these are a fixed cost. I cannot tune inserts into a table type.</a:t>
-            </a:r>
+              <a:rPr lang="en-US" sz="1200" dirty="0">
+                <a:solidFill>
+                  <a:srgbClr val="0000FF"/>
+                </a:solidFill>
+                <a:latin typeface="Consolas" panose="020B0609020204030204" pitchFamily="49" charset="0"/>
+              </a:rPr>
+              <a:t>declare</a:t>
+            </a:r>
+            <a:r>
+              <a:rPr lang="en-US" sz="1200" dirty="0">
+                <a:solidFill>
+                  <a:srgbClr val="000000"/>
+                </a:solidFill>
+                <a:latin typeface="Consolas" panose="020B0609020204030204" pitchFamily="49" charset="0"/>
+              </a:rPr>
+              <a:t> @p2 </a:t>
+            </a:r>
+            <a:r>
+              <a:rPr lang="en-US" sz="1200" dirty="0" err="1">
+                <a:solidFill>
+                  <a:srgbClr val="000000"/>
+                </a:solidFill>
+                <a:latin typeface="Consolas" panose="020B0609020204030204" pitchFamily="49" charset="0"/>
+              </a:rPr>
+              <a:t>dbo</a:t>
+            </a:r>
+            <a:r>
+              <a:rPr lang="en-US" sz="1200" dirty="0" err="1">
+                <a:solidFill>
+                  <a:srgbClr val="808080"/>
+                </a:solidFill>
+                <a:latin typeface="Consolas" panose="020B0609020204030204" pitchFamily="49" charset="0"/>
+              </a:rPr>
+              <a:t>.</a:t>
+            </a:r>
+            <a:r>
+              <a:rPr lang="en-US" sz="1200" dirty="0" err="1">
+                <a:solidFill>
+                  <a:srgbClr val="000000"/>
+                </a:solidFill>
+                <a:latin typeface="Consolas" panose="020B0609020204030204" pitchFamily="49" charset="0"/>
+              </a:rPr>
+              <a:t>Type_Measurements</a:t>
+            </a:r>
+            <a:endParaRPr lang="en-US" sz="1200" dirty="0">
+              <a:solidFill>
+                <a:srgbClr val="000000"/>
+              </a:solidFill>
+              <a:latin typeface="Consolas" panose="020B0609020204030204" pitchFamily="49" charset="0"/>
+            </a:endParaRPr>
+          </a:p>
+          <a:p>
+            <a:r>
+              <a:rPr lang="en-US" sz="1200" dirty="0">
+                <a:solidFill>
+                  <a:srgbClr val="0000FF"/>
+                </a:solidFill>
+                <a:latin typeface="Consolas" panose="020B0609020204030204" pitchFamily="49" charset="0"/>
+              </a:rPr>
+              <a:t>insert</a:t>
+            </a:r>
+            <a:r>
+              <a:rPr lang="en-US" sz="1200" dirty="0">
+                <a:solidFill>
+                  <a:srgbClr val="000000"/>
+                </a:solidFill>
+                <a:latin typeface="Consolas" panose="020B0609020204030204" pitchFamily="49" charset="0"/>
+              </a:rPr>
+              <a:t> </a:t>
+            </a:r>
+            <a:r>
+              <a:rPr lang="en-US" sz="1200" dirty="0">
+                <a:solidFill>
+                  <a:srgbClr val="0000FF"/>
+                </a:solidFill>
+                <a:latin typeface="Consolas" panose="020B0609020204030204" pitchFamily="49" charset="0"/>
+              </a:rPr>
+              <a:t>into</a:t>
+            </a:r>
+            <a:r>
+              <a:rPr lang="en-US" sz="1200" dirty="0">
+                <a:solidFill>
+                  <a:srgbClr val="000000"/>
+                </a:solidFill>
+                <a:latin typeface="Consolas" panose="020B0609020204030204" pitchFamily="49" charset="0"/>
+              </a:rPr>
+              <a:t> @p2 </a:t>
+            </a:r>
+            <a:r>
+              <a:rPr lang="en-US" sz="1200" dirty="0">
+                <a:solidFill>
+                  <a:srgbClr val="0000FF"/>
+                </a:solidFill>
+                <a:latin typeface="Consolas" panose="020B0609020204030204" pitchFamily="49" charset="0"/>
+              </a:rPr>
+              <a:t>values</a:t>
+            </a:r>
+            <a:r>
+              <a:rPr lang="en-US" sz="1200" dirty="0">
+                <a:solidFill>
+                  <a:srgbClr val="808080"/>
+                </a:solidFill>
+                <a:latin typeface="Consolas" panose="020B0609020204030204" pitchFamily="49" charset="0"/>
+              </a:rPr>
+              <a:t>(</a:t>
+            </a:r>
+            <a:r>
+              <a:rPr lang="en-US" sz="1200" dirty="0">
+                <a:solidFill>
+                  <a:srgbClr val="FF0000"/>
+                </a:solidFill>
+                <a:latin typeface="Consolas" panose="020B0609020204030204" pitchFamily="49" charset="0"/>
+              </a:rPr>
+              <a:t>N'K'</a:t>
+            </a:r>
+            <a:r>
+              <a:rPr lang="en-US" sz="1200" dirty="0">
+                <a:solidFill>
+                  <a:srgbClr val="808080"/>
+                </a:solidFill>
+                <a:latin typeface="Consolas" panose="020B0609020204030204" pitchFamily="49" charset="0"/>
+              </a:rPr>
+              <a:t>,</a:t>
+            </a:r>
+            <a:r>
+              <a:rPr lang="en-US" sz="1200" dirty="0">
+                <a:solidFill>
+                  <a:srgbClr val="000000"/>
+                </a:solidFill>
+                <a:latin typeface="Consolas" panose="020B0609020204030204" pitchFamily="49" charset="0"/>
+              </a:rPr>
+              <a:t>11</a:t>
+            </a:r>
+            <a:r>
+              <a:rPr lang="en-US" sz="1200" dirty="0">
+                <a:solidFill>
+                  <a:srgbClr val="808080"/>
+                </a:solidFill>
+                <a:latin typeface="Consolas" panose="020B0609020204030204" pitchFamily="49" charset="0"/>
+              </a:rPr>
+              <a:t>)</a:t>
+            </a:r>
+            <a:endParaRPr lang="en-US" sz="1200" dirty="0">
+              <a:solidFill>
+                <a:srgbClr val="000000"/>
+              </a:solidFill>
+              <a:latin typeface="Consolas" panose="020B0609020204030204" pitchFamily="49" charset="0"/>
+            </a:endParaRPr>
+          </a:p>
+          <a:p>
+            <a:r>
+              <a:rPr lang="en-US" sz="1200" dirty="0">
+                <a:solidFill>
+                  <a:srgbClr val="0000FF"/>
+                </a:solidFill>
+                <a:latin typeface="Consolas" panose="020B0609020204030204" pitchFamily="49" charset="0"/>
+              </a:rPr>
+              <a:t>insert</a:t>
+            </a:r>
+            <a:r>
+              <a:rPr lang="en-US" sz="1200" dirty="0">
+                <a:solidFill>
+                  <a:srgbClr val="000000"/>
+                </a:solidFill>
+                <a:latin typeface="Consolas" panose="020B0609020204030204" pitchFamily="49" charset="0"/>
+              </a:rPr>
+              <a:t> </a:t>
+            </a:r>
+            <a:r>
+              <a:rPr lang="en-US" sz="1200" dirty="0">
+                <a:solidFill>
+                  <a:srgbClr val="0000FF"/>
+                </a:solidFill>
+                <a:latin typeface="Consolas" panose="020B0609020204030204" pitchFamily="49" charset="0"/>
+              </a:rPr>
+              <a:t>into</a:t>
+            </a:r>
+            <a:r>
+              <a:rPr lang="en-US" sz="1200" dirty="0">
+                <a:solidFill>
+                  <a:srgbClr val="000000"/>
+                </a:solidFill>
+                <a:latin typeface="Consolas" panose="020B0609020204030204" pitchFamily="49" charset="0"/>
+              </a:rPr>
+              <a:t> @p2 </a:t>
+            </a:r>
+            <a:r>
+              <a:rPr lang="en-US" sz="1200" dirty="0">
+                <a:solidFill>
+                  <a:srgbClr val="0000FF"/>
+                </a:solidFill>
+                <a:latin typeface="Consolas" panose="020B0609020204030204" pitchFamily="49" charset="0"/>
+              </a:rPr>
+              <a:t>values</a:t>
+            </a:r>
+            <a:r>
+              <a:rPr lang="en-US" sz="1200" dirty="0">
+                <a:solidFill>
+                  <a:srgbClr val="808080"/>
+                </a:solidFill>
+                <a:latin typeface="Consolas" panose="020B0609020204030204" pitchFamily="49" charset="0"/>
+              </a:rPr>
+              <a:t>(</a:t>
+            </a:r>
+            <a:r>
+              <a:rPr lang="en-US" sz="1200" dirty="0">
+                <a:solidFill>
+                  <a:srgbClr val="FF0000"/>
+                </a:solidFill>
+                <a:latin typeface="Consolas" panose="020B0609020204030204" pitchFamily="49" charset="0"/>
+              </a:rPr>
+              <a:t>N'L'</a:t>
+            </a:r>
+            <a:r>
+              <a:rPr lang="en-US" sz="1200" dirty="0">
+                <a:solidFill>
+                  <a:srgbClr val="808080"/>
+                </a:solidFill>
+                <a:latin typeface="Consolas" panose="020B0609020204030204" pitchFamily="49" charset="0"/>
+              </a:rPr>
+              <a:t>,</a:t>
+            </a:r>
+            <a:r>
+              <a:rPr lang="en-US" sz="1200" dirty="0">
+                <a:solidFill>
+                  <a:srgbClr val="000000"/>
+                </a:solidFill>
+                <a:latin typeface="Consolas" panose="020B0609020204030204" pitchFamily="49" charset="0"/>
+              </a:rPr>
+              <a:t>12</a:t>
+            </a:r>
+            <a:r>
+              <a:rPr lang="en-US" sz="1200" dirty="0">
+                <a:solidFill>
+                  <a:srgbClr val="808080"/>
+                </a:solidFill>
+                <a:latin typeface="Consolas" panose="020B0609020204030204" pitchFamily="49" charset="0"/>
+              </a:rPr>
+              <a:t>)</a:t>
+            </a:r>
+            <a:endParaRPr lang="en-US" sz="1200" dirty="0">
+              <a:solidFill>
+                <a:srgbClr val="000000"/>
+              </a:solidFill>
+              <a:latin typeface="Consolas" panose="020B0609020204030204" pitchFamily="49" charset="0"/>
+            </a:endParaRPr>
+          </a:p>
+          <a:p>
+            <a:r>
+              <a:rPr lang="en-US" sz="1200" dirty="0">
+                <a:solidFill>
+                  <a:srgbClr val="0000FF"/>
+                </a:solidFill>
+                <a:latin typeface="Consolas" panose="020B0609020204030204" pitchFamily="49" charset="0"/>
+              </a:rPr>
+              <a:t>insert</a:t>
+            </a:r>
+            <a:r>
+              <a:rPr lang="en-US" sz="1200" dirty="0">
+                <a:solidFill>
+                  <a:srgbClr val="000000"/>
+                </a:solidFill>
+                <a:latin typeface="Consolas" panose="020B0609020204030204" pitchFamily="49" charset="0"/>
+              </a:rPr>
+              <a:t> </a:t>
+            </a:r>
+            <a:r>
+              <a:rPr lang="en-US" sz="1200" dirty="0">
+                <a:solidFill>
+                  <a:srgbClr val="0000FF"/>
+                </a:solidFill>
+                <a:latin typeface="Consolas" panose="020B0609020204030204" pitchFamily="49" charset="0"/>
+              </a:rPr>
+              <a:t>into</a:t>
+            </a:r>
+            <a:r>
+              <a:rPr lang="en-US" sz="1200" dirty="0">
+                <a:solidFill>
+                  <a:srgbClr val="000000"/>
+                </a:solidFill>
+                <a:latin typeface="Consolas" panose="020B0609020204030204" pitchFamily="49" charset="0"/>
+              </a:rPr>
+              <a:t> @p2 </a:t>
+            </a:r>
+            <a:r>
+              <a:rPr lang="en-US" sz="1200" dirty="0">
+                <a:solidFill>
+                  <a:srgbClr val="0000FF"/>
+                </a:solidFill>
+                <a:latin typeface="Consolas" panose="020B0609020204030204" pitchFamily="49" charset="0"/>
+              </a:rPr>
+              <a:t>values</a:t>
+            </a:r>
+            <a:r>
+              <a:rPr lang="en-US" sz="1200" dirty="0">
+                <a:solidFill>
+                  <a:srgbClr val="808080"/>
+                </a:solidFill>
+                <a:latin typeface="Consolas" panose="020B0609020204030204" pitchFamily="49" charset="0"/>
+              </a:rPr>
+              <a:t>(</a:t>
+            </a:r>
+            <a:r>
+              <a:rPr lang="en-US" sz="1200" dirty="0">
+                <a:solidFill>
+                  <a:srgbClr val="FF0000"/>
+                </a:solidFill>
+                <a:latin typeface="Consolas" panose="020B0609020204030204" pitchFamily="49" charset="0"/>
+              </a:rPr>
+              <a:t>N'M'</a:t>
+            </a:r>
+            <a:r>
+              <a:rPr lang="en-US" sz="1200" dirty="0">
+                <a:solidFill>
+                  <a:srgbClr val="808080"/>
+                </a:solidFill>
+                <a:latin typeface="Consolas" panose="020B0609020204030204" pitchFamily="49" charset="0"/>
+              </a:rPr>
+              <a:t>,</a:t>
+            </a:r>
+            <a:r>
+              <a:rPr lang="en-US" sz="1200" dirty="0">
+                <a:solidFill>
+                  <a:srgbClr val="000000"/>
+                </a:solidFill>
+                <a:latin typeface="Consolas" panose="020B0609020204030204" pitchFamily="49" charset="0"/>
+              </a:rPr>
+              <a:t>13</a:t>
+            </a:r>
+            <a:r>
+              <a:rPr lang="en-US" sz="1200" dirty="0">
+                <a:solidFill>
+                  <a:srgbClr val="808080"/>
+                </a:solidFill>
+                <a:latin typeface="Consolas" panose="020B0609020204030204" pitchFamily="49" charset="0"/>
+              </a:rPr>
+              <a:t>)</a:t>
+            </a:r>
+            <a:endParaRPr lang="en-US" sz="1200" dirty="0">
+              <a:solidFill>
+                <a:srgbClr val="000000"/>
+              </a:solidFill>
+              <a:latin typeface="Consolas" panose="020B0609020204030204" pitchFamily="49" charset="0"/>
+            </a:endParaRPr>
+          </a:p>
+          <a:p>
+            <a:r>
+              <a:rPr lang="en-US" sz="1200" dirty="0">
+                <a:solidFill>
+                  <a:srgbClr val="0000FF"/>
+                </a:solidFill>
+                <a:latin typeface="Consolas" panose="020B0609020204030204" pitchFamily="49" charset="0"/>
+              </a:rPr>
+              <a:t>insert</a:t>
+            </a:r>
+            <a:r>
+              <a:rPr lang="en-US" sz="1200" dirty="0">
+                <a:solidFill>
+                  <a:srgbClr val="000000"/>
+                </a:solidFill>
+                <a:latin typeface="Consolas" panose="020B0609020204030204" pitchFamily="49" charset="0"/>
+              </a:rPr>
+              <a:t> </a:t>
+            </a:r>
+            <a:r>
+              <a:rPr lang="en-US" sz="1200" dirty="0">
+                <a:solidFill>
+                  <a:srgbClr val="0000FF"/>
+                </a:solidFill>
+                <a:latin typeface="Consolas" panose="020B0609020204030204" pitchFamily="49" charset="0"/>
+              </a:rPr>
+              <a:t>into</a:t>
+            </a:r>
+            <a:r>
+              <a:rPr lang="en-US" sz="1200" dirty="0">
+                <a:solidFill>
+                  <a:srgbClr val="000000"/>
+                </a:solidFill>
+                <a:latin typeface="Consolas" panose="020B0609020204030204" pitchFamily="49" charset="0"/>
+              </a:rPr>
+              <a:t> @p2 </a:t>
+            </a:r>
+            <a:r>
+              <a:rPr lang="en-US" sz="1200" dirty="0">
+                <a:solidFill>
+                  <a:srgbClr val="0000FF"/>
+                </a:solidFill>
+                <a:latin typeface="Consolas" panose="020B0609020204030204" pitchFamily="49" charset="0"/>
+              </a:rPr>
+              <a:t>values</a:t>
+            </a:r>
+            <a:r>
+              <a:rPr lang="en-US" sz="1200" dirty="0">
+                <a:solidFill>
+                  <a:srgbClr val="808080"/>
+                </a:solidFill>
+                <a:latin typeface="Consolas" panose="020B0609020204030204" pitchFamily="49" charset="0"/>
+              </a:rPr>
+              <a:t>(</a:t>
+            </a:r>
+            <a:r>
+              <a:rPr lang="en-US" sz="1200" dirty="0">
+                <a:solidFill>
+                  <a:srgbClr val="FF0000"/>
+                </a:solidFill>
+                <a:latin typeface="Consolas" panose="020B0609020204030204" pitchFamily="49" charset="0"/>
+              </a:rPr>
+              <a:t>N'N'</a:t>
+            </a:r>
+            <a:r>
+              <a:rPr lang="en-US" sz="1200" dirty="0">
+                <a:solidFill>
+                  <a:srgbClr val="808080"/>
+                </a:solidFill>
+                <a:latin typeface="Consolas" panose="020B0609020204030204" pitchFamily="49" charset="0"/>
+              </a:rPr>
+              <a:t>,</a:t>
+            </a:r>
+            <a:r>
+              <a:rPr lang="en-US" sz="1200" dirty="0">
+                <a:solidFill>
+                  <a:srgbClr val="000000"/>
+                </a:solidFill>
+                <a:latin typeface="Consolas" panose="020B0609020204030204" pitchFamily="49" charset="0"/>
+              </a:rPr>
+              <a:t>14</a:t>
+            </a:r>
+            <a:r>
+              <a:rPr lang="en-US" sz="1200" dirty="0">
+                <a:solidFill>
+                  <a:srgbClr val="808080"/>
+                </a:solidFill>
+                <a:latin typeface="Consolas" panose="020B0609020204030204" pitchFamily="49" charset="0"/>
+              </a:rPr>
+              <a:t>)</a:t>
+            </a:r>
+            <a:endParaRPr lang="en-US" sz="1200" dirty="0">
+              <a:solidFill>
+                <a:srgbClr val="000000"/>
+              </a:solidFill>
+              <a:latin typeface="Consolas" panose="020B0609020204030204" pitchFamily="49" charset="0"/>
+            </a:endParaRPr>
+          </a:p>
+          <a:p>
+            <a:r>
+              <a:rPr lang="en-US" sz="1200" dirty="0">
+                <a:solidFill>
+                  <a:srgbClr val="0000FF"/>
+                </a:solidFill>
+                <a:latin typeface="Consolas" panose="020B0609020204030204" pitchFamily="49" charset="0"/>
+              </a:rPr>
+              <a:t>insert</a:t>
+            </a:r>
+            <a:r>
+              <a:rPr lang="en-US" sz="1200" dirty="0">
+                <a:solidFill>
+                  <a:srgbClr val="000000"/>
+                </a:solidFill>
+                <a:latin typeface="Consolas" panose="020B0609020204030204" pitchFamily="49" charset="0"/>
+              </a:rPr>
+              <a:t> </a:t>
+            </a:r>
+            <a:r>
+              <a:rPr lang="en-US" sz="1200" dirty="0">
+                <a:solidFill>
+                  <a:srgbClr val="0000FF"/>
+                </a:solidFill>
+                <a:latin typeface="Consolas" panose="020B0609020204030204" pitchFamily="49" charset="0"/>
+              </a:rPr>
+              <a:t>into</a:t>
+            </a:r>
+            <a:r>
+              <a:rPr lang="en-US" sz="1200" dirty="0">
+                <a:solidFill>
+                  <a:srgbClr val="000000"/>
+                </a:solidFill>
+                <a:latin typeface="Consolas" panose="020B0609020204030204" pitchFamily="49" charset="0"/>
+              </a:rPr>
+              <a:t> @p2 </a:t>
+            </a:r>
+            <a:r>
+              <a:rPr lang="en-US" sz="1200" dirty="0">
+                <a:solidFill>
+                  <a:srgbClr val="0000FF"/>
+                </a:solidFill>
+                <a:latin typeface="Consolas" panose="020B0609020204030204" pitchFamily="49" charset="0"/>
+              </a:rPr>
+              <a:t>values</a:t>
+            </a:r>
+            <a:r>
+              <a:rPr lang="en-US" sz="1200" dirty="0">
+                <a:solidFill>
+                  <a:srgbClr val="808080"/>
+                </a:solidFill>
+                <a:latin typeface="Consolas" panose="020B0609020204030204" pitchFamily="49" charset="0"/>
+              </a:rPr>
+              <a:t>(</a:t>
+            </a:r>
+            <a:r>
+              <a:rPr lang="en-US" sz="1200" dirty="0">
+                <a:solidFill>
+                  <a:srgbClr val="FF0000"/>
+                </a:solidFill>
+                <a:latin typeface="Consolas" panose="020B0609020204030204" pitchFamily="49" charset="0"/>
+              </a:rPr>
+              <a:t>N'O'</a:t>
+            </a:r>
+            <a:r>
+              <a:rPr lang="en-US" sz="1200" dirty="0">
+                <a:solidFill>
+                  <a:srgbClr val="808080"/>
+                </a:solidFill>
+                <a:latin typeface="Consolas" panose="020B0609020204030204" pitchFamily="49" charset="0"/>
+              </a:rPr>
+              <a:t>,</a:t>
+            </a:r>
+            <a:r>
+              <a:rPr lang="en-US" sz="1200" dirty="0">
+                <a:solidFill>
+                  <a:srgbClr val="000000"/>
+                </a:solidFill>
+                <a:latin typeface="Consolas" panose="020B0609020204030204" pitchFamily="49" charset="0"/>
+              </a:rPr>
+              <a:t>15</a:t>
+            </a:r>
+            <a:r>
+              <a:rPr lang="en-US" sz="1200" dirty="0">
+                <a:solidFill>
+                  <a:srgbClr val="808080"/>
+                </a:solidFill>
+                <a:latin typeface="Consolas" panose="020B0609020204030204" pitchFamily="49" charset="0"/>
+              </a:rPr>
+              <a:t>)</a:t>
+            </a:r>
+            <a:endParaRPr lang="en-US" sz="1200" dirty="0">
+              <a:solidFill>
+                <a:srgbClr val="000000"/>
+              </a:solidFill>
+              <a:latin typeface="Consolas" panose="020B0609020204030204" pitchFamily="49" charset="0"/>
+            </a:endParaRPr>
+          </a:p>
+          <a:p>
+            <a:endParaRPr lang="en-US" sz="1200" dirty="0">
+              <a:solidFill>
+                <a:srgbClr val="000000"/>
+              </a:solidFill>
+              <a:latin typeface="Consolas" panose="020B0609020204030204" pitchFamily="49" charset="0"/>
+            </a:endParaRPr>
+          </a:p>
+          <a:p>
+            <a:r>
+              <a:rPr lang="en-US" sz="1200" dirty="0">
+                <a:solidFill>
+                  <a:srgbClr val="0000FF"/>
+                </a:solidFill>
+                <a:latin typeface="Consolas" panose="020B0609020204030204" pitchFamily="49" charset="0"/>
+              </a:rPr>
+              <a:t>exec</a:t>
+            </a:r>
+            <a:r>
+              <a:rPr lang="en-US" sz="1200" dirty="0">
+                <a:solidFill>
+                  <a:srgbClr val="000000"/>
+                </a:solidFill>
+                <a:latin typeface="Consolas" panose="020B0609020204030204" pitchFamily="49" charset="0"/>
+              </a:rPr>
+              <a:t> [</a:t>
+            </a:r>
+            <a:r>
+              <a:rPr lang="en-US" sz="1200" dirty="0" err="1">
+                <a:solidFill>
+                  <a:srgbClr val="000000"/>
+                </a:solidFill>
+                <a:latin typeface="Consolas" panose="020B0609020204030204" pitchFamily="49" charset="0"/>
+              </a:rPr>
+              <a:t>dbo</a:t>
+            </a:r>
+            <a:r>
+              <a:rPr lang="en-US" sz="1200" dirty="0">
+                <a:solidFill>
+                  <a:srgbClr val="000000"/>
+                </a:solidFill>
+                <a:latin typeface="Consolas" panose="020B0609020204030204" pitchFamily="49" charset="0"/>
+              </a:rPr>
+              <a:t>]</a:t>
+            </a:r>
+            <a:r>
+              <a:rPr lang="en-US" sz="1200" dirty="0">
+                <a:solidFill>
+                  <a:srgbClr val="808080"/>
+                </a:solidFill>
+                <a:latin typeface="Consolas" panose="020B0609020204030204" pitchFamily="49" charset="0"/>
+              </a:rPr>
+              <a:t>.</a:t>
+            </a:r>
+            <a:r>
+              <a:rPr lang="en-US" sz="1200" dirty="0">
+                <a:solidFill>
+                  <a:srgbClr val="000000"/>
+                </a:solidFill>
+                <a:latin typeface="Consolas" panose="020B0609020204030204" pitchFamily="49" charset="0"/>
+              </a:rPr>
+              <a:t>[</a:t>
+            </a:r>
+            <a:r>
+              <a:rPr lang="en-US" sz="1200" dirty="0" err="1">
+                <a:solidFill>
+                  <a:srgbClr val="000000"/>
+                </a:solidFill>
+                <a:latin typeface="Consolas" panose="020B0609020204030204" pitchFamily="49" charset="0"/>
+              </a:rPr>
+              <a:t>usp_Measurements_Upsert</a:t>
+            </a:r>
+            <a:r>
+              <a:rPr lang="en-US" sz="1200" dirty="0">
+                <a:solidFill>
+                  <a:srgbClr val="000000"/>
+                </a:solidFill>
+                <a:latin typeface="Consolas" panose="020B0609020204030204" pitchFamily="49" charset="0"/>
+              </a:rPr>
+              <a:t>]</a:t>
+            </a:r>
+            <a:r>
+              <a:rPr lang="en-US" sz="1200" dirty="0">
+                <a:solidFill>
+                  <a:srgbClr val="0000FF"/>
+                </a:solidFill>
+                <a:latin typeface="Consolas" panose="020B0609020204030204" pitchFamily="49" charset="0"/>
+              </a:rPr>
+              <a:t> </a:t>
+            </a:r>
+            <a:r>
+              <a:rPr lang="en-US" sz="1200" dirty="0">
+                <a:solidFill>
+                  <a:srgbClr val="000000"/>
+                </a:solidFill>
+                <a:latin typeface="Consolas" panose="020B0609020204030204" pitchFamily="49" charset="0"/>
+              </a:rPr>
+              <a:t>@LocationCode</a:t>
+            </a:r>
+            <a:r>
+              <a:rPr lang="en-US" sz="1200" dirty="0">
+                <a:solidFill>
+                  <a:srgbClr val="808080"/>
+                </a:solidFill>
+                <a:latin typeface="Consolas" panose="020B0609020204030204" pitchFamily="49" charset="0"/>
+              </a:rPr>
+              <a:t>=</a:t>
+            </a:r>
+            <a:r>
+              <a:rPr lang="en-US" sz="1200" dirty="0">
+                <a:solidFill>
+                  <a:srgbClr val="000000"/>
+                </a:solidFill>
+                <a:latin typeface="Consolas" panose="020B0609020204030204" pitchFamily="49" charset="0"/>
+              </a:rPr>
+              <a:t>2</a:t>
+            </a:r>
+            <a:r>
+              <a:rPr lang="en-US" sz="1200" dirty="0">
+                <a:solidFill>
+                  <a:srgbClr val="808080"/>
+                </a:solidFill>
+                <a:latin typeface="Consolas" panose="020B0609020204030204" pitchFamily="49" charset="0"/>
+              </a:rPr>
+              <a:t>,</a:t>
+            </a:r>
+            <a:r>
+              <a:rPr lang="en-US" sz="1200" dirty="0">
+                <a:solidFill>
+                  <a:srgbClr val="000000"/>
+                </a:solidFill>
+                <a:latin typeface="Consolas" panose="020B0609020204030204" pitchFamily="49" charset="0"/>
+              </a:rPr>
+              <a:t>@dt_Measurements</a:t>
+            </a:r>
+            <a:r>
+              <a:rPr lang="en-US" sz="1200" dirty="0">
+                <a:solidFill>
+                  <a:srgbClr val="808080"/>
+                </a:solidFill>
+                <a:latin typeface="Consolas" panose="020B0609020204030204" pitchFamily="49" charset="0"/>
+              </a:rPr>
+              <a:t>=</a:t>
+            </a:r>
+            <a:r>
+              <a:rPr lang="en-US" sz="1200" dirty="0">
+                <a:solidFill>
+                  <a:srgbClr val="000000"/>
+                </a:solidFill>
+                <a:latin typeface="Consolas" panose="020B0609020204030204" pitchFamily="49" charset="0"/>
+              </a:rPr>
+              <a:t>@p2</a:t>
+            </a:r>
+            <a:endParaRPr lang="en-US" dirty="0">
+              <a:solidFill>
+                <a:srgbClr val="000000"/>
+              </a:solidFill>
+              <a:latin typeface="Consolas" panose="020B0609020204030204" pitchFamily="49" charset="0"/>
+            </a:endParaRPr>
+          </a:p>
+          <a:p>
+            <a:endParaRPr lang="en-US" dirty="0"/>
           </a:p>
         </p:txBody>
       </p:sp>
@@ -2499,7 +2510,7 @@
           <a:p>
             <a:fld id="{2CD9D0CF-7A5F-42A2-8CCA-4A796DEC5511}" type="slidenum">
               <a:rPr lang="en-US" smtClean="0"/>
-              <a:t>35</a:t>
+              <a:t>27</a:t>
             </a:fld>
             <a:endParaRPr lang="en-US"/>
           </a:p>
@@ -2508,7 +2519,7 @@
     </p:spTree>
     <p:extLst>
       <p:ext uri="{BB962C8B-B14F-4D97-AF65-F5344CB8AC3E}">
-        <p14:creationId xmlns:p14="http://schemas.microsoft.com/office/powerpoint/2010/main" val="2161513194"/>
+        <p14:creationId xmlns:p14="http://schemas.microsoft.com/office/powerpoint/2010/main" val="79803773"/>
       </p:ext>
     </p:extLst>
   </p:cSld>
@@ -2562,7 +2573,16 @@
           <a:bodyPr/>
           <a:lstStyle/>
           <a:p>
-            <a:endParaRPr lang="en-US" dirty="0"/>
+            <a:r>
+              <a:rPr lang="en-US" dirty="0"/>
+              <a:t>Should I be concerned with how much cost the inserts took?</a:t>
+            </a:r>
+          </a:p>
+          <a:p>
+            <a:r>
+              <a:rPr lang="en-US" dirty="0"/>
+              <a:t>Probably not, since these are a fixed cost. I cannot tune inserts into a table type.</a:t>
+            </a:r>
           </a:p>
         </p:txBody>
       </p:sp>
@@ -2583,7 +2603,7 @@
           <a:p>
             <a:fld id="{2CD9D0CF-7A5F-42A2-8CCA-4A796DEC5511}" type="slidenum">
               <a:rPr lang="en-US" smtClean="0"/>
-              <a:t>36</a:t>
+              <a:t>35</a:t>
             </a:fld>
             <a:endParaRPr lang="en-US"/>
           </a:p>
@@ -2592,7 +2612,7 @@
     </p:spTree>
     <p:extLst>
       <p:ext uri="{BB962C8B-B14F-4D97-AF65-F5344CB8AC3E}">
-        <p14:creationId xmlns:p14="http://schemas.microsoft.com/office/powerpoint/2010/main" val="103978345"/>
+        <p14:creationId xmlns:p14="http://schemas.microsoft.com/office/powerpoint/2010/main" val="2161513194"/>
       </p:ext>
     </p:extLst>
   </p:cSld>
@@ -2667,6 +2687,90 @@
           <a:p>
             <a:fld id="{2CD9D0CF-7A5F-42A2-8CCA-4A796DEC5511}" type="slidenum">
               <a:rPr lang="en-US" smtClean="0"/>
+              <a:t>36</a:t>
+            </a:fld>
+            <a:endParaRPr lang="en-US"/>
+          </a:p>
+        </p:txBody>
+      </p:sp>
+    </p:spTree>
+    <p:extLst>
+      <p:ext uri="{BB962C8B-B14F-4D97-AF65-F5344CB8AC3E}">
+        <p14:creationId xmlns:p14="http://schemas.microsoft.com/office/powerpoint/2010/main" val="103978345"/>
+      </p:ext>
+    </p:extLst>
+  </p:cSld>
+  <p:clrMapOvr>
+    <a:masterClrMapping/>
+  </p:clrMapOvr>
+</p:notes>
+</file>
+
+<file path=ppt/notesSlides/notesSlide24.xml><?xml version="1.0" encoding="utf-8"?>
+<p:notes xmlns:a="http://schemas.openxmlformats.org/drawingml/2006/main" xmlns:r="http://schemas.openxmlformats.org/officeDocument/2006/relationships" xmlns:p="http://schemas.openxmlformats.org/presentationml/2006/main">
+  <p:cSld>
+    <p:spTree>
+      <p:nvGrpSpPr>
+        <p:cNvPr id="1" name=""/>
+        <p:cNvGrpSpPr/>
+        <p:nvPr/>
+      </p:nvGrpSpPr>
+      <p:grpSpPr>
+        <a:xfrm>
+          <a:off x="0" y="0"/>
+          <a:ext cx="0" cy="0"/>
+          <a:chOff x="0" y="0"/>
+          <a:chExt cx="0" cy="0"/>
+        </a:xfrm>
+      </p:grpSpPr>
+      <p:sp>
+        <p:nvSpPr>
+          <p:cNvPr id="2" name="Slide Image Placeholder 1"/>
+          <p:cNvSpPr>
+            <a:spLocks noGrp="1" noRot="1" noChangeAspect="1"/>
+          </p:cNvSpPr>
+          <p:nvPr>
+            <p:ph type="sldImg"/>
+          </p:nvPr>
+        </p:nvSpPr>
+        <p:spPr/>
+      </p:sp>
+      <p:sp>
+        <p:nvSpPr>
+          <p:cNvPr id="3" name="Notes Placeholder 2"/>
+          <p:cNvSpPr>
+            <a:spLocks noGrp="1"/>
+          </p:cNvSpPr>
+          <p:nvPr>
+            <p:ph type="body" idx="1"/>
+          </p:nvPr>
+        </p:nvSpPr>
+        <p:spPr/>
+        <p:txBody>
+          <a:bodyPr/>
+          <a:lstStyle/>
+          <a:p>
+            <a:endParaRPr lang="en-US" dirty="0"/>
+          </a:p>
+        </p:txBody>
+      </p:sp>
+      <p:sp>
+        <p:nvSpPr>
+          <p:cNvPr id="4" name="Slide Number Placeholder 3"/>
+          <p:cNvSpPr>
+            <a:spLocks noGrp="1"/>
+          </p:cNvSpPr>
+          <p:nvPr>
+            <p:ph type="sldNum" sz="quarter" idx="5"/>
+          </p:nvPr>
+        </p:nvSpPr>
+        <p:spPr/>
+        <p:txBody>
+          <a:bodyPr/>
+          <a:lstStyle/>
+          <a:p>
+            <a:fld id="{2CD9D0CF-7A5F-42A2-8CCA-4A796DEC5511}" type="slidenum">
+              <a:rPr lang="en-US" smtClean="0"/>
               <a:t>37</a:t>
             </a:fld>
             <a:endParaRPr lang="en-US"/>
@@ -2686,7 +2790,7 @@
 </p:notes>
 </file>
 
-<file path=ppt/notesSlides/notesSlide24.xml><?xml version="1.0" encoding="utf-8"?>
+<file path=ppt/notesSlides/notesSlide25.xml><?xml version="1.0" encoding="utf-8"?>
 <p:notes xmlns:a="http://schemas.openxmlformats.org/drawingml/2006/main" xmlns:r="http://schemas.openxmlformats.org/officeDocument/2006/relationships" xmlns:p="http://schemas.openxmlformats.org/presentationml/2006/main">
   <p:cSld>
     <p:spTree>
@@ -3671,7 +3775,7 @@
           <a:p>
             <a:fld id="{FAFDAFBD-AA74-4F39-B34D-B8A0CE5CD8B0}" type="datetimeFigureOut">
               <a:rPr lang="en-US" smtClean="0"/>
-              <a:t>10/9/2023</a:t>
+              <a:t>10/13/2023</a:t>
             </a:fld>
             <a:endParaRPr lang="en-US"/>
           </a:p>
@@ -3869,7 +3973,7 @@
           <a:p>
             <a:fld id="{FAFDAFBD-AA74-4F39-B34D-B8A0CE5CD8B0}" type="datetimeFigureOut">
               <a:rPr lang="en-US" smtClean="0"/>
-              <a:t>10/9/2023</a:t>
+              <a:t>10/13/2023</a:t>
             </a:fld>
             <a:endParaRPr lang="en-US"/>
           </a:p>
@@ -4077,7 +4181,7 @@
           <a:p>
             <a:fld id="{FAFDAFBD-AA74-4F39-B34D-B8A0CE5CD8B0}" type="datetimeFigureOut">
               <a:rPr lang="en-US" smtClean="0"/>
-              <a:t>10/9/2023</a:t>
+              <a:t>10/13/2023</a:t>
             </a:fld>
             <a:endParaRPr lang="en-US"/>
           </a:p>
@@ -4872,7 +4976,7 @@
           <a:p>
             <a:fld id="{FAFDAFBD-AA74-4F39-B34D-B8A0CE5CD8B0}" type="datetimeFigureOut">
               <a:rPr lang="en-US" smtClean="0"/>
-              <a:t>10/9/2023</a:t>
+              <a:t>10/13/2023</a:t>
             </a:fld>
             <a:endParaRPr lang="en-US"/>
           </a:p>
@@ -5048,7 +5152,7 @@
           <a:p>
             <a:fld id="{FAFDAFBD-AA74-4F39-B34D-B8A0CE5CD8B0}" type="datetimeFigureOut">
               <a:rPr lang="en-US" smtClean="0"/>
-              <a:t>10/9/2023</a:t>
+              <a:t>10/13/2023</a:t>
             </a:fld>
             <a:endParaRPr lang="en-US"/>
           </a:p>
@@ -5295,7 +5399,7 @@
           <a:p>
             <a:fld id="{FAFDAFBD-AA74-4F39-B34D-B8A0CE5CD8B0}" type="datetimeFigureOut">
               <a:rPr lang="en-US" smtClean="0"/>
-              <a:t>10/9/2023</a:t>
+              <a:t>10/13/2023</a:t>
             </a:fld>
             <a:endParaRPr lang="en-US"/>
           </a:p>
@@ -5527,7 +5631,7 @@
           <a:p>
             <a:fld id="{FAFDAFBD-AA74-4F39-B34D-B8A0CE5CD8B0}" type="datetimeFigureOut">
               <a:rPr lang="en-US" smtClean="0"/>
-              <a:t>10/9/2023</a:t>
+              <a:t>10/13/2023</a:t>
             </a:fld>
             <a:endParaRPr lang="en-US"/>
           </a:p>
@@ -5901,7 +6005,7 @@
           <a:p>
             <a:fld id="{FAFDAFBD-AA74-4F39-B34D-B8A0CE5CD8B0}" type="datetimeFigureOut">
               <a:rPr lang="en-US" smtClean="0"/>
-              <a:t>10/9/2023</a:t>
+              <a:t>10/13/2023</a:t>
             </a:fld>
             <a:endParaRPr lang="en-US"/>
           </a:p>
@@ -6024,7 +6128,7 @@
           <a:p>
             <a:fld id="{FAFDAFBD-AA74-4F39-B34D-B8A0CE5CD8B0}" type="datetimeFigureOut">
               <a:rPr lang="en-US" smtClean="0"/>
-              <a:t>10/9/2023</a:t>
+              <a:t>10/13/2023</a:t>
             </a:fld>
             <a:endParaRPr lang="en-US"/>
           </a:p>
@@ -6119,7 +6223,7 @@
           <a:p>
             <a:fld id="{FAFDAFBD-AA74-4F39-B34D-B8A0CE5CD8B0}" type="datetimeFigureOut">
               <a:rPr lang="en-US" smtClean="0"/>
-              <a:t>10/9/2023</a:t>
+              <a:t>10/13/2023</a:t>
             </a:fld>
             <a:endParaRPr lang="en-US"/>
           </a:p>
@@ -6374,7 +6478,7 @@
           <a:p>
             <a:fld id="{FAFDAFBD-AA74-4F39-B34D-B8A0CE5CD8B0}" type="datetimeFigureOut">
               <a:rPr lang="en-US" smtClean="0"/>
-              <a:t>10/9/2023</a:t>
+              <a:t>10/13/2023</a:t>
             </a:fld>
             <a:endParaRPr lang="en-US"/>
           </a:p>
@@ -6560,7 +6664,7 @@
           <a:p>
             <a:fld id="{FAFDAFBD-AA74-4F39-B34D-B8A0CE5CD8B0}" type="datetimeFigureOut">
               <a:rPr lang="en-US" smtClean="0"/>
-              <a:t>10/9/2023</a:t>
+              <a:t>10/13/2023</a:t>
             </a:fld>
             <a:endParaRPr lang="en-US"/>
           </a:p>
@@ -6835,7 +6939,7 @@
           <a:p>
             <a:fld id="{FAFDAFBD-AA74-4F39-B34D-B8A0CE5CD8B0}" type="datetimeFigureOut">
               <a:rPr lang="en-US" smtClean="0"/>
-              <a:t>10/9/2023</a:t>
+              <a:t>10/13/2023</a:t>
             </a:fld>
             <a:endParaRPr lang="en-US"/>
           </a:p>
@@ -7086,7 +7190,7 @@
           <a:p>
             <a:fld id="{FAFDAFBD-AA74-4F39-B34D-B8A0CE5CD8B0}" type="datetimeFigureOut">
               <a:rPr lang="en-US" smtClean="0"/>
-              <a:t>10/9/2023</a:t>
+              <a:t>10/13/2023</a:t>
             </a:fld>
             <a:endParaRPr lang="en-US"/>
           </a:p>
@@ -7400,7 +7504,7 @@
           <a:p>
             <a:fld id="{FAFDAFBD-AA74-4F39-B34D-B8A0CE5CD8B0}" type="datetimeFigureOut">
               <a:rPr lang="en-US" smtClean="0"/>
-              <a:t>10/9/2023</a:t>
+              <a:t>10/13/2023</a:t>
             </a:fld>
             <a:endParaRPr lang="en-US"/>
           </a:p>
@@ -7741,7 +7845,7 @@
           <a:p>
             <a:fld id="{FAFDAFBD-AA74-4F39-B34D-B8A0CE5CD8B0}" type="datetimeFigureOut">
               <a:rPr lang="en-US" smtClean="0"/>
-              <a:t>10/9/2023</a:t>
+              <a:t>10/13/2023</a:t>
             </a:fld>
             <a:endParaRPr lang="en-US"/>
           </a:p>
@@ -8055,7 +8159,7 @@
           <a:p>
             <a:fld id="{FAFDAFBD-AA74-4F39-B34D-B8A0CE5CD8B0}" type="datetimeFigureOut">
               <a:rPr lang="en-US" smtClean="0"/>
-              <a:t>10/9/2023</a:t>
+              <a:t>10/13/2023</a:t>
             </a:fld>
             <a:endParaRPr lang="en-US"/>
           </a:p>
@@ -8448,7 +8552,7 @@
           <a:p>
             <a:fld id="{FAFDAFBD-AA74-4F39-B34D-B8A0CE5CD8B0}" type="datetimeFigureOut">
               <a:rPr lang="en-US" smtClean="0"/>
-              <a:t>10/9/2023</a:t>
+              <a:t>10/13/2023</a:t>
             </a:fld>
             <a:endParaRPr lang="en-US"/>
           </a:p>
@@ -8618,7 +8722,7 @@
           <a:p>
             <a:fld id="{FAFDAFBD-AA74-4F39-B34D-B8A0CE5CD8B0}" type="datetimeFigureOut">
               <a:rPr lang="en-US" smtClean="0"/>
-              <a:t>10/9/2023</a:t>
+              <a:t>10/13/2023</a:t>
             </a:fld>
             <a:endParaRPr lang="en-US"/>
           </a:p>
@@ -8798,7 +8902,7 @@
           <a:p>
             <a:fld id="{FAFDAFBD-AA74-4F39-B34D-B8A0CE5CD8B0}" type="datetimeFigureOut">
               <a:rPr lang="en-US" smtClean="0"/>
-              <a:t>10/9/2023</a:t>
+              <a:t>10/13/2023</a:t>
             </a:fld>
             <a:endParaRPr lang="en-US"/>
           </a:p>
@@ -9061,7 +9165,7 @@
           <a:p>
             <a:fld id="{FAFDAFBD-AA74-4F39-B34D-B8A0CE5CD8B0}" type="datetimeFigureOut">
               <a:rPr lang="en-US" smtClean="0"/>
-              <a:t>10/9/2023</a:t>
+              <a:t>10/13/2023</a:t>
             </a:fld>
             <a:endParaRPr lang="en-US"/>
           </a:p>
@@ -9326,7 +9430,7 @@
           <a:p>
             <a:fld id="{FAFDAFBD-AA74-4F39-B34D-B8A0CE5CD8B0}" type="datetimeFigureOut">
               <a:rPr lang="en-US" smtClean="0"/>
-              <a:t>10/9/2023</a:t>
+              <a:t>10/13/2023</a:t>
             </a:fld>
             <a:endParaRPr lang="en-US"/>
           </a:p>
@@ -9738,7 +9842,7 @@
           <a:p>
             <a:fld id="{FAFDAFBD-AA74-4F39-B34D-B8A0CE5CD8B0}" type="datetimeFigureOut">
               <a:rPr lang="en-US" smtClean="0"/>
-              <a:t>10/9/2023</a:t>
+              <a:t>10/13/2023</a:t>
             </a:fld>
             <a:endParaRPr lang="en-US"/>
           </a:p>
@@ -9879,7 +9983,7 @@
           <a:p>
             <a:fld id="{FAFDAFBD-AA74-4F39-B34D-B8A0CE5CD8B0}" type="datetimeFigureOut">
               <a:rPr lang="en-US" smtClean="0"/>
-              <a:t>10/9/2023</a:t>
+              <a:t>10/13/2023</a:t>
             </a:fld>
             <a:endParaRPr lang="en-US"/>
           </a:p>
@@ -9992,7 +10096,7 @@
           <a:p>
             <a:fld id="{FAFDAFBD-AA74-4F39-B34D-B8A0CE5CD8B0}" type="datetimeFigureOut">
               <a:rPr lang="en-US" smtClean="0"/>
-              <a:t>10/9/2023</a:t>
+              <a:t>10/13/2023</a:t>
             </a:fld>
             <a:endParaRPr lang="en-US"/>
           </a:p>
@@ -10303,7 +10407,7 @@
           <a:p>
             <a:fld id="{FAFDAFBD-AA74-4F39-B34D-B8A0CE5CD8B0}" type="datetimeFigureOut">
               <a:rPr lang="en-US" smtClean="0"/>
-              <a:t>10/9/2023</a:t>
+              <a:t>10/13/2023</a:t>
             </a:fld>
             <a:endParaRPr lang="en-US"/>
           </a:p>
@@ -10591,7 +10695,7 @@
           <a:p>
             <a:fld id="{FAFDAFBD-AA74-4F39-B34D-B8A0CE5CD8B0}" type="datetimeFigureOut">
               <a:rPr lang="en-US" smtClean="0"/>
-              <a:t>10/9/2023</a:t>
+              <a:t>10/13/2023</a:t>
             </a:fld>
             <a:endParaRPr lang="en-US"/>
           </a:p>
@@ -10832,7 +10936,7 @@
           <a:p>
             <a:fld id="{FAFDAFBD-AA74-4F39-B34D-B8A0CE5CD8B0}" type="datetimeFigureOut">
               <a:rPr lang="en-US" smtClean="0"/>
-              <a:t>10/9/2023</a:t>
+              <a:t>10/13/2023</a:t>
             </a:fld>
             <a:endParaRPr lang="en-US"/>
           </a:p>
@@ -11914,7 +12018,7 @@
           <a:p>
             <a:fld id="{FAFDAFBD-AA74-4F39-B34D-B8A0CE5CD8B0}" type="datetimeFigureOut">
               <a:rPr lang="en-US" smtClean="0"/>
-              <a:t>10/9/2023</a:t>
+              <a:t>10/13/2023</a:t>
             </a:fld>
             <a:endParaRPr lang="en-US"/>
           </a:p>
@@ -13261,41 +13365,6 @@
           </a:p>
         </p:txBody>
       </p:sp>
-      <p:sp>
-        <p:nvSpPr>
-          <p:cNvPr id="3" name="TextBox 2">
-            <a:extLst>
-              <a:ext uri="{FF2B5EF4-FFF2-40B4-BE49-F238E27FC236}">
-                <a16:creationId xmlns:a16="http://schemas.microsoft.com/office/drawing/2014/main" id="{BFF1BD22-D011-7122-BFDD-BB43607A12B3}"/>
-              </a:ext>
-            </a:extLst>
-          </p:cNvPr>
-          <p:cNvSpPr txBox="1"/>
-          <p:nvPr/>
-        </p:nvSpPr>
-        <p:spPr>
-          <a:xfrm>
-            <a:off x="4849091" y="3429000"/>
-            <a:ext cx="2189019" cy="369332"/>
-          </a:xfrm>
-          <a:prstGeom prst="rect">
-            <a:avLst/>
-          </a:prstGeom>
-          <a:noFill/>
-        </p:spPr>
-        <p:txBody>
-          <a:bodyPr wrap="square" rtlCol="0">
-            <a:spAutoFit/>
-          </a:bodyPr>
-          <a:lstStyle/>
-          <a:p>
-            <a:r>
-              <a:rPr lang="en-US" dirty="0"/>
-              <a:t>(Start up Profiler)</a:t>
-            </a:r>
-          </a:p>
-        </p:txBody>
-      </p:sp>
     </p:spTree>
     <p:extLst>
       <p:ext uri="{BB962C8B-B14F-4D97-AF65-F5344CB8AC3E}">
@@ -15659,7 +15728,7 @@
           <a:p>
             <a:r>
               <a:rPr lang="en-US" dirty="0"/>
-              <a:t>Already some concerns? (6/6)</a:t>
+              <a:t>Already some concerns? (5/6)</a:t>
             </a:r>
           </a:p>
         </p:txBody>
@@ -15689,19 +15758,48 @@
           <a:p>
             <a:r>
               <a:rPr lang="en-US" sz="2400" dirty="0"/>
-              <a:t>All that data is stored in </a:t>
-            </a:r>
-            <a:r>
-              <a:rPr lang="en-US" sz="2400" dirty="0" err="1"/>
-              <a:t>tempdb</a:t>
-            </a:r>
-            <a:endParaRPr lang="en-US" sz="2400" dirty="0"/>
-          </a:p>
-          <a:p>
-            <a:r>
-              <a:rPr lang="en-US" sz="2400" dirty="0"/>
-              <a:t>Test, test, test!</a:t>
-            </a:r>
+              <a:t>Versioning</a:t>
+            </a:r>
+          </a:p>
+          <a:p>
+            <a:pPr lvl="1"/>
+            <a:r>
+              <a:rPr lang="en-US" sz="2200" dirty="0"/>
+              <a:t>Structure of the UDDT changes </a:t>
+            </a:r>
+          </a:p>
+          <a:p>
+            <a:pPr lvl="2"/>
+            <a:r>
+              <a:rPr lang="en-US" sz="2000" dirty="0"/>
+              <a:t>more/less columns</a:t>
+            </a:r>
+          </a:p>
+          <a:p>
+            <a:pPr lvl="2"/>
+            <a:r>
+              <a:rPr lang="en-US" sz="2000" dirty="0"/>
+              <a:t>Requires a new proc to handle the change</a:t>
+            </a:r>
+          </a:p>
+          <a:p>
+            <a:pPr lvl="2"/>
+            <a:r>
+              <a:rPr lang="en-US" sz="2000" dirty="0"/>
+              <a:t>How/Will you force users to new proc/UDDT?</a:t>
+            </a:r>
+          </a:p>
+          <a:p>
+            <a:pPr lvl="2"/>
+            <a:r>
+              <a:rPr lang="en-US" sz="2000" dirty="0"/>
+              <a:t>How to identify old/new versions?</a:t>
+            </a:r>
+            <a:endParaRPr lang="en-US" sz="1600" dirty="0"/>
+          </a:p>
+          <a:p>
+            <a:pPr lvl="1"/>
+            <a:endParaRPr lang="en-US" sz="2200" dirty="0"/>
           </a:p>
         </p:txBody>
       </p:sp>
@@ -15740,7 +15838,7 @@
           <p:cNvPr id="2" name="Title 1">
             <a:extLst>
               <a:ext uri="{FF2B5EF4-FFF2-40B4-BE49-F238E27FC236}">
-                <a16:creationId xmlns:a16="http://schemas.microsoft.com/office/drawing/2014/main" id="{14A0B22D-6451-4E9C-AF3A-064233F22955}"/>
+                <a16:creationId xmlns:a16="http://schemas.microsoft.com/office/drawing/2014/main" id="{1D7C15A7-E0D7-9012-26C1-B20F7E396E49}"/>
               </a:ext>
             </a:extLst>
           </p:cNvPr>
@@ -15758,7 +15856,7 @@
           <a:p>
             <a:r>
               <a:rPr lang="en-US" dirty="0"/>
-              <a:t>Life with UDTTs</a:t>
+              <a:t>Already some concerns? (6/6)</a:t>
             </a:r>
           </a:p>
         </p:txBody>
@@ -15768,7 +15866,7 @@
           <p:cNvPr id="3" name="Content Placeholder 2">
             <a:extLst>
               <a:ext uri="{FF2B5EF4-FFF2-40B4-BE49-F238E27FC236}">
-                <a16:creationId xmlns:a16="http://schemas.microsoft.com/office/drawing/2014/main" id="{CEBDDE86-6846-6CBA-B865-0C2ACE1C9A94}"/>
+                <a16:creationId xmlns:a16="http://schemas.microsoft.com/office/drawing/2014/main" id="{53A67F6F-B6A4-0200-38D7-F5E1EABC4E1E}"/>
               </a:ext>
             </a:extLst>
           </p:cNvPr>
@@ -15779,211 +15877,27 @@
             <p:ph idx="1"/>
           </p:nvPr>
         </p:nvSpPr>
-        <p:spPr>
-          <a:xfrm>
-            <a:off x="838200" y="1548535"/>
-            <a:ext cx="10515600" cy="4667250"/>
-          </a:xfrm>
-        </p:spPr>
+        <p:spPr/>
         <p:txBody>
           <a:bodyPr>
-            <a:noAutofit/>
+            <a:normAutofit/>
           </a:bodyPr>
           <a:lstStyle/>
           <a:p>
-            <a:pPr marL="0" indent="0">
-              <a:buNone/>
-            </a:pPr>
-            <a:r>
-              <a:rPr lang="en-US" sz="2000" dirty="0" err="1">
-                <a:latin typeface="Cascadia Code" panose="020B0609020000020004" pitchFamily="49" charset="0"/>
-                <a:cs typeface="Cascadia Code" panose="020B0609020000020004" pitchFamily="49" charset="0"/>
-              </a:rPr>
-              <a:t>Data</a:t>
-            </a:r>
-            <a:r>
-              <a:rPr lang="en-US" sz="2000" dirty="0" err="1">
-                <a:solidFill>
-                  <a:schemeClr val="tx1"/>
-                </a:solidFill>
-                <a:latin typeface="Cascadia Code" panose="020B0609020000020004" pitchFamily="49" charset="0"/>
-                <a:cs typeface="Cascadia Code" panose="020B0609020000020004" pitchFamily="49" charset="0"/>
-              </a:rPr>
-              <a:t>.Load</a:t>
-            </a:r>
-            <a:r>
-              <a:rPr lang="en-US" sz="2000" dirty="0">
-                <a:solidFill>
-                  <a:schemeClr val="tx1"/>
-                </a:solidFill>
-                <a:latin typeface="Cascadia Code" panose="020B0609020000020004" pitchFamily="49" charset="0"/>
-                <a:cs typeface="Cascadia Code" panose="020B0609020000020004" pitchFamily="49" charset="0"/>
-              </a:rPr>
-              <a:t>()</a:t>
-            </a:r>
-          </a:p>
-          <a:p>
-            <a:pPr marL="0" indent="0">
-              <a:buNone/>
-            </a:pPr>
-            <a:r>
-              <a:rPr lang="en-US" sz="2000" dirty="0">
-                <a:latin typeface="Cascadia Code" panose="020B0609020000020004" pitchFamily="49" charset="0"/>
-                <a:cs typeface="Cascadia Code" panose="020B0609020000020004" pitchFamily="49" charset="0"/>
-              </a:rPr>
-              <a:t>   </a:t>
-            </a:r>
-            <a:r>
-              <a:rPr lang="en-US" sz="2000" dirty="0" err="1">
-                <a:latin typeface="Cascadia Code" panose="020B0609020000020004" pitchFamily="49" charset="0"/>
-                <a:cs typeface="Cascadia Code" panose="020B0609020000020004" pitchFamily="49" charset="0"/>
-              </a:rPr>
-              <a:t>DataTable</a:t>
-            </a:r>
-            <a:r>
-              <a:rPr lang="en-US" sz="2000" dirty="0">
-                <a:latin typeface="Cascadia Code" panose="020B0609020000020004" pitchFamily="49" charset="0"/>
-                <a:cs typeface="Cascadia Code" panose="020B0609020000020004" pitchFamily="49" charset="0"/>
-              </a:rPr>
-              <a:t> dt = </a:t>
-            </a:r>
-            <a:r>
-              <a:rPr lang="en-US" sz="2000" dirty="0" err="1">
-                <a:latin typeface="Cascadia Code" panose="020B0609020000020004" pitchFamily="49" charset="0"/>
-                <a:cs typeface="Cascadia Code" panose="020B0609020000020004" pitchFamily="49" charset="0"/>
-              </a:rPr>
-              <a:t>GatherTheData</a:t>
-            </a:r>
-            <a:r>
-              <a:rPr lang="en-US" sz="2000" dirty="0">
-                <a:latin typeface="Cascadia Code" panose="020B0609020000020004" pitchFamily="49" charset="0"/>
-                <a:cs typeface="Cascadia Code" panose="020B0609020000020004" pitchFamily="49" charset="0"/>
-              </a:rPr>
-              <a:t>()</a:t>
-            </a:r>
-          </a:p>
-          <a:p>
-            <a:pPr marL="0" indent="0">
-              <a:buNone/>
-            </a:pPr>
-            <a:endParaRPr lang="en-US" sz="2000" dirty="0">
-              <a:solidFill>
-                <a:schemeClr val="tx1"/>
-              </a:solidFill>
-              <a:latin typeface="Cascadia Code" panose="020B0609020000020004" pitchFamily="49" charset="0"/>
-              <a:cs typeface="Cascadia Code" panose="020B0609020000020004" pitchFamily="49" charset="0"/>
-            </a:endParaRPr>
-          </a:p>
-          <a:p>
-            <a:pPr marL="457200" lvl="1" indent="0">
-              <a:buNone/>
-            </a:pPr>
-            <a:r>
-              <a:rPr lang="en-US" sz="2000" dirty="0" err="1">
-                <a:solidFill>
-                  <a:schemeClr val="tx1"/>
-                </a:solidFill>
-                <a:latin typeface="Cascadia Code" panose="020B0609020000020004" pitchFamily="49" charset="0"/>
-                <a:cs typeface="Cascadia Code" panose="020B0609020000020004" pitchFamily="49" charset="0"/>
-              </a:rPr>
-              <a:t>SQL.TryConnect</a:t>
-            </a:r>
-            <a:r>
-              <a:rPr lang="en-US" sz="2000" dirty="0">
-                <a:solidFill>
-                  <a:schemeClr val="tx1"/>
-                </a:solidFill>
-                <a:latin typeface="Cascadia Code" panose="020B0609020000020004" pitchFamily="49" charset="0"/>
-                <a:cs typeface="Cascadia Code" panose="020B0609020000020004" pitchFamily="49" charset="0"/>
-              </a:rPr>
-              <a:t>()</a:t>
-            </a:r>
-          </a:p>
-          <a:p>
-            <a:pPr marL="457200" lvl="1" indent="0">
-              <a:buNone/>
-            </a:pPr>
-            <a:r>
-              <a:rPr lang="en-US" sz="2000" dirty="0" err="1">
-                <a:solidFill>
-                  <a:schemeClr val="tx1"/>
-                </a:solidFill>
-                <a:latin typeface="Cascadia Code" panose="020B0609020000020004" pitchFamily="49" charset="0"/>
-                <a:cs typeface="Cascadia Code" panose="020B0609020000020004" pitchFamily="49" charset="0"/>
-              </a:rPr>
-              <a:t>SQL.Cmd.TryExec</a:t>
-            </a:r>
-            <a:r>
-              <a:rPr lang="en-US" sz="2000" dirty="0">
-                <a:solidFill>
-                  <a:schemeClr val="tx1"/>
-                </a:solidFill>
-                <a:latin typeface="Cascadia Code" panose="020B0609020000020004" pitchFamily="49" charset="0"/>
-                <a:cs typeface="Cascadia Code" panose="020B0609020000020004" pitchFamily="49" charset="0"/>
-              </a:rPr>
-              <a:t>("EXEC </a:t>
-            </a:r>
-            <a:r>
-              <a:rPr lang="en-US" sz="2000" dirty="0" err="1">
-                <a:solidFill>
-                  <a:schemeClr val="tx1"/>
-                </a:solidFill>
-                <a:latin typeface="Cascadia Code" panose="020B0609020000020004" pitchFamily="49" charset="0"/>
-                <a:cs typeface="Cascadia Code" panose="020B0609020000020004" pitchFamily="49" charset="0"/>
-              </a:rPr>
-              <a:t>dbo.MergeTheData</a:t>
-            </a:r>
-            <a:r>
-              <a:rPr lang="en-US" sz="2000" dirty="0">
-                <a:solidFill>
-                  <a:schemeClr val="tx1"/>
-                </a:solidFill>
-                <a:latin typeface="Cascadia Code" panose="020B0609020000020004" pitchFamily="49" charset="0"/>
-                <a:cs typeface="Cascadia Code" panose="020B0609020000020004" pitchFamily="49" charset="0"/>
-              </a:rPr>
-              <a:t>(@p1={</a:t>
-            </a:r>
-            <a:r>
-              <a:rPr lang="en-US" sz="2000" dirty="0">
-                <a:latin typeface="Cascadia Code" panose="020B0609020000020004" pitchFamily="49" charset="0"/>
-                <a:cs typeface="Cascadia Code" panose="020B0609020000020004" pitchFamily="49" charset="0"/>
-              </a:rPr>
-              <a:t>dt</a:t>
-            </a:r>
-            <a:r>
-              <a:rPr lang="en-US" sz="2000" dirty="0">
-                <a:solidFill>
-                  <a:schemeClr val="tx1"/>
-                </a:solidFill>
-                <a:latin typeface="Cascadia Code" panose="020B0609020000020004" pitchFamily="49" charset="0"/>
-                <a:cs typeface="Cascadia Code" panose="020B0609020000020004" pitchFamily="49" charset="0"/>
-              </a:rPr>
-              <a:t>})")</a:t>
-            </a:r>
-          </a:p>
-          <a:p>
-            <a:pPr marL="457200" lvl="1" indent="0">
-              <a:buNone/>
-            </a:pPr>
-            <a:r>
-              <a:rPr lang="en-US" sz="2000" dirty="0" err="1">
-                <a:solidFill>
-                  <a:schemeClr val="tx1"/>
-                </a:solidFill>
-                <a:latin typeface="Cascadia Code" panose="020B0609020000020004" pitchFamily="49" charset="0"/>
-                <a:cs typeface="Cascadia Code" panose="020B0609020000020004" pitchFamily="49" charset="0"/>
-              </a:rPr>
-              <a:t>SQL.Close</a:t>
-            </a:r>
-            <a:r>
-              <a:rPr lang="en-US" sz="2000" dirty="0">
-                <a:solidFill>
-                  <a:schemeClr val="tx1"/>
-                </a:solidFill>
-                <a:latin typeface="Cascadia Code" panose="020B0609020000020004" pitchFamily="49" charset="0"/>
-                <a:cs typeface="Cascadia Code" panose="020B0609020000020004" pitchFamily="49" charset="0"/>
-              </a:rPr>
-              <a:t>()</a:t>
+            <a:r>
+              <a:rPr lang="en-US" sz="2400" dirty="0"/>
+              <a:t>All that data is stored in </a:t>
+            </a:r>
+            <a:r>
+              <a:rPr lang="en-US" sz="2400" dirty="0" err="1"/>
+              <a:t>tempdb</a:t>
+            </a:r>
+            <a:endParaRPr lang="en-US" sz="2400" dirty="0"/>
+          </a:p>
+          <a:p>
+            <a:r>
+              <a:rPr lang="en-US" sz="2400" dirty="0"/>
+              <a:t>Test, test, test!</a:t>
             </a:r>
           </a:p>
         </p:txBody>
@@ -15991,7 +15905,7 @@
     </p:spTree>
     <p:extLst>
       <p:ext uri="{BB962C8B-B14F-4D97-AF65-F5344CB8AC3E}">
-        <p14:creationId xmlns:p14="http://schemas.microsoft.com/office/powerpoint/2010/main" val="197819697"/>
+        <p14:creationId xmlns:p14="http://schemas.microsoft.com/office/powerpoint/2010/main" val="2628668455"/>
       </p:ext>
     </p:extLst>
   </p:cSld>
@@ -16118,6 +16032,289 @@
           <p:cNvPr id="2" name="Title 1">
             <a:extLst>
               <a:ext uri="{FF2B5EF4-FFF2-40B4-BE49-F238E27FC236}">
+                <a16:creationId xmlns:a16="http://schemas.microsoft.com/office/drawing/2014/main" id="{14A0B22D-6451-4E9C-AF3A-064233F22955}"/>
+              </a:ext>
+            </a:extLst>
+          </p:cNvPr>
+          <p:cNvSpPr>
+            <a:spLocks noGrp="1"/>
+          </p:cNvSpPr>
+          <p:nvPr>
+            <p:ph type="title"/>
+          </p:nvPr>
+        </p:nvSpPr>
+        <p:spPr/>
+        <p:txBody>
+          <a:bodyPr/>
+          <a:lstStyle/>
+          <a:p>
+            <a:r>
+              <a:rPr lang="en-US" dirty="0"/>
+              <a:t>Life with UDTTs</a:t>
+            </a:r>
+          </a:p>
+        </p:txBody>
+      </p:sp>
+      <p:sp>
+        <p:nvSpPr>
+          <p:cNvPr id="3" name="Content Placeholder 2">
+            <a:extLst>
+              <a:ext uri="{FF2B5EF4-FFF2-40B4-BE49-F238E27FC236}">
+                <a16:creationId xmlns:a16="http://schemas.microsoft.com/office/drawing/2014/main" id="{CEBDDE86-6846-6CBA-B865-0C2ACE1C9A94}"/>
+              </a:ext>
+            </a:extLst>
+          </p:cNvPr>
+          <p:cNvSpPr>
+            <a:spLocks noGrp="1"/>
+          </p:cNvSpPr>
+          <p:nvPr>
+            <p:ph idx="1"/>
+          </p:nvPr>
+        </p:nvSpPr>
+        <p:spPr>
+          <a:xfrm>
+            <a:off x="838200" y="1548535"/>
+            <a:ext cx="10515600" cy="4667250"/>
+          </a:xfrm>
+        </p:spPr>
+        <p:txBody>
+          <a:bodyPr>
+            <a:noAutofit/>
+          </a:bodyPr>
+          <a:lstStyle/>
+          <a:p>
+            <a:pPr marL="0" indent="0">
+              <a:buNone/>
+            </a:pPr>
+            <a:r>
+              <a:rPr lang="en-US" sz="2000" dirty="0" err="1">
+                <a:latin typeface="Cascadia Code" panose="020B0609020000020004" pitchFamily="49" charset="0"/>
+                <a:cs typeface="Cascadia Code" panose="020B0609020000020004" pitchFamily="49" charset="0"/>
+              </a:rPr>
+              <a:t>Data</a:t>
+            </a:r>
+            <a:r>
+              <a:rPr lang="en-US" sz="2000" dirty="0" err="1">
+                <a:solidFill>
+                  <a:schemeClr val="tx1"/>
+                </a:solidFill>
+                <a:latin typeface="Cascadia Code" panose="020B0609020000020004" pitchFamily="49" charset="0"/>
+                <a:cs typeface="Cascadia Code" panose="020B0609020000020004" pitchFamily="49" charset="0"/>
+              </a:rPr>
+              <a:t>.Load</a:t>
+            </a:r>
+            <a:r>
+              <a:rPr lang="en-US" sz="2000" dirty="0">
+                <a:solidFill>
+                  <a:schemeClr val="tx1"/>
+                </a:solidFill>
+                <a:latin typeface="Cascadia Code" panose="020B0609020000020004" pitchFamily="49" charset="0"/>
+                <a:cs typeface="Cascadia Code" panose="020B0609020000020004" pitchFamily="49" charset="0"/>
+              </a:rPr>
+              <a:t>()</a:t>
+            </a:r>
+          </a:p>
+          <a:p>
+            <a:pPr marL="0" indent="0">
+              <a:buNone/>
+            </a:pPr>
+            <a:r>
+              <a:rPr lang="en-US" sz="2000" dirty="0">
+                <a:latin typeface="Cascadia Code" panose="020B0609020000020004" pitchFamily="49" charset="0"/>
+                <a:cs typeface="Cascadia Code" panose="020B0609020000020004" pitchFamily="49" charset="0"/>
+              </a:rPr>
+              <a:t>   </a:t>
+            </a:r>
+            <a:r>
+              <a:rPr lang="en-US" sz="2000" dirty="0" err="1">
+                <a:latin typeface="Cascadia Code" panose="020B0609020000020004" pitchFamily="49" charset="0"/>
+                <a:cs typeface="Cascadia Code" panose="020B0609020000020004" pitchFamily="49" charset="0"/>
+              </a:rPr>
+              <a:t>DataTable</a:t>
+            </a:r>
+            <a:r>
+              <a:rPr lang="en-US" sz="2000" dirty="0">
+                <a:latin typeface="Cascadia Code" panose="020B0609020000020004" pitchFamily="49" charset="0"/>
+                <a:cs typeface="Cascadia Code" panose="020B0609020000020004" pitchFamily="49" charset="0"/>
+              </a:rPr>
+              <a:t> dt = </a:t>
+            </a:r>
+            <a:r>
+              <a:rPr lang="en-US" sz="2000" dirty="0" err="1">
+                <a:latin typeface="Cascadia Code" panose="020B0609020000020004" pitchFamily="49" charset="0"/>
+                <a:cs typeface="Cascadia Code" panose="020B0609020000020004" pitchFamily="49" charset="0"/>
+              </a:rPr>
+              <a:t>GatherTheData</a:t>
+            </a:r>
+            <a:r>
+              <a:rPr lang="en-US" sz="2000" dirty="0">
+                <a:latin typeface="Cascadia Code" panose="020B0609020000020004" pitchFamily="49" charset="0"/>
+                <a:cs typeface="Cascadia Code" panose="020B0609020000020004" pitchFamily="49" charset="0"/>
+              </a:rPr>
+              <a:t>()</a:t>
+            </a:r>
+          </a:p>
+          <a:p>
+            <a:pPr marL="0" indent="0">
+              <a:buNone/>
+            </a:pPr>
+            <a:endParaRPr lang="en-US" sz="2000" dirty="0">
+              <a:solidFill>
+                <a:schemeClr val="tx1"/>
+              </a:solidFill>
+              <a:latin typeface="Cascadia Code" panose="020B0609020000020004" pitchFamily="49" charset="0"/>
+              <a:cs typeface="Cascadia Code" panose="020B0609020000020004" pitchFamily="49" charset="0"/>
+            </a:endParaRPr>
+          </a:p>
+          <a:p>
+            <a:pPr marL="457200" lvl="1" indent="0">
+              <a:buNone/>
+            </a:pPr>
+            <a:r>
+              <a:rPr lang="en-US" sz="2000" dirty="0" err="1">
+                <a:solidFill>
+                  <a:schemeClr val="tx1"/>
+                </a:solidFill>
+                <a:latin typeface="Cascadia Code" panose="020B0609020000020004" pitchFamily="49" charset="0"/>
+                <a:cs typeface="Cascadia Code" panose="020B0609020000020004" pitchFamily="49" charset="0"/>
+              </a:rPr>
+              <a:t>SQL.TryConnect</a:t>
+            </a:r>
+            <a:r>
+              <a:rPr lang="en-US" sz="2000" dirty="0">
+                <a:solidFill>
+                  <a:schemeClr val="tx1"/>
+                </a:solidFill>
+                <a:latin typeface="Cascadia Code" panose="020B0609020000020004" pitchFamily="49" charset="0"/>
+                <a:cs typeface="Cascadia Code" panose="020B0609020000020004" pitchFamily="49" charset="0"/>
+              </a:rPr>
+              <a:t>()</a:t>
+            </a:r>
+          </a:p>
+          <a:p>
+            <a:pPr marL="457200" lvl="1" indent="0">
+              <a:buNone/>
+            </a:pPr>
+            <a:r>
+              <a:rPr lang="en-US" sz="2000" dirty="0" err="1">
+                <a:solidFill>
+                  <a:schemeClr val="tx1"/>
+                </a:solidFill>
+                <a:latin typeface="Cascadia Code" panose="020B0609020000020004" pitchFamily="49" charset="0"/>
+                <a:cs typeface="Cascadia Code" panose="020B0609020000020004" pitchFamily="49" charset="0"/>
+              </a:rPr>
+              <a:t>SQL.Cmd.TryExec</a:t>
+            </a:r>
+            <a:r>
+              <a:rPr lang="en-US" sz="2000" dirty="0">
+                <a:solidFill>
+                  <a:schemeClr val="tx1"/>
+                </a:solidFill>
+                <a:latin typeface="Cascadia Code" panose="020B0609020000020004" pitchFamily="49" charset="0"/>
+                <a:cs typeface="Cascadia Code" panose="020B0609020000020004" pitchFamily="49" charset="0"/>
+              </a:rPr>
+              <a:t>("EXEC </a:t>
+            </a:r>
+            <a:r>
+              <a:rPr lang="en-US" sz="2000" dirty="0" err="1">
+                <a:solidFill>
+                  <a:schemeClr val="tx1"/>
+                </a:solidFill>
+                <a:latin typeface="Cascadia Code" panose="020B0609020000020004" pitchFamily="49" charset="0"/>
+                <a:cs typeface="Cascadia Code" panose="020B0609020000020004" pitchFamily="49" charset="0"/>
+              </a:rPr>
+              <a:t>dbo.MergeTheData</a:t>
+            </a:r>
+            <a:r>
+              <a:rPr lang="en-US" sz="2000" dirty="0">
+                <a:solidFill>
+                  <a:schemeClr val="tx1"/>
+                </a:solidFill>
+                <a:latin typeface="Cascadia Code" panose="020B0609020000020004" pitchFamily="49" charset="0"/>
+                <a:cs typeface="Cascadia Code" panose="020B0609020000020004" pitchFamily="49" charset="0"/>
+              </a:rPr>
+              <a:t>(@p1={</a:t>
+            </a:r>
+            <a:r>
+              <a:rPr lang="en-US" sz="2000" dirty="0">
+                <a:latin typeface="Cascadia Code" panose="020B0609020000020004" pitchFamily="49" charset="0"/>
+                <a:cs typeface="Cascadia Code" panose="020B0609020000020004" pitchFamily="49" charset="0"/>
+              </a:rPr>
+              <a:t>dt</a:t>
+            </a:r>
+            <a:r>
+              <a:rPr lang="en-US" sz="2000" dirty="0">
+                <a:solidFill>
+                  <a:schemeClr val="tx1"/>
+                </a:solidFill>
+                <a:latin typeface="Cascadia Code" panose="020B0609020000020004" pitchFamily="49" charset="0"/>
+                <a:cs typeface="Cascadia Code" panose="020B0609020000020004" pitchFamily="49" charset="0"/>
+              </a:rPr>
+              <a:t>})")</a:t>
+            </a:r>
+          </a:p>
+          <a:p>
+            <a:pPr marL="457200" lvl="1" indent="0">
+              <a:buNone/>
+            </a:pPr>
+            <a:r>
+              <a:rPr lang="en-US" sz="2000" dirty="0" err="1">
+                <a:solidFill>
+                  <a:schemeClr val="tx1"/>
+                </a:solidFill>
+                <a:latin typeface="Cascadia Code" panose="020B0609020000020004" pitchFamily="49" charset="0"/>
+                <a:cs typeface="Cascadia Code" panose="020B0609020000020004" pitchFamily="49" charset="0"/>
+              </a:rPr>
+              <a:t>SQL.Close</a:t>
+            </a:r>
+            <a:r>
+              <a:rPr lang="en-US" sz="2000" dirty="0">
+                <a:solidFill>
+                  <a:schemeClr val="tx1"/>
+                </a:solidFill>
+                <a:latin typeface="Cascadia Code" panose="020B0609020000020004" pitchFamily="49" charset="0"/>
+                <a:cs typeface="Cascadia Code" panose="020B0609020000020004" pitchFamily="49" charset="0"/>
+              </a:rPr>
+              <a:t>()</a:t>
+            </a:r>
+          </a:p>
+        </p:txBody>
+      </p:sp>
+    </p:spTree>
+    <p:extLst>
+      <p:ext uri="{BB962C8B-B14F-4D97-AF65-F5344CB8AC3E}">
+        <p14:creationId xmlns:p14="http://schemas.microsoft.com/office/powerpoint/2010/main" val="197819697"/>
+      </p:ext>
+    </p:extLst>
+  </p:cSld>
+  <p:clrMapOvr>
+    <a:masterClrMapping/>
+  </p:clrMapOvr>
+</p:sld>
+</file>
+
+<file path=ppt/slides/slide21.xml><?xml version="1.0" encoding="utf-8"?>
+<p:sld xmlns:a="http://schemas.openxmlformats.org/drawingml/2006/main" xmlns:r="http://schemas.openxmlformats.org/officeDocument/2006/relationships" xmlns:p="http://schemas.openxmlformats.org/presentationml/2006/main">
+  <p:cSld>
+    <p:spTree>
+      <p:nvGrpSpPr>
+        <p:cNvPr id="1" name=""/>
+        <p:cNvGrpSpPr/>
+        <p:nvPr/>
+      </p:nvGrpSpPr>
+      <p:grpSpPr>
+        <a:xfrm>
+          <a:off x="0" y="0"/>
+          <a:ext cx="0" cy="0"/>
+          <a:chOff x="0" y="0"/>
+          <a:chExt cx="0" cy="0"/>
+        </a:xfrm>
+      </p:grpSpPr>
+      <p:sp>
+        <p:nvSpPr>
+          <p:cNvPr id="2" name="Title 1">
+            <a:extLst>
+              <a:ext uri="{FF2B5EF4-FFF2-40B4-BE49-F238E27FC236}">
                 <a16:creationId xmlns:a16="http://schemas.microsoft.com/office/drawing/2014/main" id="{EC6EE488-100C-537B-16EF-5DD434EFE24B}"/>
               </a:ext>
             </a:extLst>
@@ -16201,7 +16398,7 @@
 </p:sld>
 </file>
 
-<file path=ppt/slides/slide21.xml><?xml version="1.0" encoding="utf-8"?>
+<file path=ppt/slides/slide22.xml><?xml version="1.0" encoding="utf-8"?>
 <p:sld xmlns:a="http://schemas.openxmlformats.org/drawingml/2006/main" xmlns:r="http://schemas.openxmlformats.org/officeDocument/2006/relationships" xmlns:p="http://schemas.openxmlformats.org/presentationml/2006/main">
   <p:cSld>
     <p:spTree>
@@ -16259,7 +16456,7 @@
 </p:sld>
 </file>
 
-<file path=ppt/slides/slide22.xml><?xml version="1.0" encoding="utf-8"?>
+<file path=ppt/slides/slide23.xml><?xml version="1.0" encoding="utf-8"?>
 <p:sld xmlns:a="http://schemas.openxmlformats.org/drawingml/2006/main" xmlns:r="http://schemas.openxmlformats.org/officeDocument/2006/relationships" xmlns:p="http://schemas.openxmlformats.org/presentationml/2006/main">
   <p:cSld>
     <p:spTree>
@@ -16364,7 +16561,7 @@
 </p:sld>
 </file>
 
-<file path=ppt/slides/slide23.xml><?xml version="1.0" encoding="utf-8"?>
+<file path=ppt/slides/slide24.xml><?xml version="1.0" encoding="utf-8"?>
 <p:sld xmlns:a="http://schemas.openxmlformats.org/drawingml/2006/main" xmlns:r="http://schemas.openxmlformats.org/officeDocument/2006/relationships" xmlns:p="http://schemas.openxmlformats.org/presentationml/2006/main">
   <p:cSld>
     <p:spTree>
@@ -16422,7 +16619,7 @@
 </p:sld>
 </file>
 
-<file path=ppt/slides/slide24.xml><?xml version="1.0" encoding="utf-8"?>
+<file path=ppt/slides/slide25.xml><?xml version="1.0" encoding="utf-8"?>
 <p:sld xmlns:a="http://schemas.openxmlformats.org/drawingml/2006/main" xmlns:r="http://schemas.openxmlformats.org/officeDocument/2006/relationships" xmlns:p="http://schemas.openxmlformats.org/presentationml/2006/main">
   <p:cSld>
     <p:spTree>
@@ -16518,255 +16715,6 @@
     <p:extLst>
       <p:ext uri="{BB962C8B-B14F-4D97-AF65-F5344CB8AC3E}">
         <p14:creationId xmlns:p14="http://schemas.microsoft.com/office/powerpoint/2010/main" val="2253439950"/>
-      </p:ext>
-    </p:extLst>
-  </p:cSld>
-  <p:clrMapOvr>
-    <a:masterClrMapping/>
-  </p:clrMapOvr>
-</p:sld>
-</file>
-
-<file path=ppt/slides/slide25.xml><?xml version="1.0" encoding="utf-8"?>
-<p:sld xmlns:a="http://schemas.openxmlformats.org/drawingml/2006/main" xmlns:r="http://schemas.openxmlformats.org/officeDocument/2006/relationships" xmlns:p="http://schemas.openxmlformats.org/presentationml/2006/main">
-  <p:cSld>
-    <p:spTree>
-      <p:nvGrpSpPr>
-        <p:cNvPr id="1" name=""/>
-        <p:cNvGrpSpPr/>
-        <p:nvPr/>
-      </p:nvGrpSpPr>
-      <p:grpSpPr>
-        <a:xfrm>
-          <a:off x="0" y="0"/>
-          <a:ext cx="0" cy="0"/>
-          <a:chOff x="0" y="0"/>
-          <a:chExt cx="0" cy="0"/>
-        </a:xfrm>
-      </p:grpSpPr>
-      <p:sp>
-        <p:nvSpPr>
-          <p:cNvPr id="2" name="Title 1">
-            <a:extLst>
-              <a:ext uri="{FF2B5EF4-FFF2-40B4-BE49-F238E27FC236}">
-                <a16:creationId xmlns:a16="http://schemas.microsoft.com/office/drawing/2014/main" id="{91AB9CD2-86AC-5263-9C3E-94E995D218AD}"/>
-              </a:ext>
-            </a:extLst>
-          </p:cNvPr>
-          <p:cNvSpPr>
-            <a:spLocks noGrp="1"/>
-          </p:cNvSpPr>
-          <p:nvPr>
-            <p:ph type="title"/>
-          </p:nvPr>
-        </p:nvSpPr>
-        <p:spPr/>
-        <p:txBody>
-          <a:bodyPr/>
-          <a:lstStyle/>
-          <a:p>
-            <a:r>
-              <a:rPr lang="en-US" dirty="0" err="1"/>
-              <a:t>PSObject</a:t>
-            </a:r>
-            <a:r>
-              <a:rPr lang="en-US" dirty="0"/>
-              <a:t> != </a:t>
-            </a:r>
-            <a:r>
-              <a:rPr lang="en-US" dirty="0" err="1"/>
-              <a:t>DataTable</a:t>
-            </a:r>
-            <a:endParaRPr lang="en-US" dirty="0"/>
-          </a:p>
-        </p:txBody>
-      </p:sp>
-      <p:sp>
-        <p:nvSpPr>
-          <p:cNvPr id="3" name="Content Placeholder 2">
-            <a:extLst>
-              <a:ext uri="{FF2B5EF4-FFF2-40B4-BE49-F238E27FC236}">
-                <a16:creationId xmlns:a16="http://schemas.microsoft.com/office/drawing/2014/main" id="{5045195E-1530-D968-2C28-E04839D4CD14}"/>
-              </a:ext>
-            </a:extLst>
-          </p:cNvPr>
-          <p:cNvSpPr>
-            <a:spLocks noGrp="1"/>
-          </p:cNvSpPr>
-          <p:nvPr>
-            <p:ph idx="1"/>
-          </p:nvPr>
-        </p:nvSpPr>
-        <p:spPr/>
-        <p:txBody>
-          <a:bodyPr/>
-          <a:lstStyle/>
-          <a:p>
-            <a:pPr marL="0" indent="0">
-              <a:buNone/>
-            </a:pPr>
-            <a:r>
-              <a:rPr lang="en-US" dirty="0"/>
-              <a:t>“Out-</a:t>
-            </a:r>
-            <a:r>
-              <a:rPr lang="en-US" dirty="0" err="1"/>
-              <a:t>Gridview</a:t>
-            </a:r>
-            <a:r>
-              <a:rPr lang="en-US" dirty="0"/>
-              <a:t>” gives the impression that every object is a </a:t>
-            </a:r>
-            <a:r>
-              <a:rPr lang="en-US" dirty="0" err="1"/>
-              <a:t>DataTable</a:t>
-            </a:r>
-            <a:endParaRPr lang="en-US" dirty="0"/>
-          </a:p>
-          <a:p>
-            <a:pPr marL="0" indent="0">
-              <a:buNone/>
-            </a:pPr>
-            <a:endParaRPr lang="en-US" dirty="0"/>
-          </a:p>
-          <a:p>
-            <a:pPr marL="0" indent="0">
-              <a:buNone/>
-            </a:pPr>
-            <a:endParaRPr lang="en-US" dirty="0"/>
-          </a:p>
-        </p:txBody>
-      </p:sp>
-      <p:pic>
-        <p:nvPicPr>
-          <p:cNvPr id="7" name="Picture 6">
-            <a:extLst>
-              <a:ext uri="{FF2B5EF4-FFF2-40B4-BE49-F238E27FC236}">
-                <a16:creationId xmlns:a16="http://schemas.microsoft.com/office/drawing/2014/main" id="{383C1450-F88F-2CB3-BAE4-83240AD0E1F0}"/>
-              </a:ext>
-            </a:extLst>
-          </p:cNvPr>
-          <p:cNvPicPr>
-            <a:picLocks noChangeAspect="1"/>
-          </p:cNvPicPr>
-          <p:nvPr/>
-        </p:nvPicPr>
-        <p:blipFill>
-          <a:blip r:embed="rId2"/>
-          <a:stretch>
-            <a:fillRect/>
-          </a:stretch>
-        </p:blipFill>
-        <p:spPr>
-          <a:xfrm>
-            <a:off x="1070263" y="2651846"/>
-            <a:ext cx="10185933" cy="3333318"/>
-          </a:xfrm>
-          <a:prstGeom prst="rect">
-            <a:avLst/>
-          </a:prstGeom>
-        </p:spPr>
-      </p:pic>
-      <p:sp>
-        <p:nvSpPr>
-          <p:cNvPr id="8" name="TextBox 7">
-            <a:extLst>
-              <a:ext uri="{FF2B5EF4-FFF2-40B4-BE49-F238E27FC236}">
-                <a16:creationId xmlns:a16="http://schemas.microsoft.com/office/drawing/2014/main" id="{358CA65B-DAF7-C3BD-3D62-14AC98EC625B}"/>
-              </a:ext>
-            </a:extLst>
-          </p:cNvPr>
-          <p:cNvSpPr txBox="1"/>
-          <p:nvPr/>
-        </p:nvSpPr>
-        <p:spPr>
-          <a:xfrm>
-            <a:off x="2881745" y="4655127"/>
-            <a:ext cx="3325091" cy="461665"/>
-          </a:xfrm>
-          <a:prstGeom prst="rect">
-            <a:avLst/>
-          </a:prstGeom>
-          <a:noFill/>
-        </p:spPr>
-        <p:txBody>
-          <a:bodyPr wrap="square" rtlCol="0">
-            <a:spAutoFit/>
-          </a:bodyPr>
-          <a:lstStyle/>
-          <a:p>
-            <a:r>
-              <a:rPr lang="en-US" sz="2400" dirty="0" err="1"/>
-              <a:t>GetType</a:t>
-            </a:r>
-            <a:r>
-              <a:rPr lang="en-US" sz="2400" dirty="0"/>
-              <a:t>() = “Object</a:t>
-            </a:r>
-            <a:r>
-              <a:rPr lang="en-US" sz="2400" dirty="0">
-                <a:latin typeface="Consolas" panose="020B0609020204030204" pitchFamily="49" charset="0"/>
-              </a:rPr>
-              <a:t>[]</a:t>
-            </a:r>
-            <a:r>
-              <a:rPr lang="en-US" sz="2400" dirty="0"/>
-              <a:t>”</a:t>
-            </a:r>
-          </a:p>
-        </p:txBody>
-      </p:sp>
-      <p:sp>
-        <p:nvSpPr>
-          <p:cNvPr id="9" name="TextBox 8">
-            <a:extLst>
-              <a:ext uri="{FF2B5EF4-FFF2-40B4-BE49-F238E27FC236}">
-                <a16:creationId xmlns:a16="http://schemas.microsoft.com/office/drawing/2014/main" id="{744FF4A2-7F42-A996-C4EE-AF54608EEC85}"/>
-              </a:ext>
-            </a:extLst>
-          </p:cNvPr>
-          <p:cNvSpPr txBox="1"/>
-          <p:nvPr/>
-        </p:nvSpPr>
-        <p:spPr>
-          <a:xfrm>
-            <a:off x="7931105" y="4655126"/>
-            <a:ext cx="3325091" cy="461665"/>
-          </a:xfrm>
-          <a:prstGeom prst="rect">
-            <a:avLst/>
-          </a:prstGeom>
-          <a:noFill/>
-        </p:spPr>
-        <p:txBody>
-          <a:bodyPr wrap="square" rtlCol="0">
-            <a:spAutoFit/>
-          </a:bodyPr>
-          <a:lstStyle/>
-          <a:p>
-            <a:r>
-              <a:rPr lang="en-US" sz="2400" dirty="0" err="1"/>
-              <a:t>GetType</a:t>
-            </a:r>
-            <a:r>
-              <a:rPr lang="en-US" sz="2400" dirty="0"/>
-              <a:t>() = “</a:t>
-            </a:r>
-            <a:r>
-              <a:rPr lang="en-US" sz="2400" dirty="0" err="1"/>
-              <a:t>DataTable</a:t>
-            </a:r>
-            <a:r>
-              <a:rPr lang="en-US" sz="2400" dirty="0"/>
-              <a:t>”</a:t>
-            </a:r>
-          </a:p>
-        </p:txBody>
-      </p:sp>
-    </p:spTree>
-    <p:extLst>
-      <p:ext uri="{BB962C8B-B14F-4D97-AF65-F5344CB8AC3E}">
-        <p14:creationId xmlns:p14="http://schemas.microsoft.com/office/powerpoint/2010/main" val="2177215342"/>
       </p:ext>
     </p:extLst>
   </p:cSld>

--- a/Datatables_and_Dataframes_to_SQL_Procs/User-defined Table Types.pptx
+++ b/Datatables_and_Dataframes_to_SQL_Procs/User-defined Table Types.pptx
@@ -6,7 +6,7 @@
     <p:sldMasterId id="2147483689" r:id="rId2"/>
   </p:sldMasterIdLst>
   <p:notesMasterIdLst>
-    <p:notesMasterId r:id="rId43"/>
+    <p:notesMasterId r:id="rId44"/>
   </p:notesMasterIdLst>
   <p:sldIdLst>
     <p:sldId id="256" r:id="rId3"/>
@@ -49,6 +49,7 @@
     <p:sldId id="296" r:id="rId40"/>
     <p:sldId id="300" r:id="rId41"/>
     <p:sldId id="305" r:id="rId42"/>
+    <p:sldId id="318" r:id="rId43"/>
   </p:sldIdLst>
   <p:sldSz cx="12192000" cy="6858000"/>
   <p:notesSz cx="6858000" cy="9144000"/>
@@ -249,7 +250,7 @@
           <a:p>
             <a:fld id="{3E17F473-D930-40CF-A164-F39E2E601F13}" type="datetimeFigureOut">
               <a:rPr lang="en-US" smtClean="0"/>
-              <a:t>10/13/2023</a:t>
+              <a:t>10/14/2023</a:t>
             </a:fld>
             <a:endParaRPr lang="en-US"/>
           </a:p>
@@ -3775,7 +3776,7 @@
           <a:p>
             <a:fld id="{FAFDAFBD-AA74-4F39-B34D-B8A0CE5CD8B0}" type="datetimeFigureOut">
               <a:rPr lang="en-US" smtClean="0"/>
-              <a:t>10/13/2023</a:t>
+              <a:t>10/14/2023</a:t>
             </a:fld>
             <a:endParaRPr lang="en-US"/>
           </a:p>
@@ -3973,7 +3974,7 @@
           <a:p>
             <a:fld id="{FAFDAFBD-AA74-4F39-B34D-B8A0CE5CD8B0}" type="datetimeFigureOut">
               <a:rPr lang="en-US" smtClean="0"/>
-              <a:t>10/13/2023</a:t>
+              <a:t>10/14/2023</a:t>
             </a:fld>
             <a:endParaRPr lang="en-US"/>
           </a:p>
@@ -4181,7 +4182,7 @@
           <a:p>
             <a:fld id="{FAFDAFBD-AA74-4F39-B34D-B8A0CE5CD8B0}" type="datetimeFigureOut">
               <a:rPr lang="en-US" smtClean="0"/>
-              <a:t>10/13/2023</a:t>
+              <a:t>10/14/2023</a:t>
             </a:fld>
             <a:endParaRPr lang="en-US"/>
           </a:p>
@@ -4976,7 +4977,7 @@
           <a:p>
             <a:fld id="{FAFDAFBD-AA74-4F39-B34D-B8A0CE5CD8B0}" type="datetimeFigureOut">
               <a:rPr lang="en-US" smtClean="0"/>
-              <a:t>10/13/2023</a:t>
+              <a:t>10/14/2023</a:t>
             </a:fld>
             <a:endParaRPr lang="en-US"/>
           </a:p>
@@ -5152,7 +5153,7 @@
           <a:p>
             <a:fld id="{FAFDAFBD-AA74-4F39-B34D-B8A0CE5CD8B0}" type="datetimeFigureOut">
               <a:rPr lang="en-US" smtClean="0"/>
-              <a:t>10/13/2023</a:t>
+              <a:t>10/14/2023</a:t>
             </a:fld>
             <a:endParaRPr lang="en-US"/>
           </a:p>
@@ -5399,7 +5400,7 @@
           <a:p>
             <a:fld id="{FAFDAFBD-AA74-4F39-B34D-B8A0CE5CD8B0}" type="datetimeFigureOut">
               <a:rPr lang="en-US" smtClean="0"/>
-              <a:t>10/13/2023</a:t>
+              <a:t>10/14/2023</a:t>
             </a:fld>
             <a:endParaRPr lang="en-US"/>
           </a:p>
@@ -5631,7 +5632,7 @@
           <a:p>
             <a:fld id="{FAFDAFBD-AA74-4F39-B34D-B8A0CE5CD8B0}" type="datetimeFigureOut">
               <a:rPr lang="en-US" smtClean="0"/>
-              <a:t>10/13/2023</a:t>
+              <a:t>10/14/2023</a:t>
             </a:fld>
             <a:endParaRPr lang="en-US"/>
           </a:p>
@@ -6005,7 +6006,7 @@
           <a:p>
             <a:fld id="{FAFDAFBD-AA74-4F39-B34D-B8A0CE5CD8B0}" type="datetimeFigureOut">
               <a:rPr lang="en-US" smtClean="0"/>
-              <a:t>10/13/2023</a:t>
+              <a:t>10/14/2023</a:t>
             </a:fld>
             <a:endParaRPr lang="en-US"/>
           </a:p>
@@ -6128,7 +6129,7 @@
           <a:p>
             <a:fld id="{FAFDAFBD-AA74-4F39-B34D-B8A0CE5CD8B0}" type="datetimeFigureOut">
               <a:rPr lang="en-US" smtClean="0"/>
-              <a:t>10/13/2023</a:t>
+              <a:t>10/14/2023</a:t>
             </a:fld>
             <a:endParaRPr lang="en-US"/>
           </a:p>
@@ -6223,7 +6224,7 @@
           <a:p>
             <a:fld id="{FAFDAFBD-AA74-4F39-B34D-B8A0CE5CD8B0}" type="datetimeFigureOut">
               <a:rPr lang="en-US" smtClean="0"/>
-              <a:t>10/13/2023</a:t>
+              <a:t>10/14/2023</a:t>
             </a:fld>
             <a:endParaRPr lang="en-US"/>
           </a:p>
@@ -6478,7 +6479,7 @@
           <a:p>
             <a:fld id="{FAFDAFBD-AA74-4F39-B34D-B8A0CE5CD8B0}" type="datetimeFigureOut">
               <a:rPr lang="en-US" smtClean="0"/>
-              <a:t>10/13/2023</a:t>
+              <a:t>10/14/2023</a:t>
             </a:fld>
             <a:endParaRPr lang="en-US"/>
           </a:p>
@@ -6664,7 +6665,7 @@
           <a:p>
             <a:fld id="{FAFDAFBD-AA74-4F39-B34D-B8A0CE5CD8B0}" type="datetimeFigureOut">
               <a:rPr lang="en-US" smtClean="0"/>
-              <a:t>10/13/2023</a:t>
+              <a:t>10/14/2023</a:t>
             </a:fld>
             <a:endParaRPr lang="en-US"/>
           </a:p>
@@ -6939,7 +6940,7 @@
           <a:p>
             <a:fld id="{FAFDAFBD-AA74-4F39-B34D-B8A0CE5CD8B0}" type="datetimeFigureOut">
               <a:rPr lang="en-US" smtClean="0"/>
-              <a:t>10/13/2023</a:t>
+              <a:t>10/14/2023</a:t>
             </a:fld>
             <a:endParaRPr lang="en-US"/>
           </a:p>
@@ -7190,7 +7191,7 @@
           <a:p>
             <a:fld id="{FAFDAFBD-AA74-4F39-B34D-B8A0CE5CD8B0}" type="datetimeFigureOut">
               <a:rPr lang="en-US" smtClean="0"/>
-              <a:t>10/13/2023</a:t>
+              <a:t>10/14/2023</a:t>
             </a:fld>
             <a:endParaRPr lang="en-US"/>
           </a:p>
@@ -7504,7 +7505,7 @@
           <a:p>
             <a:fld id="{FAFDAFBD-AA74-4F39-B34D-B8A0CE5CD8B0}" type="datetimeFigureOut">
               <a:rPr lang="en-US" smtClean="0"/>
-              <a:t>10/13/2023</a:t>
+              <a:t>10/14/2023</a:t>
             </a:fld>
             <a:endParaRPr lang="en-US"/>
           </a:p>
@@ -7845,7 +7846,7 @@
           <a:p>
             <a:fld id="{FAFDAFBD-AA74-4F39-B34D-B8A0CE5CD8B0}" type="datetimeFigureOut">
               <a:rPr lang="en-US" smtClean="0"/>
-              <a:t>10/13/2023</a:t>
+              <a:t>10/14/2023</a:t>
             </a:fld>
             <a:endParaRPr lang="en-US"/>
           </a:p>
@@ -8159,7 +8160,7 @@
           <a:p>
             <a:fld id="{FAFDAFBD-AA74-4F39-B34D-B8A0CE5CD8B0}" type="datetimeFigureOut">
               <a:rPr lang="en-US" smtClean="0"/>
-              <a:t>10/13/2023</a:t>
+              <a:t>10/14/2023</a:t>
             </a:fld>
             <a:endParaRPr lang="en-US"/>
           </a:p>
@@ -8552,7 +8553,7 @@
           <a:p>
             <a:fld id="{FAFDAFBD-AA74-4F39-B34D-B8A0CE5CD8B0}" type="datetimeFigureOut">
               <a:rPr lang="en-US" smtClean="0"/>
-              <a:t>10/13/2023</a:t>
+              <a:t>10/14/2023</a:t>
             </a:fld>
             <a:endParaRPr lang="en-US"/>
           </a:p>
@@ -8722,7 +8723,7 @@
           <a:p>
             <a:fld id="{FAFDAFBD-AA74-4F39-B34D-B8A0CE5CD8B0}" type="datetimeFigureOut">
               <a:rPr lang="en-US" smtClean="0"/>
-              <a:t>10/13/2023</a:t>
+              <a:t>10/14/2023</a:t>
             </a:fld>
             <a:endParaRPr lang="en-US"/>
           </a:p>
@@ -8902,7 +8903,7 @@
           <a:p>
             <a:fld id="{FAFDAFBD-AA74-4F39-B34D-B8A0CE5CD8B0}" type="datetimeFigureOut">
               <a:rPr lang="en-US" smtClean="0"/>
-              <a:t>10/13/2023</a:t>
+              <a:t>10/14/2023</a:t>
             </a:fld>
             <a:endParaRPr lang="en-US"/>
           </a:p>
@@ -9165,7 +9166,7 @@
           <a:p>
             <a:fld id="{FAFDAFBD-AA74-4F39-B34D-B8A0CE5CD8B0}" type="datetimeFigureOut">
               <a:rPr lang="en-US" smtClean="0"/>
-              <a:t>10/13/2023</a:t>
+              <a:t>10/14/2023</a:t>
             </a:fld>
             <a:endParaRPr lang="en-US"/>
           </a:p>
@@ -9430,7 +9431,7 @@
           <a:p>
             <a:fld id="{FAFDAFBD-AA74-4F39-B34D-B8A0CE5CD8B0}" type="datetimeFigureOut">
               <a:rPr lang="en-US" smtClean="0"/>
-              <a:t>10/13/2023</a:t>
+              <a:t>10/14/2023</a:t>
             </a:fld>
             <a:endParaRPr lang="en-US"/>
           </a:p>
@@ -9842,7 +9843,7 @@
           <a:p>
             <a:fld id="{FAFDAFBD-AA74-4F39-B34D-B8A0CE5CD8B0}" type="datetimeFigureOut">
               <a:rPr lang="en-US" smtClean="0"/>
-              <a:t>10/13/2023</a:t>
+              <a:t>10/14/2023</a:t>
             </a:fld>
             <a:endParaRPr lang="en-US"/>
           </a:p>
@@ -9983,7 +9984,7 @@
           <a:p>
             <a:fld id="{FAFDAFBD-AA74-4F39-B34D-B8A0CE5CD8B0}" type="datetimeFigureOut">
               <a:rPr lang="en-US" smtClean="0"/>
-              <a:t>10/13/2023</a:t>
+              <a:t>10/14/2023</a:t>
             </a:fld>
             <a:endParaRPr lang="en-US"/>
           </a:p>
@@ -10096,7 +10097,7 @@
           <a:p>
             <a:fld id="{FAFDAFBD-AA74-4F39-B34D-B8A0CE5CD8B0}" type="datetimeFigureOut">
               <a:rPr lang="en-US" smtClean="0"/>
-              <a:t>10/13/2023</a:t>
+              <a:t>10/14/2023</a:t>
             </a:fld>
             <a:endParaRPr lang="en-US"/>
           </a:p>
@@ -10407,7 +10408,7 @@
           <a:p>
             <a:fld id="{FAFDAFBD-AA74-4F39-B34D-B8A0CE5CD8B0}" type="datetimeFigureOut">
               <a:rPr lang="en-US" smtClean="0"/>
-              <a:t>10/13/2023</a:t>
+              <a:t>10/14/2023</a:t>
             </a:fld>
             <a:endParaRPr lang="en-US"/>
           </a:p>
@@ -10695,7 +10696,7 @@
           <a:p>
             <a:fld id="{FAFDAFBD-AA74-4F39-B34D-B8A0CE5CD8B0}" type="datetimeFigureOut">
               <a:rPr lang="en-US" smtClean="0"/>
-              <a:t>10/13/2023</a:t>
+              <a:t>10/14/2023</a:t>
             </a:fld>
             <a:endParaRPr lang="en-US"/>
           </a:p>
@@ -10936,7 +10937,7 @@
           <a:p>
             <a:fld id="{FAFDAFBD-AA74-4F39-B34D-B8A0CE5CD8B0}" type="datetimeFigureOut">
               <a:rPr lang="en-US" smtClean="0"/>
-              <a:t>10/13/2023</a:t>
+              <a:t>10/14/2023</a:t>
             </a:fld>
             <a:endParaRPr lang="en-US"/>
           </a:p>
@@ -12018,7 +12019,7 @@
           <a:p>
             <a:fld id="{FAFDAFBD-AA74-4F39-B34D-B8A0CE5CD8B0}" type="datetimeFigureOut">
               <a:rPr lang="en-US" smtClean="0"/>
-              <a:t>10/13/2023</a:t>
+              <a:t>10/14/2023</a:t>
             </a:fld>
             <a:endParaRPr lang="en-US"/>
           </a:p>
@@ -23466,6 +23467,368 @@
     <p:extLst>
       <p:ext uri="{BB962C8B-B14F-4D97-AF65-F5344CB8AC3E}">
         <p14:creationId xmlns:p14="http://schemas.microsoft.com/office/powerpoint/2010/main" val="3447437733"/>
+      </p:ext>
+    </p:extLst>
+  </p:cSld>
+  <p:clrMapOvr>
+    <a:masterClrMapping/>
+  </p:clrMapOvr>
+</p:sld>
+</file>
+
+<file path=ppt/slides/slide41.xml><?xml version="1.0" encoding="utf-8"?>
+<p:sld xmlns:a="http://schemas.openxmlformats.org/drawingml/2006/main" xmlns:r="http://schemas.openxmlformats.org/officeDocument/2006/relationships" xmlns:p="http://schemas.openxmlformats.org/presentationml/2006/main">
+  <p:cSld>
+    <p:spTree>
+      <p:nvGrpSpPr>
+        <p:cNvPr id="1" name=""/>
+        <p:cNvGrpSpPr/>
+        <p:nvPr/>
+      </p:nvGrpSpPr>
+      <p:grpSpPr>
+        <a:xfrm>
+          <a:off x="0" y="0"/>
+          <a:ext cx="0" cy="0"/>
+          <a:chOff x="0" y="0"/>
+          <a:chExt cx="0" cy="0"/>
+        </a:xfrm>
+      </p:grpSpPr>
+      <p:sp>
+        <p:nvSpPr>
+          <p:cNvPr id="3" name="TextBox 2">
+            <a:extLst>
+              <a:ext uri="{FF2B5EF4-FFF2-40B4-BE49-F238E27FC236}">
+                <a16:creationId xmlns:a16="http://schemas.microsoft.com/office/drawing/2014/main" id="{0460B561-9B3E-A968-2B4E-7319150C79C4}"/>
+              </a:ext>
+            </a:extLst>
+          </p:cNvPr>
+          <p:cNvSpPr txBox="1"/>
+          <p:nvPr/>
+        </p:nvSpPr>
+        <p:spPr>
+          <a:xfrm>
+            <a:off x="1510146" y="5437227"/>
+            <a:ext cx="6802581" cy="400110"/>
+          </a:xfrm>
+          <a:prstGeom prst="rect">
+            <a:avLst/>
+          </a:prstGeom>
+          <a:noFill/>
+        </p:spPr>
+        <p:txBody>
+          <a:bodyPr wrap="square">
+            <a:spAutoFit/>
+          </a:bodyPr>
+          <a:lstStyle/>
+          <a:p>
+            <a:r>
+              <a:rPr lang="en-US" sz="2000">
+                <a:latin typeface="Verdana" panose="020B0604030504040204" pitchFamily="34" charset="0"/>
+                <a:ea typeface="Verdana" panose="020B0604030504040204" pitchFamily="34" charset="0"/>
+              </a:rPr>
+              <a:t>https://github.com/jbfoushee/MyPresentations/</a:t>
+            </a:r>
+            <a:endParaRPr lang="en-US" sz="2000" dirty="0">
+              <a:latin typeface="Verdana" panose="020B0604030504040204" pitchFamily="34" charset="0"/>
+              <a:ea typeface="Verdana" panose="020B0604030504040204" pitchFamily="34" charset="0"/>
+            </a:endParaRPr>
+          </a:p>
+        </p:txBody>
+      </p:sp>
+      <p:sp>
+        <p:nvSpPr>
+          <p:cNvPr id="5" name="TextBox 4">
+            <a:extLst>
+              <a:ext uri="{FF2B5EF4-FFF2-40B4-BE49-F238E27FC236}">
+                <a16:creationId xmlns:a16="http://schemas.microsoft.com/office/drawing/2014/main" id="{ABF7E1BF-9545-970E-5C17-B09523F51437}"/>
+              </a:ext>
+            </a:extLst>
+          </p:cNvPr>
+          <p:cNvSpPr txBox="1"/>
+          <p:nvPr/>
+        </p:nvSpPr>
+        <p:spPr>
+          <a:xfrm>
+            <a:off x="1510146" y="4895212"/>
+            <a:ext cx="7439890" cy="400110"/>
+          </a:xfrm>
+          <a:prstGeom prst="rect">
+            <a:avLst/>
+          </a:prstGeom>
+          <a:noFill/>
+        </p:spPr>
+        <p:txBody>
+          <a:bodyPr wrap="square">
+            <a:spAutoFit/>
+          </a:bodyPr>
+          <a:lstStyle/>
+          <a:p>
+            <a:r>
+              <a:rPr lang="en-US" sz="2000" dirty="0">
+                <a:latin typeface="Verdana" panose="020B0604030504040204" pitchFamily="34" charset="0"/>
+                <a:ea typeface="Verdana" panose="020B0604030504040204" pitchFamily="34" charset="0"/>
+              </a:rPr>
+              <a:t>https://www.linkedin.com/in/jeff-foushee-13b80a100/</a:t>
+            </a:r>
+          </a:p>
+        </p:txBody>
+      </p:sp>
+      <p:pic>
+        <p:nvPicPr>
+          <p:cNvPr id="1026" name="Picture 2" descr="Linkedin-logo | myCloudDoor - Expertise for Cloud Transition">
+            <a:extLst>
+              <a:ext uri="{FF2B5EF4-FFF2-40B4-BE49-F238E27FC236}">
+                <a16:creationId xmlns:a16="http://schemas.microsoft.com/office/drawing/2014/main" id="{7541C2E9-3409-6A8C-14FE-E2F786407B3E}"/>
+              </a:ext>
+            </a:extLst>
+          </p:cNvPr>
+          <p:cNvPicPr>
+            <a:picLocks noChangeAspect="1" noChangeArrowheads="1"/>
+          </p:cNvPicPr>
+          <p:nvPr/>
+        </p:nvPicPr>
+        <p:blipFill>
+          <a:blip r:embed="rId2">
+            <a:extLst>
+              <a:ext uri="{28A0092B-C50C-407E-A947-70E740481C1C}">
+                <a14:useLocalDpi xmlns:a14="http://schemas.microsoft.com/office/drawing/2010/main" val="0"/>
+              </a:ext>
+            </a:extLst>
+          </a:blip>
+          <a:srcRect/>
+          <a:stretch>
+            <a:fillRect/>
+          </a:stretch>
+        </p:blipFill>
+        <p:spPr bwMode="auto">
+          <a:xfrm>
+            <a:off x="831273" y="4897215"/>
+            <a:ext cx="678873" cy="381866"/>
+          </a:xfrm>
+          <a:prstGeom prst="rect">
+            <a:avLst/>
+          </a:prstGeom>
+          <a:noFill/>
+          <a:extLst>
+            <a:ext uri="{909E8E84-426E-40DD-AFC4-6F175D3DCCD1}">
+              <a14:hiddenFill xmlns:a14="http://schemas.microsoft.com/office/drawing/2010/main">
+                <a:solidFill>
+                  <a:srgbClr val="FFFFFF"/>
+                </a:solidFill>
+              </a14:hiddenFill>
+            </a:ext>
+          </a:extLst>
+        </p:spPr>
+      </p:pic>
+      <p:pic>
+        <p:nvPicPr>
+          <p:cNvPr id="1028" name="Picture 4" descr="GitHub Logo, symbol, meaning, history, PNG, brand">
+            <a:extLst>
+              <a:ext uri="{FF2B5EF4-FFF2-40B4-BE49-F238E27FC236}">
+                <a16:creationId xmlns:a16="http://schemas.microsoft.com/office/drawing/2014/main" id="{4A4A3218-5674-2C67-8D76-BCC0445E30D3}"/>
+              </a:ext>
+            </a:extLst>
+          </p:cNvPr>
+          <p:cNvPicPr>
+            <a:picLocks noChangeAspect="1" noChangeArrowheads="1"/>
+          </p:cNvPicPr>
+          <p:nvPr/>
+        </p:nvPicPr>
+        <p:blipFill>
+          <a:blip r:embed="rId3">
+            <a:extLst>
+              <a:ext uri="{28A0092B-C50C-407E-A947-70E740481C1C}">
+                <a14:useLocalDpi xmlns:a14="http://schemas.microsoft.com/office/drawing/2010/main" val="0"/>
+              </a:ext>
+            </a:extLst>
+          </a:blip>
+          <a:srcRect/>
+          <a:stretch>
+            <a:fillRect/>
+          </a:stretch>
+        </p:blipFill>
+        <p:spPr bwMode="auto">
+          <a:xfrm>
+            <a:off x="831272" y="5451764"/>
+            <a:ext cx="678874" cy="381867"/>
+          </a:xfrm>
+          <a:prstGeom prst="rect">
+            <a:avLst/>
+          </a:prstGeom>
+          <a:noFill/>
+          <a:extLst>
+            <a:ext uri="{909E8E84-426E-40DD-AFC4-6F175D3DCCD1}">
+              <a14:hiddenFill xmlns:a14="http://schemas.microsoft.com/office/drawing/2010/main">
+                <a:solidFill>
+                  <a:srgbClr val="FFFFFF"/>
+                </a:solidFill>
+              </a14:hiddenFill>
+            </a:ext>
+          </a:extLst>
+        </p:spPr>
+      </p:pic>
+      <p:pic>
+        <p:nvPicPr>
+          <p:cNvPr id="7" name="Picture 6">
+            <a:extLst>
+              <a:ext uri="{FF2B5EF4-FFF2-40B4-BE49-F238E27FC236}">
+                <a16:creationId xmlns:a16="http://schemas.microsoft.com/office/drawing/2014/main" id="{4EF63783-B000-A4BC-CCBD-ECC8D1236DD3}"/>
+              </a:ext>
+            </a:extLst>
+          </p:cNvPr>
+          <p:cNvPicPr>
+            <a:picLocks noChangeAspect="1"/>
+          </p:cNvPicPr>
+          <p:nvPr/>
+        </p:nvPicPr>
+        <p:blipFill>
+          <a:blip r:embed="rId4">
+            <a:extLst>
+              <a:ext uri="{28A0092B-C50C-407E-A947-70E740481C1C}">
+                <a14:useLocalDpi xmlns:a14="http://schemas.microsoft.com/office/drawing/2010/main" val="0"/>
+              </a:ext>
+            </a:extLst>
+          </a:blip>
+          <a:stretch>
+            <a:fillRect/>
+          </a:stretch>
+        </p:blipFill>
+        <p:spPr>
+          <a:xfrm>
+            <a:off x="1039090" y="1578919"/>
+            <a:ext cx="2228212" cy="2228212"/>
+          </a:xfrm>
+          <a:prstGeom prst="rect">
+            <a:avLst/>
+          </a:prstGeom>
+        </p:spPr>
+      </p:pic>
+      <p:sp>
+        <p:nvSpPr>
+          <p:cNvPr id="8" name="TextBox 7">
+            <a:extLst>
+              <a:ext uri="{FF2B5EF4-FFF2-40B4-BE49-F238E27FC236}">
+                <a16:creationId xmlns:a16="http://schemas.microsoft.com/office/drawing/2014/main" id="{98A32F5C-E514-95A5-9E67-696F9A1524ED}"/>
+              </a:ext>
+            </a:extLst>
+          </p:cNvPr>
+          <p:cNvSpPr txBox="1"/>
+          <p:nvPr/>
+        </p:nvSpPr>
+        <p:spPr>
+          <a:xfrm>
+            <a:off x="4225637" y="1020663"/>
+            <a:ext cx="6442363" cy="2985433"/>
+          </a:xfrm>
+          <a:prstGeom prst="rect">
+            <a:avLst/>
+          </a:prstGeom>
+          <a:noFill/>
+        </p:spPr>
+        <p:txBody>
+          <a:bodyPr wrap="square" rtlCol="0">
+            <a:spAutoFit/>
+          </a:bodyPr>
+          <a:lstStyle/>
+          <a:p>
+            <a:r>
+              <a:rPr lang="en-US" sz="3600" dirty="0">
+                <a:latin typeface="Verdana" panose="020B0604030504040204" pitchFamily="34" charset="0"/>
+                <a:ea typeface="Verdana" panose="020B0604030504040204" pitchFamily="34" charset="0"/>
+              </a:rPr>
+              <a:t>Jeff Foushee</a:t>
+            </a:r>
+          </a:p>
+          <a:p>
+            <a:endParaRPr lang="en-US" sz="2400" dirty="0">
+              <a:latin typeface="Verdana" panose="020B0604030504040204" pitchFamily="34" charset="0"/>
+              <a:ea typeface="Verdana" panose="020B0604030504040204" pitchFamily="34" charset="0"/>
+            </a:endParaRPr>
+          </a:p>
+          <a:p>
+            <a:pPr marL="285750" indent="-285750">
+              <a:buFont typeface="Arial" panose="020B0604020202020204" pitchFamily="34" charset="0"/>
+              <a:buChar char="•"/>
+            </a:pPr>
+            <a:r>
+              <a:rPr lang="en-US" sz="2400" dirty="0">
+                <a:latin typeface="Verdana" panose="020B0604030504040204" pitchFamily="34" charset="0"/>
+                <a:ea typeface="Verdana" panose="020B0604030504040204" pitchFamily="34" charset="0"/>
+              </a:rPr>
+              <a:t>SQL Server Database Admin</a:t>
+            </a:r>
+          </a:p>
+          <a:p>
+            <a:pPr marL="285750" indent="-285750">
+              <a:buFont typeface="Arial" panose="020B0604020202020204" pitchFamily="34" charset="0"/>
+              <a:buChar char="•"/>
+            </a:pPr>
+            <a:endParaRPr lang="en-US" sz="1000" dirty="0">
+              <a:latin typeface="Verdana" panose="020B0604030504040204" pitchFamily="34" charset="0"/>
+              <a:ea typeface="Verdana" panose="020B0604030504040204" pitchFamily="34" charset="0"/>
+            </a:endParaRPr>
+          </a:p>
+          <a:p>
+            <a:pPr marL="285750" indent="-285750">
+              <a:buFont typeface="Arial" panose="020B0604020202020204" pitchFamily="34" charset="0"/>
+              <a:buChar char="•"/>
+            </a:pPr>
+            <a:r>
+              <a:rPr lang="en-US" sz="2400" dirty="0">
+                <a:latin typeface="Verdana" panose="020B0604030504040204" pitchFamily="34" charset="0"/>
+                <a:ea typeface="Verdana" panose="020B0604030504040204" pitchFamily="34" charset="0"/>
+              </a:rPr>
+              <a:t>Programmer</a:t>
+            </a:r>
+          </a:p>
+          <a:p>
+            <a:endParaRPr lang="en-US" sz="1000" dirty="0">
+              <a:latin typeface="Verdana" panose="020B0604030504040204" pitchFamily="34" charset="0"/>
+              <a:ea typeface="Verdana" panose="020B0604030504040204" pitchFamily="34" charset="0"/>
+            </a:endParaRPr>
+          </a:p>
+          <a:p>
+            <a:pPr marL="285750" indent="-285750">
+              <a:buFont typeface="Arial" panose="020B0604020202020204" pitchFamily="34" charset="0"/>
+              <a:buChar char="•"/>
+            </a:pPr>
+            <a:r>
+              <a:rPr lang="en-US" sz="2400" dirty="0">
+                <a:latin typeface="Verdana" panose="020B0604030504040204" pitchFamily="34" charset="0"/>
+                <a:ea typeface="Verdana" panose="020B0604030504040204" pitchFamily="34" charset="0"/>
+              </a:rPr>
+              <a:t>SQL Saturday speaker</a:t>
+            </a:r>
+          </a:p>
+          <a:p>
+            <a:pPr marL="285750" indent="-285750">
+              <a:buFont typeface="Arial" panose="020B0604020202020204" pitchFamily="34" charset="0"/>
+              <a:buChar char="•"/>
+            </a:pPr>
+            <a:endParaRPr lang="en-US" sz="1200" dirty="0">
+              <a:latin typeface="Verdana" panose="020B0604030504040204" pitchFamily="34" charset="0"/>
+              <a:ea typeface="Verdana" panose="020B0604030504040204" pitchFamily="34" charset="0"/>
+            </a:endParaRPr>
+          </a:p>
+          <a:p>
+            <a:pPr marL="285750" indent="-285750">
+              <a:buFont typeface="Arial" panose="020B0604020202020204" pitchFamily="34" charset="0"/>
+              <a:buChar char="•"/>
+            </a:pPr>
+            <a:r>
+              <a:rPr lang="en-US" sz="2400" dirty="0">
+                <a:latin typeface="Verdana" panose="020B0604030504040204" pitchFamily="34" charset="0"/>
+                <a:ea typeface="Verdana" panose="020B0604030504040204" pitchFamily="34" charset="0"/>
+              </a:rPr>
+              <a:t>Blackjack dealer</a:t>
+            </a:r>
+          </a:p>
+        </p:txBody>
+      </p:sp>
+    </p:spTree>
+    <p:extLst>
+      <p:ext uri="{BB962C8B-B14F-4D97-AF65-F5344CB8AC3E}">
+        <p14:creationId xmlns:p14="http://schemas.microsoft.com/office/powerpoint/2010/main" val="3600115848"/>
       </p:ext>
     </p:extLst>
   </p:cSld>

--- a/Datatables_and_Dataframes_to_SQL_Procs/User-defined Table Types.pptx
+++ b/Datatables_and_Dataframes_to_SQL_Procs/User-defined Table Types.pptx
@@ -250,7 +250,7 @@
           <a:p>
             <a:fld id="{3E17F473-D930-40CF-A164-F39E2E601F13}" type="datetimeFigureOut">
               <a:rPr lang="en-US" smtClean="0"/>
-              <a:t>10/14/2023</a:t>
+              <a:t>4/12/2024</a:t>
             </a:fld>
             <a:endParaRPr lang="en-US"/>
           </a:p>
@@ -3776,7 +3776,7 @@
           <a:p>
             <a:fld id="{FAFDAFBD-AA74-4F39-B34D-B8A0CE5CD8B0}" type="datetimeFigureOut">
               <a:rPr lang="en-US" smtClean="0"/>
-              <a:t>10/14/2023</a:t>
+              <a:t>4/12/2024</a:t>
             </a:fld>
             <a:endParaRPr lang="en-US"/>
           </a:p>
@@ -3974,7 +3974,7 @@
           <a:p>
             <a:fld id="{FAFDAFBD-AA74-4F39-B34D-B8A0CE5CD8B0}" type="datetimeFigureOut">
               <a:rPr lang="en-US" smtClean="0"/>
-              <a:t>10/14/2023</a:t>
+              <a:t>4/12/2024</a:t>
             </a:fld>
             <a:endParaRPr lang="en-US"/>
           </a:p>
@@ -4182,7 +4182,7 @@
           <a:p>
             <a:fld id="{FAFDAFBD-AA74-4F39-B34D-B8A0CE5CD8B0}" type="datetimeFigureOut">
               <a:rPr lang="en-US" smtClean="0"/>
-              <a:t>10/14/2023</a:t>
+              <a:t>4/12/2024</a:t>
             </a:fld>
             <a:endParaRPr lang="en-US"/>
           </a:p>
@@ -4977,7 +4977,7 @@
           <a:p>
             <a:fld id="{FAFDAFBD-AA74-4F39-B34D-B8A0CE5CD8B0}" type="datetimeFigureOut">
               <a:rPr lang="en-US" smtClean="0"/>
-              <a:t>10/14/2023</a:t>
+              <a:t>4/12/2024</a:t>
             </a:fld>
             <a:endParaRPr lang="en-US"/>
           </a:p>
@@ -5153,7 +5153,7 @@
           <a:p>
             <a:fld id="{FAFDAFBD-AA74-4F39-B34D-B8A0CE5CD8B0}" type="datetimeFigureOut">
               <a:rPr lang="en-US" smtClean="0"/>
-              <a:t>10/14/2023</a:t>
+              <a:t>4/12/2024</a:t>
             </a:fld>
             <a:endParaRPr lang="en-US"/>
           </a:p>
@@ -5400,7 +5400,7 @@
           <a:p>
             <a:fld id="{FAFDAFBD-AA74-4F39-B34D-B8A0CE5CD8B0}" type="datetimeFigureOut">
               <a:rPr lang="en-US" smtClean="0"/>
-              <a:t>10/14/2023</a:t>
+              <a:t>4/12/2024</a:t>
             </a:fld>
             <a:endParaRPr lang="en-US"/>
           </a:p>
@@ -5632,7 +5632,7 @@
           <a:p>
             <a:fld id="{FAFDAFBD-AA74-4F39-B34D-B8A0CE5CD8B0}" type="datetimeFigureOut">
               <a:rPr lang="en-US" smtClean="0"/>
-              <a:t>10/14/2023</a:t>
+              <a:t>4/12/2024</a:t>
             </a:fld>
             <a:endParaRPr lang="en-US"/>
           </a:p>
@@ -6006,7 +6006,7 @@
           <a:p>
             <a:fld id="{FAFDAFBD-AA74-4F39-B34D-B8A0CE5CD8B0}" type="datetimeFigureOut">
               <a:rPr lang="en-US" smtClean="0"/>
-              <a:t>10/14/2023</a:t>
+              <a:t>4/12/2024</a:t>
             </a:fld>
             <a:endParaRPr lang="en-US"/>
           </a:p>
@@ -6129,7 +6129,7 @@
           <a:p>
             <a:fld id="{FAFDAFBD-AA74-4F39-B34D-B8A0CE5CD8B0}" type="datetimeFigureOut">
               <a:rPr lang="en-US" smtClean="0"/>
-              <a:t>10/14/2023</a:t>
+              <a:t>4/12/2024</a:t>
             </a:fld>
             <a:endParaRPr lang="en-US"/>
           </a:p>
@@ -6224,7 +6224,7 @@
           <a:p>
             <a:fld id="{FAFDAFBD-AA74-4F39-B34D-B8A0CE5CD8B0}" type="datetimeFigureOut">
               <a:rPr lang="en-US" smtClean="0"/>
-              <a:t>10/14/2023</a:t>
+              <a:t>4/12/2024</a:t>
             </a:fld>
             <a:endParaRPr lang="en-US"/>
           </a:p>
@@ -6479,7 +6479,7 @@
           <a:p>
             <a:fld id="{FAFDAFBD-AA74-4F39-B34D-B8A0CE5CD8B0}" type="datetimeFigureOut">
               <a:rPr lang="en-US" smtClean="0"/>
-              <a:t>10/14/2023</a:t>
+              <a:t>4/12/2024</a:t>
             </a:fld>
             <a:endParaRPr lang="en-US"/>
           </a:p>
@@ -6665,7 +6665,7 @@
           <a:p>
             <a:fld id="{FAFDAFBD-AA74-4F39-B34D-B8A0CE5CD8B0}" type="datetimeFigureOut">
               <a:rPr lang="en-US" smtClean="0"/>
-              <a:t>10/14/2023</a:t>
+              <a:t>4/12/2024</a:t>
             </a:fld>
             <a:endParaRPr lang="en-US"/>
           </a:p>
@@ -6940,7 +6940,7 @@
           <a:p>
             <a:fld id="{FAFDAFBD-AA74-4F39-B34D-B8A0CE5CD8B0}" type="datetimeFigureOut">
               <a:rPr lang="en-US" smtClean="0"/>
-              <a:t>10/14/2023</a:t>
+              <a:t>4/12/2024</a:t>
             </a:fld>
             <a:endParaRPr lang="en-US"/>
           </a:p>
@@ -7191,7 +7191,7 @@
           <a:p>
             <a:fld id="{FAFDAFBD-AA74-4F39-B34D-B8A0CE5CD8B0}" type="datetimeFigureOut">
               <a:rPr lang="en-US" smtClean="0"/>
-              <a:t>10/14/2023</a:t>
+              <a:t>4/12/2024</a:t>
             </a:fld>
             <a:endParaRPr lang="en-US"/>
           </a:p>
@@ -7505,7 +7505,7 @@
           <a:p>
             <a:fld id="{FAFDAFBD-AA74-4F39-B34D-B8A0CE5CD8B0}" type="datetimeFigureOut">
               <a:rPr lang="en-US" smtClean="0"/>
-              <a:t>10/14/2023</a:t>
+              <a:t>4/12/2024</a:t>
             </a:fld>
             <a:endParaRPr lang="en-US"/>
           </a:p>
@@ -7846,7 +7846,7 @@
           <a:p>
             <a:fld id="{FAFDAFBD-AA74-4F39-B34D-B8A0CE5CD8B0}" type="datetimeFigureOut">
               <a:rPr lang="en-US" smtClean="0"/>
-              <a:t>10/14/2023</a:t>
+              <a:t>4/12/2024</a:t>
             </a:fld>
             <a:endParaRPr lang="en-US"/>
           </a:p>
@@ -8160,7 +8160,7 @@
           <a:p>
             <a:fld id="{FAFDAFBD-AA74-4F39-B34D-B8A0CE5CD8B0}" type="datetimeFigureOut">
               <a:rPr lang="en-US" smtClean="0"/>
-              <a:t>10/14/2023</a:t>
+              <a:t>4/12/2024</a:t>
             </a:fld>
             <a:endParaRPr lang="en-US"/>
           </a:p>
@@ -8553,7 +8553,7 @@
           <a:p>
             <a:fld id="{FAFDAFBD-AA74-4F39-B34D-B8A0CE5CD8B0}" type="datetimeFigureOut">
               <a:rPr lang="en-US" smtClean="0"/>
-              <a:t>10/14/2023</a:t>
+              <a:t>4/12/2024</a:t>
             </a:fld>
             <a:endParaRPr lang="en-US"/>
           </a:p>
@@ -8723,7 +8723,7 @@
           <a:p>
             <a:fld id="{FAFDAFBD-AA74-4F39-B34D-B8A0CE5CD8B0}" type="datetimeFigureOut">
               <a:rPr lang="en-US" smtClean="0"/>
-              <a:t>10/14/2023</a:t>
+              <a:t>4/12/2024</a:t>
             </a:fld>
             <a:endParaRPr lang="en-US"/>
           </a:p>
@@ -8903,7 +8903,7 @@
           <a:p>
             <a:fld id="{FAFDAFBD-AA74-4F39-B34D-B8A0CE5CD8B0}" type="datetimeFigureOut">
               <a:rPr lang="en-US" smtClean="0"/>
-              <a:t>10/14/2023</a:t>
+              <a:t>4/12/2024</a:t>
             </a:fld>
             <a:endParaRPr lang="en-US"/>
           </a:p>
@@ -9166,7 +9166,7 @@
           <a:p>
             <a:fld id="{FAFDAFBD-AA74-4F39-B34D-B8A0CE5CD8B0}" type="datetimeFigureOut">
               <a:rPr lang="en-US" smtClean="0"/>
-              <a:t>10/14/2023</a:t>
+              <a:t>4/12/2024</a:t>
             </a:fld>
             <a:endParaRPr lang="en-US"/>
           </a:p>
@@ -9431,7 +9431,7 @@
           <a:p>
             <a:fld id="{FAFDAFBD-AA74-4F39-B34D-B8A0CE5CD8B0}" type="datetimeFigureOut">
               <a:rPr lang="en-US" smtClean="0"/>
-              <a:t>10/14/2023</a:t>
+              <a:t>4/12/2024</a:t>
             </a:fld>
             <a:endParaRPr lang="en-US"/>
           </a:p>
@@ -9843,7 +9843,7 @@
           <a:p>
             <a:fld id="{FAFDAFBD-AA74-4F39-B34D-B8A0CE5CD8B0}" type="datetimeFigureOut">
               <a:rPr lang="en-US" smtClean="0"/>
-              <a:t>10/14/2023</a:t>
+              <a:t>4/12/2024</a:t>
             </a:fld>
             <a:endParaRPr lang="en-US"/>
           </a:p>
@@ -9984,7 +9984,7 @@
           <a:p>
             <a:fld id="{FAFDAFBD-AA74-4F39-B34D-B8A0CE5CD8B0}" type="datetimeFigureOut">
               <a:rPr lang="en-US" smtClean="0"/>
-              <a:t>10/14/2023</a:t>
+              <a:t>4/12/2024</a:t>
             </a:fld>
             <a:endParaRPr lang="en-US"/>
           </a:p>
@@ -10097,7 +10097,7 @@
           <a:p>
             <a:fld id="{FAFDAFBD-AA74-4F39-B34D-B8A0CE5CD8B0}" type="datetimeFigureOut">
               <a:rPr lang="en-US" smtClean="0"/>
-              <a:t>10/14/2023</a:t>
+              <a:t>4/12/2024</a:t>
             </a:fld>
             <a:endParaRPr lang="en-US"/>
           </a:p>
@@ -10408,7 +10408,7 @@
           <a:p>
             <a:fld id="{FAFDAFBD-AA74-4F39-B34D-B8A0CE5CD8B0}" type="datetimeFigureOut">
               <a:rPr lang="en-US" smtClean="0"/>
-              <a:t>10/14/2023</a:t>
+              <a:t>4/12/2024</a:t>
             </a:fld>
             <a:endParaRPr lang="en-US"/>
           </a:p>
@@ -10696,7 +10696,7 @@
           <a:p>
             <a:fld id="{FAFDAFBD-AA74-4F39-B34D-B8A0CE5CD8B0}" type="datetimeFigureOut">
               <a:rPr lang="en-US" smtClean="0"/>
-              <a:t>10/14/2023</a:t>
+              <a:t>4/12/2024</a:t>
             </a:fld>
             <a:endParaRPr lang="en-US"/>
           </a:p>
@@ -10937,7 +10937,7 @@
           <a:p>
             <a:fld id="{FAFDAFBD-AA74-4F39-B34D-B8A0CE5CD8B0}" type="datetimeFigureOut">
               <a:rPr lang="en-US" smtClean="0"/>
-              <a:t>10/14/2023</a:t>
+              <a:t>4/12/2024</a:t>
             </a:fld>
             <a:endParaRPr lang="en-US"/>
           </a:p>
@@ -12019,7 +12019,7 @@
           <a:p>
             <a:fld id="{FAFDAFBD-AA74-4F39-B34D-B8A0CE5CD8B0}" type="datetimeFigureOut">
               <a:rPr lang="en-US" smtClean="0"/>
-              <a:t>10/14/2023</a:t>
+              <a:t>4/12/2024</a:t>
             </a:fld>
             <a:endParaRPr lang="en-US"/>
           </a:p>
@@ -23129,7 +23129,7 @@
                 <a:latin typeface="Verdana" panose="020B0604030504040204" pitchFamily="34" charset="0"/>
                 <a:ea typeface="Verdana" panose="020B0604030504040204" pitchFamily="34" charset="0"/>
               </a:rPr>
-              <a:t>https://www.linkedin.com/in/jeff-foushee-13b80a100/</a:t>
+              <a:t>https://www.linkedin.com/in/jeff-foushee/</a:t>
             </a:r>
           </a:p>
         </p:txBody>
@@ -23568,8 +23568,19 @@
                 <a:latin typeface="Verdana" panose="020B0604030504040204" pitchFamily="34" charset="0"/>
                 <a:ea typeface="Verdana" panose="020B0604030504040204" pitchFamily="34" charset="0"/>
               </a:rPr>
-              <a:t>https://www.linkedin.com/in/jeff-foushee-13b80a100/</a:t>
-            </a:r>
+              <a:t>https://www.linkedin.com/in</a:t>
+            </a:r>
+            <a:r>
+              <a:rPr lang="en-US" sz="2000">
+                <a:latin typeface="Verdana" panose="020B0604030504040204" pitchFamily="34" charset="0"/>
+                <a:ea typeface="Verdana" panose="020B0604030504040204" pitchFamily="34" charset="0"/>
+              </a:rPr>
+              <a:t>/jeff-foushee/</a:t>
+            </a:r>
+            <a:endParaRPr lang="en-US" sz="2000" dirty="0">
+              <a:latin typeface="Verdana" panose="020B0604030504040204" pitchFamily="34" charset="0"/>
+              <a:ea typeface="Verdana" panose="020B0604030504040204" pitchFamily="34" charset="0"/>
+            </a:endParaRPr>
           </a:p>
         </p:txBody>
       </p:sp>

--- a/Datatables_and_Dataframes_to_SQL_Procs/User-defined Table Types.pptx
+++ b/Datatables_and_Dataframes_to_SQL_Procs/User-defined Table Types.pptx
@@ -6,50 +6,51 @@
     <p:sldMasterId id="2147483689" r:id="rId2"/>
   </p:sldMasterIdLst>
   <p:notesMasterIdLst>
-    <p:notesMasterId r:id="rId44"/>
+    <p:notesMasterId r:id="rId45"/>
   </p:notesMasterIdLst>
   <p:sldIdLst>
-    <p:sldId id="256" r:id="rId3"/>
-    <p:sldId id="257" r:id="rId4"/>
-    <p:sldId id="291" r:id="rId5"/>
-    <p:sldId id="314" r:id="rId6"/>
-    <p:sldId id="302" r:id="rId7"/>
-    <p:sldId id="258" r:id="rId8"/>
-    <p:sldId id="259" r:id="rId9"/>
-    <p:sldId id="260" r:id="rId10"/>
-    <p:sldId id="261" r:id="rId11"/>
-    <p:sldId id="262" r:id="rId12"/>
-    <p:sldId id="283" r:id="rId13"/>
-    <p:sldId id="263" r:id="rId14"/>
-    <p:sldId id="266" r:id="rId15"/>
-    <p:sldId id="316" r:id="rId16"/>
-    <p:sldId id="267" r:id="rId17"/>
-    <p:sldId id="268" r:id="rId18"/>
-    <p:sldId id="270" r:id="rId19"/>
-    <p:sldId id="287" r:id="rId20"/>
-    <p:sldId id="317" r:id="rId21"/>
-    <p:sldId id="303" r:id="rId22"/>
-    <p:sldId id="264" r:id="rId23"/>
-    <p:sldId id="281" r:id="rId24"/>
-    <p:sldId id="272" r:id="rId25"/>
-    <p:sldId id="282" r:id="rId26"/>
-    <p:sldId id="286" r:id="rId27"/>
-    <p:sldId id="289" r:id="rId28"/>
-    <p:sldId id="284" r:id="rId29"/>
-    <p:sldId id="307" r:id="rId30"/>
-    <p:sldId id="308" r:id="rId31"/>
-    <p:sldId id="309" r:id="rId32"/>
-    <p:sldId id="310" r:id="rId33"/>
-    <p:sldId id="311" r:id="rId34"/>
-    <p:sldId id="312" r:id="rId35"/>
-    <p:sldId id="313" r:id="rId36"/>
-    <p:sldId id="290" r:id="rId37"/>
-    <p:sldId id="294" r:id="rId38"/>
-    <p:sldId id="295" r:id="rId39"/>
-    <p:sldId id="296" r:id="rId40"/>
-    <p:sldId id="300" r:id="rId41"/>
-    <p:sldId id="305" r:id="rId42"/>
-    <p:sldId id="318" r:id="rId43"/>
+    <p:sldId id="379" r:id="rId3"/>
+    <p:sldId id="256" r:id="rId4"/>
+    <p:sldId id="257" r:id="rId5"/>
+    <p:sldId id="291" r:id="rId6"/>
+    <p:sldId id="314" r:id="rId7"/>
+    <p:sldId id="302" r:id="rId8"/>
+    <p:sldId id="258" r:id="rId9"/>
+    <p:sldId id="259" r:id="rId10"/>
+    <p:sldId id="260" r:id="rId11"/>
+    <p:sldId id="261" r:id="rId12"/>
+    <p:sldId id="262" r:id="rId13"/>
+    <p:sldId id="283" r:id="rId14"/>
+    <p:sldId id="263" r:id="rId15"/>
+    <p:sldId id="266" r:id="rId16"/>
+    <p:sldId id="316" r:id="rId17"/>
+    <p:sldId id="267" r:id="rId18"/>
+    <p:sldId id="268" r:id="rId19"/>
+    <p:sldId id="270" r:id="rId20"/>
+    <p:sldId id="287" r:id="rId21"/>
+    <p:sldId id="317" r:id="rId22"/>
+    <p:sldId id="303" r:id="rId23"/>
+    <p:sldId id="264" r:id="rId24"/>
+    <p:sldId id="281" r:id="rId25"/>
+    <p:sldId id="272" r:id="rId26"/>
+    <p:sldId id="282" r:id="rId27"/>
+    <p:sldId id="286" r:id="rId28"/>
+    <p:sldId id="289" r:id="rId29"/>
+    <p:sldId id="284" r:id="rId30"/>
+    <p:sldId id="307" r:id="rId31"/>
+    <p:sldId id="308" r:id="rId32"/>
+    <p:sldId id="309" r:id="rId33"/>
+    <p:sldId id="310" r:id="rId34"/>
+    <p:sldId id="311" r:id="rId35"/>
+    <p:sldId id="312" r:id="rId36"/>
+    <p:sldId id="313" r:id="rId37"/>
+    <p:sldId id="290" r:id="rId38"/>
+    <p:sldId id="294" r:id="rId39"/>
+    <p:sldId id="295" r:id="rId40"/>
+    <p:sldId id="296" r:id="rId41"/>
+    <p:sldId id="300" r:id="rId42"/>
+    <p:sldId id="305" r:id="rId43"/>
+    <p:sldId id="318" r:id="rId44"/>
   </p:sldIdLst>
   <p:sldSz cx="12192000" cy="6858000"/>
   <p:notesSz cx="6858000" cy="9144000"/>
@@ -250,7 +251,7 @@
           <a:p>
             <a:fld id="{3E17F473-D930-40CF-A164-F39E2E601F13}" type="datetimeFigureOut">
               <a:rPr lang="en-US" smtClean="0"/>
-              <a:t>4/12/2024</a:t>
+              <a:t>5/10/2024</a:t>
             </a:fld>
             <a:endParaRPr lang="en-US"/>
           </a:p>
@@ -582,7 +583,7 @@
           <a:p>
             <a:fld id="{2CD9D0CF-7A5F-42A2-8CCA-4A796DEC5511}" type="slidenum">
               <a:rPr lang="en-US" smtClean="0"/>
-              <a:t>1</a:t>
+              <a:t>2</a:t>
             </a:fld>
             <a:endParaRPr lang="en-US"/>
           </a:p>
@@ -689,7 +690,7 @@
           <a:p>
             <a:fld id="{2CD9D0CF-7A5F-42A2-8CCA-4A796DEC5511}" type="slidenum">
               <a:rPr lang="en-US" smtClean="0"/>
-              <a:t>11</a:t>
+              <a:t>12</a:t>
             </a:fld>
             <a:endParaRPr lang="en-US"/>
           </a:p>
@@ -773,7 +774,7 @@
           <a:p>
             <a:fld id="{2CD9D0CF-7A5F-42A2-8CCA-4A796DEC5511}" type="slidenum">
               <a:rPr lang="en-US" smtClean="0"/>
-              <a:t>12</a:t>
+              <a:t>13</a:t>
             </a:fld>
             <a:endParaRPr lang="en-US"/>
           </a:p>
@@ -863,7 +864,7 @@
           <a:p>
             <a:fld id="{2CD9D0CF-7A5F-42A2-8CCA-4A796DEC5511}" type="slidenum">
               <a:rPr lang="en-US" smtClean="0"/>
-              <a:t>13</a:t>
+              <a:t>14</a:t>
             </a:fld>
             <a:endParaRPr lang="en-US"/>
           </a:p>
@@ -967,7 +968,7 @@
           <a:p>
             <a:fld id="{2CD9D0CF-7A5F-42A2-8CCA-4A796DEC5511}" type="slidenum">
               <a:rPr lang="en-US" smtClean="0"/>
-              <a:t>14</a:t>
+              <a:t>15</a:t>
             </a:fld>
             <a:endParaRPr lang="en-US"/>
           </a:p>
@@ -1054,7 +1055,7 @@
           <a:p>
             <a:fld id="{2CD9D0CF-7A5F-42A2-8CCA-4A796DEC5511}" type="slidenum">
               <a:rPr lang="en-US" smtClean="0"/>
-              <a:t>15</a:t>
+              <a:t>16</a:t>
             </a:fld>
             <a:endParaRPr lang="en-US"/>
           </a:p>
@@ -1141,7 +1142,7 @@
           <a:p>
             <a:fld id="{2CD9D0CF-7A5F-42A2-8CCA-4A796DEC5511}" type="slidenum">
               <a:rPr lang="en-US" smtClean="0"/>
-              <a:t>16</a:t>
+              <a:t>17</a:t>
             </a:fld>
             <a:endParaRPr lang="en-US"/>
           </a:p>
@@ -1243,7 +1244,7 @@
           <a:p>
             <a:fld id="{2CD9D0CF-7A5F-42A2-8CCA-4A796DEC5511}" type="slidenum">
               <a:rPr lang="en-US" smtClean="0"/>
-              <a:t>17</a:t>
+              <a:t>18</a:t>
             </a:fld>
             <a:endParaRPr lang="en-US"/>
           </a:p>
@@ -1347,7 +1348,7 @@
           <a:p>
             <a:fld id="{2CD9D0CF-7A5F-42A2-8CCA-4A796DEC5511}" type="slidenum">
               <a:rPr lang="en-US" smtClean="0"/>
-              <a:t>18</a:t>
+              <a:t>19</a:t>
             </a:fld>
             <a:endParaRPr lang="en-US"/>
           </a:p>
@@ -1451,7 +1452,7 @@
           <a:p>
             <a:fld id="{2CD9D0CF-7A5F-42A2-8CCA-4A796DEC5511}" type="slidenum">
               <a:rPr lang="en-US" smtClean="0"/>
-              <a:t>19</a:t>
+              <a:t>20</a:t>
             </a:fld>
             <a:endParaRPr lang="en-US"/>
           </a:p>
@@ -1535,7 +1536,7 @@
           <a:p>
             <a:fld id="{2CD9D0CF-7A5F-42A2-8CCA-4A796DEC5511}" type="slidenum">
               <a:rPr lang="en-US" smtClean="0"/>
-              <a:t>20</a:t>
+              <a:t>21</a:t>
             </a:fld>
             <a:endParaRPr lang="en-US"/>
           </a:p>
@@ -1640,7 +1641,7 @@
           <a:p>
             <a:fld id="{2CD9D0CF-7A5F-42A2-8CCA-4A796DEC5511}" type="slidenum">
               <a:rPr lang="en-US" smtClean="0"/>
-              <a:t>2</a:t>
+              <a:t>3</a:t>
             </a:fld>
             <a:endParaRPr lang="en-US"/>
           </a:p>
@@ -1724,7 +1725,7 @@
           <a:p>
             <a:fld id="{2CD9D0CF-7A5F-42A2-8CCA-4A796DEC5511}" type="slidenum">
               <a:rPr lang="en-US" smtClean="0"/>
-              <a:t>26</a:t>
+              <a:t>27</a:t>
             </a:fld>
             <a:endParaRPr lang="en-US"/>
           </a:p>
@@ -2511,7 +2512,7 @@
           <a:p>
             <a:fld id="{2CD9D0CF-7A5F-42A2-8CCA-4A796DEC5511}" type="slidenum">
               <a:rPr lang="en-US" smtClean="0"/>
-              <a:t>27</a:t>
+              <a:t>28</a:t>
             </a:fld>
             <a:endParaRPr lang="en-US"/>
           </a:p>
@@ -2604,7 +2605,7 @@
           <a:p>
             <a:fld id="{2CD9D0CF-7A5F-42A2-8CCA-4A796DEC5511}" type="slidenum">
               <a:rPr lang="en-US" smtClean="0"/>
-              <a:t>35</a:t>
+              <a:t>36</a:t>
             </a:fld>
             <a:endParaRPr lang="en-US"/>
           </a:p>
@@ -2688,7 +2689,7 @@
           <a:p>
             <a:fld id="{2CD9D0CF-7A5F-42A2-8CCA-4A796DEC5511}" type="slidenum">
               <a:rPr lang="en-US" smtClean="0"/>
-              <a:t>36</a:t>
+              <a:t>37</a:t>
             </a:fld>
             <a:endParaRPr lang="en-US"/>
           </a:p>
@@ -2772,7 +2773,7 @@
           <a:p>
             <a:fld id="{2CD9D0CF-7A5F-42A2-8CCA-4A796DEC5511}" type="slidenum">
               <a:rPr lang="en-US" smtClean="0"/>
-              <a:t>37</a:t>
+              <a:t>38</a:t>
             </a:fld>
             <a:endParaRPr lang="en-US"/>
           </a:p>
@@ -2856,7 +2857,7 @@
           <a:p>
             <a:fld id="{2CD9D0CF-7A5F-42A2-8CCA-4A796DEC5511}" type="slidenum">
               <a:rPr lang="en-US" smtClean="0"/>
-              <a:t>38</a:t>
+              <a:t>39</a:t>
             </a:fld>
             <a:endParaRPr lang="en-US"/>
           </a:p>
@@ -2943,7 +2944,7 @@
           <a:p>
             <a:fld id="{2CD9D0CF-7A5F-42A2-8CCA-4A796DEC5511}" type="slidenum">
               <a:rPr lang="en-US" smtClean="0"/>
-              <a:t>3</a:t>
+              <a:t>4</a:t>
             </a:fld>
             <a:endParaRPr lang="en-US"/>
           </a:p>
@@ -3030,7 +3031,7 @@
           <a:p>
             <a:fld id="{2CD9D0CF-7A5F-42A2-8CCA-4A796DEC5511}" type="slidenum">
               <a:rPr lang="en-US" smtClean="0"/>
-              <a:t>5</a:t>
+              <a:t>6</a:t>
             </a:fld>
             <a:endParaRPr lang="en-US"/>
           </a:p>
@@ -3147,7 +3148,7 @@
           <a:p>
             <a:fld id="{2CD9D0CF-7A5F-42A2-8CCA-4A796DEC5511}" type="slidenum">
               <a:rPr lang="en-US" smtClean="0"/>
-              <a:t>6</a:t>
+              <a:t>7</a:t>
             </a:fld>
             <a:endParaRPr lang="en-US"/>
           </a:p>
@@ -3275,7 +3276,7 @@
           <a:p>
             <a:fld id="{2CD9D0CF-7A5F-42A2-8CCA-4A796DEC5511}" type="slidenum">
               <a:rPr lang="en-US" smtClean="0"/>
-              <a:t>7</a:t>
+              <a:t>8</a:t>
             </a:fld>
             <a:endParaRPr lang="en-US"/>
           </a:p>
@@ -3418,7 +3419,7 @@
           <a:p>
             <a:fld id="{2CD9D0CF-7A5F-42A2-8CCA-4A796DEC5511}" type="slidenum">
               <a:rPr lang="en-US" smtClean="0"/>
-              <a:t>8</a:t>
+              <a:t>9</a:t>
             </a:fld>
             <a:endParaRPr lang="en-US"/>
           </a:p>
@@ -3526,7 +3527,7 @@
           <a:p>
             <a:fld id="{2CD9D0CF-7A5F-42A2-8CCA-4A796DEC5511}" type="slidenum">
               <a:rPr lang="en-US" smtClean="0"/>
-              <a:t>9</a:t>
+              <a:t>10</a:t>
             </a:fld>
             <a:endParaRPr lang="en-US"/>
           </a:p>
@@ -3610,7 +3611,7 @@
           <a:p>
             <a:fld id="{2CD9D0CF-7A5F-42A2-8CCA-4A796DEC5511}" type="slidenum">
               <a:rPr lang="en-US" smtClean="0"/>
-              <a:t>10</a:t>
+              <a:t>11</a:t>
             </a:fld>
             <a:endParaRPr lang="en-US"/>
           </a:p>
@@ -3776,7 +3777,7 @@
           <a:p>
             <a:fld id="{FAFDAFBD-AA74-4F39-B34D-B8A0CE5CD8B0}" type="datetimeFigureOut">
               <a:rPr lang="en-US" smtClean="0"/>
-              <a:t>4/12/2024</a:t>
+              <a:t>5/10/2024</a:t>
             </a:fld>
             <a:endParaRPr lang="en-US"/>
           </a:p>
@@ -3974,7 +3975,7 @@
           <a:p>
             <a:fld id="{FAFDAFBD-AA74-4F39-B34D-B8A0CE5CD8B0}" type="datetimeFigureOut">
               <a:rPr lang="en-US" smtClean="0"/>
-              <a:t>4/12/2024</a:t>
+              <a:t>5/10/2024</a:t>
             </a:fld>
             <a:endParaRPr lang="en-US"/>
           </a:p>
@@ -4182,7 +4183,7 @@
           <a:p>
             <a:fld id="{FAFDAFBD-AA74-4F39-B34D-B8A0CE5CD8B0}" type="datetimeFigureOut">
               <a:rPr lang="en-US" smtClean="0"/>
-              <a:t>4/12/2024</a:t>
+              <a:t>5/10/2024</a:t>
             </a:fld>
             <a:endParaRPr lang="en-US"/>
           </a:p>
@@ -4977,7 +4978,7 @@
           <a:p>
             <a:fld id="{FAFDAFBD-AA74-4F39-B34D-B8A0CE5CD8B0}" type="datetimeFigureOut">
               <a:rPr lang="en-US" smtClean="0"/>
-              <a:t>4/12/2024</a:t>
+              <a:t>5/10/2024</a:t>
             </a:fld>
             <a:endParaRPr lang="en-US"/>
           </a:p>
@@ -5153,7 +5154,7 @@
           <a:p>
             <a:fld id="{FAFDAFBD-AA74-4F39-B34D-B8A0CE5CD8B0}" type="datetimeFigureOut">
               <a:rPr lang="en-US" smtClean="0"/>
-              <a:t>4/12/2024</a:t>
+              <a:t>5/10/2024</a:t>
             </a:fld>
             <a:endParaRPr lang="en-US"/>
           </a:p>
@@ -5400,7 +5401,7 @@
           <a:p>
             <a:fld id="{FAFDAFBD-AA74-4F39-B34D-B8A0CE5CD8B0}" type="datetimeFigureOut">
               <a:rPr lang="en-US" smtClean="0"/>
-              <a:t>4/12/2024</a:t>
+              <a:t>5/10/2024</a:t>
             </a:fld>
             <a:endParaRPr lang="en-US"/>
           </a:p>
@@ -5632,7 +5633,7 @@
           <a:p>
             <a:fld id="{FAFDAFBD-AA74-4F39-B34D-B8A0CE5CD8B0}" type="datetimeFigureOut">
               <a:rPr lang="en-US" smtClean="0"/>
-              <a:t>4/12/2024</a:t>
+              <a:t>5/10/2024</a:t>
             </a:fld>
             <a:endParaRPr lang="en-US"/>
           </a:p>
@@ -6006,7 +6007,7 @@
           <a:p>
             <a:fld id="{FAFDAFBD-AA74-4F39-B34D-B8A0CE5CD8B0}" type="datetimeFigureOut">
               <a:rPr lang="en-US" smtClean="0"/>
-              <a:t>4/12/2024</a:t>
+              <a:t>5/10/2024</a:t>
             </a:fld>
             <a:endParaRPr lang="en-US"/>
           </a:p>
@@ -6129,7 +6130,7 @@
           <a:p>
             <a:fld id="{FAFDAFBD-AA74-4F39-B34D-B8A0CE5CD8B0}" type="datetimeFigureOut">
               <a:rPr lang="en-US" smtClean="0"/>
-              <a:t>4/12/2024</a:t>
+              <a:t>5/10/2024</a:t>
             </a:fld>
             <a:endParaRPr lang="en-US"/>
           </a:p>
@@ -6224,7 +6225,7 @@
           <a:p>
             <a:fld id="{FAFDAFBD-AA74-4F39-B34D-B8A0CE5CD8B0}" type="datetimeFigureOut">
               <a:rPr lang="en-US" smtClean="0"/>
-              <a:t>4/12/2024</a:t>
+              <a:t>5/10/2024</a:t>
             </a:fld>
             <a:endParaRPr lang="en-US"/>
           </a:p>
@@ -6479,7 +6480,7 @@
           <a:p>
             <a:fld id="{FAFDAFBD-AA74-4F39-B34D-B8A0CE5CD8B0}" type="datetimeFigureOut">
               <a:rPr lang="en-US" smtClean="0"/>
-              <a:t>4/12/2024</a:t>
+              <a:t>5/10/2024</a:t>
             </a:fld>
             <a:endParaRPr lang="en-US"/>
           </a:p>
@@ -6665,7 +6666,7 @@
           <a:p>
             <a:fld id="{FAFDAFBD-AA74-4F39-B34D-B8A0CE5CD8B0}" type="datetimeFigureOut">
               <a:rPr lang="en-US" smtClean="0"/>
-              <a:t>4/12/2024</a:t>
+              <a:t>5/10/2024</a:t>
             </a:fld>
             <a:endParaRPr lang="en-US"/>
           </a:p>
@@ -6940,7 +6941,7 @@
           <a:p>
             <a:fld id="{FAFDAFBD-AA74-4F39-B34D-B8A0CE5CD8B0}" type="datetimeFigureOut">
               <a:rPr lang="en-US" smtClean="0"/>
-              <a:t>4/12/2024</a:t>
+              <a:t>5/10/2024</a:t>
             </a:fld>
             <a:endParaRPr lang="en-US"/>
           </a:p>
@@ -7191,7 +7192,7 @@
           <a:p>
             <a:fld id="{FAFDAFBD-AA74-4F39-B34D-B8A0CE5CD8B0}" type="datetimeFigureOut">
               <a:rPr lang="en-US" smtClean="0"/>
-              <a:t>4/12/2024</a:t>
+              <a:t>5/10/2024</a:t>
             </a:fld>
             <a:endParaRPr lang="en-US"/>
           </a:p>
@@ -7505,7 +7506,7 @@
           <a:p>
             <a:fld id="{FAFDAFBD-AA74-4F39-B34D-B8A0CE5CD8B0}" type="datetimeFigureOut">
               <a:rPr lang="en-US" smtClean="0"/>
-              <a:t>4/12/2024</a:t>
+              <a:t>5/10/2024</a:t>
             </a:fld>
             <a:endParaRPr lang="en-US"/>
           </a:p>
@@ -7846,7 +7847,7 @@
           <a:p>
             <a:fld id="{FAFDAFBD-AA74-4F39-B34D-B8A0CE5CD8B0}" type="datetimeFigureOut">
               <a:rPr lang="en-US" smtClean="0"/>
-              <a:t>4/12/2024</a:t>
+              <a:t>5/10/2024</a:t>
             </a:fld>
             <a:endParaRPr lang="en-US"/>
           </a:p>
@@ -8160,7 +8161,7 @@
           <a:p>
             <a:fld id="{FAFDAFBD-AA74-4F39-B34D-B8A0CE5CD8B0}" type="datetimeFigureOut">
               <a:rPr lang="en-US" smtClean="0"/>
-              <a:t>4/12/2024</a:t>
+              <a:t>5/10/2024</a:t>
             </a:fld>
             <a:endParaRPr lang="en-US"/>
           </a:p>
@@ -8553,7 +8554,7 @@
           <a:p>
             <a:fld id="{FAFDAFBD-AA74-4F39-B34D-B8A0CE5CD8B0}" type="datetimeFigureOut">
               <a:rPr lang="en-US" smtClean="0"/>
-              <a:t>4/12/2024</a:t>
+              <a:t>5/10/2024</a:t>
             </a:fld>
             <a:endParaRPr lang="en-US"/>
           </a:p>
@@ -8723,7 +8724,7 @@
           <a:p>
             <a:fld id="{FAFDAFBD-AA74-4F39-B34D-B8A0CE5CD8B0}" type="datetimeFigureOut">
               <a:rPr lang="en-US" smtClean="0"/>
-              <a:t>4/12/2024</a:t>
+              <a:t>5/10/2024</a:t>
             </a:fld>
             <a:endParaRPr lang="en-US"/>
           </a:p>
@@ -8903,7 +8904,7 @@
           <a:p>
             <a:fld id="{FAFDAFBD-AA74-4F39-B34D-B8A0CE5CD8B0}" type="datetimeFigureOut">
               <a:rPr lang="en-US" smtClean="0"/>
-              <a:t>4/12/2024</a:t>
+              <a:t>5/10/2024</a:t>
             </a:fld>
             <a:endParaRPr lang="en-US"/>
           </a:p>
@@ -9166,7 +9167,7 @@
           <a:p>
             <a:fld id="{FAFDAFBD-AA74-4F39-B34D-B8A0CE5CD8B0}" type="datetimeFigureOut">
               <a:rPr lang="en-US" smtClean="0"/>
-              <a:t>4/12/2024</a:t>
+              <a:t>5/10/2024</a:t>
             </a:fld>
             <a:endParaRPr lang="en-US"/>
           </a:p>
@@ -9431,7 +9432,7 @@
           <a:p>
             <a:fld id="{FAFDAFBD-AA74-4F39-B34D-B8A0CE5CD8B0}" type="datetimeFigureOut">
               <a:rPr lang="en-US" smtClean="0"/>
-              <a:t>4/12/2024</a:t>
+              <a:t>5/10/2024</a:t>
             </a:fld>
             <a:endParaRPr lang="en-US"/>
           </a:p>
@@ -9843,7 +9844,7 @@
           <a:p>
             <a:fld id="{FAFDAFBD-AA74-4F39-B34D-B8A0CE5CD8B0}" type="datetimeFigureOut">
               <a:rPr lang="en-US" smtClean="0"/>
-              <a:t>4/12/2024</a:t>
+              <a:t>5/10/2024</a:t>
             </a:fld>
             <a:endParaRPr lang="en-US"/>
           </a:p>
@@ -9984,7 +9985,7 @@
           <a:p>
             <a:fld id="{FAFDAFBD-AA74-4F39-B34D-B8A0CE5CD8B0}" type="datetimeFigureOut">
               <a:rPr lang="en-US" smtClean="0"/>
-              <a:t>4/12/2024</a:t>
+              <a:t>5/10/2024</a:t>
             </a:fld>
             <a:endParaRPr lang="en-US"/>
           </a:p>
@@ -10097,7 +10098,7 @@
           <a:p>
             <a:fld id="{FAFDAFBD-AA74-4F39-B34D-B8A0CE5CD8B0}" type="datetimeFigureOut">
               <a:rPr lang="en-US" smtClean="0"/>
-              <a:t>4/12/2024</a:t>
+              <a:t>5/10/2024</a:t>
             </a:fld>
             <a:endParaRPr lang="en-US"/>
           </a:p>
@@ -10408,7 +10409,7 @@
           <a:p>
             <a:fld id="{FAFDAFBD-AA74-4F39-B34D-B8A0CE5CD8B0}" type="datetimeFigureOut">
               <a:rPr lang="en-US" smtClean="0"/>
-              <a:t>4/12/2024</a:t>
+              <a:t>5/10/2024</a:t>
             </a:fld>
             <a:endParaRPr lang="en-US"/>
           </a:p>
@@ -10696,7 +10697,7 @@
           <a:p>
             <a:fld id="{FAFDAFBD-AA74-4F39-B34D-B8A0CE5CD8B0}" type="datetimeFigureOut">
               <a:rPr lang="en-US" smtClean="0"/>
-              <a:t>4/12/2024</a:t>
+              <a:t>5/10/2024</a:t>
             </a:fld>
             <a:endParaRPr lang="en-US"/>
           </a:p>
@@ -10937,7 +10938,7 @@
           <a:p>
             <a:fld id="{FAFDAFBD-AA74-4F39-B34D-B8A0CE5CD8B0}" type="datetimeFigureOut">
               <a:rPr lang="en-US" smtClean="0"/>
-              <a:t>4/12/2024</a:t>
+              <a:t>5/10/2024</a:t>
             </a:fld>
             <a:endParaRPr lang="en-US"/>
           </a:p>
@@ -12019,7 +12020,7 @@
           <a:p>
             <a:fld id="{FAFDAFBD-AA74-4F39-B34D-B8A0CE5CD8B0}" type="datetimeFigureOut">
               <a:rPr lang="en-US" smtClean="0"/>
-              <a:t>4/12/2024</a:t>
+              <a:t>5/10/2024</a:t>
             </a:fld>
             <a:endParaRPr lang="en-US"/>
           </a:p>
@@ -12545,10 +12546,68 @@
       </p:grpSpPr>
       <p:sp>
         <p:nvSpPr>
+          <p:cNvPr id="2" name="Title 1">
+            <a:extLst>
+              <a:ext uri="{FF2B5EF4-FFF2-40B4-BE49-F238E27FC236}">
+                <a16:creationId xmlns:a16="http://schemas.microsoft.com/office/drawing/2014/main" id="{2C169F34-9CC1-E59F-E59F-51DB3D97E003}"/>
+              </a:ext>
+            </a:extLst>
+          </p:cNvPr>
+          <p:cNvSpPr>
+            <a:spLocks noGrp="1"/>
+          </p:cNvSpPr>
+          <p:nvPr>
+            <p:ph type="title"/>
+          </p:nvPr>
+        </p:nvSpPr>
+        <p:spPr/>
+        <p:txBody>
+          <a:bodyPr/>
+          <a:lstStyle/>
+          <a:p>
+            <a:r>
+              <a:rPr lang="en-US" dirty="0"/>
+              <a:t>Reviewing after the presentation?</a:t>
+            </a:r>
+          </a:p>
+        </p:txBody>
+      </p:sp>
+      <p:pic>
+        <p:nvPicPr>
+          <p:cNvPr id="5" name="Picture 4">
+            <a:extLst>
+              <a:ext uri="{FF2B5EF4-FFF2-40B4-BE49-F238E27FC236}">
+                <a16:creationId xmlns:a16="http://schemas.microsoft.com/office/drawing/2014/main" id="{9C67A4AD-2DB8-D681-74A7-3A47132B8725}"/>
+              </a:ext>
+            </a:extLst>
+          </p:cNvPr>
+          <p:cNvPicPr>
+            <a:picLocks noChangeAspect="1"/>
+          </p:cNvPicPr>
+          <p:nvPr/>
+        </p:nvPicPr>
+        <p:blipFill>
+          <a:blip r:embed="rId2"/>
+          <a:stretch>
+            <a:fillRect/>
+          </a:stretch>
+        </p:blipFill>
+        <p:spPr>
+          <a:xfrm>
+            <a:off x="1047749" y="2184885"/>
+            <a:ext cx="10096500" cy="1362075"/>
+          </a:xfrm>
+          <a:prstGeom prst="rect">
+            <a:avLst/>
+          </a:prstGeom>
+        </p:spPr>
+      </p:pic>
+      <p:sp>
+        <p:nvSpPr>
           <p:cNvPr id="6" name="TextBox 5">
             <a:extLst>
               <a:ext uri="{FF2B5EF4-FFF2-40B4-BE49-F238E27FC236}">
-                <a16:creationId xmlns:a16="http://schemas.microsoft.com/office/drawing/2014/main" id="{066396DF-472C-C46E-5ADE-69BBA5A3A441}"/>
+                <a16:creationId xmlns:a16="http://schemas.microsoft.com/office/drawing/2014/main" id="{C6330FE9-AB35-44BA-F17A-6FD0DAAB70CE}"/>
               </a:ext>
             </a:extLst>
           </p:cNvPr>
@@ -12557,8 +12616,8 @@
         </p:nvSpPr>
         <p:spPr>
           <a:xfrm>
-            <a:off x="1219200" y="1605776"/>
-            <a:ext cx="9374459" cy="2308324"/>
+            <a:off x="2152997" y="4735629"/>
+            <a:ext cx="7886005" cy="523220"/>
           </a:xfrm>
           <a:prstGeom prst="rect">
             <a:avLst/>
@@ -12566,232 +12625,52 @@
           <a:noFill/>
         </p:spPr>
         <p:txBody>
-          <a:bodyPr wrap="square" rtlCol="0">
+          <a:bodyPr wrap="none" rtlCol="0">
             <a:spAutoFit/>
           </a:bodyPr>
           <a:lstStyle/>
           <a:p>
-            <a:r>
-              <a:rPr lang="en-US" sz="4800" b="1" dirty="0"/>
-              <a:t>Chew on That!:</a:t>
-            </a:r>
-          </a:p>
-          <a:p>
-            <a:r>
-              <a:rPr lang="en-US" sz="4800" dirty="0"/>
-              <a:t>Sending </a:t>
-            </a:r>
-            <a:r>
-              <a:rPr lang="en-US" sz="4800" dirty="0" err="1"/>
-              <a:t>DataTables</a:t>
-            </a:r>
-            <a:r>
-              <a:rPr lang="en-US" sz="4800" dirty="0"/>
-              <a:t> and </a:t>
-            </a:r>
-            <a:r>
-              <a:rPr lang="en-US" sz="4800" dirty="0" err="1"/>
-              <a:t>DataFrames</a:t>
-            </a:r>
-            <a:r>
-              <a:rPr lang="en-US" sz="4800" dirty="0"/>
-              <a:t> to SQL Stored Procedures</a:t>
-            </a:r>
-          </a:p>
-        </p:txBody>
-      </p:sp>
-      <p:pic>
-        <p:nvPicPr>
-          <p:cNvPr id="2050" name="Picture 2" descr="Download Python 32 / 64-bit (Terbaru 2022)">
-            <a:extLst>
-              <a:ext uri="{FF2B5EF4-FFF2-40B4-BE49-F238E27FC236}">
-                <a16:creationId xmlns:a16="http://schemas.microsoft.com/office/drawing/2014/main" id="{26552EDE-E75E-10BF-BEFF-21AC3A19FDA1}"/>
-              </a:ext>
-            </a:extLst>
-          </p:cNvPr>
-          <p:cNvPicPr>
-            <a:picLocks noChangeAspect="1" noChangeArrowheads="1"/>
-          </p:cNvPicPr>
-          <p:nvPr/>
-        </p:nvPicPr>
-        <p:blipFill>
-          <a:blip r:embed="rId3">
-            <a:extLst>
-              <a:ext uri="{28A0092B-C50C-407E-A947-70E740481C1C}">
-                <a14:useLocalDpi xmlns:a14="http://schemas.microsoft.com/office/drawing/2010/main" val="0"/>
-              </a:ext>
-            </a:extLst>
-          </a:blip>
-          <a:srcRect/>
-          <a:stretch>
-            <a:fillRect/>
-          </a:stretch>
-        </p:blipFill>
-        <p:spPr bwMode="auto">
-          <a:xfrm>
-            <a:off x="8289561" y="5188465"/>
-            <a:ext cx="1148345" cy="1148345"/>
-          </a:xfrm>
-          <a:prstGeom prst="rect">
-            <a:avLst/>
-          </a:prstGeom>
-          <a:noFill/>
-          <a:extLst>
-            <a:ext uri="{909E8E84-426E-40DD-AFC4-6F175D3DCCD1}">
-              <a14:hiddenFill xmlns:a14="http://schemas.microsoft.com/office/drawing/2010/main">
-                <a:solidFill>
-                  <a:srgbClr val="FFFFFF"/>
-                </a:solidFill>
-              </a14:hiddenFill>
-            </a:ext>
-          </a:extLst>
-        </p:spPr>
-      </p:pic>
-      <p:pic>
-        <p:nvPicPr>
-          <p:cNvPr id="2052" name="Picture 4" descr=".NET Standard and new .NET Framework Logo and Banner | The NeoSmart Files">
-            <a:extLst>
-              <a:ext uri="{FF2B5EF4-FFF2-40B4-BE49-F238E27FC236}">
-                <a16:creationId xmlns:a16="http://schemas.microsoft.com/office/drawing/2014/main" id="{94601AEB-45AC-9CD1-37FB-844640E77C02}"/>
-              </a:ext>
-            </a:extLst>
-          </p:cNvPr>
-          <p:cNvPicPr>
-            <a:picLocks noChangeAspect="1" noChangeArrowheads="1"/>
-          </p:cNvPicPr>
-          <p:nvPr/>
-        </p:nvPicPr>
-        <p:blipFill>
-          <a:blip r:embed="rId4">
-            <a:extLst>
-              <a:ext uri="{28A0092B-C50C-407E-A947-70E740481C1C}">
-                <a14:useLocalDpi xmlns:a14="http://schemas.microsoft.com/office/drawing/2010/main" val="0"/>
-              </a:ext>
-            </a:extLst>
-          </a:blip>
-          <a:srcRect/>
-          <a:stretch>
-            <a:fillRect/>
-          </a:stretch>
-        </p:blipFill>
-        <p:spPr bwMode="auto">
-          <a:xfrm>
-            <a:off x="6245223" y="5130037"/>
-            <a:ext cx="1428750" cy="1428750"/>
-          </a:xfrm>
-          <a:prstGeom prst="rect">
-            <a:avLst/>
-          </a:prstGeom>
-          <a:noFill/>
-          <a:extLst>
-            <a:ext uri="{909E8E84-426E-40DD-AFC4-6F175D3DCCD1}">
-              <a14:hiddenFill xmlns:a14="http://schemas.microsoft.com/office/drawing/2010/main">
-                <a:solidFill>
-                  <a:srgbClr val="FFFFFF"/>
-                </a:solidFill>
-              </a14:hiddenFill>
-            </a:ext>
-          </a:extLst>
-        </p:spPr>
-      </p:pic>
-      <p:pic>
-        <p:nvPicPr>
-          <p:cNvPr id="2" name="Picture 2" descr="Powershell Icon #48576 - Free Icons Library">
-            <a:extLst>
-              <a:ext uri="{FF2B5EF4-FFF2-40B4-BE49-F238E27FC236}">
-                <a16:creationId xmlns:a16="http://schemas.microsoft.com/office/drawing/2014/main" id="{CBBEC25C-DEB2-4D5B-7743-F200E07320CF}"/>
-              </a:ext>
-            </a:extLst>
-          </p:cNvPr>
-          <p:cNvPicPr>
-            <a:picLocks noChangeAspect="1" noChangeArrowheads="1"/>
-          </p:cNvPicPr>
-          <p:nvPr/>
-        </p:nvPicPr>
-        <p:blipFill>
-          <a:blip r:embed="rId5">
-            <a:extLst>
-              <a:ext uri="{28A0092B-C50C-407E-A947-70E740481C1C}">
-                <a14:useLocalDpi xmlns:a14="http://schemas.microsoft.com/office/drawing/2010/main" val="0"/>
-              </a:ext>
-            </a:extLst>
-          </a:blip>
-          <a:srcRect/>
-          <a:stretch>
-            <a:fillRect/>
-          </a:stretch>
-        </p:blipFill>
-        <p:spPr bwMode="auto">
-          <a:xfrm>
-            <a:off x="10053494" y="4955605"/>
-            <a:ext cx="1614066" cy="1614066"/>
-          </a:xfrm>
-          <a:prstGeom prst="rect">
-            <a:avLst/>
-          </a:prstGeom>
-          <a:noFill/>
-          <a:extLst>
-            <a:ext uri="{909E8E84-426E-40DD-AFC4-6F175D3DCCD1}">
-              <a14:hiddenFill xmlns:a14="http://schemas.microsoft.com/office/drawing/2010/main">
-                <a:solidFill>
-                  <a:srgbClr val="FFFFFF"/>
-                </a:solidFill>
-              </a14:hiddenFill>
-            </a:ext>
-          </a:extLst>
-        </p:spPr>
-      </p:pic>
-      <p:pic>
-        <p:nvPicPr>
-          <p:cNvPr id="1028" name="Picture 4" descr="Live Instructor-Led SQL Querying Advanced Training - Hands-on Course">
-            <a:extLst>
-              <a:ext uri="{FF2B5EF4-FFF2-40B4-BE49-F238E27FC236}">
-                <a16:creationId xmlns:a16="http://schemas.microsoft.com/office/drawing/2014/main" id="{904B98AA-8F61-6083-9EDF-117E692A6901}"/>
-              </a:ext>
-            </a:extLst>
-          </p:cNvPr>
-          <p:cNvPicPr>
-            <a:picLocks noChangeAspect="1" noChangeArrowheads="1"/>
-          </p:cNvPicPr>
-          <p:nvPr/>
-        </p:nvPicPr>
-        <p:blipFill>
-          <a:blip r:embed="rId6">
-            <a:extLst>
-              <a:ext uri="{28A0092B-C50C-407E-A947-70E740481C1C}">
-                <a14:useLocalDpi xmlns:a14="http://schemas.microsoft.com/office/drawing/2010/main" val="0"/>
-              </a:ext>
-            </a:extLst>
-          </a:blip>
-          <a:srcRect/>
-          <a:stretch>
-            <a:fillRect/>
-          </a:stretch>
-        </p:blipFill>
-        <p:spPr bwMode="auto">
-          <a:xfrm>
-            <a:off x="4055756" y="4955605"/>
-            <a:ext cx="1698570" cy="1787968"/>
-          </a:xfrm>
-          <a:prstGeom prst="rect">
-            <a:avLst/>
-          </a:prstGeom>
-          <a:noFill/>
-          <a:extLst>
-            <a:ext uri="{909E8E84-426E-40DD-AFC4-6F175D3DCCD1}">
-              <a14:hiddenFill xmlns:a14="http://schemas.microsoft.com/office/drawing/2010/main">
-                <a:solidFill>
-                  <a:srgbClr val="FFFFFF"/>
-                </a:solidFill>
-              </a14:hiddenFill>
-            </a:ext>
-          </a:extLst>
-        </p:spPr>
-      </p:pic>
+            <a:pPr marL="0" marR="0" lvl="0" indent="0" algn="l" defTabSz="914400" rtl="0" eaLnBrk="1" fontAlgn="auto" latinLnBrk="0" hangingPunct="1">
+              <a:lnSpc>
+                <a:spcPct val="100000"/>
+              </a:lnSpc>
+              <a:spcBef>
+                <a:spcPts val="0"/>
+              </a:spcBef>
+              <a:spcAft>
+                <a:spcPts val="0"/>
+              </a:spcAft>
+              <a:buClrTx/>
+              <a:buSzTx/>
+              <a:buFontTx/>
+              <a:buNone/>
+              <a:tabLst/>
+              <a:defRPr/>
+            </a:pPr>
+            <a:r>
+              <a:rPr kumimoji="0" lang="en-US" sz="2800" b="0" i="0" u="none" strike="noStrike" kern="1200" cap="none" spc="0" normalizeH="0" baseline="0" noProof="0" dirty="0">
+                <a:ln>
+                  <a:noFill/>
+                </a:ln>
+                <a:solidFill>
+                  <a:prstClr val="black"/>
+                </a:solidFill>
+                <a:effectLst/>
+                <a:uLnTx/>
+                <a:uFillTx/>
+                <a:latin typeface="Calibri" panose="020F0502020204030204"/>
+                <a:ea typeface="+mn-ea"/>
+                <a:cs typeface="+mn-cs"/>
+              </a:rPr>
+              <a:t>Be sure to enable the Notes for slide-specific content</a:t>
+            </a:r>
+          </a:p>
+        </p:txBody>
+      </p:sp>
     </p:spTree>
     <p:extLst>
       <p:ext uri="{BB962C8B-B14F-4D97-AF65-F5344CB8AC3E}">
-        <p14:creationId xmlns:p14="http://schemas.microsoft.com/office/powerpoint/2010/main" val="3171745601"/>
+        <p14:creationId xmlns:p14="http://schemas.microsoft.com/office/powerpoint/2010/main" val="1346962698"/>
       </p:ext>
     </p:extLst>
   </p:cSld>
@@ -12802,6 +12681,617 @@
 </file>
 
 <file path=ppt/slides/slide10.xml><?xml version="1.0" encoding="utf-8"?>
+<p:sld xmlns:a="http://schemas.openxmlformats.org/drawingml/2006/main" xmlns:r="http://schemas.openxmlformats.org/officeDocument/2006/relationships" xmlns:p="http://schemas.openxmlformats.org/presentationml/2006/main">
+  <p:cSld>
+    <p:spTree>
+      <p:nvGrpSpPr>
+        <p:cNvPr id="1" name=""/>
+        <p:cNvGrpSpPr/>
+        <p:nvPr/>
+      </p:nvGrpSpPr>
+      <p:grpSpPr>
+        <a:xfrm>
+          <a:off x="0" y="0"/>
+          <a:ext cx="0" cy="0"/>
+          <a:chOff x="0" y="0"/>
+          <a:chExt cx="0" cy="0"/>
+        </a:xfrm>
+      </p:grpSpPr>
+      <p:pic>
+        <p:nvPicPr>
+          <p:cNvPr id="8" name="Picture 7">
+            <a:extLst>
+              <a:ext uri="{FF2B5EF4-FFF2-40B4-BE49-F238E27FC236}">
+                <a16:creationId xmlns:a16="http://schemas.microsoft.com/office/drawing/2014/main" id="{45F799DC-BC66-5363-55D4-8E9F9161FE70}"/>
+              </a:ext>
+            </a:extLst>
+          </p:cNvPr>
+          <p:cNvPicPr>
+            <a:picLocks noChangeAspect="1"/>
+          </p:cNvPicPr>
+          <p:nvPr/>
+        </p:nvPicPr>
+        <p:blipFill>
+          <a:blip r:embed="rId3"/>
+          <a:stretch>
+            <a:fillRect/>
+          </a:stretch>
+        </p:blipFill>
+        <p:spPr>
+          <a:xfrm>
+            <a:off x="714375" y="1576387"/>
+            <a:ext cx="7140914" cy="4916488"/>
+          </a:xfrm>
+          <a:prstGeom prst="rect">
+            <a:avLst/>
+          </a:prstGeom>
+        </p:spPr>
+      </p:pic>
+      <p:sp>
+        <p:nvSpPr>
+          <p:cNvPr id="2" name="Title 1">
+            <a:extLst>
+              <a:ext uri="{FF2B5EF4-FFF2-40B4-BE49-F238E27FC236}">
+                <a16:creationId xmlns:a16="http://schemas.microsoft.com/office/drawing/2014/main" id="{7F562E86-F32E-98F9-68DE-9AA7F54C6E47}"/>
+              </a:ext>
+            </a:extLst>
+          </p:cNvPr>
+          <p:cNvSpPr>
+            <a:spLocks noGrp="1"/>
+          </p:cNvSpPr>
+          <p:nvPr>
+            <p:ph type="title"/>
+          </p:nvPr>
+        </p:nvSpPr>
+        <p:spPr/>
+        <p:txBody>
+          <a:bodyPr/>
+          <a:lstStyle/>
+          <a:p>
+            <a:r>
+              <a:rPr lang="en-US" dirty="0"/>
+              <a:t>Create the User-Defined Table Type (UDTT)</a:t>
+            </a:r>
+          </a:p>
+        </p:txBody>
+      </p:sp>
+      <p:sp>
+        <p:nvSpPr>
+          <p:cNvPr id="6" name="TextBox 5">
+            <a:extLst>
+              <a:ext uri="{FF2B5EF4-FFF2-40B4-BE49-F238E27FC236}">
+                <a16:creationId xmlns:a16="http://schemas.microsoft.com/office/drawing/2014/main" id="{6917806C-FC8A-7A21-BC74-4762E064E1D5}"/>
+              </a:ext>
+            </a:extLst>
+          </p:cNvPr>
+          <p:cNvSpPr txBox="1"/>
+          <p:nvPr/>
+        </p:nvSpPr>
+        <p:spPr>
+          <a:xfrm>
+            <a:off x="4627418" y="1690688"/>
+            <a:ext cx="6726382" cy="3170099"/>
+          </a:xfrm>
+          <a:prstGeom prst="rect">
+            <a:avLst/>
+          </a:prstGeom>
+          <a:noFill/>
+        </p:spPr>
+        <p:txBody>
+          <a:bodyPr wrap="square" rtlCol="0">
+            <a:spAutoFit/>
+          </a:bodyPr>
+          <a:lstStyle/>
+          <a:p>
+            <a:r>
+              <a:rPr lang="en-US" sz="2000" b="1" dirty="0">
+                <a:solidFill>
+                  <a:srgbClr val="0000FF"/>
+                </a:solidFill>
+                <a:latin typeface="Consolas" panose="020B0609020204030204" pitchFamily="49" charset="0"/>
+              </a:rPr>
+              <a:t>CREATE</a:t>
+            </a:r>
+            <a:r>
+              <a:rPr lang="en-US" sz="2000" b="1" dirty="0">
+                <a:solidFill>
+                  <a:srgbClr val="000000"/>
+                </a:solidFill>
+                <a:latin typeface="Consolas" panose="020B0609020204030204" pitchFamily="49" charset="0"/>
+              </a:rPr>
+              <a:t> </a:t>
+            </a:r>
+            <a:r>
+              <a:rPr lang="en-US" sz="2000" b="1" dirty="0">
+                <a:solidFill>
+                  <a:srgbClr val="0000FF"/>
+                </a:solidFill>
+                <a:latin typeface="Consolas" panose="020B0609020204030204" pitchFamily="49" charset="0"/>
+              </a:rPr>
+              <a:t>TYPE</a:t>
+            </a:r>
+            <a:r>
+              <a:rPr lang="en-US" sz="2000" b="1" dirty="0">
+                <a:solidFill>
+                  <a:srgbClr val="000000"/>
+                </a:solidFill>
+                <a:latin typeface="Consolas" panose="020B0609020204030204" pitchFamily="49" charset="0"/>
+              </a:rPr>
+              <a:t> [</a:t>
+            </a:r>
+            <a:r>
+              <a:rPr lang="en-US" sz="2000" b="1" dirty="0" err="1">
+                <a:solidFill>
+                  <a:srgbClr val="000000"/>
+                </a:solidFill>
+                <a:latin typeface="Consolas" panose="020B0609020204030204" pitchFamily="49" charset="0"/>
+              </a:rPr>
+              <a:t>dbo</a:t>
+            </a:r>
+            <a:r>
+              <a:rPr lang="en-US" sz="2000" b="1" dirty="0">
+                <a:solidFill>
+                  <a:srgbClr val="000000"/>
+                </a:solidFill>
+                <a:latin typeface="Consolas" panose="020B0609020204030204" pitchFamily="49" charset="0"/>
+              </a:rPr>
+              <a:t>]</a:t>
+            </a:r>
+            <a:r>
+              <a:rPr lang="en-US" sz="2000" b="1" dirty="0">
+                <a:solidFill>
+                  <a:srgbClr val="808080"/>
+                </a:solidFill>
+                <a:latin typeface="Consolas" panose="020B0609020204030204" pitchFamily="49" charset="0"/>
+              </a:rPr>
+              <a:t>.</a:t>
+            </a:r>
+            <a:r>
+              <a:rPr lang="en-US" sz="2000" b="1" dirty="0">
+                <a:solidFill>
+                  <a:srgbClr val="000000"/>
+                </a:solidFill>
+                <a:latin typeface="Consolas" panose="020B0609020204030204" pitchFamily="49" charset="0"/>
+              </a:rPr>
+              <a:t>[</a:t>
+            </a:r>
+            <a:r>
+              <a:rPr lang="en-US" sz="2000" b="1" dirty="0" err="1">
+                <a:solidFill>
+                  <a:srgbClr val="000000"/>
+                </a:solidFill>
+                <a:latin typeface="Consolas" panose="020B0609020204030204" pitchFamily="49" charset="0"/>
+              </a:rPr>
+              <a:t>Type_Measurements</a:t>
+            </a:r>
+            <a:r>
+              <a:rPr lang="en-US" sz="2000" b="1" dirty="0">
+                <a:solidFill>
+                  <a:srgbClr val="000000"/>
+                </a:solidFill>
+                <a:latin typeface="Consolas" panose="020B0609020204030204" pitchFamily="49" charset="0"/>
+              </a:rPr>
+              <a:t>] </a:t>
+            </a:r>
+            <a:r>
+              <a:rPr lang="en-US" sz="2000" b="1" dirty="0">
+                <a:solidFill>
+                  <a:srgbClr val="0000FF"/>
+                </a:solidFill>
+                <a:latin typeface="Consolas" panose="020B0609020204030204" pitchFamily="49" charset="0"/>
+              </a:rPr>
+              <a:t>AS</a:t>
+            </a:r>
+            <a:r>
+              <a:rPr lang="en-US" sz="2000" b="1" dirty="0">
+                <a:solidFill>
+                  <a:srgbClr val="000000"/>
+                </a:solidFill>
+                <a:latin typeface="Consolas" panose="020B0609020204030204" pitchFamily="49" charset="0"/>
+              </a:rPr>
+              <a:t> </a:t>
+            </a:r>
+            <a:r>
+              <a:rPr lang="en-US" sz="2000" b="1" dirty="0">
+                <a:solidFill>
+                  <a:srgbClr val="0000FF"/>
+                </a:solidFill>
+                <a:latin typeface="Consolas" panose="020B0609020204030204" pitchFamily="49" charset="0"/>
+              </a:rPr>
+              <a:t>TABLE</a:t>
+            </a:r>
+          </a:p>
+          <a:p>
+            <a:r>
+              <a:rPr lang="en-US" sz="2000" b="1" dirty="0">
+                <a:solidFill>
+                  <a:srgbClr val="808080"/>
+                </a:solidFill>
+                <a:latin typeface="Consolas" panose="020B0609020204030204" pitchFamily="49" charset="0"/>
+              </a:rPr>
+              <a:t>(</a:t>
+            </a:r>
+            <a:endParaRPr lang="en-US" sz="2000" b="1" dirty="0">
+              <a:solidFill>
+                <a:srgbClr val="000000"/>
+              </a:solidFill>
+              <a:latin typeface="Consolas" panose="020B0609020204030204" pitchFamily="49" charset="0"/>
+            </a:endParaRPr>
+          </a:p>
+          <a:p>
+            <a:r>
+              <a:rPr lang="en-US" sz="2000" b="1" dirty="0">
+                <a:solidFill>
+                  <a:srgbClr val="000000"/>
+                </a:solidFill>
+                <a:latin typeface="Consolas" panose="020B0609020204030204" pitchFamily="49" charset="0"/>
+              </a:rPr>
+              <a:t>  [Measurement] [varchar]</a:t>
+            </a:r>
+            <a:r>
+              <a:rPr lang="en-US" sz="2000" b="1" dirty="0">
+                <a:solidFill>
+                  <a:srgbClr val="808080"/>
+                </a:solidFill>
+                <a:latin typeface="Consolas" panose="020B0609020204030204" pitchFamily="49" charset="0"/>
+              </a:rPr>
+              <a:t>(</a:t>
+            </a:r>
+            <a:r>
+              <a:rPr lang="en-US" sz="2000" b="1" dirty="0">
+                <a:solidFill>
+                  <a:srgbClr val="000000"/>
+                </a:solidFill>
+                <a:latin typeface="Consolas" panose="020B0609020204030204" pitchFamily="49" charset="0"/>
+              </a:rPr>
+              <a:t>10</a:t>
+            </a:r>
+            <a:r>
+              <a:rPr lang="en-US" sz="2000" b="1" dirty="0">
+                <a:solidFill>
+                  <a:srgbClr val="808080"/>
+                </a:solidFill>
+                <a:latin typeface="Consolas" panose="020B0609020204030204" pitchFamily="49" charset="0"/>
+              </a:rPr>
+              <a:t>)</a:t>
+            </a:r>
+            <a:r>
+              <a:rPr lang="en-US" sz="2000" b="1" dirty="0">
+                <a:solidFill>
+                  <a:srgbClr val="000000"/>
+                </a:solidFill>
+                <a:latin typeface="Consolas" panose="020B0609020204030204" pitchFamily="49" charset="0"/>
+              </a:rPr>
+              <a:t> </a:t>
+            </a:r>
+            <a:r>
+              <a:rPr lang="en-US" sz="2000" b="1" dirty="0">
+                <a:solidFill>
+                  <a:srgbClr val="808080"/>
+                </a:solidFill>
+                <a:latin typeface="Consolas" panose="020B0609020204030204" pitchFamily="49" charset="0"/>
+              </a:rPr>
+              <a:t>NOT</a:t>
+            </a:r>
+            <a:r>
+              <a:rPr lang="en-US" sz="2000" b="1" dirty="0">
+                <a:solidFill>
+                  <a:srgbClr val="000000"/>
+                </a:solidFill>
+                <a:latin typeface="Consolas" panose="020B0609020204030204" pitchFamily="49" charset="0"/>
+              </a:rPr>
+              <a:t> </a:t>
+            </a:r>
+            <a:r>
+              <a:rPr lang="en-US" sz="2000" b="1" dirty="0">
+                <a:solidFill>
+                  <a:srgbClr val="808080"/>
+                </a:solidFill>
+                <a:latin typeface="Consolas" panose="020B0609020204030204" pitchFamily="49" charset="0"/>
+              </a:rPr>
+              <a:t>NULL,</a:t>
+            </a:r>
+            <a:endParaRPr lang="en-US" sz="2000" b="1" dirty="0">
+              <a:solidFill>
+                <a:srgbClr val="000000"/>
+              </a:solidFill>
+              <a:latin typeface="Consolas" panose="020B0609020204030204" pitchFamily="49" charset="0"/>
+            </a:endParaRPr>
+          </a:p>
+          <a:p>
+            <a:r>
+              <a:rPr lang="en-US" sz="2000" b="1" dirty="0">
+                <a:solidFill>
+                  <a:srgbClr val="000000"/>
+                </a:solidFill>
+                <a:latin typeface="Consolas" panose="020B0609020204030204" pitchFamily="49" charset="0"/>
+              </a:rPr>
+              <a:t>  [Value] [int] </a:t>
+            </a:r>
+            <a:r>
+              <a:rPr lang="en-US" sz="2000" b="1" dirty="0">
+                <a:solidFill>
+                  <a:srgbClr val="808080"/>
+                </a:solidFill>
+                <a:latin typeface="Consolas" panose="020B0609020204030204" pitchFamily="49" charset="0"/>
+              </a:rPr>
+              <a:t>NOT</a:t>
+            </a:r>
+            <a:r>
+              <a:rPr lang="en-US" sz="2000" b="1" dirty="0">
+                <a:solidFill>
+                  <a:srgbClr val="000000"/>
+                </a:solidFill>
+                <a:latin typeface="Consolas" panose="020B0609020204030204" pitchFamily="49" charset="0"/>
+              </a:rPr>
+              <a:t> </a:t>
+            </a:r>
+            <a:r>
+              <a:rPr lang="en-US" sz="2000" b="1" dirty="0">
+                <a:solidFill>
+                  <a:srgbClr val="808080"/>
+                </a:solidFill>
+                <a:latin typeface="Consolas" panose="020B0609020204030204" pitchFamily="49" charset="0"/>
+              </a:rPr>
+              <a:t>NULL,</a:t>
+            </a:r>
+            <a:endParaRPr lang="en-US" sz="2000" b="1" dirty="0">
+              <a:solidFill>
+                <a:srgbClr val="000000"/>
+              </a:solidFill>
+              <a:latin typeface="Consolas" panose="020B0609020204030204" pitchFamily="49" charset="0"/>
+            </a:endParaRPr>
+          </a:p>
+          <a:p>
+            <a:endParaRPr lang="en-US" sz="2000" b="1" dirty="0">
+              <a:solidFill>
+                <a:srgbClr val="000000"/>
+              </a:solidFill>
+              <a:latin typeface="Consolas" panose="020B0609020204030204" pitchFamily="49" charset="0"/>
+            </a:endParaRPr>
+          </a:p>
+          <a:p>
+            <a:r>
+              <a:rPr lang="en-US" sz="2000" b="1" dirty="0">
+                <a:solidFill>
+                  <a:srgbClr val="0000FF"/>
+                </a:solidFill>
+                <a:latin typeface="Consolas" panose="020B0609020204030204" pitchFamily="49" charset="0"/>
+              </a:rPr>
+              <a:t>  PRIMARY</a:t>
+            </a:r>
+            <a:r>
+              <a:rPr lang="en-US" sz="2000" b="1" dirty="0">
+                <a:solidFill>
+                  <a:srgbClr val="000000"/>
+                </a:solidFill>
+                <a:latin typeface="Consolas" panose="020B0609020204030204" pitchFamily="49" charset="0"/>
+              </a:rPr>
+              <a:t> </a:t>
+            </a:r>
+            <a:r>
+              <a:rPr lang="en-US" sz="2000" b="1" dirty="0">
+                <a:solidFill>
+                  <a:srgbClr val="0000FF"/>
+                </a:solidFill>
+                <a:latin typeface="Consolas" panose="020B0609020204030204" pitchFamily="49" charset="0"/>
+              </a:rPr>
+              <a:t>KEY</a:t>
+            </a:r>
+            <a:r>
+              <a:rPr lang="en-US" sz="2000" b="1" dirty="0">
+                <a:solidFill>
+                  <a:srgbClr val="000000"/>
+                </a:solidFill>
+                <a:latin typeface="Consolas" panose="020B0609020204030204" pitchFamily="49" charset="0"/>
+              </a:rPr>
+              <a:t> </a:t>
+            </a:r>
+            <a:r>
+              <a:rPr lang="en-US" sz="2000" b="1" dirty="0">
+                <a:solidFill>
+                  <a:srgbClr val="0000FF"/>
+                </a:solidFill>
+                <a:latin typeface="Consolas" panose="020B0609020204030204" pitchFamily="49" charset="0"/>
+              </a:rPr>
+              <a:t>CLUSTERED</a:t>
+            </a:r>
+            <a:r>
+              <a:rPr lang="en-US" sz="2000" b="1" dirty="0">
+                <a:solidFill>
+                  <a:srgbClr val="000000"/>
+                </a:solidFill>
+                <a:latin typeface="Consolas" panose="020B0609020204030204" pitchFamily="49" charset="0"/>
+              </a:rPr>
+              <a:t> </a:t>
+            </a:r>
+          </a:p>
+          <a:p>
+            <a:r>
+              <a:rPr lang="en-US" sz="2000" b="1" dirty="0">
+                <a:solidFill>
+                  <a:srgbClr val="0000FF"/>
+                </a:solidFill>
+                <a:latin typeface="Consolas" panose="020B0609020204030204" pitchFamily="49" charset="0"/>
+              </a:rPr>
+              <a:t>    </a:t>
+            </a:r>
+            <a:r>
+              <a:rPr lang="en-US" sz="2000" b="1" dirty="0">
+                <a:solidFill>
+                  <a:srgbClr val="808080"/>
+                </a:solidFill>
+                <a:latin typeface="Consolas" panose="020B0609020204030204" pitchFamily="49" charset="0"/>
+              </a:rPr>
+              <a:t>(</a:t>
+            </a:r>
+            <a:r>
+              <a:rPr lang="en-US" sz="2000" b="1" dirty="0">
+                <a:solidFill>
+                  <a:srgbClr val="000000"/>
+                </a:solidFill>
+                <a:latin typeface="Consolas" panose="020B0609020204030204" pitchFamily="49" charset="0"/>
+              </a:rPr>
+              <a:t>Measurement </a:t>
+            </a:r>
+            <a:r>
+              <a:rPr lang="en-US" sz="2000" b="1" dirty="0">
+                <a:solidFill>
+                  <a:srgbClr val="0000FF"/>
+                </a:solidFill>
+                <a:latin typeface="Consolas" panose="020B0609020204030204" pitchFamily="49" charset="0"/>
+              </a:rPr>
+              <a:t>ASC</a:t>
+            </a:r>
+            <a:r>
+              <a:rPr lang="en-US" sz="2000" b="1" dirty="0">
+                <a:solidFill>
+                  <a:srgbClr val="808080"/>
+                </a:solidFill>
+                <a:latin typeface="Consolas" panose="020B0609020204030204" pitchFamily="49" charset="0"/>
+              </a:rPr>
+              <a:t>)</a:t>
+            </a:r>
+            <a:r>
+              <a:rPr lang="en-US" sz="2000" b="1" dirty="0">
+                <a:solidFill>
+                  <a:srgbClr val="000000"/>
+                </a:solidFill>
+                <a:latin typeface="Consolas" panose="020B0609020204030204" pitchFamily="49" charset="0"/>
+              </a:rPr>
+              <a:t> </a:t>
+            </a:r>
+          </a:p>
+          <a:p>
+            <a:r>
+              <a:rPr lang="en-US" sz="2000" b="1" dirty="0">
+                <a:solidFill>
+                  <a:srgbClr val="0000FF"/>
+                </a:solidFill>
+                <a:latin typeface="Consolas" panose="020B0609020204030204" pitchFamily="49" charset="0"/>
+              </a:rPr>
+              <a:t>  WITH </a:t>
+            </a:r>
+            <a:r>
+              <a:rPr lang="en-US" sz="2000" b="1" dirty="0">
+                <a:solidFill>
+                  <a:srgbClr val="808080"/>
+                </a:solidFill>
+                <a:latin typeface="Consolas" panose="020B0609020204030204" pitchFamily="49" charset="0"/>
+              </a:rPr>
+              <a:t>(</a:t>
+            </a:r>
+            <a:r>
+              <a:rPr lang="en-US" sz="2000" b="1" dirty="0">
+                <a:solidFill>
+                  <a:srgbClr val="0000FF"/>
+                </a:solidFill>
+                <a:latin typeface="Consolas" panose="020B0609020204030204" pitchFamily="49" charset="0"/>
+              </a:rPr>
+              <a:t>IGNORE_DUP_KEY</a:t>
+            </a:r>
+            <a:r>
+              <a:rPr lang="en-US" sz="2000" b="1" dirty="0">
+                <a:solidFill>
+                  <a:srgbClr val="000000"/>
+                </a:solidFill>
+                <a:latin typeface="Consolas" panose="020B0609020204030204" pitchFamily="49" charset="0"/>
+              </a:rPr>
+              <a:t> </a:t>
+            </a:r>
+            <a:r>
+              <a:rPr lang="en-US" sz="2000" b="1" dirty="0">
+                <a:solidFill>
+                  <a:srgbClr val="808080"/>
+                </a:solidFill>
+                <a:latin typeface="Consolas" panose="020B0609020204030204" pitchFamily="49" charset="0"/>
+              </a:rPr>
+              <a:t>=</a:t>
+            </a:r>
+            <a:r>
+              <a:rPr lang="en-US" sz="2000" b="1" dirty="0">
+                <a:solidFill>
+                  <a:srgbClr val="000000"/>
+                </a:solidFill>
+                <a:latin typeface="Consolas" panose="020B0609020204030204" pitchFamily="49" charset="0"/>
+              </a:rPr>
+              <a:t> </a:t>
+            </a:r>
+            <a:r>
+              <a:rPr lang="en-US" sz="2000" b="1" dirty="0">
+                <a:solidFill>
+                  <a:srgbClr val="0000FF"/>
+                </a:solidFill>
+                <a:latin typeface="Consolas" panose="020B0609020204030204" pitchFamily="49" charset="0"/>
+              </a:rPr>
+              <a:t>OFF</a:t>
+            </a:r>
+            <a:r>
+              <a:rPr lang="en-US" sz="2000" b="1" dirty="0">
+                <a:solidFill>
+                  <a:srgbClr val="808080"/>
+                </a:solidFill>
+                <a:latin typeface="Consolas" panose="020B0609020204030204" pitchFamily="49" charset="0"/>
+              </a:rPr>
+              <a:t>)</a:t>
+            </a:r>
+            <a:endParaRPr lang="en-US" sz="2000" b="1" dirty="0">
+              <a:solidFill>
+                <a:srgbClr val="000000"/>
+              </a:solidFill>
+              <a:latin typeface="Consolas" panose="020B0609020204030204" pitchFamily="49" charset="0"/>
+            </a:endParaRPr>
+          </a:p>
+          <a:p>
+            <a:r>
+              <a:rPr lang="en-US" sz="2000" b="1" dirty="0">
+                <a:solidFill>
+                  <a:srgbClr val="808080"/>
+                </a:solidFill>
+                <a:latin typeface="Consolas" panose="020B0609020204030204" pitchFamily="49" charset="0"/>
+              </a:rPr>
+              <a:t>)</a:t>
+            </a:r>
+            <a:endParaRPr lang="en-US" sz="2000" b="1" dirty="0">
+              <a:solidFill>
+                <a:srgbClr val="000000"/>
+              </a:solidFill>
+              <a:latin typeface="Consolas" panose="020B0609020204030204" pitchFamily="49" charset="0"/>
+            </a:endParaRPr>
+          </a:p>
+          <a:p>
+            <a:r>
+              <a:rPr lang="en-US" sz="2000" b="1" dirty="0">
+                <a:solidFill>
+                  <a:srgbClr val="0000FF"/>
+                </a:solidFill>
+                <a:latin typeface="Consolas" panose="020B0609020204030204" pitchFamily="49" charset="0"/>
+              </a:rPr>
+              <a:t>GO</a:t>
+            </a:r>
+            <a:endParaRPr lang="en-US" sz="2000" b="1" dirty="0">
+              <a:solidFill>
+                <a:srgbClr val="000000"/>
+              </a:solidFill>
+              <a:latin typeface="Consolas" panose="020B0609020204030204" pitchFamily="49" charset="0"/>
+            </a:endParaRPr>
+          </a:p>
+        </p:txBody>
+      </p:sp>
+    </p:spTree>
+    <p:extLst>
+      <p:ext uri="{BB962C8B-B14F-4D97-AF65-F5344CB8AC3E}">
+        <p14:creationId xmlns:p14="http://schemas.microsoft.com/office/powerpoint/2010/main" val="1140017231"/>
+      </p:ext>
+    </p:extLst>
+  </p:cSld>
+  <p:clrMapOvr>
+    <a:masterClrMapping/>
+  </p:clrMapOvr>
+</p:sld>
+</file>
+
+<file path=ppt/slides/slide11.xml><?xml version="1.0" encoding="utf-8"?>
 <p:sld xmlns:a="http://schemas.openxmlformats.org/drawingml/2006/main" xmlns:r="http://schemas.openxmlformats.org/officeDocument/2006/relationships" xmlns:p="http://schemas.openxmlformats.org/presentationml/2006/main">
   <p:cSld>
     <p:spTree>
@@ -13321,7 +13811,7 @@
 </p:sld>
 </file>
 
-<file path=ppt/slides/slide11.xml><?xml version="1.0" encoding="utf-8"?>
+<file path=ppt/slides/slide12.xml><?xml version="1.0" encoding="utf-8"?>
 <p:sld xmlns:a="http://schemas.openxmlformats.org/drawingml/2006/main" xmlns:r="http://schemas.openxmlformats.org/officeDocument/2006/relationships" xmlns:p="http://schemas.openxmlformats.org/presentationml/2006/main">
   <p:cSld>
     <p:spTree>
@@ -13379,7 +13869,7 @@
 </p:sld>
 </file>
 
-<file path=ppt/slides/slide12.xml><?xml version="1.0" encoding="utf-8"?>
+<file path=ppt/slides/slide13.xml><?xml version="1.0" encoding="utf-8"?>
 <p:sld xmlns:a="http://schemas.openxmlformats.org/drawingml/2006/main" xmlns:r="http://schemas.openxmlformats.org/officeDocument/2006/relationships" xmlns:p="http://schemas.openxmlformats.org/presentationml/2006/main">
   <p:cSld>
     <p:spTree>
@@ -14253,7 +14743,7 @@
 </p:sld>
 </file>
 
-<file path=ppt/slides/slide13.xml><?xml version="1.0" encoding="utf-8"?>
+<file path=ppt/slides/slide14.xml><?xml version="1.0" encoding="utf-8"?>
 <p:sld xmlns:a="http://schemas.openxmlformats.org/drawingml/2006/main" xmlns:r="http://schemas.openxmlformats.org/officeDocument/2006/relationships" xmlns:p="http://schemas.openxmlformats.org/presentationml/2006/main">
   <p:cSld>
     <p:spTree>
@@ -14415,7 +14905,7 @@
 </p:sld>
 </file>
 
-<file path=ppt/slides/slide14.xml><?xml version="1.0" encoding="utf-8"?>
+<file path=ppt/slides/slide15.xml><?xml version="1.0" encoding="utf-8"?>
 <p:sld xmlns:a="http://schemas.openxmlformats.org/drawingml/2006/main" xmlns:r="http://schemas.openxmlformats.org/officeDocument/2006/relationships" xmlns:p="http://schemas.openxmlformats.org/presentationml/2006/main">
   <p:cSld>
     <p:spTree>
@@ -15124,7 +15614,7 @@
 </p:sld>
 </file>
 
-<file path=ppt/slides/slide15.xml><?xml version="1.0" encoding="utf-8"?>
+<file path=ppt/slides/slide16.xml><?xml version="1.0" encoding="utf-8"?>
 <p:sld xmlns:a="http://schemas.openxmlformats.org/drawingml/2006/main" xmlns:r="http://schemas.openxmlformats.org/officeDocument/2006/relationships" xmlns:p="http://schemas.openxmlformats.org/presentationml/2006/main">
   <p:cSld>
     <p:spTree>
@@ -15388,7 +15878,7 @@
 </p:sld>
 </file>
 
-<file path=ppt/slides/slide16.xml><?xml version="1.0" encoding="utf-8"?>
+<file path=ppt/slides/slide17.xml><?xml version="1.0" encoding="utf-8"?>
 <p:sld xmlns:a="http://schemas.openxmlformats.org/drawingml/2006/main" xmlns:r="http://schemas.openxmlformats.org/officeDocument/2006/relationships" xmlns:p="http://schemas.openxmlformats.org/presentationml/2006/main">
   <p:cSld>
     <p:spTree>
@@ -15511,7 +16001,7 @@
 </p:sld>
 </file>
 
-<file path=ppt/slides/slide17.xml><?xml version="1.0" encoding="utf-8"?>
+<file path=ppt/slides/slide18.xml><?xml version="1.0" encoding="utf-8"?>
 <p:sld xmlns:a="http://schemas.openxmlformats.org/drawingml/2006/main" xmlns:r="http://schemas.openxmlformats.org/officeDocument/2006/relationships" xmlns:p="http://schemas.openxmlformats.org/presentationml/2006/main">
   <p:cSld>
     <p:spTree>
@@ -15689,134 +16179,6 @@
 </p:sld>
 </file>
 
-<file path=ppt/slides/slide18.xml><?xml version="1.0" encoding="utf-8"?>
-<p:sld xmlns:a="http://schemas.openxmlformats.org/drawingml/2006/main" xmlns:r="http://schemas.openxmlformats.org/officeDocument/2006/relationships" xmlns:p="http://schemas.openxmlformats.org/presentationml/2006/main">
-  <p:cSld>
-    <p:spTree>
-      <p:nvGrpSpPr>
-        <p:cNvPr id="1" name=""/>
-        <p:cNvGrpSpPr/>
-        <p:nvPr/>
-      </p:nvGrpSpPr>
-      <p:grpSpPr>
-        <a:xfrm>
-          <a:off x="0" y="0"/>
-          <a:ext cx="0" cy="0"/>
-          <a:chOff x="0" y="0"/>
-          <a:chExt cx="0" cy="0"/>
-        </a:xfrm>
-      </p:grpSpPr>
-      <p:sp>
-        <p:nvSpPr>
-          <p:cNvPr id="2" name="Title 1">
-            <a:extLst>
-              <a:ext uri="{FF2B5EF4-FFF2-40B4-BE49-F238E27FC236}">
-                <a16:creationId xmlns:a16="http://schemas.microsoft.com/office/drawing/2014/main" id="{1D7C15A7-E0D7-9012-26C1-B20F7E396E49}"/>
-              </a:ext>
-            </a:extLst>
-          </p:cNvPr>
-          <p:cNvSpPr>
-            <a:spLocks noGrp="1"/>
-          </p:cNvSpPr>
-          <p:nvPr>
-            <p:ph type="title"/>
-          </p:nvPr>
-        </p:nvSpPr>
-        <p:spPr/>
-        <p:txBody>
-          <a:bodyPr/>
-          <a:lstStyle/>
-          <a:p>
-            <a:r>
-              <a:rPr lang="en-US" dirty="0"/>
-              <a:t>Already some concerns? (5/6)</a:t>
-            </a:r>
-          </a:p>
-        </p:txBody>
-      </p:sp>
-      <p:sp>
-        <p:nvSpPr>
-          <p:cNvPr id="3" name="Content Placeholder 2">
-            <a:extLst>
-              <a:ext uri="{FF2B5EF4-FFF2-40B4-BE49-F238E27FC236}">
-                <a16:creationId xmlns:a16="http://schemas.microsoft.com/office/drawing/2014/main" id="{53A67F6F-B6A4-0200-38D7-F5E1EABC4E1E}"/>
-              </a:ext>
-            </a:extLst>
-          </p:cNvPr>
-          <p:cNvSpPr>
-            <a:spLocks noGrp="1"/>
-          </p:cNvSpPr>
-          <p:nvPr>
-            <p:ph idx="1"/>
-          </p:nvPr>
-        </p:nvSpPr>
-        <p:spPr/>
-        <p:txBody>
-          <a:bodyPr>
-            <a:normAutofit/>
-          </a:bodyPr>
-          <a:lstStyle/>
-          <a:p>
-            <a:r>
-              <a:rPr lang="en-US" sz="2400" dirty="0"/>
-              <a:t>Versioning</a:t>
-            </a:r>
-          </a:p>
-          <a:p>
-            <a:pPr lvl="1"/>
-            <a:r>
-              <a:rPr lang="en-US" sz="2200" dirty="0"/>
-              <a:t>Structure of the UDDT changes </a:t>
-            </a:r>
-          </a:p>
-          <a:p>
-            <a:pPr lvl="2"/>
-            <a:r>
-              <a:rPr lang="en-US" sz="2000" dirty="0"/>
-              <a:t>more/less columns</a:t>
-            </a:r>
-          </a:p>
-          <a:p>
-            <a:pPr lvl="2"/>
-            <a:r>
-              <a:rPr lang="en-US" sz="2000" dirty="0"/>
-              <a:t>Requires a new proc to handle the change</a:t>
-            </a:r>
-          </a:p>
-          <a:p>
-            <a:pPr lvl="2"/>
-            <a:r>
-              <a:rPr lang="en-US" sz="2000" dirty="0"/>
-              <a:t>How/Will you force users to new proc/UDDT?</a:t>
-            </a:r>
-          </a:p>
-          <a:p>
-            <a:pPr lvl="2"/>
-            <a:r>
-              <a:rPr lang="en-US" sz="2000" dirty="0"/>
-              <a:t>How to identify old/new versions?</a:t>
-            </a:r>
-            <a:endParaRPr lang="en-US" sz="1600" dirty="0"/>
-          </a:p>
-          <a:p>
-            <a:pPr lvl="1"/>
-            <a:endParaRPr lang="en-US" sz="2200" dirty="0"/>
-          </a:p>
-        </p:txBody>
-      </p:sp>
-    </p:spTree>
-    <p:extLst>
-      <p:ext uri="{BB962C8B-B14F-4D97-AF65-F5344CB8AC3E}">
-        <p14:creationId xmlns:p14="http://schemas.microsoft.com/office/powerpoint/2010/main" val="4097349198"/>
-      </p:ext>
-    </p:extLst>
-  </p:cSld>
-  <p:clrMapOvr>
-    <a:masterClrMapping/>
-  </p:clrMapOvr>
-</p:sld>
-</file>
-
 <file path=ppt/slides/slide19.xml><?xml version="1.0" encoding="utf-8"?>
 <p:sld xmlns:a="http://schemas.openxmlformats.org/drawingml/2006/main" xmlns:r="http://schemas.openxmlformats.org/officeDocument/2006/relationships" xmlns:p="http://schemas.openxmlformats.org/presentationml/2006/main">
   <p:cSld>
@@ -15857,6 +16219,409 @@
           <a:p>
             <a:r>
               <a:rPr lang="en-US" dirty="0"/>
+              <a:t>Already some concerns? (5/6)</a:t>
+            </a:r>
+          </a:p>
+        </p:txBody>
+      </p:sp>
+      <p:sp>
+        <p:nvSpPr>
+          <p:cNvPr id="3" name="Content Placeholder 2">
+            <a:extLst>
+              <a:ext uri="{FF2B5EF4-FFF2-40B4-BE49-F238E27FC236}">
+                <a16:creationId xmlns:a16="http://schemas.microsoft.com/office/drawing/2014/main" id="{53A67F6F-B6A4-0200-38D7-F5E1EABC4E1E}"/>
+              </a:ext>
+            </a:extLst>
+          </p:cNvPr>
+          <p:cNvSpPr>
+            <a:spLocks noGrp="1"/>
+          </p:cNvSpPr>
+          <p:nvPr>
+            <p:ph idx="1"/>
+          </p:nvPr>
+        </p:nvSpPr>
+        <p:spPr/>
+        <p:txBody>
+          <a:bodyPr>
+            <a:normAutofit/>
+          </a:bodyPr>
+          <a:lstStyle/>
+          <a:p>
+            <a:r>
+              <a:rPr lang="en-US" sz="2400" dirty="0"/>
+              <a:t>Versioning</a:t>
+            </a:r>
+          </a:p>
+          <a:p>
+            <a:pPr lvl="1"/>
+            <a:r>
+              <a:rPr lang="en-US" sz="2200" dirty="0"/>
+              <a:t>Structure of the UDDT changes </a:t>
+            </a:r>
+          </a:p>
+          <a:p>
+            <a:pPr lvl="2"/>
+            <a:r>
+              <a:rPr lang="en-US" sz="2000" dirty="0"/>
+              <a:t>more/less columns</a:t>
+            </a:r>
+          </a:p>
+          <a:p>
+            <a:pPr lvl="2"/>
+            <a:r>
+              <a:rPr lang="en-US" sz="2000" dirty="0"/>
+              <a:t>Requires a new proc to handle the change</a:t>
+            </a:r>
+          </a:p>
+          <a:p>
+            <a:pPr lvl="2"/>
+            <a:r>
+              <a:rPr lang="en-US" sz="2000" dirty="0"/>
+              <a:t>How/Will you force users to new proc/UDDT?</a:t>
+            </a:r>
+          </a:p>
+          <a:p>
+            <a:pPr lvl="2"/>
+            <a:r>
+              <a:rPr lang="en-US" sz="2000" dirty="0"/>
+              <a:t>How to identify old/new versions?</a:t>
+            </a:r>
+            <a:endParaRPr lang="en-US" sz="1600" dirty="0"/>
+          </a:p>
+          <a:p>
+            <a:pPr lvl="1"/>
+            <a:endParaRPr lang="en-US" sz="2200" dirty="0"/>
+          </a:p>
+        </p:txBody>
+      </p:sp>
+    </p:spTree>
+    <p:extLst>
+      <p:ext uri="{BB962C8B-B14F-4D97-AF65-F5344CB8AC3E}">
+        <p14:creationId xmlns:p14="http://schemas.microsoft.com/office/powerpoint/2010/main" val="4097349198"/>
+      </p:ext>
+    </p:extLst>
+  </p:cSld>
+  <p:clrMapOvr>
+    <a:masterClrMapping/>
+  </p:clrMapOvr>
+</p:sld>
+</file>
+
+<file path=ppt/slides/slide2.xml><?xml version="1.0" encoding="utf-8"?>
+<p:sld xmlns:a="http://schemas.openxmlformats.org/drawingml/2006/main" xmlns:r="http://schemas.openxmlformats.org/officeDocument/2006/relationships" xmlns:p="http://schemas.openxmlformats.org/presentationml/2006/main">
+  <p:cSld>
+    <p:spTree>
+      <p:nvGrpSpPr>
+        <p:cNvPr id="1" name=""/>
+        <p:cNvGrpSpPr/>
+        <p:nvPr/>
+      </p:nvGrpSpPr>
+      <p:grpSpPr>
+        <a:xfrm>
+          <a:off x="0" y="0"/>
+          <a:ext cx="0" cy="0"/>
+          <a:chOff x="0" y="0"/>
+          <a:chExt cx="0" cy="0"/>
+        </a:xfrm>
+      </p:grpSpPr>
+      <p:sp>
+        <p:nvSpPr>
+          <p:cNvPr id="6" name="TextBox 5">
+            <a:extLst>
+              <a:ext uri="{FF2B5EF4-FFF2-40B4-BE49-F238E27FC236}">
+                <a16:creationId xmlns:a16="http://schemas.microsoft.com/office/drawing/2014/main" id="{066396DF-472C-C46E-5ADE-69BBA5A3A441}"/>
+              </a:ext>
+            </a:extLst>
+          </p:cNvPr>
+          <p:cNvSpPr txBox="1"/>
+          <p:nvPr/>
+        </p:nvSpPr>
+        <p:spPr>
+          <a:xfrm>
+            <a:off x="1219200" y="1605776"/>
+            <a:ext cx="9374459" cy="2308324"/>
+          </a:xfrm>
+          <a:prstGeom prst="rect">
+            <a:avLst/>
+          </a:prstGeom>
+          <a:noFill/>
+        </p:spPr>
+        <p:txBody>
+          <a:bodyPr wrap="square" rtlCol="0">
+            <a:spAutoFit/>
+          </a:bodyPr>
+          <a:lstStyle/>
+          <a:p>
+            <a:r>
+              <a:rPr lang="en-US" sz="4800" b="1" dirty="0"/>
+              <a:t>Chew on That!:</a:t>
+            </a:r>
+          </a:p>
+          <a:p>
+            <a:r>
+              <a:rPr lang="en-US" sz="4800" dirty="0"/>
+              <a:t>Sending </a:t>
+            </a:r>
+            <a:r>
+              <a:rPr lang="en-US" sz="4800" dirty="0" err="1"/>
+              <a:t>DataTables</a:t>
+            </a:r>
+            <a:r>
+              <a:rPr lang="en-US" sz="4800" dirty="0"/>
+              <a:t> and </a:t>
+            </a:r>
+            <a:r>
+              <a:rPr lang="en-US" sz="4800" dirty="0" err="1"/>
+              <a:t>DataFrames</a:t>
+            </a:r>
+            <a:r>
+              <a:rPr lang="en-US" sz="4800" dirty="0"/>
+              <a:t> to SQL Stored Procedures</a:t>
+            </a:r>
+          </a:p>
+        </p:txBody>
+      </p:sp>
+      <p:pic>
+        <p:nvPicPr>
+          <p:cNvPr id="2050" name="Picture 2" descr="Download Python 32 / 64-bit (Terbaru 2022)">
+            <a:extLst>
+              <a:ext uri="{FF2B5EF4-FFF2-40B4-BE49-F238E27FC236}">
+                <a16:creationId xmlns:a16="http://schemas.microsoft.com/office/drawing/2014/main" id="{26552EDE-E75E-10BF-BEFF-21AC3A19FDA1}"/>
+              </a:ext>
+            </a:extLst>
+          </p:cNvPr>
+          <p:cNvPicPr>
+            <a:picLocks noChangeAspect="1" noChangeArrowheads="1"/>
+          </p:cNvPicPr>
+          <p:nvPr/>
+        </p:nvPicPr>
+        <p:blipFill>
+          <a:blip r:embed="rId3">
+            <a:extLst>
+              <a:ext uri="{28A0092B-C50C-407E-A947-70E740481C1C}">
+                <a14:useLocalDpi xmlns:a14="http://schemas.microsoft.com/office/drawing/2010/main" val="0"/>
+              </a:ext>
+            </a:extLst>
+          </a:blip>
+          <a:srcRect/>
+          <a:stretch>
+            <a:fillRect/>
+          </a:stretch>
+        </p:blipFill>
+        <p:spPr bwMode="auto">
+          <a:xfrm>
+            <a:off x="8289561" y="5188465"/>
+            <a:ext cx="1148345" cy="1148345"/>
+          </a:xfrm>
+          <a:prstGeom prst="rect">
+            <a:avLst/>
+          </a:prstGeom>
+          <a:noFill/>
+          <a:extLst>
+            <a:ext uri="{909E8E84-426E-40DD-AFC4-6F175D3DCCD1}">
+              <a14:hiddenFill xmlns:a14="http://schemas.microsoft.com/office/drawing/2010/main">
+                <a:solidFill>
+                  <a:srgbClr val="FFFFFF"/>
+                </a:solidFill>
+              </a14:hiddenFill>
+            </a:ext>
+          </a:extLst>
+        </p:spPr>
+      </p:pic>
+      <p:pic>
+        <p:nvPicPr>
+          <p:cNvPr id="2052" name="Picture 4" descr=".NET Standard and new .NET Framework Logo and Banner | The NeoSmart Files">
+            <a:extLst>
+              <a:ext uri="{FF2B5EF4-FFF2-40B4-BE49-F238E27FC236}">
+                <a16:creationId xmlns:a16="http://schemas.microsoft.com/office/drawing/2014/main" id="{94601AEB-45AC-9CD1-37FB-844640E77C02}"/>
+              </a:ext>
+            </a:extLst>
+          </p:cNvPr>
+          <p:cNvPicPr>
+            <a:picLocks noChangeAspect="1" noChangeArrowheads="1"/>
+          </p:cNvPicPr>
+          <p:nvPr/>
+        </p:nvPicPr>
+        <p:blipFill>
+          <a:blip r:embed="rId4">
+            <a:extLst>
+              <a:ext uri="{28A0092B-C50C-407E-A947-70E740481C1C}">
+                <a14:useLocalDpi xmlns:a14="http://schemas.microsoft.com/office/drawing/2010/main" val="0"/>
+              </a:ext>
+            </a:extLst>
+          </a:blip>
+          <a:srcRect/>
+          <a:stretch>
+            <a:fillRect/>
+          </a:stretch>
+        </p:blipFill>
+        <p:spPr bwMode="auto">
+          <a:xfrm>
+            <a:off x="6245223" y="5130037"/>
+            <a:ext cx="1428750" cy="1428750"/>
+          </a:xfrm>
+          <a:prstGeom prst="rect">
+            <a:avLst/>
+          </a:prstGeom>
+          <a:noFill/>
+          <a:extLst>
+            <a:ext uri="{909E8E84-426E-40DD-AFC4-6F175D3DCCD1}">
+              <a14:hiddenFill xmlns:a14="http://schemas.microsoft.com/office/drawing/2010/main">
+                <a:solidFill>
+                  <a:srgbClr val="FFFFFF"/>
+                </a:solidFill>
+              </a14:hiddenFill>
+            </a:ext>
+          </a:extLst>
+        </p:spPr>
+      </p:pic>
+      <p:pic>
+        <p:nvPicPr>
+          <p:cNvPr id="2" name="Picture 2" descr="Powershell Icon #48576 - Free Icons Library">
+            <a:extLst>
+              <a:ext uri="{FF2B5EF4-FFF2-40B4-BE49-F238E27FC236}">
+                <a16:creationId xmlns:a16="http://schemas.microsoft.com/office/drawing/2014/main" id="{CBBEC25C-DEB2-4D5B-7743-F200E07320CF}"/>
+              </a:ext>
+            </a:extLst>
+          </p:cNvPr>
+          <p:cNvPicPr>
+            <a:picLocks noChangeAspect="1" noChangeArrowheads="1"/>
+          </p:cNvPicPr>
+          <p:nvPr/>
+        </p:nvPicPr>
+        <p:blipFill>
+          <a:blip r:embed="rId5">
+            <a:extLst>
+              <a:ext uri="{28A0092B-C50C-407E-A947-70E740481C1C}">
+                <a14:useLocalDpi xmlns:a14="http://schemas.microsoft.com/office/drawing/2010/main" val="0"/>
+              </a:ext>
+            </a:extLst>
+          </a:blip>
+          <a:srcRect/>
+          <a:stretch>
+            <a:fillRect/>
+          </a:stretch>
+        </p:blipFill>
+        <p:spPr bwMode="auto">
+          <a:xfrm>
+            <a:off x="10053494" y="4955605"/>
+            <a:ext cx="1614066" cy="1614066"/>
+          </a:xfrm>
+          <a:prstGeom prst="rect">
+            <a:avLst/>
+          </a:prstGeom>
+          <a:noFill/>
+          <a:extLst>
+            <a:ext uri="{909E8E84-426E-40DD-AFC4-6F175D3DCCD1}">
+              <a14:hiddenFill xmlns:a14="http://schemas.microsoft.com/office/drawing/2010/main">
+                <a:solidFill>
+                  <a:srgbClr val="FFFFFF"/>
+                </a:solidFill>
+              </a14:hiddenFill>
+            </a:ext>
+          </a:extLst>
+        </p:spPr>
+      </p:pic>
+      <p:pic>
+        <p:nvPicPr>
+          <p:cNvPr id="1028" name="Picture 4" descr="Live Instructor-Led SQL Querying Advanced Training - Hands-on Course">
+            <a:extLst>
+              <a:ext uri="{FF2B5EF4-FFF2-40B4-BE49-F238E27FC236}">
+                <a16:creationId xmlns:a16="http://schemas.microsoft.com/office/drawing/2014/main" id="{904B98AA-8F61-6083-9EDF-117E692A6901}"/>
+              </a:ext>
+            </a:extLst>
+          </p:cNvPr>
+          <p:cNvPicPr>
+            <a:picLocks noChangeAspect="1" noChangeArrowheads="1"/>
+          </p:cNvPicPr>
+          <p:nvPr/>
+        </p:nvPicPr>
+        <p:blipFill>
+          <a:blip r:embed="rId6">
+            <a:extLst>
+              <a:ext uri="{28A0092B-C50C-407E-A947-70E740481C1C}">
+                <a14:useLocalDpi xmlns:a14="http://schemas.microsoft.com/office/drawing/2010/main" val="0"/>
+              </a:ext>
+            </a:extLst>
+          </a:blip>
+          <a:srcRect/>
+          <a:stretch>
+            <a:fillRect/>
+          </a:stretch>
+        </p:blipFill>
+        <p:spPr bwMode="auto">
+          <a:xfrm>
+            <a:off x="4055756" y="4955605"/>
+            <a:ext cx="1698570" cy="1787968"/>
+          </a:xfrm>
+          <a:prstGeom prst="rect">
+            <a:avLst/>
+          </a:prstGeom>
+          <a:noFill/>
+          <a:extLst>
+            <a:ext uri="{909E8E84-426E-40DD-AFC4-6F175D3DCCD1}">
+              <a14:hiddenFill xmlns:a14="http://schemas.microsoft.com/office/drawing/2010/main">
+                <a:solidFill>
+                  <a:srgbClr val="FFFFFF"/>
+                </a:solidFill>
+              </a14:hiddenFill>
+            </a:ext>
+          </a:extLst>
+        </p:spPr>
+      </p:pic>
+    </p:spTree>
+    <p:extLst>
+      <p:ext uri="{BB962C8B-B14F-4D97-AF65-F5344CB8AC3E}">
+        <p14:creationId xmlns:p14="http://schemas.microsoft.com/office/powerpoint/2010/main" val="3171745601"/>
+      </p:ext>
+    </p:extLst>
+  </p:cSld>
+  <p:clrMapOvr>
+    <a:masterClrMapping/>
+  </p:clrMapOvr>
+</p:sld>
+</file>
+
+<file path=ppt/slides/slide20.xml><?xml version="1.0" encoding="utf-8"?>
+<p:sld xmlns:a="http://schemas.openxmlformats.org/drawingml/2006/main" xmlns:r="http://schemas.openxmlformats.org/officeDocument/2006/relationships" xmlns:p="http://schemas.openxmlformats.org/presentationml/2006/main">
+  <p:cSld>
+    <p:spTree>
+      <p:nvGrpSpPr>
+        <p:cNvPr id="1" name=""/>
+        <p:cNvGrpSpPr/>
+        <p:nvPr/>
+      </p:nvGrpSpPr>
+      <p:grpSpPr>
+        <a:xfrm>
+          <a:off x="0" y="0"/>
+          <a:ext cx="0" cy="0"/>
+          <a:chOff x="0" y="0"/>
+          <a:chExt cx="0" cy="0"/>
+        </a:xfrm>
+      </p:grpSpPr>
+      <p:sp>
+        <p:nvSpPr>
+          <p:cNvPr id="2" name="Title 1">
+            <a:extLst>
+              <a:ext uri="{FF2B5EF4-FFF2-40B4-BE49-F238E27FC236}">
+                <a16:creationId xmlns:a16="http://schemas.microsoft.com/office/drawing/2014/main" id="{1D7C15A7-E0D7-9012-26C1-B20F7E396E49}"/>
+              </a:ext>
+            </a:extLst>
+          </p:cNvPr>
+          <p:cNvSpPr>
+            <a:spLocks noGrp="1"/>
+          </p:cNvSpPr>
+          <p:nvPr>
+            <p:ph type="title"/>
+          </p:nvPr>
+        </p:nvSpPr>
+        <p:spPr/>
+        <p:txBody>
+          <a:bodyPr/>
+          <a:lstStyle/>
+          <a:p>
+            <a:r>
+              <a:rPr lang="en-US" dirty="0"/>
               <a:t>Already some concerns? (6/6)</a:t>
             </a:r>
           </a:p>
@@ -15916,7 +16681,1986 @@
 </p:sld>
 </file>
 
-<file path=ppt/slides/slide2.xml><?xml version="1.0" encoding="utf-8"?>
+<file path=ppt/slides/slide21.xml><?xml version="1.0" encoding="utf-8"?>
+<p:sld xmlns:a="http://schemas.openxmlformats.org/drawingml/2006/main" xmlns:r="http://schemas.openxmlformats.org/officeDocument/2006/relationships" xmlns:p="http://schemas.openxmlformats.org/presentationml/2006/main">
+  <p:cSld>
+    <p:spTree>
+      <p:nvGrpSpPr>
+        <p:cNvPr id="1" name=""/>
+        <p:cNvGrpSpPr/>
+        <p:nvPr/>
+      </p:nvGrpSpPr>
+      <p:grpSpPr>
+        <a:xfrm>
+          <a:off x="0" y="0"/>
+          <a:ext cx="0" cy="0"/>
+          <a:chOff x="0" y="0"/>
+          <a:chExt cx="0" cy="0"/>
+        </a:xfrm>
+      </p:grpSpPr>
+      <p:sp>
+        <p:nvSpPr>
+          <p:cNvPr id="2" name="Title 1">
+            <a:extLst>
+              <a:ext uri="{FF2B5EF4-FFF2-40B4-BE49-F238E27FC236}">
+                <a16:creationId xmlns:a16="http://schemas.microsoft.com/office/drawing/2014/main" id="{14A0B22D-6451-4E9C-AF3A-064233F22955}"/>
+              </a:ext>
+            </a:extLst>
+          </p:cNvPr>
+          <p:cNvSpPr>
+            <a:spLocks noGrp="1"/>
+          </p:cNvSpPr>
+          <p:nvPr>
+            <p:ph type="title"/>
+          </p:nvPr>
+        </p:nvSpPr>
+        <p:spPr/>
+        <p:txBody>
+          <a:bodyPr/>
+          <a:lstStyle/>
+          <a:p>
+            <a:r>
+              <a:rPr lang="en-US" dirty="0"/>
+              <a:t>Life with UDTTs</a:t>
+            </a:r>
+          </a:p>
+        </p:txBody>
+      </p:sp>
+      <p:sp>
+        <p:nvSpPr>
+          <p:cNvPr id="3" name="Content Placeholder 2">
+            <a:extLst>
+              <a:ext uri="{FF2B5EF4-FFF2-40B4-BE49-F238E27FC236}">
+                <a16:creationId xmlns:a16="http://schemas.microsoft.com/office/drawing/2014/main" id="{CEBDDE86-6846-6CBA-B865-0C2ACE1C9A94}"/>
+              </a:ext>
+            </a:extLst>
+          </p:cNvPr>
+          <p:cNvSpPr>
+            <a:spLocks noGrp="1"/>
+          </p:cNvSpPr>
+          <p:nvPr>
+            <p:ph idx="1"/>
+          </p:nvPr>
+        </p:nvSpPr>
+        <p:spPr>
+          <a:xfrm>
+            <a:off x="838200" y="1548535"/>
+            <a:ext cx="10515600" cy="4667250"/>
+          </a:xfrm>
+        </p:spPr>
+        <p:txBody>
+          <a:bodyPr>
+            <a:noAutofit/>
+          </a:bodyPr>
+          <a:lstStyle/>
+          <a:p>
+            <a:pPr marL="0" indent="0">
+              <a:buNone/>
+            </a:pPr>
+            <a:r>
+              <a:rPr lang="en-US" sz="2000" dirty="0" err="1">
+                <a:latin typeface="Cascadia Code" panose="020B0609020000020004" pitchFamily="49" charset="0"/>
+                <a:cs typeface="Cascadia Code" panose="020B0609020000020004" pitchFamily="49" charset="0"/>
+              </a:rPr>
+              <a:t>Data</a:t>
+            </a:r>
+            <a:r>
+              <a:rPr lang="en-US" sz="2000" dirty="0" err="1">
+                <a:solidFill>
+                  <a:schemeClr val="tx1"/>
+                </a:solidFill>
+                <a:latin typeface="Cascadia Code" panose="020B0609020000020004" pitchFamily="49" charset="0"/>
+                <a:cs typeface="Cascadia Code" panose="020B0609020000020004" pitchFamily="49" charset="0"/>
+              </a:rPr>
+              <a:t>.Load</a:t>
+            </a:r>
+            <a:r>
+              <a:rPr lang="en-US" sz="2000" dirty="0">
+                <a:solidFill>
+                  <a:schemeClr val="tx1"/>
+                </a:solidFill>
+                <a:latin typeface="Cascadia Code" panose="020B0609020000020004" pitchFamily="49" charset="0"/>
+                <a:cs typeface="Cascadia Code" panose="020B0609020000020004" pitchFamily="49" charset="0"/>
+              </a:rPr>
+              <a:t>()</a:t>
+            </a:r>
+          </a:p>
+          <a:p>
+            <a:pPr marL="0" indent="0">
+              <a:buNone/>
+            </a:pPr>
+            <a:r>
+              <a:rPr lang="en-US" sz="2000" dirty="0">
+                <a:latin typeface="Cascadia Code" panose="020B0609020000020004" pitchFamily="49" charset="0"/>
+                <a:cs typeface="Cascadia Code" panose="020B0609020000020004" pitchFamily="49" charset="0"/>
+              </a:rPr>
+              <a:t>   </a:t>
+            </a:r>
+            <a:r>
+              <a:rPr lang="en-US" sz="2000" dirty="0" err="1">
+                <a:latin typeface="Cascadia Code" panose="020B0609020000020004" pitchFamily="49" charset="0"/>
+                <a:cs typeface="Cascadia Code" panose="020B0609020000020004" pitchFamily="49" charset="0"/>
+              </a:rPr>
+              <a:t>DataTable</a:t>
+            </a:r>
+            <a:r>
+              <a:rPr lang="en-US" sz="2000" dirty="0">
+                <a:latin typeface="Cascadia Code" panose="020B0609020000020004" pitchFamily="49" charset="0"/>
+                <a:cs typeface="Cascadia Code" panose="020B0609020000020004" pitchFamily="49" charset="0"/>
+              </a:rPr>
+              <a:t> dt = </a:t>
+            </a:r>
+            <a:r>
+              <a:rPr lang="en-US" sz="2000" dirty="0" err="1">
+                <a:latin typeface="Cascadia Code" panose="020B0609020000020004" pitchFamily="49" charset="0"/>
+                <a:cs typeface="Cascadia Code" panose="020B0609020000020004" pitchFamily="49" charset="0"/>
+              </a:rPr>
+              <a:t>GatherTheData</a:t>
+            </a:r>
+            <a:r>
+              <a:rPr lang="en-US" sz="2000" dirty="0">
+                <a:latin typeface="Cascadia Code" panose="020B0609020000020004" pitchFamily="49" charset="0"/>
+                <a:cs typeface="Cascadia Code" panose="020B0609020000020004" pitchFamily="49" charset="0"/>
+              </a:rPr>
+              <a:t>()</a:t>
+            </a:r>
+          </a:p>
+          <a:p>
+            <a:pPr marL="0" indent="0">
+              <a:buNone/>
+            </a:pPr>
+            <a:endParaRPr lang="en-US" sz="2000" dirty="0">
+              <a:solidFill>
+                <a:schemeClr val="tx1"/>
+              </a:solidFill>
+              <a:latin typeface="Cascadia Code" panose="020B0609020000020004" pitchFamily="49" charset="0"/>
+              <a:cs typeface="Cascadia Code" panose="020B0609020000020004" pitchFamily="49" charset="0"/>
+            </a:endParaRPr>
+          </a:p>
+          <a:p>
+            <a:pPr marL="457200" lvl="1" indent="0">
+              <a:buNone/>
+            </a:pPr>
+            <a:r>
+              <a:rPr lang="en-US" sz="2000" dirty="0" err="1">
+                <a:solidFill>
+                  <a:schemeClr val="tx1"/>
+                </a:solidFill>
+                <a:latin typeface="Cascadia Code" panose="020B0609020000020004" pitchFamily="49" charset="0"/>
+                <a:cs typeface="Cascadia Code" panose="020B0609020000020004" pitchFamily="49" charset="0"/>
+              </a:rPr>
+              <a:t>SQL.TryConnect</a:t>
+            </a:r>
+            <a:r>
+              <a:rPr lang="en-US" sz="2000" dirty="0">
+                <a:solidFill>
+                  <a:schemeClr val="tx1"/>
+                </a:solidFill>
+                <a:latin typeface="Cascadia Code" panose="020B0609020000020004" pitchFamily="49" charset="0"/>
+                <a:cs typeface="Cascadia Code" panose="020B0609020000020004" pitchFamily="49" charset="0"/>
+              </a:rPr>
+              <a:t>()</a:t>
+            </a:r>
+          </a:p>
+          <a:p>
+            <a:pPr marL="457200" lvl="1" indent="0">
+              <a:buNone/>
+            </a:pPr>
+            <a:r>
+              <a:rPr lang="en-US" sz="2000" dirty="0" err="1">
+                <a:solidFill>
+                  <a:schemeClr val="tx1"/>
+                </a:solidFill>
+                <a:latin typeface="Cascadia Code" panose="020B0609020000020004" pitchFamily="49" charset="0"/>
+                <a:cs typeface="Cascadia Code" panose="020B0609020000020004" pitchFamily="49" charset="0"/>
+              </a:rPr>
+              <a:t>SQL.Cmd.TryExec</a:t>
+            </a:r>
+            <a:r>
+              <a:rPr lang="en-US" sz="2000" dirty="0">
+                <a:solidFill>
+                  <a:schemeClr val="tx1"/>
+                </a:solidFill>
+                <a:latin typeface="Cascadia Code" panose="020B0609020000020004" pitchFamily="49" charset="0"/>
+                <a:cs typeface="Cascadia Code" panose="020B0609020000020004" pitchFamily="49" charset="0"/>
+              </a:rPr>
+              <a:t>("EXEC </a:t>
+            </a:r>
+            <a:r>
+              <a:rPr lang="en-US" sz="2000" dirty="0" err="1">
+                <a:solidFill>
+                  <a:schemeClr val="tx1"/>
+                </a:solidFill>
+                <a:latin typeface="Cascadia Code" panose="020B0609020000020004" pitchFamily="49" charset="0"/>
+                <a:cs typeface="Cascadia Code" panose="020B0609020000020004" pitchFamily="49" charset="0"/>
+              </a:rPr>
+              <a:t>dbo.MergeTheData</a:t>
+            </a:r>
+            <a:r>
+              <a:rPr lang="en-US" sz="2000" dirty="0">
+                <a:solidFill>
+                  <a:schemeClr val="tx1"/>
+                </a:solidFill>
+                <a:latin typeface="Cascadia Code" panose="020B0609020000020004" pitchFamily="49" charset="0"/>
+                <a:cs typeface="Cascadia Code" panose="020B0609020000020004" pitchFamily="49" charset="0"/>
+              </a:rPr>
+              <a:t>(@p1={</a:t>
+            </a:r>
+            <a:r>
+              <a:rPr lang="en-US" sz="2000" dirty="0">
+                <a:latin typeface="Cascadia Code" panose="020B0609020000020004" pitchFamily="49" charset="0"/>
+                <a:cs typeface="Cascadia Code" panose="020B0609020000020004" pitchFamily="49" charset="0"/>
+              </a:rPr>
+              <a:t>dt</a:t>
+            </a:r>
+            <a:r>
+              <a:rPr lang="en-US" sz="2000" dirty="0">
+                <a:solidFill>
+                  <a:schemeClr val="tx1"/>
+                </a:solidFill>
+                <a:latin typeface="Cascadia Code" panose="020B0609020000020004" pitchFamily="49" charset="0"/>
+                <a:cs typeface="Cascadia Code" panose="020B0609020000020004" pitchFamily="49" charset="0"/>
+              </a:rPr>
+              <a:t>})")</a:t>
+            </a:r>
+          </a:p>
+          <a:p>
+            <a:pPr marL="457200" lvl="1" indent="0">
+              <a:buNone/>
+            </a:pPr>
+            <a:r>
+              <a:rPr lang="en-US" sz="2000" dirty="0" err="1">
+                <a:solidFill>
+                  <a:schemeClr val="tx1"/>
+                </a:solidFill>
+                <a:latin typeface="Cascadia Code" panose="020B0609020000020004" pitchFamily="49" charset="0"/>
+                <a:cs typeface="Cascadia Code" panose="020B0609020000020004" pitchFamily="49" charset="0"/>
+              </a:rPr>
+              <a:t>SQL.Close</a:t>
+            </a:r>
+            <a:r>
+              <a:rPr lang="en-US" sz="2000" dirty="0">
+                <a:solidFill>
+                  <a:schemeClr val="tx1"/>
+                </a:solidFill>
+                <a:latin typeface="Cascadia Code" panose="020B0609020000020004" pitchFamily="49" charset="0"/>
+                <a:cs typeface="Cascadia Code" panose="020B0609020000020004" pitchFamily="49" charset="0"/>
+              </a:rPr>
+              <a:t>()</a:t>
+            </a:r>
+          </a:p>
+        </p:txBody>
+      </p:sp>
+    </p:spTree>
+    <p:extLst>
+      <p:ext uri="{BB962C8B-B14F-4D97-AF65-F5344CB8AC3E}">
+        <p14:creationId xmlns:p14="http://schemas.microsoft.com/office/powerpoint/2010/main" val="197819697"/>
+      </p:ext>
+    </p:extLst>
+  </p:cSld>
+  <p:clrMapOvr>
+    <a:masterClrMapping/>
+  </p:clrMapOvr>
+</p:sld>
+</file>
+
+<file path=ppt/slides/slide22.xml><?xml version="1.0" encoding="utf-8"?>
+<p:sld xmlns:a="http://schemas.openxmlformats.org/drawingml/2006/main" xmlns:r="http://schemas.openxmlformats.org/officeDocument/2006/relationships" xmlns:p="http://schemas.openxmlformats.org/presentationml/2006/main">
+  <p:cSld>
+    <p:spTree>
+      <p:nvGrpSpPr>
+        <p:cNvPr id="1" name=""/>
+        <p:cNvGrpSpPr/>
+        <p:nvPr/>
+      </p:nvGrpSpPr>
+      <p:grpSpPr>
+        <a:xfrm>
+          <a:off x="0" y="0"/>
+          <a:ext cx="0" cy="0"/>
+          <a:chOff x="0" y="0"/>
+          <a:chExt cx="0" cy="0"/>
+        </a:xfrm>
+      </p:grpSpPr>
+      <p:sp>
+        <p:nvSpPr>
+          <p:cNvPr id="2" name="Title 1">
+            <a:extLst>
+              <a:ext uri="{FF2B5EF4-FFF2-40B4-BE49-F238E27FC236}">
+                <a16:creationId xmlns:a16="http://schemas.microsoft.com/office/drawing/2014/main" id="{EC6EE488-100C-537B-16EF-5DD434EFE24B}"/>
+              </a:ext>
+            </a:extLst>
+          </p:cNvPr>
+          <p:cNvSpPr>
+            <a:spLocks noGrp="1"/>
+          </p:cNvSpPr>
+          <p:nvPr>
+            <p:ph type="title"/>
+          </p:nvPr>
+        </p:nvSpPr>
+        <p:spPr/>
+        <p:txBody>
+          <a:bodyPr/>
+          <a:lstStyle/>
+          <a:p>
+            <a:r>
+              <a:rPr lang="en-US" dirty="0"/>
+              <a:t>Your Python script</a:t>
+            </a:r>
+          </a:p>
+        </p:txBody>
+      </p:sp>
+      <p:pic>
+        <p:nvPicPr>
+          <p:cNvPr id="4" name="Picture 2" descr="Download Python 32 / 64-bit (Terbaru 2022)">
+            <a:extLst>
+              <a:ext uri="{FF2B5EF4-FFF2-40B4-BE49-F238E27FC236}">
+                <a16:creationId xmlns:a16="http://schemas.microsoft.com/office/drawing/2014/main" id="{43E4B979-C00F-BF24-6FCC-90107D77AAB5}"/>
+              </a:ext>
+            </a:extLst>
+          </p:cNvPr>
+          <p:cNvPicPr>
+            <a:picLocks noChangeAspect="1" noChangeArrowheads="1"/>
+          </p:cNvPicPr>
+          <p:nvPr/>
+        </p:nvPicPr>
+        <p:blipFill>
+          <a:blip r:embed="rId2">
+            <a:extLst>
+              <a:ext uri="{28A0092B-C50C-407E-A947-70E740481C1C}">
+                <a14:useLocalDpi xmlns:a14="http://schemas.microsoft.com/office/drawing/2010/main" val="0"/>
+              </a:ext>
+            </a:extLst>
+          </a:blip>
+          <a:srcRect/>
+          <a:stretch>
+            <a:fillRect/>
+          </a:stretch>
+        </p:blipFill>
+        <p:spPr bwMode="auto">
+          <a:xfrm>
+            <a:off x="4394974" y="2015593"/>
+            <a:ext cx="3402052" cy="3402052"/>
+          </a:xfrm>
+          <a:prstGeom prst="rect">
+            <a:avLst/>
+          </a:prstGeom>
+          <a:noFill/>
+          <a:extLst>
+            <a:ext uri="{909E8E84-426E-40DD-AFC4-6F175D3DCCD1}">
+              <a14:hiddenFill xmlns:a14="http://schemas.microsoft.com/office/drawing/2010/main">
+                <a:solidFill>
+                  <a:srgbClr val="FFFFFF"/>
+                </a:solidFill>
+              </a14:hiddenFill>
+            </a:ext>
+          </a:extLst>
+        </p:spPr>
+      </p:pic>
+    </p:spTree>
+    <p:extLst>
+      <p:ext uri="{BB962C8B-B14F-4D97-AF65-F5344CB8AC3E}">
+        <p14:creationId xmlns:p14="http://schemas.microsoft.com/office/powerpoint/2010/main" val="721470922"/>
+      </p:ext>
+    </p:extLst>
+  </p:cSld>
+  <p:clrMapOvr>
+    <a:masterClrMapping/>
+  </p:clrMapOvr>
+</p:sld>
+</file>
+
+<file path=ppt/slides/slide23.xml><?xml version="1.0" encoding="utf-8"?>
+<p:sld xmlns:a="http://schemas.openxmlformats.org/drawingml/2006/main" xmlns:r="http://schemas.openxmlformats.org/officeDocument/2006/relationships" xmlns:p="http://schemas.openxmlformats.org/presentationml/2006/main">
+  <p:cSld>
+    <p:spTree>
+      <p:nvGrpSpPr>
+        <p:cNvPr id="1" name=""/>
+        <p:cNvGrpSpPr/>
+        <p:nvPr/>
+      </p:nvGrpSpPr>
+      <p:grpSpPr>
+        <a:xfrm>
+          <a:off x="0" y="0"/>
+          <a:ext cx="0" cy="0"/>
+          <a:chOff x="0" y="0"/>
+          <a:chExt cx="0" cy="0"/>
+        </a:xfrm>
+      </p:grpSpPr>
+      <p:sp>
+        <p:nvSpPr>
+          <p:cNvPr id="2" name="Title 1">
+            <a:extLst>
+              <a:ext uri="{FF2B5EF4-FFF2-40B4-BE49-F238E27FC236}">
+                <a16:creationId xmlns:a16="http://schemas.microsoft.com/office/drawing/2014/main" id="{1A96A5F5-2C57-07D4-DF17-8FE9866ECC1A}"/>
+              </a:ext>
+            </a:extLst>
+          </p:cNvPr>
+          <p:cNvSpPr>
+            <a:spLocks noGrp="1"/>
+          </p:cNvSpPr>
+          <p:nvPr>
+            <p:ph type="title"/>
+          </p:nvPr>
+        </p:nvSpPr>
+        <p:spPr/>
+        <p:txBody>
+          <a:bodyPr/>
+          <a:lstStyle/>
+          <a:p>
+            <a:r>
+              <a:rPr lang="en-US" dirty="0"/>
+              <a:t>Demo Time</a:t>
+            </a:r>
+          </a:p>
+        </p:txBody>
+      </p:sp>
+    </p:spTree>
+    <p:extLst>
+      <p:ext uri="{BB962C8B-B14F-4D97-AF65-F5344CB8AC3E}">
+        <p14:creationId xmlns:p14="http://schemas.microsoft.com/office/powerpoint/2010/main" val="3988150757"/>
+      </p:ext>
+    </p:extLst>
+  </p:cSld>
+  <p:clrMapOvr>
+    <a:masterClrMapping/>
+  </p:clrMapOvr>
+</p:sld>
+</file>
+
+<file path=ppt/slides/slide24.xml><?xml version="1.0" encoding="utf-8"?>
+<p:sld xmlns:a="http://schemas.openxmlformats.org/drawingml/2006/main" xmlns:r="http://schemas.openxmlformats.org/officeDocument/2006/relationships" xmlns:p="http://schemas.openxmlformats.org/presentationml/2006/main">
+  <p:cSld>
+    <p:spTree>
+      <p:nvGrpSpPr>
+        <p:cNvPr id="1" name=""/>
+        <p:cNvGrpSpPr/>
+        <p:nvPr/>
+      </p:nvGrpSpPr>
+      <p:grpSpPr>
+        <a:xfrm>
+          <a:off x="0" y="0"/>
+          <a:ext cx="0" cy="0"/>
+          <a:chOff x="0" y="0"/>
+          <a:chExt cx="0" cy="0"/>
+        </a:xfrm>
+      </p:grpSpPr>
+      <p:sp>
+        <p:nvSpPr>
+          <p:cNvPr id="2" name="Title 1">
+            <a:extLst>
+              <a:ext uri="{FF2B5EF4-FFF2-40B4-BE49-F238E27FC236}">
+                <a16:creationId xmlns:a16="http://schemas.microsoft.com/office/drawing/2014/main" id="{BEB9BFB6-CC61-6C3F-165F-5AEB847AD425}"/>
+              </a:ext>
+            </a:extLst>
+          </p:cNvPr>
+          <p:cNvSpPr>
+            <a:spLocks noGrp="1"/>
+          </p:cNvSpPr>
+          <p:nvPr>
+            <p:ph type="title"/>
+          </p:nvPr>
+        </p:nvSpPr>
+        <p:spPr/>
+        <p:txBody>
+          <a:bodyPr/>
+          <a:lstStyle/>
+          <a:p>
+            <a:r>
+              <a:rPr lang="en-US" dirty="0"/>
+              <a:t>Your .NET app</a:t>
+            </a:r>
+          </a:p>
+        </p:txBody>
+      </p:sp>
+      <p:pic>
+        <p:nvPicPr>
+          <p:cNvPr id="4" name="Picture 4" descr=".NET Standard and new .NET Framework Logo and Banner | The NeoSmart Files">
+            <a:extLst>
+              <a:ext uri="{FF2B5EF4-FFF2-40B4-BE49-F238E27FC236}">
+                <a16:creationId xmlns:a16="http://schemas.microsoft.com/office/drawing/2014/main" id="{E06DA404-4E47-3B66-F78F-99364BB1E495}"/>
+              </a:ext>
+            </a:extLst>
+          </p:cNvPr>
+          <p:cNvPicPr>
+            <a:picLocks noChangeAspect="1" noChangeArrowheads="1"/>
+          </p:cNvPicPr>
+          <p:nvPr/>
+        </p:nvPicPr>
+        <p:blipFill>
+          <a:blip r:embed="rId2">
+            <a:extLst>
+              <a:ext uri="{28A0092B-C50C-407E-A947-70E740481C1C}">
+                <a14:useLocalDpi xmlns:a14="http://schemas.microsoft.com/office/drawing/2010/main" val="0"/>
+              </a:ext>
+            </a:extLst>
+          </a:blip>
+          <a:srcRect/>
+          <a:stretch>
+            <a:fillRect/>
+          </a:stretch>
+        </p:blipFill>
+        <p:spPr bwMode="auto">
+          <a:xfrm>
+            <a:off x="4208920" y="1887310"/>
+            <a:ext cx="3587660" cy="3587660"/>
+          </a:xfrm>
+          <a:prstGeom prst="rect">
+            <a:avLst/>
+          </a:prstGeom>
+          <a:noFill/>
+          <a:extLst>
+            <a:ext uri="{909E8E84-426E-40DD-AFC4-6F175D3DCCD1}">
+              <a14:hiddenFill xmlns:a14="http://schemas.microsoft.com/office/drawing/2010/main">
+                <a:solidFill>
+                  <a:srgbClr val="FFFFFF"/>
+                </a:solidFill>
+              </a14:hiddenFill>
+            </a:ext>
+          </a:extLst>
+        </p:spPr>
+      </p:pic>
+    </p:spTree>
+    <p:extLst>
+      <p:ext uri="{BB962C8B-B14F-4D97-AF65-F5344CB8AC3E}">
+        <p14:creationId xmlns:p14="http://schemas.microsoft.com/office/powerpoint/2010/main" val="2267179189"/>
+      </p:ext>
+    </p:extLst>
+  </p:cSld>
+  <p:clrMapOvr>
+    <a:masterClrMapping/>
+  </p:clrMapOvr>
+</p:sld>
+</file>
+
+<file path=ppt/slides/slide25.xml><?xml version="1.0" encoding="utf-8"?>
+<p:sld xmlns:a="http://schemas.openxmlformats.org/drawingml/2006/main" xmlns:r="http://schemas.openxmlformats.org/officeDocument/2006/relationships" xmlns:p="http://schemas.openxmlformats.org/presentationml/2006/main">
+  <p:cSld>
+    <p:spTree>
+      <p:nvGrpSpPr>
+        <p:cNvPr id="1" name=""/>
+        <p:cNvGrpSpPr/>
+        <p:nvPr/>
+      </p:nvGrpSpPr>
+      <p:grpSpPr>
+        <a:xfrm>
+          <a:off x="0" y="0"/>
+          <a:ext cx="0" cy="0"/>
+          <a:chOff x="0" y="0"/>
+          <a:chExt cx="0" cy="0"/>
+        </a:xfrm>
+      </p:grpSpPr>
+      <p:sp>
+        <p:nvSpPr>
+          <p:cNvPr id="2" name="Title 1">
+            <a:extLst>
+              <a:ext uri="{FF2B5EF4-FFF2-40B4-BE49-F238E27FC236}">
+                <a16:creationId xmlns:a16="http://schemas.microsoft.com/office/drawing/2014/main" id="{1A96A5F5-2C57-07D4-DF17-8FE9866ECC1A}"/>
+              </a:ext>
+            </a:extLst>
+          </p:cNvPr>
+          <p:cNvSpPr>
+            <a:spLocks noGrp="1"/>
+          </p:cNvSpPr>
+          <p:nvPr>
+            <p:ph type="title"/>
+          </p:nvPr>
+        </p:nvSpPr>
+        <p:spPr/>
+        <p:txBody>
+          <a:bodyPr/>
+          <a:lstStyle/>
+          <a:p>
+            <a:r>
+              <a:rPr lang="en-US" dirty="0"/>
+              <a:t>Demo Time</a:t>
+            </a:r>
+          </a:p>
+        </p:txBody>
+      </p:sp>
+    </p:spTree>
+    <p:extLst>
+      <p:ext uri="{BB962C8B-B14F-4D97-AF65-F5344CB8AC3E}">
+        <p14:creationId xmlns:p14="http://schemas.microsoft.com/office/powerpoint/2010/main" val="2046725656"/>
+      </p:ext>
+    </p:extLst>
+  </p:cSld>
+  <p:clrMapOvr>
+    <a:masterClrMapping/>
+  </p:clrMapOvr>
+</p:sld>
+</file>
+
+<file path=ppt/slides/slide26.xml><?xml version="1.0" encoding="utf-8"?>
+<p:sld xmlns:a="http://schemas.openxmlformats.org/drawingml/2006/main" xmlns:r="http://schemas.openxmlformats.org/officeDocument/2006/relationships" xmlns:p="http://schemas.openxmlformats.org/presentationml/2006/main">
+  <p:cSld>
+    <p:spTree>
+      <p:nvGrpSpPr>
+        <p:cNvPr id="1" name=""/>
+        <p:cNvGrpSpPr/>
+        <p:nvPr/>
+      </p:nvGrpSpPr>
+      <p:grpSpPr>
+        <a:xfrm>
+          <a:off x="0" y="0"/>
+          <a:ext cx="0" cy="0"/>
+          <a:chOff x="0" y="0"/>
+          <a:chExt cx="0" cy="0"/>
+        </a:xfrm>
+      </p:grpSpPr>
+      <p:sp>
+        <p:nvSpPr>
+          <p:cNvPr id="2" name="Title 1">
+            <a:extLst>
+              <a:ext uri="{FF2B5EF4-FFF2-40B4-BE49-F238E27FC236}">
+                <a16:creationId xmlns:a16="http://schemas.microsoft.com/office/drawing/2014/main" id="{BE6750D8-15D6-90A9-B39F-BC6765BA1D16}"/>
+              </a:ext>
+            </a:extLst>
+          </p:cNvPr>
+          <p:cNvSpPr>
+            <a:spLocks noGrp="1"/>
+          </p:cNvSpPr>
+          <p:nvPr>
+            <p:ph type="title"/>
+          </p:nvPr>
+        </p:nvSpPr>
+        <p:spPr/>
+        <p:txBody>
+          <a:bodyPr/>
+          <a:lstStyle/>
+          <a:p>
+            <a:r>
+              <a:rPr lang="en-US" dirty="0"/>
+              <a:t>Your PowerShell script</a:t>
+            </a:r>
+          </a:p>
+        </p:txBody>
+      </p:sp>
+      <p:pic>
+        <p:nvPicPr>
+          <p:cNvPr id="1026" name="Picture 2" descr="Powershell Icon #48576 - Free Icons Library">
+            <a:extLst>
+              <a:ext uri="{FF2B5EF4-FFF2-40B4-BE49-F238E27FC236}">
+                <a16:creationId xmlns:a16="http://schemas.microsoft.com/office/drawing/2014/main" id="{E6FC4382-87C9-8618-7656-0DC8E9AA538E}"/>
+              </a:ext>
+            </a:extLst>
+          </p:cNvPr>
+          <p:cNvPicPr>
+            <a:picLocks noChangeAspect="1" noChangeArrowheads="1"/>
+          </p:cNvPicPr>
+          <p:nvPr/>
+        </p:nvPicPr>
+        <p:blipFill>
+          <a:blip r:embed="rId2">
+            <a:extLst>
+              <a:ext uri="{28A0092B-C50C-407E-A947-70E740481C1C}">
+                <a14:useLocalDpi xmlns:a14="http://schemas.microsoft.com/office/drawing/2010/main" val="0"/>
+              </a:ext>
+            </a:extLst>
+          </a:blip>
+          <a:srcRect/>
+          <a:stretch>
+            <a:fillRect/>
+          </a:stretch>
+        </p:blipFill>
+        <p:spPr bwMode="auto">
+          <a:xfrm>
+            <a:off x="3657600" y="1253490"/>
+            <a:ext cx="4876800" cy="4876800"/>
+          </a:xfrm>
+          <a:prstGeom prst="rect">
+            <a:avLst/>
+          </a:prstGeom>
+          <a:noFill/>
+          <a:extLst>
+            <a:ext uri="{909E8E84-426E-40DD-AFC4-6F175D3DCCD1}">
+              <a14:hiddenFill xmlns:a14="http://schemas.microsoft.com/office/drawing/2010/main">
+                <a:solidFill>
+                  <a:srgbClr val="FFFFFF"/>
+                </a:solidFill>
+              </a14:hiddenFill>
+            </a:ext>
+          </a:extLst>
+        </p:spPr>
+      </p:pic>
+    </p:spTree>
+    <p:extLst>
+      <p:ext uri="{BB962C8B-B14F-4D97-AF65-F5344CB8AC3E}">
+        <p14:creationId xmlns:p14="http://schemas.microsoft.com/office/powerpoint/2010/main" val="2253439950"/>
+      </p:ext>
+    </p:extLst>
+  </p:cSld>
+  <p:clrMapOvr>
+    <a:masterClrMapping/>
+  </p:clrMapOvr>
+</p:sld>
+</file>
+
+<file path=ppt/slides/slide27.xml><?xml version="1.0" encoding="utf-8"?>
+<p:sld xmlns:a="http://schemas.openxmlformats.org/drawingml/2006/main" xmlns:r="http://schemas.openxmlformats.org/officeDocument/2006/relationships" xmlns:p="http://schemas.openxmlformats.org/presentationml/2006/main">
+  <p:cSld>
+    <p:spTree>
+      <p:nvGrpSpPr>
+        <p:cNvPr id="1" name=""/>
+        <p:cNvGrpSpPr/>
+        <p:nvPr/>
+      </p:nvGrpSpPr>
+      <p:grpSpPr>
+        <a:xfrm>
+          <a:off x="0" y="0"/>
+          <a:ext cx="0" cy="0"/>
+          <a:chOff x="0" y="0"/>
+          <a:chExt cx="0" cy="0"/>
+        </a:xfrm>
+      </p:grpSpPr>
+      <p:sp>
+        <p:nvSpPr>
+          <p:cNvPr id="2" name="Title 1">
+            <a:extLst>
+              <a:ext uri="{FF2B5EF4-FFF2-40B4-BE49-F238E27FC236}">
+                <a16:creationId xmlns:a16="http://schemas.microsoft.com/office/drawing/2014/main" id="{1A96A5F5-2C57-07D4-DF17-8FE9866ECC1A}"/>
+              </a:ext>
+            </a:extLst>
+          </p:cNvPr>
+          <p:cNvSpPr>
+            <a:spLocks noGrp="1"/>
+          </p:cNvSpPr>
+          <p:nvPr>
+            <p:ph type="title"/>
+          </p:nvPr>
+        </p:nvSpPr>
+        <p:spPr/>
+        <p:txBody>
+          <a:bodyPr/>
+          <a:lstStyle/>
+          <a:p>
+            <a:r>
+              <a:rPr lang="en-US" dirty="0"/>
+              <a:t>Demo Time</a:t>
+            </a:r>
+          </a:p>
+        </p:txBody>
+      </p:sp>
+    </p:spTree>
+    <p:extLst>
+      <p:ext uri="{BB962C8B-B14F-4D97-AF65-F5344CB8AC3E}">
+        <p14:creationId xmlns:p14="http://schemas.microsoft.com/office/powerpoint/2010/main" val="4163699089"/>
+      </p:ext>
+    </p:extLst>
+  </p:cSld>
+  <p:clrMapOvr>
+    <a:masterClrMapping/>
+  </p:clrMapOvr>
+</p:sld>
+</file>
+
+<file path=ppt/slides/slide28.xml><?xml version="1.0" encoding="utf-8"?>
+<p:sld xmlns:a="http://schemas.openxmlformats.org/drawingml/2006/main" xmlns:r="http://schemas.openxmlformats.org/officeDocument/2006/relationships" xmlns:p="http://schemas.openxmlformats.org/presentationml/2006/main">
+  <p:cSld>
+    <p:spTree>
+      <p:nvGrpSpPr>
+        <p:cNvPr id="1" name=""/>
+        <p:cNvGrpSpPr/>
+        <p:nvPr/>
+      </p:nvGrpSpPr>
+      <p:grpSpPr>
+        <a:xfrm>
+          <a:off x="0" y="0"/>
+          <a:ext cx="0" cy="0"/>
+          <a:chOff x="0" y="0"/>
+          <a:chExt cx="0" cy="0"/>
+        </a:xfrm>
+      </p:grpSpPr>
+      <p:sp>
+        <p:nvSpPr>
+          <p:cNvPr id="2" name="Title 1">
+            <a:extLst>
+              <a:ext uri="{FF2B5EF4-FFF2-40B4-BE49-F238E27FC236}">
+                <a16:creationId xmlns:a16="http://schemas.microsoft.com/office/drawing/2014/main" id="{3B0F581C-1A26-B138-2F1B-17DB0DABB7AB}"/>
+              </a:ext>
+            </a:extLst>
+          </p:cNvPr>
+          <p:cNvSpPr>
+            <a:spLocks noGrp="1"/>
+          </p:cNvSpPr>
+          <p:nvPr>
+            <p:ph type="title"/>
+          </p:nvPr>
+        </p:nvSpPr>
+        <p:spPr/>
+        <p:txBody>
+          <a:bodyPr/>
+          <a:lstStyle/>
+          <a:p>
+            <a:r>
+              <a:rPr lang="en-US" dirty="0"/>
+              <a:t>Performance-tuning a UDTT</a:t>
+            </a:r>
+          </a:p>
+        </p:txBody>
+      </p:sp>
+      <p:pic>
+        <p:nvPicPr>
+          <p:cNvPr id="7" name="Picture 6">
+            <a:extLst>
+              <a:ext uri="{FF2B5EF4-FFF2-40B4-BE49-F238E27FC236}">
+                <a16:creationId xmlns:a16="http://schemas.microsoft.com/office/drawing/2014/main" id="{8FDB2EC5-DFD2-4C93-C51E-632A82342A10}"/>
+              </a:ext>
+            </a:extLst>
+          </p:cNvPr>
+          <p:cNvPicPr>
+            <a:picLocks noChangeAspect="1"/>
+          </p:cNvPicPr>
+          <p:nvPr/>
+        </p:nvPicPr>
+        <p:blipFill>
+          <a:blip r:embed="rId3"/>
+          <a:stretch>
+            <a:fillRect/>
+          </a:stretch>
+        </p:blipFill>
+        <p:spPr>
+          <a:xfrm>
+            <a:off x="1097280" y="1440179"/>
+            <a:ext cx="9692640" cy="4870193"/>
+          </a:xfrm>
+          <a:prstGeom prst="rect">
+            <a:avLst/>
+          </a:prstGeom>
+        </p:spPr>
+      </p:pic>
+      <p:sp>
+        <p:nvSpPr>
+          <p:cNvPr id="8" name="Rectangle 7">
+            <a:extLst>
+              <a:ext uri="{FF2B5EF4-FFF2-40B4-BE49-F238E27FC236}">
+                <a16:creationId xmlns:a16="http://schemas.microsoft.com/office/drawing/2014/main" id="{6A857927-D068-DF11-B933-1242E15B6311}"/>
+              </a:ext>
+            </a:extLst>
+          </p:cNvPr>
+          <p:cNvSpPr/>
+          <p:nvPr/>
+        </p:nvSpPr>
+        <p:spPr>
+          <a:xfrm>
+            <a:off x="5554980" y="3977640"/>
+            <a:ext cx="365760" cy="2217420"/>
+          </a:xfrm>
+          <a:prstGeom prst="rect">
+            <a:avLst/>
+          </a:prstGeom>
+          <a:noFill/>
+          <a:ln w="47625"/>
+        </p:spPr>
+        <p:style>
+          <a:lnRef idx="2">
+            <a:schemeClr val="accent1">
+              <a:shade val="50000"/>
+            </a:schemeClr>
+          </a:lnRef>
+          <a:fillRef idx="1">
+            <a:schemeClr val="accent1"/>
+          </a:fillRef>
+          <a:effectRef idx="0">
+            <a:schemeClr val="accent1"/>
+          </a:effectRef>
+          <a:fontRef idx="minor">
+            <a:schemeClr val="lt1"/>
+          </a:fontRef>
+        </p:style>
+        <p:txBody>
+          <a:bodyPr rtlCol="0" anchor="ctr"/>
+          <a:lstStyle/>
+          <a:p>
+            <a:pPr algn="ctr"/>
+            <a:endParaRPr lang="en-US"/>
+          </a:p>
+        </p:txBody>
+      </p:sp>
+      <p:sp>
+        <p:nvSpPr>
+          <p:cNvPr id="9" name="Rectangle 8">
+            <a:extLst>
+              <a:ext uri="{FF2B5EF4-FFF2-40B4-BE49-F238E27FC236}">
+                <a16:creationId xmlns:a16="http://schemas.microsoft.com/office/drawing/2014/main" id="{8EC97241-B4EB-D0D2-5D68-A0C2EB614E61}"/>
+              </a:ext>
+            </a:extLst>
+          </p:cNvPr>
+          <p:cNvSpPr/>
+          <p:nvPr/>
+        </p:nvSpPr>
+        <p:spPr>
+          <a:xfrm>
+            <a:off x="1097280" y="4263390"/>
+            <a:ext cx="3154680" cy="251460"/>
+          </a:xfrm>
+          <a:prstGeom prst="rect">
+            <a:avLst/>
+          </a:prstGeom>
+          <a:noFill/>
+          <a:ln w="47625"/>
+        </p:spPr>
+        <p:style>
+          <a:lnRef idx="2">
+            <a:schemeClr val="accent1">
+              <a:shade val="50000"/>
+            </a:schemeClr>
+          </a:lnRef>
+          <a:fillRef idx="1">
+            <a:schemeClr val="accent1"/>
+          </a:fillRef>
+          <a:effectRef idx="0">
+            <a:schemeClr val="accent1"/>
+          </a:effectRef>
+          <a:fontRef idx="minor">
+            <a:schemeClr val="lt1"/>
+          </a:fontRef>
+        </p:style>
+        <p:txBody>
+          <a:bodyPr rtlCol="0" anchor="ctr"/>
+          <a:lstStyle/>
+          <a:p>
+            <a:pPr algn="ctr"/>
+            <a:endParaRPr lang="en-US"/>
+          </a:p>
+        </p:txBody>
+      </p:sp>
+      <p:sp>
+        <p:nvSpPr>
+          <p:cNvPr id="10" name="Rectangle 9">
+            <a:extLst>
+              <a:ext uri="{FF2B5EF4-FFF2-40B4-BE49-F238E27FC236}">
+                <a16:creationId xmlns:a16="http://schemas.microsoft.com/office/drawing/2014/main" id="{993CA93A-2602-39E1-75D3-A420B2E5C1FB}"/>
+              </a:ext>
+            </a:extLst>
+          </p:cNvPr>
+          <p:cNvSpPr/>
+          <p:nvPr/>
+        </p:nvSpPr>
+        <p:spPr>
+          <a:xfrm>
+            <a:off x="1097280" y="6031892"/>
+            <a:ext cx="3154680" cy="251460"/>
+          </a:xfrm>
+          <a:prstGeom prst="rect">
+            <a:avLst/>
+          </a:prstGeom>
+          <a:noFill/>
+          <a:ln w="47625"/>
+        </p:spPr>
+        <p:style>
+          <a:lnRef idx="2">
+            <a:schemeClr val="accent1">
+              <a:shade val="50000"/>
+            </a:schemeClr>
+          </a:lnRef>
+          <a:fillRef idx="1">
+            <a:schemeClr val="accent1"/>
+          </a:fillRef>
+          <a:effectRef idx="0">
+            <a:schemeClr val="accent1"/>
+          </a:effectRef>
+          <a:fontRef idx="minor">
+            <a:schemeClr val="lt1"/>
+          </a:fontRef>
+        </p:style>
+        <p:txBody>
+          <a:bodyPr rtlCol="0" anchor="ctr"/>
+          <a:lstStyle/>
+          <a:p>
+            <a:pPr algn="ctr"/>
+            <a:endParaRPr lang="en-US"/>
+          </a:p>
+        </p:txBody>
+      </p:sp>
+      <p:sp>
+        <p:nvSpPr>
+          <p:cNvPr id="11" name="Rectangle 10">
+            <a:extLst>
+              <a:ext uri="{FF2B5EF4-FFF2-40B4-BE49-F238E27FC236}">
+                <a16:creationId xmlns:a16="http://schemas.microsoft.com/office/drawing/2014/main" id="{50DB1027-E409-B577-87A8-6876A3687502}"/>
+              </a:ext>
+            </a:extLst>
+          </p:cNvPr>
+          <p:cNvSpPr/>
+          <p:nvPr/>
+        </p:nvSpPr>
+        <p:spPr>
+          <a:xfrm>
+            <a:off x="1097280" y="4712270"/>
+            <a:ext cx="3154680" cy="251460"/>
+          </a:xfrm>
+          <a:prstGeom prst="rect">
+            <a:avLst/>
+          </a:prstGeom>
+          <a:noFill/>
+          <a:ln w="47625"/>
+        </p:spPr>
+        <p:style>
+          <a:lnRef idx="2">
+            <a:schemeClr val="accent1">
+              <a:shade val="50000"/>
+            </a:schemeClr>
+          </a:lnRef>
+          <a:fillRef idx="1">
+            <a:schemeClr val="accent1"/>
+          </a:fillRef>
+          <a:effectRef idx="0">
+            <a:schemeClr val="accent1"/>
+          </a:effectRef>
+          <a:fontRef idx="minor">
+            <a:schemeClr val="lt1"/>
+          </a:fontRef>
+        </p:style>
+        <p:txBody>
+          <a:bodyPr rtlCol="0" anchor="ctr"/>
+          <a:lstStyle/>
+          <a:p>
+            <a:pPr algn="ctr"/>
+            <a:endParaRPr lang="en-US"/>
+          </a:p>
+        </p:txBody>
+      </p:sp>
+      <p:sp>
+        <p:nvSpPr>
+          <p:cNvPr id="12" name="Rectangle 11">
+            <a:extLst>
+              <a:ext uri="{FF2B5EF4-FFF2-40B4-BE49-F238E27FC236}">
+                <a16:creationId xmlns:a16="http://schemas.microsoft.com/office/drawing/2014/main" id="{DCC637EA-201F-64DD-A0B8-922C00B1311C}"/>
+              </a:ext>
+            </a:extLst>
+          </p:cNvPr>
+          <p:cNvSpPr/>
+          <p:nvPr/>
+        </p:nvSpPr>
+        <p:spPr>
+          <a:xfrm>
+            <a:off x="1097280" y="5610032"/>
+            <a:ext cx="3154680" cy="251460"/>
+          </a:xfrm>
+          <a:prstGeom prst="rect">
+            <a:avLst/>
+          </a:prstGeom>
+          <a:noFill/>
+          <a:ln w="47625"/>
+        </p:spPr>
+        <p:style>
+          <a:lnRef idx="2">
+            <a:schemeClr val="accent1">
+              <a:shade val="50000"/>
+            </a:schemeClr>
+          </a:lnRef>
+          <a:fillRef idx="1">
+            <a:schemeClr val="accent1"/>
+          </a:fillRef>
+          <a:effectRef idx="0">
+            <a:schemeClr val="accent1"/>
+          </a:effectRef>
+          <a:fontRef idx="minor">
+            <a:schemeClr val="lt1"/>
+          </a:fontRef>
+        </p:style>
+        <p:txBody>
+          <a:bodyPr rtlCol="0" anchor="ctr"/>
+          <a:lstStyle/>
+          <a:p>
+            <a:pPr algn="ctr"/>
+            <a:endParaRPr lang="en-US"/>
+          </a:p>
+        </p:txBody>
+      </p:sp>
+      <p:sp>
+        <p:nvSpPr>
+          <p:cNvPr id="13" name="Rectangle 12">
+            <a:extLst>
+              <a:ext uri="{FF2B5EF4-FFF2-40B4-BE49-F238E27FC236}">
+                <a16:creationId xmlns:a16="http://schemas.microsoft.com/office/drawing/2014/main" id="{3C4D60FD-A0E5-C6B8-B3B9-D7343A254B76}"/>
+              </a:ext>
+            </a:extLst>
+          </p:cNvPr>
+          <p:cNvSpPr/>
+          <p:nvPr/>
+        </p:nvSpPr>
+        <p:spPr>
+          <a:xfrm>
+            <a:off x="1097280" y="5146243"/>
+            <a:ext cx="3154680" cy="251460"/>
+          </a:xfrm>
+          <a:prstGeom prst="rect">
+            <a:avLst/>
+          </a:prstGeom>
+          <a:noFill/>
+          <a:ln w="47625"/>
+        </p:spPr>
+        <p:style>
+          <a:lnRef idx="2">
+            <a:schemeClr val="accent1">
+              <a:shade val="50000"/>
+            </a:schemeClr>
+          </a:lnRef>
+          <a:fillRef idx="1">
+            <a:schemeClr val="accent1"/>
+          </a:fillRef>
+          <a:effectRef idx="0">
+            <a:schemeClr val="accent1"/>
+          </a:effectRef>
+          <a:fontRef idx="minor">
+            <a:schemeClr val="lt1"/>
+          </a:fontRef>
+        </p:style>
+        <p:txBody>
+          <a:bodyPr rtlCol="0" anchor="ctr"/>
+          <a:lstStyle/>
+          <a:p>
+            <a:pPr algn="ctr"/>
+            <a:endParaRPr lang="en-US"/>
+          </a:p>
+        </p:txBody>
+      </p:sp>
+      <p:pic>
+        <p:nvPicPr>
+          <p:cNvPr id="4" name="Picture 3">
+            <a:extLst>
+              <a:ext uri="{FF2B5EF4-FFF2-40B4-BE49-F238E27FC236}">
+                <a16:creationId xmlns:a16="http://schemas.microsoft.com/office/drawing/2014/main" id="{0221E773-0F9A-3667-3B6A-7E8B4F2A3E30}"/>
+              </a:ext>
+            </a:extLst>
+          </p:cNvPr>
+          <p:cNvPicPr>
+            <a:picLocks noChangeAspect="1"/>
+          </p:cNvPicPr>
+          <p:nvPr/>
+        </p:nvPicPr>
+        <p:blipFill>
+          <a:blip r:embed="rId4"/>
+          <a:stretch>
+            <a:fillRect/>
+          </a:stretch>
+        </p:blipFill>
+        <p:spPr>
+          <a:xfrm>
+            <a:off x="8639385" y="1690688"/>
+            <a:ext cx="1621650" cy="682800"/>
+          </a:xfrm>
+          <a:prstGeom prst="rect">
+            <a:avLst/>
+          </a:prstGeom>
+        </p:spPr>
+      </p:pic>
+    </p:spTree>
+    <p:extLst>
+      <p:ext uri="{BB962C8B-B14F-4D97-AF65-F5344CB8AC3E}">
+        <p14:creationId xmlns:p14="http://schemas.microsoft.com/office/powerpoint/2010/main" val="3746285563"/>
+      </p:ext>
+    </p:extLst>
+  </p:cSld>
+  <p:clrMapOvr>
+    <a:masterClrMapping/>
+  </p:clrMapOvr>
+</p:sld>
+</file>
+
+<file path=ppt/slides/slide29.xml><?xml version="1.0" encoding="utf-8"?>
+<p:sld xmlns:a="http://schemas.openxmlformats.org/drawingml/2006/main" xmlns:r="http://schemas.openxmlformats.org/officeDocument/2006/relationships" xmlns:p="http://schemas.openxmlformats.org/presentationml/2006/main">
+  <p:cSld>
+    <p:spTree>
+      <p:nvGrpSpPr>
+        <p:cNvPr id="1" name=""/>
+        <p:cNvGrpSpPr/>
+        <p:nvPr/>
+      </p:nvGrpSpPr>
+      <p:grpSpPr>
+        <a:xfrm>
+          <a:off x="0" y="0"/>
+          <a:ext cx="0" cy="0"/>
+          <a:chOff x="0" y="0"/>
+          <a:chExt cx="0" cy="0"/>
+        </a:xfrm>
+      </p:grpSpPr>
+      <p:sp>
+        <p:nvSpPr>
+          <p:cNvPr id="2" name="Title 1">
+            <a:extLst>
+              <a:ext uri="{FF2B5EF4-FFF2-40B4-BE49-F238E27FC236}">
+                <a16:creationId xmlns:a16="http://schemas.microsoft.com/office/drawing/2014/main" id="{3B0F581C-1A26-B138-2F1B-17DB0DABB7AB}"/>
+              </a:ext>
+            </a:extLst>
+          </p:cNvPr>
+          <p:cNvSpPr>
+            <a:spLocks noGrp="1"/>
+          </p:cNvSpPr>
+          <p:nvPr>
+            <p:ph type="title"/>
+          </p:nvPr>
+        </p:nvSpPr>
+        <p:spPr/>
+        <p:txBody>
+          <a:bodyPr/>
+          <a:lstStyle/>
+          <a:p>
+            <a:r>
+              <a:rPr lang="en-US" dirty="0"/>
+              <a:t>Performance-tuning a UDTT (steps)</a:t>
+            </a:r>
+          </a:p>
+        </p:txBody>
+      </p:sp>
+      <p:sp>
+        <p:nvSpPr>
+          <p:cNvPr id="5" name="TextBox 4">
+            <a:extLst>
+              <a:ext uri="{FF2B5EF4-FFF2-40B4-BE49-F238E27FC236}">
+                <a16:creationId xmlns:a16="http://schemas.microsoft.com/office/drawing/2014/main" id="{560104CE-AA4C-15AA-A925-91D0F4E32BEF}"/>
+              </a:ext>
+            </a:extLst>
+          </p:cNvPr>
+          <p:cNvSpPr txBox="1"/>
+          <p:nvPr/>
+        </p:nvSpPr>
+        <p:spPr>
+          <a:xfrm>
+            <a:off x="1253836" y="1815378"/>
+            <a:ext cx="9684328" cy="2862322"/>
+          </a:xfrm>
+          <a:prstGeom prst="rect">
+            <a:avLst/>
+          </a:prstGeom>
+          <a:noFill/>
+        </p:spPr>
+        <p:txBody>
+          <a:bodyPr wrap="square">
+            <a:spAutoFit/>
+          </a:bodyPr>
+          <a:lstStyle/>
+          <a:p>
+            <a:r>
+              <a:rPr lang="en-US" sz="1800" dirty="0">
+                <a:solidFill>
+                  <a:srgbClr val="0000FF"/>
+                </a:solidFill>
+                <a:latin typeface="Consolas" panose="020B0609020204030204" pitchFamily="49" charset="0"/>
+              </a:rPr>
+              <a:t>declare</a:t>
+            </a:r>
+            <a:r>
+              <a:rPr lang="en-US" sz="1800" dirty="0">
+                <a:solidFill>
+                  <a:srgbClr val="000000"/>
+                </a:solidFill>
+                <a:latin typeface="Consolas" panose="020B0609020204030204" pitchFamily="49" charset="0"/>
+              </a:rPr>
+              <a:t> @p2 </a:t>
+            </a:r>
+            <a:r>
+              <a:rPr lang="en-US" sz="1800" dirty="0" err="1">
+                <a:solidFill>
+                  <a:srgbClr val="000000"/>
+                </a:solidFill>
+                <a:latin typeface="Consolas" panose="020B0609020204030204" pitchFamily="49" charset="0"/>
+              </a:rPr>
+              <a:t>dbo</a:t>
+            </a:r>
+            <a:r>
+              <a:rPr lang="en-US" sz="1800" dirty="0" err="1">
+                <a:solidFill>
+                  <a:srgbClr val="808080"/>
+                </a:solidFill>
+                <a:latin typeface="Consolas" panose="020B0609020204030204" pitchFamily="49" charset="0"/>
+              </a:rPr>
+              <a:t>.</a:t>
+            </a:r>
+            <a:r>
+              <a:rPr lang="en-US" sz="1800" dirty="0" err="1">
+                <a:solidFill>
+                  <a:srgbClr val="000000"/>
+                </a:solidFill>
+                <a:latin typeface="Consolas" panose="020B0609020204030204" pitchFamily="49" charset="0"/>
+              </a:rPr>
+              <a:t>Type_Measurements</a:t>
+            </a:r>
+            <a:endParaRPr lang="en-US" sz="1800" dirty="0">
+              <a:solidFill>
+                <a:srgbClr val="000000"/>
+              </a:solidFill>
+              <a:latin typeface="Consolas" panose="020B0609020204030204" pitchFamily="49" charset="0"/>
+            </a:endParaRPr>
+          </a:p>
+          <a:p>
+            <a:r>
+              <a:rPr lang="en-US" sz="1800" dirty="0">
+                <a:solidFill>
+                  <a:srgbClr val="0000FF"/>
+                </a:solidFill>
+                <a:latin typeface="Consolas" panose="020B0609020204030204" pitchFamily="49" charset="0"/>
+              </a:rPr>
+              <a:t>insert</a:t>
+            </a:r>
+            <a:r>
+              <a:rPr lang="en-US" sz="1800" dirty="0">
+                <a:solidFill>
+                  <a:srgbClr val="000000"/>
+                </a:solidFill>
+                <a:latin typeface="Consolas" panose="020B0609020204030204" pitchFamily="49" charset="0"/>
+              </a:rPr>
+              <a:t> </a:t>
+            </a:r>
+            <a:r>
+              <a:rPr lang="en-US" sz="1800" dirty="0">
+                <a:solidFill>
+                  <a:srgbClr val="0000FF"/>
+                </a:solidFill>
+                <a:latin typeface="Consolas" panose="020B0609020204030204" pitchFamily="49" charset="0"/>
+              </a:rPr>
+              <a:t>into</a:t>
+            </a:r>
+            <a:r>
+              <a:rPr lang="en-US" sz="1800" dirty="0">
+                <a:solidFill>
+                  <a:srgbClr val="000000"/>
+                </a:solidFill>
+                <a:latin typeface="Consolas" panose="020B0609020204030204" pitchFamily="49" charset="0"/>
+              </a:rPr>
+              <a:t> @p2 </a:t>
+            </a:r>
+            <a:r>
+              <a:rPr lang="en-US" sz="1800" dirty="0">
+                <a:solidFill>
+                  <a:srgbClr val="0000FF"/>
+                </a:solidFill>
+                <a:latin typeface="Consolas" panose="020B0609020204030204" pitchFamily="49" charset="0"/>
+              </a:rPr>
+              <a:t>values</a:t>
+            </a:r>
+            <a:r>
+              <a:rPr lang="en-US" sz="1800" dirty="0">
+                <a:solidFill>
+                  <a:srgbClr val="808080"/>
+                </a:solidFill>
+                <a:latin typeface="Consolas" panose="020B0609020204030204" pitchFamily="49" charset="0"/>
+              </a:rPr>
+              <a:t>(</a:t>
+            </a:r>
+            <a:r>
+              <a:rPr lang="en-US" sz="1800" dirty="0">
+                <a:solidFill>
+                  <a:srgbClr val="FF0000"/>
+                </a:solidFill>
+                <a:latin typeface="Consolas" panose="020B0609020204030204" pitchFamily="49" charset="0"/>
+              </a:rPr>
+              <a:t>N'K'</a:t>
+            </a:r>
+            <a:r>
+              <a:rPr lang="en-US" sz="1800" dirty="0">
+                <a:solidFill>
+                  <a:srgbClr val="808080"/>
+                </a:solidFill>
+                <a:latin typeface="Consolas" panose="020B0609020204030204" pitchFamily="49" charset="0"/>
+              </a:rPr>
+              <a:t>,</a:t>
+            </a:r>
+            <a:r>
+              <a:rPr lang="en-US" sz="1800" dirty="0">
+                <a:solidFill>
+                  <a:srgbClr val="000000"/>
+                </a:solidFill>
+                <a:latin typeface="Consolas" panose="020B0609020204030204" pitchFamily="49" charset="0"/>
+              </a:rPr>
+              <a:t>11</a:t>
+            </a:r>
+            <a:r>
+              <a:rPr lang="en-US" sz="1800" dirty="0">
+                <a:solidFill>
+                  <a:srgbClr val="808080"/>
+                </a:solidFill>
+                <a:latin typeface="Consolas" panose="020B0609020204030204" pitchFamily="49" charset="0"/>
+              </a:rPr>
+              <a:t>)</a:t>
+            </a:r>
+            <a:endParaRPr lang="en-US" sz="1800" dirty="0">
+              <a:solidFill>
+                <a:srgbClr val="000000"/>
+              </a:solidFill>
+              <a:latin typeface="Consolas" panose="020B0609020204030204" pitchFamily="49" charset="0"/>
+            </a:endParaRPr>
+          </a:p>
+          <a:p>
+            <a:r>
+              <a:rPr lang="en-US" sz="1800" dirty="0">
+                <a:solidFill>
+                  <a:srgbClr val="0000FF"/>
+                </a:solidFill>
+                <a:latin typeface="Consolas" panose="020B0609020204030204" pitchFamily="49" charset="0"/>
+              </a:rPr>
+              <a:t>insert</a:t>
+            </a:r>
+            <a:r>
+              <a:rPr lang="en-US" sz="1800" dirty="0">
+                <a:solidFill>
+                  <a:srgbClr val="000000"/>
+                </a:solidFill>
+                <a:latin typeface="Consolas" panose="020B0609020204030204" pitchFamily="49" charset="0"/>
+              </a:rPr>
+              <a:t> </a:t>
+            </a:r>
+            <a:r>
+              <a:rPr lang="en-US" sz="1800" dirty="0">
+                <a:solidFill>
+                  <a:srgbClr val="0000FF"/>
+                </a:solidFill>
+                <a:latin typeface="Consolas" panose="020B0609020204030204" pitchFamily="49" charset="0"/>
+              </a:rPr>
+              <a:t>into</a:t>
+            </a:r>
+            <a:r>
+              <a:rPr lang="en-US" sz="1800" dirty="0">
+                <a:solidFill>
+                  <a:srgbClr val="000000"/>
+                </a:solidFill>
+                <a:latin typeface="Consolas" panose="020B0609020204030204" pitchFamily="49" charset="0"/>
+              </a:rPr>
+              <a:t> @p2 </a:t>
+            </a:r>
+            <a:r>
+              <a:rPr lang="en-US" sz="1800" dirty="0">
+                <a:solidFill>
+                  <a:srgbClr val="0000FF"/>
+                </a:solidFill>
+                <a:latin typeface="Consolas" panose="020B0609020204030204" pitchFamily="49" charset="0"/>
+              </a:rPr>
+              <a:t>values</a:t>
+            </a:r>
+            <a:r>
+              <a:rPr lang="en-US" sz="1800" dirty="0">
+                <a:solidFill>
+                  <a:srgbClr val="808080"/>
+                </a:solidFill>
+                <a:latin typeface="Consolas" panose="020B0609020204030204" pitchFamily="49" charset="0"/>
+              </a:rPr>
+              <a:t>(</a:t>
+            </a:r>
+            <a:r>
+              <a:rPr lang="en-US" sz="1800" dirty="0">
+                <a:solidFill>
+                  <a:srgbClr val="FF0000"/>
+                </a:solidFill>
+                <a:latin typeface="Consolas" panose="020B0609020204030204" pitchFamily="49" charset="0"/>
+              </a:rPr>
+              <a:t>N'L'</a:t>
+            </a:r>
+            <a:r>
+              <a:rPr lang="en-US" sz="1800" dirty="0">
+                <a:solidFill>
+                  <a:srgbClr val="808080"/>
+                </a:solidFill>
+                <a:latin typeface="Consolas" panose="020B0609020204030204" pitchFamily="49" charset="0"/>
+              </a:rPr>
+              <a:t>,</a:t>
+            </a:r>
+            <a:r>
+              <a:rPr lang="en-US" sz="1800" dirty="0">
+                <a:solidFill>
+                  <a:srgbClr val="000000"/>
+                </a:solidFill>
+                <a:latin typeface="Consolas" panose="020B0609020204030204" pitchFamily="49" charset="0"/>
+              </a:rPr>
+              <a:t>12</a:t>
+            </a:r>
+            <a:r>
+              <a:rPr lang="en-US" sz="1800" dirty="0">
+                <a:solidFill>
+                  <a:srgbClr val="808080"/>
+                </a:solidFill>
+                <a:latin typeface="Consolas" panose="020B0609020204030204" pitchFamily="49" charset="0"/>
+              </a:rPr>
+              <a:t>)</a:t>
+            </a:r>
+            <a:endParaRPr lang="en-US" sz="1800" dirty="0">
+              <a:solidFill>
+                <a:srgbClr val="000000"/>
+              </a:solidFill>
+              <a:latin typeface="Consolas" panose="020B0609020204030204" pitchFamily="49" charset="0"/>
+            </a:endParaRPr>
+          </a:p>
+          <a:p>
+            <a:r>
+              <a:rPr lang="en-US" sz="1800" dirty="0">
+                <a:solidFill>
+                  <a:srgbClr val="0000FF"/>
+                </a:solidFill>
+                <a:latin typeface="Consolas" panose="020B0609020204030204" pitchFamily="49" charset="0"/>
+              </a:rPr>
+              <a:t>insert</a:t>
+            </a:r>
+            <a:r>
+              <a:rPr lang="en-US" sz="1800" dirty="0">
+                <a:solidFill>
+                  <a:srgbClr val="000000"/>
+                </a:solidFill>
+                <a:latin typeface="Consolas" panose="020B0609020204030204" pitchFamily="49" charset="0"/>
+              </a:rPr>
+              <a:t> </a:t>
+            </a:r>
+            <a:r>
+              <a:rPr lang="en-US" sz="1800" dirty="0">
+                <a:solidFill>
+                  <a:srgbClr val="0000FF"/>
+                </a:solidFill>
+                <a:latin typeface="Consolas" panose="020B0609020204030204" pitchFamily="49" charset="0"/>
+              </a:rPr>
+              <a:t>into</a:t>
+            </a:r>
+            <a:r>
+              <a:rPr lang="en-US" sz="1800" dirty="0">
+                <a:solidFill>
+                  <a:srgbClr val="000000"/>
+                </a:solidFill>
+                <a:latin typeface="Consolas" panose="020B0609020204030204" pitchFamily="49" charset="0"/>
+              </a:rPr>
+              <a:t> @p2 </a:t>
+            </a:r>
+            <a:r>
+              <a:rPr lang="en-US" sz="1800" dirty="0">
+                <a:solidFill>
+                  <a:srgbClr val="0000FF"/>
+                </a:solidFill>
+                <a:latin typeface="Consolas" panose="020B0609020204030204" pitchFamily="49" charset="0"/>
+              </a:rPr>
+              <a:t>values</a:t>
+            </a:r>
+            <a:r>
+              <a:rPr lang="en-US" sz="1800" dirty="0">
+                <a:solidFill>
+                  <a:srgbClr val="808080"/>
+                </a:solidFill>
+                <a:latin typeface="Consolas" panose="020B0609020204030204" pitchFamily="49" charset="0"/>
+              </a:rPr>
+              <a:t>(</a:t>
+            </a:r>
+            <a:r>
+              <a:rPr lang="en-US" sz="1800" dirty="0">
+                <a:solidFill>
+                  <a:srgbClr val="FF0000"/>
+                </a:solidFill>
+                <a:latin typeface="Consolas" panose="020B0609020204030204" pitchFamily="49" charset="0"/>
+              </a:rPr>
+              <a:t>N'M'</a:t>
+            </a:r>
+            <a:r>
+              <a:rPr lang="en-US" sz="1800" dirty="0">
+                <a:solidFill>
+                  <a:srgbClr val="808080"/>
+                </a:solidFill>
+                <a:latin typeface="Consolas" panose="020B0609020204030204" pitchFamily="49" charset="0"/>
+              </a:rPr>
+              <a:t>,</a:t>
+            </a:r>
+            <a:r>
+              <a:rPr lang="en-US" sz="1800" dirty="0">
+                <a:solidFill>
+                  <a:srgbClr val="000000"/>
+                </a:solidFill>
+                <a:latin typeface="Consolas" panose="020B0609020204030204" pitchFamily="49" charset="0"/>
+              </a:rPr>
+              <a:t>13</a:t>
+            </a:r>
+            <a:r>
+              <a:rPr lang="en-US" sz="1800" dirty="0">
+                <a:solidFill>
+                  <a:srgbClr val="808080"/>
+                </a:solidFill>
+                <a:latin typeface="Consolas" panose="020B0609020204030204" pitchFamily="49" charset="0"/>
+              </a:rPr>
+              <a:t>)</a:t>
+            </a:r>
+            <a:endParaRPr lang="en-US" sz="1800" dirty="0">
+              <a:solidFill>
+                <a:srgbClr val="000000"/>
+              </a:solidFill>
+              <a:latin typeface="Consolas" panose="020B0609020204030204" pitchFamily="49" charset="0"/>
+            </a:endParaRPr>
+          </a:p>
+          <a:p>
+            <a:r>
+              <a:rPr lang="en-US" sz="1800" dirty="0">
+                <a:solidFill>
+                  <a:srgbClr val="0000FF"/>
+                </a:solidFill>
+                <a:latin typeface="Consolas" panose="020B0609020204030204" pitchFamily="49" charset="0"/>
+              </a:rPr>
+              <a:t>insert</a:t>
+            </a:r>
+            <a:r>
+              <a:rPr lang="en-US" sz="1800" dirty="0">
+                <a:solidFill>
+                  <a:srgbClr val="000000"/>
+                </a:solidFill>
+                <a:latin typeface="Consolas" panose="020B0609020204030204" pitchFamily="49" charset="0"/>
+              </a:rPr>
+              <a:t> </a:t>
+            </a:r>
+            <a:r>
+              <a:rPr lang="en-US" sz="1800" dirty="0">
+                <a:solidFill>
+                  <a:srgbClr val="0000FF"/>
+                </a:solidFill>
+                <a:latin typeface="Consolas" panose="020B0609020204030204" pitchFamily="49" charset="0"/>
+              </a:rPr>
+              <a:t>into</a:t>
+            </a:r>
+            <a:r>
+              <a:rPr lang="en-US" sz="1800" dirty="0">
+                <a:solidFill>
+                  <a:srgbClr val="000000"/>
+                </a:solidFill>
+                <a:latin typeface="Consolas" panose="020B0609020204030204" pitchFamily="49" charset="0"/>
+              </a:rPr>
+              <a:t> @p2 </a:t>
+            </a:r>
+            <a:r>
+              <a:rPr lang="en-US" sz="1800" dirty="0">
+                <a:solidFill>
+                  <a:srgbClr val="0000FF"/>
+                </a:solidFill>
+                <a:latin typeface="Consolas" panose="020B0609020204030204" pitchFamily="49" charset="0"/>
+              </a:rPr>
+              <a:t>values</a:t>
+            </a:r>
+            <a:r>
+              <a:rPr lang="en-US" sz="1800" dirty="0">
+                <a:solidFill>
+                  <a:srgbClr val="808080"/>
+                </a:solidFill>
+                <a:latin typeface="Consolas" panose="020B0609020204030204" pitchFamily="49" charset="0"/>
+              </a:rPr>
+              <a:t>(</a:t>
+            </a:r>
+            <a:r>
+              <a:rPr lang="en-US" sz="1800" dirty="0">
+                <a:solidFill>
+                  <a:srgbClr val="FF0000"/>
+                </a:solidFill>
+                <a:latin typeface="Consolas" panose="020B0609020204030204" pitchFamily="49" charset="0"/>
+              </a:rPr>
+              <a:t>N'N'</a:t>
+            </a:r>
+            <a:r>
+              <a:rPr lang="en-US" sz="1800" dirty="0">
+                <a:solidFill>
+                  <a:srgbClr val="808080"/>
+                </a:solidFill>
+                <a:latin typeface="Consolas" panose="020B0609020204030204" pitchFamily="49" charset="0"/>
+              </a:rPr>
+              <a:t>,</a:t>
+            </a:r>
+            <a:r>
+              <a:rPr lang="en-US" sz="1800" dirty="0">
+                <a:solidFill>
+                  <a:srgbClr val="000000"/>
+                </a:solidFill>
+                <a:latin typeface="Consolas" panose="020B0609020204030204" pitchFamily="49" charset="0"/>
+              </a:rPr>
+              <a:t>14</a:t>
+            </a:r>
+            <a:r>
+              <a:rPr lang="en-US" sz="1800" dirty="0">
+                <a:solidFill>
+                  <a:srgbClr val="808080"/>
+                </a:solidFill>
+                <a:latin typeface="Consolas" panose="020B0609020204030204" pitchFamily="49" charset="0"/>
+              </a:rPr>
+              <a:t>)</a:t>
+            </a:r>
+            <a:endParaRPr lang="en-US" sz="1800" dirty="0">
+              <a:solidFill>
+                <a:srgbClr val="000000"/>
+              </a:solidFill>
+              <a:latin typeface="Consolas" panose="020B0609020204030204" pitchFamily="49" charset="0"/>
+            </a:endParaRPr>
+          </a:p>
+          <a:p>
+            <a:r>
+              <a:rPr lang="en-US" sz="1800" dirty="0">
+                <a:solidFill>
+                  <a:srgbClr val="0000FF"/>
+                </a:solidFill>
+                <a:latin typeface="Consolas" panose="020B0609020204030204" pitchFamily="49" charset="0"/>
+              </a:rPr>
+              <a:t>insert</a:t>
+            </a:r>
+            <a:r>
+              <a:rPr lang="en-US" sz="1800" dirty="0">
+                <a:solidFill>
+                  <a:srgbClr val="000000"/>
+                </a:solidFill>
+                <a:latin typeface="Consolas" panose="020B0609020204030204" pitchFamily="49" charset="0"/>
+              </a:rPr>
+              <a:t> </a:t>
+            </a:r>
+            <a:r>
+              <a:rPr lang="en-US" sz="1800" dirty="0">
+                <a:solidFill>
+                  <a:srgbClr val="0000FF"/>
+                </a:solidFill>
+                <a:latin typeface="Consolas" panose="020B0609020204030204" pitchFamily="49" charset="0"/>
+              </a:rPr>
+              <a:t>into</a:t>
+            </a:r>
+            <a:r>
+              <a:rPr lang="en-US" sz="1800" dirty="0">
+                <a:solidFill>
+                  <a:srgbClr val="000000"/>
+                </a:solidFill>
+                <a:latin typeface="Consolas" panose="020B0609020204030204" pitchFamily="49" charset="0"/>
+              </a:rPr>
+              <a:t> @p2 </a:t>
+            </a:r>
+            <a:r>
+              <a:rPr lang="en-US" sz="1800" dirty="0">
+                <a:solidFill>
+                  <a:srgbClr val="0000FF"/>
+                </a:solidFill>
+                <a:latin typeface="Consolas" panose="020B0609020204030204" pitchFamily="49" charset="0"/>
+              </a:rPr>
+              <a:t>values</a:t>
+            </a:r>
+            <a:r>
+              <a:rPr lang="en-US" sz="1800" dirty="0">
+                <a:solidFill>
+                  <a:srgbClr val="808080"/>
+                </a:solidFill>
+                <a:latin typeface="Consolas" panose="020B0609020204030204" pitchFamily="49" charset="0"/>
+              </a:rPr>
+              <a:t>(</a:t>
+            </a:r>
+            <a:r>
+              <a:rPr lang="en-US" sz="1800" dirty="0">
+                <a:solidFill>
+                  <a:srgbClr val="FF0000"/>
+                </a:solidFill>
+                <a:latin typeface="Consolas" panose="020B0609020204030204" pitchFamily="49" charset="0"/>
+              </a:rPr>
+              <a:t>N'O'</a:t>
+            </a:r>
+            <a:r>
+              <a:rPr lang="en-US" sz="1800" dirty="0">
+                <a:solidFill>
+                  <a:srgbClr val="808080"/>
+                </a:solidFill>
+                <a:latin typeface="Consolas" panose="020B0609020204030204" pitchFamily="49" charset="0"/>
+              </a:rPr>
+              <a:t>,</a:t>
+            </a:r>
+            <a:r>
+              <a:rPr lang="en-US" sz="1800" dirty="0">
+                <a:solidFill>
+                  <a:srgbClr val="000000"/>
+                </a:solidFill>
+                <a:latin typeface="Consolas" panose="020B0609020204030204" pitchFamily="49" charset="0"/>
+              </a:rPr>
+              <a:t>15</a:t>
+            </a:r>
+            <a:r>
+              <a:rPr lang="en-US" sz="1800" dirty="0">
+                <a:solidFill>
+                  <a:srgbClr val="808080"/>
+                </a:solidFill>
+                <a:latin typeface="Consolas" panose="020B0609020204030204" pitchFamily="49" charset="0"/>
+              </a:rPr>
+              <a:t>)</a:t>
+            </a:r>
+            <a:endParaRPr lang="en-US" sz="1800" dirty="0">
+              <a:solidFill>
+                <a:srgbClr val="000000"/>
+              </a:solidFill>
+              <a:latin typeface="Consolas" panose="020B0609020204030204" pitchFamily="49" charset="0"/>
+            </a:endParaRPr>
+          </a:p>
+          <a:p>
+            <a:endParaRPr lang="en-US" sz="1800" dirty="0">
+              <a:solidFill>
+                <a:srgbClr val="000000"/>
+              </a:solidFill>
+              <a:latin typeface="Consolas" panose="020B0609020204030204" pitchFamily="49" charset="0"/>
+            </a:endParaRPr>
+          </a:p>
+          <a:p>
+            <a:r>
+              <a:rPr lang="en-US" sz="1800" dirty="0">
+                <a:solidFill>
+                  <a:srgbClr val="0000FF"/>
+                </a:solidFill>
+                <a:latin typeface="Consolas" panose="020B0609020204030204" pitchFamily="49" charset="0"/>
+              </a:rPr>
+              <a:t>exec</a:t>
+            </a:r>
+            <a:r>
+              <a:rPr lang="en-US" sz="1800" dirty="0">
+                <a:solidFill>
+                  <a:srgbClr val="000000"/>
+                </a:solidFill>
+                <a:latin typeface="Consolas" panose="020B0609020204030204" pitchFamily="49" charset="0"/>
+              </a:rPr>
+              <a:t> [</a:t>
+            </a:r>
+            <a:r>
+              <a:rPr lang="en-US" sz="1800" dirty="0" err="1">
+                <a:solidFill>
+                  <a:srgbClr val="000000"/>
+                </a:solidFill>
+                <a:latin typeface="Consolas" panose="020B0609020204030204" pitchFamily="49" charset="0"/>
+              </a:rPr>
+              <a:t>dbo</a:t>
+            </a:r>
+            <a:r>
+              <a:rPr lang="en-US" sz="1800" dirty="0">
+                <a:solidFill>
+                  <a:srgbClr val="000000"/>
+                </a:solidFill>
+                <a:latin typeface="Consolas" panose="020B0609020204030204" pitchFamily="49" charset="0"/>
+              </a:rPr>
+              <a:t>]</a:t>
+            </a:r>
+            <a:r>
+              <a:rPr lang="en-US" sz="1800" dirty="0">
+                <a:solidFill>
+                  <a:srgbClr val="808080"/>
+                </a:solidFill>
+                <a:latin typeface="Consolas" panose="020B0609020204030204" pitchFamily="49" charset="0"/>
+              </a:rPr>
+              <a:t>.</a:t>
+            </a:r>
+            <a:r>
+              <a:rPr lang="en-US" sz="1800" dirty="0">
+                <a:solidFill>
+                  <a:srgbClr val="000000"/>
+                </a:solidFill>
+                <a:latin typeface="Consolas" panose="020B0609020204030204" pitchFamily="49" charset="0"/>
+              </a:rPr>
+              <a:t>[</a:t>
+            </a:r>
+            <a:r>
+              <a:rPr lang="en-US" sz="1800" dirty="0" err="1">
+                <a:solidFill>
+                  <a:srgbClr val="000000"/>
+                </a:solidFill>
+                <a:latin typeface="Consolas" panose="020B0609020204030204" pitchFamily="49" charset="0"/>
+              </a:rPr>
+              <a:t>usp_Measurements_Upsert</a:t>
+            </a:r>
+            <a:r>
+              <a:rPr lang="en-US" sz="1800" dirty="0">
+                <a:solidFill>
+                  <a:srgbClr val="000000"/>
+                </a:solidFill>
+                <a:latin typeface="Consolas" panose="020B0609020204030204" pitchFamily="49" charset="0"/>
+              </a:rPr>
+              <a:t>]</a:t>
+            </a:r>
+            <a:r>
+              <a:rPr lang="en-US" sz="1800" dirty="0">
+                <a:solidFill>
+                  <a:srgbClr val="0000FF"/>
+                </a:solidFill>
+                <a:latin typeface="Consolas" panose="020B0609020204030204" pitchFamily="49" charset="0"/>
+              </a:rPr>
+              <a:t> </a:t>
+            </a:r>
+            <a:r>
+              <a:rPr lang="en-US" sz="1800" dirty="0">
+                <a:solidFill>
+                  <a:srgbClr val="000000"/>
+                </a:solidFill>
+                <a:latin typeface="Consolas" panose="020B0609020204030204" pitchFamily="49" charset="0"/>
+              </a:rPr>
+              <a:t>@LocationCode</a:t>
+            </a:r>
+            <a:r>
+              <a:rPr lang="en-US" sz="1800" dirty="0">
+                <a:solidFill>
+                  <a:srgbClr val="808080"/>
+                </a:solidFill>
+                <a:latin typeface="Consolas" panose="020B0609020204030204" pitchFamily="49" charset="0"/>
+              </a:rPr>
+              <a:t>=</a:t>
+            </a:r>
+            <a:r>
+              <a:rPr lang="en-US" sz="1800" dirty="0">
+                <a:solidFill>
+                  <a:srgbClr val="000000"/>
+                </a:solidFill>
+                <a:latin typeface="Consolas" panose="020B0609020204030204" pitchFamily="49" charset="0"/>
+              </a:rPr>
+              <a:t>2</a:t>
+            </a:r>
+            <a:r>
+              <a:rPr lang="en-US" sz="1800" dirty="0">
+                <a:solidFill>
+                  <a:srgbClr val="808080"/>
+                </a:solidFill>
+                <a:latin typeface="Consolas" panose="020B0609020204030204" pitchFamily="49" charset="0"/>
+              </a:rPr>
+              <a:t>,</a:t>
+            </a:r>
+            <a:r>
+              <a:rPr lang="en-US" sz="1800" dirty="0">
+                <a:solidFill>
+                  <a:srgbClr val="000000"/>
+                </a:solidFill>
+                <a:latin typeface="Consolas" panose="020B0609020204030204" pitchFamily="49" charset="0"/>
+              </a:rPr>
+              <a:t>@dt_Measurements</a:t>
+            </a:r>
+            <a:r>
+              <a:rPr lang="en-US" sz="1800" dirty="0">
+                <a:solidFill>
+                  <a:srgbClr val="808080"/>
+                </a:solidFill>
+                <a:latin typeface="Consolas" panose="020B0609020204030204" pitchFamily="49" charset="0"/>
+              </a:rPr>
+              <a:t>=</a:t>
+            </a:r>
+            <a:r>
+              <a:rPr lang="en-US" sz="1800" dirty="0">
+                <a:solidFill>
+                  <a:srgbClr val="000000"/>
+                </a:solidFill>
+                <a:latin typeface="Consolas" panose="020B0609020204030204" pitchFamily="49" charset="0"/>
+              </a:rPr>
+              <a:t>@p2</a:t>
+            </a:r>
+            <a:endParaRPr lang="en-US" dirty="0">
+              <a:solidFill>
+                <a:srgbClr val="000000"/>
+              </a:solidFill>
+              <a:latin typeface="Consolas" panose="020B0609020204030204" pitchFamily="49" charset="0"/>
+            </a:endParaRPr>
+          </a:p>
+          <a:p>
+            <a:endParaRPr lang="en-US" dirty="0">
+              <a:solidFill>
+                <a:srgbClr val="000000"/>
+              </a:solidFill>
+              <a:latin typeface="Consolas" panose="020B0609020204030204" pitchFamily="49" charset="0"/>
+            </a:endParaRPr>
+          </a:p>
+          <a:p>
+            <a:endParaRPr lang="en-US" dirty="0"/>
+          </a:p>
+        </p:txBody>
+      </p:sp>
+    </p:spTree>
+    <p:extLst>
+      <p:ext uri="{BB962C8B-B14F-4D97-AF65-F5344CB8AC3E}">
+        <p14:creationId xmlns:p14="http://schemas.microsoft.com/office/powerpoint/2010/main" val="310995724"/>
+      </p:ext>
+    </p:extLst>
+  </p:cSld>
+  <p:clrMapOvr>
+    <a:masterClrMapping/>
+  </p:clrMapOvr>
+</p:sld>
+</file>
+
+<file path=ppt/slides/slide3.xml><?xml version="1.0" encoding="utf-8"?>
 <p:sld xmlns:a="http://schemas.openxmlformats.org/drawingml/2006/main" xmlns:r="http://schemas.openxmlformats.org/officeDocument/2006/relationships" xmlns:p="http://schemas.openxmlformats.org/presentationml/2006/main">
   <p:cSld>
     <p:spTree>
@@ -16011,7 +18755,7 @@
 </p:sld>
 </file>
 
-<file path=ppt/slides/slide20.xml><?xml version="1.0" encoding="utf-8"?>
+<file path=ppt/slides/slide30.xml><?xml version="1.0" encoding="utf-8"?>
 <p:sld xmlns:a="http://schemas.openxmlformats.org/drawingml/2006/main" xmlns:r="http://schemas.openxmlformats.org/officeDocument/2006/relationships" xmlns:p="http://schemas.openxmlformats.org/presentationml/2006/main">
   <p:cSld>
     <p:spTree>
@@ -16033,1985 +18777,6 @@
           <p:cNvPr id="2" name="Title 1">
             <a:extLst>
               <a:ext uri="{FF2B5EF4-FFF2-40B4-BE49-F238E27FC236}">
-                <a16:creationId xmlns:a16="http://schemas.microsoft.com/office/drawing/2014/main" id="{14A0B22D-6451-4E9C-AF3A-064233F22955}"/>
-              </a:ext>
-            </a:extLst>
-          </p:cNvPr>
-          <p:cNvSpPr>
-            <a:spLocks noGrp="1"/>
-          </p:cNvSpPr>
-          <p:nvPr>
-            <p:ph type="title"/>
-          </p:nvPr>
-        </p:nvSpPr>
-        <p:spPr/>
-        <p:txBody>
-          <a:bodyPr/>
-          <a:lstStyle/>
-          <a:p>
-            <a:r>
-              <a:rPr lang="en-US" dirty="0"/>
-              <a:t>Life with UDTTs</a:t>
-            </a:r>
-          </a:p>
-        </p:txBody>
-      </p:sp>
-      <p:sp>
-        <p:nvSpPr>
-          <p:cNvPr id="3" name="Content Placeholder 2">
-            <a:extLst>
-              <a:ext uri="{FF2B5EF4-FFF2-40B4-BE49-F238E27FC236}">
-                <a16:creationId xmlns:a16="http://schemas.microsoft.com/office/drawing/2014/main" id="{CEBDDE86-6846-6CBA-B865-0C2ACE1C9A94}"/>
-              </a:ext>
-            </a:extLst>
-          </p:cNvPr>
-          <p:cNvSpPr>
-            <a:spLocks noGrp="1"/>
-          </p:cNvSpPr>
-          <p:nvPr>
-            <p:ph idx="1"/>
-          </p:nvPr>
-        </p:nvSpPr>
-        <p:spPr>
-          <a:xfrm>
-            <a:off x="838200" y="1548535"/>
-            <a:ext cx="10515600" cy="4667250"/>
-          </a:xfrm>
-        </p:spPr>
-        <p:txBody>
-          <a:bodyPr>
-            <a:noAutofit/>
-          </a:bodyPr>
-          <a:lstStyle/>
-          <a:p>
-            <a:pPr marL="0" indent="0">
-              <a:buNone/>
-            </a:pPr>
-            <a:r>
-              <a:rPr lang="en-US" sz="2000" dirty="0" err="1">
-                <a:latin typeface="Cascadia Code" panose="020B0609020000020004" pitchFamily="49" charset="0"/>
-                <a:cs typeface="Cascadia Code" panose="020B0609020000020004" pitchFamily="49" charset="0"/>
-              </a:rPr>
-              <a:t>Data</a:t>
-            </a:r>
-            <a:r>
-              <a:rPr lang="en-US" sz="2000" dirty="0" err="1">
-                <a:solidFill>
-                  <a:schemeClr val="tx1"/>
-                </a:solidFill>
-                <a:latin typeface="Cascadia Code" panose="020B0609020000020004" pitchFamily="49" charset="0"/>
-                <a:cs typeface="Cascadia Code" panose="020B0609020000020004" pitchFamily="49" charset="0"/>
-              </a:rPr>
-              <a:t>.Load</a:t>
-            </a:r>
-            <a:r>
-              <a:rPr lang="en-US" sz="2000" dirty="0">
-                <a:solidFill>
-                  <a:schemeClr val="tx1"/>
-                </a:solidFill>
-                <a:latin typeface="Cascadia Code" panose="020B0609020000020004" pitchFamily="49" charset="0"/>
-                <a:cs typeface="Cascadia Code" panose="020B0609020000020004" pitchFamily="49" charset="0"/>
-              </a:rPr>
-              <a:t>()</a:t>
-            </a:r>
-          </a:p>
-          <a:p>
-            <a:pPr marL="0" indent="0">
-              <a:buNone/>
-            </a:pPr>
-            <a:r>
-              <a:rPr lang="en-US" sz="2000" dirty="0">
-                <a:latin typeface="Cascadia Code" panose="020B0609020000020004" pitchFamily="49" charset="0"/>
-                <a:cs typeface="Cascadia Code" panose="020B0609020000020004" pitchFamily="49" charset="0"/>
-              </a:rPr>
-              <a:t>   </a:t>
-            </a:r>
-            <a:r>
-              <a:rPr lang="en-US" sz="2000" dirty="0" err="1">
-                <a:latin typeface="Cascadia Code" panose="020B0609020000020004" pitchFamily="49" charset="0"/>
-                <a:cs typeface="Cascadia Code" panose="020B0609020000020004" pitchFamily="49" charset="0"/>
-              </a:rPr>
-              <a:t>DataTable</a:t>
-            </a:r>
-            <a:r>
-              <a:rPr lang="en-US" sz="2000" dirty="0">
-                <a:latin typeface="Cascadia Code" panose="020B0609020000020004" pitchFamily="49" charset="0"/>
-                <a:cs typeface="Cascadia Code" panose="020B0609020000020004" pitchFamily="49" charset="0"/>
-              </a:rPr>
-              <a:t> dt = </a:t>
-            </a:r>
-            <a:r>
-              <a:rPr lang="en-US" sz="2000" dirty="0" err="1">
-                <a:latin typeface="Cascadia Code" panose="020B0609020000020004" pitchFamily="49" charset="0"/>
-                <a:cs typeface="Cascadia Code" panose="020B0609020000020004" pitchFamily="49" charset="0"/>
-              </a:rPr>
-              <a:t>GatherTheData</a:t>
-            </a:r>
-            <a:r>
-              <a:rPr lang="en-US" sz="2000" dirty="0">
-                <a:latin typeface="Cascadia Code" panose="020B0609020000020004" pitchFamily="49" charset="0"/>
-                <a:cs typeface="Cascadia Code" panose="020B0609020000020004" pitchFamily="49" charset="0"/>
-              </a:rPr>
-              <a:t>()</a:t>
-            </a:r>
-          </a:p>
-          <a:p>
-            <a:pPr marL="0" indent="0">
-              <a:buNone/>
-            </a:pPr>
-            <a:endParaRPr lang="en-US" sz="2000" dirty="0">
-              <a:solidFill>
-                <a:schemeClr val="tx1"/>
-              </a:solidFill>
-              <a:latin typeface="Cascadia Code" panose="020B0609020000020004" pitchFamily="49" charset="0"/>
-              <a:cs typeface="Cascadia Code" panose="020B0609020000020004" pitchFamily="49" charset="0"/>
-            </a:endParaRPr>
-          </a:p>
-          <a:p>
-            <a:pPr marL="457200" lvl="1" indent="0">
-              <a:buNone/>
-            </a:pPr>
-            <a:r>
-              <a:rPr lang="en-US" sz="2000" dirty="0" err="1">
-                <a:solidFill>
-                  <a:schemeClr val="tx1"/>
-                </a:solidFill>
-                <a:latin typeface="Cascadia Code" panose="020B0609020000020004" pitchFamily="49" charset="0"/>
-                <a:cs typeface="Cascadia Code" panose="020B0609020000020004" pitchFamily="49" charset="0"/>
-              </a:rPr>
-              <a:t>SQL.TryConnect</a:t>
-            </a:r>
-            <a:r>
-              <a:rPr lang="en-US" sz="2000" dirty="0">
-                <a:solidFill>
-                  <a:schemeClr val="tx1"/>
-                </a:solidFill>
-                <a:latin typeface="Cascadia Code" panose="020B0609020000020004" pitchFamily="49" charset="0"/>
-                <a:cs typeface="Cascadia Code" panose="020B0609020000020004" pitchFamily="49" charset="0"/>
-              </a:rPr>
-              <a:t>()</a:t>
-            </a:r>
-          </a:p>
-          <a:p>
-            <a:pPr marL="457200" lvl="1" indent="0">
-              <a:buNone/>
-            </a:pPr>
-            <a:r>
-              <a:rPr lang="en-US" sz="2000" dirty="0" err="1">
-                <a:solidFill>
-                  <a:schemeClr val="tx1"/>
-                </a:solidFill>
-                <a:latin typeface="Cascadia Code" panose="020B0609020000020004" pitchFamily="49" charset="0"/>
-                <a:cs typeface="Cascadia Code" panose="020B0609020000020004" pitchFamily="49" charset="0"/>
-              </a:rPr>
-              <a:t>SQL.Cmd.TryExec</a:t>
-            </a:r>
-            <a:r>
-              <a:rPr lang="en-US" sz="2000" dirty="0">
-                <a:solidFill>
-                  <a:schemeClr val="tx1"/>
-                </a:solidFill>
-                <a:latin typeface="Cascadia Code" panose="020B0609020000020004" pitchFamily="49" charset="0"/>
-                <a:cs typeface="Cascadia Code" panose="020B0609020000020004" pitchFamily="49" charset="0"/>
-              </a:rPr>
-              <a:t>("EXEC </a:t>
-            </a:r>
-            <a:r>
-              <a:rPr lang="en-US" sz="2000" dirty="0" err="1">
-                <a:solidFill>
-                  <a:schemeClr val="tx1"/>
-                </a:solidFill>
-                <a:latin typeface="Cascadia Code" panose="020B0609020000020004" pitchFamily="49" charset="0"/>
-                <a:cs typeface="Cascadia Code" panose="020B0609020000020004" pitchFamily="49" charset="0"/>
-              </a:rPr>
-              <a:t>dbo.MergeTheData</a:t>
-            </a:r>
-            <a:r>
-              <a:rPr lang="en-US" sz="2000" dirty="0">
-                <a:solidFill>
-                  <a:schemeClr val="tx1"/>
-                </a:solidFill>
-                <a:latin typeface="Cascadia Code" panose="020B0609020000020004" pitchFamily="49" charset="0"/>
-                <a:cs typeface="Cascadia Code" panose="020B0609020000020004" pitchFamily="49" charset="0"/>
-              </a:rPr>
-              <a:t>(@p1={</a:t>
-            </a:r>
-            <a:r>
-              <a:rPr lang="en-US" sz="2000" dirty="0">
-                <a:latin typeface="Cascadia Code" panose="020B0609020000020004" pitchFamily="49" charset="0"/>
-                <a:cs typeface="Cascadia Code" panose="020B0609020000020004" pitchFamily="49" charset="0"/>
-              </a:rPr>
-              <a:t>dt</a:t>
-            </a:r>
-            <a:r>
-              <a:rPr lang="en-US" sz="2000" dirty="0">
-                <a:solidFill>
-                  <a:schemeClr val="tx1"/>
-                </a:solidFill>
-                <a:latin typeface="Cascadia Code" panose="020B0609020000020004" pitchFamily="49" charset="0"/>
-                <a:cs typeface="Cascadia Code" panose="020B0609020000020004" pitchFamily="49" charset="0"/>
-              </a:rPr>
-              <a:t>})")</a:t>
-            </a:r>
-          </a:p>
-          <a:p>
-            <a:pPr marL="457200" lvl="1" indent="0">
-              <a:buNone/>
-            </a:pPr>
-            <a:r>
-              <a:rPr lang="en-US" sz="2000" dirty="0" err="1">
-                <a:solidFill>
-                  <a:schemeClr val="tx1"/>
-                </a:solidFill>
-                <a:latin typeface="Cascadia Code" panose="020B0609020000020004" pitchFamily="49" charset="0"/>
-                <a:cs typeface="Cascadia Code" panose="020B0609020000020004" pitchFamily="49" charset="0"/>
-              </a:rPr>
-              <a:t>SQL.Close</a:t>
-            </a:r>
-            <a:r>
-              <a:rPr lang="en-US" sz="2000" dirty="0">
-                <a:solidFill>
-                  <a:schemeClr val="tx1"/>
-                </a:solidFill>
-                <a:latin typeface="Cascadia Code" panose="020B0609020000020004" pitchFamily="49" charset="0"/>
-                <a:cs typeface="Cascadia Code" panose="020B0609020000020004" pitchFamily="49" charset="0"/>
-              </a:rPr>
-              <a:t>()</a:t>
-            </a:r>
-          </a:p>
-        </p:txBody>
-      </p:sp>
-    </p:spTree>
-    <p:extLst>
-      <p:ext uri="{BB962C8B-B14F-4D97-AF65-F5344CB8AC3E}">
-        <p14:creationId xmlns:p14="http://schemas.microsoft.com/office/powerpoint/2010/main" val="197819697"/>
-      </p:ext>
-    </p:extLst>
-  </p:cSld>
-  <p:clrMapOvr>
-    <a:masterClrMapping/>
-  </p:clrMapOvr>
-</p:sld>
-</file>
-
-<file path=ppt/slides/slide21.xml><?xml version="1.0" encoding="utf-8"?>
-<p:sld xmlns:a="http://schemas.openxmlformats.org/drawingml/2006/main" xmlns:r="http://schemas.openxmlformats.org/officeDocument/2006/relationships" xmlns:p="http://schemas.openxmlformats.org/presentationml/2006/main">
-  <p:cSld>
-    <p:spTree>
-      <p:nvGrpSpPr>
-        <p:cNvPr id="1" name=""/>
-        <p:cNvGrpSpPr/>
-        <p:nvPr/>
-      </p:nvGrpSpPr>
-      <p:grpSpPr>
-        <a:xfrm>
-          <a:off x="0" y="0"/>
-          <a:ext cx="0" cy="0"/>
-          <a:chOff x="0" y="0"/>
-          <a:chExt cx="0" cy="0"/>
-        </a:xfrm>
-      </p:grpSpPr>
-      <p:sp>
-        <p:nvSpPr>
-          <p:cNvPr id="2" name="Title 1">
-            <a:extLst>
-              <a:ext uri="{FF2B5EF4-FFF2-40B4-BE49-F238E27FC236}">
-                <a16:creationId xmlns:a16="http://schemas.microsoft.com/office/drawing/2014/main" id="{EC6EE488-100C-537B-16EF-5DD434EFE24B}"/>
-              </a:ext>
-            </a:extLst>
-          </p:cNvPr>
-          <p:cNvSpPr>
-            <a:spLocks noGrp="1"/>
-          </p:cNvSpPr>
-          <p:nvPr>
-            <p:ph type="title"/>
-          </p:nvPr>
-        </p:nvSpPr>
-        <p:spPr/>
-        <p:txBody>
-          <a:bodyPr/>
-          <a:lstStyle/>
-          <a:p>
-            <a:r>
-              <a:rPr lang="en-US" dirty="0"/>
-              <a:t>Your Python script</a:t>
-            </a:r>
-          </a:p>
-        </p:txBody>
-      </p:sp>
-      <p:pic>
-        <p:nvPicPr>
-          <p:cNvPr id="4" name="Picture 2" descr="Download Python 32 / 64-bit (Terbaru 2022)">
-            <a:extLst>
-              <a:ext uri="{FF2B5EF4-FFF2-40B4-BE49-F238E27FC236}">
-                <a16:creationId xmlns:a16="http://schemas.microsoft.com/office/drawing/2014/main" id="{43E4B979-C00F-BF24-6FCC-90107D77AAB5}"/>
-              </a:ext>
-            </a:extLst>
-          </p:cNvPr>
-          <p:cNvPicPr>
-            <a:picLocks noChangeAspect="1" noChangeArrowheads="1"/>
-          </p:cNvPicPr>
-          <p:nvPr/>
-        </p:nvPicPr>
-        <p:blipFill>
-          <a:blip r:embed="rId2">
-            <a:extLst>
-              <a:ext uri="{28A0092B-C50C-407E-A947-70E740481C1C}">
-                <a14:useLocalDpi xmlns:a14="http://schemas.microsoft.com/office/drawing/2010/main" val="0"/>
-              </a:ext>
-            </a:extLst>
-          </a:blip>
-          <a:srcRect/>
-          <a:stretch>
-            <a:fillRect/>
-          </a:stretch>
-        </p:blipFill>
-        <p:spPr bwMode="auto">
-          <a:xfrm>
-            <a:off x="4394974" y="2015593"/>
-            <a:ext cx="3402052" cy="3402052"/>
-          </a:xfrm>
-          <a:prstGeom prst="rect">
-            <a:avLst/>
-          </a:prstGeom>
-          <a:noFill/>
-          <a:extLst>
-            <a:ext uri="{909E8E84-426E-40DD-AFC4-6F175D3DCCD1}">
-              <a14:hiddenFill xmlns:a14="http://schemas.microsoft.com/office/drawing/2010/main">
-                <a:solidFill>
-                  <a:srgbClr val="FFFFFF"/>
-                </a:solidFill>
-              </a14:hiddenFill>
-            </a:ext>
-          </a:extLst>
-        </p:spPr>
-      </p:pic>
-    </p:spTree>
-    <p:extLst>
-      <p:ext uri="{BB962C8B-B14F-4D97-AF65-F5344CB8AC3E}">
-        <p14:creationId xmlns:p14="http://schemas.microsoft.com/office/powerpoint/2010/main" val="721470922"/>
-      </p:ext>
-    </p:extLst>
-  </p:cSld>
-  <p:clrMapOvr>
-    <a:masterClrMapping/>
-  </p:clrMapOvr>
-</p:sld>
-</file>
-
-<file path=ppt/slides/slide22.xml><?xml version="1.0" encoding="utf-8"?>
-<p:sld xmlns:a="http://schemas.openxmlformats.org/drawingml/2006/main" xmlns:r="http://schemas.openxmlformats.org/officeDocument/2006/relationships" xmlns:p="http://schemas.openxmlformats.org/presentationml/2006/main">
-  <p:cSld>
-    <p:spTree>
-      <p:nvGrpSpPr>
-        <p:cNvPr id="1" name=""/>
-        <p:cNvGrpSpPr/>
-        <p:nvPr/>
-      </p:nvGrpSpPr>
-      <p:grpSpPr>
-        <a:xfrm>
-          <a:off x="0" y="0"/>
-          <a:ext cx="0" cy="0"/>
-          <a:chOff x="0" y="0"/>
-          <a:chExt cx="0" cy="0"/>
-        </a:xfrm>
-      </p:grpSpPr>
-      <p:sp>
-        <p:nvSpPr>
-          <p:cNvPr id="2" name="Title 1">
-            <a:extLst>
-              <a:ext uri="{FF2B5EF4-FFF2-40B4-BE49-F238E27FC236}">
-                <a16:creationId xmlns:a16="http://schemas.microsoft.com/office/drawing/2014/main" id="{1A96A5F5-2C57-07D4-DF17-8FE9866ECC1A}"/>
-              </a:ext>
-            </a:extLst>
-          </p:cNvPr>
-          <p:cNvSpPr>
-            <a:spLocks noGrp="1"/>
-          </p:cNvSpPr>
-          <p:nvPr>
-            <p:ph type="title"/>
-          </p:nvPr>
-        </p:nvSpPr>
-        <p:spPr/>
-        <p:txBody>
-          <a:bodyPr/>
-          <a:lstStyle/>
-          <a:p>
-            <a:r>
-              <a:rPr lang="en-US" dirty="0"/>
-              <a:t>Demo Time</a:t>
-            </a:r>
-          </a:p>
-        </p:txBody>
-      </p:sp>
-    </p:spTree>
-    <p:extLst>
-      <p:ext uri="{BB962C8B-B14F-4D97-AF65-F5344CB8AC3E}">
-        <p14:creationId xmlns:p14="http://schemas.microsoft.com/office/powerpoint/2010/main" val="3988150757"/>
-      </p:ext>
-    </p:extLst>
-  </p:cSld>
-  <p:clrMapOvr>
-    <a:masterClrMapping/>
-  </p:clrMapOvr>
-</p:sld>
-</file>
-
-<file path=ppt/slides/slide23.xml><?xml version="1.0" encoding="utf-8"?>
-<p:sld xmlns:a="http://schemas.openxmlformats.org/drawingml/2006/main" xmlns:r="http://schemas.openxmlformats.org/officeDocument/2006/relationships" xmlns:p="http://schemas.openxmlformats.org/presentationml/2006/main">
-  <p:cSld>
-    <p:spTree>
-      <p:nvGrpSpPr>
-        <p:cNvPr id="1" name=""/>
-        <p:cNvGrpSpPr/>
-        <p:nvPr/>
-      </p:nvGrpSpPr>
-      <p:grpSpPr>
-        <a:xfrm>
-          <a:off x="0" y="0"/>
-          <a:ext cx="0" cy="0"/>
-          <a:chOff x="0" y="0"/>
-          <a:chExt cx="0" cy="0"/>
-        </a:xfrm>
-      </p:grpSpPr>
-      <p:sp>
-        <p:nvSpPr>
-          <p:cNvPr id="2" name="Title 1">
-            <a:extLst>
-              <a:ext uri="{FF2B5EF4-FFF2-40B4-BE49-F238E27FC236}">
-                <a16:creationId xmlns:a16="http://schemas.microsoft.com/office/drawing/2014/main" id="{BEB9BFB6-CC61-6C3F-165F-5AEB847AD425}"/>
-              </a:ext>
-            </a:extLst>
-          </p:cNvPr>
-          <p:cNvSpPr>
-            <a:spLocks noGrp="1"/>
-          </p:cNvSpPr>
-          <p:nvPr>
-            <p:ph type="title"/>
-          </p:nvPr>
-        </p:nvSpPr>
-        <p:spPr/>
-        <p:txBody>
-          <a:bodyPr/>
-          <a:lstStyle/>
-          <a:p>
-            <a:r>
-              <a:rPr lang="en-US" dirty="0"/>
-              <a:t>Your .NET app</a:t>
-            </a:r>
-          </a:p>
-        </p:txBody>
-      </p:sp>
-      <p:pic>
-        <p:nvPicPr>
-          <p:cNvPr id="4" name="Picture 4" descr=".NET Standard and new .NET Framework Logo and Banner | The NeoSmart Files">
-            <a:extLst>
-              <a:ext uri="{FF2B5EF4-FFF2-40B4-BE49-F238E27FC236}">
-                <a16:creationId xmlns:a16="http://schemas.microsoft.com/office/drawing/2014/main" id="{E06DA404-4E47-3B66-F78F-99364BB1E495}"/>
-              </a:ext>
-            </a:extLst>
-          </p:cNvPr>
-          <p:cNvPicPr>
-            <a:picLocks noChangeAspect="1" noChangeArrowheads="1"/>
-          </p:cNvPicPr>
-          <p:nvPr/>
-        </p:nvPicPr>
-        <p:blipFill>
-          <a:blip r:embed="rId2">
-            <a:extLst>
-              <a:ext uri="{28A0092B-C50C-407E-A947-70E740481C1C}">
-                <a14:useLocalDpi xmlns:a14="http://schemas.microsoft.com/office/drawing/2010/main" val="0"/>
-              </a:ext>
-            </a:extLst>
-          </a:blip>
-          <a:srcRect/>
-          <a:stretch>
-            <a:fillRect/>
-          </a:stretch>
-        </p:blipFill>
-        <p:spPr bwMode="auto">
-          <a:xfrm>
-            <a:off x="4208920" y="1887310"/>
-            <a:ext cx="3587660" cy="3587660"/>
-          </a:xfrm>
-          <a:prstGeom prst="rect">
-            <a:avLst/>
-          </a:prstGeom>
-          <a:noFill/>
-          <a:extLst>
-            <a:ext uri="{909E8E84-426E-40DD-AFC4-6F175D3DCCD1}">
-              <a14:hiddenFill xmlns:a14="http://schemas.microsoft.com/office/drawing/2010/main">
-                <a:solidFill>
-                  <a:srgbClr val="FFFFFF"/>
-                </a:solidFill>
-              </a14:hiddenFill>
-            </a:ext>
-          </a:extLst>
-        </p:spPr>
-      </p:pic>
-    </p:spTree>
-    <p:extLst>
-      <p:ext uri="{BB962C8B-B14F-4D97-AF65-F5344CB8AC3E}">
-        <p14:creationId xmlns:p14="http://schemas.microsoft.com/office/powerpoint/2010/main" val="2267179189"/>
-      </p:ext>
-    </p:extLst>
-  </p:cSld>
-  <p:clrMapOvr>
-    <a:masterClrMapping/>
-  </p:clrMapOvr>
-</p:sld>
-</file>
-
-<file path=ppt/slides/slide24.xml><?xml version="1.0" encoding="utf-8"?>
-<p:sld xmlns:a="http://schemas.openxmlformats.org/drawingml/2006/main" xmlns:r="http://schemas.openxmlformats.org/officeDocument/2006/relationships" xmlns:p="http://schemas.openxmlformats.org/presentationml/2006/main">
-  <p:cSld>
-    <p:spTree>
-      <p:nvGrpSpPr>
-        <p:cNvPr id="1" name=""/>
-        <p:cNvGrpSpPr/>
-        <p:nvPr/>
-      </p:nvGrpSpPr>
-      <p:grpSpPr>
-        <a:xfrm>
-          <a:off x="0" y="0"/>
-          <a:ext cx="0" cy="0"/>
-          <a:chOff x="0" y="0"/>
-          <a:chExt cx="0" cy="0"/>
-        </a:xfrm>
-      </p:grpSpPr>
-      <p:sp>
-        <p:nvSpPr>
-          <p:cNvPr id="2" name="Title 1">
-            <a:extLst>
-              <a:ext uri="{FF2B5EF4-FFF2-40B4-BE49-F238E27FC236}">
-                <a16:creationId xmlns:a16="http://schemas.microsoft.com/office/drawing/2014/main" id="{1A96A5F5-2C57-07D4-DF17-8FE9866ECC1A}"/>
-              </a:ext>
-            </a:extLst>
-          </p:cNvPr>
-          <p:cNvSpPr>
-            <a:spLocks noGrp="1"/>
-          </p:cNvSpPr>
-          <p:nvPr>
-            <p:ph type="title"/>
-          </p:nvPr>
-        </p:nvSpPr>
-        <p:spPr/>
-        <p:txBody>
-          <a:bodyPr/>
-          <a:lstStyle/>
-          <a:p>
-            <a:r>
-              <a:rPr lang="en-US" dirty="0"/>
-              <a:t>Demo Time</a:t>
-            </a:r>
-          </a:p>
-        </p:txBody>
-      </p:sp>
-    </p:spTree>
-    <p:extLst>
-      <p:ext uri="{BB962C8B-B14F-4D97-AF65-F5344CB8AC3E}">
-        <p14:creationId xmlns:p14="http://schemas.microsoft.com/office/powerpoint/2010/main" val="2046725656"/>
-      </p:ext>
-    </p:extLst>
-  </p:cSld>
-  <p:clrMapOvr>
-    <a:masterClrMapping/>
-  </p:clrMapOvr>
-</p:sld>
-</file>
-
-<file path=ppt/slides/slide25.xml><?xml version="1.0" encoding="utf-8"?>
-<p:sld xmlns:a="http://schemas.openxmlformats.org/drawingml/2006/main" xmlns:r="http://schemas.openxmlformats.org/officeDocument/2006/relationships" xmlns:p="http://schemas.openxmlformats.org/presentationml/2006/main">
-  <p:cSld>
-    <p:spTree>
-      <p:nvGrpSpPr>
-        <p:cNvPr id="1" name=""/>
-        <p:cNvGrpSpPr/>
-        <p:nvPr/>
-      </p:nvGrpSpPr>
-      <p:grpSpPr>
-        <a:xfrm>
-          <a:off x="0" y="0"/>
-          <a:ext cx="0" cy="0"/>
-          <a:chOff x="0" y="0"/>
-          <a:chExt cx="0" cy="0"/>
-        </a:xfrm>
-      </p:grpSpPr>
-      <p:sp>
-        <p:nvSpPr>
-          <p:cNvPr id="2" name="Title 1">
-            <a:extLst>
-              <a:ext uri="{FF2B5EF4-FFF2-40B4-BE49-F238E27FC236}">
-                <a16:creationId xmlns:a16="http://schemas.microsoft.com/office/drawing/2014/main" id="{BE6750D8-15D6-90A9-B39F-BC6765BA1D16}"/>
-              </a:ext>
-            </a:extLst>
-          </p:cNvPr>
-          <p:cNvSpPr>
-            <a:spLocks noGrp="1"/>
-          </p:cNvSpPr>
-          <p:nvPr>
-            <p:ph type="title"/>
-          </p:nvPr>
-        </p:nvSpPr>
-        <p:spPr/>
-        <p:txBody>
-          <a:bodyPr/>
-          <a:lstStyle/>
-          <a:p>
-            <a:r>
-              <a:rPr lang="en-US" dirty="0"/>
-              <a:t>Your PowerShell script</a:t>
-            </a:r>
-          </a:p>
-        </p:txBody>
-      </p:sp>
-      <p:pic>
-        <p:nvPicPr>
-          <p:cNvPr id="1026" name="Picture 2" descr="Powershell Icon #48576 - Free Icons Library">
-            <a:extLst>
-              <a:ext uri="{FF2B5EF4-FFF2-40B4-BE49-F238E27FC236}">
-                <a16:creationId xmlns:a16="http://schemas.microsoft.com/office/drawing/2014/main" id="{E6FC4382-87C9-8618-7656-0DC8E9AA538E}"/>
-              </a:ext>
-            </a:extLst>
-          </p:cNvPr>
-          <p:cNvPicPr>
-            <a:picLocks noChangeAspect="1" noChangeArrowheads="1"/>
-          </p:cNvPicPr>
-          <p:nvPr/>
-        </p:nvPicPr>
-        <p:blipFill>
-          <a:blip r:embed="rId2">
-            <a:extLst>
-              <a:ext uri="{28A0092B-C50C-407E-A947-70E740481C1C}">
-                <a14:useLocalDpi xmlns:a14="http://schemas.microsoft.com/office/drawing/2010/main" val="0"/>
-              </a:ext>
-            </a:extLst>
-          </a:blip>
-          <a:srcRect/>
-          <a:stretch>
-            <a:fillRect/>
-          </a:stretch>
-        </p:blipFill>
-        <p:spPr bwMode="auto">
-          <a:xfrm>
-            <a:off x="3657600" y="1253490"/>
-            <a:ext cx="4876800" cy="4876800"/>
-          </a:xfrm>
-          <a:prstGeom prst="rect">
-            <a:avLst/>
-          </a:prstGeom>
-          <a:noFill/>
-          <a:extLst>
-            <a:ext uri="{909E8E84-426E-40DD-AFC4-6F175D3DCCD1}">
-              <a14:hiddenFill xmlns:a14="http://schemas.microsoft.com/office/drawing/2010/main">
-                <a:solidFill>
-                  <a:srgbClr val="FFFFFF"/>
-                </a:solidFill>
-              </a14:hiddenFill>
-            </a:ext>
-          </a:extLst>
-        </p:spPr>
-      </p:pic>
-    </p:spTree>
-    <p:extLst>
-      <p:ext uri="{BB962C8B-B14F-4D97-AF65-F5344CB8AC3E}">
-        <p14:creationId xmlns:p14="http://schemas.microsoft.com/office/powerpoint/2010/main" val="2253439950"/>
-      </p:ext>
-    </p:extLst>
-  </p:cSld>
-  <p:clrMapOvr>
-    <a:masterClrMapping/>
-  </p:clrMapOvr>
-</p:sld>
-</file>
-
-<file path=ppt/slides/slide26.xml><?xml version="1.0" encoding="utf-8"?>
-<p:sld xmlns:a="http://schemas.openxmlformats.org/drawingml/2006/main" xmlns:r="http://schemas.openxmlformats.org/officeDocument/2006/relationships" xmlns:p="http://schemas.openxmlformats.org/presentationml/2006/main">
-  <p:cSld>
-    <p:spTree>
-      <p:nvGrpSpPr>
-        <p:cNvPr id="1" name=""/>
-        <p:cNvGrpSpPr/>
-        <p:nvPr/>
-      </p:nvGrpSpPr>
-      <p:grpSpPr>
-        <a:xfrm>
-          <a:off x="0" y="0"/>
-          <a:ext cx="0" cy="0"/>
-          <a:chOff x="0" y="0"/>
-          <a:chExt cx="0" cy="0"/>
-        </a:xfrm>
-      </p:grpSpPr>
-      <p:sp>
-        <p:nvSpPr>
-          <p:cNvPr id="2" name="Title 1">
-            <a:extLst>
-              <a:ext uri="{FF2B5EF4-FFF2-40B4-BE49-F238E27FC236}">
-                <a16:creationId xmlns:a16="http://schemas.microsoft.com/office/drawing/2014/main" id="{1A96A5F5-2C57-07D4-DF17-8FE9866ECC1A}"/>
-              </a:ext>
-            </a:extLst>
-          </p:cNvPr>
-          <p:cNvSpPr>
-            <a:spLocks noGrp="1"/>
-          </p:cNvSpPr>
-          <p:nvPr>
-            <p:ph type="title"/>
-          </p:nvPr>
-        </p:nvSpPr>
-        <p:spPr/>
-        <p:txBody>
-          <a:bodyPr/>
-          <a:lstStyle/>
-          <a:p>
-            <a:r>
-              <a:rPr lang="en-US" dirty="0"/>
-              <a:t>Demo Time</a:t>
-            </a:r>
-          </a:p>
-        </p:txBody>
-      </p:sp>
-    </p:spTree>
-    <p:extLst>
-      <p:ext uri="{BB962C8B-B14F-4D97-AF65-F5344CB8AC3E}">
-        <p14:creationId xmlns:p14="http://schemas.microsoft.com/office/powerpoint/2010/main" val="4163699089"/>
-      </p:ext>
-    </p:extLst>
-  </p:cSld>
-  <p:clrMapOvr>
-    <a:masterClrMapping/>
-  </p:clrMapOvr>
-</p:sld>
-</file>
-
-<file path=ppt/slides/slide27.xml><?xml version="1.0" encoding="utf-8"?>
-<p:sld xmlns:a="http://schemas.openxmlformats.org/drawingml/2006/main" xmlns:r="http://schemas.openxmlformats.org/officeDocument/2006/relationships" xmlns:p="http://schemas.openxmlformats.org/presentationml/2006/main">
-  <p:cSld>
-    <p:spTree>
-      <p:nvGrpSpPr>
-        <p:cNvPr id="1" name=""/>
-        <p:cNvGrpSpPr/>
-        <p:nvPr/>
-      </p:nvGrpSpPr>
-      <p:grpSpPr>
-        <a:xfrm>
-          <a:off x="0" y="0"/>
-          <a:ext cx="0" cy="0"/>
-          <a:chOff x="0" y="0"/>
-          <a:chExt cx="0" cy="0"/>
-        </a:xfrm>
-      </p:grpSpPr>
-      <p:sp>
-        <p:nvSpPr>
-          <p:cNvPr id="2" name="Title 1">
-            <a:extLst>
-              <a:ext uri="{FF2B5EF4-FFF2-40B4-BE49-F238E27FC236}">
-                <a16:creationId xmlns:a16="http://schemas.microsoft.com/office/drawing/2014/main" id="{3B0F581C-1A26-B138-2F1B-17DB0DABB7AB}"/>
-              </a:ext>
-            </a:extLst>
-          </p:cNvPr>
-          <p:cNvSpPr>
-            <a:spLocks noGrp="1"/>
-          </p:cNvSpPr>
-          <p:nvPr>
-            <p:ph type="title"/>
-          </p:nvPr>
-        </p:nvSpPr>
-        <p:spPr/>
-        <p:txBody>
-          <a:bodyPr/>
-          <a:lstStyle/>
-          <a:p>
-            <a:r>
-              <a:rPr lang="en-US" dirty="0"/>
-              <a:t>Performance-tuning a UDTT</a:t>
-            </a:r>
-          </a:p>
-        </p:txBody>
-      </p:sp>
-      <p:pic>
-        <p:nvPicPr>
-          <p:cNvPr id="7" name="Picture 6">
-            <a:extLst>
-              <a:ext uri="{FF2B5EF4-FFF2-40B4-BE49-F238E27FC236}">
-                <a16:creationId xmlns:a16="http://schemas.microsoft.com/office/drawing/2014/main" id="{8FDB2EC5-DFD2-4C93-C51E-632A82342A10}"/>
-              </a:ext>
-            </a:extLst>
-          </p:cNvPr>
-          <p:cNvPicPr>
-            <a:picLocks noChangeAspect="1"/>
-          </p:cNvPicPr>
-          <p:nvPr/>
-        </p:nvPicPr>
-        <p:blipFill>
-          <a:blip r:embed="rId3"/>
-          <a:stretch>
-            <a:fillRect/>
-          </a:stretch>
-        </p:blipFill>
-        <p:spPr>
-          <a:xfrm>
-            <a:off x="1097280" y="1440179"/>
-            <a:ext cx="9692640" cy="4870193"/>
-          </a:xfrm>
-          <a:prstGeom prst="rect">
-            <a:avLst/>
-          </a:prstGeom>
-        </p:spPr>
-      </p:pic>
-      <p:sp>
-        <p:nvSpPr>
-          <p:cNvPr id="8" name="Rectangle 7">
-            <a:extLst>
-              <a:ext uri="{FF2B5EF4-FFF2-40B4-BE49-F238E27FC236}">
-                <a16:creationId xmlns:a16="http://schemas.microsoft.com/office/drawing/2014/main" id="{6A857927-D068-DF11-B933-1242E15B6311}"/>
-              </a:ext>
-            </a:extLst>
-          </p:cNvPr>
-          <p:cNvSpPr/>
-          <p:nvPr/>
-        </p:nvSpPr>
-        <p:spPr>
-          <a:xfrm>
-            <a:off x="5554980" y="3977640"/>
-            <a:ext cx="365760" cy="2217420"/>
-          </a:xfrm>
-          <a:prstGeom prst="rect">
-            <a:avLst/>
-          </a:prstGeom>
-          <a:noFill/>
-          <a:ln w="47625"/>
-        </p:spPr>
-        <p:style>
-          <a:lnRef idx="2">
-            <a:schemeClr val="accent1">
-              <a:shade val="50000"/>
-            </a:schemeClr>
-          </a:lnRef>
-          <a:fillRef idx="1">
-            <a:schemeClr val="accent1"/>
-          </a:fillRef>
-          <a:effectRef idx="0">
-            <a:schemeClr val="accent1"/>
-          </a:effectRef>
-          <a:fontRef idx="minor">
-            <a:schemeClr val="lt1"/>
-          </a:fontRef>
-        </p:style>
-        <p:txBody>
-          <a:bodyPr rtlCol="0" anchor="ctr"/>
-          <a:lstStyle/>
-          <a:p>
-            <a:pPr algn="ctr"/>
-            <a:endParaRPr lang="en-US"/>
-          </a:p>
-        </p:txBody>
-      </p:sp>
-      <p:sp>
-        <p:nvSpPr>
-          <p:cNvPr id="9" name="Rectangle 8">
-            <a:extLst>
-              <a:ext uri="{FF2B5EF4-FFF2-40B4-BE49-F238E27FC236}">
-                <a16:creationId xmlns:a16="http://schemas.microsoft.com/office/drawing/2014/main" id="{8EC97241-B4EB-D0D2-5D68-A0C2EB614E61}"/>
-              </a:ext>
-            </a:extLst>
-          </p:cNvPr>
-          <p:cNvSpPr/>
-          <p:nvPr/>
-        </p:nvSpPr>
-        <p:spPr>
-          <a:xfrm>
-            <a:off x="1097280" y="4263390"/>
-            <a:ext cx="3154680" cy="251460"/>
-          </a:xfrm>
-          <a:prstGeom prst="rect">
-            <a:avLst/>
-          </a:prstGeom>
-          <a:noFill/>
-          <a:ln w="47625"/>
-        </p:spPr>
-        <p:style>
-          <a:lnRef idx="2">
-            <a:schemeClr val="accent1">
-              <a:shade val="50000"/>
-            </a:schemeClr>
-          </a:lnRef>
-          <a:fillRef idx="1">
-            <a:schemeClr val="accent1"/>
-          </a:fillRef>
-          <a:effectRef idx="0">
-            <a:schemeClr val="accent1"/>
-          </a:effectRef>
-          <a:fontRef idx="minor">
-            <a:schemeClr val="lt1"/>
-          </a:fontRef>
-        </p:style>
-        <p:txBody>
-          <a:bodyPr rtlCol="0" anchor="ctr"/>
-          <a:lstStyle/>
-          <a:p>
-            <a:pPr algn="ctr"/>
-            <a:endParaRPr lang="en-US"/>
-          </a:p>
-        </p:txBody>
-      </p:sp>
-      <p:sp>
-        <p:nvSpPr>
-          <p:cNvPr id="10" name="Rectangle 9">
-            <a:extLst>
-              <a:ext uri="{FF2B5EF4-FFF2-40B4-BE49-F238E27FC236}">
-                <a16:creationId xmlns:a16="http://schemas.microsoft.com/office/drawing/2014/main" id="{993CA93A-2602-39E1-75D3-A420B2E5C1FB}"/>
-              </a:ext>
-            </a:extLst>
-          </p:cNvPr>
-          <p:cNvSpPr/>
-          <p:nvPr/>
-        </p:nvSpPr>
-        <p:spPr>
-          <a:xfrm>
-            <a:off x="1097280" y="6031892"/>
-            <a:ext cx="3154680" cy="251460"/>
-          </a:xfrm>
-          <a:prstGeom prst="rect">
-            <a:avLst/>
-          </a:prstGeom>
-          <a:noFill/>
-          <a:ln w="47625"/>
-        </p:spPr>
-        <p:style>
-          <a:lnRef idx="2">
-            <a:schemeClr val="accent1">
-              <a:shade val="50000"/>
-            </a:schemeClr>
-          </a:lnRef>
-          <a:fillRef idx="1">
-            <a:schemeClr val="accent1"/>
-          </a:fillRef>
-          <a:effectRef idx="0">
-            <a:schemeClr val="accent1"/>
-          </a:effectRef>
-          <a:fontRef idx="minor">
-            <a:schemeClr val="lt1"/>
-          </a:fontRef>
-        </p:style>
-        <p:txBody>
-          <a:bodyPr rtlCol="0" anchor="ctr"/>
-          <a:lstStyle/>
-          <a:p>
-            <a:pPr algn="ctr"/>
-            <a:endParaRPr lang="en-US"/>
-          </a:p>
-        </p:txBody>
-      </p:sp>
-      <p:sp>
-        <p:nvSpPr>
-          <p:cNvPr id="11" name="Rectangle 10">
-            <a:extLst>
-              <a:ext uri="{FF2B5EF4-FFF2-40B4-BE49-F238E27FC236}">
-                <a16:creationId xmlns:a16="http://schemas.microsoft.com/office/drawing/2014/main" id="{50DB1027-E409-B577-87A8-6876A3687502}"/>
-              </a:ext>
-            </a:extLst>
-          </p:cNvPr>
-          <p:cNvSpPr/>
-          <p:nvPr/>
-        </p:nvSpPr>
-        <p:spPr>
-          <a:xfrm>
-            <a:off x="1097280" y="4712270"/>
-            <a:ext cx="3154680" cy="251460"/>
-          </a:xfrm>
-          <a:prstGeom prst="rect">
-            <a:avLst/>
-          </a:prstGeom>
-          <a:noFill/>
-          <a:ln w="47625"/>
-        </p:spPr>
-        <p:style>
-          <a:lnRef idx="2">
-            <a:schemeClr val="accent1">
-              <a:shade val="50000"/>
-            </a:schemeClr>
-          </a:lnRef>
-          <a:fillRef idx="1">
-            <a:schemeClr val="accent1"/>
-          </a:fillRef>
-          <a:effectRef idx="0">
-            <a:schemeClr val="accent1"/>
-          </a:effectRef>
-          <a:fontRef idx="minor">
-            <a:schemeClr val="lt1"/>
-          </a:fontRef>
-        </p:style>
-        <p:txBody>
-          <a:bodyPr rtlCol="0" anchor="ctr"/>
-          <a:lstStyle/>
-          <a:p>
-            <a:pPr algn="ctr"/>
-            <a:endParaRPr lang="en-US"/>
-          </a:p>
-        </p:txBody>
-      </p:sp>
-      <p:sp>
-        <p:nvSpPr>
-          <p:cNvPr id="12" name="Rectangle 11">
-            <a:extLst>
-              <a:ext uri="{FF2B5EF4-FFF2-40B4-BE49-F238E27FC236}">
-                <a16:creationId xmlns:a16="http://schemas.microsoft.com/office/drawing/2014/main" id="{DCC637EA-201F-64DD-A0B8-922C00B1311C}"/>
-              </a:ext>
-            </a:extLst>
-          </p:cNvPr>
-          <p:cNvSpPr/>
-          <p:nvPr/>
-        </p:nvSpPr>
-        <p:spPr>
-          <a:xfrm>
-            <a:off x="1097280" y="5610032"/>
-            <a:ext cx="3154680" cy="251460"/>
-          </a:xfrm>
-          <a:prstGeom prst="rect">
-            <a:avLst/>
-          </a:prstGeom>
-          <a:noFill/>
-          <a:ln w="47625"/>
-        </p:spPr>
-        <p:style>
-          <a:lnRef idx="2">
-            <a:schemeClr val="accent1">
-              <a:shade val="50000"/>
-            </a:schemeClr>
-          </a:lnRef>
-          <a:fillRef idx="1">
-            <a:schemeClr val="accent1"/>
-          </a:fillRef>
-          <a:effectRef idx="0">
-            <a:schemeClr val="accent1"/>
-          </a:effectRef>
-          <a:fontRef idx="minor">
-            <a:schemeClr val="lt1"/>
-          </a:fontRef>
-        </p:style>
-        <p:txBody>
-          <a:bodyPr rtlCol="0" anchor="ctr"/>
-          <a:lstStyle/>
-          <a:p>
-            <a:pPr algn="ctr"/>
-            <a:endParaRPr lang="en-US"/>
-          </a:p>
-        </p:txBody>
-      </p:sp>
-      <p:sp>
-        <p:nvSpPr>
-          <p:cNvPr id="13" name="Rectangle 12">
-            <a:extLst>
-              <a:ext uri="{FF2B5EF4-FFF2-40B4-BE49-F238E27FC236}">
-                <a16:creationId xmlns:a16="http://schemas.microsoft.com/office/drawing/2014/main" id="{3C4D60FD-A0E5-C6B8-B3B9-D7343A254B76}"/>
-              </a:ext>
-            </a:extLst>
-          </p:cNvPr>
-          <p:cNvSpPr/>
-          <p:nvPr/>
-        </p:nvSpPr>
-        <p:spPr>
-          <a:xfrm>
-            <a:off x="1097280" y="5146243"/>
-            <a:ext cx="3154680" cy="251460"/>
-          </a:xfrm>
-          <a:prstGeom prst="rect">
-            <a:avLst/>
-          </a:prstGeom>
-          <a:noFill/>
-          <a:ln w="47625"/>
-        </p:spPr>
-        <p:style>
-          <a:lnRef idx="2">
-            <a:schemeClr val="accent1">
-              <a:shade val="50000"/>
-            </a:schemeClr>
-          </a:lnRef>
-          <a:fillRef idx="1">
-            <a:schemeClr val="accent1"/>
-          </a:fillRef>
-          <a:effectRef idx="0">
-            <a:schemeClr val="accent1"/>
-          </a:effectRef>
-          <a:fontRef idx="minor">
-            <a:schemeClr val="lt1"/>
-          </a:fontRef>
-        </p:style>
-        <p:txBody>
-          <a:bodyPr rtlCol="0" anchor="ctr"/>
-          <a:lstStyle/>
-          <a:p>
-            <a:pPr algn="ctr"/>
-            <a:endParaRPr lang="en-US"/>
-          </a:p>
-        </p:txBody>
-      </p:sp>
-      <p:pic>
-        <p:nvPicPr>
-          <p:cNvPr id="4" name="Picture 3">
-            <a:extLst>
-              <a:ext uri="{FF2B5EF4-FFF2-40B4-BE49-F238E27FC236}">
-                <a16:creationId xmlns:a16="http://schemas.microsoft.com/office/drawing/2014/main" id="{0221E773-0F9A-3667-3B6A-7E8B4F2A3E30}"/>
-              </a:ext>
-            </a:extLst>
-          </p:cNvPr>
-          <p:cNvPicPr>
-            <a:picLocks noChangeAspect="1"/>
-          </p:cNvPicPr>
-          <p:nvPr/>
-        </p:nvPicPr>
-        <p:blipFill>
-          <a:blip r:embed="rId4"/>
-          <a:stretch>
-            <a:fillRect/>
-          </a:stretch>
-        </p:blipFill>
-        <p:spPr>
-          <a:xfrm>
-            <a:off x="8639385" y="1690688"/>
-            <a:ext cx="1621650" cy="682800"/>
-          </a:xfrm>
-          <a:prstGeom prst="rect">
-            <a:avLst/>
-          </a:prstGeom>
-        </p:spPr>
-      </p:pic>
-    </p:spTree>
-    <p:extLst>
-      <p:ext uri="{BB962C8B-B14F-4D97-AF65-F5344CB8AC3E}">
-        <p14:creationId xmlns:p14="http://schemas.microsoft.com/office/powerpoint/2010/main" val="3746285563"/>
-      </p:ext>
-    </p:extLst>
-  </p:cSld>
-  <p:clrMapOvr>
-    <a:masterClrMapping/>
-  </p:clrMapOvr>
-</p:sld>
-</file>
-
-<file path=ppt/slides/slide28.xml><?xml version="1.0" encoding="utf-8"?>
-<p:sld xmlns:a="http://schemas.openxmlformats.org/drawingml/2006/main" xmlns:r="http://schemas.openxmlformats.org/officeDocument/2006/relationships" xmlns:p="http://schemas.openxmlformats.org/presentationml/2006/main">
-  <p:cSld>
-    <p:spTree>
-      <p:nvGrpSpPr>
-        <p:cNvPr id="1" name=""/>
-        <p:cNvGrpSpPr/>
-        <p:nvPr/>
-      </p:nvGrpSpPr>
-      <p:grpSpPr>
-        <a:xfrm>
-          <a:off x="0" y="0"/>
-          <a:ext cx="0" cy="0"/>
-          <a:chOff x="0" y="0"/>
-          <a:chExt cx="0" cy="0"/>
-        </a:xfrm>
-      </p:grpSpPr>
-      <p:sp>
-        <p:nvSpPr>
-          <p:cNvPr id="2" name="Title 1">
-            <a:extLst>
-              <a:ext uri="{FF2B5EF4-FFF2-40B4-BE49-F238E27FC236}">
-                <a16:creationId xmlns:a16="http://schemas.microsoft.com/office/drawing/2014/main" id="{3B0F581C-1A26-B138-2F1B-17DB0DABB7AB}"/>
-              </a:ext>
-            </a:extLst>
-          </p:cNvPr>
-          <p:cNvSpPr>
-            <a:spLocks noGrp="1"/>
-          </p:cNvSpPr>
-          <p:nvPr>
-            <p:ph type="title"/>
-          </p:nvPr>
-        </p:nvSpPr>
-        <p:spPr/>
-        <p:txBody>
-          <a:bodyPr/>
-          <a:lstStyle/>
-          <a:p>
-            <a:r>
-              <a:rPr lang="en-US" dirty="0"/>
-              <a:t>Performance-tuning a UDTT (steps)</a:t>
-            </a:r>
-          </a:p>
-        </p:txBody>
-      </p:sp>
-      <p:sp>
-        <p:nvSpPr>
-          <p:cNvPr id="5" name="TextBox 4">
-            <a:extLst>
-              <a:ext uri="{FF2B5EF4-FFF2-40B4-BE49-F238E27FC236}">
-                <a16:creationId xmlns:a16="http://schemas.microsoft.com/office/drawing/2014/main" id="{560104CE-AA4C-15AA-A925-91D0F4E32BEF}"/>
-              </a:ext>
-            </a:extLst>
-          </p:cNvPr>
-          <p:cNvSpPr txBox="1"/>
-          <p:nvPr/>
-        </p:nvSpPr>
-        <p:spPr>
-          <a:xfrm>
-            <a:off x="1253836" y="1815378"/>
-            <a:ext cx="9684328" cy="2862322"/>
-          </a:xfrm>
-          <a:prstGeom prst="rect">
-            <a:avLst/>
-          </a:prstGeom>
-          <a:noFill/>
-        </p:spPr>
-        <p:txBody>
-          <a:bodyPr wrap="square">
-            <a:spAutoFit/>
-          </a:bodyPr>
-          <a:lstStyle/>
-          <a:p>
-            <a:r>
-              <a:rPr lang="en-US" sz="1800" dirty="0">
-                <a:solidFill>
-                  <a:srgbClr val="0000FF"/>
-                </a:solidFill>
-                <a:latin typeface="Consolas" panose="020B0609020204030204" pitchFamily="49" charset="0"/>
-              </a:rPr>
-              <a:t>declare</a:t>
-            </a:r>
-            <a:r>
-              <a:rPr lang="en-US" sz="1800" dirty="0">
-                <a:solidFill>
-                  <a:srgbClr val="000000"/>
-                </a:solidFill>
-                <a:latin typeface="Consolas" panose="020B0609020204030204" pitchFamily="49" charset="0"/>
-              </a:rPr>
-              <a:t> @p2 </a:t>
-            </a:r>
-            <a:r>
-              <a:rPr lang="en-US" sz="1800" dirty="0" err="1">
-                <a:solidFill>
-                  <a:srgbClr val="000000"/>
-                </a:solidFill>
-                <a:latin typeface="Consolas" panose="020B0609020204030204" pitchFamily="49" charset="0"/>
-              </a:rPr>
-              <a:t>dbo</a:t>
-            </a:r>
-            <a:r>
-              <a:rPr lang="en-US" sz="1800" dirty="0" err="1">
-                <a:solidFill>
-                  <a:srgbClr val="808080"/>
-                </a:solidFill>
-                <a:latin typeface="Consolas" panose="020B0609020204030204" pitchFamily="49" charset="0"/>
-              </a:rPr>
-              <a:t>.</a:t>
-            </a:r>
-            <a:r>
-              <a:rPr lang="en-US" sz="1800" dirty="0" err="1">
-                <a:solidFill>
-                  <a:srgbClr val="000000"/>
-                </a:solidFill>
-                <a:latin typeface="Consolas" panose="020B0609020204030204" pitchFamily="49" charset="0"/>
-              </a:rPr>
-              <a:t>Type_Measurements</a:t>
-            </a:r>
-            <a:endParaRPr lang="en-US" sz="1800" dirty="0">
-              <a:solidFill>
-                <a:srgbClr val="000000"/>
-              </a:solidFill>
-              <a:latin typeface="Consolas" panose="020B0609020204030204" pitchFamily="49" charset="0"/>
-            </a:endParaRPr>
-          </a:p>
-          <a:p>
-            <a:r>
-              <a:rPr lang="en-US" sz="1800" dirty="0">
-                <a:solidFill>
-                  <a:srgbClr val="0000FF"/>
-                </a:solidFill>
-                <a:latin typeface="Consolas" panose="020B0609020204030204" pitchFamily="49" charset="0"/>
-              </a:rPr>
-              <a:t>insert</a:t>
-            </a:r>
-            <a:r>
-              <a:rPr lang="en-US" sz="1800" dirty="0">
-                <a:solidFill>
-                  <a:srgbClr val="000000"/>
-                </a:solidFill>
-                <a:latin typeface="Consolas" panose="020B0609020204030204" pitchFamily="49" charset="0"/>
-              </a:rPr>
-              <a:t> </a:t>
-            </a:r>
-            <a:r>
-              <a:rPr lang="en-US" sz="1800" dirty="0">
-                <a:solidFill>
-                  <a:srgbClr val="0000FF"/>
-                </a:solidFill>
-                <a:latin typeface="Consolas" panose="020B0609020204030204" pitchFamily="49" charset="0"/>
-              </a:rPr>
-              <a:t>into</a:t>
-            </a:r>
-            <a:r>
-              <a:rPr lang="en-US" sz="1800" dirty="0">
-                <a:solidFill>
-                  <a:srgbClr val="000000"/>
-                </a:solidFill>
-                <a:latin typeface="Consolas" panose="020B0609020204030204" pitchFamily="49" charset="0"/>
-              </a:rPr>
-              <a:t> @p2 </a:t>
-            </a:r>
-            <a:r>
-              <a:rPr lang="en-US" sz="1800" dirty="0">
-                <a:solidFill>
-                  <a:srgbClr val="0000FF"/>
-                </a:solidFill>
-                <a:latin typeface="Consolas" panose="020B0609020204030204" pitchFamily="49" charset="0"/>
-              </a:rPr>
-              <a:t>values</a:t>
-            </a:r>
-            <a:r>
-              <a:rPr lang="en-US" sz="1800" dirty="0">
-                <a:solidFill>
-                  <a:srgbClr val="808080"/>
-                </a:solidFill>
-                <a:latin typeface="Consolas" panose="020B0609020204030204" pitchFamily="49" charset="0"/>
-              </a:rPr>
-              <a:t>(</a:t>
-            </a:r>
-            <a:r>
-              <a:rPr lang="en-US" sz="1800" dirty="0">
-                <a:solidFill>
-                  <a:srgbClr val="FF0000"/>
-                </a:solidFill>
-                <a:latin typeface="Consolas" panose="020B0609020204030204" pitchFamily="49" charset="0"/>
-              </a:rPr>
-              <a:t>N'K'</a:t>
-            </a:r>
-            <a:r>
-              <a:rPr lang="en-US" sz="1800" dirty="0">
-                <a:solidFill>
-                  <a:srgbClr val="808080"/>
-                </a:solidFill>
-                <a:latin typeface="Consolas" panose="020B0609020204030204" pitchFamily="49" charset="0"/>
-              </a:rPr>
-              <a:t>,</a:t>
-            </a:r>
-            <a:r>
-              <a:rPr lang="en-US" sz="1800" dirty="0">
-                <a:solidFill>
-                  <a:srgbClr val="000000"/>
-                </a:solidFill>
-                <a:latin typeface="Consolas" panose="020B0609020204030204" pitchFamily="49" charset="0"/>
-              </a:rPr>
-              <a:t>11</a:t>
-            </a:r>
-            <a:r>
-              <a:rPr lang="en-US" sz="1800" dirty="0">
-                <a:solidFill>
-                  <a:srgbClr val="808080"/>
-                </a:solidFill>
-                <a:latin typeface="Consolas" panose="020B0609020204030204" pitchFamily="49" charset="0"/>
-              </a:rPr>
-              <a:t>)</a:t>
-            </a:r>
-            <a:endParaRPr lang="en-US" sz="1800" dirty="0">
-              <a:solidFill>
-                <a:srgbClr val="000000"/>
-              </a:solidFill>
-              <a:latin typeface="Consolas" panose="020B0609020204030204" pitchFamily="49" charset="0"/>
-            </a:endParaRPr>
-          </a:p>
-          <a:p>
-            <a:r>
-              <a:rPr lang="en-US" sz="1800" dirty="0">
-                <a:solidFill>
-                  <a:srgbClr val="0000FF"/>
-                </a:solidFill>
-                <a:latin typeface="Consolas" panose="020B0609020204030204" pitchFamily="49" charset="0"/>
-              </a:rPr>
-              <a:t>insert</a:t>
-            </a:r>
-            <a:r>
-              <a:rPr lang="en-US" sz="1800" dirty="0">
-                <a:solidFill>
-                  <a:srgbClr val="000000"/>
-                </a:solidFill>
-                <a:latin typeface="Consolas" panose="020B0609020204030204" pitchFamily="49" charset="0"/>
-              </a:rPr>
-              <a:t> </a:t>
-            </a:r>
-            <a:r>
-              <a:rPr lang="en-US" sz="1800" dirty="0">
-                <a:solidFill>
-                  <a:srgbClr val="0000FF"/>
-                </a:solidFill>
-                <a:latin typeface="Consolas" panose="020B0609020204030204" pitchFamily="49" charset="0"/>
-              </a:rPr>
-              <a:t>into</a:t>
-            </a:r>
-            <a:r>
-              <a:rPr lang="en-US" sz="1800" dirty="0">
-                <a:solidFill>
-                  <a:srgbClr val="000000"/>
-                </a:solidFill>
-                <a:latin typeface="Consolas" panose="020B0609020204030204" pitchFamily="49" charset="0"/>
-              </a:rPr>
-              <a:t> @p2 </a:t>
-            </a:r>
-            <a:r>
-              <a:rPr lang="en-US" sz="1800" dirty="0">
-                <a:solidFill>
-                  <a:srgbClr val="0000FF"/>
-                </a:solidFill>
-                <a:latin typeface="Consolas" panose="020B0609020204030204" pitchFamily="49" charset="0"/>
-              </a:rPr>
-              <a:t>values</a:t>
-            </a:r>
-            <a:r>
-              <a:rPr lang="en-US" sz="1800" dirty="0">
-                <a:solidFill>
-                  <a:srgbClr val="808080"/>
-                </a:solidFill>
-                <a:latin typeface="Consolas" panose="020B0609020204030204" pitchFamily="49" charset="0"/>
-              </a:rPr>
-              <a:t>(</a:t>
-            </a:r>
-            <a:r>
-              <a:rPr lang="en-US" sz="1800" dirty="0">
-                <a:solidFill>
-                  <a:srgbClr val="FF0000"/>
-                </a:solidFill>
-                <a:latin typeface="Consolas" panose="020B0609020204030204" pitchFamily="49" charset="0"/>
-              </a:rPr>
-              <a:t>N'L'</a:t>
-            </a:r>
-            <a:r>
-              <a:rPr lang="en-US" sz="1800" dirty="0">
-                <a:solidFill>
-                  <a:srgbClr val="808080"/>
-                </a:solidFill>
-                <a:latin typeface="Consolas" panose="020B0609020204030204" pitchFamily="49" charset="0"/>
-              </a:rPr>
-              <a:t>,</a:t>
-            </a:r>
-            <a:r>
-              <a:rPr lang="en-US" sz="1800" dirty="0">
-                <a:solidFill>
-                  <a:srgbClr val="000000"/>
-                </a:solidFill>
-                <a:latin typeface="Consolas" panose="020B0609020204030204" pitchFamily="49" charset="0"/>
-              </a:rPr>
-              <a:t>12</a:t>
-            </a:r>
-            <a:r>
-              <a:rPr lang="en-US" sz="1800" dirty="0">
-                <a:solidFill>
-                  <a:srgbClr val="808080"/>
-                </a:solidFill>
-                <a:latin typeface="Consolas" panose="020B0609020204030204" pitchFamily="49" charset="0"/>
-              </a:rPr>
-              <a:t>)</a:t>
-            </a:r>
-            <a:endParaRPr lang="en-US" sz="1800" dirty="0">
-              <a:solidFill>
-                <a:srgbClr val="000000"/>
-              </a:solidFill>
-              <a:latin typeface="Consolas" panose="020B0609020204030204" pitchFamily="49" charset="0"/>
-            </a:endParaRPr>
-          </a:p>
-          <a:p>
-            <a:r>
-              <a:rPr lang="en-US" sz="1800" dirty="0">
-                <a:solidFill>
-                  <a:srgbClr val="0000FF"/>
-                </a:solidFill>
-                <a:latin typeface="Consolas" panose="020B0609020204030204" pitchFamily="49" charset="0"/>
-              </a:rPr>
-              <a:t>insert</a:t>
-            </a:r>
-            <a:r>
-              <a:rPr lang="en-US" sz="1800" dirty="0">
-                <a:solidFill>
-                  <a:srgbClr val="000000"/>
-                </a:solidFill>
-                <a:latin typeface="Consolas" panose="020B0609020204030204" pitchFamily="49" charset="0"/>
-              </a:rPr>
-              <a:t> </a:t>
-            </a:r>
-            <a:r>
-              <a:rPr lang="en-US" sz="1800" dirty="0">
-                <a:solidFill>
-                  <a:srgbClr val="0000FF"/>
-                </a:solidFill>
-                <a:latin typeface="Consolas" panose="020B0609020204030204" pitchFamily="49" charset="0"/>
-              </a:rPr>
-              <a:t>into</a:t>
-            </a:r>
-            <a:r>
-              <a:rPr lang="en-US" sz="1800" dirty="0">
-                <a:solidFill>
-                  <a:srgbClr val="000000"/>
-                </a:solidFill>
-                <a:latin typeface="Consolas" panose="020B0609020204030204" pitchFamily="49" charset="0"/>
-              </a:rPr>
-              <a:t> @p2 </a:t>
-            </a:r>
-            <a:r>
-              <a:rPr lang="en-US" sz="1800" dirty="0">
-                <a:solidFill>
-                  <a:srgbClr val="0000FF"/>
-                </a:solidFill>
-                <a:latin typeface="Consolas" panose="020B0609020204030204" pitchFamily="49" charset="0"/>
-              </a:rPr>
-              <a:t>values</a:t>
-            </a:r>
-            <a:r>
-              <a:rPr lang="en-US" sz="1800" dirty="0">
-                <a:solidFill>
-                  <a:srgbClr val="808080"/>
-                </a:solidFill>
-                <a:latin typeface="Consolas" panose="020B0609020204030204" pitchFamily="49" charset="0"/>
-              </a:rPr>
-              <a:t>(</a:t>
-            </a:r>
-            <a:r>
-              <a:rPr lang="en-US" sz="1800" dirty="0">
-                <a:solidFill>
-                  <a:srgbClr val="FF0000"/>
-                </a:solidFill>
-                <a:latin typeface="Consolas" panose="020B0609020204030204" pitchFamily="49" charset="0"/>
-              </a:rPr>
-              <a:t>N'M'</a:t>
-            </a:r>
-            <a:r>
-              <a:rPr lang="en-US" sz="1800" dirty="0">
-                <a:solidFill>
-                  <a:srgbClr val="808080"/>
-                </a:solidFill>
-                <a:latin typeface="Consolas" panose="020B0609020204030204" pitchFamily="49" charset="0"/>
-              </a:rPr>
-              <a:t>,</a:t>
-            </a:r>
-            <a:r>
-              <a:rPr lang="en-US" sz="1800" dirty="0">
-                <a:solidFill>
-                  <a:srgbClr val="000000"/>
-                </a:solidFill>
-                <a:latin typeface="Consolas" panose="020B0609020204030204" pitchFamily="49" charset="0"/>
-              </a:rPr>
-              <a:t>13</a:t>
-            </a:r>
-            <a:r>
-              <a:rPr lang="en-US" sz="1800" dirty="0">
-                <a:solidFill>
-                  <a:srgbClr val="808080"/>
-                </a:solidFill>
-                <a:latin typeface="Consolas" panose="020B0609020204030204" pitchFamily="49" charset="0"/>
-              </a:rPr>
-              <a:t>)</a:t>
-            </a:r>
-            <a:endParaRPr lang="en-US" sz="1800" dirty="0">
-              <a:solidFill>
-                <a:srgbClr val="000000"/>
-              </a:solidFill>
-              <a:latin typeface="Consolas" panose="020B0609020204030204" pitchFamily="49" charset="0"/>
-            </a:endParaRPr>
-          </a:p>
-          <a:p>
-            <a:r>
-              <a:rPr lang="en-US" sz="1800" dirty="0">
-                <a:solidFill>
-                  <a:srgbClr val="0000FF"/>
-                </a:solidFill>
-                <a:latin typeface="Consolas" panose="020B0609020204030204" pitchFamily="49" charset="0"/>
-              </a:rPr>
-              <a:t>insert</a:t>
-            </a:r>
-            <a:r>
-              <a:rPr lang="en-US" sz="1800" dirty="0">
-                <a:solidFill>
-                  <a:srgbClr val="000000"/>
-                </a:solidFill>
-                <a:latin typeface="Consolas" panose="020B0609020204030204" pitchFamily="49" charset="0"/>
-              </a:rPr>
-              <a:t> </a:t>
-            </a:r>
-            <a:r>
-              <a:rPr lang="en-US" sz="1800" dirty="0">
-                <a:solidFill>
-                  <a:srgbClr val="0000FF"/>
-                </a:solidFill>
-                <a:latin typeface="Consolas" panose="020B0609020204030204" pitchFamily="49" charset="0"/>
-              </a:rPr>
-              <a:t>into</a:t>
-            </a:r>
-            <a:r>
-              <a:rPr lang="en-US" sz="1800" dirty="0">
-                <a:solidFill>
-                  <a:srgbClr val="000000"/>
-                </a:solidFill>
-                <a:latin typeface="Consolas" panose="020B0609020204030204" pitchFamily="49" charset="0"/>
-              </a:rPr>
-              <a:t> @p2 </a:t>
-            </a:r>
-            <a:r>
-              <a:rPr lang="en-US" sz="1800" dirty="0">
-                <a:solidFill>
-                  <a:srgbClr val="0000FF"/>
-                </a:solidFill>
-                <a:latin typeface="Consolas" panose="020B0609020204030204" pitchFamily="49" charset="0"/>
-              </a:rPr>
-              <a:t>values</a:t>
-            </a:r>
-            <a:r>
-              <a:rPr lang="en-US" sz="1800" dirty="0">
-                <a:solidFill>
-                  <a:srgbClr val="808080"/>
-                </a:solidFill>
-                <a:latin typeface="Consolas" panose="020B0609020204030204" pitchFamily="49" charset="0"/>
-              </a:rPr>
-              <a:t>(</a:t>
-            </a:r>
-            <a:r>
-              <a:rPr lang="en-US" sz="1800" dirty="0">
-                <a:solidFill>
-                  <a:srgbClr val="FF0000"/>
-                </a:solidFill>
-                <a:latin typeface="Consolas" panose="020B0609020204030204" pitchFamily="49" charset="0"/>
-              </a:rPr>
-              <a:t>N'N'</a:t>
-            </a:r>
-            <a:r>
-              <a:rPr lang="en-US" sz="1800" dirty="0">
-                <a:solidFill>
-                  <a:srgbClr val="808080"/>
-                </a:solidFill>
-                <a:latin typeface="Consolas" panose="020B0609020204030204" pitchFamily="49" charset="0"/>
-              </a:rPr>
-              <a:t>,</a:t>
-            </a:r>
-            <a:r>
-              <a:rPr lang="en-US" sz="1800" dirty="0">
-                <a:solidFill>
-                  <a:srgbClr val="000000"/>
-                </a:solidFill>
-                <a:latin typeface="Consolas" panose="020B0609020204030204" pitchFamily="49" charset="0"/>
-              </a:rPr>
-              <a:t>14</a:t>
-            </a:r>
-            <a:r>
-              <a:rPr lang="en-US" sz="1800" dirty="0">
-                <a:solidFill>
-                  <a:srgbClr val="808080"/>
-                </a:solidFill>
-                <a:latin typeface="Consolas" panose="020B0609020204030204" pitchFamily="49" charset="0"/>
-              </a:rPr>
-              <a:t>)</a:t>
-            </a:r>
-            <a:endParaRPr lang="en-US" sz="1800" dirty="0">
-              <a:solidFill>
-                <a:srgbClr val="000000"/>
-              </a:solidFill>
-              <a:latin typeface="Consolas" panose="020B0609020204030204" pitchFamily="49" charset="0"/>
-            </a:endParaRPr>
-          </a:p>
-          <a:p>
-            <a:r>
-              <a:rPr lang="en-US" sz="1800" dirty="0">
-                <a:solidFill>
-                  <a:srgbClr val="0000FF"/>
-                </a:solidFill>
-                <a:latin typeface="Consolas" panose="020B0609020204030204" pitchFamily="49" charset="0"/>
-              </a:rPr>
-              <a:t>insert</a:t>
-            </a:r>
-            <a:r>
-              <a:rPr lang="en-US" sz="1800" dirty="0">
-                <a:solidFill>
-                  <a:srgbClr val="000000"/>
-                </a:solidFill>
-                <a:latin typeface="Consolas" panose="020B0609020204030204" pitchFamily="49" charset="0"/>
-              </a:rPr>
-              <a:t> </a:t>
-            </a:r>
-            <a:r>
-              <a:rPr lang="en-US" sz="1800" dirty="0">
-                <a:solidFill>
-                  <a:srgbClr val="0000FF"/>
-                </a:solidFill>
-                <a:latin typeface="Consolas" panose="020B0609020204030204" pitchFamily="49" charset="0"/>
-              </a:rPr>
-              <a:t>into</a:t>
-            </a:r>
-            <a:r>
-              <a:rPr lang="en-US" sz="1800" dirty="0">
-                <a:solidFill>
-                  <a:srgbClr val="000000"/>
-                </a:solidFill>
-                <a:latin typeface="Consolas" panose="020B0609020204030204" pitchFamily="49" charset="0"/>
-              </a:rPr>
-              <a:t> @p2 </a:t>
-            </a:r>
-            <a:r>
-              <a:rPr lang="en-US" sz="1800" dirty="0">
-                <a:solidFill>
-                  <a:srgbClr val="0000FF"/>
-                </a:solidFill>
-                <a:latin typeface="Consolas" panose="020B0609020204030204" pitchFamily="49" charset="0"/>
-              </a:rPr>
-              <a:t>values</a:t>
-            </a:r>
-            <a:r>
-              <a:rPr lang="en-US" sz="1800" dirty="0">
-                <a:solidFill>
-                  <a:srgbClr val="808080"/>
-                </a:solidFill>
-                <a:latin typeface="Consolas" panose="020B0609020204030204" pitchFamily="49" charset="0"/>
-              </a:rPr>
-              <a:t>(</a:t>
-            </a:r>
-            <a:r>
-              <a:rPr lang="en-US" sz="1800" dirty="0">
-                <a:solidFill>
-                  <a:srgbClr val="FF0000"/>
-                </a:solidFill>
-                <a:latin typeface="Consolas" panose="020B0609020204030204" pitchFamily="49" charset="0"/>
-              </a:rPr>
-              <a:t>N'O'</a:t>
-            </a:r>
-            <a:r>
-              <a:rPr lang="en-US" sz="1800" dirty="0">
-                <a:solidFill>
-                  <a:srgbClr val="808080"/>
-                </a:solidFill>
-                <a:latin typeface="Consolas" panose="020B0609020204030204" pitchFamily="49" charset="0"/>
-              </a:rPr>
-              <a:t>,</a:t>
-            </a:r>
-            <a:r>
-              <a:rPr lang="en-US" sz="1800" dirty="0">
-                <a:solidFill>
-                  <a:srgbClr val="000000"/>
-                </a:solidFill>
-                <a:latin typeface="Consolas" panose="020B0609020204030204" pitchFamily="49" charset="0"/>
-              </a:rPr>
-              <a:t>15</a:t>
-            </a:r>
-            <a:r>
-              <a:rPr lang="en-US" sz="1800" dirty="0">
-                <a:solidFill>
-                  <a:srgbClr val="808080"/>
-                </a:solidFill>
-                <a:latin typeface="Consolas" panose="020B0609020204030204" pitchFamily="49" charset="0"/>
-              </a:rPr>
-              <a:t>)</a:t>
-            </a:r>
-            <a:endParaRPr lang="en-US" sz="1800" dirty="0">
-              <a:solidFill>
-                <a:srgbClr val="000000"/>
-              </a:solidFill>
-              <a:latin typeface="Consolas" panose="020B0609020204030204" pitchFamily="49" charset="0"/>
-            </a:endParaRPr>
-          </a:p>
-          <a:p>
-            <a:endParaRPr lang="en-US" sz="1800" dirty="0">
-              <a:solidFill>
-                <a:srgbClr val="000000"/>
-              </a:solidFill>
-              <a:latin typeface="Consolas" panose="020B0609020204030204" pitchFamily="49" charset="0"/>
-            </a:endParaRPr>
-          </a:p>
-          <a:p>
-            <a:r>
-              <a:rPr lang="en-US" sz="1800" dirty="0">
-                <a:solidFill>
-                  <a:srgbClr val="0000FF"/>
-                </a:solidFill>
-                <a:latin typeface="Consolas" panose="020B0609020204030204" pitchFamily="49" charset="0"/>
-              </a:rPr>
-              <a:t>exec</a:t>
-            </a:r>
-            <a:r>
-              <a:rPr lang="en-US" sz="1800" dirty="0">
-                <a:solidFill>
-                  <a:srgbClr val="000000"/>
-                </a:solidFill>
-                <a:latin typeface="Consolas" panose="020B0609020204030204" pitchFamily="49" charset="0"/>
-              </a:rPr>
-              <a:t> [</a:t>
-            </a:r>
-            <a:r>
-              <a:rPr lang="en-US" sz="1800" dirty="0" err="1">
-                <a:solidFill>
-                  <a:srgbClr val="000000"/>
-                </a:solidFill>
-                <a:latin typeface="Consolas" panose="020B0609020204030204" pitchFamily="49" charset="0"/>
-              </a:rPr>
-              <a:t>dbo</a:t>
-            </a:r>
-            <a:r>
-              <a:rPr lang="en-US" sz="1800" dirty="0">
-                <a:solidFill>
-                  <a:srgbClr val="000000"/>
-                </a:solidFill>
-                <a:latin typeface="Consolas" panose="020B0609020204030204" pitchFamily="49" charset="0"/>
-              </a:rPr>
-              <a:t>]</a:t>
-            </a:r>
-            <a:r>
-              <a:rPr lang="en-US" sz="1800" dirty="0">
-                <a:solidFill>
-                  <a:srgbClr val="808080"/>
-                </a:solidFill>
-                <a:latin typeface="Consolas" panose="020B0609020204030204" pitchFamily="49" charset="0"/>
-              </a:rPr>
-              <a:t>.</a:t>
-            </a:r>
-            <a:r>
-              <a:rPr lang="en-US" sz="1800" dirty="0">
-                <a:solidFill>
-                  <a:srgbClr val="000000"/>
-                </a:solidFill>
-                <a:latin typeface="Consolas" panose="020B0609020204030204" pitchFamily="49" charset="0"/>
-              </a:rPr>
-              <a:t>[</a:t>
-            </a:r>
-            <a:r>
-              <a:rPr lang="en-US" sz="1800" dirty="0" err="1">
-                <a:solidFill>
-                  <a:srgbClr val="000000"/>
-                </a:solidFill>
-                <a:latin typeface="Consolas" panose="020B0609020204030204" pitchFamily="49" charset="0"/>
-              </a:rPr>
-              <a:t>usp_Measurements_Upsert</a:t>
-            </a:r>
-            <a:r>
-              <a:rPr lang="en-US" sz="1800" dirty="0">
-                <a:solidFill>
-                  <a:srgbClr val="000000"/>
-                </a:solidFill>
-                <a:latin typeface="Consolas" panose="020B0609020204030204" pitchFamily="49" charset="0"/>
-              </a:rPr>
-              <a:t>]</a:t>
-            </a:r>
-            <a:r>
-              <a:rPr lang="en-US" sz="1800" dirty="0">
-                <a:solidFill>
-                  <a:srgbClr val="0000FF"/>
-                </a:solidFill>
-                <a:latin typeface="Consolas" panose="020B0609020204030204" pitchFamily="49" charset="0"/>
-              </a:rPr>
-              <a:t> </a:t>
-            </a:r>
-            <a:r>
-              <a:rPr lang="en-US" sz="1800" dirty="0">
-                <a:solidFill>
-                  <a:srgbClr val="000000"/>
-                </a:solidFill>
-                <a:latin typeface="Consolas" panose="020B0609020204030204" pitchFamily="49" charset="0"/>
-              </a:rPr>
-              <a:t>@LocationCode</a:t>
-            </a:r>
-            <a:r>
-              <a:rPr lang="en-US" sz="1800" dirty="0">
-                <a:solidFill>
-                  <a:srgbClr val="808080"/>
-                </a:solidFill>
-                <a:latin typeface="Consolas" panose="020B0609020204030204" pitchFamily="49" charset="0"/>
-              </a:rPr>
-              <a:t>=</a:t>
-            </a:r>
-            <a:r>
-              <a:rPr lang="en-US" sz="1800" dirty="0">
-                <a:solidFill>
-                  <a:srgbClr val="000000"/>
-                </a:solidFill>
-                <a:latin typeface="Consolas" panose="020B0609020204030204" pitchFamily="49" charset="0"/>
-              </a:rPr>
-              <a:t>2</a:t>
-            </a:r>
-            <a:r>
-              <a:rPr lang="en-US" sz="1800" dirty="0">
-                <a:solidFill>
-                  <a:srgbClr val="808080"/>
-                </a:solidFill>
-                <a:latin typeface="Consolas" panose="020B0609020204030204" pitchFamily="49" charset="0"/>
-              </a:rPr>
-              <a:t>,</a:t>
-            </a:r>
-            <a:r>
-              <a:rPr lang="en-US" sz="1800" dirty="0">
-                <a:solidFill>
-                  <a:srgbClr val="000000"/>
-                </a:solidFill>
-                <a:latin typeface="Consolas" panose="020B0609020204030204" pitchFamily="49" charset="0"/>
-              </a:rPr>
-              <a:t>@dt_Measurements</a:t>
-            </a:r>
-            <a:r>
-              <a:rPr lang="en-US" sz="1800" dirty="0">
-                <a:solidFill>
-                  <a:srgbClr val="808080"/>
-                </a:solidFill>
-                <a:latin typeface="Consolas" panose="020B0609020204030204" pitchFamily="49" charset="0"/>
-              </a:rPr>
-              <a:t>=</a:t>
-            </a:r>
-            <a:r>
-              <a:rPr lang="en-US" sz="1800" dirty="0">
-                <a:solidFill>
-                  <a:srgbClr val="000000"/>
-                </a:solidFill>
-                <a:latin typeface="Consolas" panose="020B0609020204030204" pitchFamily="49" charset="0"/>
-              </a:rPr>
-              <a:t>@p2</a:t>
-            </a:r>
-            <a:endParaRPr lang="en-US" dirty="0">
-              <a:solidFill>
-                <a:srgbClr val="000000"/>
-              </a:solidFill>
-              <a:latin typeface="Consolas" panose="020B0609020204030204" pitchFamily="49" charset="0"/>
-            </a:endParaRPr>
-          </a:p>
-          <a:p>
-            <a:endParaRPr lang="en-US" dirty="0">
-              <a:solidFill>
-                <a:srgbClr val="000000"/>
-              </a:solidFill>
-              <a:latin typeface="Consolas" panose="020B0609020204030204" pitchFamily="49" charset="0"/>
-            </a:endParaRPr>
-          </a:p>
-          <a:p>
-            <a:endParaRPr lang="en-US" dirty="0"/>
-          </a:p>
-        </p:txBody>
-      </p:sp>
-    </p:spTree>
-    <p:extLst>
-      <p:ext uri="{BB962C8B-B14F-4D97-AF65-F5344CB8AC3E}">
-        <p14:creationId xmlns:p14="http://schemas.microsoft.com/office/powerpoint/2010/main" val="310995724"/>
-      </p:ext>
-    </p:extLst>
-  </p:cSld>
-  <p:clrMapOvr>
-    <a:masterClrMapping/>
-  </p:clrMapOvr>
-</p:sld>
-</file>
-
-<file path=ppt/slides/slide29.xml><?xml version="1.0" encoding="utf-8"?>
-<p:sld xmlns:a="http://schemas.openxmlformats.org/drawingml/2006/main" xmlns:r="http://schemas.openxmlformats.org/officeDocument/2006/relationships" xmlns:p="http://schemas.openxmlformats.org/presentationml/2006/main">
-  <p:cSld>
-    <p:spTree>
-      <p:nvGrpSpPr>
-        <p:cNvPr id="1" name=""/>
-        <p:cNvGrpSpPr/>
-        <p:nvPr/>
-      </p:nvGrpSpPr>
-      <p:grpSpPr>
-        <a:xfrm>
-          <a:off x="0" y="0"/>
-          <a:ext cx="0" cy="0"/>
-          <a:chOff x="0" y="0"/>
-          <a:chExt cx="0" cy="0"/>
-        </a:xfrm>
-      </p:grpSpPr>
-      <p:sp>
-        <p:nvSpPr>
-          <p:cNvPr id="2" name="Title 1">
-            <a:extLst>
-              <a:ext uri="{FF2B5EF4-FFF2-40B4-BE49-F238E27FC236}">
                 <a16:creationId xmlns:a16="http://schemas.microsoft.com/office/drawing/2014/main" id="{3B0F581C-1A26-B138-2F1B-17DB0DABB7AB}"/>
               </a:ext>
             </a:extLst>
@@ -18676,164 +19441,7 @@
 </p:sld>
 </file>
 
-<file path=ppt/slides/slide3.xml><?xml version="1.0" encoding="utf-8"?>
-<p:sld xmlns:a="http://schemas.openxmlformats.org/drawingml/2006/main" xmlns:r="http://schemas.openxmlformats.org/officeDocument/2006/relationships" xmlns:p="http://schemas.openxmlformats.org/presentationml/2006/main">
-  <p:cSld>
-    <p:spTree>
-      <p:nvGrpSpPr>
-        <p:cNvPr id="1" name=""/>
-        <p:cNvGrpSpPr/>
-        <p:nvPr/>
-      </p:nvGrpSpPr>
-      <p:grpSpPr>
-        <a:xfrm>
-          <a:off x="0" y="0"/>
-          <a:ext cx="0" cy="0"/>
-          <a:chOff x="0" y="0"/>
-          <a:chExt cx="0" cy="0"/>
-        </a:xfrm>
-      </p:grpSpPr>
-      <p:sp>
-        <p:nvSpPr>
-          <p:cNvPr id="2" name="Title 1">
-            <a:extLst>
-              <a:ext uri="{FF2B5EF4-FFF2-40B4-BE49-F238E27FC236}">
-                <a16:creationId xmlns:a16="http://schemas.microsoft.com/office/drawing/2014/main" id="{F861E724-3454-0ED9-7B71-61CD1E2B901F}"/>
-              </a:ext>
-            </a:extLst>
-          </p:cNvPr>
-          <p:cNvSpPr>
-            <a:spLocks noGrp="1"/>
-          </p:cNvSpPr>
-          <p:nvPr>
-            <p:ph type="title"/>
-          </p:nvPr>
-        </p:nvSpPr>
-        <p:spPr/>
-        <p:txBody>
-          <a:bodyPr/>
-          <a:lstStyle/>
-          <a:p>
-            <a:r>
-              <a:rPr lang="en-US" dirty="0"/>
-              <a:t>Why send all the rows at once?</a:t>
-            </a:r>
-          </a:p>
-        </p:txBody>
-      </p:sp>
-      <p:sp>
-        <p:nvSpPr>
-          <p:cNvPr id="3" name="Content Placeholder 2">
-            <a:extLst>
-              <a:ext uri="{FF2B5EF4-FFF2-40B4-BE49-F238E27FC236}">
-                <a16:creationId xmlns:a16="http://schemas.microsoft.com/office/drawing/2014/main" id="{FAEBB5E7-E3F3-A560-76C6-AE2BB967F322}"/>
-              </a:ext>
-            </a:extLst>
-          </p:cNvPr>
-          <p:cNvSpPr>
-            <a:spLocks noGrp="1"/>
-          </p:cNvSpPr>
-          <p:nvPr>
-            <p:ph idx="1"/>
-          </p:nvPr>
-        </p:nvSpPr>
-        <p:spPr/>
-        <p:txBody>
-          <a:bodyPr/>
-          <a:lstStyle/>
-          <a:p>
-            <a:pPr marL="171450" indent="-171450">
-              <a:buFontTx/>
-              <a:buChar char="-"/>
-            </a:pPr>
-            <a:r>
-              <a:rPr lang="en-US" dirty="0"/>
-              <a:t>All the data is related. Either all of it updates as a unit or none of it does.</a:t>
-            </a:r>
-          </a:p>
-          <a:p>
-            <a:pPr marL="171450" indent="-171450">
-              <a:buFontTx/>
-              <a:buChar char="-"/>
-            </a:pPr>
-            <a:r>
-              <a:rPr lang="en-US" dirty="0"/>
-              <a:t>Keep the lifetime of the transaction to a minimum</a:t>
-            </a:r>
-          </a:p>
-          <a:p>
-            <a:pPr marL="171450" indent="-171450">
-              <a:buFontTx/>
-              <a:buChar char="-"/>
-            </a:pPr>
-            <a:r>
-              <a:rPr lang="en-US" dirty="0"/>
-              <a:t>Avoid staging-table management</a:t>
-            </a:r>
-          </a:p>
-          <a:p>
-            <a:pPr marL="628650" lvl="1" indent="-171450">
-              <a:buFontTx/>
-              <a:buChar char="-"/>
-            </a:pPr>
-            <a:r>
-              <a:rPr lang="en-US" dirty="0"/>
-              <a:t>procs to pre-clean the staging tables </a:t>
-            </a:r>
-          </a:p>
-          <a:p>
-            <a:pPr marL="628650" lvl="1" indent="-171450">
-              <a:buFontTx/>
-              <a:buChar char="-"/>
-            </a:pPr>
-            <a:r>
-              <a:rPr lang="en-US" dirty="0"/>
-              <a:t>procs to swap the data afterwards</a:t>
-            </a:r>
-          </a:p>
-          <a:p>
-            <a:pPr marL="171450" indent="-171450">
-              <a:buFontTx/>
-              <a:buChar char="-"/>
-            </a:pPr>
-            <a:r>
-              <a:rPr lang="en-US" dirty="0"/>
-              <a:t>Avoid session management</a:t>
-            </a:r>
-          </a:p>
-          <a:p>
-            <a:pPr marL="628650" lvl="1" indent="-171450">
-              <a:buFontTx/>
-              <a:buChar char="-"/>
-            </a:pPr>
-            <a:r>
-              <a:rPr lang="en-US" dirty="0"/>
-              <a:t>Even worse if everyone uses the same common application login</a:t>
-            </a:r>
-          </a:p>
-          <a:p>
-            <a:pPr marL="628650" lvl="1" indent="-171450">
-              <a:buFontTx/>
-              <a:buChar char="-"/>
-            </a:pPr>
-            <a:endParaRPr lang="en-US" dirty="0"/>
-          </a:p>
-        </p:txBody>
-      </p:sp>
-    </p:spTree>
-    <p:extLst>
-      <p:ext uri="{BB962C8B-B14F-4D97-AF65-F5344CB8AC3E}">
-        <p14:creationId xmlns:p14="http://schemas.microsoft.com/office/powerpoint/2010/main" val="1677124138"/>
-      </p:ext>
-    </p:extLst>
-  </p:cSld>
-  <p:clrMapOvr>
-    <a:masterClrMapping/>
-  </p:clrMapOvr>
-</p:sld>
-</file>
-
-<file path=ppt/slides/slide30.xml><?xml version="1.0" encoding="utf-8"?>
+<file path=ppt/slides/slide31.xml><?xml version="1.0" encoding="utf-8"?>
 <p:sld xmlns:a="http://schemas.openxmlformats.org/drawingml/2006/main" xmlns:r="http://schemas.openxmlformats.org/officeDocument/2006/relationships" xmlns:p="http://schemas.openxmlformats.org/presentationml/2006/main">
   <p:cSld>
     <p:spTree>
@@ -19631,363 +20239,6 @@
 </p:sld>
 </file>
 
-<file path=ppt/slides/slide31.xml><?xml version="1.0" encoding="utf-8"?>
-<p:sld xmlns:a="http://schemas.openxmlformats.org/drawingml/2006/main" xmlns:r="http://schemas.openxmlformats.org/officeDocument/2006/relationships" xmlns:p="http://schemas.openxmlformats.org/presentationml/2006/main">
-  <p:cSld>
-    <p:spTree>
-      <p:nvGrpSpPr>
-        <p:cNvPr id="1" name=""/>
-        <p:cNvGrpSpPr/>
-        <p:nvPr/>
-      </p:nvGrpSpPr>
-      <p:grpSpPr>
-        <a:xfrm>
-          <a:off x="0" y="0"/>
-          <a:ext cx="0" cy="0"/>
-          <a:chOff x="0" y="0"/>
-          <a:chExt cx="0" cy="0"/>
-        </a:xfrm>
-      </p:grpSpPr>
-      <p:sp>
-        <p:nvSpPr>
-          <p:cNvPr id="2" name="Title 1">
-            <a:extLst>
-              <a:ext uri="{FF2B5EF4-FFF2-40B4-BE49-F238E27FC236}">
-                <a16:creationId xmlns:a16="http://schemas.microsoft.com/office/drawing/2014/main" id="{3B0F581C-1A26-B138-2F1B-17DB0DABB7AB}"/>
-              </a:ext>
-            </a:extLst>
-          </p:cNvPr>
-          <p:cNvSpPr>
-            <a:spLocks noGrp="1"/>
-          </p:cNvSpPr>
-          <p:nvPr>
-            <p:ph type="title"/>
-          </p:nvPr>
-        </p:nvSpPr>
-        <p:spPr/>
-        <p:txBody>
-          <a:bodyPr/>
-          <a:lstStyle/>
-          <a:p>
-            <a:r>
-              <a:rPr lang="en-US" dirty="0"/>
-              <a:t>Performance-tuning a UDTT (steps)</a:t>
-            </a:r>
-          </a:p>
-        </p:txBody>
-      </p:sp>
-      <p:sp>
-        <p:nvSpPr>
-          <p:cNvPr id="5" name="TextBox 4">
-            <a:extLst>
-              <a:ext uri="{FF2B5EF4-FFF2-40B4-BE49-F238E27FC236}">
-                <a16:creationId xmlns:a16="http://schemas.microsoft.com/office/drawing/2014/main" id="{560104CE-AA4C-15AA-A925-91D0F4E32BEF}"/>
-              </a:ext>
-            </a:extLst>
-          </p:cNvPr>
-          <p:cNvSpPr txBox="1"/>
-          <p:nvPr/>
-        </p:nvSpPr>
-        <p:spPr>
-          <a:xfrm>
-            <a:off x="1253836" y="1815378"/>
-            <a:ext cx="9684328" cy="2862322"/>
-          </a:xfrm>
-          <a:prstGeom prst="rect">
-            <a:avLst/>
-          </a:prstGeom>
-          <a:noFill/>
-        </p:spPr>
-        <p:txBody>
-          <a:bodyPr wrap="square">
-            <a:spAutoFit/>
-          </a:bodyPr>
-          <a:lstStyle/>
-          <a:p>
-            <a:r>
-              <a:rPr lang="en-US" sz="1800" dirty="0">
-                <a:solidFill>
-                  <a:srgbClr val="0000FF"/>
-                </a:solidFill>
-                <a:latin typeface="Consolas" panose="020B0609020204030204" pitchFamily="49" charset="0"/>
-              </a:rPr>
-              <a:t>declare</a:t>
-            </a:r>
-            <a:r>
-              <a:rPr lang="en-US" sz="1800" dirty="0">
-                <a:solidFill>
-                  <a:srgbClr val="000000"/>
-                </a:solidFill>
-                <a:latin typeface="Consolas" panose="020B0609020204030204" pitchFamily="49" charset="0"/>
-              </a:rPr>
-              <a:t> @p2 </a:t>
-            </a:r>
-            <a:r>
-              <a:rPr lang="en-US" sz="1800" dirty="0" err="1">
-                <a:solidFill>
-                  <a:srgbClr val="000000"/>
-                </a:solidFill>
-                <a:latin typeface="Consolas" panose="020B0609020204030204" pitchFamily="49" charset="0"/>
-              </a:rPr>
-              <a:t>dbo</a:t>
-            </a:r>
-            <a:r>
-              <a:rPr lang="en-US" sz="1800" dirty="0" err="1">
-                <a:solidFill>
-                  <a:srgbClr val="808080"/>
-                </a:solidFill>
-                <a:latin typeface="Consolas" panose="020B0609020204030204" pitchFamily="49" charset="0"/>
-              </a:rPr>
-              <a:t>.</a:t>
-            </a:r>
-            <a:r>
-              <a:rPr lang="en-US" sz="1800" dirty="0" err="1">
-                <a:solidFill>
-                  <a:srgbClr val="000000"/>
-                </a:solidFill>
-                <a:latin typeface="Consolas" panose="020B0609020204030204" pitchFamily="49" charset="0"/>
-              </a:rPr>
-              <a:t>Type_Measurements</a:t>
-            </a:r>
-            <a:endParaRPr lang="en-US" sz="1800" dirty="0">
-              <a:solidFill>
-                <a:srgbClr val="000000"/>
-              </a:solidFill>
-              <a:latin typeface="Consolas" panose="020B0609020204030204" pitchFamily="49" charset="0"/>
-            </a:endParaRPr>
-          </a:p>
-          <a:p>
-            <a:r>
-              <a:rPr lang="en-US" sz="1800" dirty="0">
-                <a:solidFill>
-                  <a:srgbClr val="008000"/>
-                </a:solidFill>
-                <a:latin typeface="Consolas" panose="020B0609020204030204" pitchFamily="49" charset="0"/>
-              </a:rPr>
-              <a:t>--insert into @p2 values(N'K',11)</a:t>
-            </a:r>
-            <a:endParaRPr lang="en-US" sz="1800" dirty="0">
-              <a:solidFill>
-                <a:srgbClr val="000000"/>
-              </a:solidFill>
-              <a:latin typeface="Consolas" panose="020B0609020204030204" pitchFamily="49" charset="0"/>
-            </a:endParaRPr>
-          </a:p>
-          <a:p>
-            <a:r>
-              <a:rPr lang="en-US" sz="1800" dirty="0">
-                <a:solidFill>
-                  <a:srgbClr val="008000"/>
-                </a:solidFill>
-                <a:latin typeface="Consolas" panose="020B0609020204030204" pitchFamily="49" charset="0"/>
-              </a:rPr>
-              <a:t>--insert into @p2 values(N'L',12)</a:t>
-            </a:r>
-            <a:endParaRPr lang="en-US" sz="1800" dirty="0">
-              <a:solidFill>
-                <a:srgbClr val="000000"/>
-              </a:solidFill>
-              <a:latin typeface="Consolas" panose="020B0609020204030204" pitchFamily="49" charset="0"/>
-            </a:endParaRPr>
-          </a:p>
-          <a:p>
-            <a:r>
-              <a:rPr lang="en-US" sz="1800" dirty="0">
-                <a:solidFill>
-                  <a:srgbClr val="008000"/>
-                </a:solidFill>
-                <a:latin typeface="Consolas" panose="020B0609020204030204" pitchFamily="49" charset="0"/>
-              </a:rPr>
-              <a:t>--insert into @p2 values(N'M',13)</a:t>
-            </a:r>
-            <a:endParaRPr lang="en-US" sz="1800" dirty="0">
-              <a:solidFill>
-                <a:srgbClr val="000000"/>
-              </a:solidFill>
-              <a:latin typeface="Consolas" panose="020B0609020204030204" pitchFamily="49" charset="0"/>
-            </a:endParaRPr>
-          </a:p>
-          <a:p>
-            <a:r>
-              <a:rPr lang="en-US" sz="1800" dirty="0">
-                <a:solidFill>
-                  <a:srgbClr val="008000"/>
-                </a:solidFill>
-                <a:latin typeface="Consolas" panose="020B0609020204030204" pitchFamily="49" charset="0"/>
-              </a:rPr>
-              <a:t>--insert into @p2 values(N'N',14)</a:t>
-            </a:r>
-            <a:endParaRPr lang="en-US" sz="1800" dirty="0">
-              <a:solidFill>
-                <a:srgbClr val="000000"/>
-              </a:solidFill>
-              <a:latin typeface="Consolas" panose="020B0609020204030204" pitchFamily="49" charset="0"/>
-            </a:endParaRPr>
-          </a:p>
-          <a:p>
-            <a:r>
-              <a:rPr lang="en-US" sz="1800" dirty="0">
-                <a:solidFill>
-                  <a:srgbClr val="008000"/>
-                </a:solidFill>
-                <a:latin typeface="Consolas" panose="020B0609020204030204" pitchFamily="49" charset="0"/>
-              </a:rPr>
-              <a:t>--insert into @p2 values(N'O',15)</a:t>
-            </a:r>
-          </a:p>
-          <a:p>
-            <a:endParaRPr lang="en-US" sz="1800" dirty="0">
-              <a:solidFill>
-                <a:srgbClr val="000000"/>
-              </a:solidFill>
-              <a:latin typeface="Consolas" panose="020B0609020204030204" pitchFamily="49" charset="0"/>
-            </a:endParaRPr>
-          </a:p>
-          <a:p>
-            <a:r>
-              <a:rPr lang="en-US" sz="1800" dirty="0">
-                <a:solidFill>
-                  <a:srgbClr val="0000FF"/>
-                </a:solidFill>
-                <a:latin typeface="Consolas" panose="020B0609020204030204" pitchFamily="49" charset="0"/>
-              </a:rPr>
-              <a:t>SELECT</a:t>
-            </a:r>
-            <a:r>
-              <a:rPr lang="en-US" sz="1800" dirty="0">
-                <a:solidFill>
-                  <a:srgbClr val="000000"/>
-                </a:solidFill>
-                <a:latin typeface="Consolas" panose="020B0609020204030204" pitchFamily="49" charset="0"/>
-              </a:rPr>
-              <a:t> </a:t>
-            </a:r>
-            <a:r>
-              <a:rPr lang="en-US" sz="1800" dirty="0">
-                <a:solidFill>
-                  <a:srgbClr val="808080"/>
-                </a:solidFill>
-                <a:latin typeface="Consolas" panose="020B0609020204030204" pitchFamily="49" charset="0"/>
-              </a:rPr>
-              <a:t>*</a:t>
-            </a:r>
-            <a:r>
-              <a:rPr lang="en-US" sz="1800" dirty="0">
-                <a:solidFill>
-                  <a:srgbClr val="000000"/>
-                </a:solidFill>
-                <a:latin typeface="Consolas" panose="020B0609020204030204" pitchFamily="49" charset="0"/>
-              </a:rPr>
-              <a:t> </a:t>
-            </a:r>
-            <a:r>
-              <a:rPr lang="en-US" sz="1800" dirty="0">
-                <a:solidFill>
-                  <a:srgbClr val="0000FF"/>
-                </a:solidFill>
-                <a:latin typeface="Consolas" panose="020B0609020204030204" pitchFamily="49" charset="0"/>
-              </a:rPr>
-              <a:t>INTO</a:t>
-            </a:r>
-            <a:r>
-              <a:rPr lang="en-US" sz="1800" dirty="0">
-                <a:solidFill>
-                  <a:srgbClr val="000000"/>
-                </a:solidFill>
-                <a:latin typeface="Consolas" panose="020B0609020204030204" pitchFamily="49" charset="0"/>
-              </a:rPr>
-              <a:t> #p2 </a:t>
-            </a:r>
-            <a:r>
-              <a:rPr lang="en-US" sz="1800" dirty="0">
-                <a:solidFill>
-                  <a:srgbClr val="0000FF"/>
-                </a:solidFill>
-                <a:latin typeface="Consolas" panose="020B0609020204030204" pitchFamily="49" charset="0"/>
-              </a:rPr>
-              <a:t>FROM</a:t>
-            </a:r>
-            <a:r>
-              <a:rPr lang="en-US" sz="1800" dirty="0">
-                <a:solidFill>
-                  <a:srgbClr val="000000"/>
-                </a:solidFill>
-                <a:latin typeface="Consolas" panose="020B0609020204030204" pitchFamily="49" charset="0"/>
-              </a:rPr>
-              <a:t> @p2</a:t>
-            </a:r>
-          </a:p>
-          <a:p>
-            <a:endParaRPr lang="en-US" sz="1800" dirty="0">
-              <a:solidFill>
-                <a:srgbClr val="000000"/>
-              </a:solidFill>
-              <a:latin typeface="Consolas" panose="020B0609020204030204" pitchFamily="49" charset="0"/>
-            </a:endParaRPr>
-          </a:p>
-          <a:p>
-            <a:r>
-              <a:rPr lang="en-US" sz="1800" dirty="0">
-                <a:solidFill>
-                  <a:srgbClr val="008000"/>
-                </a:solidFill>
-                <a:latin typeface="Consolas" panose="020B0609020204030204" pitchFamily="49" charset="0"/>
-              </a:rPr>
-              <a:t>--exec [</a:t>
-            </a:r>
-            <a:r>
-              <a:rPr lang="en-US" sz="1800" dirty="0" err="1">
-                <a:solidFill>
-                  <a:srgbClr val="008000"/>
-                </a:solidFill>
-                <a:latin typeface="Consolas" panose="020B0609020204030204" pitchFamily="49" charset="0"/>
-              </a:rPr>
-              <a:t>dbo</a:t>
-            </a:r>
-            <a:r>
-              <a:rPr lang="en-US" sz="1800" dirty="0">
-                <a:solidFill>
-                  <a:srgbClr val="008000"/>
-                </a:solidFill>
-                <a:latin typeface="Consolas" panose="020B0609020204030204" pitchFamily="49" charset="0"/>
-              </a:rPr>
-              <a:t>].[</a:t>
-            </a:r>
-            <a:r>
-              <a:rPr lang="en-US" sz="1800" dirty="0" err="1">
-                <a:solidFill>
-                  <a:srgbClr val="008000"/>
-                </a:solidFill>
-                <a:latin typeface="Consolas" panose="020B0609020204030204" pitchFamily="49" charset="0"/>
-              </a:rPr>
-              <a:t>usp_Measurements_Upsert</a:t>
-            </a:r>
-            <a:r>
-              <a:rPr lang="en-US" sz="1800" dirty="0">
-                <a:solidFill>
-                  <a:srgbClr val="008000"/>
-                </a:solidFill>
-                <a:latin typeface="Consolas" panose="020B0609020204030204" pitchFamily="49" charset="0"/>
-              </a:rPr>
-              <a:t>] @LocationCode=2,@dt_Measurements=@p2</a:t>
-            </a:r>
-            <a:endParaRPr lang="en-US" dirty="0"/>
-          </a:p>
-        </p:txBody>
-      </p:sp>
-    </p:spTree>
-    <p:extLst>
-      <p:ext uri="{BB962C8B-B14F-4D97-AF65-F5344CB8AC3E}">
-        <p14:creationId xmlns:p14="http://schemas.microsoft.com/office/powerpoint/2010/main" val="3186539142"/>
-      </p:ext>
-    </p:extLst>
-  </p:cSld>
-  <p:clrMapOvr>
-    <a:masterClrMapping/>
-  </p:clrMapOvr>
-</p:sld>
-</file>
-
 <file path=ppt/slides/slide32.xml><?xml version="1.0" encoding="utf-8"?>
 <p:sld xmlns:a="http://schemas.openxmlformats.org/drawingml/2006/main" xmlns:r="http://schemas.openxmlformats.org/officeDocument/2006/relationships" xmlns:p="http://schemas.openxmlformats.org/presentationml/2006/main">
   <p:cSld>
@@ -20048,7 +20299,7 @@
         <p:spPr>
           <a:xfrm>
             <a:off x="1253836" y="1815378"/>
-            <a:ext cx="9684328" cy="3139321"/>
+            <a:ext cx="9684328" cy="2862322"/>
           </a:xfrm>
           <a:prstGeom prst="rect">
             <a:avLst/>
@@ -20275,98 +20526,6 @@
             </a:r>
           </a:p>
           <a:p>
-            <a:r>
-              <a:rPr lang="en-US" sz="1800" dirty="0">
-                <a:solidFill>
-                  <a:srgbClr val="0000FF"/>
-                </a:solidFill>
-                <a:latin typeface="Consolas" panose="020B0609020204030204" pitchFamily="49" charset="0"/>
-              </a:rPr>
-              <a:t>INSERT</a:t>
-            </a:r>
-            <a:r>
-              <a:rPr lang="en-US" sz="1800" dirty="0">
-                <a:solidFill>
-                  <a:srgbClr val="000000"/>
-                </a:solidFill>
-                <a:latin typeface="Consolas" panose="020B0609020204030204" pitchFamily="49" charset="0"/>
-              </a:rPr>
-              <a:t> </a:t>
-            </a:r>
-            <a:r>
-              <a:rPr lang="en-US" sz="1800" dirty="0">
-                <a:solidFill>
-                  <a:srgbClr val="0000FF"/>
-                </a:solidFill>
-                <a:latin typeface="Consolas" panose="020B0609020204030204" pitchFamily="49" charset="0"/>
-              </a:rPr>
-              <a:t>INTO</a:t>
-            </a:r>
-            <a:r>
-              <a:rPr lang="en-US" sz="1800" dirty="0">
-                <a:solidFill>
-                  <a:srgbClr val="000000"/>
-                </a:solidFill>
-                <a:latin typeface="Consolas" panose="020B0609020204030204" pitchFamily="49" charset="0"/>
-              </a:rPr>
-              <a:t> @p2 </a:t>
-            </a:r>
-            <a:r>
-              <a:rPr lang="en-US" sz="1800" dirty="0">
-                <a:solidFill>
-                  <a:srgbClr val="0000FF"/>
-                </a:solidFill>
-                <a:latin typeface="Consolas" panose="020B0609020204030204" pitchFamily="49" charset="0"/>
-              </a:rPr>
-              <a:t>SELECT</a:t>
-            </a:r>
-            <a:r>
-              <a:rPr lang="en-US" sz="1800" dirty="0">
-                <a:solidFill>
-                  <a:srgbClr val="000000"/>
-                </a:solidFill>
-                <a:latin typeface="Consolas" panose="020B0609020204030204" pitchFamily="49" charset="0"/>
-              </a:rPr>
-              <a:t> </a:t>
-            </a:r>
-            <a:r>
-              <a:rPr lang="en-US" sz="1800" dirty="0">
-                <a:solidFill>
-                  <a:srgbClr val="808080"/>
-                </a:solidFill>
-                <a:latin typeface="Consolas" panose="020B0609020204030204" pitchFamily="49" charset="0"/>
-              </a:rPr>
-              <a:t>*</a:t>
-            </a:r>
-            <a:r>
-              <a:rPr lang="en-US" sz="1800" dirty="0">
-                <a:solidFill>
-                  <a:srgbClr val="000000"/>
-                </a:solidFill>
-                <a:latin typeface="Consolas" panose="020B0609020204030204" pitchFamily="49" charset="0"/>
-              </a:rPr>
-              <a:t> </a:t>
-            </a:r>
-            <a:r>
-              <a:rPr lang="en-US" sz="1800" dirty="0">
-                <a:solidFill>
-                  <a:srgbClr val="0000FF"/>
-                </a:solidFill>
-                <a:latin typeface="Consolas" panose="020B0609020204030204" pitchFamily="49" charset="0"/>
-              </a:rPr>
-              <a:t>FROM</a:t>
-            </a:r>
-            <a:r>
-              <a:rPr lang="en-US" sz="1800" dirty="0">
-                <a:solidFill>
-                  <a:srgbClr val="000000"/>
-                </a:solidFill>
-                <a:latin typeface="Consolas" panose="020B0609020204030204" pitchFamily="49" charset="0"/>
-              </a:rPr>
-              <a:t> #p2</a:t>
-            </a:r>
-          </a:p>
-          <a:p>
             <a:endParaRPr lang="en-US" sz="1800" dirty="0">
               <a:solidFill>
                 <a:srgbClr val="000000"/>
@@ -20427,7 +20586,7 @@
     </p:spTree>
     <p:extLst>
       <p:ext uri="{BB962C8B-B14F-4D97-AF65-F5344CB8AC3E}">
-        <p14:creationId xmlns:p14="http://schemas.microsoft.com/office/powerpoint/2010/main" val="5845507"/>
+        <p14:creationId xmlns:p14="http://schemas.microsoft.com/office/powerpoint/2010/main" val="3186539142"/>
       </p:ext>
     </p:extLst>
   </p:cSld>
@@ -20653,6 +20812,455 @@
             <a:r>
               <a:rPr lang="en-US" sz="1800" dirty="0">
                 <a:solidFill>
+                  <a:srgbClr val="0000FF"/>
+                </a:solidFill>
+                <a:latin typeface="Consolas" panose="020B0609020204030204" pitchFamily="49" charset="0"/>
+              </a:rPr>
+              <a:t>SELECT</a:t>
+            </a:r>
+            <a:r>
+              <a:rPr lang="en-US" sz="1800" dirty="0">
+                <a:solidFill>
+                  <a:srgbClr val="000000"/>
+                </a:solidFill>
+                <a:latin typeface="Consolas" panose="020B0609020204030204" pitchFamily="49" charset="0"/>
+              </a:rPr>
+              <a:t> </a:t>
+            </a:r>
+            <a:r>
+              <a:rPr lang="en-US" sz="1800" dirty="0">
+                <a:solidFill>
+                  <a:srgbClr val="808080"/>
+                </a:solidFill>
+                <a:latin typeface="Consolas" panose="020B0609020204030204" pitchFamily="49" charset="0"/>
+              </a:rPr>
+              <a:t>*</a:t>
+            </a:r>
+            <a:r>
+              <a:rPr lang="en-US" sz="1800" dirty="0">
+                <a:solidFill>
+                  <a:srgbClr val="000000"/>
+                </a:solidFill>
+                <a:latin typeface="Consolas" panose="020B0609020204030204" pitchFamily="49" charset="0"/>
+              </a:rPr>
+              <a:t> </a:t>
+            </a:r>
+            <a:r>
+              <a:rPr lang="en-US" sz="1800" dirty="0">
+                <a:solidFill>
+                  <a:srgbClr val="0000FF"/>
+                </a:solidFill>
+                <a:latin typeface="Consolas" panose="020B0609020204030204" pitchFamily="49" charset="0"/>
+              </a:rPr>
+              <a:t>INTO</a:t>
+            </a:r>
+            <a:r>
+              <a:rPr lang="en-US" sz="1800" dirty="0">
+                <a:solidFill>
+                  <a:srgbClr val="000000"/>
+                </a:solidFill>
+                <a:latin typeface="Consolas" panose="020B0609020204030204" pitchFamily="49" charset="0"/>
+              </a:rPr>
+              <a:t> #p2 </a:t>
+            </a:r>
+            <a:r>
+              <a:rPr lang="en-US" sz="1800" dirty="0">
+                <a:solidFill>
+                  <a:srgbClr val="0000FF"/>
+                </a:solidFill>
+                <a:latin typeface="Consolas" panose="020B0609020204030204" pitchFamily="49" charset="0"/>
+              </a:rPr>
+              <a:t>FROM</a:t>
+            </a:r>
+            <a:r>
+              <a:rPr lang="en-US" sz="1800" dirty="0">
+                <a:solidFill>
+                  <a:srgbClr val="000000"/>
+                </a:solidFill>
+                <a:latin typeface="Consolas" panose="020B0609020204030204" pitchFamily="49" charset="0"/>
+              </a:rPr>
+              <a:t> @p2</a:t>
+            </a:r>
+          </a:p>
+          <a:p>
+            <a:r>
+              <a:rPr lang="en-US" sz="1800" dirty="0">
+                <a:solidFill>
+                  <a:srgbClr val="0000FF"/>
+                </a:solidFill>
+                <a:latin typeface="Consolas" panose="020B0609020204030204" pitchFamily="49" charset="0"/>
+              </a:rPr>
+              <a:t>INSERT</a:t>
+            </a:r>
+            <a:r>
+              <a:rPr lang="en-US" sz="1800" dirty="0">
+                <a:solidFill>
+                  <a:srgbClr val="000000"/>
+                </a:solidFill>
+                <a:latin typeface="Consolas" panose="020B0609020204030204" pitchFamily="49" charset="0"/>
+              </a:rPr>
+              <a:t> </a:t>
+            </a:r>
+            <a:r>
+              <a:rPr lang="en-US" sz="1800" dirty="0">
+                <a:solidFill>
+                  <a:srgbClr val="0000FF"/>
+                </a:solidFill>
+                <a:latin typeface="Consolas" panose="020B0609020204030204" pitchFamily="49" charset="0"/>
+              </a:rPr>
+              <a:t>INTO</a:t>
+            </a:r>
+            <a:r>
+              <a:rPr lang="en-US" sz="1800" dirty="0">
+                <a:solidFill>
+                  <a:srgbClr val="000000"/>
+                </a:solidFill>
+                <a:latin typeface="Consolas" panose="020B0609020204030204" pitchFamily="49" charset="0"/>
+              </a:rPr>
+              <a:t> @p2 </a:t>
+            </a:r>
+            <a:r>
+              <a:rPr lang="en-US" sz="1800" dirty="0">
+                <a:solidFill>
+                  <a:srgbClr val="0000FF"/>
+                </a:solidFill>
+                <a:latin typeface="Consolas" panose="020B0609020204030204" pitchFamily="49" charset="0"/>
+              </a:rPr>
+              <a:t>SELECT</a:t>
+            </a:r>
+            <a:r>
+              <a:rPr lang="en-US" sz="1800" dirty="0">
+                <a:solidFill>
+                  <a:srgbClr val="000000"/>
+                </a:solidFill>
+                <a:latin typeface="Consolas" panose="020B0609020204030204" pitchFamily="49" charset="0"/>
+              </a:rPr>
+              <a:t> </a:t>
+            </a:r>
+            <a:r>
+              <a:rPr lang="en-US" sz="1800" dirty="0">
+                <a:solidFill>
+                  <a:srgbClr val="808080"/>
+                </a:solidFill>
+                <a:latin typeface="Consolas" panose="020B0609020204030204" pitchFamily="49" charset="0"/>
+              </a:rPr>
+              <a:t>*</a:t>
+            </a:r>
+            <a:r>
+              <a:rPr lang="en-US" sz="1800" dirty="0">
+                <a:solidFill>
+                  <a:srgbClr val="000000"/>
+                </a:solidFill>
+                <a:latin typeface="Consolas" panose="020B0609020204030204" pitchFamily="49" charset="0"/>
+              </a:rPr>
+              <a:t> </a:t>
+            </a:r>
+            <a:r>
+              <a:rPr lang="en-US" sz="1800" dirty="0">
+                <a:solidFill>
+                  <a:srgbClr val="0000FF"/>
+                </a:solidFill>
+                <a:latin typeface="Consolas" panose="020B0609020204030204" pitchFamily="49" charset="0"/>
+              </a:rPr>
+              <a:t>FROM</a:t>
+            </a:r>
+            <a:r>
+              <a:rPr lang="en-US" sz="1800" dirty="0">
+                <a:solidFill>
+                  <a:srgbClr val="000000"/>
+                </a:solidFill>
+                <a:latin typeface="Consolas" panose="020B0609020204030204" pitchFamily="49" charset="0"/>
+              </a:rPr>
+              <a:t> #p2</a:t>
+            </a:r>
+          </a:p>
+          <a:p>
+            <a:endParaRPr lang="en-US" sz="1800" dirty="0">
+              <a:solidFill>
+                <a:srgbClr val="000000"/>
+              </a:solidFill>
+              <a:latin typeface="Consolas" panose="020B0609020204030204" pitchFamily="49" charset="0"/>
+            </a:endParaRPr>
+          </a:p>
+          <a:p>
+            <a:r>
+              <a:rPr lang="en-US" sz="1800" dirty="0">
+                <a:solidFill>
+                  <a:srgbClr val="008000"/>
+                </a:solidFill>
+                <a:latin typeface="Consolas" panose="020B0609020204030204" pitchFamily="49" charset="0"/>
+              </a:rPr>
+              <a:t>--exec [</a:t>
+            </a:r>
+            <a:r>
+              <a:rPr lang="en-US" sz="1800" dirty="0" err="1">
+                <a:solidFill>
+                  <a:srgbClr val="008000"/>
+                </a:solidFill>
+                <a:latin typeface="Consolas" panose="020B0609020204030204" pitchFamily="49" charset="0"/>
+              </a:rPr>
+              <a:t>dbo</a:t>
+            </a:r>
+            <a:r>
+              <a:rPr lang="en-US" sz="1800" dirty="0">
+                <a:solidFill>
+                  <a:srgbClr val="008000"/>
+                </a:solidFill>
+                <a:latin typeface="Consolas" panose="020B0609020204030204" pitchFamily="49" charset="0"/>
+              </a:rPr>
+              <a:t>].[</a:t>
+            </a:r>
+            <a:r>
+              <a:rPr lang="en-US" sz="1800" dirty="0" err="1">
+                <a:solidFill>
+                  <a:srgbClr val="008000"/>
+                </a:solidFill>
+                <a:latin typeface="Consolas" panose="020B0609020204030204" pitchFamily="49" charset="0"/>
+              </a:rPr>
+              <a:t>usp_Measurements_Upsert</a:t>
+            </a:r>
+            <a:r>
+              <a:rPr lang="en-US" sz="1800" dirty="0">
+                <a:solidFill>
+                  <a:srgbClr val="008000"/>
+                </a:solidFill>
+                <a:latin typeface="Consolas" panose="020B0609020204030204" pitchFamily="49" charset="0"/>
+              </a:rPr>
+              <a:t>] @LocationCode=2,@dt_Measurements=@p2</a:t>
+            </a:r>
+            <a:endParaRPr lang="en-US" dirty="0"/>
+          </a:p>
+        </p:txBody>
+      </p:sp>
+    </p:spTree>
+    <p:extLst>
+      <p:ext uri="{BB962C8B-B14F-4D97-AF65-F5344CB8AC3E}">
+        <p14:creationId xmlns:p14="http://schemas.microsoft.com/office/powerpoint/2010/main" val="5845507"/>
+      </p:ext>
+    </p:extLst>
+  </p:cSld>
+  <p:clrMapOvr>
+    <a:masterClrMapping/>
+  </p:clrMapOvr>
+</p:sld>
+</file>
+
+<file path=ppt/slides/slide34.xml><?xml version="1.0" encoding="utf-8"?>
+<p:sld xmlns:a="http://schemas.openxmlformats.org/drawingml/2006/main" xmlns:r="http://schemas.openxmlformats.org/officeDocument/2006/relationships" xmlns:p="http://schemas.openxmlformats.org/presentationml/2006/main">
+  <p:cSld>
+    <p:spTree>
+      <p:nvGrpSpPr>
+        <p:cNvPr id="1" name=""/>
+        <p:cNvGrpSpPr/>
+        <p:nvPr/>
+      </p:nvGrpSpPr>
+      <p:grpSpPr>
+        <a:xfrm>
+          <a:off x="0" y="0"/>
+          <a:ext cx="0" cy="0"/>
+          <a:chOff x="0" y="0"/>
+          <a:chExt cx="0" cy="0"/>
+        </a:xfrm>
+      </p:grpSpPr>
+      <p:sp>
+        <p:nvSpPr>
+          <p:cNvPr id="2" name="Title 1">
+            <a:extLst>
+              <a:ext uri="{FF2B5EF4-FFF2-40B4-BE49-F238E27FC236}">
+                <a16:creationId xmlns:a16="http://schemas.microsoft.com/office/drawing/2014/main" id="{3B0F581C-1A26-B138-2F1B-17DB0DABB7AB}"/>
+              </a:ext>
+            </a:extLst>
+          </p:cNvPr>
+          <p:cNvSpPr>
+            <a:spLocks noGrp="1"/>
+          </p:cNvSpPr>
+          <p:nvPr>
+            <p:ph type="title"/>
+          </p:nvPr>
+        </p:nvSpPr>
+        <p:spPr/>
+        <p:txBody>
+          <a:bodyPr/>
+          <a:lstStyle/>
+          <a:p>
+            <a:r>
+              <a:rPr lang="en-US" dirty="0"/>
+              <a:t>Performance-tuning a UDTT (steps)</a:t>
+            </a:r>
+          </a:p>
+        </p:txBody>
+      </p:sp>
+      <p:sp>
+        <p:nvSpPr>
+          <p:cNvPr id="5" name="TextBox 4">
+            <a:extLst>
+              <a:ext uri="{FF2B5EF4-FFF2-40B4-BE49-F238E27FC236}">
+                <a16:creationId xmlns:a16="http://schemas.microsoft.com/office/drawing/2014/main" id="{560104CE-AA4C-15AA-A925-91D0F4E32BEF}"/>
+              </a:ext>
+            </a:extLst>
+          </p:cNvPr>
+          <p:cNvSpPr txBox="1"/>
+          <p:nvPr/>
+        </p:nvSpPr>
+        <p:spPr>
+          <a:xfrm>
+            <a:off x="1253836" y="1815378"/>
+            <a:ext cx="9684328" cy="3139321"/>
+          </a:xfrm>
+          <a:prstGeom prst="rect">
+            <a:avLst/>
+          </a:prstGeom>
+          <a:noFill/>
+        </p:spPr>
+        <p:txBody>
+          <a:bodyPr wrap="square">
+            <a:spAutoFit/>
+          </a:bodyPr>
+          <a:lstStyle/>
+          <a:p>
+            <a:r>
+              <a:rPr lang="en-US" sz="1800" dirty="0">
+                <a:solidFill>
+                  <a:srgbClr val="0000FF"/>
+                </a:solidFill>
+                <a:latin typeface="Consolas" panose="020B0609020204030204" pitchFamily="49" charset="0"/>
+              </a:rPr>
+              <a:t>declare</a:t>
+            </a:r>
+            <a:r>
+              <a:rPr lang="en-US" sz="1800" dirty="0">
+                <a:solidFill>
+                  <a:srgbClr val="000000"/>
+                </a:solidFill>
+                <a:latin typeface="Consolas" panose="020B0609020204030204" pitchFamily="49" charset="0"/>
+              </a:rPr>
+              <a:t> @p2 </a:t>
+            </a:r>
+            <a:r>
+              <a:rPr lang="en-US" sz="1800" dirty="0" err="1">
+                <a:solidFill>
+                  <a:srgbClr val="000000"/>
+                </a:solidFill>
+                <a:latin typeface="Consolas" panose="020B0609020204030204" pitchFamily="49" charset="0"/>
+              </a:rPr>
+              <a:t>dbo</a:t>
+            </a:r>
+            <a:r>
+              <a:rPr lang="en-US" sz="1800" dirty="0" err="1">
+                <a:solidFill>
+                  <a:srgbClr val="808080"/>
+                </a:solidFill>
+                <a:latin typeface="Consolas" panose="020B0609020204030204" pitchFamily="49" charset="0"/>
+              </a:rPr>
+              <a:t>.</a:t>
+            </a:r>
+            <a:r>
+              <a:rPr lang="en-US" sz="1800" dirty="0" err="1">
+                <a:solidFill>
+                  <a:srgbClr val="000000"/>
+                </a:solidFill>
+                <a:latin typeface="Consolas" panose="020B0609020204030204" pitchFamily="49" charset="0"/>
+              </a:rPr>
+              <a:t>Type_Measurements</a:t>
+            </a:r>
+            <a:endParaRPr lang="en-US" sz="1800" dirty="0">
+              <a:solidFill>
+                <a:srgbClr val="000000"/>
+              </a:solidFill>
+              <a:latin typeface="Consolas" panose="020B0609020204030204" pitchFamily="49" charset="0"/>
+            </a:endParaRPr>
+          </a:p>
+          <a:p>
+            <a:r>
+              <a:rPr lang="en-US" sz="1800" dirty="0">
+                <a:solidFill>
+                  <a:srgbClr val="008000"/>
+                </a:solidFill>
+                <a:latin typeface="Consolas" panose="020B0609020204030204" pitchFamily="49" charset="0"/>
+              </a:rPr>
+              <a:t>--insert into @p2 values(N'K',11)</a:t>
+            </a:r>
+            <a:endParaRPr lang="en-US" sz="1800" dirty="0">
+              <a:solidFill>
+                <a:srgbClr val="000000"/>
+              </a:solidFill>
+              <a:latin typeface="Consolas" panose="020B0609020204030204" pitchFamily="49" charset="0"/>
+            </a:endParaRPr>
+          </a:p>
+          <a:p>
+            <a:r>
+              <a:rPr lang="en-US" sz="1800" dirty="0">
+                <a:solidFill>
+                  <a:srgbClr val="008000"/>
+                </a:solidFill>
+                <a:latin typeface="Consolas" panose="020B0609020204030204" pitchFamily="49" charset="0"/>
+              </a:rPr>
+              <a:t>--insert into @p2 values(N'L',12)</a:t>
+            </a:r>
+            <a:endParaRPr lang="en-US" sz="1800" dirty="0">
+              <a:solidFill>
+                <a:srgbClr val="000000"/>
+              </a:solidFill>
+              <a:latin typeface="Consolas" panose="020B0609020204030204" pitchFamily="49" charset="0"/>
+            </a:endParaRPr>
+          </a:p>
+          <a:p>
+            <a:r>
+              <a:rPr lang="en-US" sz="1800" dirty="0">
+                <a:solidFill>
+                  <a:srgbClr val="008000"/>
+                </a:solidFill>
+                <a:latin typeface="Consolas" panose="020B0609020204030204" pitchFamily="49" charset="0"/>
+              </a:rPr>
+              <a:t>--insert into @p2 values(N'M',13)</a:t>
+            </a:r>
+            <a:endParaRPr lang="en-US" sz="1800" dirty="0">
+              <a:solidFill>
+                <a:srgbClr val="000000"/>
+              </a:solidFill>
+              <a:latin typeface="Consolas" panose="020B0609020204030204" pitchFamily="49" charset="0"/>
+            </a:endParaRPr>
+          </a:p>
+          <a:p>
+            <a:r>
+              <a:rPr lang="en-US" sz="1800" dirty="0">
+                <a:solidFill>
+                  <a:srgbClr val="008000"/>
+                </a:solidFill>
+                <a:latin typeface="Consolas" panose="020B0609020204030204" pitchFamily="49" charset="0"/>
+              </a:rPr>
+              <a:t>--insert into @p2 values(N'N',14)</a:t>
+            </a:r>
+            <a:endParaRPr lang="en-US" sz="1800" dirty="0">
+              <a:solidFill>
+                <a:srgbClr val="000000"/>
+              </a:solidFill>
+              <a:latin typeface="Consolas" panose="020B0609020204030204" pitchFamily="49" charset="0"/>
+            </a:endParaRPr>
+          </a:p>
+          <a:p>
+            <a:r>
+              <a:rPr lang="en-US" sz="1800" dirty="0">
+                <a:solidFill>
+                  <a:srgbClr val="008000"/>
+                </a:solidFill>
+                <a:latin typeface="Consolas" panose="020B0609020204030204" pitchFamily="49" charset="0"/>
+              </a:rPr>
+              <a:t>--insert into @p2 values(N'O',15)</a:t>
+            </a:r>
+          </a:p>
+          <a:p>
+            <a:endParaRPr lang="en-US" sz="1800" dirty="0">
+              <a:solidFill>
+                <a:srgbClr val="000000"/>
+              </a:solidFill>
+              <a:latin typeface="Consolas" panose="020B0609020204030204" pitchFamily="49" charset="0"/>
+            </a:endParaRPr>
+          </a:p>
+          <a:p>
+            <a:r>
+              <a:rPr lang="en-US" sz="1800" dirty="0">
+                <a:solidFill>
                   <a:srgbClr val="008000"/>
                 </a:solidFill>
                 <a:latin typeface="Consolas" panose="020B0609020204030204" pitchFamily="49" charset="0"/>
@@ -20829,7 +21437,7 @@
 </p:sld>
 </file>
 
-<file path=ppt/slides/slide34.xml><?xml version="1.0" encoding="utf-8"?>
+<file path=ppt/slides/slide35.xml><?xml version="1.0" encoding="utf-8"?>
 <p:sld xmlns:a="http://schemas.openxmlformats.org/drawingml/2006/main" xmlns:r="http://schemas.openxmlformats.org/officeDocument/2006/relationships" xmlns:p="http://schemas.openxmlformats.org/presentationml/2006/main">
   <p:cSld>
     <p:spTree>
@@ -21505,7 +22113,7 @@
 </p:sld>
 </file>
 
-<file path=ppt/slides/slide35.xml><?xml version="1.0" encoding="utf-8"?>
+<file path=ppt/slides/slide36.xml><?xml version="1.0" encoding="utf-8"?>
 <p:sld xmlns:a="http://schemas.openxmlformats.org/drawingml/2006/main" xmlns:r="http://schemas.openxmlformats.org/officeDocument/2006/relationships" xmlns:p="http://schemas.openxmlformats.org/presentationml/2006/main">
   <p:cSld>
     <p:spTree>
@@ -21593,7 +22201,7 @@
 </p:sld>
 </file>
 
-<file path=ppt/slides/slide36.xml><?xml version="1.0" encoding="utf-8"?>
+<file path=ppt/slides/slide37.xml><?xml version="1.0" encoding="utf-8"?>
 <p:sld xmlns:a="http://schemas.openxmlformats.org/drawingml/2006/main" xmlns:r="http://schemas.openxmlformats.org/officeDocument/2006/relationships" xmlns:p="http://schemas.openxmlformats.org/presentationml/2006/main">
   <p:cSld>
     <p:spTree>
@@ -21698,7 +22306,7 @@
 </p:sld>
 </file>
 
-<file path=ppt/slides/slide37.xml><?xml version="1.0" encoding="utf-8"?>
+<file path=ppt/slides/slide38.xml><?xml version="1.0" encoding="utf-8"?>
 <p:sld xmlns:a="http://schemas.openxmlformats.org/drawingml/2006/main" xmlns:r="http://schemas.openxmlformats.org/officeDocument/2006/relationships" xmlns:p="http://schemas.openxmlformats.org/presentationml/2006/main">
   <p:cSld>
     <p:spTree>
@@ -22863,7 +23471,7 @@
 </p:sld>
 </file>
 
-<file path=ppt/slides/slide38.xml><?xml version="1.0" encoding="utf-8"?>
+<file path=ppt/slides/slide39.xml><?xml version="1.0" encoding="utf-8"?>
 <p:sld xmlns:a="http://schemas.openxmlformats.org/drawingml/2006/main" xmlns:r="http://schemas.openxmlformats.org/officeDocument/2006/relationships" xmlns:p="http://schemas.openxmlformats.org/presentationml/2006/main">
   <p:cSld>
     <p:spTree>
@@ -22923,120 +23531,6 @@
 </p:sld>
 </file>
 
-<file path=ppt/slides/slide39.xml><?xml version="1.0" encoding="utf-8"?>
-<p:sld xmlns:a="http://schemas.openxmlformats.org/drawingml/2006/main" xmlns:r="http://schemas.openxmlformats.org/officeDocument/2006/relationships" xmlns:p="http://schemas.openxmlformats.org/presentationml/2006/main">
-  <p:cSld>
-    <p:spTree>
-      <p:nvGrpSpPr>
-        <p:cNvPr id="1" name=""/>
-        <p:cNvGrpSpPr/>
-        <p:nvPr/>
-      </p:nvGrpSpPr>
-      <p:grpSpPr>
-        <a:xfrm>
-          <a:off x="0" y="0"/>
-          <a:ext cx="0" cy="0"/>
-          <a:chOff x="0" y="0"/>
-          <a:chExt cx="0" cy="0"/>
-        </a:xfrm>
-      </p:grpSpPr>
-      <p:sp>
-        <p:nvSpPr>
-          <p:cNvPr id="2" name="Title 1">
-            <a:extLst>
-              <a:ext uri="{FF2B5EF4-FFF2-40B4-BE49-F238E27FC236}">
-                <a16:creationId xmlns:a16="http://schemas.microsoft.com/office/drawing/2014/main" id="{5E6808C7-4687-8CAF-CA67-D6F64ECEF728}"/>
-              </a:ext>
-            </a:extLst>
-          </p:cNvPr>
-          <p:cNvSpPr>
-            <a:spLocks noGrp="1"/>
-          </p:cNvSpPr>
-          <p:nvPr>
-            <p:ph type="title"/>
-          </p:nvPr>
-        </p:nvSpPr>
-        <p:spPr/>
-        <p:txBody>
-          <a:bodyPr/>
-          <a:lstStyle/>
-          <a:p>
-            <a:r>
-              <a:rPr lang="en-US" dirty="0"/>
-              <a:t>Where to go from here?</a:t>
-            </a:r>
-          </a:p>
-        </p:txBody>
-      </p:sp>
-      <p:sp>
-        <p:nvSpPr>
-          <p:cNvPr id="3" name="Content Placeholder 2">
-            <a:extLst>
-              <a:ext uri="{FF2B5EF4-FFF2-40B4-BE49-F238E27FC236}">
-                <a16:creationId xmlns:a16="http://schemas.microsoft.com/office/drawing/2014/main" id="{20C4A8D2-F243-AE85-404D-613EFB9A3E41}"/>
-              </a:ext>
-            </a:extLst>
-          </p:cNvPr>
-          <p:cNvSpPr>
-            <a:spLocks noGrp="1"/>
-          </p:cNvSpPr>
-          <p:nvPr>
-            <p:ph idx="1"/>
-          </p:nvPr>
-        </p:nvSpPr>
-        <p:spPr/>
-        <p:txBody>
-          <a:bodyPr>
-            <a:normAutofit/>
-          </a:bodyPr>
-          <a:lstStyle/>
-          <a:p>
-            <a:r>
-              <a:rPr lang="en-US" sz="2400" dirty="0"/>
-              <a:t>This is great, and I can’t wait to implement it back home!</a:t>
-            </a:r>
-          </a:p>
-          <a:p>
-            <a:r>
-              <a:rPr lang="en-US" sz="2400" dirty="0"/>
-              <a:t>I learned a lot </a:t>
-            </a:r>
-            <a:r>
-              <a:rPr lang="en-US" sz="2400"/>
-              <a:t>about UDTTs</a:t>
-            </a:r>
-            <a:r>
-              <a:rPr lang="en-US" sz="2400" dirty="0"/>
-              <a:t>, but I will continue to do things the way I currently insert data</a:t>
-            </a:r>
-          </a:p>
-          <a:p>
-            <a:r>
-              <a:rPr lang="en-US" sz="2400" dirty="0"/>
-              <a:t>This is great because now I can effectively argue against this solution</a:t>
-            </a:r>
-          </a:p>
-          <a:p>
-            <a:endParaRPr lang="en-US" sz="2400" dirty="0"/>
-          </a:p>
-          <a:p>
-            <a:endParaRPr lang="en-US" sz="2400" dirty="0"/>
-          </a:p>
-        </p:txBody>
-      </p:sp>
-    </p:spTree>
-    <p:extLst>
-      <p:ext uri="{BB962C8B-B14F-4D97-AF65-F5344CB8AC3E}">
-        <p14:creationId xmlns:p14="http://schemas.microsoft.com/office/powerpoint/2010/main" val="3160636057"/>
-      </p:ext>
-    </p:extLst>
-  </p:cSld>
-  <p:clrMapOvr>
-    <a:masterClrMapping/>
-  </p:clrMapOvr>
-</p:sld>
-</file>
-
 <file path=ppt/slides/slide4.xml><?xml version="1.0" encoding="utf-8"?>
 <p:sld xmlns:a="http://schemas.openxmlformats.org/drawingml/2006/main" xmlns:r="http://schemas.openxmlformats.org/officeDocument/2006/relationships" xmlns:p="http://schemas.openxmlformats.org/presentationml/2006/main">
   <p:cSld>
@@ -23056,340 +23550,135 @@
       </p:grpSpPr>
       <p:sp>
         <p:nvSpPr>
-          <p:cNvPr id="3" name="TextBox 2">
+          <p:cNvPr id="2" name="Title 1">
             <a:extLst>
               <a:ext uri="{FF2B5EF4-FFF2-40B4-BE49-F238E27FC236}">
-                <a16:creationId xmlns:a16="http://schemas.microsoft.com/office/drawing/2014/main" id="{0460B561-9B3E-A968-2B4E-7319150C79C4}"/>
+                <a16:creationId xmlns:a16="http://schemas.microsoft.com/office/drawing/2014/main" id="{F861E724-3454-0ED9-7B71-61CD1E2B901F}"/>
               </a:ext>
             </a:extLst>
           </p:cNvPr>
-          <p:cNvSpPr txBox="1"/>
-          <p:nvPr/>
-        </p:nvSpPr>
-        <p:spPr>
-          <a:xfrm>
-            <a:off x="1510146" y="5437227"/>
-            <a:ext cx="6802581" cy="400110"/>
-          </a:xfrm>
-          <a:prstGeom prst="rect">
-            <a:avLst/>
-          </a:prstGeom>
-          <a:noFill/>
-        </p:spPr>
-        <p:txBody>
-          <a:bodyPr wrap="square">
-            <a:spAutoFit/>
-          </a:bodyPr>
+          <p:cNvSpPr>
+            <a:spLocks noGrp="1"/>
+          </p:cNvSpPr>
+          <p:nvPr>
+            <p:ph type="title"/>
+          </p:nvPr>
+        </p:nvSpPr>
+        <p:spPr/>
+        <p:txBody>
+          <a:bodyPr/>
           <a:lstStyle/>
           <a:p>
             <a:r>
-              <a:rPr lang="en-US" sz="2000">
-                <a:latin typeface="Verdana" panose="020B0604030504040204" pitchFamily="34" charset="0"/>
-                <a:ea typeface="Verdana" panose="020B0604030504040204" pitchFamily="34" charset="0"/>
-              </a:rPr>
-              <a:t>https://github.com/jbfoushee/MyPresentations/</a:t>
-            </a:r>
-            <a:endParaRPr lang="en-US" sz="2000" dirty="0">
-              <a:latin typeface="Verdana" panose="020B0604030504040204" pitchFamily="34" charset="0"/>
-              <a:ea typeface="Verdana" panose="020B0604030504040204" pitchFamily="34" charset="0"/>
-            </a:endParaRPr>
-          </a:p>
-        </p:txBody>
-      </p:sp>
-      <p:sp>
-        <p:nvSpPr>
-          <p:cNvPr id="5" name="TextBox 4">
+              <a:rPr lang="en-US" dirty="0"/>
+              <a:t>Why send all the rows at once?</a:t>
+            </a:r>
+          </a:p>
+        </p:txBody>
+      </p:sp>
+      <p:sp>
+        <p:nvSpPr>
+          <p:cNvPr id="3" name="Content Placeholder 2">
             <a:extLst>
               <a:ext uri="{FF2B5EF4-FFF2-40B4-BE49-F238E27FC236}">
-                <a16:creationId xmlns:a16="http://schemas.microsoft.com/office/drawing/2014/main" id="{ABF7E1BF-9545-970E-5C17-B09523F51437}"/>
+                <a16:creationId xmlns:a16="http://schemas.microsoft.com/office/drawing/2014/main" id="{FAEBB5E7-E3F3-A560-76C6-AE2BB967F322}"/>
               </a:ext>
             </a:extLst>
           </p:cNvPr>
-          <p:cNvSpPr txBox="1"/>
-          <p:nvPr/>
-        </p:nvSpPr>
-        <p:spPr>
-          <a:xfrm>
-            <a:off x="1510146" y="4895212"/>
-            <a:ext cx="7439890" cy="400110"/>
-          </a:xfrm>
-          <a:prstGeom prst="rect">
-            <a:avLst/>
-          </a:prstGeom>
-          <a:noFill/>
-        </p:spPr>
-        <p:txBody>
-          <a:bodyPr wrap="square">
-            <a:spAutoFit/>
-          </a:bodyPr>
+          <p:cNvSpPr>
+            <a:spLocks noGrp="1"/>
+          </p:cNvSpPr>
+          <p:nvPr>
+            <p:ph idx="1"/>
+          </p:nvPr>
+        </p:nvSpPr>
+        <p:spPr/>
+        <p:txBody>
+          <a:bodyPr/>
           <a:lstStyle/>
           <a:p>
-            <a:r>
-              <a:rPr lang="en-US" sz="2000" dirty="0">
-                <a:latin typeface="Verdana" panose="020B0604030504040204" pitchFamily="34" charset="0"/>
-                <a:ea typeface="Verdana" panose="020B0604030504040204" pitchFamily="34" charset="0"/>
-              </a:rPr>
-              <a:t>https://www.linkedin.com/in/jeff-foushee/</a:t>
-            </a:r>
-          </a:p>
-        </p:txBody>
-      </p:sp>
-      <p:pic>
-        <p:nvPicPr>
-          <p:cNvPr id="1026" name="Picture 2" descr="Linkedin-logo | myCloudDoor - Expertise for Cloud Transition">
-            <a:extLst>
-              <a:ext uri="{FF2B5EF4-FFF2-40B4-BE49-F238E27FC236}">
-                <a16:creationId xmlns:a16="http://schemas.microsoft.com/office/drawing/2014/main" id="{7541C2E9-3409-6A8C-14FE-E2F786407B3E}"/>
-              </a:ext>
-            </a:extLst>
-          </p:cNvPr>
-          <p:cNvPicPr>
-            <a:picLocks noChangeAspect="1" noChangeArrowheads="1"/>
-          </p:cNvPicPr>
-          <p:nvPr/>
-        </p:nvPicPr>
-        <p:blipFill>
-          <a:blip r:embed="rId2">
-            <a:extLst>
-              <a:ext uri="{28A0092B-C50C-407E-A947-70E740481C1C}">
-                <a14:useLocalDpi xmlns:a14="http://schemas.microsoft.com/office/drawing/2010/main" val="0"/>
-              </a:ext>
-            </a:extLst>
-          </a:blip>
-          <a:srcRect/>
-          <a:stretch>
-            <a:fillRect/>
-          </a:stretch>
-        </p:blipFill>
-        <p:spPr bwMode="auto">
-          <a:xfrm>
-            <a:off x="831273" y="4897215"/>
-            <a:ext cx="678873" cy="381866"/>
-          </a:xfrm>
-          <a:prstGeom prst="rect">
-            <a:avLst/>
-          </a:prstGeom>
-          <a:noFill/>
-          <a:extLst>
-            <a:ext uri="{909E8E84-426E-40DD-AFC4-6F175D3DCCD1}">
-              <a14:hiddenFill xmlns:a14="http://schemas.microsoft.com/office/drawing/2010/main">
-                <a:solidFill>
-                  <a:srgbClr val="FFFFFF"/>
-                </a:solidFill>
-              </a14:hiddenFill>
-            </a:ext>
-          </a:extLst>
-        </p:spPr>
-      </p:pic>
-      <p:pic>
-        <p:nvPicPr>
-          <p:cNvPr id="1028" name="Picture 4" descr="GitHub Logo, symbol, meaning, history, PNG, brand">
-            <a:extLst>
-              <a:ext uri="{FF2B5EF4-FFF2-40B4-BE49-F238E27FC236}">
-                <a16:creationId xmlns:a16="http://schemas.microsoft.com/office/drawing/2014/main" id="{4A4A3218-5674-2C67-8D76-BCC0445E30D3}"/>
-              </a:ext>
-            </a:extLst>
-          </p:cNvPr>
-          <p:cNvPicPr>
-            <a:picLocks noChangeAspect="1" noChangeArrowheads="1"/>
-          </p:cNvPicPr>
-          <p:nvPr/>
-        </p:nvPicPr>
-        <p:blipFill>
-          <a:blip r:embed="rId3">
-            <a:extLst>
-              <a:ext uri="{28A0092B-C50C-407E-A947-70E740481C1C}">
-                <a14:useLocalDpi xmlns:a14="http://schemas.microsoft.com/office/drawing/2010/main" val="0"/>
-              </a:ext>
-            </a:extLst>
-          </a:blip>
-          <a:srcRect/>
-          <a:stretch>
-            <a:fillRect/>
-          </a:stretch>
-        </p:blipFill>
-        <p:spPr bwMode="auto">
-          <a:xfrm>
-            <a:off x="831272" y="5451764"/>
-            <a:ext cx="678874" cy="381867"/>
-          </a:xfrm>
-          <a:prstGeom prst="rect">
-            <a:avLst/>
-          </a:prstGeom>
-          <a:noFill/>
-          <a:extLst>
-            <a:ext uri="{909E8E84-426E-40DD-AFC4-6F175D3DCCD1}">
-              <a14:hiddenFill xmlns:a14="http://schemas.microsoft.com/office/drawing/2010/main">
-                <a:solidFill>
-                  <a:srgbClr val="FFFFFF"/>
-                </a:solidFill>
-              </a14:hiddenFill>
-            </a:ext>
-          </a:extLst>
-        </p:spPr>
-      </p:pic>
-      <p:pic>
-        <p:nvPicPr>
-          <p:cNvPr id="7" name="Picture 6">
-            <a:extLst>
-              <a:ext uri="{FF2B5EF4-FFF2-40B4-BE49-F238E27FC236}">
-                <a16:creationId xmlns:a16="http://schemas.microsoft.com/office/drawing/2014/main" id="{4EF63783-B000-A4BC-CCBD-ECC8D1236DD3}"/>
-              </a:ext>
-            </a:extLst>
-          </p:cNvPr>
-          <p:cNvPicPr>
-            <a:picLocks noChangeAspect="1"/>
-          </p:cNvPicPr>
-          <p:nvPr/>
-        </p:nvPicPr>
-        <p:blipFill>
-          <a:blip r:embed="rId4">
-            <a:extLst>
-              <a:ext uri="{28A0092B-C50C-407E-A947-70E740481C1C}">
-                <a14:useLocalDpi xmlns:a14="http://schemas.microsoft.com/office/drawing/2010/main" val="0"/>
-              </a:ext>
-            </a:extLst>
-          </a:blip>
-          <a:stretch>
-            <a:fillRect/>
-          </a:stretch>
-        </p:blipFill>
-        <p:spPr>
-          <a:xfrm>
-            <a:off x="1039090" y="1578919"/>
-            <a:ext cx="2228212" cy="2228212"/>
-          </a:xfrm>
-          <a:prstGeom prst="rect">
-            <a:avLst/>
-          </a:prstGeom>
-        </p:spPr>
-      </p:pic>
-      <p:sp>
-        <p:nvSpPr>
-          <p:cNvPr id="8" name="TextBox 7">
-            <a:extLst>
-              <a:ext uri="{FF2B5EF4-FFF2-40B4-BE49-F238E27FC236}">
-                <a16:creationId xmlns:a16="http://schemas.microsoft.com/office/drawing/2014/main" id="{98A32F5C-E514-95A5-9E67-696F9A1524ED}"/>
-              </a:ext>
-            </a:extLst>
-          </p:cNvPr>
-          <p:cNvSpPr txBox="1"/>
-          <p:nvPr/>
-        </p:nvSpPr>
-        <p:spPr>
-          <a:xfrm>
-            <a:off x="4225637" y="1020663"/>
-            <a:ext cx="6442363" cy="2985433"/>
-          </a:xfrm>
-          <a:prstGeom prst="rect">
-            <a:avLst/>
-          </a:prstGeom>
-          <a:noFill/>
-        </p:spPr>
-        <p:txBody>
-          <a:bodyPr wrap="square" rtlCol="0">
-            <a:spAutoFit/>
-          </a:bodyPr>
-          <a:lstStyle/>
-          <a:p>
-            <a:r>
-              <a:rPr lang="en-US" sz="3600" dirty="0">
-                <a:latin typeface="Verdana" panose="020B0604030504040204" pitchFamily="34" charset="0"/>
-                <a:ea typeface="Verdana" panose="020B0604030504040204" pitchFamily="34" charset="0"/>
-              </a:rPr>
-              <a:t>Jeff Foushee</a:t>
-            </a:r>
-          </a:p>
-          <a:p>
-            <a:endParaRPr lang="en-US" sz="2400" dirty="0">
-              <a:latin typeface="Verdana" panose="020B0604030504040204" pitchFamily="34" charset="0"/>
-              <a:ea typeface="Verdana" panose="020B0604030504040204" pitchFamily="34" charset="0"/>
-            </a:endParaRPr>
-          </a:p>
-          <a:p>
-            <a:pPr marL="285750" indent="-285750">
-              <a:buFont typeface="Arial" panose="020B0604020202020204" pitchFamily="34" charset="0"/>
-              <a:buChar char="•"/>
+            <a:pPr marL="171450" indent="-171450">
+              <a:buFontTx/>
+              <a:buChar char="-"/>
             </a:pPr>
             <a:r>
-              <a:rPr lang="en-US" sz="2400" dirty="0">
-                <a:latin typeface="Verdana" panose="020B0604030504040204" pitchFamily="34" charset="0"/>
-                <a:ea typeface="Verdana" panose="020B0604030504040204" pitchFamily="34" charset="0"/>
-              </a:rPr>
-              <a:t>SQL Server Database Admin</a:t>
-            </a:r>
-          </a:p>
-          <a:p>
-            <a:pPr marL="285750" indent="-285750">
-              <a:buFont typeface="Arial" panose="020B0604020202020204" pitchFamily="34" charset="0"/>
-              <a:buChar char="•"/>
+              <a:rPr lang="en-US" dirty="0"/>
+              <a:t>All the data is related. Either all of it updates as a unit or none of it does.</a:t>
+            </a:r>
+          </a:p>
+          <a:p>
+            <a:pPr marL="171450" indent="-171450">
+              <a:buFontTx/>
+              <a:buChar char="-"/>
             </a:pPr>
-            <a:endParaRPr lang="en-US" sz="1000" dirty="0">
-              <a:latin typeface="Verdana" panose="020B0604030504040204" pitchFamily="34" charset="0"/>
-              <a:ea typeface="Verdana" panose="020B0604030504040204" pitchFamily="34" charset="0"/>
-            </a:endParaRPr>
-          </a:p>
-          <a:p>
-            <a:pPr marL="285750" indent="-285750">
-              <a:buFont typeface="Arial" panose="020B0604020202020204" pitchFamily="34" charset="0"/>
-              <a:buChar char="•"/>
+            <a:r>
+              <a:rPr lang="en-US" dirty="0"/>
+              <a:t>Keep the lifetime of the transaction to a minimum</a:t>
+            </a:r>
+          </a:p>
+          <a:p>
+            <a:pPr marL="171450" indent="-171450">
+              <a:buFontTx/>
+              <a:buChar char="-"/>
             </a:pPr>
             <a:r>
-              <a:rPr lang="en-US" sz="2400" dirty="0">
-                <a:latin typeface="Verdana" panose="020B0604030504040204" pitchFamily="34" charset="0"/>
-                <a:ea typeface="Verdana" panose="020B0604030504040204" pitchFamily="34" charset="0"/>
-              </a:rPr>
-              <a:t>Programmer</a:t>
-            </a:r>
-          </a:p>
-          <a:p>
-            <a:endParaRPr lang="en-US" sz="1000" dirty="0">
-              <a:latin typeface="Verdana" panose="020B0604030504040204" pitchFamily="34" charset="0"/>
-              <a:ea typeface="Verdana" panose="020B0604030504040204" pitchFamily="34" charset="0"/>
-            </a:endParaRPr>
-          </a:p>
-          <a:p>
-            <a:pPr marL="285750" indent="-285750">
-              <a:buFont typeface="Arial" panose="020B0604020202020204" pitchFamily="34" charset="0"/>
-              <a:buChar char="•"/>
+              <a:rPr lang="en-US" dirty="0"/>
+              <a:t>Avoid staging-table management</a:t>
+            </a:r>
+          </a:p>
+          <a:p>
+            <a:pPr marL="628650" lvl="1" indent="-171450">
+              <a:buFontTx/>
+              <a:buChar char="-"/>
             </a:pPr>
             <a:r>
-              <a:rPr lang="en-US" sz="2400" dirty="0">
-                <a:latin typeface="Verdana" panose="020B0604030504040204" pitchFamily="34" charset="0"/>
-                <a:ea typeface="Verdana" panose="020B0604030504040204" pitchFamily="34" charset="0"/>
-              </a:rPr>
-              <a:t>SQL Saturday speaker</a:t>
-            </a:r>
-          </a:p>
-          <a:p>
-            <a:pPr marL="285750" indent="-285750">
-              <a:buFont typeface="Arial" panose="020B0604020202020204" pitchFamily="34" charset="0"/>
-              <a:buChar char="•"/>
+              <a:rPr lang="en-US" dirty="0"/>
+              <a:t>procs to pre-clean the staging tables </a:t>
+            </a:r>
+          </a:p>
+          <a:p>
+            <a:pPr marL="628650" lvl="1" indent="-171450">
+              <a:buFontTx/>
+              <a:buChar char="-"/>
             </a:pPr>
-            <a:endParaRPr lang="en-US" sz="1200" dirty="0">
-              <a:latin typeface="Verdana" panose="020B0604030504040204" pitchFamily="34" charset="0"/>
-              <a:ea typeface="Verdana" panose="020B0604030504040204" pitchFamily="34" charset="0"/>
-            </a:endParaRPr>
-          </a:p>
-          <a:p>
-            <a:pPr marL="285750" indent="-285750">
-              <a:buFont typeface="Arial" panose="020B0604020202020204" pitchFamily="34" charset="0"/>
-              <a:buChar char="•"/>
+            <a:r>
+              <a:rPr lang="en-US" dirty="0"/>
+              <a:t>procs to swap the data afterwards</a:t>
+            </a:r>
+          </a:p>
+          <a:p>
+            <a:pPr marL="171450" indent="-171450">
+              <a:buFontTx/>
+              <a:buChar char="-"/>
             </a:pPr>
             <a:r>
-              <a:rPr lang="en-US" sz="2400" dirty="0">
-                <a:latin typeface="Verdana" panose="020B0604030504040204" pitchFamily="34" charset="0"/>
-                <a:ea typeface="Verdana" panose="020B0604030504040204" pitchFamily="34" charset="0"/>
-              </a:rPr>
-              <a:t>Blackjack dealer</a:t>
-            </a:r>
+              <a:rPr lang="en-US" dirty="0"/>
+              <a:t>Avoid session management</a:t>
+            </a:r>
+          </a:p>
+          <a:p>
+            <a:pPr marL="628650" lvl="1" indent="-171450">
+              <a:buFontTx/>
+              <a:buChar char="-"/>
+            </a:pPr>
+            <a:r>
+              <a:rPr lang="en-US" dirty="0"/>
+              <a:t>Even worse if everyone uses the same common application login</a:t>
+            </a:r>
+          </a:p>
+          <a:p>
+            <a:pPr marL="628650" lvl="1" indent="-171450">
+              <a:buFontTx/>
+              <a:buChar char="-"/>
+            </a:pPr>
+            <a:endParaRPr lang="en-US" dirty="0"/>
           </a:p>
         </p:txBody>
       </p:sp>
     </p:spTree>
     <p:extLst>
       <p:ext uri="{BB962C8B-B14F-4D97-AF65-F5344CB8AC3E}">
-        <p14:creationId xmlns:p14="http://schemas.microsoft.com/office/powerpoint/2010/main" val="918283133"/>
+        <p14:creationId xmlns:p14="http://schemas.microsoft.com/office/powerpoint/2010/main" val="1677124138"/>
       </p:ext>
     </p:extLst>
   </p:cSld>
@@ -23400,6 +23689,120 @@
 </file>
 
 <file path=ppt/slides/slide40.xml><?xml version="1.0" encoding="utf-8"?>
+<p:sld xmlns:a="http://schemas.openxmlformats.org/drawingml/2006/main" xmlns:r="http://schemas.openxmlformats.org/officeDocument/2006/relationships" xmlns:p="http://schemas.openxmlformats.org/presentationml/2006/main">
+  <p:cSld>
+    <p:spTree>
+      <p:nvGrpSpPr>
+        <p:cNvPr id="1" name=""/>
+        <p:cNvGrpSpPr/>
+        <p:nvPr/>
+      </p:nvGrpSpPr>
+      <p:grpSpPr>
+        <a:xfrm>
+          <a:off x="0" y="0"/>
+          <a:ext cx="0" cy="0"/>
+          <a:chOff x="0" y="0"/>
+          <a:chExt cx="0" cy="0"/>
+        </a:xfrm>
+      </p:grpSpPr>
+      <p:sp>
+        <p:nvSpPr>
+          <p:cNvPr id="2" name="Title 1">
+            <a:extLst>
+              <a:ext uri="{FF2B5EF4-FFF2-40B4-BE49-F238E27FC236}">
+                <a16:creationId xmlns:a16="http://schemas.microsoft.com/office/drawing/2014/main" id="{5E6808C7-4687-8CAF-CA67-D6F64ECEF728}"/>
+              </a:ext>
+            </a:extLst>
+          </p:cNvPr>
+          <p:cNvSpPr>
+            <a:spLocks noGrp="1"/>
+          </p:cNvSpPr>
+          <p:nvPr>
+            <p:ph type="title"/>
+          </p:nvPr>
+        </p:nvSpPr>
+        <p:spPr/>
+        <p:txBody>
+          <a:bodyPr/>
+          <a:lstStyle/>
+          <a:p>
+            <a:r>
+              <a:rPr lang="en-US" dirty="0"/>
+              <a:t>Where to go from here?</a:t>
+            </a:r>
+          </a:p>
+        </p:txBody>
+      </p:sp>
+      <p:sp>
+        <p:nvSpPr>
+          <p:cNvPr id="3" name="Content Placeholder 2">
+            <a:extLst>
+              <a:ext uri="{FF2B5EF4-FFF2-40B4-BE49-F238E27FC236}">
+                <a16:creationId xmlns:a16="http://schemas.microsoft.com/office/drawing/2014/main" id="{20C4A8D2-F243-AE85-404D-613EFB9A3E41}"/>
+              </a:ext>
+            </a:extLst>
+          </p:cNvPr>
+          <p:cNvSpPr>
+            <a:spLocks noGrp="1"/>
+          </p:cNvSpPr>
+          <p:nvPr>
+            <p:ph idx="1"/>
+          </p:nvPr>
+        </p:nvSpPr>
+        <p:spPr/>
+        <p:txBody>
+          <a:bodyPr>
+            <a:normAutofit/>
+          </a:bodyPr>
+          <a:lstStyle/>
+          <a:p>
+            <a:r>
+              <a:rPr lang="en-US" sz="2400" dirty="0"/>
+              <a:t>This is great, and I can’t wait to implement it back home!</a:t>
+            </a:r>
+          </a:p>
+          <a:p>
+            <a:r>
+              <a:rPr lang="en-US" sz="2400" dirty="0"/>
+              <a:t>I learned a lot </a:t>
+            </a:r>
+            <a:r>
+              <a:rPr lang="en-US" sz="2400"/>
+              <a:t>about UDTTs</a:t>
+            </a:r>
+            <a:r>
+              <a:rPr lang="en-US" sz="2400" dirty="0"/>
+              <a:t>, but I will continue to do things the way I currently insert data</a:t>
+            </a:r>
+          </a:p>
+          <a:p>
+            <a:r>
+              <a:rPr lang="en-US" sz="2400" dirty="0"/>
+              <a:t>This is great because now I can effectively argue against this solution</a:t>
+            </a:r>
+          </a:p>
+          <a:p>
+            <a:endParaRPr lang="en-US" sz="2400" dirty="0"/>
+          </a:p>
+          <a:p>
+            <a:endParaRPr lang="en-US" sz="2400" dirty="0"/>
+          </a:p>
+        </p:txBody>
+      </p:sp>
+    </p:spTree>
+    <p:extLst>
+      <p:ext uri="{BB962C8B-B14F-4D97-AF65-F5344CB8AC3E}">
+        <p14:creationId xmlns:p14="http://schemas.microsoft.com/office/powerpoint/2010/main" val="3160636057"/>
+      </p:ext>
+    </p:extLst>
+  </p:cSld>
+  <p:clrMapOvr>
+    <a:masterClrMapping/>
+  </p:clrMapOvr>
+</p:sld>
+</file>
+
+<file path=ppt/slides/slide41.xml><?xml version="1.0" encoding="utf-8"?>
 <p:sld xmlns:a="http://schemas.openxmlformats.org/drawingml/2006/main" xmlns:r="http://schemas.openxmlformats.org/officeDocument/2006/relationships" xmlns:p="http://schemas.openxmlformats.org/presentationml/2006/main">
   <p:cSld>
     <p:spTree>
@@ -23476,7 +23879,7 @@
 </p:sld>
 </file>
 
-<file path=ppt/slides/slide41.xml><?xml version="1.0" encoding="utf-8"?>
+<file path=ppt/slides/slide42.xml><?xml version="1.0" encoding="utf-8"?>
 <p:sld xmlns:a="http://schemas.openxmlformats.org/drawingml/2006/main" xmlns:r="http://schemas.openxmlformats.org/officeDocument/2006/relationships" xmlns:p="http://schemas.openxmlformats.org/presentationml/2006/main">
   <p:cSld>
     <p:spTree>
@@ -23850,6 +24253,368 @@
 </file>
 
 <file path=ppt/slides/slide5.xml><?xml version="1.0" encoding="utf-8"?>
+<p:sld xmlns:a="http://schemas.openxmlformats.org/drawingml/2006/main" xmlns:r="http://schemas.openxmlformats.org/officeDocument/2006/relationships" xmlns:p="http://schemas.openxmlformats.org/presentationml/2006/main">
+  <p:cSld>
+    <p:spTree>
+      <p:nvGrpSpPr>
+        <p:cNvPr id="1" name=""/>
+        <p:cNvGrpSpPr/>
+        <p:nvPr/>
+      </p:nvGrpSpPr>
+      <p:grpSpPr>
+        <a:xfrm>
+          <a:off x="0" y="0"/>
+          <a:ext cx="0" cy="0"/>
+          <a:chOff x="0" y="0"/>
+          <a:chExt cx="0" cy="0"/>
+        </a:xfrm>
+      </p:grpSpPr>
+      <p:sp>
+        <p:nvSpPr>
+          <p:cNvPr id="3" name="TextBox 2">
+            <a:extLst>
+              <a:ext uri="{FF2B5EF4-FFF2-40B4-BE49-F238E27FC236}">
+                <a16:creationId xmlns:a16="http://schemas.microsoft.com/office/drawing/2014/main" id="{0460B561-9B3E-A968-2B4E-7319150C79C4}"/>
+              </a:ext>
+            </a:extLst>
+          </p:cNvPr>
+          <p:cNvSpPr txBox="1"/>
+          <p:nvPr/>
+        </p:nvSpPr>
+        <p:spPr>
+          <a:xfrm>
+            <a:off x="1510146" y="5437227"/>
+            <a:ext cx="6802581" cy="400110"/>
+          </a:xfrm>
+          <a:prstGeom prst="rect">
+            <a:avLst/>
+          </a:prstGeom>
+          <a:noFill/>
+        </p:spPr>
+        <p:txBody>
+          <a:bodyPr wrap="square">
+            <a:spAutoFit/>
+          </a:bodyPr>
+          <a:lstStyle/>
+          <a:p>
+            <a:r>
+              <a:rPr lang="en-US" sz="2000">
+                <a:latin typeface="Verdana" panose="020B0604030504040204" pitchFamily="34" charset="0"/>
+                <a:ea typeface="Verdana" panose="020B0604030504040204" pitchFamily="34" charset="0"/>
+              </a:rPr>
+              <a:t>https://github.com/jbfoushee/MyPresentations/</a:t>
+            </a:r>
+            <a:endParaRPr lang="en-US" sz="2000" dirty="0">
+              <a:latin typeface="Verdana" panose="020B0604030504040204" pitchFamily="34" charset="0"/>
+              <a:ea typeface="Verdana" panose="020B0604030504040204" pitchFamily="34" charset="0"/>
+            </a:endParaRPr>
+          </a:p>
+        </p:txBody>
+      </p:sp>
+      <p:sp>
+        <p:nvSpPr>
+          <p:cNvPr id="5" name="TextBox 4">
+            <a:extLst>
+              <a:ext uri="{FF2B5EF4-FFF2-40B4-BE49-F238E27FC236}">
+                <a16:creationId xmlns:a16="http://schemas.microsoft.com/office/drawing/2014/main" id="{ABF7E1BF-9545-970E-5C17-B09523F51437}"/>
+              </a:ext>
+            </a:extLst>
+          </p:cNvPr>
+          <p:cNvSpPr txBox="1"/>
+          <p:nvPr/>
+        </p:nvSpPr>
+        <p:spPr>
+          <a:xfrm>
+            <a:off x="1510146" y="4895212"/>
+            <a:ext cx="7439890" cy="400110"/>
+          </a:xfrm>
+          <a:prstGeom prst="rect">
+            <a:avLst/>
+          </a:prstGeom>
+          <a:noFill/>
+        </p:spPr>
+        <p:txBody>
+          <a:bodyPr wrap="square">
+            <a:spAutoFit/>
+          </a:bodyPr>
+          <a:lstStyle/>
+          <a:p>
+            <a:r>
+              <a:rPr lang="en-US" sz="2000" dirty="0">
+                <a:latin typeface="Verdana" panose="020B0604030504040204" pitchFamily="34" charset="0"/>
+                <a:ea typeface="Verdana" panose="020B0604030504040204" pitchFamily="34" charset="0"/>
+              </a:rPr>
+              <a:t>https://www.linkedin.com/in/jeff-foushee/</a:t>
+            </a:r>
+          </a:p>
+        </p:txBody>
+      </p:sp>
+      <p:pic>
+        <p:nvPicPr>
+          <p:cNvPr id="1026" name="Picture 2" descr="Linkedin-logo | myCloudDoor - Expertise for Cloud Transition">
+            <a:extLst>
+              <a:ext uri="{FF2B5EF4-FFF2-40B4-BE49-F238E27FC236}">
+                <a16:creationId xmlns:a16="http://schemas.microsoft.com/office/drawing/2014/main" id="{7541C2E9-3409-6A8C-14FE-E2F786407B3E}"/>
+              </a:ext>
+            </a:extLst>
+          </p:cNvPr>
+          <p:cNvPicPr>
+            <a:picLocks noChangeAspect="1" noChangeArrowheads="1"/>
+          </p:cNvPicPr>
+          <p:nvPr/>
+        </p:nvPicPr>
+        <p:blipFill>
+          <a:blip r:embed="rId2">
+            <a:extLst>
+              <a:ext uri="{28A0092B-C50C-407E-A947-70E740481C1C}">
+                <a14:useLocalDpi xmlns:a14="http://schemas.microsoft.com/office/drawing/2010/main" val="0"/>
+              </a:ext>
+            </a:extLst>
+          </a:blip>
+          <a:srcRect/>
+          <a:stretch>
+            <a:fillRect/>
+          </a:stretch>
+        </p:blipFill>
+        <p:spPr bwMode="auto">
+          <a:xfrm>
+            <a:off x="831273" y="4897215"/>
+            <a:ext cx="678873" cy="381866"/>
+          </a:xfrm>
+          <a:prstGeom prst="rect">
+            <a:avLst/>
+          </a:prstGeom>
+          <a:noFill/>
+          <a:extLst>
+            <a:ext uri="{909E8E84-426E-40DD-AFC4-6F175D3DCCD1}">
+              <a14:hiddenFill xmlns:a14="http://schemas.microsoft.com/office/drawing/2010/main">
+                <a:solidFill>
+                  <a:srgbClr val="FFFFFF"/>
+                </a:solidFill>
+              </a14:hiddenFill>
+            </a:ext>
+          </a:extLst>
+        </p:spPr>
+      </p:pic>
+      <p:pic>
+        <p:nvPicPr>
+          <p:cNvPr id="1028" name="Picture 4" descr="GitHub Logo, symbol, meaning, history, PNG, brand">
+            <a:extLst>
+              <a:ext uri="{FF2B5EF4-FFF2-40B4-BE49-F238E27FC236}">
+                <a16:creationId xmlns:a16="http://schemas.microsoft.com/office/drawing/2014/main" id="{4A4A3218-5674-2C67-8D76-BCC0445E30D3}"/>
+              </a:ext>
+            </a:extLst>
+          </p:cNvPr>
+          <p:cNvPicPr>
+            <a:picLocks noChangeAspect="1" noChangeArrowheads="1"/>
+          </p:cNvPicPr>
+          <p:nvPr/>
+        </p:nvPicPr>
+        <p:blipFill>
+          <a:blip r:embed="rId3">
+            <a:extLst>
+              <a:ext uri="{28A0092B-C50C-407E-A947-70E740481C1C}">
+                <a14:useLocalDpi xmlns:a14="http://schemas.microsoft.com/office/drawing/2010/main" val="0"/>
+              </a:ext>
+            </a:extLst>
+          </a:blip>
+          <a:srcRect/>
+          <a:stretch>
+            <a:fillRect/>
+          </a:stretch>
+        </p:blipFill>
+        <p:spPr bwMode="auto">
+          <a:xfrm>
+            <a:off x="831272" y="5451764"/>
+            <a:ext cx="678874" cy="381867"/>
+          </a:xfrm>
+          <a:prstGeom prst="rect">
+            <a:avLst/>
+          </a:prstGeom>
+          <a:noFill/>
+          <a:extLst>
+            <a:ext uri="{909E8E84-426E-40DD-AFC4-6F175D3DCCD1}">
+              <a14:hiddenFill xmlns:a14="http://schemas.microsoft.com/office/drawing/2010/main">
+                <a:solidFill>
+                  <a:srgbClr val="FFFFFF"/>
+                </a:solidFill>
+              </a14:hiddenFill>
+            </a:ext>
+          </a:extLst>
+        </p:spPr>
+      </p:pic>
+      <p:pic>
+        <p:nvPicPr>
+          <p:cNvPr id="7" name="Picture 6">
+            <a:extLst>
+              <a:ext uri="{FF2B5EF4-FFF2-40B4-BE49-F238E27FC236}">
+                <a16:creationId xmlns:a16="http://schemas.microsoft.com/office/drawing/2014/main" id="{4EF63783-B000-A4BC-CCBD-ECC8D1236DD3}"/>
+              </a:ext>
+            </a:extLst>
+          </p:cNvPr>
+          <p:cNvPicPr>
+            <a:picLocks noChangeAspect="1"/>
+          </p:cNvPicPr>
+          <p:nvPr/>
+        </p:nvPicPr>
+        <p:blipFill>
+          <a:blip r:embed="rId4">
+            <a:extLst>
+              <a:ext uri="{28A0092B-C50C-407E-A947-70E740481C1C}">
+                <a14:useLocalDpi xmlns:a14="http://schemas.microsoft.com/office/drawing/2010/main" val="0"/>
+              </a:ext>
+            </a:extLst>
+          </a:blip>
+          <a:stretch>
+            <a:fillRect/>
+          </a:stretch>
+        </p:blipFill>
+        <p:spPr>
+          <a:xfrm>
+            <a:off x="1039090" y="1578919"/>
+            <a:ext cx="2228212" cy="2228212"/>
+          </a:xfrm>
+          <a:prstGeom prst="rect">
+            <a:avLst/>
+          </a:prstGeom>
+        </p:spPr>
+      </p:pic>
+      <p:sp>
+        <p:nvSpPr>
+          <p:cNvPr id="8" name="TextBox 7">
+            <a:extLst>
+              <a:ext uri="{FF2B5EF4-FFF2-40B4-BE49-F238E27FC236}">
+                <a16:creationId xmlns:a16="http://schemas.microsoft.com/office/drawing/2014/main" id="{98A32F5C-E514-95A5-9E67-696F9A1524ED}"/>
+              </a:ext>
+            </a:extLst>
+          </p:cNvPr>
+          <p:cNvSpPr txBox="1"/>
+          <p:nvPr/>
+        </p:nvSpPr>
+        <p:spPr>
+          <a:xfrm>
+            <a:off x="4225637" y="1020663"/>
+            <a:ext cx="6442363" cy="2985433"/>
+          </a:xfrm>
+          <a:prstGeom prst="rect">
+            <a:avLst/>
+          </a:prstGeom>
+          <a:noFill/>
+        </p:spPr>
+        <p:txBody>
+          <a:bodyPr wrap="square" rtlCol="0">
+            <a:spAutoFit/>
+          </a:bodyPr>
+          <a:lstStyle/>
+          <a:p>
+            <a:r>
+              <a:rPr lang="en-US" sz="3600" dirty="0">
+                <a:latin typeface="Verdana" panose="020B0604030504040204" pitchFamily="34" charset="0"/>
+                <a:ea typeface="Verdana" panose="020B0604030504040204" pitchFamily="34" charset="0"/>
+              </a:rPr>
+              <a:t>Jeff Foushee</a:t>
+            </a:r>
+          </a:p>
+          <a:p>
+            <a:endParaRPr lang="en-US" sz="2400" dirty="0">
+              <a:latin typeface="Verdana" panose="020B0604030504040204" pitchFamily="34" charset="0"/>
+              <a:ea typeface="Verdana" panose="020B0604030504040204" pitchFamily="34" charset="0"/>
+            </a:endParaRPr>
+          </a:p>
+          <a:p>
+            <a:pPr marL="285750" indent="-285750">
+              <a:buFont typeface="Arial" panose="020B0604020202020204" pitchFamily="34" charset="0"/>
+              <a:buChar char="•"/>
+            </a:pPr>
+            <a:r>
+              <a:rPr lang="en-US" sz="2400" dirty="0">
+                <a:latin typeface="Verdana" panose="020B0604030504040204" pitchFamily="34" charset="0"/>
+                <a:ea typeface="Verdana" panose="020B0604030504040204" pitchFamily="34" charset="0"/>
+              </a:rPr>
+              <a:t>SQL Server Database Admin</a:t>
+            </a:r>
+          </a:p>
+          <a:p>
+            <a:pPr marL="285750" indent="-285750">
+              <a:buFont typeface="Arial" panose="020B0604020202020204" pitchFamily="34" charset="0"/>
+              <a:buChar char="•"/>
+            </a:pPr>
+            <a:endParaRPr lang="en-US" sz="1000" dirty="0">
+              <a:latin typeface="Verdana" panose="020B0604030504040204" pitchFamily="34" charset="0"/>
+              <a:ea typeface="Verdana" panose="020B0604030504040204" pitchFamily="34" charset="0"/>
+            </a:endParaRPr>
+          </a:p>
+          <a:p>
+            <a:pPr marL="285750" indent="-285750">
+              <a:buFont typeface="Arial" panose="020B0604020202020204" pitchFamily="34" charset="0"/>
+              <a:buChar char="•"/>
+            </a:pPr>
+            <a:r>
+              <a:rPr lang="en-US" sz="2400" dirty="0">
+                <a:latin typeface="Verdana" panose="020B0604030504040204" pitchFamily="34" charset="0"/>
+                <a:ea typeface="Verdana" panose="020B0604030504040204" pitchFamily="34" charset="0"/>
+              </a:rPr>
+              <a:t>Programmer</a:t>
+            </a:r>
+          </a:p>
+          <a:p>
+            <a:endParaRPr lang="en-US" sz="1000" dirty="0">
+              <a:latin typeface="Verdana" panose="020B0604030504040204" pitchFamily="34" charset="0"/>
+              <a:ea typeface="Verdana" panose="020B0604030504040204" pitchFamily="34" charset="0"/>
+            </a:endParaRPr>
+          </a:p>
+          <a:p>
+            <a:pPr marL="285750" indent="-285750">
+              <a:buFont typeface="Arial" panose="020B0604020202020204" pitchFamily="34" charset="0"/>
+              <a:buChar char="•"/>
+            </a:pPr>
+            <a:r>
+              <a:rPr lang="en-US" sz="2400" dirty="0">
+                <a:latin typeface="Verdana" panose="020B0604030504040204" pitchFamily="34" charset="0"/>
+                <a:ea typeface="Verdana" panose="020B0604030504040204" pitchFamily="34" charset="0"/>
+              </a:rPr>
+              <a:t>SQL Saturday speaker</a:t>
+            </a:r>
+          </a:p>
+          <a:p>
+            <a:pPr marL="285750" indent="-285750">
+              <a:buFont typeface="Arial" panose="020B0604020202020204" pitchFamily="34" charset="0"/>
+              <a:buChar char="•"/>
+            </a:pPr>
+            <a:endParaRPr lang="en-US" sz="1200" dirty="0">
+              <a:latin typeface="Verdana" panose="020B0604030504040204" pitchFamily="34" charset="0"/>
+              <a:ea typeface="Verdana" panose="020B0604030504040204" pitchFamily="34" charset="0"/>
+            </a:endParaRPr>
+          </a:p>
+          <a:p>
+            <a:pPr marL="285750" indent="-285750">
+              <a:buFont typeface="Arial" panose="020B0604020202020204" pitchFamily="34" charset="0"/>
+              <a:buChar char="•"/>
+            </a:pPr>
+            <a:r>
+              <a:rPr lang="en-US" sz="2400" dirty="0">
+                <a:latin typeface="Verdana" panose="020B0604030504040204" pitchFamily="34" charset="0"/>
+                <a:ea typeface="Verdana" panose="020B0604030504040204" pitchFamily="34" charset="0"/>
+              </a:rPr>
+              <a:t>Blackjack dealer</a:t>
+            </a:r>
+          </a:p>
+        </p:txBody>
+      </p:sp>
+    </p:spTree>
+    <p:extLst>
+      <p:ext uri="{BB962C8B-B14F-4D97-AF65-F5344CB8AC3E}">
+        <p14:creationId xmlns:p14="http://schemas.microsoft.com/office/powerpoint/2010/main" val="918283133"/>
+      </p:ext>
+    </p:extLst>
+  </p:cSld>
+  <p:clrMapOvr>
+    <a:masterClrMapping/>
+  </p:clrMapOvr>
+</p:sld>
+</file>
+
+<file path=ppt/slides/slide6.xml><?xml version="1.0" encoding="utf-8"?>
 <p:sld xmlns:a="http://schemas.openxmlformats.org/drawingml/2006/main" xmlns:r="http://schemas.openxmlformats.org/officeDocument/2006/relationships" xmlns:p="http://schemas.openxmlformats.org/presentationml/2006/main">
   <p:cSld>
     <p:spTree>
@@ -24562,7 +25327,7 @@
 </p:sld>
 </file>
 
-<file path=ppt/slides/slide6.xml><?xml version="1.0" encoding="utf-8"?>
+<file path=ppt/slides/slide7.xml><?xml version="1.0" encoding="utf-8"?>
 <p:sld xmlns:a="http://schemas.openxmlformats.org/drawingml/2006/main" xmlns:r="http://schemas.openxmlformats.org/officeDocument/2006/relationships" xmlns:p="http://schemas.openxmlformats.org/presentationml/2006/main">
   <p:cSld>
     <p:spTree>
@@ -25280,7 +26045,7 @@
 </p:sld>
 </file>
 
-<file path=ppt/slides/slide7.xml><?xml version="1.0" encoding="utf-8"?>
+<file path=ppt/slides/slide8.xml><?xml version="1.0" encoding="utf-8"?>
 <p:sld xmlns:a="http://schemas.openxmlformats.org/drawingml/2006/main" xmlns:r="http://schemas.openxmlformats.org/officeDocument/2006/relationships" xmlns:p="http://schemas.openxmlformats.org/presentationml/2006/main">
   <p:cSld>
     <p:spTree>
@@ -26029,7 +26794,7 @@
 </p:sld>
 </file>
 
-<file path=ppt/slides/slide8.xml><?xml version="1.0" encoding="utf-8"?>
+<file path=ppt/slides/slide9.xml><?xml version="1.0" encoding="utf-8"?>
 <p:sld xmlns:a="http://schemas.openxmlformats.org/drawingml/2006/main" xmlns:r="http://schemas.openxmlformats.org/officeDocument/2006/relationships" xmlns:p="http://schemas.openxmlformats.org/presentationml/2006/main">
   <p:cSld>
     <p:spTree>
@@ -26186,617 +26951,6 @@
     <p:extLst>
       <p:ext uri="{BB962C8B-B14F-4D97-AF65-F5344CB8AC3E}">
         <p14:creationId xmlns:p14="http://schemas.microsoft.com/office/powerpoint/2010/main" val="503560692"/>
-      </p:ext>
-    </p:extLst>
-  </p:cSld>
-  <p:clrMapOvr>
-    <a:masterClrMapping/>
-  </p:clrMapOvr>
-</p:sld>
-</file>
-
-<file path=ppt/slides/slide9.xml><?xml version="1.0" encoding="utf-8"?>
-<p:sld xmlns:a="http://schemas.openxmlformats.org/drawingml/2006/main" xmlns:r="http://schemas.openxmlformats.org/officeDocument/2006/relationships" xmlns:p="http://schemas.openxmlformats.org/presentationml/2006/main">
-  <p:cSld>
-    <p:spTree>
-      <p:nvGrpSpPr>
-        <p:cNvPr id="1" name=""/>
-        <p:cNvGrpSpPr/>
-        <p:nvPr/>
-      </p:nvGrpSpPr>
-      <p:grpSpPr>
-        <a:xfrm>
-          <a:off x="0" y="0"/>
-          <a:ext cx="0" cy="0"/>
-          <a:chOff x="0" y="0"/>
-          <a:chExt cx="0" cy="0"/>
-        </a:xfrm>
-      </p:grpSpPr>
-      <p:pic>
-        <p:nvPicPr>
-          <p:cNvPr id="8" name="Picture 7">
-            <a:extLst>
-              <a:ext uri="{FF2B5EF4-FFF2-40B4-BE49-F238E27FC236}">
-                <a16:creationId xmlns:a16="http://schemas.microsoft.com/office/drawing/2014/main" id="{45F799DC-BC66-5363-55D4-8E9F9161FE70}"/>
-              </a:ext>
-            </a:extLst>
-          </p:cNvPr>
-          <p:cNvPicPr>
-            <a:picLocks noChangeAspect="1"/>
-          </p:cNvPicPr>
-          <p:nvPr/>
-        </p:nvPicPr>
-        <p:blipFill>
-          <a:blip r:embed="rId3"/>
-          <a:stretch>
-            <a:fillRect/>
-          </a:stretch>
-        </p:blipFill>
-        <p:spPr>
-          <a:xfrm>
-            <a:off x="714375" y="1576387"/>
-            <a:ext cx="7140914" cy="4916488"/>
-          </a:xfrm>
-          <a:prstGeom prst="rect">
-            <a:avLst/>
-          </a:prstGeom>
-        </p:spPr>
-      </p:pic>
-      <p:sp>
-        <p:nvSpPr>
-          <p:cNvPr id="2" name="Title 1">
-            <a:extLst>
-              <a:ext uri="{FF2B5EF4-FFF2-40B4-BE49-F238E27FC236}">
-                <a16:creationId xmlns:a16="http://schemas.microsoft.com/office/drawing/2014/main" id="{7F562E86-F32E-98F9-68DE-9AA7F54C6E47}"/>
-              </a:ext>
-            </a:extLst>
-          </p:cNvPr>
-          <p:cNvSpPr>
-            <a:spLocks noGrp="1"/>
-          </p:cNvSpPr>
-          <p:nvPr>
-            <p:ph type="title"/>
-          </p:nvPr>
-        </p:nvSpPr>
-        <p:spPr/>
-        <p:txBody>
-          <a:bodyPr/>
-          <a:lstStyle/>
-          <a:p>
-            <a:r>
-              <a:rPr lang="en-US" dirty="0"/>
-              <a:t>Create the User-Defined Table Type (UDTT)</a:t>
-            </a:r>
-          </a:p>
-        </p:txBody>
-      </p:sp>
-      <p:sp>
-        <p:nvSpPr>
-          <p:cNvPr id="6" name="TextBox 5">
-            <a:extLst>
-              <a:ext uri="{FF2B5EF4-FFF2-40B4-BE49-F238E27FC236}">
-                <a16:creationId xmlns:a16="http://schemas.microsoft.com/office/drawing/2014/main" id="{6917806C-FC8A-7A21-BC74-4762E064E1D5}"/>
-              </a:ext>
-            </a:extLst>
-          </p:cNvPr>
-          <p:cNvSpPr txBox="1"/>
-          <p:nvPr/>
-        </p:nvSpPr>
-        <p:spPr>
-          <a:xfrm>
-            <a:off x="4627418" y="1690688"/>
-            <a:ext cx="6726382" cy="3170099"/>
-          </a:xfrm>
-          <a:prstGeom prst="rect">
-            <a:avLst/>
-          </a:prstGeom>
-          <a:noFill/>
-        </p:spPr>
-        <p:txBody>
-          <a:bodyPr wrap="square" rtlCol="0">
-            <a:spAutoFit/>
-          </a:bodyPr>
-          <a:lstStyle/>
-          <a:p>
-            <a:r>
-              <a:rPr lang="en-US" sz="2000" b="1" dirty="0">
-                <a:solidFill>
-                  <a:srgbClr val="0000FF"/>
-                </a:solidFill>
-                <a:latin typeface="Consolas" panose="020B0609020204030204" pitchFamily="49" charset="0"/>
-              </a:rPr>
-              <a:t>CREATE</a:t>
-            </a:r>
-            <a:r>
-              <a:rPr lang="en-US" sz="2000" b="1" dirty="0">
-                <a:solidFill>
-                  <a:srgbClr val="000000"/>
-                </a:solidFill>
-                <a:latin typeface="Consolas" panose="020B0609020204030204" pitchFamily="49" charset="0"/>
-              </a:rPr>
-              <a:t> </a:t>
-            </a:r>
-            <a:r>
-              <a:rPr lang="en-US" sz="2000" b="1" dirty="0">
-                <a:solidFill>
-                  <a:srgbClr val="0000FF"/>
-                </a:solidFill>
-                <a:latin typeface="Consolas" panose="020B0609020204030204" pitchFamily="49" charset="0"/>
-              </a:rPr>
-              <a:t>TYPE</a:t>
-            </a:r>
-            <a:r>
-              <a:rPr lang="en-US" sz="2000" b="1" dirty="0">
-                <a:solidFill>
-                  <a:srgbClr val="000000"/>
-                </a:solidFill>
-                <a:latin typeface="Consolas" panose="020B0609020204030204" pitchFamily="49" charset="0"/>
-              </a:rPr>
-              <a:t> [</a:t>
-            </a:r>
-            <a:r>
-              <a:rPr lang="en-US" sz="2000" b="1" dirty="0" err="1">
-                <a:solidFill>
-                  <a:srgbClr val="000000"/>
-                </a:solidFill>
-                <a:latin typeface="Consolas" panose="020B0609020204030204" pitchFamily="49" charset="0"/>
-              </a:rPr>
-              <a:t>dbo</a:t>
-            </a:r>
-            <a:r>
-              <a:rPr lang="en-US" sz="2000" b="1" dirty="0">
-                <a:solidFill>
-                  <a:srgbClr val="000000"/>
-                </a:solidFill>
-                <a:latin typeface="Consolas" panose="020B0609020204030204" pitchFamily="49" charset="0"/>
-              </a:rPr>
-              <a:t>]</a:t>
-            </a:r>
-            <a:r>
-              <a:rPr lang="en-US" sz="2000" b="1" dirty="0">
-                <a:solidFill>
-                  <a:srgbClr val="808080"/>
-                </a:solidFill>
-                <a:latin typeface="Consolas" panose="020B0609020204030204" pitchFamily="49" charset="0"/>
-              </a:rPr>
-              <a:t>.</a:t>
-            </a:r>
-            <a:r>
-              <a:rPr lang="en-US" sz="2000" b="1" dirty="0">
-                <a:solidFill>
-                  <a:srgbClr val="000000"/>
-                </a:solidFill>
-                <a:latin typeface="Consolas" panose="020B0609020204030204" pitchFamily="49" charset="0"/>
-              </a:rPr>
-              <a:t>[</a:t>
-            </a:r>
-            <a:r>
-              <a:rPr lang="en-US" sz="2000" b="1" dirty="0" err="1">
-                <a:solidFill>
-                  <a:srgbClr val="000000"/>
-                </a:solidFill>
-                <a:latin typeface="Consolas" panose="020B0609020204030204" pitchFamily="49" charset="0"/>
-              </a:rPr>
-              <a:t>Type_Measurements</a:t>
-            </a:r>
-            <a:r>
-              <a:rPr lang="en-US" sz="2000" b="1" dirty="0">
-                <a:solidFill>
-                  <a:srgbClr val="000000"/>
-                </a:solidFill>
-                <a:latin typeface="Consolas" panose="020B0609020204030204" pitchFamily="49" charset="0"/>
-              </a:rPr>
-              <a:t>] </a:t>
-            </a:r>
-            <a:r>
-              <a:rPr lang="en-US" sz="2000" b="1" dirty="0">
-                <a:solidFill>
-                  <a:srgbClr val="0000FF"/>
-                </a:solidFill>
-                <a:latin typeface="Consolas" panose="020B0609020204030204" pitchFamily="49" charset="0"/>
-              </a:rPr>
-              <a:t>AS</a:t>
-            </a:r>
-            <a:r>
-              <a:rPr lang="en-US" sz="2000" b="1" dirty="0">
-                <a:solidFill>
-                  <a:srgbClr val="000000"/>
-                </a:solidFill>
-                <a:latin typeface="Consolas" panose="020B0609020204030204" pitchFamily="49" charset="0"/>
-              </a:rPr>
-              <a:t> </a:t>
-            </a:r>
-            <a:r>
-              <a:rPr lang="en-US" sz="2000" b="1" dirty="0">
-                <a:solidFill>
-                  <a:srgbClr val="0000FF"/>
-                </a:solidFill>
-                <a:latin typeface="Consolas" panose="020B0609020204030204" pitchFamily="49" charset="0"/>
-              </a:rPr>
-              <a:t>TABLE</a:t>
-            </a:r>
-          </a:p>
-          <a:p>
-            <a:r>
-              <a:rPr lang="en-US" sz="2000" b="1" dirty="0">
-                <a:solidFill>
-                  <a:srgbClr val="808080"/>
-                </a:solidFill>
-                <a:latin typeface="Consolas" panose="020B0609020204030204" pitchFamily="49" charset="0"/>
-              </a:rPr>
-              <a:t>(</a:t>
-            </a:r>
-            <a:endParaRPr lang="en-US" sz="2000" b="1" dirty="0">
-              <a:solidFill>
-                <a:srgbClr val="000000"/>
-              </a:solidFill>
-              <a:latin typeface="Consolas" panose="020B0609020204030204" pitchFamily="49" charset="0"/>
-            </a:endParaRPr>
-          </a:p>
-          <a:p>
-            <a:r>
-              <a:rPr lang="en-US" sz="2000" b="1" dirty="0">
-                <a:solidFill>
-                  <a:srgbClr val="000000"/>
-                </a:solidFill>
-                <a:latin typeface="Consolas" panose="020B0609020204030204" pitchFamily="49" charset="0"/>
-              </a:rPr>
-              <a:t>  [Measurement] [varchar]</a:t>
-            </a:r>
-            <a:r>
-              <a:rPr lang="en-US" sz="2000" b="1" dirty="0">
-                <a:solidFill>
-                  <a:srgbClr val="808080"/>
-                </a:solidFill>
-                <a:latin typeface="Consolas" panose="020B0609020204030204" pitchFamily="49" charset="0"/>
-              </a:rPr>
-              <a:t>(</a:t>
-            </a:r>
-            <a:r>
-              <a:rPr lang="en-US" sz="2000" b="1" dirty="0">
-                <a:solidFill>
-                  <a:srgbClr val="000000"/>
-                </a:solidFill>
-                <a:latin typeface="Consolas" panose="020B0609020204030204" pitchFamily="49" charset="0"/>
-              </a:rPr>
-              <a:t>10</a:t>
-            </a:r>
-            <a:r>
-              <a:rPr lang="en-US" sz="2000" b="1" dirty="0">
-                <a:solidFill>
-                  <a:srgbClr val="808080"/>
-                </a:solidFill>
-                <a:latin typeface="Consolas" panose="020B0609020204030204" pitchFamily="49" charset="0"/>
-              </a:rPr>
-              <a:t>)</a:t>
-            </a:r>
-            <a:r>
-              <a:rPr lang="en-US" sz="2000" b="1" dirty="0">
-                <a:solidFill>
-                  <a:srgbClr val="000000"/>
-                </a:solidFill>
-                <a:latin typeface="Consolas" panose="020B0609020204030204" pitchFamily="49" charset="0"/>
-              </a:rPr>
-              <a:t> </a:t>
-            </a:r>
-            <a:r>
-              <a:rPr lang="en-US" sz="2000" b="1" dirty="0">
-                <a:solidFill>
-                  <a:srgbClr val="808080"/>
-                </a:solidFill>
-                <a:latin typeface="Consolas" panose="020B0609020204030204" pitchFamily="49" charset="0"/>
-              </a:rPr>
-              <a:t>NOT</a:t>
-            </a:r>
-            <a:r>
-              <a:rPr lang="en-US" sz="2000" b="1" dirty="0">
-                <a:solidFill>
-                  <a:srgbClr val="000000"/>
-                </a:solidFill>
-                <a:latin typeface="Consolas" panose="020B0609020204030204" pitchFamily="49" charset="0"/>
-              </a:rPr>
-              <a:t> </a:t>
-            </a:r>
-            <a:r>
-              <a:rPr lang="en-US" sz="2000" b="1" dirty="0">
-                <a:solidFill>
-                  <a:srgbClr val="808080"/>
-                </a:solidFill>
-                <a:latin typeface="Consolas" panose="020B0609020204030204" pitchFamily="49" charset="0"/>
-              </a:rPr>
-              <a:t>NULL,</a:t>
-            </a:r>
-            <a:endParaRPr lang="en-US" sz="2000" b="1" dirty="0">
-              <a:solidFill>
-                <a:srgbClr val="000000"/>
-              </a:solidFill>
-              <a:latin typeface="Consolas" panose="020B0609020204030204" pitchFamily="49" charset="0"/>
-            </a:endParaRPr>
-          </a:p>
-          <a:p>
-            <a:r>
-              <a:rPr lang="en-US" sz="2000" b="1" dirty="0">
-                <a:solidFill>
-                  <a:srgbClr val="000000"/>
-                </a:solidFill>
-                <a:latin typeface="Consolas" panose="020B0609020204030204" pitchFamily="49" charset="0"/>
-              </a:rPr>
-              <a:t>  [Value] [int] </a:t>
-            </a:r>
-            <a:r>
-              <a:rPr lang="en-US" sz="2000" b="1" dirty="0">
-                <a:solidFill>
-                  <a:srgbClr val="808080"/>
-                </a:solidFill>
-                <a:latin typeface="Consolas" panose="020B0609020204030204" pitchFamily="49" charset="0"/>
-              </a:rPr>
-              <a:t>NOT</a:t>
-            </a:r>
-            <a:r>
-              <a:rPr lang="en-US" sz="2000" b="1" dirty="0">
-                <a:solidFill>
-                  <a:srgbClr val="000000"/>
-                </a:solidFill>
-                <a:latin typeface="Consolas" panose="020B0609020204030204" pitchFamily="49" charset="0"/>
-              </a:rPr>
-              <a:t> </a:t>
-            </a:r>
-            <a:r>
-              <a:rPr lang="en-US" sz="2000" b="1" dirty="0">
-                <a:solidFill>
-                  <a:srgbClr val="808080"/>
-                </a:solidFill>
-                <a:latin typeface="Consolas" panose="020B0609020204030204" pitchFamily="49" charset="0"/>
-              </a:rPr>
-              <a:t>NULL,</a:t>
-            </a:r>
-            <a:endParaRPr lang="en-US" sz="2000" b="1" dirty="0">
-              <a:solidFill>
-                <a:srgbClr val="000000"/>
-              </a:solidFill>
-              <a:latin typeface="Consolas" panose="020B0609020204030204" pitchFamily="49" charset="0"/>
-            </a:endParaRPr>
-          </a:p>
-          <a:p>
-            <a:endParaRPr lang="en-US" sz="2000" b="1" dirty="0">
-              <a:solidFill>
-                <a:srgbClr val="000000"/>
-              </a:solidFill>
-              <a:latin typeface="Consolas" panose="020B0609020204030204" pitchFamily="49" charset="0"/>
-            </a:endParaRPr>
-          </a:p>
-          <a:p>
-            <a:r>
-              <a:rPr lang="en-US" sz="2000" b="1" dirty="0">
-                <a:solidFill>
-                  <a:srgbClr val="0000FF"/>
-                </a:solidFill>
-                <a:latin typeface="Consolas" panose="020B0609020204030204" pitchFamily="49" charset="0"/>
-              </a:rPr>
-              <a:t>  PRIMARY</a:t>
-            </a:r>
-            <a:r>
-              <a:rPr lang="en-US" sz="2000" b="1" dirty="0">
-                <a:solidFill>
-                  <a:srgbClr val="000000"/>
-                </a:solidFill>
-                <a:latin typeface="Consolas" panose="020B0609020204030204" pitchFamily="49" charset="0"/>
-              </a:rPr>
-              <a:t> </a:t>
-            </a:r>
-            <a:r>
-              <a:rPr lang="en-US" sz="2000" b="1" dirty="0">
-                <a:solidFill>
-                  <a:srgbClr val="0000FF"/>
-                </a:solidFill>
-                <a:latin typeface="Consolas" panose="020B0609020204030204" pitchFamily="49" charset="0"/>
-              </a:rPr>
-              <a:t>KEY</a:t>
-            </a:r>
-            <a:r>
-              <a:rPr lang="en-US" sz="2000" b="1" dirty="0">
-                <a:solidFill>
-                  <a:srgbClr val="000000"/>
-                </a:solidFill>
-                <a:latin typeface="Consolas" panose="020B0609020204030204" pitchFamily="49" charset="0"/>
-              </a:rPr>
-              <a:t> </a:t>
-            </a:r>
-            <a:r>
-              <a:rPr lang="en-US" sz="2000" b="1" dirty="0">
-                <a:solidFill>
-                  <a:srgbClr val="0000FF"/>
-                </a:solidFill>
-                <a:latin typeface="Consolas" panose="020B0609020204030204" pitchFamily="49" charset="0"/>
-              </a:rPr>
-              <a:t>CLUSTERED</a:t>
-            </a:r>
-            <a:r>
-              <a:rPr lang="en-US" sz="2000" b="1" dirty="0">
-                <a:solidFill>
-                  <a:srgbClr val="000000"/>
-                </a:solidFill>
-                <a:latin typeface="Consolas" panose="020B0609020204030204" pitchFamily="49" charset="0"/>
-              </a:rPr>
-              <a:t> </a:t>
-            </a:r>
-          </a:p>
-          <a:p>
-            <a:r>
-              <a:rPr lang="en-US" sz="2000" b="1" dirty="0">
-                <a:solidFill>
-                  <a:srgbClr val="0000FF"/>
-                </a:solidFill>
-                <a:latin typeface="Consolas" panose="020B0609020204030204" pitchFamily="49" charset="0"/>
-              </a:rPr>
-              <a:t>    </a:t>
-            </a:r>
-            <a:r>
-              <a:rPr lang="en-US" sz="2000" b="1" dirty="0">
-                <a:solidFill>
-                  <a:srgbClr val="808080"/>
-                </a:solidFill>
-                <a:latin typeface="Consolas" panose="020B0609020204030204" pitchFamily="49" charset="0"/>
-              </a:rPr>
-              <a:t>(</a:t>
-            </a:r>
-            <a:r>
-              <a:rPr lang="en-US" sz="2000" b="1" dirty="0">
-                <a:solidFill>
-                  <a:srgbClr val="000000"/>
-                </a:solidFill>
-                <a:latin typeface="Consolas" panose="020B0609020204030204" pitchFamily="49" charset="0"/>
-              </a:rPr>
-              <a:t>Measurement </a:t>
-            </a:r>
-            <a:r>
-              <a:rPr lang="en-US" sz="2000" b="1" dirty="0">
-                <a:solidFill>
-                  <a:srgbClr val="0000FF"/>
-                </a:solidFill>
-                <a:latin typeface="Consolas" panose="020B0609020204030204" pitchFamily="49" charset="0"/>
-              </a:rPr>
-              <a:t>ASC</a:t>
-            </a:r>
-            <a:r>
-              <a:rPr lang="en-US" sz="2000" b="1" dirty="0">
-                <a:solidFill>
-                  <a:srgbClr val="808080"/>
-                </a:solidFill>
-                <a:latin typeface="Consolas" panose="020B0609020204030204" pitchFamily="49" charset="0"/>
-              </a:rPr>
-              <a:t>)</a:t>
-            </a:r>
-            <a:r>
-              <a:rPr lang="en-US" sz="2000" b="1" dirty="0">
-                <a:solidFill>
-                  <a:srgbClr val="000000"/>
-                </a:solidFill>
-                <a:latin typeface="Consolas" panose="020B0609020204030204" pitchFamily="49" charset="0"/>
-              </a:rPr>
-              <a:t> </a:t>
-            </a:r>
-          </a:p>
-          <a:p>
-            <a:r>
-              <a:rPr lang="en-US" sz="2000" b="1" dirty="0">
-                <a:solidFill>
-                  <a:srgbClr val="0000FF"/>
-                </a:solidFill>
-                <a:latin typeface="Consolas" panose="020B0609020204030204" pitchFamily="49" charset="0"/>
-              </a:rPr>
-              <a:t>  WITH </a:t>
-            </a:r>
-            <a:r>
-              <a:rPr lang="en-US" sz="2000" b="1" dirty="0">
-                <a:solidFill>
-                  <a:srgbClr val="808080"/>
-                </a:solidFill>
-                <a:latin typeface="Consolas" panose="020B0609020204030204" pitchFamily="49" charset="0"/>
-              </a:rPr>
-              <a:t>(</a:t>
-            </a:r>
-            <a:r>
-              <a:rPr lang="en-US" sz="2000" b="1" dirty="0">
-                <a:solidFill>
-                  <a:srgbClr val="0000FF"/>
-                </a:solidFill>
-                <a:latin typeface="Consolas" panose="020B0609020204030204" pitchFamily="49" charset="0"/>
-              </a:rPr>
-              <a:t>IGNORE_DUP_KEY</a:t>
-            </a:r>
-            <a:r>
-              <a:rPr lang="en-US" sz="2000" b="1" dirty="0">
-                <a:solidFill>
-                  <a:srgbClr val="000000"/>
-                </a:solidFill>
-                <a:latin typeface="Consolas" panose="020B0609020204030204" pitchFamily="49" charset="0"/>
-              </a:rPr>
-              <a:t> </a:t>
-            </a:r>
-            <a:r>
-              <a:rPr lang="en-US" sz="2000" b="1" dirty="0">
-                <a:solidFill>
-                  <a:srgbClr val="808080"/>
-                </a:solidFill>
-                <a:latin typeface="Consolas" panose="020B0609020204030204" pitchFamily="49" charset="0"/>
-              </a:rPr>
-              <a:t>=</a:t>
-            </a:r>
-            <a:r>
-              <a:rPr lang="en-US" sz="2000" b="1" dirty="0">
-                <a:solidFill>
-                  <a:srgbClr val="000000"/>
-                </a:solidFill>
-                <a:latin typeface="Consolas" panose="020B0609020204030204" pitchFamily="49" charset="0"/>
-              </a:rPr>
-              <a:t> </a:t>
-            </a:r>
-            <a:r>
-              <a:rPr lang="en-US" sz="2000" b="1" dirty="0">
-                <a:solidFill>
-                  <a:srgbClr val="0000FF"/>
-                </a:solidFill>
-                <a:latin typeface="Consolas" panose="020B0609020204030204" pitchFamily="49" charset="0"/>
-              </a:rPr>
-              <a:t>OFF</a:t>
-            </a:r>
-            <a:r>
-              <a:rPr lang="en-US" sz="2000" b="1" dirty="0">
-                <a:solidFill>
-                  <a:srgbClr val="808080"/>
-                </a:solidFill>
-                <a:latin typeface="Consolas" panose="020B0609020204030204" pitchFamily="49" charset="0"/>
-              </a:rPr>
-              <a:t>)</a:t>
-            </a:r>
-            <a:endParaRPr lang="en-US" sz="2000" b="1" dirty="0">
-              <a:solidFill>
-                <a:srgbClr val="000000"/>
-              </a:solidFill>
-              <a:latin typeface="Consolas" panose="020B0609020204030204" pitchFamily="49" charset="0"/>
-            </a:endParaRPr>
-          </a:p>
-          <a:p>
-            <a:r>
-              <a:rPr lang="en-US" sz="2000" b="1" dirty="0">
-                <a:solidFill>
-                  <a:srgbClr val="808080"/>
-                </a:solidFill>
-                <a:latin typeface="Consolas" panose="020B0609020204030204" pitchFamily="49" charset="0"/>
-              </a:rPr>
-              <a:t>)</a:t>
-            </a:r>
-            <a:endParaRPr lang="en-US" sz="2000" b="1" dirty="0">
-              <a:solidFill>
-                <a:srgbClr val="000000"/>
-              </a:solidFill>
-              <a:latin typeface="Consolas" panose="020B0609020204030204" pitchFamily="49" charset="0"/>
-            </a:endParaRPr>
-          </a:p>
-          <a:p>
-            <a:r>
-              <a:rPr lang="en-US" sz="2000" b="1" dirty="0">
-                <a:solidFill>
-                  <a:srgbClr val="0000FF"/>
-                </a:solidFill>
-                <a:latin typeface="Consolas" panose="020B0609020204030204" pitchFamily="49" charset="0"/>
-              </a:rPr>
-              <a:t>GO</a:t>
-            </a:r>
-            <a:endParaRPr lang="en-US" sz="2000" b="1" dirty="0">
-              <a:solidFill>
-                <a:srgbClr val="000000"/>
-              </a:solidFill>
-              <a:latin typeface="Consolas" panose="020B0609020204030204" pitchFamily="49" charset="0"/>
-            </a:endParaRPr>
-          </a:p>
-        </p:txBody>
-      </p:sp>
-    </p:spTree>
-    <p:extLst>
-      <p:ext uri="{BB962C8B-B14F-4D97-AF65-F5344CB8AC3E}">
-        <p14:creationId xmlns:p14="http://schemas.microsoft.com/office/powerpoint/2010/main" val="1140017231"/>
       </p:ext>
     </p:extLst>
   </p:cSld>

--- a/Datatables_and_Dataframes_to_SQL_Procs/User-defined Table Types.pptx
+++ b/Datatables_and_Dataframes_to_SQL_Procs/User-defined Table Types.pptx
@@ -13,7 +13,7 @@
     <p:sldId id="256" r:id="rId4"/>
     <p:sldId id="257" r:id="rId5"/>
     <p:sldId id="291" r:id="rId6"/>
-    <p:sldId id="314" r:id="rId7"/>
+    <p:sldId id="349" r:id="rId7"/>
     <p:sldId id="302" r:id="rId8"/>
     <p:sldId id="258" r:id="rId9"/>
     <p:sldId id="259" r:id="rId10"/>
@@ -251,7 +251,7 @@
           <a:p>
             <a:fld id="{3E17F473-D930-40CF-A164-F39E2E601F13}" type="datetimeFigureOut">
               <a:rPr lang="en-US" smtClean="0"/>
-              <a:t>5/10/2024</a:t>
+              <a:t>7/21/2024</a:t>
             </a:fld>
             <a:endParaRPr lang="en-US"/>
           </a:p>
@@ -3777,7 +3777,7 @@
           <a:p>
             <a:fld id="{FAFDAFBD-AA74-4F39-B34D-B8A0CE5CD8B0}" type="datetimeFigureOut">
               <a:rPr lang="en-US" smtClean="0"/>
-              <a:t>5/10/2024</a:t>
+              <a:t>7/21/2024</a:t>
             </a:fld>
             <a:endParaRPr lang="en-US"/>
           </a:p>
@@ -3975,7 +3975,7 @@
           <a:p>
             <a:fld id="{FAFDAFBD-AA74-4F39-B34D-B8A0CE5CD8B0}" type="datetimeFigureOut">
               <a:rPr lang="en-US" smtClean="0"/>
-              <a:t>5/10/2024</a:t>
+              <a:t>7/21/2024</a:t>
             </a:fld>
             <a:endParaRPr lang="en-US"/>
           </a:p>
@@ -4183,7 +4183,7 @@
           <a:p>
             <a:fld id="{FAFDAFBD-AA74-4F39-B34D-B8A0CE5CD8B0}" type="datetimeFigureOut">
               <a:rPr lang="en-US" smtClean="0"/>
-              <a:t>5/10/2024</a:t>
+              <a:t>7/21/2024</a:t>
             </a:fld>
             <a:endParaRPr lang="en-US"/>
           </a:p>
@@ -4978,7 +4978,7 @@
           <a:p>
             <a:fld id="{FAFDAFBD-AA74-4F39-B34D-B8A0CE5CD8B0}" type="datetimeFigureOut">
               <a:rPr lang="en-US" smtClean="0"/>
-              <a:t>5/10/2024</a:t>
+              <a:t>7/21/2024</a:t>
             </a:fld>
             <a:endParaRPr lang="en-US"/>
           </a:p>
@@ -5154,7 +5154,7 @@
           <a:p>
             <a:fld id="{FAFDAFBD-AA74-4F39-B34D-B8A0CE5CD8B0}" type="datetimeFigureOut">
               <a:rPr lang="en-US" smtClean="0"/>
-              <a:t>5/10/2024</a:t>
+              <a:t>7/21/2024</a:t>
             </a:fld>
             <a:endParaRPr lang="en-US"/>
           </a:p>
@@ -5401,7 +5401,7 @@
           <a:p>
             <a:fld id="{FAFDAFBD-AA74-4F39-B34D-B8A0CE5CD8B0}" type="datetimeFigureOut">
               <a:rPr lang="en-US" smtClean="0"/>
-              <a:t>5/10/2024</a:t>
+              <a:t>7/21/2024</a:t>
             </a:fld>
             <a:endParaRPr lang="en-US"/>
           </a:p>
@@ -5633,7 +5633,7 @@
           <a:p>
             <a:fld id="{FAFDAFBD-AA74-4F39-B34D-B8A0CE5CD8B0}" type="datetimeFigureOut">
               <a:rPr lang="en-US" smtClean="0"/>
-              <a:t>5/10/2024</a:t>
+              <a:t>7/21/2024</a:t>
             </a:fld>
             <a:endParaRPr lang="en-US"/>
           </a:p>
@@ -6007,7 +6007,7 @@
           <a:p>
             <a:fld id="{FAFDAFBD-AA74-4F39-B34D-B8A0CE5CD8B0}" type="datetimeFigureOut">
               <a:rPr lang="en-US" smtClean="0"/>
-              <a:t>5/10/2024</a:t>
+              <a:t>7/21/2024</a:t>
             </a:fld>
             <a:endParaRPr lang="en-US"/>
           </a:p>
@@ -6130,7 +6130,7 @@
           <a:p>
             <a:fld id="{FAFDAFBD-AA74-4F39-B34D-B8A0CE5CD8B0}" type="datetimeFigureOut">
               <a:rPr lang="en-US" smtClean="0"/>
-              <a:t>5/10/2024</a:t>
+              <a:t>7/21/2024</a:t>
             </a:fld>
             <a:endParaRPr lang="en-US"/>
           </a:p>
@@ -6225,7 +6225,7 @@
           <a:p>
             <a:fld id="{FAFDAFBD-AA74-4F39-B34D-B8A0CE5CD8B0}" type="datetimeFigureOut">
               <a:rPr lang="en-US" smtClean="0"/>
-              <a:t>5/10/2024</a:t>
+              <a:t>7/21/2024</a:t>
             </a:fld>
             <a:endParaRPr lang="en-US"/>
           </a:p>
@@ -6480,7 +6480,7 @@
           <a:p>
             <a:fld id="{FAFDAFBD-AA74-4F39-B34D-B8A0CE5CD8B0}" type="datetimeFigureOut">
               <a:rPr lang="en-US" smtClean="0"/>
-              <a:t>5/10/2024</a:t>
+              <a:t>7/21/2024</a:t>
             </a:fld>
             <a:endParaRPr lang="en-US"/>
           </a:p>
@@ -6666,7 +6666,7 @@
           <a:p>
             <a:fld id="{FAFDAFBD-AA74-4F39-B34D-B8A0CE5CD8B0}" type="datetimeFigureOut">
               <a:rPr lang="en-US" smtClean="0"/>
-              <a:t>5/10/2024</a:t>
+              <a:t>7/21/2024</a:t>
             </a:fld>
             <a:endParaRPr lang="en-US"/>
           </a:p>
@@ -6941,7 +6941,7 @@
           <a:p>
             <a:fld id="{FAFDAFBD-AA74-4F39-B34D-B8A0CE5CD8B0}" type="datetimeFigureOut">
               <a:rPr lang="en-US" smtClean="0"/>
-              <a:t>5/10/2024</a:t>
+              <a:t>7/21/2024</a:t>
             </a:fld>
             <a:endParaRPr lang="en-US"/>
           </a:p>
@@ -7192,7 +7192,7 @@
           <a:p>
             <a:fld id="{FAFDAFBD-AA74-4F39-B34D-B8A0CE5CD8B0}" type="datetimeFigureOut">
               <a:rPr lang="en-US" smtClean="0"/>
-              <a:t>5/10/2024</a:t>
+              <a:t>7/21/2024</a:t>
             </a:fld>
             <a:endParaRPr lang="en-US"/>
           </a:p>
@@ -7506,7 +7506,7 @@
           <a:p>
             <a:fld id="{FAFDAFBD-AA74-4F39-B34D-B8A0CE5CD8B0}" type="datetimeFigureOut">
               <a:rPr lang="en-US" smtClean="0"/>
-              <a:t>5/10/2024</a:t>
+              <a:t>7/21/2024</a:t>
             </a:fld>
             <a:endParaRPr lang="en-US"/>
           </a:p>
@@ -7847,7 +7847,7 @@
           <a:p>
             <a:fld id="{FAFDAFBD-AA74-4F39-B34D-B8A0CE5CD8B0}" type="datetimeFigureOut">
               <a:rPr lang="en-US" smtClean="0"/>
-              <a:t>5/10/2024</a:t>
+              <a:t>7/21/2024</a:t>
             </a:fld>
             <a:endParaRPr lang="en-US"/>
           </a:p>
@@ -8161,7 +8161,7 @@
           <a:p>
             <a:fld id="{FAFDAFBD-AA74-4F39-B34D-B8A0CE5CD8B0}" type="datetimeFigureOut">
               <a:rPr lang="en-US" smtClean="0"/>
-              <a:t>5/10/2024</a:t>
+              <a:t>7/21/2024</a:t>
             </a:fld>
             <a:endParaRPr lang="en-US"/>
           </a:p>
@@ -8554,7 +8554,7 @@
           <a:p>
             <a:fld id="{FAFDAFBD-AA74-4F39-B34D-B8A0CE5CD8B0}" type="datetimeFigureOut">
               <a:rPr lang="en-US" smtClean="0"/>
-              <a:t>5/10/2024</a:t>
+              <a:t>7/21/2024</a:t>
             </a:fld>
             <a:endParaRPr lang="en-US"/>
           </a:p>
@@ -8724,7 +8724,7 @@
           <a:p>
             <a:fld id="{FAFDAFBD-AA74-4F39-B34D-B8A0CE5CD8B0}" type="datetimeFigureOut">
               <a:rPr lang="en-US" smtClean="0"/>
-              <a:t>5/10/2024</a:t>
+              <a:t>7/21/2024</a:t>
             </a:fld>
             <a:endParaRPr lang="en-US"/>
           </a:p>
@@ -8904,7 +8904,7 @@
           <a:p>
             <a:fld id="{FAFDAFBD-AA74-4F39-B34D-B8A0CE5CD8B0}" type="datetimeFigureOut">
               <a:rPr lang="en-US" smtClean="0"/>
-              <a:t>5/10/2024</a:t>
+              <a:t>7/21/2024</a:t>
             </a:fld>
             <a:endParaRPr lang="en-US"/>
           </a:p>
@@ -9167,7 +9167,7 @@
           <a:p>
             <a:fld id="{FAFDAFBD-AA74-4F39-B34D-B8A0CE5CD8B0}" type="datetimeFigureOut">
               <a:rPr lang="en-US" smtClean="0"/>
-              <a:t>5/10/2024</a:t>
+              <a:t>7/21/2024</a:t>
             </a:fld>
             <a:endParaRPr lang="en-US"/>
           </a:p>
@@ -9432,7 +9432,7 @@
           <a:p>
             <a:fld id="{FAFDAFBD-AA74-4F39-B34D-B8A0CE5CD8B0}" type="datetimeFigureOut">
               <a:rPr lang="en-US" smtClean="0"/>
-              <a:t>5/10/2024</a:t>
+              <a:t>7/21/2024</a:t>
             </a:fld>
             <a:endParaRPr lang="en-US"/>
           </a:p>
@@ -9844,7 +9844,7 @@
           <a:p>
             <a:fld id="{FAFDAFBD-AA74-4F39-B34D-B8A0CE5CD8B0}" type="datetimeFigureOut">
               <a:rPr lang="en-US" smtClean="0"/>
-              <a:t>5/10/2024</a:t>
+              <a:t>7/21/2024</a:t>
             </a:fld>
             <a:endParaRPr lang="en-US"/>
           </a:p>
@@ -9985,7 +9985,7 @@
           <a:p>
             <a:fld id="{FAFDAFBD-AA74-4F39-B34D-B8A0CE5CD8B0}" type="datetimeFigureOut">
               <a:rPr lang="en-US" smtClean="0"/>
-              <a:t>5/10/2024</a:t>
+              <a:t>7/21/2024</a:t>
             </a:fld>
             <a:endParaRPr lang="en-US"/>
           </a:p>
@@ -10098,7 +10098,7 @@
           <a:p>
             <a:fld id="{FAFDAFBD-AA74-4F39-B34D-B8A0CE5CD8B0}" type="datetimeFigureOut">
               <a:rPr lang="en-US" smtClean="0"/>
-              <a:t>5/10/2024</a:t>
+              <a:t>7/21/2024</a:t>
             </a:fld>
             <a:endParaRPr lang="en-US"/>
           </a:p>
@@ -10409,7 +10409,7 @@
           <a:p>
             <a:fld id="{FAFDAFBD-AA74-4F39-B34D-B8A0CE5CD8B0}" type="datetimeFigureOut">
               <a:rPr lang="en-US" smtClean="0"/>
-              <a:t>5/10/2024</a:t>
+              <a:t>7/21/2024</a:t>
             </a:fld>
             <a:endParaRPr lang="en-US"/>
           </a:p>
@@ -10697,7 +10697,7 @@
           <a:p>
             <a:fld id="{FAFDAFBD-AA74-4F39-B34D-B8A0CE5CD8B0}" type="datetimeFigureOut">
               <a:rPr lang="en-US" smtClean="0"/>
-              <a:t>5/10/2024</a:t>
+              <a:t>7/21/2024</a:t>
             </a:fld>
             <a:endParaRPr lang="en-US"/>
           </a:p>
@@ -10938,7 +10938,7 @@
           <a:p>
             <a:fld id="{FAFDAFBD-AA74-4F39-B34D-B8A0CE5CD8B0}" type="datetimeFigureOut">
               <a:rPr lang="en-US" smtClean="0"/>
-              <a:t>5/10/2024</a:t>
+              <a:t>7/21/2024</a:t>
             </a:fld>
             <a:endParaRPr lang="en-US"/>
           </a:p>
@@ -12020,7 +12020,7 @@
           <a:p>
             <a:fld id="{FAFDAFBD-AA74-4F39-B34D-B8A0CE5CD8B0}" type="datetimeFigureOut">
               <a:rPr lang="en-US" smtClean="0"/>
-              <a:t>5/10/2024</a:t>
+              <a:t>7/21/2024</a:t>
             </a:fld>
             <a:endParaRPr lang="en-US"/>
           </a:p>
@@ -24471,8 +24471,8 @@
         </p:blipFill>
         <p:spPr>
           <a:xfrm>
-            <a:off x="1039090" y="1578919"/>
-            <a:ext cx="2228212" cy="2228212"/>
+            <a:off x="1065013" y="1145792"/>
+            <a:ext cx="2049795" cy="2049795"/>
           </a:xfrm>
           <a:prstGeom prst="rect">
             <a:avLst/>
@@ -24493,7 +24493,7 @@
         </p:nvSpPr>
         <p:spPr>
           <a:xfrm>
-            <a:off x="4225637" y="1020663"/>
+            <a:off x="3426741" y="1020663"/>
             <a:ext cx="6442363" cy="2985433"/>
           </a:xfrm>
           <a:prstGeom prst="rect">
@@ -24601,10 +24601,70 @@
           </a:p>
         </p:txBody>
       </p:sp>
+      <p:pic>
+        <p:nvPicPr>
+          <p:cNvPr id="2" name="Picture 1">
+            <a:extLst>
+              <a:ext uri="{FF2B5EF4-FFF2-40B4-BE49-F238E27FC236}">
+                <a16:creationId xmlns:a16="http://schemas.microsoft.com/office/drawing/2014/main" id="{1014BE0B-5E89-8A06-24B5-EF1DF4E65AD0}"/>
+              </a:ext>
+            </a:extLst>
+          </p:cNvPr>
+          <p:cNvPicPr>
+            <a:picLocks noChangeAspect="1"/>
+          </p:cNvPicPr>
+          <p:nvPr/>
+        </p:nvPicPr>
+        <p:blipFill>
+          <a:blip r:embed="rId5"/>
+          <a:stretch>
+            <a:fillRect/>
+          </a:stretch>
+        </p:blipFill>
+        <p:spPr>
+          <a:xfrm>
+            <a:off x="9357879" y="4371263"/>
+            <a:ext cx="1628368" cy="1616653"/>
+          </a:xfrm>
+          <a:prstGeom prst="rect">
+            <a:avLst/>
+          </a:prstGeom>
+        </p:spPr>
+      </p:pic>
+      <p:pic>
+        <p:nvPicPr>
+          <p:cNvPr id="14" name="Picture 13">
+            <a:extLst>
+              <a:ext uri="{FF2B5EF4-FFF2-40B4-BE49-F238E27FC236}">
+                <a16:creationId xmlns:a16="http://schemas.microsoft.com/office/drawing/2014/main" id="{E677BCE5-5CCD-CDCE-8476-CA5DF0421C63}"/>
+              </a:ext>
+            </a:extLst>
+          </p:cNvPr>
+          <p:cNvPicPr>
+            <a:picLocks noChangeAspect="1"/>
+          </p:cNvPicPr>
+          <p:nvPr/>
+        </p:nvPicPr>
+        <p:blipFill>
+          <a:blip r:embed="rId6"/>
+          <a:stretch>
+            <a:fillRect/>
+          </a:stretch>
+        </p:blipFill>
+        <p:spPr>
+          <a:xfrm>
+            <a:off x="8505416" y="1315960"/>
+            <a:ext cx="2308474" cy="1879627"/>
+          </a:xfrm>
+          <a:prstGeom prst="rect">
+            <a:avLst/>
+          </a:prstGeom>
+        </p:spPr>
+      </p:pic>
     </p:spTree>
     <p:extLst>
       <p:ext uri="{BB962C8B-B14F-4D97-AF65-F5344CB8AC3E}">
-        <p14:creationId xmlns:p14="http://schemas.microsoft.com/office/powerpoint/2010/main" val="918283133"/>
+        <p14:creationId xmlns:p14="http://schemas.microsoft.com/office/powerpoint/2010/main" val="904236353"/>
       </p:ext>
     </p:extLst>
   </p:cSld>
